--- a/v1.pptx
+++ b/v1.pptx
@@ -9,6 +9,8 @@
     <p:sldId id="257" r:id="rId3"/>
     <p:sldId id="258" r:id="rId4"/>
     <p:sldId id="259" r:id="rId5"/>
+    <p:sldId id="260" r:id="rId6"/>
+    <p:sldId id="261" r:id="rId7"/>
   </p:sldIdLst>
   <p:sldSz cx="12192000" cy="6858000"/>
   <p:notesSz cx="6858000" cy="9144000"/>
@@ -107,6 +109,11 @@
       </a:defRPr>
     </a:lvl9pPr>
   </p:defaultTextStyle>
+  <p:extLst>
+    <p:ext uri="{EFAFB233-063F-42B5-8137-9DF3F51BA10A}">
+      <p15:sldGuideLst xmlns:p15="http://schemas.microsoft.com/office/powerpoint/2012/main"/>
+    </p:ext>
+  </p:extLst>
 </p:presentation>
 </file>
 
@@ -832,7 +839,7 @@
           <a:p>
             <a:fld id="{C0F340BC-220D-458C-8A54-D798291E717C}" type="datetimeFigureOut">
               <a:rPr lang="zh-CN" altLang="en-US" smtClean="0"/>
-              <a:t>2019/10/15</a:t>
+              <a:t>2019/10/19</a:t>
             </a:fld>
             <a:endParaRPr lang="zh-CN" altLang="en-US"/>
           </a:p>
@@ -1083,7 +1090,7 @@
           <a:p>
             <a:fld id="{C0F340BC-220D-458C-8A54-D798291E717C}" type="datetimeFigureOut">
               <a:rPr lang="zh-CN" altLang="en-US" smtClean="0"/>
-              <a:t>2019/10/15</a:t>
+              <a:t>2019/10/19</a:t>
             </a:fld>
             <a:endParaRPr lang="zh-CN" altLang="en-US"/>
           </a:p>
@@ -1397,7 +1404,7 @@
           <a:p>
             <a:fld id="{C0F340BC-220D-458C-8A54-D798291E717C}" type="datetimeFigureOut">
               <a:rPr lang="zh-CN" altLang="en-US" smtClean="0"/>
-              <a:t>2019/10/15</a:t>
+              <a:t>2019/10/19</a:t>
             </a:fld>
             <a:endParaRPr lang="zh-CN" altLang="en-US"/>
           </a:p>
@@ -1738,7 +1745,7 @@
           <a:p>
             <a:fld id="{C0F340BC-220D-458C-8A54-D798291E717C}" type="datetimeFigureOut">
               <a:rPr lang="zh-CN" altLang="en-US" smtClean="0"/>
-              <a:t>2019/10/15</a:t>
+              <a:t>2019/10/19</a:t>
             </a:fld>
             <a:endParaRPr lang="zh-CN" altLang="en-US"/>
           </a:p>
@@ -2052,7 +2059,7 @@
           <a:p>
             <a:fld id="{C0F340BC-220D-458C-8A54-D798291E717C}" type="datetimeFigureOut">
               <a:rPr lang="zh-CN" altLang="en-US" smtClean="0"/>
-              <a:t>2019/10/15</a:t>
+              <a:t>2019/10/19</a:t>
             </a:fld>
             <a:endParaRPr lang="zh-CN" altLang="en-US"/>
           </a:p>
@@ -2445,7 +2452,7 @@
           <a:p>
             <a:fld id="{C0F340BC-220D-458C-8A54-D798291E717C}" type="datetimeFigureOut">
               <a:rPr lang="zh-CN" altLang="en-US" smtClean="0"/>
-              <a:t>2019/10/15</a:t>
+              <a:t>2019/10/19</a:t>
             </a:fld>
             <a:endParaRPr lang="zh-CN" altLang="en-US"/>
           </a:p>
@@ -2615,7 +2622,7 @@
           <a:p>
             <a:fld id="{C0F340BC-220D-458C-8A54-D798291E717C}" type="datetimeFigureOut">
               <a:rPr lang="zh-CN" altLang="en-US" smtClean="0"/>
-              <a:t>2019/10/15</a:t>
+              <a:t>2019/10/19</a:t>
             </a:fld>
             <a:endParaRPr lang="zh-CN" altLang="en-US"/>
           </a:p>
@@ -2795,7 +2802,7 @@
           <a:p>
             <a:fld id="{C0F340BC-220D-458C-8A54-D798291E717C}" type="datetimeFigureOut">
               <a:rPr lang="zh-CN" altLang="en-US" smtClean="0"/>
-              <a:t>2019/10/15</a:t>
+              <a:t>2019/10/19</a:t>
             </a:fld>
             <a:endParaRPr lang="zh-CN" altLang="en-US"/>
           </a:p>
@@ -2971,7 +2978,7 @@
           <a:p>
             <a:fld id="{C0F340BC-220D-458C-8A54-D798291E717C}" type="datetimeFigureOut">
               <a:rPr lang="zh-CN" altLang="en-US" smtClean="0"/>
-              <a:t>2019/10/15</a:t>
+              <a:t>2019/10/19</a:t>
             </a:fld>
             <a:endParaRPr lang="zh-CN" altLang="en-US"/>
           </a:p>
@@ -3218,7 +3225,7 @@
           <a:p>
             <a:fld id="{C0F340BC-220D-458C-8A54-D798291E717C}" type="datetimeFigureOut">
               <a:rPr lang="zh-CN" altLang="en-US" smtClean="0"/>
-              <a:t>2019/10/15</a:t>
+              <a:t>2019/10/19</a:t>
             </a:fld>
             <a:endParaRPr lang="zh-CN" altLang="en-US"/>
           </a:p>
@@ -3450,7 +3457,7 @@
           <a:p>
             <a:fld id="{C0F340BC-220D-458C-8A54-D798291E717C}" type="datetimeFigureOut">
               <a:rPr lang="zh-CN" altLang="en-US" smtClean="0"/>
-              <a:t>2019/10/15</a:t>
+              <a:t>2019/10/19</a:t>
             </a:fld>
             <a:endParaRPr lang="zh-CN" altLang="en-US"/>
           </a:p>
@@ -3824,7 +3831,7 @@
           <a:p>
             <a:fld id="{C0F340BC-220D-458C-8A54-D798291E717C}" type="datetimeFigureOut">
               <a:rPr lang="zh-CN" altLang="en-US" smtClean="0"/>
-              <a:t>2019/10/15</a:t>
+              <a:t>2019/10/19</a:t>
             </a:fld>
             <a:endParaRPr lang="zh-CN" altLang="en-US"/>
           </a:p>
@@ -3947,7 +3954,7 @@
           <a:p>
             <a:fld id="{C0F340BC-220D-458C-8A54-D798291E717C}" type="datetimeFigureOut">
               <a:rPr lang="zh-CN" altLang="en-US" smtClean="0"/>
-              <a:t>2019/10/15</a:t>
+              <a:t>2019/10/19</a:t>
             </a:fld>
             <a:endParaRPr lang="zh-CN" altLang="en-US"/>
           </a:p>
@@ -4042,7 +4049,7 @@
           <a:p>
             <a:fld id="{C0F340BC-220D-458C-8A54-D798291E717C}" type="datetimeFigureOut">
               <a:rPr lang="zh-CN" altLang="en-US" smtClean="0"/>
-              <a:t>2019/10/15</a:t>
+              <a:t>2019/10/19</a:t>
             </a:fld>
             <a:endParaRPr lang="zh-CN" altLang="en-US"/>
           </a:p>
@@ -4297,7 +4304,7 @@
           <a:p>
             <a:fld id="{C0F340BC-220D-458C-8A54-D798291E717C}" type="datetimeFigureOut">
               <a:rPr lang="zh-CN" altLang="en-US" smtClean="0"/>
-              <a:t>2019/10/15</a:t>
+              <a:t>2019/10/19</a:t>
             </a:fld>
             <a:endParaRPr lang="zh-CN" altLang="en-US"/>
           </a:p>
@@ -4560,7 +4567,7 @@
           <a:p>
             <a:fld id="{C0F340BC-220D-458C-8A54-D798291E717C}" type="datetimeFigureOut">
               <a:rPr lang="zh-CN" altLang="en-US" smtClean="0"/>
-              <a:t>2019/10/15</a:t>
+              <a:t>2019/10/19</a:t>
             </a:fld>
             <a:endParaRPr lang="zh-CN" altLang="en-US"/>
           </a:p>
@@ -5303,7 +5310,7 @@
           <a:p>
             <a:fld id="{C0F340BC-220D-458C-8A54-D798291E717C}" type="datetimeFigureOut">
               <a:rPr lang="zh-CN" altLang="en-US" smtClean="0"/>
-              <a:t>2019/10/15</a:t>
+              <a:t>2019/10/19</a:t>
             </a:fld>
             <a:endParaRPr lang="zh-CN" altLang="en-US"/>
           </a:p>
@@ -5875,6 +5882,13 @@
   <p:clrMapOvr>
     <a:masterClrMapping/>
   </p:clrMapOvr>
+  <p:timing>
+    <p:tnLst>
+      <p:par>
+        <p:cTn id="1" dur="indefinite" restart="never" nodeType="tmRoot"/>
+      </p:par>
+    </p:tnLst>
+  </p:timing>
 </p:sld>
 </file>
 
@@ -5928,7 +5942,12 @@
             <p:ph idx="1"/>
           </p:nvPr>
         </p:nvSpPr>
-        <p:spPr/>
+        <p:spPr>
+          <a:xfrm>
+            <a:off x="677334" y="1270000"/>
+            <a:ext cx="8596668" cy="3880773"/>
+          </a:xfrm>
+        </p:spPr>
         <p:txBody>
           <a:bodyPr>
             <a:noAutofit/>
@@ -5945,17 +5964,14 @@
             </a:r>
           </a:p>
           <a:p>
+            <a:pPr lvl="1"/>
+            <a:r>
+              <a:rPr lang="en-US" altLang="zh-CN" dirty="0" smtClean="0"/>
+              <a:t>1</a:t>
+            </a:r>
             <a:r>
               <a:rPr lang="en-US" altLang="zh-CN" dirty="0"/>
-              <a:t>    </a:t>
-            </a:r>
-            <a:r>
-              <a:rPr lang="en-US" altLang="zh-CN" dirty="0" smtClean="0"/>
-              <a:t>      </a:t>
-            </a:r>
-            <a:r>
-              <a:rPr lang="en-US" altLang="zh-CN" dirty="0"/>
-              <a:t>1.</a:t>
+              <a:t>.</a:t>
             </a:r>
             <a:r>
               <a:rPr lang="zh-CN" altLang="en-US" dirty="0"/>
@@ -5975,17 +5991,14 @@
             </a:r>
           </a:p>
           <a:p>
+            <a:pPr lvl="1"/>
+            <a:r>
+              <a:rPr lang="en-US" altLang="zh-CN" dirty="0" smtClean="0"/>
+              <a:t>2</a:t>
+            </a:r>
             <a:r>
               <a:rPr lang="en-US" altLang="zh-CN" dirty="0"/>
-              <a:t>    </a:t>
-            </a:r>
-            <a:r>
-              <a:rPr lang="en-US" altLang="zh-CN" dirty="0" smtClean="0"/>
-              <a:t>      </a:t>
-            </a:r>
-            <a:r>
-              <a:rPr lang="en-US" altLang="zh-CN" dirty="0"/>
-              <a:t>2.</a:t>
+              <a:t>.</a:t>
             </a:r>
             <a:r>
               <a:rPr lang="zh-CN" altLang="en-US" dirty="0"/>
@@ -6013,17 +6026,14 @@
             </a:r>
           </a:p>
           <a:p>
+            <a:pPr lvl="1"/>
+            <a:r>
+              <a:rPr lang="en-US" altLang="zh-CN" dirty="0" smtClean="0"/>
+              <a:t>3</a:t>
+            </a:r>
             <a:r>
               <a:rPr lang="en-US" altLang="zh-CN" dirty="0"/>
-              <a:t>    </a:t>
-            </a:r>
-            <a:r>
-              <a:rPr lang="en-US" altLang="zh-CN" dirty="0" smtClean="0"/>
-              <a:t>      </a:t>
-            </a:r>
-            <a:r>
-              <a:rPr lang="en-US" altLang="zh-CN" dirty="0"/>
-              <a:t>3.</a:t>
+              <a:t>.</a:t>
             </a:r>
             <a:r>
               <a:rPr lang="zh-CN" altLang="en-US" dirty="0"/>
@@ -6100,38 +6110,193 @@
             </a:r>
             <a:r>
               <a:rPr lang="en-US" altLang="zh-CN" dirty="0"/>
-              <a:t>=[1,1,0</a:t>
+              <a:t>=[</a:t>
             </a:r>
             <a:r>
               <a:rPr lang="en-US" altLang="zh-CN" dirty="0" smtClean="0"/>
-              <a:t>];</a:t>
+              <a:t>1,1,0,0];</a:t>
+            </a:r>
+            <a:r>
+              <a:rPr lang="zh-CN" altLang="en-US" dirty="0" smtClean="0"/>
+              <a:t>将其写成</a:t>
+            </a:r>
+            <a:r>
+              <a:rPr lang="en-US" altLang="zh-CN" dirty="0" smtClean="0"/>
+              <a:t>[0,0,0,1;0,0,1,1;0,1,1,0;1,1,0,0;]</a:t>
             </a:r>
             <a:r>
               <a:rPr lang="zh-CN" altLang="en-US" dirty="0"/>
-              <a:t>将</a:t>
+              <a:t>的</a:t>
+            </a:r>
+            <a:r>
+              <a:rPr lang="zh-CN" altLang="en-US" dirty="0" smtClean="0"/>
+              <a:t>形式</a:t>
+            </a:r>
+            <a:r>
+              <a:rPr lang="en-US" altLang="zh-CN" dirty="0" smtClean="0"/>
+              <a:t>:</a:t>
+            </a:r>
+          </a:p>
+          <a:p>
+            <a:pPr lvl="1"/>
+            <a:r>
+              <a:rPr lang="zh-CN" altLang="en-US" dirty="0" smtClean="0"/>
+              <a:t>其中最后一行是输入，即为卷积编码器传入了</a:t>
             </a:r>
             <a:r>
               <a:rPr lang="en-US" altLang="zh-CN" dirty="0"/>
-              <a:t>input</a:t>
+              <a:t>4</a:t>
+            </a:r>
+            <a:r>
+              <a:rPr lang="zh-CN" altLang="en-US" dirty="0" smtClean="0"/>
+              <a:t>个</a:t>
+            </a:r>
+            <a:r>
+              <a:rPr lang="en-US" altLang="zh-CN" dirty="0" smtClean="0"/>
+              <a:t>bit</a:t>
+            </a:r>
+            <a:r>
+              <a:rPr lang="zh-CN" altLang="en-US" dirty="0" smtClean="0"/>
+              <a:t>的情况</a:t>
+            </a:r>
+            <a:endParaRPr lang="en-US" altLang="zh-CN" dirty="0" smtClean="0"/>
+          </a:p>
+          <a:p>
+            <a:pPr lvl="1"/>
+            <a:r>
+              <a:rPr lang="zh-CN" altLang="en-US" dirty="0" smtClean="0"/>
+              <a:t>第三行是</a:t>
+            </a:r>
+            <a:r>
+              <a:rPr lang="zh-CN" altLang="en-US" dirty="0" smtClean="0"/>
+              <a:t>取</a:t>
+            </a:r>
+            <a:r>
+              <a:rPr lang="en-US" altLang="zh-CN" dirty="0" smtClean="0"/>
+              <a:t>{0</a:t>
+            </a:r>
+            <a:r>
+              <a:rPr lang="en-US" altLang="zh-CN" dirty="0"/>
+              <a:t>,</a:t>
+            </a:r>
+            <a:r>
+              <a:rPr lang="en-US" altLang="zh-CN" dirty="0" smtClean="0"/>
+              <a:t>[1,1,0]}</a:t>
+            </a:r>
+            <a:r>
+              <a:rPr lang="zh-CN" altLang="en-US" dirty="0" smtClean="0"/>
+              <a:t>，即为卷积编码器只传入了</a:t>
+            </a:r>
+            <a:r>
+              <a:rPr lang="en-US" altLang="zh-CN" dirty="0"/>
+              <a:t>3</a:t>
+            </a:r>
+            <a:r>
+              <a:rPr lang="zh-CN" altLang="en-US" dirty="0" smtClean="0"/>
+              <a:t>个</a:t>
+            </a:r>
+            <a:r>
+              <a:rPr lang="en-US" altLang="zh-CN" dirty="0" smtClean="0"/>
+              <a:t>bit</a:t>
+            </a:r>
+            <a:r>
+              <a:rPr lang="zh-CN" altLang="en-US" dirty="0" smtClean="0"/>
+              <a:t>的情况</a:t>
+            </a:r>
+            <a:endParaRPr lang="en-US" altLang="zh-CN" dirty="0" smtClean="0"/>
+          </a:p>
+          <a:p>
+            <a:pPr lvl="1"/>
+            <a:r>
+              <a:rPr lang="zh-CN" altLang="en-US" dirty="0" smtClean="0"/>
+              <a:t>第二行是取</a:t>
+            </a:r>
+            <a:r>
+              <a:rPr lang="en-US" altLang="zh-CN" dirty="0" smtClean="0"/>
+              <a:t>{0,0,[1,1]}</a:t>
+            </a:r>
+            <a:r>
+              <a:rPr lang="zh-CN" altLang="en-US" dirty="0" smtClean="0"/>
+              <a:t>，即为卷积编码器只传入了</a:t>
+            </a:r>
+            <a:r>
+              <a:rPr lang="en-US" altLang="zh-CN" dirty="0"/>
+              <a:t>2</a:t>
+            </a:r>
+            <a:r>
+              <a:rPr lang="zh-CN" altLang="en-US" dirty="0" smtClean="0"/>
+              <a:t>个</a:t>
+            </a:r>
+            <a:r>
+              <a:rPr lang="en-US" altLang="zh-CN" dirty="0" smtClean="0"/>
+              <a:t>bit</a:t>
+            </a:r>
+            <a:r>
+              <a:rPr lang="zh-CN" altLang="en-US" dirty="0" smtClean="0"/>
+              <a:t>的情况</a:t>
+            </a:r>
+            <a:endParaRPr lang="en-US" altLang="zh-CN" dirty="0" smtClean="0"/>
+          </a:p>
+          <a:p>
+            <a:pPr lvl="1"/>
+            <a:r>
+              <a:rPr lang="zh-CN" altLang="en-US" dirty="0" smtClean="0"/>
+              <a:t>第一行</a:t>
             </a:r>
             <a:r>
               <a:rPr lang="zh-CN" altLang="en-US" dirty="0"/>
-              <a:t>写成</a:t>
+              <a:t>是取</a:t>
             </a:r>
             <a:r>
               <a:rPr lang="en-US" altLang="zh-CN" dirty="0"/>
-              <a:t>[0,0,1;0,1,1;1,1,0;]</a:t>
+              <a:t>{</a:t>
+            </a:r>
+            <a:r>
+              <a:rPr lang="en-US" altLang="zh-CN" dirty="0" smtClean="0"/>
+              <a:t>0,0,0,[1</a:t>
+            </a:r>
+            <a:r>
+              <a:rPr lang="en-US" altLang="zh-CN" dirty="0"/>
+              <a:t>]}</a:t>
             </a:r>
             <a:r>
               <a:rPr lang="zh-CN" altLang="en-US" dirty="0"/>
-              <a:t>的形式</a:t>
-            </a:r>
-            <a:endParaRPr lang="en-US" altLang="zh-CN" dirty="0"/>
-          </a:p>
-          <a:p>
+              <a:t>，即为卷积编码器只传入</a:t>
+            </a:r>
             <a:r>
               <a:rPr lang="zh-CN" altLang="en-US" dirty="0" smtClean="0"/>
-              <a:t>定义对应的卷积编码矩阵为</a:t>
+              <a:t>了</a:t>
+            </a:r>
+            <a:r>
+              <a:rPr lang="en-US" altLang="zh-CN" dirty="0" smtClean="0"/>
+              <a:t>1</a:t>
+            </a:r>
+            <a:r>
+              <a:rPr lang="zh-CN" altLang="en-US" dirty="0" smtClean="0"/>
+              <a:t>个</a:t>
+            </a:r>
+            <a:r>
+              <a:rPr lang="en-US" altLang="zh-CN" dirty="0"/>
+              <a:t>bit</a:t>
+            </a:r>
+            <a:r>
+              <a:rPr lang="zh-CN" altLang="en-US" dirty="0"/>
+              <a:t>的</a:t>
+            </a:r>
+            <a:r>
+              <a:rPr lang="zh-CN" altLang="en-US" dirty="0" smtClean="0"/>
+              <a:t>情况</a:t>
+            </a:r>
+            <a:endParaRPr lang="en-US" altLang="zh-CN" dirty="0" smtClean="0"/>
+          </a:p>
+          <a:p>
+            <a:r>
+              <a:rPr lang="zh-CN" altLang="en-US" dirty="0" smtClean="0"/>
+              <a:t>定义</a:t>
+            </a:r>
+            <a:r>
+              <a:rPr lang="zh-CN" altLang="en-US" dirty="0" smtClean="0"/>
+              <a:t>对应的卷积编码矩阵为</a:t>
             </a:r>
             <a:r>
               <a:rPr lang="en-US" altLang="zh-CN" dirty="0" smtClean="0"/>
@@ -6143,18 +6308,11 @@
             </a:r>
             <a:r>
               <a:rPr lang="en-US" altLang="zh-CN" dirty="0" smtClean="0"/>
-              <a:t>];</a:t>
-            </a:r>
-            <a:endParaRPr lang="zh-CN" altLang="en-US" dirty="0"/>
-          </a:p>
-          <a:p>
-            <a:r>
-              <a:rPr lang="en-US" altLang="zh-CN" dirty="0" smtClean="0"/>
-              <a:t> </a:t>
+              <a:t>];G*input</a:t>
             </a:r>
             <a:r>
               <a:rPr lang="en-US" altLang="zh-CN" dirty="0"/>
-              <a:t>G*input=[1,1,1;1,0,0];</a:t>
+              <a:t>=[1,1,1;1,0,0];</a:t>
             </a:r>
           </a:p>
           <a:p>
@@ -6168,8 +6326,13 @@
             </a:r>
             <a:r>
               <a:rPr lang="zh-CN" altLang="en-US" dirty="0"/>
-              <a:t>列向量组合得到结果</a:t>
-            </a:r>
+              <a:t>列向量组合得到</a:t>
+            </a:r>
+            <a:r>
+              <a:rPr lang="zh-CN" altLang="en-US" dirty="0" smtClean="0"/>
+              <a:t>结果</a:t>
+            </a:r>
+            <a:endParaRPr lang="en-US" altLang="zh-CN" dirty="0" smtClean="0"/>
           </a:p>
         </p:txBody>
       </p:sp>
@@ -6183,6 +6346,13 @@
   <p:clrMapOvr>
     <a:masterClrMapping/>
   </p:clrMapOvr>
+  <p:timing>
+    <p:tnLst>
+      <p:par>
+        <p:cTn id="1" dur="indefinite" restart="never" nodeType="tmRoot"/>
+      </p:par>
+    </p:tnLst>
+  </p:timing>
 </p:sld>
 </file>
 
@@ -6236,7 +6406,12 @@
             <p:ph idx="1"/>
           </p:nvPr>
         </p:nvSpPr>
-        <p:spPr/>
+        <p:spPr>
+          <a:xfrm>
+            <a:off x="677334" y="1450376"/>
+            <a:ext cx="8596668" cy="3880773"/>
+          </a:xfrm>
+        </p:spPr>
         <p:txBody>
           <a:bodyPr/>
           <a:lstStyle/>
@@ -6251,10 +6426,7 @@
             </a:r>
           </a:p>
           <a:p>
-            <a:r>
-              <a:rPr lang="en-US" altLang="zh-CN" dirty="0"/>
-              <a:t>        </a:t>
-            </a:r>
+            <a:pPr lvl="1"/>
             <a:r>
               <a:rPr lang="en-US" altLang="zh-CN" dirty="0" smtClean="0"/>
               <a:t>1</a:t>
@@ -6281,10 +6453,7 @@
             </a:r>
           </a:p>
           <a:p>
-            <a:r>
-              <a:rPr lang="en-US" altLang="zh-CN" dirty="0"/>
-              <a:t>        </a:t>
-            </a:r>
+            <a:pPr lvl="1"/>
             <a:r>
               <a:rPr lang="en-US" altLang="zh-CN" dirty="0" smtClean="0"/>
               <a:t>2</a:t>
@@ -6434,6 +6603,13 @@
   <p:clrMapOvr>
     <a:masterClrMapping/>
   </p:clrMapOvr>
+  <p:timing>
+    <p:tnLst>
+      <p:par>
+        <p:cTn id="1" dur="indefinite" restart="never" nodeType="tmRoot"/>
+      </p:par>
+    </p:tnLst>
+  </p:timing>
 </p:sld>
 </file>
 
@@ -6469,33 +6645,551 @@
           <a:bodyPr/>
           <a:lstStyle/>
           <a:p>
-            <a:endParaRPr lang="zh-CN" altLang="en-US"/>
-          </a:p>
-        </p:txBody>
-      </p:sp>
-      <p:sp>
-        <p:nvSpPr>
-          <p:cNvPr id="3" name="内容占位符 2"/>
-          <p:cNvSpPr>
-            <a:spLocks noGrp="1"/>
-          </p:cNvSpPr>
+            <a:r>
+              <a:rPr lang="zh-CN" altLang="en-US" dirty="0" smtClean="0"/>
+              <a:t>发端星座图</a:t>
+            </a:r>
+            <a:endParaRPr lang="zh-CN" altLang="en-US" dirty="0"/>
+          </a:p>
+        </p:txBody>
+      </p:sp>
+      <p:pic>
+        <p:nvPicPr>
+          <p:cNvPr id="4" name="内容占位符 3"/>
+          <p:cNvPicPr>
+            <a:picLocks noGrp="1" noChangeAspect="1"/>
+          </p:cNvPicPr>
           <p:nvPr>
             <p:ph idx="1"/>
           </p:nvPr>
-        </p:nvSpPr>
-        <p:spPr/>
-        <p:txBody>
-          <a:bodyPr/>
-          <a:lstStyle/>
-          <a:p>
-            <a:endParaRPr lang="zh-CN" altLang="en-US"/>
-          </a:p>
-        </p:txBody>
-      </p:sp>
+        </p:nvPicPr>
+        <p:blipFill>
+          <a:blip r:embed="rId2"/>
+          <a:stretch>
+            <a:fillRect/>
+          </a:stretch>
+        </p:blipFill>
+        <p:spPr>
+          <a:xfrm>
+            <a:off x="-956066" y="1428304"/>
+            <a:ext cx="11229942" cy="5612130"/>
+          </a:xfrm>
+          <a:prstGeom prst="rect">
+            <a:avLst/>
+          </a:prstGeom>
+        </p:spPr>
+      </p:pic>
     </p:spTree>
     <p:extLst>
       <p:ext uri="{BB962C8B-B14F-4D97-AF65-F5344CB8AC3E}">
         <p14:creationId xmlns:p14="http://schemas.microsoft.com/office/powerpoint/2010/main" val="3360411190"/>
+      </p:ext>
+    </p:extLst>
+  </p:cSld>
+  <p:clrMapOvr>
+    <a:masterClrMapping/>
+  </p:clrMapOvr>
+  <p:timing>
+    <p:tnLst>
+      <p:par>
+        <p:cTn id="1" dur="indefinite" restart="never" nodeType="tmRoot"/>
+      </p:par>
+    </p:tnLst>
+  </p:timing>
+</p:sld>
+</file>
+
+<file path=ppt/slides/slide5.xml><?xml version="1.0" encoding="utf-8"?>
+<p:sld xmlns:a="http://schemas.openxmlformats.org/drawingml/2006/main" xmlns:r="http://schemas.openxmlformats.org/officeDocument/2006/relationships" xmlns:p="http://schemas.openxmlformats.org/presentationml/2006/main">
+  <p:cSld>
+    <p:spTree>
+      <p:nvGrpSpPr>
+        <p:cNvPr id="1" name=""/>
+        <p:cNvGrpSpPr/>
+        <p:nvPr/>
+      </p:nvGrpSpPr>
+      <p:grpSpPr>
+        <a:xfrm>
+          <a:off x="0" y="0"/>
+          <a:ext cx="0" cy="0"/>
+          <a:chOff x="0" y="0"/>
+          <a:chExt cx="0" cy="0"/>
+        </a:xfrm>
+      </p:grpSpPr>
+      <p:sp>
+        <p:nvSpPr>
+          <p:cNvPr id="2" name="标题 1"/>
+          <p:cNvSpPr>
+            <a:spLocks noGrp="1"/>
+          </p:cNvSpPr>
+          <p:nvPr>
+            <p:ph type="title"/>
+          </p:nvPr>
+        </p:nvSpPr>
+        <p:spPr/>
+        <p:txBody>
+          <a:bodyPr/>
+          <a:lstStyle/>
+          <a:p>
+            <a:r>
+              <a:rPr lang="zh-CN" altLang="en-US" dirty="0" smtClean="0"/>
+              <a:t>收端星座图</a:t>
+            </a:r>
+            <a:endParaRPr lang="zh-CN" altLang="en-US" dirty="0"/>
+          </a:p>
+        </p:txBody>
+      </p:sp>
+      <p:sp>
+        <p:nvSpPr>
+          <p:cNvPr id="5" name="内容占位符 4"/>
+          <p:cNvSpPr>
+            <a:spLocks noGrp="1"/>
+          </p:cNvSpPr>
+          <p:nvPr>
+            <p:ph idx="1"/>
+          </p:nvPr>
+        </p:nvSpPr>
+        <p:spPr/>
+        <p:txBody>
+          <a:bodyPr/>
+          <a:lstStyle/>
+          <a:p>
+            <a:endParaRPr lang="zh-CN" altLang="en-US"/>
+          </a:p>
+        </p:txBody>
+      </p:sp>
+      <p:pic>
+        <p:nvPicPr>
+          <p:cNvPr id="6" name="图片 5"/>
+          <p:cNvPicPr>
+            <a:picLocks noChangeAspect="1"/>
+          </p:cNvPicPr>
+          <p:nvPr/>
+        </p:nvPicPr>
+        <p:blipFill>
+          <a:blip r:embed="rId2"/>
+          <a:stretch>
+            <a:fillRect/>
+          </a:stretch>
+        </p:blipFill>
+        <p:spPr>
+          <a:xfrm>
+            <a:off x="-1560816" y="1074692"/>
+            <a:ext cx="12384001" cy="6188867"/>
+          </a:xfrm>
+          <a:prstGeom prst="rect">
+            <a:avLst/>
+          </a:prstGeom>
+        </p:spPr>
+      </p:pic>
+      <p:sp>
+        <p:nvSpPr>
+          <p:cNvPr id="7" name="文本框 6"/>
+          <p:cNvSpPr txBox="1"/>
+          <p:nvPr/>
+        </p:nvSpPr>
+        <p:spPr>
+          <a:xfrm>
+            <a:off x="4891597" y="4918229"/>
+            <a:ext cx="5211192" cy="584775"/>
+          </a:xfrm>
+          <a:prstGeom prst="rect">
+            <a:avLst/>
+          </a:prstGeom>
+          <a:noFill/>
+        </p:spPr>
+        <p:txBody>
+          <a:bodyPr wrap="square" rtlCol="0">
+            <a:spAutoFit/>
+          </a:bodyPr>
+          <a:lstStyle/>
+          <a:p>
+            <a:r>
+              <a:rPr lang="el-GR" altLang="zh-CN" sz="3200" dirty="0" smtClean="0"/>
+              <a:t>Φ</a:t>
+            </a:r>
+            <a:r>
+              <a:rPr lang="en-US" altLang="zh-CN" sz="3200" dirty="0" smtClean="0"/>
+              <a:t>=π/6</a:t>
+            </a:r>
+            <a:r>
+              <a:rPr lang="zh-CN" altLang="en-US" sz="3200" dirty="0" smtClean="0"/>
+              <a:t>，</a:t>
+            </a:r>
+            <a:r>
+              <a:rPr lang="en-US" altLang="zh-CN" sz="3200" dirty="0" smtClean="0"/>
+              <a:t>σ=0.1</a:t>
+            </a:r>
+            <a:endParaRPr lang="zh-CN" altLang="en-US" sz="3200" dirty="0"/>
+          </a:p>
+        </p:txBody>
+      </p:sp>
+    </p:spTree>
+    <p:extLst>
+      <p:ext uri="{BB962C8B-B14F-4D97-AF65-F5344CB8AC3E}">
+        <p14:creationId xmlns:p14="http://schemas.microsoft.com/office/powerpoint/2010/main" val="314677935"/>
+      </p:ext>
+    </p:extLst>
+  </p:cSld>
+  <p:clrMapOvr>
+    <a:masterClrMapping/>
+  </p:clrMapOvr>
+  <p:timing>
+    <p:tnLst>
+      <p:par>
+        <p:cTn id="1" dur="indefinite" restart="never" nodeType="tmRoot"/>
+      </p:par>
+    </p:tnLst>
+  </p:timing>
+</p:sld>
+</file>
+
+<file path=ppt/slides/slide6.xml><?xml version="1.0" encoding="utf-8"?>
+<p:sld xmlns:a="http://schemas.openxmlformats.org/drawingml/2006/main" xmlns:r="http://schemas.openxmlformats.org/officeDocument/2006/relationships" xmlns:p="http://schemas.openxmlformats.org/presentationml/2006/main">
+  <p:cSld>
+    <p:spTree>
+      <p:nvGrpSpPr>
+        <p:cNvPr id="1" name=""/>
+        <p:cNvGrpSpPr/>
+        <p:nvPr/>
+      </p:nvGrpSpPr>
+      <p:grpSpPr>
+        <a:xfrm>
+          <a:off x="0" y="0"/>
+          <a:ext cx="0" cy="0"/>
+          <a:chOff x="0" y="0"/>
+          <a:chExt cx="0" cy="0"/>
+        </a:xfrm>
+      </p:grpSpPr>
+      <p:sp>
+        <p:nvSpPr>
+          <p:cNvPr id="2" name="标题 1"/>
+          <p:cNvSpPr>
+            <a:spLocks noGrp="1"/>
+          </p:cNvSpPr>
+          <p:nvPr>
+            <p:ph type="title"/>
+          </p:nvPr>
+        </p:nvSpPr>
+        <p:spPr/>
+        <p:txBody>
+          <a:bodyPr/>
+          <a:lstStyle/>
+          <a:p>
+            <a:r>
+              <a:rPr lang="zh-CN" altLang="en-US" dirty="0" smtClean="0"/>
+              <a:t>信道模块</a:t>
+            </a:r>
+            <a:endParaRPr lang="zh-CN" altLang="en-US" dirty="0"/>
+          </a:p>
+        </p:txBody>
+      </p:sp>
+      <p:sp>
+        <p:nvSpPr>
+          <p:cNvPr id="3" name="内容占位符 2"/>
+          <p:cNvSpPr>
+            <a:spLocks noGrp="1"/>
+          </p:cNvSpPr>
+          <p:nvPr>
+            <p:ph idx="1"/>
+          </p:nvPr>
+        </p:nvSpPr>
+        <p:spPr/>
+        <p:txBody>
+          <a:bodyPr>
+            <a:normAutofit lnSpcReduction="10000"/>
+          </a:bodyPr>
+          <a:lstStyle/>
+          <a:p>
+            <a:r>
+              <a:rPr lang="zh-CN" altLang="en-US" dirty="0" smtClean="0"/>
+              <a:t>输入</a:t>
+            </a:r>
+            <a:r>
+              <a:rPr lang="en-US" altLang="zh-CN" dirty="0" smtClean="0"/>
+              <a:t>:</a:t>
+            </a:r>
+          </a:p>
+          <a:p>
+            <a:pPr lvl="1"/>
+            <a:r>
+              <a:rPr lang="en-US" altLang="zh-CN" dirty="0" smtClean="0"/>
+              <a:t>1.</a:t>
+            </a:r>
+            <a:r>
+              <a:rPr lang="zh-CN" altLang="en-US" dirty="0" smtClean="0"/>
+              <a:t>电平映射后的符号序列</a:t>
+            </a:r>
+            <a:r>
+              <a:rPr lang="en-US" altLang="zh-CN" dirty="0" smtClean="0"/>
+              <a:t>input</a:t>
+            </a:r>
+            <a:endParaRPr lang="en-US" altLang="zh-CN" dirty="0"/>
+          </a:p>
+          <a:p>
+            <a:pPr lvl="1"/>
+            <a:r>
+              <a:rPr lang="en-US" altLang="zh-CN" dirty="0" smtClean="0"/>
+              <a:t>2. </a:t>
+            </a:r>
+            <a:r>
+              <a:rPr lang="en-US" altLang="zh-CN" dirty="0"/>
+              <a:t>mode: 1</a:t>
+            </a:r>
+            <a:r>
+              <a:rPr lang="zh-CN" altLang="en-US" dirty="0"/>
+              <a:t>表示场景</a:t>
+            </a:r>
+            <a:r>
+              <a:rPr lang="en-US" altLang="zh-CN" dirty="0"/>
+              <a:t>1:</a:t>
+            </a:r>
+            <a:r>
+              <a:rPr lang="zh-CN" altLang="en-US" dirty="0"/>
+              <a:t>即依次通信过程中</a:t>
+            </a:r>
+            <a:r>
+              <a:rPr lang="en-US" altLang="zh-CN" dirty="0"/>
+              <a:t>φ</a:t>
+            </a:r>
+            <a:r>
+              <a:rPr lang="zh-CN" altLang="en-US" dirty="0"/>
+              <a:t>不变，每次通信有独立的</a:t>
+            </a:r>
+            <a:r>
+              <a:rPr lang="en-US" altLang="zh-CN" dirty="0" smtClean="0"/>
+              <a:t>φ;2</a:t>
+            </a:r>
+            <a:r>
+              <a:rPr lang="zh-CN" altLang="en-US" dirty="0"/>
+              <a:t>表示场景</a:t>
+            </a:r>
+            <a:r>
+              <a:rPr lang="en-US" altLang="zh-CN" dirty="0"/>
+              <a:t>2:</a:t>
+            </a:r>
+            <a:r>
+              <a:rPr lang="zh-CN" altLang="en-US" dirty="0" smtClean="0"/>
+              <a:t>即</a:t>
+            </a:r>
+            <a:r>
+              <a:rPr lang="zh-CN" altLang="en-US" dirty="0"/>
+              <a:t>在</a:t>
+            </a:r>
+            <a:r>
+              <a:rPr lang="zh-CN" altLang="en-US" dirty="0" smtClean="0"/>
+              <a:t>一</a:t>
+            </a:r>
+            <a:r>
+              <a:rPr lang="zh-CN" altLang="en-US" dirty="0"/>
+              <a:t>次通信过程中，每次信道使用</a:t>
+            </a:r>
+            <a:r>
+              <a:rPr lang="en-US" altLang="zh-CN" dirty="0"/>
+              <a:t>φ</a:t>
+            </a:r>
+            <a:r>
+              <a:rPr lang="zh-CN" altLang="en-US" dirty="0"/>
+              <a:t>均独立变化</a:t>
+            </a:r>
+          </a:p>
+          <a:p>
+            <a:pPr lvl="1"/>
+            <a:r>
+              <a:rPr lang="en-US" altLang="zh-CN" dirty="0" smtClean="0"/>
+              <a:t>3. </a:t>
+            </a:r>
+            <a:r>
+              <a:rPr lang="en-US" altLang="zh-CN" dirty="0"/>
+              <a:t>theta: </a:t>
+            </a:r>
+            <a:r>
+              <a:rPr lang="zh-CN" altLang="en-US" dirty="0"/>
+              <a:t>即</a:t>
+            </a:r>
+            <a:r>
+              <a:rPr lang="en-US" altLang="zh-CN" dirty="0"/>
+              <a:t>θ</a:t>
+            </a:r>
+            <a:r>
+              <a:rPr lang="zh-CN" altLang="en-US" dirty="0"/>
+              <a:t>，收发端已知参数</a:t>
+            </a:r>
+          </a:p>
+          <a:p>
+            <a:pPr lvl="1"/>
+            <a:r>
+              <a:rPr lang="en-US" altLang="zh-CN" dirty="0" smtClean="0"/>
+              <a:t>4. sigma</a:t>
+            </a:r>
+            <a:r>
+              <a:rPr lang="en-US" altLang="zh-CN" dirty="0"/>
+              <a:t>: </a:t>
+            </a:r>
+            <a:r>
+              <a:rPr lang="zh-CN" altLang="en-US" dirty="0"/>
+              <a:t>即</a:t>
+            </a:r>
+            <a:r>
+              <a:rPr lang="en-US" altLang="zh-CN" dirty="0"/>
+              <a:t>σ</a:t>
+            </a:r>
+            <a:r>
+              <a:rPr lang="zh-CN" altLang="en-US" dirty="0"/>
+              <a:t>，收发端已知</a:t>
+            </a:r>
+            <a:r>
+              <a:rPr lang="zh-CN" altLang="en-US" dirty="0" smtClean="0"/>
+              <a:t>参数</a:t>
+            </a:r>
+            <a:endParaRPr lang="en-US" altLang="zh-CN" dirty="0" smtClean="0"/>
+          </a:p>
+          <a:p>
+            <a:endParaRPr lang="en-US" altLang="zh-CN" dirty="0"/>
+          </a:p>
+          <a:p>
+            <a:r>
+              <a:rPr lang="zh-CN" altLang="en-US" dirty="0" smtClean="0"/>
+              <a:t>输出</a:t>
+            </a:r>
+            <a:r>
+              <a:rPr lang="en-US" altLang="zh-CN" dirty="0" smtClean="0"/>
+              <a:t>:</a:t>
+            </a:r>
+          </a:p>
+          <a:p>
+            <a:pPr lvl="1"/>
+            <a:r>
+              <a:rPr lang="en-US" altLang="zh-CN" dirty="0" smtClean="0"/>
+              <a:t>1.</a:t>
+            </a:r>
+            <a:r>
+              <a:rPr lang="zh-CN" altLang="en-US" dirty="0" smtClean="0"/>
+              <a:t>经</a:t>
+            </a:r>
+            <a:r>
+              <a:rPr lang="en-US" altLang="zh-CN" dirty="0"/>
+              <a:t>y=</a:t>
+            </a:r>
+            <a:r>
+              <a:rPr lang="en-US" altLang="zh-CN" dirty="0" err="1"/>
+              <a:t>xexp</a:t>
+            </a:r>
+            <a:r>
+              <a:rPr lang="en-US" altLang="zh-CN" dirty="0"/>
+              <a:t>(j</a:t>
+            </a:r>
+            <a:r>
+              <a:rPr lang="el-GR" altLang="zh-CN" dirty="0"/>
+              <a:t>φ)+</a:t>
+            </a:r>
+            <a:r>
+              <a:rPr lang="en-US" altLang="zh-CN" dirty="0" smtClean="0"/>
+              <a:t>n</a:t>
+            </a:r>
+            <a:r>
+              <a:rPr lang="zh-CN" altLang="en-US" dirty="0" smtClean="0"/>
+              <a:t>变换后的信号</a:t>
+            </a:r>
+            <a:r>
+              <a:rPr lang="en-US" altLang="zh-CN" dirty="0" smtClean="0"/>
+              <a:t>output</a:t>
+            </a:r>
+            <a:r>
+              <a:rPr lang="zh-CN" altLang="en-US" dirty="0" smtClean="0"/>
+              <a:t>。其中</a:t>
+            </a:r>
+            <a:r>
+              <a:rPr lang="en-US" altLang="zh-CN" dirty="0" smtClean="0"/>
+              <a:t>x</a:t>
+            </a:r>
+            <a:r>
+              <a:rPr lang="zh-CN" altLang="en-US" dirty="0" smtClean="0"/>
+              <a:t>为</a:t>
+            </a:r>
+            <a:r>
+              <a:rPr lang="en-US" altLang="zh-CN" dirty="0" smtClean="0"/>
+              <a:t>input</a:t>
+            </a:r>
+            <a:r>
+              <a:rPr lang="zh-CN" altLang="en-US" dirty="0" smtClean="0"/>
+              <a:t>，</a:t>
+            </a:r>
+            <a:r>
+              <a:rPr lang="en-US" altLang="zh-CN" dirty="0" err="1" smtClean="0"/>
+              <a:t>φ~U</a:t>
+            </a:r>
+            <a:r>
+              <a:rPr lang="en-US" altLang="zh-CN" dirty="0" smtClean="0"/>
+              <a:t>(0,theta)</a:t>
+            </a:r>
+            <a:r>
+              <a:rPr lang="zh-CN" altLang="en-US" dirty="0" smtClean="0"/>
+              <a:t>，</a:t>
+            </a:r>
+            <a:r>
+              <a:rPr lang="en-US" altLang="zh-CN" dirty="0" smtClean="0"/>
+              <a:t>n</a:t>
+            </a:r>
+            <a:r>
+              <a:rPr lang="zh-CN" altLang="en-US" dirty="0" smtClean="0"/>
+              <a:t>是复高斯噪声。</a:t>
+            </a:r>
+            <a:endParaRPr lang="en-US" altLang="zh-CN" dirty="0" smtClean="0"/>
+          </a:p>
+          <a:p>
+            <a:pPr lvl="1"/>
+            <a:r>
+              <a:rPr lang="en-US" altLang="zh-CN" dirty="0" smtClean="0"/>
+              <a:t>2.phi: </a:t>
+            </a:r>
+            <a:r>
+              <a:rPr lang="zh-CN" altLang="en-US" dirty="0" smtClean="0"/>
+              <a:t>即</a:t>
+            </a:r>
+            <a:r>
+              <a:rPr lang="en-US" altLang="zh-CN" dirty="0" smtClean="0"/>
+              <a:t>φ</a:t>
+            </a:r>
+            <a:r>
+              <a:rPr lang="zh-CN" altLang="en-US" dirty="0" smtClean="0"/>
+              <a:t>，考虑有种情况下</a:t>
+            </a:r>
+            <a:r>
+              <a:rPr lang="en-US" altLang="zh-CN" dirty="0" smtClean="0"/>
+              <a:t>φ</a:t>
+            </a:r>
+            <a:r>
+              <a:rPr lang="zh-CN" altLang="en-US" dirty="0" smtClean="0"/>
+              <a:t>已知。根据</a:t>
+            </a:r>
+            <a:r>
+              <a:rPr lang="en-US" altLang="zh-CN" dirty="0" smtClean="0"/>
+              <a:t>mode</a:t>
+            </a:r>
+            <a:r>
+              <a:rPr lang="zh-CN" altLang="en-US" dirty="0" smtClean="0"/>
+              <a:t>的不同，</a:t>
+            </a:r>
+            <a:r>
+              <a:rPr lang="en-US" altLang="zh-CN" dirty="0" smtClean="0"/>
+              <a:t>φ</a:t>
+            </a:r>
+            <a:r>
+              <a:rPr lang="zh-CN" altLang="en-US" dirty="0" smtClean="0"/>
+              <a:t>可能是一串相同的值，也可能是一串不同的值。</a:t>
+            </a:r>
+            <a:endParaRPr lang="en-US" altLang="zh-CN" dirty="0" smtClean="0"/>
+          </a:p>
+          <a:p>
+            <a:endParaRPr lang="zh-CN" altLang="en-US" dirty="0"/>
+          </a:p>
+        </p:txBody>
+      </p:sp>
+    </p:spTree>
+    <p:extLst>
+      <p:ext uri="{BB962C8B-B14F-4D97-AF65-F5344CB8AC3E}">
+        <p14:creationId xmlns:p14="http://schemas.microsoft.com/office/powerpoint/2010/main" val="212592315"/>
       </p:ext>
     </p:extLst>
   </p:cSld>

--- a/v1.pptx
+++ b/v1.pptx
@@ -11,6 +11,8 @@
     <p:sldId id="259" r:id="rId5"/>
     <p:sldId id="260" r:id="rId6"/>
     <p:sldId id="261" r:id="rId7"/>
+    <p:sldId id="262" r:id="rId8"/>
+    <p:sldId id="263" r:id="rId9"/>
   </p:sldIdLst>
   <p:sldSz cx="12192000" cy="6858000"/>
   <p:notesSz cx="6858000" cy="9144000"/>
@@ -6165,11 +6167,7 @@
             <a:pPr lvl="1"/>
             <a:r>
               <a:rPr lang="zh-CN" altLang="en-US" dirty="0" smtClean="0"/>
-              <a:t>第三行是</a:t>
-            </a:r>
-            <a:r>
-              <a:rPr lang="zh-CN" altLang="en-US" dirty="0" smtClean="0"/>
-              <a:t>取</a:t>
+              <a:t>第三行是取</a:t>
             </a:r>
             <a:r>
               <a:rPr lang="en-US" altLang="zh-CN" dirty="0" smtClean="0"/>
@@ -6292,11 +6290,7 @@
           <a:p>
             <a:r>
               <a:rPr lang="zh-CN" altLang="en-US" dirty="0" smtClean="0"/>
-              <a:t>定义</a:t>
-            </a:r>
-            <a:r>
-              <a:rPr lang="zh-CN" altLang="en-US" dirty="0" smtClean="0"/>
-              <a:t>对应的卷积编码矩阵为</a:t>
+              <a:t>定义对应的卷积编码矩阵为</a:t>
             </a:r>
             <a:r>
               <a:rPr lang="en-US" altLang="zh-CN" dirty="0" smtClean="0"/>
@@ -7190,6 +7184,2392 @@
     <p:extLst>
       <p:ext uri="{BB962C8B-B14F-4D97-AF65-F5344CB8AC3E}">
         <p14:creationId xmlns:p14="http://schemas.microsoft.com/office/powerpoint/2010/main" val="212592315"/>
+      </p:ext>
+    </p:extLst>
+  </p:cSld>
+  <p:clrMapOvr>
+    <a:masterClrMapping/>
+  </p:clrMapOvr>
+</p:sld>
+</file>
+
+<file path=ppt/slides/slide7.xml><?xml version="1.0" encoding="utf-8"?>
+<p:sld xmlns:a="http://schemas.openxmlformats.org/drawingml/2006/main" xmlns:r="http://schemas.openxmlformats.org/officeDocument/2006/relationships" xmlns:p="http://schemas.openxmlformats.org/presentationml/2006/main">
+  <p:cSld>
+    <p:spTree>
+      <p:nvGrpSpPr>
+        <p:cNvPr id="1" name=""/>
+        <p:cNvGrpSpPr/>
+        <p:nvPr/>
+      </p:nvGrpSpPr>
+      <p:grpSpPr>
+        <a:xfrm>
+          <a:off x="0" y="0"/>
+          <a:ext cx="0" cy="0"/>
+          <a:chOff x="0" y="0"/>
+          <a:chExt cx="0" cy="0"/>
+        </a:xfrm>
+      </p:grpSpPr>
+      <p:sp>
+        <p:nvSpPr>
+          <p:cNvPr id="2" name="标题 1"/>
+          <p:cNvSpPr>
+            <a:spLocks noGrp="1"/>
+          </p:cNvSpPr>
+          <p:nvPr>
+            <p:ph type="title"/>
+          </p:nvPr>
+        </p:nvSpPr>
+        <p:spPr/>
+        <p:txBody>
+          <a:bodyPr/>
+          <a:lstStyle/>
+          <a:p>
+            <a:r>
+              <a:rPr lang="zh-CN" altLang="en-US" dirty="0"/>
+              <a:t>译码器模块</a:t>
+            </a:r>
+            <a:endParaRPr lang="zh-CN" altLang="en-US" dirty="0"/>
+          </a:p>
+        </p:txBody>
+      </p:sp>
+      <mc:AlternateContent xmlns:mc="http://schemas.openxmlformats.org/markup-compatibility/2006">
+        <mc:Choice xmlns:a14="http://schemas.microsoft.com/office/drawing/2010/main" Requires="a14">
+          <p:sp>
+            <p:nvSpPr>
+              <p:cNvPr id="3" name="内容占位符 2"/>
+              <p:cNvSpPr>
+                <a:spLocks noGrp="1"/>
+              </p:cNvSpPr>
+              <p:nvPr>
+                <p:ph idx="1"/>
+              </p:nvPr>
+            </p:nvSpPr>
+            <p:spPr>
+              <a:xfrm>
+                <a:off x="401867" y="1270000"/>
+                <a:ext cx="9714899" cy="4902740"/>
+              </a:xfrm>
+            </p:spPr>
+            <p:txBody>
+              <a:bodyPr>
+                <a:normAutofit/>
+              </a:bodyPr>
+              <a:lstStyle/>
+              <a:p>
+                <a:r>
+                  <a:rPr lang="zh-CN" altLang="en-US" dirty="0" smtClean="0"/>
+                  <a:t>未知</a:t>
+                </a:r>
+                <a:r>
+                  <a:rPr lang="en-US" altLang="zh-CN" dirty="0" smtClean="0"/>
+                  <a:t>φ</a:t>
+                </a:r>
+                <a:r>
+                  <a:rPr lang="zh-CN" altLang="en-US" dirty="0"/>
+                  <a:t>，每次信道</a:t>
+                </a:r>
+                <a:r>
+                  <a:rPr lang="zh-CN" altLang="en-US" dirty="0" smtClean="0"/>
+                  <a:t>使用的</a:t>
+                </a:r>
+                <a:r>
+                  <a:rPr lang="en-US" altLang="zh-CN" dirty="0" smtClean="0"/>
+                  <a:t>φ</a:t>
+                </a:r>
+                <a:r>
+                  <a:rPr lang="zh-CN" altLang="en-US" dirty="0" smtClean="0"/>
+                  <a:t>均</a:t>
+                </a:r>
+                <a:r>
+                  <a:rPr lang="zh-CN" altLang="en-US" dirty="0"/>
+                  <a:t>独立变化 </a:t>
+                </a:r>
+                <a:r>
+                  <a:rPr lang="en-US" altLang="zh-CN" dirty="0" smtClean="0"/>
+                  <a:t>:</a:t>
+                </a:r>
+                <a:endParaRPr lang="en-US" altLang="zh-CN" dirty="0" smtClean="0"/>
+              </a:p>
+              <a:p>
+                <a:pPr lvl="1"/>
+                <a:r>
+                  <a:rPr lang="zh-CN" altLang="en-US" dirty="0" smtClean="0"/>
+                  <a:t>采取极大似然准则下的后验概率译码</a:t>
+                </a:r>
+                <a:endParaRPr lang="en-US" altLang="zh-CN" dirty="0" smtClean="0"/>
+              </a:p>
+              <a:p>
+                <a:pPr lvl="1"/>
+                <a:endParaRPr lang="en-US" altLang="zh-CN" dirty="0" smtClean="0"/>
+              </a:p>
+              <a:p>
+                <a:pPr lvl="1"/>
+                <a:r>
+                  <a:rPr lang="zh-CN" altLang="en-US" dirty="0" smtClean="0"/>
+                  <a:t>在给定</a:t>
+                </a:r>
+                <a:r>
+                  <a:rPr lang="en-US" altLang="zh-CN" dirty="0" smtClean="0"/>
+                  <a:t>φ</a:t>
+                </a:r>
+                <a:r>
+                  <a:rPr lang="zh-CN" altLang="en-US" dirty="0" smtClean="0"/>
+                  <a:t>的情况下，则只需将许用电平</a:t>
+                </a:r>
+                <a:r>
+                  <a:rPr lang="en-US" altLang="zh-CN" dirty="0" smtClean="0"/>
+                  <a:t>xi</a:t>
+                </a:r>
+                <a:r>
+                  <a:rPr lang="zh-CN" altLang="en-US" dirty="0" smtClean="0"/>
+                  <a:t>旋转</a:t>
+                </a:r>
+                <a:r>
+                  <a:rPr lang="en-US" altLang="zh-CN" dirty="0" smtClean="0"/>
+                  <a:t>φ</a:t>
+                </a:r>
+                <a:r>
+                  <a:rPr lang="zh-CN" altLang="en-US" dirty="0" smtClean="0"/>
+                  <a:t>得到</a:t>
+                </a:r>
+                <a14:m>
+                  <m:oMath xmlns:m="http://schemas.openxmlformats.org/officeDocument/2006/math">
+                    <m:r>
+                      <a:rPr lang="en-US" altLang="zh-CN" b="0" i="1" smtClean="0">
+                        <a:latin typeface="Cambria Math" panose="02040503050406030204" pitchFamily="18" charset="0"/>
+                      </a:rPr>
+                      <m:t>𝑥</m:t>
+                    </m:r>
+                    <m:r>
+                      <a:rPr lang="en-US" altLang="zh-CN" i="1"/>
+                      <m:t>𝑖</m:t>
+                    </m:r>
+                    <m:sSup>
+                      <m:sSupPr>
+                        <m:ctrlPr>
+                          <a:rPr lang="zh-CN" altLang="zh-CN" i="1"/>
+                        </m:ctrlPr>
+                      </m:sSupPr>
+                      <m:e>
+                        <m:r>
+                          <a:rPr lang="en-US" altLang="zh-CN" i="1"/>
+                          <m:t>𝑒</m:t>
+                        </m:r>
+                      </m:e>
+                      <m:sup>
+                        <m:r>
+                          <a:rPr lang="en-US" altLang="zh-CN" i="1"/>
+                          <m:t>𝑗</m:t>
+                        </m:r>
+                        <m:r>
+                          <a:rPr lang="en-US" altLang="zh-CN" i="1"/>
+                          <m:t>𝜑</m:t>
+                        </m:r>
+                      </m:sup>
+                    </m:sSup>
+                  </m:oMath>
+                </a14:m>
+                <a:r>
+                  <a:rPr lang="zh-CN" altLang="en-US" dirty="0" smtClean="0"/>
+                  <a:t>得到等效的许用电平便可以消除其影响，因此只需考虑高斯噪声</a:t>
+                </a:r>
+                <a:r>
+                  <a:rPr lang="en-US" altLang="zh-CN" dirty="0" smtClean="0"/>
+                  <a:t>n</a:t>
+                </a:r>
+              </a:p>
+              <a:p>
+                <a:pPr lvl="1"/>
+                <a:r>
+                  <a:rPr lang="zh-CN" altLang="en-US" dirty="0"/>
+                  <a:t>接收</a:t>
+                </a:r>
+                <a:r>
+                  <a:rPr lang="zh-CN" altLang="en-US" dirty="0" smtClean="0"/>
+                  <a:t>到的电平</a:t>
+                </a:r>
+                <a:r>
+                  <a:rPr lang="en-US" altLang="zh-CN" dirty="0" smtClean="0"/>
+                  <a:t>y</a:t>
+                </a:r>
+                <a:r>
+                  <a:rPr lang="zh-CN" altLang="en-US" dirty="0" smtClean="0"/>
+                  <a:t>是由等效许用电平</a:t>
+                </a:r>
+                <a14:m>
+                  <m:oMath xmlns:m="http://schemas.openxmlformats.org/officeDocument/2006/math">
+                    <m:r>
+                      <a:rPr lang="en-US" altLang="zh-CN" i="1">
+                        <a:latin typeface="Cambria Math" panose="02040503050406030204" pitchFamily="18" charset="0"/>
+                      </a:rPr>
+                      <m:t>𝑥</m:t>
+                    </m:r>
+                    <m:r>
+                      <a:rPr lang="en-US" altLang="zh-CN" i="1">
+                        <a:latin typeface="Cambria Math" panose="02040503050406030204" pitchFamily="18" charset="0"/>
+                      </a:rPr>
+                      <m:t>𝑖</m:t>
+                    </m:r>
+                    <m:sSup>
+                      <m:sSupPr>
+                        <m:ctrlPr>
+                          <a:rPr lang="zh-CN" altLang="zh-CN" i="1" smtClean="0">
+                            <a:latin typeface="Cambria Math" panose="02040503050406030204" pitchFamily="18" charset="0"/>
+                          </a:rPr>
+                        </m:ctrlPr>
+                      </m:sSupPr>
+                      <m:e>
+                        <m:r>
+                          <a:rPr lang="en-US" altLang="zh-CN" i="1">
+                            <a:latin typeface="Cambria Math" panose="02040503050406030204" pitchFamily="18" charset="0"/>
+                          </a:rPr>
+                          <m:t>𝑒</m:t>
+                        </m:r>
+                      </m:e>
+                      <m:sup>
+                        <m:r>
+                          <a:rPr lang="en-US" altLang="zh-CN" i="1">
+                            <a:latin typeface="Cambria Math" panose="02040503050406030204" pitchFamily="18" charset="0"/>
+                          </a:rPr>
+                          <m:t>𝑗</m:t>
+                        </m:r>
+                        <m:r>
+                          <a:rPr lang="en-US" altLang="zh-CN" i="1">
+                            <a:latin typeface="Cambria Math" panose="02040503050406030204" pitchFamily="18" charset="0"/>
+                          </a:rPr>
+                          <m:t>𝜑</m:t>
+                        </m:r>
+                      </m:sup>
+                    </m:sSup>
+                    <m:r>
+                      <a:rPr lang="en-US" altLang="zh-CN" i="1">
+                        <a:latin typeface="Cambria Math" panose="02040503050406030204" pitchFamily="18" charset="0"/>
+                      </a:rPr>
+                      <m:t>+</m:t>
+                    </m:r>
+                  </m:oMath>
+                </a14:m>
+                <a:r>
+                  <a:rPr lang="en-US" altLang="zh-CN" dirty="0" smtClean="0"/>
+                  <a:t>n</a:t>
+                </a:r>
+                <a:r>
+                  <a:rPr lang="zh-CN" altLang="en-US" dirty="0" smtClean="0"/>
+                  <a:t>得到的概率密度为</a:t>
+                </a:r>
+                <a:r>
+                  <a:rPr lang="en-US" altLang="zh-CN" dirty="0" smtClean="0"/>
+                  <a:t>f(</a:t>
+                </a:r>
+                <a:r>
+                  <a:rPr lang="en-US" altLang="zh-CN" dirty="0" err="1" smtClean="0"/>
+                  <a:t>φ|y</a:t>
+                </a:r>
+                <a:r>
+                  <a:rPr lang="en-US" altLang="zh-CN" dirty="0" err="1"/>
+                  <a:t>,</a:t>
+                </a:r>
+                <a:r>
+                  <a:rPr lang="en-US" altLang="zh-CN" dirty="0" err="1" smtClean="0"/>
+                  <a:t>xi</a:t>
+                </a:r>
+                <a:r>
+                  <a:rPr lang="zh-CN" altLang="en-US" dirty="0" smtClean="0"/>
+                  <a:t>）</a:t>
+                </a:r>
+                <a:r>
+                  <a:rPr lang="en-US" altLang="zh-CN" dirty="0" smtClean="0"/>
+                  <a:t>=</a:t>
+                </a:r>
+                <a14:m>
+                  <m:oMath xmlns:m="http://schemas.openxmlformats.org/officeDocument/2006/math">
+                    <m:sSup>
+                      <m:sSupPr>
+                        <m:ctrlPr>
+                          <a:rPr lang="zh-CN" altLang="zh-CN" i="1"/>
+                        </m:ctrlPr>
+                      </m:sSupPr>
+                      <m:e>
+                        <m:d>
+                          <m:dPr>
+                            <m:ctrlPr>
+                              <a:rPr lang="zh-CN" altLang="zh-CN" i="1"/>
+                            </m:ctrlPr>
+                          </m:dPr>
+                          <m:e>
+                            <m:r>
+                              <a:rPr lang="en-US" altLang="zh-CN" i="1"/>
+                              <m:t>2</m:t>
+                            </m:r>
+                            <m:r>
+                              <a:rPr lang="en-US" altLang="zh-CN" i="1"/>
+                              <m:t>𝜋</m:t>
+                            </m:r>
+                            <m:sSup>
+                              <m:sSupPr>
+                                <m:ctrlPr>
+                                  <a:rPr lang="zh-CN" altLang="zh-CN" i="1"/>
+                                </m:ctrlPr>
+                              </m:sSupPr>
+                              <m:e>
+                                <m:r>
+                                  <a:rPr lang="en-US" altLang="zh-CN" i="1"/>
+                                  <m:t>𝜎</m:t>
+                                </m:r>
+                              </m:e>
+                              <m:sup>
+                                <m:r>
+                                  <a:rPr lang="en-US" altLang="zh-CN" i="1"/>
+                                  <m:t>2</m:t>
+                                </m:r>
+                              </m:sup>
+                            </m:sSup>
+                          </m:e>
+                        </m:d>
+                      </m:e>
+                      <m:sup>
+                        <m:r>
+                          <a:rPr lang="en-US" altLang="zh-CN" i="1"/>
+                          <m:t>−1</m:t>
+                        </m:r>
+                      </m:sup>
+                    </m:sSup>
+                    <m:func>
+                      <m:funcPr>
+                        <m:ctrlPr>
+                          <a:rPr lang="zh-CN" altLang="zh-CN" i="1"/>
+                        </m:ctrlPr>
+                      </m:funcPr>
+                      <m:fName>
+                        <m:r>
+                          <m:rPr>
+                            <m:sty m:val="p"/>
+                          </m:rPr>
+                          <a:rPr lang="en-US" altLang="zh-CN"/>
+                          <m:t>exp</m:t>
+                        </m:r>
+                      </m:fName>
+                      <m:e>
+                        <m:d>
+                          <m:dPr>
+                            <m:ctrlPr>
+                              <a:rPr lang="zh-CN" altLang="zh-CN" i="1"/>
+                            </m:ctrlPr>
+                          </m:dPr>
+                          <m:e>
+                            <m:r>
+                              <a:rPr lang="en-US" altLang="zh-CN" i="1"/>
+                              <m:t>−</m:t>
+                            </m:r>
+                            <m:f>
+                              <m:fPr>
+                                <m:ctrlPr>
+                                  <a:rPr lang="zh-CN" altLang="zh-CN" i="1"/>
+                                </m:ctrlPr>
+                              </m:fPr>
+                              <m:num>
+                                <m:sSup>
+                                  <m:sSupPr>
+                                    <m:ctrlPr>
+                                      <a:rPr lang="zh-CN" altLang="zh-CN" i="1"/>
+                                    </m:ctrlPr>
+                                  </m:sSupPr>
+                                  <m:e>
+                                    <m:d>
+                                      <m:dPr>
+                                        <m:begChr m:val="|"/>
+                                        <m:endChr m:val="|"/>
+                                        <m:ctrlPr>
+                                          <a:rPr lang="zh-CN" altLang="zh-CN" i="1"/>
+                                        </m:ctrlPr>
+                                      </m:dPr>
+                                      <m:e>
+                                        <m:r>
+                                          <a:rPr lang="en-US" altLang="zh-CN" i="1"/>
+                                          <m:t>𝑦</m:t>
+                                        </m:r>
+                                        <m:r>
+                                          <a:rPr lang="en-US" altLang="zh-CN" i="1"/>
+                                          <m:t>−</m:t>
+                                        </m:r>
+                                        <m:r>
+                                          <a:rPr lang="en-US" altLang="zh-CN" i="1"/>
+                                          <m:t>𝑥𝑖</m:t>
+                                        </m:r>
+                                        <m:sSup>
+                                          <m:sSupPr>
+                                            <m:ctrlPr>
+                                              <a:rPr lang="zh-CN" altLang="zh-CN" i="1"/>
+                                            </m:ctrlPr>
+                                          </m:sSupPr>
+                                          <m:e>
+                                            <m:r>
+                                              <a:rPr lang="en-US" altLang="zh-CN" i="1"/>
+                                              <m:t>𝑒</m:t>
+                                            </m:r>
+                                          </m:e>
+                                          <m:sup>
+                                            <m:r>
+                                              <a:rPr lang="en-US" altLang="zh-CN" i="1"/>
+                                              <m:t>𝑗</m:t>
+                                            </m:r>
+                                            <m:r>
+                                              <a:rPr lang="en-US" altLang="zh-CN" i="1"/>
+                                              <m:t>𝜑</m:t>
+                                            </m:r>
+                                          </m:sup>
+                                        </m:sSup>
+                                      </m:e>
+                                    </m:d>
+                                  </m:e>
+                                  <m:sup>
+                                    <m:r>
+                                      <a:rPr lang="en-US" altLang="zh-CN" i="1"/>
+                                      <m:t>2</m:t>
+                                    </m:r>
+                                  </m:sup>
+                                </m:sSup>
+                              </m:num>
+                              <m:den>
+                                <m:r>
+                                  <a:rPr lang="en-US" altLang="zh-CN" i="1"/>
+                                  <m:t>2</m:t>
+                                </m:r>
+                                <m:sSup>
+                                  <m:sSupPr>
+                                    <m:ctrlPr>
+                                      <a:rPr lang="zh-CN" altLang="zh-CN" i="1"/>
+                                    </m:ctrlPr>
+                                  </m:sSupPr>
+                                  <m:e>
+                                    <m:r>
+                                      <a:rPr lang="en-US" altLang="zh-CN" i="1"/>
+                                      <m:t>𝜎</m:t>
+                                    </m:r>
+                                  </m:e>
+                                  <m:sup>
+                                    <m:r>
+                                      <a:rPr lang="en-US" altLang="zh-CN" i="1"/>
+                                      <m:t>2</m:t>
+                                    </m:r>
+                                  </m:sup>
+                                </m:sSup>
+                              </m:den>
+                            </m:f>
+                          </m:e>
+                        </m:d>
+                      </m:e>
+                    </m:func>
+                  </m:oMath>
+                </a14:m>
+                <a:r>
+                  <a:rPr lang="en-US" altLang="zh-CN" dirty="0" smtClean="0"/>
+                  <a:t>)</a:t>
+                </a:r>
+                <a:r>
+                  <a:rPr lang="zh-CN" altLang="en-US" dirty="0" smtClean="0"/>
+                  <a:t>，</a:t>
+                </a:r>
+                <a:r>
+                  <a:rPr lang="zh-CN" altLang="en-US" dirty="0" smtClean="0"/>
+                  <a:t>因此去掉常数系数，用</a:t>
+                </a:r>
+                <a:r>
+                  <a:rPr lang="en-US" altLang="zh-CN" dirty="0" smtClean="0"/>
+                  <a:t>d</a:t>
+                </a:r>
+                <a:r>
+                  <a:rPr lang="zh-CN" altLang="en-US" dirty="0" smtClean="0"/>
+                  <a:t>（</a:t>
+                </a:r>
+                <a:r>
+                  <a:rPr lang="en-US" altLang="zh-CN" dirty="0" smtClean="0"/>
+                  <a:t>φ</a:t>
+                </a:r>
+                <a:r>
+                  <a:rPr lang="zh-CN" altLang="en-US" dirty="0" smtClean="0"/>
+                  <a:t>，</a:t>
+                </a:r>
+                <a:r>
+                  <a:rPr lang="en-US" altLang="zh-CN" dirty="0" err="1" smtClean="0"/>
+                  <a:t>i</a:t>
+                </a:r>
+                <a:r>
+                  <a:rPr lang="zh-CN" altLang="en-US" dirty="0" smtClean="0"/>
+                  <a:t>）</a:t>
+                </a:r>
+                <a:r>
+                  <a:rPr lang="en-US" altLang="zh-CN" dirty="0" smtClean="0"/>
+                  <a:t>=</a:t>
+                </a:r>
+                <a14:m>
+                  <m:oMath xmlns:m="http://schemas.openxmlformats.org/officeDocument/2006/math">
+                    <m:func>
+                      <m:funcPr>
+                        <m:ctrlPr>
+                          <a:rPr lang="zh-CN" altLang="zh-CN" i="1"/>
+                        </m:ctrlPr>
+                      </m:funcPr>
+                      <m:fName>
+                        <m:r>
+                          <m:rPr>
+                            <m:sty m:val="p"/>
+                          </m:rPr>
+                          <a:rPr lang="en-US" altLang="zh-CN"/>
+                          <m:t>exp</m:t>
+                        </m:r>
+                      </m:fName>
+                      <m:e>
+                        <m:d>
+                          <m:dPr>
+                            <m:ctrlPr>
+                              <a:rPr lang="zh-CN" altLang="zh-CN" i="1"/>
+                            </m:ctrlPr>
+                          </m:dPr>
+                          <m:e>
+                            <m:r>
+                              <a:rPr lang="en-US" altLang="zh-CN" i="1"/>
+                              <m:t>−</m:t>
+                            </m:r>
+                            <m:sSup>
+                              <m:sSupPr>
+                                <m:ctrlPr>
+                                  <a:rPr lang="zh-CN" altLang="zh-CN" i="1"/>
+                                </m:ctrlPr>
+                              </m:sSupPr>
+                              <m:e>
+                                <m:d>
+                                  <m:dPr>
+                                    <m:begChr m:val="|"/>
+                                    <m:endChr m:val="|"/>
+                                    <m:ctrlPr>
+                                      <a:rPr lang="zh-CN" altLang="zh-CN" i="1"/>
+                                    </m:ctrlPr>
+                                  </m:dPr>
+                                  <m:e>
+                                    <m:r>
+                                      <a:rPr lang="en-US" altLang="zh-CN" i="1"/>
+                                      <m:t>𝑦</m:t>
+                                    </m:r>
+                                    <m:r>
+                                      <a:rPr lang="en-US" altLang="zh-CN" i="1"/>
+                                      <m:t>−</m:t>
+                                    </m:r>
+                                    <m:r>
+                                      <a:rPr lang="en-US" altLang="zh-CN" i="1"/>
+                                      <m:t>𝑥𝑖</m:t>
+                                    </m:r>
+                                    <m:sSup>
+                                      <m:sSupPr>
+                                        <m:ctrlPr>
+                                          <a:rPr lang="zh-CN" altLang="zh-CN" i="1"/>
+                                        </m:ctrlPr>
+                                      </m:sSupPr>
+                                      <m:e>
+                                        <m:r>
+                                          <a:rPr lang="en-US" altLang="zh-CN" i="1"/>
+                                          <m:t>𝑒</m:t>
+                                        </m:r>
+                                      </m:e>
+                                      <m:sup>
+                                        <m:r>
+                                          <a:rPr lang="en-US" altLang="zh-CN" i="1"/>
+                                          <m:t>𝑗</m:t>
+                                        </m:r>
+                                        <m:r>
+                                          <a:rPr lang="en-US" altLang="zh-CN" i="1"/>
+                                          <m:t>𝜑</m:t>
+                                        </m:r>
+                                      </m:sup>
+                                    </m:sSup>
+                                  </m:e>
+                                </m:d>
+                              </m:e>
+                              <m:sup>
+                                <m:r>
+                                  <a:rPr lang="en-US" altLang="zh-CN" i="1"/>
+                                  <m:t>2</m:t>
+                                </m:r>
+                              </m:sup>
+                            </m:sSup>
+                          </m:e>
+                        </m:d>
+                      </m:e>
+                    </m:func>
+                  </m:oMath>
+                </a14:m>
+                <a:r>
+                  <a:rPr lang="zh-CN" altLang="en-US" dirty="0" smtClean="0"/>
+                  <a:t>作为其概率密度的一个衡量标准</a:t>
+                </a:r>
+                <a:endParaRPr lang="en-US" altLang="zh-CN" dirty="0" smtClean="0"/>
+              </a:p>
+              <a:p>
+                <a:pPr lvl="1"/>
+                <a:endParaRPr lang="en-US" altLang="zh-CN" dirty="0" smtClean="0"/>
+              </a:p>
+              <a:p>
+                <a:pPr lvl="1"/>
+                <a:r>
+                  <a:rPr lang="zh-CN" altLang="en-US" dirty="0" smtClean="0"/>
+                  <a:t>由于</a:t>
+                </a:r>
+                <a:r>
+                  <a:rPr lang="en-US" altLang="zh-CN" dirty="0" smtClean="0"/>
+                  <a:t>φ</a:t>
+                </a:r>
+                <a:r>
+                  <a:rPr lang="zh-CN" altLang="en-US" dirty="0" smtClean="0"/>
+                  <a:t>服从（</a:t>
+                </a:r>
+                <a:r>
+                  <a:rPr lang="en-US" altLang="zh-CN" dirty="0" smtClean="0"/>
+                  <a:t>0</a:t>
+                </a:r>
+                <a:r>
+                  <a:rPr lang="zh-CN" altLang="en-US" dirty="0" smtClean="0"/>
+                  <a:t>，</a:t>
+                </a:r>
+                <a:r>
+                  <a:rPr lang="en-US" altLang="zh-CN" dirty="0" smtClean="0"/>
+                  <a:t>θ</a:t>
+                </a:r>
+                <a:r>
+                  <a:rPr lang="zh-CN" altLang="en-US" dirty="0" smtClean="0"/>
+                  <a:t>）的均匀分布，在其中取值概率均等，因此只需将上述的</a:t>
+                </a:r>
+                <a:r>
+                  <a:rPr lang="en-US" altLang="zh-CN" dirty="0" smtClean="0"/>
+                  <a:t>d</a:t>
+                </a:r>
+                <a:r>
+                  <a:rPr lang="zh-CN" altLang="en-US" dirty="0" smtClean="0"/>
+                  <a:t>（</a:t>
+                </a:r>
+                <a:r>
+                  <a:rPr lang="en-US" altLang="zh-CN" dirty="0" smtClean="0"/>
+                  <a:t>φ</a:t>
+                </a:r>
+                <a:r>
+                  <a:rPr lang="zh-CN" altLang="en-US" dirty="0" smtClean="0"/>
+                  <a:t>，</a:t>
+                </a:r>
+                <a:r>
+                  <a:rPr lang="en-US" altLang="zh-CN" dirty="0" err="1" smtClean="0"/>
+                  <a:t>i</a:t>
+                </a:r>
+                <a:r>
+                  <a:rPr lang="zh-CN" altLang="en-US" dirty="0" smtClean="0"/>
+                  <a:t>）从</a:t>
+                </a:r>
+                <a:r>
+                  <a:rPr lang="en-US" altLang="zh-CN" dirty="0" smtClean="0"/>
+                  <a:t>0</a:t>
+                </a:r>
+                <a:r>
+                  <a:rPr lang="zh-CN" altLang="en-US" dirty="0" smtClean="0"/>
+                  <a:t>到</a:t>
+                </a:r>
+                <a:r>
+                  <a:rPr lang="en-US" altLang="zh-CN" dirty="0" smtClean="0"/>
+                  <a:t>θ</a:t>
+                </a:r>
+                <a:r>
+                  <a:rPr lang="zh-CN" altLang="en-US" dirty="0"/>
+                  <a:t>进行积分，便可得到接收到的电平</a:t>
+                </a:r>
+                <a:r>
+                  <a:rPr lang="en-US" altLang="zh-CN" dirty="0"/>
+                  <a:t>y</a:t>
+                </a:r>
+                <a:r>
+                  <a:rPr lang="zh-CN" altLang="en-US" dirty="0"/>
+                  <a:t>是由等效许用电平</a:t>
+                </a:r>
+                <a14:m>
+                  <m:oMath xmlns:m="http://schemas.openxmlformats.org/officeDocument/2006/math">
+                    <m:r>
+                      <a:rPr lang="en-US" altLang="zh-CN" i="1">
+                        <a:latin typeface="Cambria Math" panose="02040503050406030204" pitchFamily="18" charset="0"/>
+                      </a:rPr>
+                      <m:t>𝑥𝑖</m:t>
+                    </m:r>
+                    <m:sSup>
+                      <m:sSupPr>
+                        <m:ctrlPr>
+                          <a:rPr lang="zh-CN" altLang="zh-CN" i="1">
+                            <a:latin typeface="Cambria Math" panose="02040503050406030204" pitchFamily="18" charset="0"/>
+                          </a:rPr>
+                        </m:ctrlPr>
+                      </m:sSupPr>
+                      <m:e>
+                        <m:r>
+                          <a:rPr lang="en-US" altLang="zh-CN" i="1">
+                            <a:latin typeface="Cambria Math" panose="02040503050406030204" pitchFamily="18" charset="0"/>
+                          </a:rPr>
+                          <m:t>𝑒</m:t>
+                        </m:r>
+                      </m:e>
+                      <m:sup>
+                        <m:r>
+                          <a:rPr lang="en-US" altLang="zh-CN" i="1">
+                            <a:latin typeface="Cambria Math" panose="02040503050406030204" pitchFamily="18" charset="0"/>
+                          </a:rPr>
+                          <m:t>𝑗</m:t>
+                        </m:r>
+                        <m:r>
+                          <a:rPr lang="en-US" altLang="zh-CN" i="1">
+                            <a:latin typeface="Cambria Math" panose="02040503050406030204" pitchFamily="18" charset="0"/>
+                          </a:rPr>
+                          <m:t>𝜑</m:t>
+                        </m:r>
+                      </m:sup>
+                    </m:sSup>
+                    <m:r>
+                      <a:rPr lang="en-US" altLang="zh-CN" i="1">
+                        <a:latin typeface="Cambria Math" panose="02040503050406030204" pitchFamily="18" charset="0"/>
+                      </a:rPr>
+                      <m:t>+</m:t>
+                    </m:r>
+                  </m:oMath>
+                </a14:m>
+                <a:r>
+                  <a:rPr lang="en-US" altLang="zh-CN" dirty="0"/>
+                  <a:t>n</a:t>
+                </a:r>
+                <a:r>
+                  <a:rPr lang="zh-CN" altLang="en-US" dirty="0"/>
+                  <a:t>得到的</a:t>
+                </a:r>
+                <a:r>
+                  <a:rPr lang="zh-CN" altLang="en-US" dirty="0" smtClean="0"/>
+                  <a:t>概率的一个有效度量</a:t>
+                </a:r>
+                <a:r>
+                  <a:rPr lang="en-US" altLang="zh-CN" dirty="0" smtClean="0"/>
+                  <a:t>P</a:t>
+                </a:r>
+                <a:r>
+                  <a:rPr lang="zh-CN" altLang="en-US" dirty="0" smtClean="0"/>
+                  <a:t>（</a:t>
+                </a:r>
+                <a:r>
+                  <a:rPr lang="en-US" altLang="zh-CN" dirty="0" err="1" smtClean="0"/>
+                  <a:t>i</a:t>
+                </a:r>
+                <a:r>
+                  <a:rPr lang="zh-CN" altLang="en-US" dirty="0" smtClean="0"/>
+                  <a:t>）。</a:t>
+                </a:r>
+                <a:endParaRPr lang="en-US" altLang="zh-CN" dirty="0"/>
+              </a:p>
+              <a:p>
+                <a:pPr lvl="1"/>
+                <a:endParaRPr lang="en-US" altLang="zh-CN" dirty="0" smtClean="0"/>
+              </a:p>
+              <a:p>
+                <a:pPr lvl="1"/>
+                <a14:m>
+                  <m:oMath xmlns:m="http://schemas.openxmlformats.org/officeDocument/2006/math">
+                    <m:r>
+                      <a:rPr lang="en-US" altLang="zh-CN" i="1">
+                        <a:latin typeface="Cambria Math" panose="02040503050406030204" pitchFamily="18" charset="0"/>
+                      </a:rPr>
+                      <m:t>𝑃</m:t>
+                    </m:r>
+                    <m:d>
+                      <m:dPr>
+                        <m:begChr m:val="（"/>
+                        <m:endChr m:val="）"/>
+                        <m:ctrlPr>
+                          <a:rPr lang="zh-CN" altLang="zh-CN" i="1">
+                            <a:latin typeface="Cambria Math" panose="02040503050406030204" pitchFamily="18" charset="0"/>
+                          </a:rPr>
+                        </m:ctrlPr>
+                      </m:dPr>
+                      <m:e>
+                        <m:r>
+                          <a:rPr lang="en-US" altLang="zh-CN" i="1">
+                            <a:latin typeface="Cambria Math" panose="02040503050406030204" pitchFamily="18" charset="0"/>
+                          </a:rPr>
+                          <m:t>𝑖</m:t>
+                        </m:r>
+                      </m:e>
+                    </m:d>
+                    <m:r>
+                      <a:rPr lang="en-US" altLang="zh-CN" i="1">
+                        <a:latin typeface="Cambria Math" panose="02040503050406030204" pitchFamily="18" charset="0"/>
+                      </a:rPr>
+                      <m:t>=</m:t>
+                    </m:r>
+                    <m:nary>
+                      <m:naryPr>
+                        <m:limLoc m:val="subSup"/>
+                        <m:ctrlPr>
+                          <a:rPr lang="zh-CN" altLang="zh-CN" i="1">
+                            <a:latin typeface="Cambria Math" panose="02040503050406030204" pitchFamily="18" charset="0"/>
+                          </a:rPr>
+                        </m:ctrlPr>
+                      </m:naryPr>
+                      <m:sub>
+                        <m:r>
+                          <a:rPr lang="en-US" altLang="zh-CN" i="1">
+                            <a:latin typeface="Cambria Math" panose="02040503050406030204" pitchFamily="18" charset="0"/>
+                          </a:rPr>
+                          <m:t>0</m:t>
+                        </m:r>
+                      </m:sub>
+                      <m:sup>
+                        <m:r>
+                          <a:rPr lang="en-US" altLang="zh-CN" i="1">
+                            <a:latin typeface="Cambria Math" panose="02040503050406030204" pitchFamily="18" charset="0"/>
+                          </a:rPr>
+                          <m:t>𝜃</m:t>
+                        </m:r>
+                      </m:sup>
+                      <m:e>
+                        <m:sSup>
+                          <m:sSupPr>
+                            <m:ctrlPr>
+                              <a:rPr lang="zh-CN" altLang="zh-CN" i="1">
+                                <a:latin typeface="Cambria Math" panose="02040503050406030204" pitchFamily="18" charset="0"/>
+                              </a:rPr>
+                            </m:ctrlPr>
+                          </m:sSupPr>
+                          <m:e>
+                            <m:r>
+                              <m:rPr>
+                                <m:sty m:val="p"/>
+                              </m:rPr>
+                              <a:rPr lang="en-US" altLang="zh-CN">
+                                <a:latin typeface="Cambria Math" panose="02040503050406030204" pitchFamily="18" charset="0"/>
+                              </a:rPr>
+                              <m:t>exp</m:t>
+                            </m:r>
+                            <m:r>
+                              <a:rPr lang="en-US" altLang="zh-CN">
+                                <a:latin typeface="Cambria Math" panose="02040503050406030204" pitchFamily="18" charset="0"/>
+                              </a:rPr>
+                              <m:t>⁡</m:t>
+                            </m:r>
+                            <m:r>
+                              <a:rPr lang="en-US" altLang="zh-CN" i="1">
+                                <a:latin typeface="Cambria Math" panose="02040503050406030204" pitchFamily="18" charset="0"/>
+                              </a:rPr>
+                              <m:t>(−</m:t>
+                            </m:r>
+                            <m:d>
+                              <m:dPr>
+                                <m:begChr m:val="|"/>
+                                <m:endChr m:val="|"/>
+                                <m:ctrlPr>
+                                  <a:rPr lang="zh-CN" altLang="zh-CN" i="1">
+                                    <a:latin typeface="Cambria Math" panose="02040503050406030204" pitchFamily="18" charset="0"/>
+                                  </a:rPr>
+                                </m:ctrlPr>
+                              </m:dPr>
+                              <m:e>
+                                <m:r>
+                                  <a:rPr lang="en-US" altLang="zh-CN" i="1">
+                                    <a:latin typeface="Cambria Math" panose="02040503050406030204" pitchFamily="18" charset="0"/>
+                                  </a:rPr>
+                                  <m:t>𝑦</m:t>
+                                </m:r>
+                                <m:r>
+                                  <a:rPr lang="en-US" altLang="zh-CN" i="1">
+                                    <a:latin typeface="Cambria Math" panose="02040503050406030204" pitchFamily="18" charset="0"/>
+                                  </a:rPr>
+                                  <m:t>−</m:t>
+                                </m:r>
+                                <m:r>
+                                  <a:rPr lang="en-US" altLang="zh-CN" i="1">
+                                    <a:latin typeface="Cambria Math" panose="02040503050406030204" pitchFamily="18" charset="0"/>
+                                  </a:rPr>
+                                  <m:t>𝑥𝑖</m:t>
+                                </m:r>
+                                <m:sSup>
+                                  <m:sSupPr>
+                                    <m:ctrlPr>
+                                      <a:rPr lang="zh-CN" altLang="zh-CN" i="1">
+                                        <a:latin typeface="Cambria Math" panose="02040503050406030204" pitchFamily="18" charset="0"/>
+                                      </a:rPr>
+                                    </m:ctrlPr>
+                                  </m:sSupPr>
+                                  <m:e>
+                                    <m:r>
+                                      <a:rPr lang="en-US" altLang="zh-CN" i="1">
+                                        <a:latin typeface="Cambria Math" panose="02040503050406030204" pitchFamily="18" charset="0"/>
+                                      </a:rPr>
+                                      <m:t>𝑒</m:t>
+                                    </m:r>
+                                  </m:e>
+                                  <m:sup>
+                                    <m:r>
+                                      <a:rPr lang="en-US" altLang="zh-CN" i="1">
+                                        <a:latin typeface="Cambria Math" panose="02040503050406030204" pitchFamily="18" charset="0"/>
+                                      </a:rPr>
+                                      <m:t>𝑗</m:t>
+                                    </m:r>
+                                    <m:r>
+                                      <a:rPr lang="en-US" altLang="zh-CN" i="1">
+                                        <a:latin typeface="Cambria Math" panose="02040503050406030204" pitchFamily="18" charset="0"/>
+                                      </a:rPr>
+                                      <m:t>𝜑</m:t>
+                                    </m:r>
+                                  </m:sup>
+                                </m:sSup>
+                              </m:e>
+                            </m:d>
+                          </m:e>
+                          <m:sup>
+                            <m:r>
+                              <a:rPr lang="en-US" altLang="zh-CN" i="1">
+                                <a:latin typeface="Cambria Math" panose="02040503050406030204" pitchFamily="18" charset="0"/>
+                              </a:rPr>
+                              <m:t>2</m:t>
+                            </m:r>
+                          </m:sup>
+                        </m:sSup>
+                        <m:r>
+                          <a:rPr lang="en-US" altLang="zh-CN" i="1">
+                            <a:latin typeface="Cambria Math" panose="02040503050406030204" pitchFamily="18" charset="0"/>
+                          </a:rPr>
+                          <m:t>)</m:t>
+                        </m:r>
+                      </m:e>
+                    </m:nary>
+                    <m:r>
+                      <a:rPr lang="en-US" altLang="zh-CN" i="1">
+                        <a:latin typeface="Cambria Math" panose="02040503050406030204" pitchFamily="18" charset="0"/>
+                      </a:rPr>
+                      <m:t>𝑑</m:t>
+                    </m:r>
+                    <m:r>
+                      <a:rPr lang="en-US" altLang="zh-CN" i="1">
+                        <a:latin typeface="Cambria Math" panose="02040503050406030204" pitchFamily="18" charset="0"/>
+                      </a:rPr>
+                      <m:t>𝜃</m:t>
+                    </m:r>
+                    <m:r>
+                      <a:rPr lang="en-US" altLang="zh-CN" b="0" i="0" smtClean="0">
+                        <a:latin typeface="Cambria Math" panose="02040503050406030204" pitchFamily="18" charset="0"/>
+                      </a:rPr>
+                      <m:t>    </m:t>
+                    </m:r>
+                  </m:oMath>
+                </a14:m>
+                <a:r>
+                  <a:rPr lang="zh-CN" altLang="en-US" dirty="0" smtClean="0"/>
+                  <a:t> 我们可以根据</a:t>
+                </a:r>
+                <a:r>
+                  <a:rPr lang="en-US" altLang="zh-CN" dirty="0" smtClean="0"/>
+                  <a:t>P</a:t>
+                </a:r>
+                <a:r>
+                  <a:rPr lang="zh-CN" altLang="en-US" dirty="0"/>
+                  <a:t>（</a:t>
+                </a:r>
+                <a:r>
+                  <a:rPr lang="en-US" altLang="zh-CN" dirty="0" err="1"/>
+                  <a:t>i</a:t>
+                </a:r>
+                <a:r>
+                  <a:rPr lang="zh-CN" altLang="en-US" dirty="0"/>
+                  <a:t>） </a:t>
+                </a:r>
+                <a:r>
+                  <a:rPr lang="zh-CN" altLang="en-US" dirty="0" smtClean="0"/>
+                  <a:t>这一指标进行软硬判决，通过</a:t>
+                </a:r>
+                <a:r>
+                  <a:rPr lang="en-US" altLang="zh-CN" dirty="0" err="1" smtClean="0"/>
+                  <a:t>matlab</a:t>
+                </a:r>
+                <a:r>
+                  <a:rPr lang="zh-CN" altLang="en-US" dirty="0" smtClean="0"/>
+                  <a:t>进行数值计算上式并不困难</a:t>
+                </a:r>
+                <a:endParaRPr lang="zh-CN" altLang="en-US" dirty="0"/>
+              </a:p>
+            </p:txBody>
+          </p:sp>
+        </mc:Choice>
+        <mc:Fallback>
+          <p:sp>
+            <p:nvSpPr>
+              <p:cNvPr id="3" name="内容占位符 2"/>
+              <p:cNvSpPr>
+                <a:spLocks noGrp="1" noRot="1" noChangeAspect="1" noMove="1" noResize="1" noEditPoints="1" noAdjustHandles="1" noChangeArrowheads="1" noChangeShapeType="1" noTextEdit="1"/>
+              </p:cNvSpPr>
+              <p:nvPr>
+                <p:ph idx="1"/>
+              </p:nvPr>
+            </p:nvSpPr>
+            <p:spPr>
+              <a:xfrm>
+                <a:off x="401867" y="1270000"/>
+                <a:ext cx="9714899" cy="4902740"/>
+              </a:xfrm>
+              <a:blipFill>
+                <a:blip r:embed="rId2"/>
+                <a:stretch>
+                  <a:fillRect l="-188" t="-870" r="-2447" b="-5963"/>
+                </a:stretch>
+              </a:blipFill>
+            </p:spPr>
+            <p:txBody>
+              <a:bodyPr/>
+              <a:lstStyle/>
+              <a:p>
+                <a:r>
+                  <a:rPr lang="zh-CN" altLang="en-US">
+                    <a:noFill/>
+                  </a:rPr>
+                  <a:t> </a:t>
+                </a:r>
+              </a:p>
+            </p:txBody>
+          </p:sp>
+        </mc:Fallback>
+      </mc:AlternateContent>
+    </p:spTree>
+    <p:extLst>
+      <p:ext uri="{BB962C8B-B14F-4D97-AF65-F5344CB8AC3E}">
+        <p14:creationId xmlns:p14="http://schemas.microsoft.com/office/powerpoint/2010/main" val="2008744324"/>
+      </p:ext>
+    </p:extLst>
+  </p:cSld>
+  <p:clrMapOvr>
+    <a:masterClrMapping/>
+  </p:clrMapOvr>
+</p:sld>
+</file>
+
+<file path=ppt/slides/slide8.xml><?xml version="1.0" encoding="utf-8"?>
+<p:sld xmlns:a="http://schemas.openxmlformats.org/drawingml/2006/main" xmlns:r="http://schemas.openxmlformats.org/officeDocument/2006/relationships" xmlns:p="http://schemas.openxmlformats.org/presentationml/2006/main">
+  <p:cSld>
+    <p:spTree>
+      <p:nvGrpSpPr>
+        <p:cNvPr id="1" name=""/>
+        <p:cNvGrpSpPr/>
+        <p:nvPr/>
+      </p:nvGrpSpPr>
+      <p:grpSpPr>
+        <a:xfrm>
+          <a:off x="0" y="0"/>
+          <a:ext cx="0" cy="0"/>
+          <a:chOff x="0" y="0"/>
+          <a:chExt cx="0" cy="0"/>
+        </a:xfrm>
+      </p:grpSpPr>
+      <p:sp>
+        <p:nvSpPr>
+          <p:cNvPr id="2" name="标题 1"/>
+          <p:cNvSpPr>
+            <a:spLocks noGrp="1"/>
+          </p:cNvSpPr>
+          <p:nvPr>
+            <p:ph type="title"/>
+          </p:nvPr>
+        </p:nvSpPr>
+        <p:spPr/>
+        <p:txBody>
+          <a:bodyPr/>
+          <a:lstStyle/>
+          <a:p>
+            <a:r>
+              <a:rPr lang="zh-CN" altLang="en-US" dirty="0"/>
+              <a:t>译码器模块</a:t>
+            </a:r>
+            <a:endParaRPr lang="zh-CN" altLang="en-US" dirty="0"/>
+          </a:p>
+        </p:txBody>
+      </p:sp>
+      <mc:AlternateContent xmlns:mc="http://schemas.openxmlformats.org/markup-compatibility/2006">
+        <mc:Choice xmlns:a14="http://schemas.microsoft.com/office/drawing/2010/main" Requires="a14">
+          <p:sp>
+            <p:nvSpPr>
+              <p:cNvPr id="3" name="内容占位符 2"/>
+              <p:cNvSpPr>
+                <a:spLocks noGrp="1"/>
+              </p:cNvSpPr>
+              <p:nvPr>
+                <p:ph idx="1"/>
+              </p:nvPr>
+            </p:nvSpPr>
+            <p:spPr>
+              <a:xfrm>
+                <a:off x="0" y="1270000"/>
+                <a:ext cx="10713756" cy="4902740"/>
+              </a:xfrm>
+            </p:spPr>
+            <p:txBody>
+              <a:bodyPr>
+                <a:normAutofit/>
+              </a:bodyPr>
+              <a:lstStyle/>
+              <a:p>
+                <a:r>
+                  <a:rPr lang="zh-CN" altLang="en-US" dirty="0" smtClean="0"/>
+                  <a:t>未知</a:t>
+                </a:r>
+                <a:r>
+                  <a:rPr lang="en-US" altLang="zh-CN" dirty="0" smtClean="0"/>
+                  <a:t>φ</a:t>
+                </a:r>
+                <a:r>
+                  <a:rPr lang="zh-CN" altLang="en-US" dirty="0" smtClean="0"/>
+                  <a:t>，且一次通信过程中的</a:t>
+                </a:r>
+                <a:r>
+                  <a:rPr lang="en-US" altLang="zh-CN" dirty="0" smtClean="0"/>
+                  <a:t>φ</a:t>
+                </a:r>
+                <a:r>
+                  <a:rPr lang="zh-CN" altLang="en-US" dirty="0" smtClean="0"/>
+                  <a:t>是独立的</a:t>
+                </a:r>
+                <a:r>
+                  <a:rPr lang="en-US" altLang="zh-CN" dirty="0" smtClean="0"/>
+                  <a:t>:</a:t>
+                </a:r>
+                <a:endParaRPr lang="en-US" altLang="zh-CN" dirty="0" smtClean="0"/>
+              </a:p>
+              <a:p>
+                <a:pPr lvl="1"/>
+                <a:r>
+                  <a:rPr lang="zh-CN" altLang="en-US" dirty="0" smtClean="0"/>
+                  <a:t>需要首先对</a:t>
+                </a:r>
+                <a:r>
+                  <a:rPr lang="en-US" altLang="zh-CN" dirty="0" smtClean="0"/>
+                  <a:t>φ</a:t>
+                </a:r>
+                <a:r>
+                  <a:rPr lang="zh-CN" altLang="en-US" dirty="0" smtClean="0"/>
+                  <a:t>进行估计，利用最大似然准则算出一个最概然的</a:t>
+                </a:r>
+                <a:r>
+                  <a:rPr lang="en-US" altLang="zh-CN" dirty="0" smtClean="0"/>
+                  <a:t>φ</a:t>
+                </a:r>
+                <a:r>
+                  <a:rPr lang="zh-CN" altLang="en-US" dirty="0" smtClean="0"/>
+                  <a:t>，将问题转化为</a:t>
+                </a:r>
+                <a:r>
+                  <a:rPr lang="en-US" altLang="zh-CN" dirty="0" smtClean="0"/>
+                  <a:t>φ</a:t>
+                </a:r>
+                <a:r>
+                  <a:rPr lang="zh-CN" altLang="en-US" dirty="0" smtClean="0"/>
+                  <a:t>已知的情况</a:t>
+                </a:r>
+                <a:endParaRPr lang="en-US" altLang="zh-CN" dirty="0" smtClean="0"/>
+              </a:p>
+              <a:p>
+                <a:pPr lvl="1"/>
+                <a:endParaRPr lang="en-US" altLang="zh-CN" dirty="0" smtClean="0"/>
+              </a:p>
+              <a:p>
+                <a:pPr lvl="1"/>
+                <a:r>
+                  <a:rPr lang="zh-CN" altLang="en-US" dirty="0" smtClean="0"/>
+                  <a:t>在给定</a:t>
+                </a:r>
+                <a:r>
+                  <a:rPr lang="en-US" altLang="zh-CN" dirty="0" smtClean="0"/>
+                  <a:t>φ</a:t>
+                </a:r>
+                <a:r>
+                  <a:rPr lang="zh-CN" altLang="en-US" dirty="0" smtClean="0"/>
+                  <a:t>，和发送符号为</a:t>
+                </a:r>
+                <a:r>
+                  <a:rPr lang="en-US" altLang="zh-CN" dirty="0" smtClean="0"/>
+                  <a:t>xi</a:t>
+                </a:r>
+                <a:r>
+                  <a:rPr lang="zh-CN" altLang="en-US" dirty="0" smtClean="0"/>
+                  <a:t>的情况下收到一个符号</a:t>
+                </a:r>
+                <a:r>
+                  <a:rPr lang="en-US" altLang="zh-CN" dirty="0" err="1" smtClean="0"/>
+                  <a:t>yk</a:t>
+                </a:r>
+                <a:r>
+                  <a:rPr lang="zh-CN" altLang="en-US" dirty="0" smtClean="0"/>
+                  <a:t>的后验概率密度</a:t>
+                </a:r>
+                <a14:m>
+                  <m:oMath xmlns:m="http://schemas.openxmlformats.org/officeDocument/2006/math">
+                    <m:r>
+                      <a:rPr lang="en-US" altLang="zh-CN" i="1">
+                        <a:latin typeface="Cambria Math" panose="02040503050406030204" pitchFamily="18" charset="0"/>
+                      </a:rPr>
+                      <m:t>𝑓</m:t>
+                    </m:r>
+                    <m:d>
+                      <m:dPr>
+                        <m:ctrlPr>
+                          <a:rPr lang="zh-CN" altLang="zh-CN" i="1">
+                            <a:latin typeface="Cambria Math" panose="02040503050406030204" pitchFamily="18" charset="0"/>
+                          </a:rPr>
+                        </m:ctrlPr>
+                      </m:dPr>
+                      <m:e>
+                        <m:r>
+                          <a:rPr lang="en-US" altLang="zh-CN" i="1">
+                            <a:latin typeface="Cambria Math" panose="02040503050406030204" pitchFamily="18" charset="0"/>
+                          </a:rPr>
+                          <m:t>𝑦𝑘</m:t>
+                        </m:r>
+                      </m:e>
+                      <m:e>
+                        <m:r>
+                          <a:rPr lang="en-US" altLang="zh-CN" i="1">
+                            <a:latin typeface="Cambria Math" panose="02040503050406030204" pitchFamily="18" charset="0"/>
+                          </a:rPr>
+                          <m:t>𝜑</m:t>
+                        </m:r>
+                        <m:r>
+                          <a:rPr lang="en-US" altLang="zh-CN" i="1">
+                            <a:latin typeface="Cambria Math" panose="02040503050406030204" pitchFamily="18" charset="0"/>
+                          </a:rPr>
+                          <m:t>,</m:t>
+                        </m:r>
+                        <m:r>
+                          <a:rPr lang="en-US" altLang="zh-CN" i="1">
+                            <a:latin typeface="Cambria Math" panose="02040503050406030204" pitchFamily="18" charset="0"/>
+                          </a:rPr>
+                          <m:t>𝑥𝑖</m:t>
+                        </m:r>
+                      </m:e>
+                    </m:d>
+                  </m:oMath>
+                </a14:m>
+                <a:r>
+                  <a:rPr lang="en-US" altLang="zh-CN" dirty="0" smtClean="0"/>
+                  <a:t>=</a:t>
+                </a:r>
+                <a:r>
+                  <a:rPr lang="zh-CN" altLang="zh-CN" dirty="0"/>
+                  <a:t> </a:t>
+                </a:r>
+                <a14:m>
+                  <m:oMath xmlns:m="http://schemas.openxmlformats.org/officeDocument/2006/math">
+                    <m:sSup>
+                      <m:sSupPr>
+                        <m:ctrlPr>
+                          <a:rPr lang="zh-CN" altLang="zh-CN" i="1">
+                            <a:latin typeface="Cambria Math" panose="02040503050406030204" pitchFamily="18" charset="0"/>
+                          </a:rPr>
+                        </m:ctrlPr>
+                      </m:sSupPr>
+                      <m:e>
+                        <m:d>
+                          <m:dPr>
+                            <m:ctrlPr>
+                              <a:rPr lang="zh-CN" altLang="zh-CN" i="1">
+                                <a:latin typeface="Cambria Math" panose="02040503050406030204" pitchFamily="18" charset="0"/>
+                              </a:rPr>
+                            </m:ctrlPr>
+                          </m:dPr>
+                          <m:e>
+                            <m:r>
+                              <a:rPr lang="en-US" altLang="zh-CN" i="1">
+                                <a:latin typeface="Cambria Math" panose="02040503050406030204" pitchFamily="18" charset="0"/>
+                              </a:rPr>
+                              <m:t>2</m:t>
+                            </m:r>
+                            <m:r>
+                              <a:rPr lang="en-US" altLang="zh-CN" i="1">
+                                <a:latin typeface="Cambria Math" panose="02040503050406030204" pitchFamily="18" charset="0"/>
+                              </a:rPr>
+                              <m:t>𝜋</m:t>
+                            </m:r>
+                            <m:sSup>
+                              <m:sSupPr>
+                                <m:ctrlPr>
+                                  <a:rPr lang="zh-CN" altLang="zh-CN" i="1">
+                                    <a:latin typeface="Cambria Math" panose="02040503050406030204" pitchFamily="18" charset="0"/>
+                                  </a:rPr>
+                                </m:ctrlPr>
+                              </m:sSupPr>
+                              <m:e>
+                                <m:r>
+                                  <a:rPr lang="en-US" altLang="zh-CN" i="1">
+                                    <a:latin typeface="Cambria Math" panose="02040503050406030204" pitchFamily="18" charset="0"/>
+                                  </a:rPr>
+                                  <m:t>𝜎</m:t>
+                                </m:r>
+                              </m:e>
+                              <m:sup>
+                                <m:r>
+                                  <a:rPr lang="en-US" altLang="zh-CN" i="1">
+                                    <a:latin typeface="Cambria Math" panose="02040503050406030204" pitchFamily="18" charset="0"/>
+                                  </a:rPr>
+                                  <m:t>2</m:t>
+                                </m:r>
+                              </m:sup>
+                            </m:sSup>
+                          </m:e>
+                        </m:d>
+                      </m:e>
+                      <m:sup>
+                        <m:r>
+                          <a:rPr lang="en-US" altLang="zh-CN" i="1">
+                            <a:latin typeface="Cambria Math" panose="02040503050406030204" pitchFamily="18" charset="0"/>
+                          </a:rPr>
+                          <m:t>−1</m:t>
+                        </m:r>
+                      </m:sup>
+                    </m:sSup>
+                    <m:func>
+                      <m:funcPr>
+                        <m:ctrlPr>
+                          <a:rPr lang="zh-CN" altLang="zh-CN" i="1">
+                            <a:latin typeface="Cambria Math" panose="02040503050406030204" pitchFamily="18" charset="0"/>
+                          </a:rPr>
+                        </m:ctrlPr>
+                      </m:funcPr>
+                      <m:fName>
+                        <m:r>
+                          <m:rPr>
+                            <m:sty m:val="p"/>
+                          </m:rPr>
+                          <a:rPr lang="en-US" altLang="zh-CN">
+                            <a:latin typeface="Cambria Math" panose="02040503050406030204" pitchFamily="18" charset="0"/>
+                          </a:rPr>
+                          <m:t>exp</m:t>
+                        </m:r>
+                      </m:fName>
+                      <m:e>
+                        <m:d>
+                          <m:dPr>
+                            <m:ctrlPr>
+                              <a:rPr lang="zh-CN" altLang="zh-CN" i="1">
+                                <a:latin typeface="Cambria Math" panose="02040503050406030204" pitchFamily="18" charset="0"/>
+                              </a:rPr>
+                            </m:ctrlPr>
+                          </m:dPr>
+                          <m:e>
+                            <m:r>
+                              <a:rPr lang="en-US" altLang="zh-CN" i="1">
+                                <a:latin typeface="Cambria Math" panose="02040503050406030204" pitchFamily="18" charset="0"/>
+                              </a:rPr>
+                              <m:t>−</m:t>
+                            </m:r>
+                            <m:f>
+                              <m:fPr>
+                                <m:ctrlPr>
+                                  <a:rPr lang="zh-CN" altLang="zh-CN" i="1">
+                                    <a:latin typeface="Cambria Math" panose="02040503050406030204" pitchFamily="18" charset="0"/>
+                                  </a:rPr>
+                                </m:ctrlPr>
+                              </m:fPr>
+                              <m:num>
+                                <m:sSup>
+                                  <m:sSupPr>
+                                    <m:ctrlPr>
+                                      <a:rPr lang="zh-CN" altLang="zh-CN" i="1">
+                                        <a:latin typeface="Cambria Math" panose="02040503050406030204" pitchFamily="18" charset="0"/>
+                                      </a:rPr>
+                                    </m:ctrlPr>
+                                  </m:sSupPr>
+                                  <m:e>
+                                    <m:d>
+                                      <m:dPr>
+                                        <m:begChr m:val="|"/>
+                                        <m:endChr m:val="|"/>
+                                        <m:ctrlPr>
+                                          <a:rPr lang="zh-CN" altLang="zh-CN" i="1">
+                                            <a:latin typeface="Cambria Math" panose="02040503050406030204" pitchFamily="18" charset="0"/>
+                                          </a:rPr>
+                                        </m:ctrlPr>
+                                      </m:dPr>
+                                      <m:e>
+                                        <m:r>
+                                          <a:rPr lang="en-US" altLang="zh-CN" i="1">
+                                            <a:latin typeface="Cambria Math" panose="02040503050406030204" pitchFamily="18" charset="0"/>
+                                          </a:rPr>
+                                          <m:t>𝑦</m:t>
+                                        </m:r>
+                                        <m:r>
+                                          <m:rPr>
+                                            <m:sty m:val="p"/>
+                                          </m:rPr>
+                                          <a:rPr lang="en-US" altLang="zh-CN" i="1">
+                                            <a:latin typeface="Cambria Math" panose="02040503050406030204" pitchFamily="18" charset="0"/>
+                                          </a:rPr>
+                                          <m:t>k</m:t>
+                                        </m:r>
+                                        <m:r>
+                                          <a:rPr lang="en-US" altLang="zh-CN" i="1">
+                                            <a:latin typeface="Cambria Math" panose="02040503050406030204" pitchFamily="18" charset="0"/>
+                                          </a:rPr>
+                                          <m:t>−</m:t>
+                                        </m:r>
+                                        <m:r>
+                                          <a:rPr lang="en-US" altLang="zh-CN" i="1">
+                                            <a:latin typeface="Cambria Math" panose="02040503050406030204" pitchFamily="18" charset="0"/>
+                                          </a:rPr>
+                                          <m:t>𝑥𝑖</m:t>
+                                        </m:r>
+                                        <m:sSup>
+                                          <m:sSupPr>
+                                            <m:ctrlPr>
+                                              <a:rPr lang="zh-CN" altLang="zh-CN" i="1">
+                                                <a:latin typeface="Cambria Math" panose="02040503050406030204" pitchFamily="18" charset="0"/>
+                                              </a:rPr>
+                                            </m:ctrlPr>
+                                          </m:sSupPr>
+                                          <m:e>
+                                            <m:r>
+                                              <a:rPr lang="en-US" altLang="zh-CN" i="1">
+                                                <a:latin typeface="Cambria Math" panose="02040503050406030204" pitchFamily="18" charset="0"/>
+                                              </a:rPr>
+                                              <m:t>𝑒</m:t>
+                                            </m:r>
+                                          </m:e>
+                                          <m:sup>
+                                            <m:r>
+                                              <a:rPr lang="en-US" altLang="zh-CN" i="1">
+                                                <a:latin typeface="Cambria Math" panose="02040503050406030204" pitchFamily="18" charset="0"/>
+                                              </a:rPr>
+                                              <m:t>𝑗</m:t>
+                                            </m:r>
+                                            <m:r>
+                                              <a:rPr lang="en-US" altLang="zh-CN" i="1">
+                                                <a:latin typeface="Cambria Math" panose="02040503050406030204" pitchFamily="18" charset="0"/>
+                                              </a:rPr>
+                                              <m:t>𝜑</m:t>
+                                            </m:r>
+                                          </m:sup>
+                                        </m:sSup>
+                                      </m:e>
+                                    </m:d>
+                                  </m:e>
+                                  <m:sup>
+                                    <m:r>
+                                      <a:rPr lang="en-US" altLang="zh-CN" i="1">
+                                        <a:latin typeface="Cambria Math" panose="02040503050406030204" pitchFamily="18" charset="0"/>
+                                      </a:rPr>
+                                      <m:t>2</m:t>
+                                    </m:r>
+                                  </m:sup>
+                                </m:sSup>
+                              </m:num>
+                              <m:den>
+                                <m:r>
+                                  <a:rPr lang="en-US" altLang="zh-CN" i="1">
+                                    <a:latin typeface="Cambria Math" panose="02040503050406030204" pitchFamily="18" charset="0"/>
+                                  </a:rPr>
+                                  <m:t>2</m:t>
+                                </m:r>
+                                <m:sSup>
+                                  <m:sSupPr>
+                                    <m:ctrlPr>
+                                      <a:rPr lang="zh-CN" altLang="zh-CN" i="1">
+                                        <a:latin typeface="Cambria Math" panose="02040503050406030204" pitchFamily="18" charset="0"/>
+                                      </a:rPr>
+                                    </m:ctrlPr>
+                                  </m:sSupPr>
+                                  <m:e>
+                                    <m:r>
+                                      <a:rPr lang="en-US" altLang="zh-CN" i="1">
+                                        <a:latin typeface="Cambria Math" panose="02040503050406030204" pitchFamily="18" charset="0"/>
+                                      </a:rPr>
+                                      <m:t>𝜎</m:t>
+                                    </m:r>
+                                  </m:e>
+                                  <m:sup>
+                                    <m:r>
+                                      <a:rPr lang="en-US" altLang="zh-CN" i="1">
+                                        <a:latin typeface="Cambria Math" panose="02040503050406030204" pitchFamily="18" charset="0"/>
+                                      </a:rPr>
+                                      <m:t>2</m:t>
+                                    </m:r>
+                                  </m:sup>
+                                </m:sSup>
+                              </m:den>
+                            </m:f>
+                          </m:e>
+                        </m:d>
+                      </m:e>
+                    </m:func>
+                  </m:oMath>
+                </a14:m>
+                <a:r>
+                  <a:rPr lang="en-US" altLang="zh-CN" dirty="0" smtClean="0"/>
+                  <a:t>)</a:t>
+                </a:r>
+                <a:r>
+                  <a:rPr lang="zh-CN" altLang="en-US" dirty="0" smtClean="0"/>
+                  <a:t>，用</a:t>
+                </a:r>
+                <a:r>
+                  <a:rPr lang="en-US" altLang="zh-CN" dirty="0" smtClean="0"/>
+                  <a:t>d</a:t>
+                </a:r>
+                <a:r>
+                  <a:rPr lang="zh-CN" altLang="en-US" dirty="0" smtClean="0"/>
+                  <a:t>（</a:t>
+                </a:r>
+                <a:r>
+                  <a:rPr lang="en-US" altLang="zh-CN" dirty="0" err="1" smtClean="0"/>
+                  <a:t>φ,i,k</a:t>
+                </a:r>
+                <a:r>
+                  <a:rPr lang="zh-CN" altLang="en-US" dirty="0" smtClean="0"/>
+                  <a:t>）</a:t>
+                </a:r>
+                <a:r>
+                  <a:rPr lang="en-US" altLang="zh-CN" dirty="0" smtClean="0"/>
+                  <a:t>=</a:t>
+                </a:r>
+                <a14:m>
+                  <m:oMath xmlns:m="http://schemas.openxmlformats.org/officeDocument/2006/math">
+                    <m:func>
+                      <m:funcPr>
+                        <m:ctrlPr>
+                          <a:rPr lang="zh-CN" altLang="zh-CN" i="1"/>
+                        </m:ctrlPr>
+                      </m:funcPr>
+                      <m:fName>
+                        <m:r>
+                          <m:rPr>
+                            <m:sty m:val="p"/>
+                          </m:rPr>
+                          <a:rPr lang="en-US" altLang="zh-CN"/>
+                          <m:t>exp</m:t>
+                        </m:r>
+                      </m:fName>
+                      <m:e>
+                        <m:d>
+                          <m:dPr>
+                            <m:ctrlPr>
+                              <a:rPr lang="zh-CN" altLang="zh-CN" i="1"/>
+                            </m:ctrlPr>
+                          </m:dPr>
+                          <m:e>
+                            <m:r>
+                              <a:rPr lang="en-US" altLang="zh-CN" i="1"/>
+                              <m:t>−</m:t>
+                            </m:r>
+                            <m:sSup>
+                              <m:sSupPr>
+                                <m:ctrlPr>
+                                  <a:rPr lang="zh-CN" altLang="zh-CN" i="1"/>
+                                </m:ctrlPr>
+                              </m:sSupPr>
+                              <m:e>
+                                <m:d>
+                                  <m:dPr>
+                                    <m:begChr m:val="|"/>
+                                    <m:endChr m:val="|"/>
+                                    <m:ctrlPr>
+                                      <a:rPr lang="zh-CN" altLang="zh-CN" i="1"/>
+                                    </m:ctrlPr>
+                                  </m:dPr>
+                                  <m:e>
+                                    <m:r>
+                                      <a:rPr lang="en-US" altLang="zh-CN" i="1"/>
+                                      <m:t>𝑦</m:t>
+                                    </m:r>
+                                    <m:r>
+                                      <a:rPr lang="en-US" altLang="zh-CN" b="0" i="1" smtClean="0">
+                                        <a:latin typeface="Cambria Math" panose="02040503050406030204" pitchFamily="18" charset="0"/>
+                                      </a:rPr>
+                                      <m:t>𝑘</m:t>
+                                    </m:r>
+                                    <m:r>
+                                      <a:rPr lang="en-US" altLang="zh-CN" i="1"/>
+                                      <m:t>−</m:t>
+                                    </m:r>
+                                    <m:r>
+                                      <a:rPr lang="en-US" altLang="zh-CN" i="1"/>
+                                      <m:t>𝑥𝑖</m:t>
+                                    </m:r>
+                                    <m:sSup>
+                                      <m:sSupPr>
+                                        <m:ctrlPr>
+                                          <a:rPr lang="zh-CN" altLang="zh-CN" i="1"/>
+                                        </m:ctrlPr>
+                                      </m:sSupPr>
+                                      <m:e>
+                                        <m:r>
+                                          <a:rPr lang="en-US" altLang="zh-CN" i="1"/>
+                                          <m:t>𝑒</m:t>
+                                        </m:r>
+                                      </m:e>
+                                      <m:sup>
+                                        <m:r>
+                                          <a:rPr lang="en-US" altLang="zh-CN" i="1"/>
+                                          <m:t>𝑗</m:t>
+                                        </m:r>
+                                        <m:r>
+                                          <a:rPr lang="en-US" altLang="zh-CN" i="1"/>
+                                          <m:t>𝜑</m:t>
+                                        </m:r>
+                                      </m:sup>
+                                    </m:sSup>
+                                  </m:e>
+                                </m:d>
+                              </m:e>
+                              <m:sup>
+                                <m:r>
+                                  <a:rPr lang="en-US" altLang="zh-CN" i="1"/>
+                                  <m:t>2</m:t>
+                                </m:r>
+                              </m:sup>
+                            </m:sSup>
+                          </m:e>
+                        </m:d>
+                      </m:e>
+                    </m:func>
+                  </m:oMath>
+                </a14:m>
+                <a:r>
+                  <a:rPr lang="zh-CN" altLang="en-US" dirty="0" smtClean="0"/>
+                  <a:t>作为其概率</a:t>
+                </a:r>
+                <a:r>
+                  <a:rPr lang="zh-CN" altLang="en-US" dirty="0"/>
+                  <a:t>密度</a:t>
+                </a:r>
+                <a:r>
+                  <a:rPr lang="zh-CN" altLang="en-US" dirty="0" smtClean="0"/>
+                  <a:t>的一个衡量标准。</a:t>
+                </a:r>
+                <a:endParaRPr lang="en-US" altLang="zh-CN" dirty="0" smtClean="0"/>
+              </a:p>
+              <a:p>
+                <a:pPr lvl="1"/>
+                <a:endParaRPr lang="en-US" altLang="zh-CN" dirty="0" smtClean="0"/>
+              </a:p>
+              <a:p>
+                <a:pPr lvl="1"/>
+                <a:r>
+                  <a:rPr lang="zh-CN" altLang="en-US" dirty="0" smtClean="0"/>
+                  <a:t>由于</a:t>
+                </a:r>
+                <a:r>
+                  <a:rPr lang="en-US" altLang="zh-CN" dirty="0" smtClean="0"/>
+                  <a:t>f(</a:t>
+                </a:r>
+                <a:r>
+                  <a:rPr lang="en-US" altLang="zh-CN" dirty="0" err="1" smtClean="0"/>
+                  <a:t>yk|φ</a:t>
+                </a:r>
+                <a:r>
+                  <a:rPr lang="en-US" altLang="zh-CN" dirty="0" smtClean="0"/>
+                  <a:t>)=</a:t>
+                </a:r>
+                <a:r>
+                  <a:rPr lang="zh-CN" altLang="zh-CN" dirty="0" smtClean="0"/>
+                  <a:t> </a:t>
+                </a:r>
+                <a14:m>
+                  <m:oMath xmlns:m="http://schemas.openxmlformats.org/officeDocument/2006/math">
+                    <m:nary>
+                      <m:naryPr>
+                        <m:chr m:val="∑"/>
+                        <m:limLoc m:val="undOvr"/>
+                        <m:supHide m:val="on"/>
+                        <m:ctrlPr>
+                          <a:rPr lang="zh-CN" altLang="zh-CN" i="1"/>
+                        </m:ctrlPr>
+                      </m:naryPr>
+                      <m:sub>
+                        <m:r>
+                          <a:rPr lang="en-US" altLang="zh-CN" i="1"/>
+                          <m:t>𝑖</m:t>
+                        </m:r>
+                      </m:sub>
+                      <m:sup/>
+                      <m:e>
+                        <m:r>
+                          <a:rPr lang="en-US" altLang="zh-CN" i="1"/>
+                          <m:t>𝑓</m:t>
+                        </m:r>
+                        <m:d>
+                          <m:dPr>
+                            <m:ctrlPr>
+                              <a:rPr lang="zh-CN" altLang="zh-CN" i="1"/>
+                            </m:ctrlPr>
+                          </m:dPr>
+                          <m:e>
+                            <m:r>
+                              <a:rPr lang="en-US" altLang="zh-CN" i="1">
+                                <a:latin typeface="Cambria Math" panose="02040503050406030204" pitchFamily="18" charset="0"/>
+                              </a:rPr>
+                              <m:t>𝑦𝑘</m:t>
+                            </m:r>
+                          </m:e>
+                          <m:e>
+                            <m:r>
+                              <a:rPr lang="en-US" altLang="zh-CN" i="1">
+                                <a:latin typeface="Cambria Math" panose="02040503050406030204" pitchFamily="18" charset="0"/>
+                              </a:rPr>
+                              <m:t>𝜑</m:t>
+                            </m:r>
+                            <m:r>
+                              <a:rPr lang="en-US" altLang="zh-CN" i="1"/>
+                              <m:t>,</m:t>
+                            </m:r>
+                            <m:r>
+                              <a:rPr lang="en-US" altLang="zh-CN" i="1"/>
+                              <m:t>𝑥𝑖</m:t>
+                            </m:r>
+                          </m:e>
+                        </m:d>
+                        <m:r>
+                          <a:rPr lang="en-US" altLang="zh-CN" i="1"/>
+                          <m:t>𝑃</m:t>
+                        </m:r>
+                        <m:r>
+                          <a:rPr lang="en-US" altLang="zh-CN" i="1"/>
+                          <m:t>(</m:t>
+                        </m:r>
+                        <m:r>
+                          <a:rPr lang="en-US" altLang="zh-CN" i="1"/>
+                          <m:t>𝑥𝑖</m:t>
+                        </m:r>
+                        <m:r>
+                          <a:rPr lang="en-US" altLang="zh-CN" i="1"/>
+                          <m:t>)</m:t>
+                        </m:r>
+                      </m:e>
+                    </m:nary>
+                    <m:r>
+                      <a:rPr lang="zh-CN" altLang="en-US" i="1">
+                        <a:latin typeface="Cambria Math" panose="02040503050406030204" pitchFamily="18" charset="0"/>
+                      </a:rPr>
+                      <m:t>，</m:t>
+                    </m:r>
+                  </m:oMath>
+                </a14:m>
+                <a:r>
+                  <a:rPr lang="zh-CN" altLang="en-US" dirty="0" smtClean="0"/>
+                  <a:t>因此</a:t>
+                </a:r>
+                <a:r>
+                  <a:rPr lang="en-US" altLang="zh-CN" dirty="0" smtClean="0"/>
+                  <a:t>d</a:t>
+                </a:r>
+                <a:r>
+                  <a:rPr lang="en-US" altLang="zh-CN" dirty="0" smtClean="0"/>
+                  <a:t>’(</a:t>
+                </a:r>
+                <a:r>
+                  <a:rPr lang="en-US" altLang="zh-CN" dirty="0" err="1" smtClean="0"/>
+                  <a:t>φ,k</a:t>
+                </a:r>
+                <a:r>
+                  <a:rPr lang="en-US" altLang="zh-CN" dirty="0" smtClean="0"/>
+                  <a:t>)=</a:t>
+                </a:r>
+                <a14:m>
+                  <m:oMath xmlns:m="http://schemas.openxmlformats.org/officeDocument/2006/math">
+                    <m:nary>
+                      <m:naryPr>
+                        <m:chr m:val="∑"/>
+                        <m:limLoc m:val="undOvr"/>
+                        <m:supHide m:val="on"/>
+                        <m:ctrlPr>
+                          <a:rPr lang="zh-CN" altLang="zh-CN" i="1"/>
+                        </m:ctrlPr>
+                      </m:naryPr>
+                      <m:sub>
+                        <m:r>
+                          <a:rPr lang="en-US" altLang="zh-CN" i="1"/>
+                          <m:t>𝑖</m:t>
+                        </m:r>
+                      </m:sub>
+                      <m:sup/>
+                      <m:e>
+                        <m:func>
+                          <m:funcPr>
+                            <m:ctrlPr>
+                              <a:rPr lang="zh-CN" altLang="zh-CN" i="1"/>
+                            </m:ctrlPr>
+                          </m:funcPr>
+                          <m:fName>
+                            <m:r>
+                              <a:rPr lang="en-US" altLang="zh-CN" i="1"/>
+                              <m:t>𝑒𝑥𝑝</m:t>
+                            </m:r>
+                          </m:fName>
+                          <m:e>
+                            <m:d>
+                              <m:dPr>
+                                <m:ctrlPr>
+                                  <a:rPr lang="zh-CN" altLang="zh-CN" i="1"/>
+                                </m:ctrlPr>
+                              </m:dPr>
+                              <m:e>
+                                <m:r>
+                                  <a:rPr lang="en-US" altLang="zh-CN" i="1"/>
+                                  <m:t>−</m:t>
+                                </m:r>
+                                <m:sSup>
+                                  <m:sSupPr>
+                                    <m:ctrlPr>
+                                      <a:rPr lang="zh-CN" altLang="zh-CN" i="1"/>
+                                    </m:ctrlPr>
+                                  </m:sSupPr>
+                                  <m:e>
+                                    <m:d>
+                                      <m:dPr>
+                                        <m:begChr m:val="|"/>
+                                        <m:endChr m:val="|"/>
+                                        <m:ctrlPr>
+                                          <a:rPr lang="zh-CN" altLang="zh-CN" i="1"/>
+                                        </m:ctrlPr>
+                                      </m:dPr>
+                                      <m:e>
+                                        <m:r>
+                                          <a:rPr lang="en-US" altLang="zh-CN" i="1"/>
+                                          <m:t>𝑦𝑘</m:t>
+                                        </m:r>
+                                        <m:r>
+                                          <a:rPr lang="en-US" altLang="zh-CN" i="1"/>
+                                          <m:t>−</m:t>
+                                        </m:r>
+                                        <m:r>
+                                          <a:rPr lang="en-US" altLang="zh-CN" i="1"/>
+                                          <m:t>𝑥𝑖</m:t>
+                                        </m:r>
+                                        <m:sSup>
+                                          <m:sSupPr>
+                                            <m:ctrlPr>
+                                              <a:rPr lang="zh-CN" altLang="zh-CN" i="1"/>
+                                            </m:ctrlPr>
+                                          </m:sSupPr>
+                                          <m:e>
+                                            <m:r>
+                                              <a:rPr lang="en-US" altLang="zh-CN" i="1"/>
+                                              <m:t>𝑒</m:t>
+                                            </m:r>
+                                          </m:e>
+                                          <m:sup>
+                                            <m:r>
+                                              <a:rPr lang="en-US" altLang="zh-CN" i="1"/>
+                                              <m:t>𝑗</m:t>
+                                            </m:r>
+                                            <m:r>
+                                              <a:rPr lang="en-US" altLang="zh-CN" i="1"/>
+                                              <m:t>𝜑</m:t>
+                                            </m:r>
+                                          </m:sup>
+                                        </m:sSup>
+                                      </m:e>
+                                    </m:d>
+                                  </m:e>
+                                  <m:sup>
+                                    <m:r>
+                                      <a:rPr lang="en-US" altLang="zh-CN" i="1"/>
+                                      <m:t>2</m:t>
+                                    </m:r>
+                                  </m:sup>
+                                </m:sSup>
+                              </m:e>
+                            </m:d>
+                          </m:e>
+                        </m:func>
+                      </m:e>
+                    </m:nary>
+                    <m:r>
+                      <a:rPr lang="zh-CN" altLang="en-US" i="1">
+                        <a:latin typeface="Cambria Math" panose="02040503050406030204" pitchFamily="18" charset="0"/>
+                      </a:rPr>
+                      <m:t>可以</m:t>
+                    </m:r>
+                  </m:oMath>
+                </a14:m>
+                <a:r>
+                  <a:rPr lang="zh-CN" altLang="en-US" dirty="0" smtClean="0"/>
+                  <a:t>衡量</a:t>
+                </a:r>
+                <a:r>
+                  <a:rPr lang="en-US" altLang="zh-CN" dirty="0"/>
+                  <a:t>f(yk|φ)</a:t>
+                </a:r>
+                <a:r>
+                  <a:rPr lang="zh-CN" altLang="en-US" dirty="0" smtClean="0"/>
+                  <a:t>，即在接受符号</a:t>
+                </a:r>
+                <a:r>
+                  <a:rPr lang="en-US" altLang="zh-CN" dirty="0" err="1" smtClean="0"/>
+                  <a:t>yk</a:t>
+                </a:r>
+                <a:r>
+                  <a:rPr lang="zh-CN" altLang="en-US" dirty="0" smtClean="0"/>
+                  <a:t>已知的情况下</a:t>
+                </a:r>
+                <a:r>
+                  <a:rPr lang="en-US" altLang="zh-CN" dirty="0" err="1" smtClean="0"/>
+                  <a:t>fai</a:t>
+                </a:r>
+                <a:r>
+                  <a:rPr lang="zh-CN" altLang="en-US" dirty="0" smtClean="0"/>
+                  <a:t>的后验概率分布。</a:t>
+                </a:r>
+                <a:endParaRPr lang="en-US" altLang="zh-CN" dirty="0" smtClean="0"/>
+              </a:p>
+              <a:p>
+                <a:pPr lvl="1"/>
+                <a:endParaRPr lang="zh-CN" altLang="zh-CN" dirty="0"/>
+              </a:p>
+              <a:p>
+                <a:pPr lvl="1"/>
+                <a:r>
+                  <a:rPr lang="zh-CN" altLang="en-US" dirty="0" smtClean="0"/>
+                  <a:t>因为</a:t>
+                </a:r>
+                <a:r>
+                  <a:rPr lang="en-US" altLang="zh-CN" dirty="0" err="1" smtClean="0"/>
+                  <a:t>yk</a:t>
+                </a:r>
+                <a:r>
+                  <a:rPr lang="zh-CN" altLang="en-US" dirty="0" smtClean="0"/>
+                  <a:t>之间是独立的，</a:t>
+                </a:r>
+                <a:r>
+                  <a:rPr lang="zh-CN" altLang="en-US" dirty="0" smtClean="0"/>
+                  <a:t>设共接收了</a:t>
+                </a:r>
+                <a:r>
+                  <a:rPr lang="zh-CN" altLang="en-US" dirty="0" smtClean="0"/>
+                  <a:t>因此有</a:t>
+                </a:r>
+                <a:r>
+                  <a:rPr lang="en-US" altLang="zh-CN" dirty="0" smtClean="0"/>
+                  <a:t>f(</a:t>
+                </a:r>
+                <a:r>
+                  <a:rPr lang="en-US" altLang="zh-CN" dirty="0"/>
+                  <a:t>y1,y2,…,</a:t>
+                </a:r>
+                <a:r>
+                  <a:rPr lang="en-US" altLang="zh-CN" dirty="0" err="1" smtClean="0"/>
+                  <a:t>ym|φ</a:t>
+                </a:r>
+                <a:r>
+                  <a:rPr lang="en-US" altLang="zh-CN" dirty="0" smtClean="0"/>
+                  <a:t>)=</a:t>
+                </a:r>
+                <a14:m>
+                  <m:oMath xmlns:m="http://schemas.openxmlformats.org/officeDocument/2006/math">
+                    <m:nary>
+                      <m:naryPr>
+                        <m:chr m:val="∏"/>
+                        <m:limLoc m:val="undOvr"/>
+                        <m:ctrlPr>
+                          <a:rPr lang="zh-CN" altLang="zh-CN" i="1"/>
+                        </m:ctrlPr>
+                      </m:naryPr>
+                      <m:sub>
+                        <m:r>
+                          <a:rPr lang="en-US" altLang="zh-CN" i="1"/>
+                          <m:t>𝑘</m:t>
+                        </m:r>
+                        <m:r>
+                          <a:rPr lang="en-US" altLang="zh-CN" i="1"/>
+                          <m:t>=1</m:t>
+                        </m:r>
+                      </m:sub>
+                      <m:sup>
+                        <m:r>
+                          <a:rPr lang="en-US" altLang="zh-CN" i="1"/>
+                          <m:t>𝑚</m:t>
+                        </m:r>
+                      </m:sup>
+                      <m:e>
+                        <m:r>
+                          <a:rPr lang="en-US" altLang="zh-CN" i="1"/>
+                          <m:t>𝑓</m:t>
+                        </m:r>
+                        <m:r>
+                          <a:rPr lang="en-US" altLang="zh-CN" i="1"/>
+                          <m:t>(</m:t>
+                        </m:r>
+                        <m:r>
+                          <a:rPr lang="en-US" altLang="zh-CN" i="1"/>
+                          <m:t>𝑦𝑘</m:t>
+                        </m:r>
+                        <m:r>
+                          <a:rPr lang="en-US" altLang="zh-CN" i="1"/>
+                          <m:t>|</m:t>
+                        </m:r>
+                        <m:r>
+                          <a:rPr lang="en-US" altLang="zh-CN" i="1"/>
+                          <m:t>𝜑</m:t>
+                        </m:r>
+                        <m:r>
+                          <a:rPr lang="en-US" altLang="zh-CN" i="1"/>
+                          <m:t>)</m:t>
+                        </m:r>
+                      </m:e>
+                    </m:nary>
+                  </m:oMath>
+                </a14:m>
+                <a:r>
+                  <a:rPr lang="zh-CN" altLang="en-US" dirty="0" smtClean="0"/>
+                  <a:t>，因此可以用</a:t>
+                </a:r>
+                <a:endParaRPr lang="en-US" altLang="zh-CN" dirty="0" smtClean="0"/>
+              </a:p>
+              <a:p>
+                <a:pPr marL="457200" lvl="1" indent="0">
+                  <a:buNone/>
+                </a:pPr>
+                <a:r>
+                  <a:rPr lang="en-US" altLang="zh-CN" dirty="0" smtClean="0"/>
+                  <a:t>     P(φ)=</a:t>
+                </a:r>
+                <a:r>
+                  <a:rPr lang="zh-CN" altLang="zh-CN" dirty="0"/>
+                  <a:t> </a:t>
+                </a:r>
+                <a14:m>
+                  <m:oMath xmlns:m="http://schemas.openxmlformats.org/officeDocument/2006/math">
+                    <m:nary>
+                      <m:naryPr>
+                        <m:chr m:val="∏"/>
+                        <m:limLoc m:val="undOvr"/>
+                        <m:ctrlPr>
+                          <a:rPr lang="zh-CN" altLang="zh-CN" i="1"/>
+                        </m:ctrlPr>
+                      </m:naryPr>
+                      <m:sub>
+                        <m:r>
+                          <a:rPr lang="en-US" altLang="zh-CN" i="1"/>
+                          <m:t>𝑘</m:t>
+                        </m:r>
+                        <m:r>
+                          <a:rPr lang="en-US" altLang="zh-CN" i="1"/>
+                          <m:t>=1</m:t>
+                        </m:r>
+                      </m:sub>
+                      <m:sup>
+                        <m:r>
+                          <a:rPr lang="en-US" altLang="zh-CN" i="1"/>
+                          <m:t>𝑚</m:t>
+                        </m:r>
+                      </m:sup>
+                      <m:e>
+                        <m:r>
+                          <a:rPr lang="en-US" altLang="zh-CN" i="1"/>
+                          <m:t>𝑑</m:t>
+                        </m:r>
+                        <m:r>
+                          <a:rPr lang="en-US" altLang="zh-CN" i="1"/>
+                          <m:t>’(</m:t>
+                        </m:r>
+                        <m:r>
+                          <a:rPr lang="en-US" altLang="zh-CN" i="1"/>
+                          <m:t>𝜑</m:t>
+                        </m:r>
+                        <m:r>
+                          <a:rPr lang="en-US" altLang="zh-CN" i="1"/>
+                          <m:t>,</m:t>
+                        </m:r>
+                        <m:r>
+                          <a:rPr lang="en-US" altLang="zh-CN" i="1"/>
+                          <m:t>𝑘</m:t>
+                        </m:r>
+                        <m:r>
+                          <a:rPr lang="en-US" altLang="zh-CN" i="1"/>
+                          <m:t>)</m:t>
+                        </m:r>
+                      </m:e>
+                    </m:nary>
+                    <m:r>
+                      <a:rPr lang="en-US" altLang="zh-CN" b="0" i="0" smtClean="0">
+                        <a:latin typeface="Cambria Math" panose="02040503050406030204" pitchFamily="18" charset="0"/>
+                      </a:rPr>
+                      <m:t>=</m:t>
+                    </m:r>
+                    <m:nary>
+                      <m:naryPr>
+                        <m:chr m:val="∏"/>
+                        <m:limLoc m:val="undOvr"/>
+                        <m:ctrlPr>
+                          <a:rPr lang="zh-CN" altLang="zh-CN" i="1"/>
+                        </m:ctrlPr>
+                      </m:naryPr>
+                      <m:sub>
+                        <m:r>
+                          <a:rPr lang="en-US" altLang="zh-CN" i="1"/>
+                          <m:t>𝑘</m:t>
+                        </m:r>
+                        <m:r>
+                          <a:rPr lang="en-US" altLang="zh-CN" i="1"/>
+                          <m:t>=1</m:t>
+                        </m:r>
+                      </m:sub>
+                      <m:sup>
+                        <m:r>
+                          <a:rPr lang="en-US" altLang="zh-CN" i="1"/>
+                          <m:t>𝑚</m:t>
+                        </m:r>
+                      </m:sup>
+                      <m:e>
+                        <m:nary>
+                          <m:naryPr>
+                            <m:chr m:val="∑"/>
+                            <m:limLoc m:val="undOvr"/>
+                            <m:supHide m:val="on"/>
+                            <m:ctrlPr>
+                              <a:rPr lang="zh-CN" altLang="zh-CN" i="1"/>
+                            </m:ctrlPr>
+                          </m:naryPr>
+                          <m:sub>
+                            <m:r>
+                              <a:rPr lang="en-US" altLang="zh-CN" i="1"/>
+                              <m:t>𝑖</m:t>
+                            </m:r>
+                          </m:sub>
+                          <m:sup/>
+                          <m:e>
+                            <m:func>
+                              <m:funcPr>
+                                <m:ctrlPr>
+                                  <a:rPr lang="zh-CN" altLang="zh-CN" i="1"/>
+                                </m:ctrlPr>
+                              </m:funcPr>
+                              <m:fName>
+                                <m:r>
+                                  <a:rPr lang="en-US" altLang="zh-CN" i="1"/>
+                                  <m:t>𝑒𝑥𝑝</m:t>
+                                </m:r>
+                              </m:fName>
+                              <m:e>
+                                <m:d>
+                                  <m:dPr>
+                                    <m:ctrlPr>
+                                      <a:rPr lang="zh-CN" altLang="zh-CN" i="1"/>
+                                    </m:ctrlPr>
+                                  </m:dPr>
+                                  <m:e>
+                                    <m:r>
+                                      <a:rPr lang="en-US" altLang="zh-CN" i="1"/>
+                                      <m:t>−</m:t>
+                                    </m:r>
+                                    <m:sSup>
+                                      <m:sSupPr>
+                                        <m:ctrlPr>
+                                          <a:rPr lang="zh-CN" altLang="zh-CN" i="1"/>
+                                        </m:ctrlPr>
+                                      </m:sSupPr>
+                                      <m:e>
+                                        <m:d>
+                                          <m:dPr>
+                                            <m:begChr m:val="|"/>
+                                            <m:endChr m:val="|"/>
+                                            <m:ctrlPr>
+                                              <a:rPr lang="zh-CN" altLang="zh-CN" i="1"/>
+                                            </m:ctrlPr>
+                                          </m:dPr>
+                                          <m:e>
+                                            <m:r>
+                                              <a:rPr lang="en-US" altLang="zh-CN" i="1"/>
+                                              <m:t>𝑦𝑘</m:t>
+                                            </m:r>
+                                            <m:r>
+                                              <a:rPr lang="en-US" altLang="zh-CN" i="1"/>
+                                              <m:t>−</m:t>
+                                            </m:r>
+                                            <m:r>
+                                              <a:rPr lang="en-US" altLang="zh-CN" i="1"/>
+                                              <m:t>𝑥𝑖</m:t>
+                                            </m:r>
+                                            <m:sSup>
+                                              <m:sSupPr>
+                                                <m:ctrlPr>
+                                                  <a:rPr lang="zh-CN" altLang="zh-CN" i="1"/>
+                                                </m:ctrlPr>
+                                              </m:sSupPr>
+                                              <m:e>
+                                                <m:r>
+                                                  <a:rPr lang="en-US" altLang="zh-CN" i="1"/>
+                                                  <m:t>𝑒</m:t>
+                                                </m:r>
+                                              </m:e>
+                                              <m:sup>
+                                                <m:r>
+                                                  <a:rPr lang="en-US" altLang="zh-CN" i="1"/>
+                                                  <m:t>𝑗</m:t>
+                                                </m:r>
+                                                <m:r>
+                                                  <a:rPr lang="en-US" altLang="zh-CN" i="1"/>
+                                                  <m:t>𝜑</m:t>
+                                                </m:r>
+                                              </m:sup>
+                                            </m:sSup>
+                                          </m:e>
+                                        </m:d>
+                                      </m:e>
+                                      <m:sup>
+                                        <m:r>
+                                          <a:rPr lang="en-US" altLang="zh-CN" i="1"/>
+                                          <m:t>2</m:t>
+                                        </m:r>
+                                      </m:sup>
+                                    </m:sSup>
+                                  </m:e>
+                                </m:d>
+                              </m:e>
+                            </m:func>
+                          </m:e>
+                        </m:nary>
+                        <m:r>
+                          <a:rPr lang="en-US" altLang="zh-CN" i="1"/>
+                          <m:t>)</m:t>
+                        </m:r>
+                      </m:e>
+                    </m:nary>
+                    <m:r>
+                      <a:rPr lang="zh-CN" altLang="en-US" i="1">
+                        <a:latin typeface="Cambria Math" panose="02040503050406030204" pitchFamily="18" charset="0"/>
+                      </a:rPr>
+                      <m:t>来</m:t>
+                    </m:r>
+                  </m:oMath>
+                </a14:m>
+                <a:r>
+                  <a:rPr lang="zh-CN" altLang="en-US" dirty="0" smtClean="0"/>
+                  <a:t>衡量，因此寻找最概然的</a:t>
+                </a:r>
+                <a:r>
+                  <a:rPr lang="en-US" altLang="zh-CN" dirty="0" smtClean="0"/>
+                  <a:t>φ</a:t>
+                </a:r>
+                <a:r>
+                  <a:rPr lang="zh-CN" altLang="en-US" dirty="0" smtClean="0"/>
+                  <a:t>，即</a:t>
+                </a:r>
+                <a:r>
+                  <a:rPr lang="en-US" altLang="zh-CN" dirty="0" smtClean="0"/>
+                  <a:t>f(y1,y2</a:t>
+                </a:r>
+                <a:r>
+                  <a:rPr lang="en-US" altLang="zh-CN" dirty="0"/>
+                  <a:t>,…,</a:t>
+                </a:r>
+                <a:r>
+                  <a:rPr lang="en-US" altLang="zh-CN" dirty="0" err="1"/>
+                  <a:t>ym|φ</a:t>
+                </a:r>
+                <a:r>
+                  <a:rPr lang="en-US" altLang="zh-CN" dirty="0" smtClean="0"/>
+                  <a:t>)  </a:t>
+                </a:r>
+                <a:r>
+                  <a:rPr lang="zh-CN" altLang="en-US" dirty="0" smtClean="0"/>
+                  <a:t>取最大的</a:t>
+                </a:r>
+                <a:r>
+                  <a:rPr lang="en-US" altLang="zh-CN" dirty="0" smtClean="0"/>
+                  <a:t>φ</a:t>
+                </a:r>
+                <a:r>
+                  <a:rPr lang="zh-CN" altLang="en-US" dirty="0" smtClean="0"/>
+                  <a:t>，只需求</a:t>
+                </a:r>
+                <a:r>
+                  <a:rPr lang="en-US" altLang="zh-CN" dirty="0"/>
+                  <a:t>P(φ</a:t>
+                </a:r>
+                <a:r>
+                  <a:rPr lang="en-US" altLang="zh-CN" dirty="0" smtClean="0"/>
+                  <a:t>)</a:t>
+                </a:r>
+                <a:r>
+                  <a:rPr lang="zh-CN" altLang="en-US" dirty="0" smtClean="0"/>
+                  <a:t>的最大值即可，</a:t>
+                </a:r>
+                <a:r>
+                  <a:rPr lang="zh-CN" altLang="en-US" dirty="0"/>
+                  <a:t>通过</a:t>
+                </a:r>
+                <a:r>
+                  <a:rPr lang="en-US" altLang="zh-CN" dirty="0" err="1"/>
+                  <a:t>matlab</a:t>
+                </a:r>
+                <a:r>
+                  <a:rPr lang="zh-CN" altLang="en-US" dirty="0"/>
+                  <a:t>进行</a:t>
+                </a:r>
+                <a:r>
+                  <a:rPr lang="zh-CN" altLang="en-US" dirty="0" smtClean="0"/>
+                  <a:t>数值计算并不困难</a:t>
+                </a:r>
+                <a:endParaRPr lang="zh-CN" altLang="zh-CN" dirty="0"/>
+              </a:p>
+              <a:p>
+                <a:pPr marL="457200" lvl="1" indent="0">
+                  <a:buNone/>
+                </a:pPr>
+                <a:endParaRPr lang="zh-CN" altLang="zh-CN" dirty="0"/>
+              </a:p>
+              <a:p>
+                <a:pPr lvl="1"/>
+                <a:endParaRPr lang="zh-CN" altLang="zh-CN" dirty="0"/>
+              </a:p>
+              <a:p>
+                <a:pPr lvl="1"/>
+                <a:endParaRPr lang="en-US" altLang="zh-CN" dirty="0" smtClean="0"/>
+              </a:p>
+            </p:txBody>
+          </p:sp>
+        </mc:Choice>
+        <mc:Fallback>
+          <p:sp>
+            <p:nvSpPr>
+              <p:cNvPr id="3" name="内容占位符 2"/>
+              <p:cNvSpPr>
+                <a:spLocks noGrp="1" noRot="1" noChangeAspect="1" noMove="1" noResize="1" noEditPoints="1" noAdjustHandles="1" noChangeArrowheads="1" noChangeShapeType="1" noTextEdit="1"/>
+              </p:cNvSpPr>
+              <p:nvPr>
+                <p:ph idx="1"/>
+              </p:nvPr>
+            </p:nvSpPr>
+            <p:spPr>
+              <a:xfrm>
+                <a:off x="0" y="1270000"/>
+                <a:ext cx="10713756" cy="4902740"/>
+              </a:xfrm>
+              <a:blipFill>
+                <a:blip r:embed="rId2"/>
+                <a:stretch>
+                  <a:fillRect l="-114" t="-870" r="-2162" b="-497"/>
+                </a:stretch>
+              </a:blipFill>
+            </p:spPr>
+            <p:txBody>
+              <a:bodyPr/>
+              <a:lstStyle/>
+              <a:p>
+                <a:r>
+                  <a:rPr lang="zh-CN" altLang="en-US">
+                    <a:noFill/>
+                  </a:rPr>
+                  <a:t> </a:t>
+                </a:r>
+              </a:p>
+            </p:txBody>
+          </p:sp>
+        </mc:Fallback>
+      </mc:AlternateContent>
+    </p:spTree>
+    <p:extLst>
+      <p:ext uri="{BB962C8B-B14F-4D97-AF65-F5344CB8AC3E}">
+        <p14:creationId xmlns:p14="http://schemas.microsoft.com/office/powerpoint/2010/main" val="3896460319"/>
       </p:ext>
     </p:extLst>
   </p:cSld>

--- a/v1.pptx
+++ b/v1.pptx
@@ -11,8 +11,12 @@
     <p:sldId id="259" r:id="rId5"/>
     <p:sldId id="260" r:id="rId6"/>
     <p:sldId id="261" r:id="rId7"/>
-    <p:sldId id="262" r:id="rId8"/>
-    <p:sldId id="263" r:id="rId9"/>
+    <p:sldId id="266" r:id="rId8"/>
+    <p:sldId id="267" r:id="rId9"/>
+    <p:sldId id="265" r:id="rId10"/>
+    <p:sldId id="268" r:id="rId11"/>
+    <p:sldId id="262" r:id="rId12"/>
+    <p:sldId id="263" r:id="rId13"/>
   </p:sldIdLst>
   <p:sldSz cx="12192000" cy="6858000"/>
   <p:notesSz cx="6858000" cy="9144000"/>
@@ -697,7 +701,7 @@
           </a:lstStyle>
           <a:p>
             <a:r>
-              <a:rPr lang="zh-CN" altLang="en-US" smtClean="0"/>
+              <a:rPr lang="zh-CN" altLang="en-US"/>
               <a:t>单击此处编辑母版标题样式</a:t>
             </a:r>
             <a:endParaRPr lang="en-US" dirty="0"/>
@@ -817,7 +821,7 @@
           </a:lstStyle>
           <a:p>
             <a:r>
-              <a:rPr lang="zh-CN" altLang="en-US" smtClean="0"/>
+              <a:rPr lang="zh-CN" altLang="en-US"/>
               <a:t>单击以编辑母版副标题样式</a:t>
             </a:r>
             <a:endParaRPr lang="en-US" dirty="0"/>
@@ -946,7 +950,7 @@
           </a:lstStyle>
           <a:p>
             <a:r>
-              <a:rPr lang="zh-CN" altLang="en-US" smtClean="0"/>
+              <a:rPr lang="zh-CN" altLang="en-US"/>
               <a:t>单击此处编辑母版标题样式</a:t>
             </a:r>
             <a:endParaRPr lang="en-US" dirty="0"/>
@@ -1069,7 +1073,7 @@
           <a:p>
             <a:pPr lvl="0"/>
             <a:r>
-              <a:rPr lang="zh-CN" altLang="en-US" smtClean="0"/>
+              <a:rPr lang="zh-CN" altLang="en-US"/>
               <a:t>编辑母版文本样式</a:t>
             </a:r>
           </a:p>
@@ -1197,7 +1201,7 @@
           </a:lstStyle>
           <a:p>
             <a:r>
-              <a:rPr lang="zh-CN" altLang="en-US" smtClean="0"/>
+              <a:rPr lang="zh-CN" altLang="en-US"/>
               <a:t>单击此处编辑母版标题样式</a:t>
             </a:r>
             <a:endParaRPr lang="en-US" dirty="0"/>
@@ -1261,7 +1265,7 @@
           <a:p>
             <a:pPr lvl="0"/>
             <a:r>
-              <a:rPr lang="zh-CN" altLang="en-US" smtClean="0"/>
+              <a:rPr lang="zh-CN" altLang="en-US"/>
               <a:t>编辑母版文本样式</a:t>
             </a:r>
           </a:p>
@@ -1383,7 +1387,7 @@
           <a:p>
             <a:pPr lvl="0"/>
             <a:r>
-              <a:rPr lang="zh-CN" altLang="en-US" smtClean="0"/>
+              <a:rPr lang="zh-CN" altLang="en-US"/>
               <a:t>编辑母版文本样式</a:t>
             </a:r>
           </a:p>
@@ -1601,7 +1605,7 @@
           </a:lstStyle>
           <a:p>
             <a:r>
-              <a:rPr lang="zh-CN" altLang="en-US" smtClean="0"/>
+              <a:rPr lang="zh-CN" altLang="en-US"/>
               <a:t>单击此处编辑母版标题样式</a:t>
             </a:r>
             <a:endParaRPr lang="en-US" dirty="0"/>
@@ -1724,7 +1728,7 @@
           <a:p>
             <a:pPr lvl="0"/>
             <a:r>
-              <a:rPr lang="zh-CN" altLang="en-US" smtClean="0"/>
+              <a:rPr lang="zh-CN" altLang="en-US"/>
               <a:t>编辑母版文本样式</a:t>
             </a:r>
           </a:p>
@@ -1852,7 +1856,7 @@
           </a:lstStyle>
           <a:p>
             <a:r>
-              <a:rPr lang="zh-CN" altLang="en-US" smtClean="0"/>
+              <a:rPr lang="zh-CN" altLang="en-US"/>
               <a:t>单击此处编辑母版标题样式</a:t>
             </a:r>
             <a:endParaRPr lang="en-US" dirty="0"/>
@@ -1916,7 +1920,7 @@
           <a:p>
             <a:pPr lvl="0"/>
             <a:r>
-              <a:rPr lang="zh-CN" altLang="en-US" smtClean="0"/>
+              <a:rPr lang="zh-CN" altLang="en-US"/>
               <a:t>编辑母版文本样式</a:t>
             </a:r>
           </a:p>
@@ -2038,7 +2042,7 @@
           <a:p>
             <a:pPr lvl="0"/>
             <a:r>
-              <a:rPr lang="zh-CN" altLang="en-US" smtClean="0"/>
+              <a:rPr lang="zh-CN" altLang="en-US"/>
               <a:t>编辑母版文本样式</a:t>
             </a:r>
           </a:p>
@@ -2248,7 +2252,7 @@
           </a:lstStyle>
           <a:p>
             <a:r>
-              <a:rPr lang="zh-CN" altLang="en-US" smtClean="0"/>
+              <a:rPr lang="zh-CN" altLang="en-US"/>
               <a:t>单击此处编辑母版标题样式</a:t>
             </a:r>
             <a:endParaRPr lang="en-US" dirty="0"/>
@@ -2309,7 +2313,7 @@
           <a:p>
             <a:pPr lvl="0"/>
             <a:r>
-              <a:rPr lang="zh-CN" altLang="en-US" smtClean="0"/>
+              <a:rPr lang="zh-CN" altLang="en-US"/>
               <a:t>编辑母版文本样式</a:t>
             </a:r>
           </a:p>
@@ -2431,7 +2435,7 @@
           <a:p>
             <a:pPr lvl="0"/>
             <a:r>
-              <a:rPr lang="zh-CN" altLang="en-US" smtClean="0"/>
+              <a:rPr lang="zh-CN" altLang="en-US"/>
               <a:t>编辑母版文本样式</a:t>
             </a:r>
           </a:p>
@@ -2548,7 +2552,7 @@
           <a:lstStyle/>
           <a:p>
             <a:r>
-              <a:rPr lang="zh-CN" altLang="en-US" smtClean="0"/>
+              <a:rPr lang="zh-CN" altLang="en-US"/>
               <a:t>单击此处编辑母版标题样式</a:t>
             </a:r>
             <a:endParaRPr lang="en-US" dirty="0"/>
@@ -2572,35 +2576,35 @@
           <a:p>
             <a:pPr lvl="0"/>
             <a:r>
-              <a:rPr lang="zh-CN" altLang="en-US" smtClean="0"/>
+              <a:rPr lang="zh-CN" altLang="en-US"/>
               <a:t>编辑母版文本样式</a:t>
             </a:r>
           </a:p>
           <a:p>
             <a:pPr lvl="1"/>
             <a:r>
-              <a:rPr lang="zh-CN" altLang="en-US" smtClean="0"/>
+              <a:rPr lang="zh-CN" altLang="en-US"/>
               <a:t>第二级</a:t>
             </a:r>
           </a:p>
           <a:p>
             <a:pPr lvl="2"/>
             <a:r>
-              <a:rPr lang="zh-CN" altLang="en-US" smtClean="0"/>
+              <a:rPr lang="zh-CN" altLang="en-US"/>
               <a:t>第三级</a:t>
             </a:r>
           </a:p>
           <a:p>
             <a:pPr lvl="3"/>
             <a:r>
-              <a:rPr lang="zh-CN" altLang="en-US" smtClean="0"/>
+              <a:rPr lang="zh-CN" altLang="en-US"/>
               <a:t>第四级</a:t>
             </a:r>
           </a:p>
           <a:p>
             <a:pPr lvl="4"/>
             <a:r>
-              <a:rPr lang="zh-CN" altLang="en-US" smtClean="0"/>
+              <a:rPr lang="zh-CN" altLang="en-US"/>
               <a:t>第五级</a:t>
             </a:r>
             <a:endParaRPr lang="en-US" dirty="0"/>
@@ -2723,7 +2727,7 @@
           <a:lstStyle/>
           <a:p>
             <a:r>
-              <a:rPr lang="zh-CN" altLang="en-US" smtClean="0"/>
+              <a:rPr lang="zh-CN" altLang="en-US"/>
               <a:t>单击此处编辑母版标题样式</a:t>
             </a:r>
             <a:endParaRPr lang="en-US" dirty="0"/>
@@ -2752,35 +2756,35 @@
           <a:p>
             <a:pPr lvl="0"/>
             <a:r>
-              <a:rPr lang="zh-CN" altLang="en-US" smtClean="0"/>
+              <a:rPr lang="zh-CN" altLang="en-US"/>
               <a:t>编辑母版文本样式</a:t>
             </a:r>
           </a:p>
           <a:p>
             <a:pPr lvl="1"/>
             <a:r>
-              <a:rPr lang="zh-CN" altLang="en-US" smtClean="0"/>
+              <a:rPr lang="zh-CN" altLang="en-US"/>
               <a:t>第二级</a:t>
             </a:r>
           </a:p>
           <a:p>
             <a:pPr lvl="2"/>
             <a:r>
-              <a:rPr lang="zh-CN" altLang="en-US" smtClean="0"/>
+              <a:rPr lang="zh-CN" altLang="en-US"/>
               <a:t>第三级</a:t>
             </a:r>
           </a:p>
           <a:p>
             <a:pPr lvl="3"/>
             <a:r>
-              <a:rPr lang="zh-CN" altLang="en-US" smtClean="0"/>
+              <a:rPr lang="zh-CN" altLang="en-US"/>
               <a:t>第四级</a:t>
             </a:r>
           </a:p>
           <a:p>
             <a:pPr lvl="4"/>
             <a:r>
-              <a:rPr lang="zh-CN" altLang="en-US" smtClean="0"/>
+              <a:rPr lang="zh-CN" altLang="en-US"/>
               <a:t>第五级</a:t>
             </a:r>
             <a:endParaRPr lang="en-US" dirty="0"/>
@@ -2904,7 +2908,7 @@
           </a:lstStyle>
           <a:p>
             <a:r>
-              <a:rPr lang="zh-CN" altLang="en-US" smtClean="0"/>
+              <a:rPr lang="zh-CN" altLang="en-US"/>
               <a:t>单击此处编辑母版标题样式</a:t>
             </a:r>
             <a:endParaRPr lang="en-US" dirty="0"/>
@@ -2928,35 +2932,35 @@
           <a:p>
             <a:pPr lvl="0"/>
             <a:r>
-              <a:rPr lang="zh-CN" altLang="en-US" smtClean="0"/>
+              <a:rPr lang="zh-CN" altLang="en-US"/>
               <a:t>编辑母版文本样式</a:t>
             </a:r>
           </a:p>
           <a:p>
             <a:pPr lvl="1"/>
             <a:r>
-              <a:rPr lang="zh-CN" altLang="en-US" smtClean="0"/>
+              <a:rPr lang="zh-CN" altLang="en-US"/>
               <a:t>第二级</a:t>
             </a:r>
           </a:p>
           <a:p>
             <a:pPr lvl="2"/>
             <a:r>
-              <a:rPr lang="zh-CN" altLang="en-US" smtClean="0"/>
+              <a:rPr lang="zh-CN" altLang="en-US"/>
               <a:t>第三级</a:t>
             </a:r>
           </a:p>
           <a:p>
             <a:pPr lvl="3"/>
             <a:r>
-              <a:rPr lang="zh-CN" altLang="en-US" smtClean="0"/>
+              <a:rPr lang="zh-CN" altLang="en-US"/>
               <a:t>第四级</a:t>
             </a:r>
           </a:p>
           <a:p>
             <a:pPr lvl="4"/>
             <a:r>
-              <a:rPr lang="zh-CN" altLang="en-US" smtClean="0"/>
+              <a:rPr lang="zh-CN" altLang="en-US"/>
               <a:t>第五级</a:t>
             </a:r>
             <a:endParaRPr lang="en-US" dirty="0"/>
@@ -3083,7 +3087,7 @@
           </a:lstStyle>
           <a:p>
             <a:r>
-              <a:rPr lang="zh-CN" altLang="en-US" smtClean="0"/>
+              <a:rPr lang="zh-CN" altLang="en-US"/>
               <a:t>单击此处编辑母版标题样式</a:t>
             </a:r>
             <a:endParaRPr lang="en-US" dirty="0"/>
@@ -3204,7 +3208,7 @@
           <a:p>
             <a:pPr lvl="0"/>
             <a:r>
-              <a:rPr lang="zh-CN" altLang="en-US" smtClean="0"/>
+              <a:rPr lang="zh-CN" altLang="en-US"/>
               <a:t>编辑母版文本样式</a:t>
             </a:r>
           </a:p>
@@ -3321,7 +3325,7 @@
           <a:lstStyle/>
           <a:p>
             <a:r>
-              <a:rPr lang="zh-CN" altLang="en-US" smtClean="0"/>
+              <a:rPr lang="zh-CN" altLang="en-US"/>
               <a:t>单击此处编辑母版标题样式</a:t>
             </a:r>
             <a:endParaRPr lang="en-US" dirty="0"/>
@@ -3350,35 +3354,35 @@
           <a:p>
             <a:pPr lvl="0"/>
             <a:r>
-              <a:rPr lang="zh-CN" altLang="en-US" smtClean="0"/>
+              <a:rPr lang="zh-CN" altLang="en-US"/>
               <a:t>编辑母版文本样式</a:t>
             </a:r>
           </a:p>
           <a:p>
             <a:pPr lvl="1"/>
             <a:r>
-              <a:rPr lang="zh-CN" altLang="en-US" smtClean="0"/>
+              <a:rPr lang="zh-CN" altLang="en-US"/>
               <a:t>第二级</a:t>
             </a:r>
           </a:p>
           <a:p>
             <a:pPr lvl="2"/>
             <a:r>
-              <a:rPr lang="zh-CN" altLang="en-US" smtClean="0"/>
+              <a:rPr lang="zh-CN" altLang="en-US"/>
               <a:t>第三级</a:t>
             </a:r>
           </a:p>
           <a:p>
             <a:pPr lvl="3"/>
             <a:r>
-              <a:rPr lang="zh-CN" altLang="en-US" smtClean="0"/>
+              <a:rPr lang="zh-CN" altLang="en-US"/>
               <a:t>第四级</a:t>
             </a:r>
           </a:p>
           <a:p>
             <a:pPr lvl="4"/>
             <a:r>
-              <a:rPr lang="zh-CN" altLang="en-US" smtClean="0"/>
+              <a:rPr lang="zh-CN" altLang="en-US"/>
               <a:t>第五级</a:t>
             </a:r>
             <a:endParaRPr lang="en-US" dirty="0"/>
@@ -3407,35 +3411,35 @@
           <a:p>
             <a:pPr lvl="0"/>
             <a:r>
-              <a:rPr lang="zh-CN" altLang="en-US" smtClean="0"/>
+              <a:rPr lang="zh-CN" altLang="en-US"/>
               <a:t>编辑母版文本样式</a:t>
             </a:r>
           </a:p>
           <a:p>
             <a:pPr lvl="1"/>
             <a:r>
-              <a:rPr lang="zh-CN" altLang="en-US" smtClean="0"/>
+              <a:rPr lang="zh-CN" altLang="en-US"/>
               <a:t>第二级</a:t>
             </a:r>
           </a:p>
           <a:p>
             <a:pPr lvl="2"/>
             <a:r>
-              <a:rPr lang="zh-CN" altLang="en-US" smtClean="0"/>
+              <a:rPr lang="zh-CN" altLang="en-US"/>
               <a:t>第三级</a:t>
             </a:r>
           </a:p>
           <a:p>
             <a:pPr lvl="3"/>
             <a:r>
-              <a:rPr lang="zh-CN" altLang="en-US" smtClean="0"/>
+              <a:rPr lang="zh-CN" altLang="en-US"/>
               <a:t>第四级</a:t>
             </a:r>
           </a:p>
           <a:p>
             <a:pPr lvl="4"/>
             <a:r>
-              <a:rPr lang="zh-CN" altLang="en-US" smtClean="0"/>
+              <a:rPr lang="zh-CN" altLang="en-US"/>
               <a:t>第五级</a:t>
             </a:r>
             <a:endParaRPr lang="en-US" dirty="0"/>
@@ -3557,7 +3561,7 @@
           </a:lstStyle>
           <a:p>
             <a:r>
-              <a:rPr lang="zh-CN" altLang="en-US" smtClean="0"/>
+              <a:rPr lang="zh-CN" altLang="en-US"/>
               <a:t>单击此处编辑母版标题样式</a:t>
             </a:r>
             <a:endParaRPr lang="en-US" dirty="0"/>
@@ -3625,7 +3629,7 @@
           <a:p>
             <a:pPr lvl="0"/>
             <a:r>
-              <a:rPr lang="zh-CN" altLang="en-US" smtClean="0"/>
+              <a:rPr lang="zh-CN" altLang="en-US"/>
               <a:t>编辑母版文本样式</a:t>
             </a:r>
           </a:p>
@@ -3655,35 +3659,35 @@
           <a:p>
             <a:pPr lvl="0"/>
             <a:r>
-              <a:rPr lang="zh-CN" altLang="en-US" smtClean="0"/>
+              <a:rPr lang="zh-CN" altLang="en-US"/>
               <a:t>编辑母版文本样式</a:t>
             </a:r>
           </a:p>
           <a:p>
             <a:pPr lvl="1"/>
             <a:r>
-              <a:rPr lang="zh-CN" altLang="en-US" smtClean="0"/>
+              <a:rPr lang="zh-CN" altLang="en-US"/>
               <a:t>第二级</a:t>
             </a:r>
           </a:p>
           <a:p>
             <a:pPr lvl="2"/>
             <a:r>
-              <a:rPr lang="zh-CN" altLang="en-US" smtClean="0"/>
+              <a:rPr lang="zh-CN" altLang="en-US"/>
               <a:t>第三级</a:t>
             </a:r>
           </a:p>
           <a:p>
             <a:pPr lvl="3"/>
             <a:r>
-              <a:rPr lang="zh-CN" altLang="en-US" smtClean="0"/>
+              <a:rPr lang="zh-CN" altLang="en-US"/>
               <a:t>第四级</a:t>
             </a:r>
           </a:p>
           <a:p>
             <a:pPr lvl="4"/>
             <a:r>
-              <a:rPr lang="zh-CN" altLang="en-US" smtClean="0"/>
+              <a:rPr lang="zh-CN" altLang="en-US"/>
               <a:t>第五级</a:t>
             </a:r>
             <a:endParaRPr lang="en-US" dirty="0"/>
@@ -3751,7 +3755,7 @@
           <a:p>
             <a:pPr lvl="0"/>
             <a:r>
-              <a:rPr lang="zh-CN" altLang="en-US" smtClean="0"/>
+              <a:rPr lang="zh-CN" altLang="en-US"/>
               <a:t>编辑母版文本样式</a:t>
             </a:r>
           </a:p>
@@ -3781,35 +3785,35 @@
           <a:p>
             <a:pPr lvl="0"/>
             <a:r>
-              <a:rPr lang="zh-CN" altLang="en-US" smtClean="0"/>
+              <a:rPr lang="zh-CN" altLang="en-US"/>
               <a:t>编辑母版文本样式</a:t>
             </a:r>
           </a:p>
           <a:p>
             <a:pPr lvl="1"/>
             <a:r>
-              <a:rPr lang="zh-CN" altLang="en-US" smtClean="0"/>
+              <a:rPr lang="zh-CN" altLang="en-US"/>
               <a:t>第二级</a:t>
             </a:r>
           </a:p>
           <a:p>
             <a:pPr lvl="2"/>
             <a:r>
-              <a:rPr lang="zh-CN" altLang="en-US" smtClean="0"/>
+              <a:rPr lang="zh-CN" altLang="en-US"/>
               <a:t>第三级</a:t>
             </a:r>
           </a:p>
           <a:p>
             <a:pPr lvl="3"/>
             <a:r>
-              <a:rPr lang="zh-CN" altLang="en-US" smtClean="0"/>
+              <a:rPr lang="zh-CN" altLang="en-US"/>
               <a:t>第四级</a:t>
             </a:r>
           </a:p>
           <a:p>
             <a:pPr lvl="4"/>
             <a:r>
-              <a:rPr lang="zh-CN" altLang="en-US" smtClean="0"/>
+              <a:rPr lang="zh-CN" altLang="en-US"/>
               <a:t>第五级</a:t>
             </a:r>
             <a:endParaRPr lang="en-US" dirty="0"/>
@@ -3932,7 +3936,7 @@
           <a:lstStyle/>
           <a:p>
             <a:r>
-              <a:rPr lang="zh-CN" altLang="en-US" smtClean="0"/>
+              <a:rPr lang="zh-CN" altLang="en-US"/>
               <a:t>单击此处编辑母版标题样式</a:t>
             </a:r>
             <a:endParaRPr lang="en-US" dirty="0"/>
@@ -4156,7 +4160,7 @@
           </a:lstStyle>
           <a:p>
             <a:r>
-              <a:rPr lang="zh-CN" altLang="en-US" smtClean="0"/>
+              <a:rPr lang="zh-CN" altLang="en-US"/>
               <a:t>单击此处编辑母版标题样式</a:t>
             </a:r>
             <a:endParaRPr lang="en-US" dirty="0"/>
@@ -4187,35 +4191,35 @@
           <a:p>
             <a:pPr lvl="0"/>
             <a:r>
-              <a:rPr lang="zh-CN" altLang="en-US" smtClean="0"/>
+              <a:rPr lang="zh-CN" altLang="en-US"/>
               <a:t>编辑母版文本样式</a:t>
             </a:r>
           </a:p>
           <a:p>
             <a:pPr lvl="1"/>
             <a:r>
-              <a:rPr lang="zh-CN" altLang="en-US" smtClean="0"/>
+              <a:rPr lang="zh-CN" altLang="en-US"/>
               <a:t>第二级</a:t>
             </a:r>
           </a:p>
           <a:p>
             <a:pPr lvl="2"/>
             <a:r>
-              <a:rPr lang="zh-CN" altLang="en-US" smtClean="0"/>
+              <a:rPr lang="zh-CN" altLang="en-US"/>
               <a:t>第三级</a:t>
             </a:r>
           </a:p>
           <a:p>
             <a:pPr lvl="3"/>
             <a:r>
-              <a:rPr lang="zh-CN" altLang="en-US" smtClean="0"/>
+              <a:rPr lang="zh-CN" altLang="en-US"/>
               <a:t>第四级</a:t>
             </a:r>
           </a:p>
           <a:p>
             <a:pPr lvl="4"/>
             <a:r>
-              <a:rPr lang="zh-CN" altLang="en-US" smtClean="0"/>
+              <a:rPr lang="zh-CN" altLang="en-US"/>
               <a:t>第五级</a:t>
             </a:r>
             <a:endParaRPr lang="en-US" dirty="0"/>
@@ -4283,7 +4287,7 @@
           <a:p>
             <a:pPr lvl="0"/>
             <a:r>
-              <a:rPr lang="zh-CN" altLang="en-US" smtClean="0"/>
+              <a:rPr lang="zh-CN" altLang="en-US"/>
               <a:t>编辑母版文本样式</a:t>
             </a:r>
           </a:p>
@@ -4411,7 +4415,7 @@
           </a:lstStyle>
           <a:p>
             <a:r>
-              <a:rPr lang="zh-CN" altLang="en-US" smtClean="0"/>
+              <a:rPr lang="zh-CN" altLang="en-US"/>
               <a:t>单击此处编辑母版标题样式</a:t>
             </a:r>
             <a:endParaRPr lang="en-US" dirty="0"/>
@@ -4478,7 +4482,7 @@
           </a:lstStyle>
           <a:p>
             <a:r>
-              <a:rPr lang="zh-CN" altLang="en-US" smtClean="0"/>
+              <a:rPr lang="zh-CN" altLang="en-US"/>
               <a:t>单击图标添加图片</a:t>
             </a:r>
             <a:endParaRPr lang="en-US" dirty="0"/>
@@ -4546,7 +4550,7 @@
           <a:p>
             <a:pPr lvl="0"/>
             <a:r>
-              <a:rPr lang="zh-CN" altLang="en-US" smtClean="0"/>
+              <a:rPr lang="zh-CN" altLang="en-US"/>
               <a:t>编辑母版文本样式</a:t>
             </a:r>
           </a:p>
@@ -5208,7 +5212,7 @@
           <a:lstStyle/>
           <a:p>
             <a:r>
-              <a:rPr lang="zh-CN" altLang="en-US" smtClean="0"/>
+              <a:rPr lang="zh-CN" altLang="en-US"/>
               <a:t>单击此处编辑母版标题样式</a:t>
             </a:r>
             <a:endParaRPr lang="en-US" dirty="0"/>
@@ -5242,35 +5246,35 @@
           <a:p>
             <a:pPr lvl="0"/>
             <a:r>
-              <a:rPr lang="zh-CN" altLang="en-US" smtClean="0"/>
+              <a:rPr lang="zh-CN" altLang="en-US"/>
               <a:t>编辑母版文本样式</a:t>
             </a:r>
           </a:p>
           <a:p>
             <a:pPr lvl="1"/>
             <a:r>
-              <a:rPr lang="zh-CN" altLang="en-US" smtClean="0"/>
+              <a:rPr lang="zh-CN" altLang="en-US"/>
               <a:t>第二级</a:t>
             </a:r>
           </a:p>
           <a:p>
             <a:pPr lvl="2"/>
             <a:r>
-              <a:rPr lang="zh-CN" altLang="en-US" smtClean="0"/>
+              <a:rPr lang="zh-CN" altLang="en-US"/>
               <a:t>第三级</a:t>
             </a:r>
           </a:p>
           <a:p>
             <a:pPr lvl="3"/>
             <a:r>
-              <a:rPr lang="zh-CN" altLang="en-US" smtClean="0"/>
+              <a:rPr lang="zh-CN" altLang="en-US"/>
               <a:t>第四级</a:t>
             </a:r>
           </a:p>
           <a:p>
             <a:pPr lvl="4"/>
             <a:r>
-              <a:rPr lang="zh-CN" altLang="en-US" smtClean="0"/>
+              <a:rPr lang="zh-CN" altLang="en-US"/>
               <a:t>第五级</a:t>
             </a:r>
             <a:endParaRPr lang="en-US" dirty="0"/>
@@ -5884,17 +5888,10 @@
   <p:clrMapOvr>
     <a:masterClrMapping/>
   </p:clrMapOvr>
-  <p:timing>
-    <p:tnLst>
-      <p:par>
-        <p:cTn id="1" dur="indefinite" restart="never" nodeType="tmRoot"/>
-      </p:par>
-    </p:tnLst>
-  </p:timing>
 </p:sld>
 </file>
 
-<file path=ppt/slides/slide2.xml><?xml version="1.0" encoding="utf-8"?>
+<file path=ppt/slides/slide10.xml><?xml version="1.0" encoding="utf-8"?>
 <p:sld xmlns:a="http://schemas.openxmlformats.org/drawingml/2006/main" xmlns:r="http://schemas.openxmlformats.org/officeDocument/2006/relationships" xmlns:p="http://schemas.openxmlformats.org/presentationml/2006/main">
   <p:cSld>
     <p:spTree>
@@ -5927,10 +5924,9 @@
           <a:lstStyle/>
           <a:p>
             <a:r>
-              <a:rPr lang="zh-CN" altLang="en-US" dirty="0" smtClean="0"/>
-              <a:t>卷积编码模块</a:t>
-            </a:r>
-            <a:endParaRPr lang="zh-CN" altLang="en-US" dirty="0"/>
+              <a:rPr lang="zh-CN" altLang="en-US" dirty="0"/>
+              <a:t>凿孔模块</a:t>
+            </a:r>
           </a:p>
         </p:txBody>
       </p:sp>
@@ -5944,413 +5940,72 @@
             <p:ph idx="1"/>
           </p:nvPr>
         </p:nvSpPr>
-        <p:spPr>
-          <a:xfrm>
-            <a:off x="677334" y="1270000"/>
-            <a:ext cx="8596668" cy="3880773"/>
-          </a:xfrm>
-        </p:spPr>
+        <p:spPr/>
         <p:txBody>
           <a:bodyPr>
-            <a:noAutofit/>
+            <a:normAutofit/>
           </a:bodyPr>
           <a:lstStyle/>
           <a:p>
             <a:r>
               <a:rPr lang="zh-CN" altLang="en-US" dirty="0"/>
-              <a:t>输入</a:t>
-            </a:r>
-            <a:r>
-              <a:rPr lang="en-US" altLang="zh-CN" dirty="0"/>
-              <a:t>:</a:t>
-            </a:r>
-          </a:p>
-          <a:p>
-            <a:pPr lvl="1"/>
-            <a:r>
-              <a:rPr lang="en-US" altLang="zh-CN" dirty="0" smtClean="0"/>
+              <a:t>在传送数据时，由于对信道的使用次数有限制，有时会出现数据传送不完的情况，此时需要在待传送的数据中凿孔，即删去部分比特，以满足传送的需要。</a:t>
+            </a:r>
+            <a:endParaRPr lang="en-US" altLang="zh-CN" dirty="0"/>
+          </a:p>
+          <a:p>
+            <a:r>
+              <a:rPr lang="zh-CN" altLang="en-US" dirty="0"/>
+              <a:t>凿孔会损失部分信息，但由于是对卷积后的信息序列凿孔，本身序列就有冗余，因此仍然可以恢复出原序列</a:t>
+            </a:r>
+            <a:endParaRPr lang="en-US" altLang="zh-CN" dirty="0"/>
+          </a:p>
+          <a:p>
+            <a:r>
+              <a:rPr lang="zh-CN" altLang="en-US" dirty="0"/>
+              <a:t>每隔同样的距离凿掉一个点，这样更能够根据前后的信息恢复出原序列，隔多少距离则由使用信道次数的要求来决定</a:t>
+            </a:r>
+            <a:endParaRPr lang="en-US" altLang="zh-CN" dirty="0"/>
+          </a:p>
+          <a:p>
+            <a:r>
+              <a:rPr lang="zh-CN" altLang="en-US" dirty="0"/>
+              <a:t>收端和发端都已知在哪里凿了孔，收端在收到序列进行维特比译码时，被凿孔的位置是</a:t>
+            </a:r>
+            <a:r>
+              <a:rPr lang="en-US" altLang="zh-CN" dirty="0"/>
+              <a:t>0</a:t>
+            </a:r>
+            <a:r>
+              <a:rPr lang="zh-CN" altLang="en-US" dirty="0"/>
+              <a:t>或者</a:t>
+            </a:r>
+            <a:r>
+              <a:rPr lang="en-US" altLang="zh-CN" dirty="0"/>
               <a:t>1</a:t>
             </a:r>
             <a:r>
-              <a:rPr lang="en-US" altLang="zh-CN" dirty="0"/>
-              <a:t>.</a:t>
-            </a:r>
-            <a:r>
-              <a:rPr lang="zh-CN" altLang="en-US" dirty="0"/>
-              <a:t>有限长</a:t>
-            </a:r>
-            <a:r>
-              <a:rPr lang="en-US" altLang="zh-CN" dirty="0"/>
-              <a:t>01</a:t>
-            </a:r>
-            <a:r>
-              <a:rPr lang="zh-CN" altLang="en-US" dirty="0"/>
-              <a:t>序列</a:t>
-            </a:r>
-            <a:r>
-              <a:rPr lang="en-US" altLang="zh-CN" dirty="0"/>
-              <a:t>input</a:t>
-            </a:r>
-          </a:p>
-          <a:p>
-            <a:pPr lvl="1"/>
-            <a:r>
-              <a:rPr lang="en-US" altLang="zh-CN" dirty="0" smtClean="0"/>
-              <a:t>2</a:t>
-            </a:r>
-            <a:r>
-              <a:rPr lang="en-US" altLang="zh-CN" dirty="0"/>
-              <a:t>.</a:t>
-            </a:r>
-            <a:r>
-              <a:rPr lang="zh-CN" altLang="en-US" dirty="0"/>
-              <a:t>卷积编码效率</a:t>
-            </a:r>
-            <a:r>
-              <a:rPr lang="en-US" altLang="zh-CN" dirty="0"/>
-              <a:t>eff: 2</a:t>
-            </a:r>
-            <a:r>
-              <a:rPr lang="zh-CN" altLang="en-US" dirty="0"/>
-              <a:t>代表</a:t>
-            </a:r>
-            <a:r>
-              <a:rPr lang="en-US" altLang="zh-CN" dirty="0"/>
-              <a:t>1/2,3</a:t>
-            </a:r>
-            <a:r>
-              <a:rPr lang="zh-CN" altLang="en-US" dirty="0"/>
-              <a:t>代表</a:t>
-            </a:r>
-            <a:r>
-              <a:rPr lang="en-US" altLang="zh-CN" dirty="0"/>
-              <a:t>1/3</a:t>
-            </a:r>
-          </a:p>
-          <a:p>
-            <a:pPr lvl="1"/>
-            <a:r>
-              <a:rPr lang="en-US" altLang="zh-CN" dirty="0" smtClean="0"/>
-              <a:t>3</a:t>
-            </a:r>
-            <a:r>
-              <a:rPr lang="en-US" altLang="zh-CN" dirty="0"/>
-              <a:t>.</a:t>
-            </a:r>
-            <a:r>
-              <a:rPr lang="zh-CN" altLang="en-US" dirty="0"/>
-              <a:t>收尾</a:t>
-            </a:r>
-            <a:r>
-              <a:rPr lang="en-US" altLang="zh-CN" dirty="0"/>
-              <a:t>tail  1</a:t>
-            </a:r>
-            <a:r>
-              <a:rPr lang="zh-CN" altLang="en-US" dirty="0"/>
-              <a:t>代表收尾，</a:t>
-            </a:r>
-            <a:r>
-              <a:rPr lang="en-US" altLang="zh-CN" dirty="0"/>
-              <a:t>0</a:t>
-            </a:r>
-            <a:r>
-              <a:rPr lang="zh-CN" altLang="en-US" dirty="0"/>
-              <a:t>代表不收尾</a:t>
-            </a:r>
-            <a:r>
-              <a:rPr lang="en-US" altLang="zh-CN" dirty="0"/>
-              <a:t>:</a:t>
-            </a:r>
-          </a:p>
-          <a:p>
-            <a:r>
-              <a:rPr lang="zh-CN" altLang="en-US" dirty="0" smtClean="0"/>
-              <a:t>输出</a:t>
-            </a:r>
-            <a:r>
-              <a:rPr lang="en-US" altLang="zh-CN" dirty="0"/>
-              <a:t>:</a:t>
-            </a:r>
-            <a:r>
-              <a:rPr lang="zh-CN" altLang="en-US" dirty="0"/>
-              <a:t>有限长</a:t>
-            </a:r>
-            <a:r>
-              <a:rPr lang="en-US" altLang="zh-CN" dirty="0"/>
-              <a:t>01</a:t>
-            </a:r>
-            <a:r>
-              <a:rPr lang="zh-CN" altLang="en-US" dirty="0"/>
-              <a:t>序列</a:t>
-            </a:r>
-            <a:r>
-              <a:rPr lang="en-US" altLang="zh-CN" dirty="0" smtClean="0"/>
-              <a:t>output</a:t>
-            </a:r>
-          </a:p>
-          <a:p>
+              <a:rPr lang="zh-CN" altLang="en-US"/>
+              <a:t>的可能性相同，不计入权重</a:t>
+            </a:r>
             <a:endParaRPr lang="en-US" altLang="zh-CN" dirty="0"/>
-          </a:p>
-          <a:p>
-            <a:r>
-              <a:rPr lang="zh-CN" altLang="en-US" dirty="0" smtClean="0"/>
-              <a:t>思路</a:t>
-            </a:r>
-            <a:r>
-              <a:rPr lang="en-US" altLang="zh-CN" dirty="0" smtClean="0"/>
-              <a:t>:</a:t>
-            </a:r>
-          </a:p>
-          <a:p>
-            <a:r>
-              <a:rPr lang="zh-CN" altLang="en-US" dirty="0" smtClean="0"/>
-              <a:t>定义输入</a:t>
-            </a:r>
-            <a:r>
-              <a:rPr lang="en-US" altLang="zh-CN" dirty="0" smtClean="0"/>
-              <a:t>input</a:t>
-            </a:r>
-            <a:r>
-              <a:rPr lang="en-US" altLang="zh-CN" dirty="0"/>
-              <a:t>=[</a:t>
-            </a:r>
-            <a:r>
-              <a:rPr lang="en-US" altLang="zh-CN" dirty="0" smtClean="0"/>
-              <a:t>1,1,0,0];</a:t>
-            </a:r>
-            <a:r>
-              <a:rPr lang="zh-CN" altLang="en-US" dirty="0" smtClean="0"/>
-              <a:t>将其写成</a:t>
-            </a:r>
-            <a:r>
-              <a:rPr lang="en-US" altLang="zh-CN" dirty="0" smtClean="0"/>
-              <a:t>[0,0,0,1;0,0,1,1;0,1,1,0;1,1,0,0;]</a:t>
-            </a:r>
-            <a:r>
-              <a:rPr lang="zh-CN" altLang="en-US" dirty="0"/>
-              <a:t>的</a:t>
-            </a:r>
-            <a:r>
-              <a:rPr lang="zh-CN" altLang="en-US" dirty="0" smtClean="0"/>
-              <a:t>形式</a:t>
-            </a:r>
-            <a:r>
-              <a:rPr lang="en-US" altLang="zh-CN" dirty="0" smtClean="0"/>
-              <a:t>:</a:t>
-            </a:r>
-          </a:p>
-          <a:p>
-            <a:pPr lvl="1"/>
-            <a:r>
-              <a:rPr lang="zh-CN" altLang="en-US" dirty="0" smtClean="0"/>
-              <a:t>其中最后一行是输入，即为卷积编码器传入了</a:t>
-            </a:r>
-            <a:r>
-              <a:rPr lang="en-US" altLang="zh-CN" dirty="0"/>
-              <a:t>4</a:t>
-            </a:r>
-            <a:r>
-              <a:rPr lang="zh-CN" altLang="en-US" dirty="0" smtClean="0"/>
-              <a:t>个</a:t>
-            </a:r>
-            <a:r>
-              <a:rPr lang="en-US" altLang="zh-CN" dirty="0" smtClean="0"/>
-              <a:t>bit</a:t>
-            </a:r>
-            <a:r>
-              <a:rPr lang="zh-CN" altLang="en-US" dirty="0" smtClean="0"/>
-              <a:t>的情况</a:t>
-            </a:r>
-            <a:endParaRPr lang="en-US" altLang="zh-CN" dirty="0" smtClean="0"/>
-          </a:p>
-          <a:p>
-            <a:pPr lvl="1"/>
-            <a:r>
-              <a:rPr lang="zh-CN" altLang="en-US" dirty="0" smtClean="0"/>
-              <a:t>第三行是取</a:t>
-            </a:r>
-            <a:r>
-              <a:rPr lang="en-US" altLang="zh-CN" dirty="0" smtClean="0"/>
-              <a:t>{0</a:t>
-            </a:r>
-            <a:r>
-              <a:rPr lang="en-US" altLang="zh-CN" dirty="0"/>
-              <a:t>,</a:t>
-            </a:r>
-            <a:r>
-              <a:rPr lang="en-US" altLang="zh-CN" dirty="0" smtClean="0"/>
-              <a:t>[1,1,0]}</a:t>
-            </a:r>
-            <a:r>
-              <a:rPr lang="zh-CN" altLang="en-US" dirty="0" smtClean="0"/>
-              <a:t>，即为卷积编码器只传入了</a:t>
-            </a:r>
-            <a:r>
-              <a:rPr lang="en-US" altLang="zh-CN" dirty="0"/>
-              <a:t>3</a:t>
-            </a:r>
-            <a:r>
-              <a:rPr lang="zh-CN" altLang="en-US" dirty="0" smtClean="0"/>
-              <a:t>个</a:t>
-            </a:r>
-            <a:r>
-              <a:rPr lang="en-US" altLang="zh-CN" dirty="0" smtClean="0"/>
-              <a:t>bit</a:t>
-            </a:r>
-            <a:r>
-              <a:rPr lang="zh-CN" altLang="en-US" dirty="0" smtClean="0"/>
-              <a:t>的情况</a:t>
-            </a:r>
-            <a:endParaRPr lang="en-US" altLang="zh-CN" dirty="0" smtClean="0"/>
-          </a:p>
-          <a:p>
-            <a:pPr lvl="1"/>
-            <a:r>
-              <a:rPr lang="zh-CN" altLang="en-US" dirty="0" smtClean="0"/>
-              <a:t>第二行是取</a:t>
-            </a:r>
-            <a:r>
-              <a:rPr lang="en-US" altLang="zh-CN" dirty="0" smtClean="0"/>
-              <a:t>{0,0,[1,1]}</a:t>
-            </a:r>
-            <a:r>
-              <a:rPr lang="zh-CN" altLang="en-US" dirty="0" smtClean="0"/>
-              <a:t>，即为卷积编码器只传入了</a:t>
-            </a:r>
-            <a:r>
-              <a:rPr lang="en-US" altLang="zh-CN" dirty="0"/>
-              <a:t>2</a:t>
-            </a:r>
-            <a:r>
-              <a:rPr lang="zh-CN" altLang="en-US" dirty="0" smtClean="0"/>
-              <a:t>个</a:t>
-            </a:r>
-            <a:r>
-              <a:rPr lang="en-US" altLang="zh-CN" dirty="0" smtClean="0"/>
-              <a:t>bit</a:t>
-            </a:r>
-            <a:r>
-              <a:rPr lang="zh-CN" altLang="en-US" dirty="0" smtClean="0"/>
-              <a:t>的情况</a:t>
-            </a:r>
-            <a:endParaRPr lang="en-US" altLang="zh-CN" dirty="0" smtClean="0"/>
-          </a:p>
-          <a:p>
-            <a:pPr lvl="1"/>
-            <a:r>
-              <a:rPr lang="zh-CN" altLang="en-US" dirty="0" smtClean="0"/>
-              <a:t>第一行</a:t>
-            </a:r>
-            <a:r>
-              <a:rPr lang="zh-CN" altLang="en-US" dirty="0"/>
-              <a:t>是取</a:t>
-            </a:r>
-            <a:r>
-              <a:rPr lang="en-US" altLang="zh-CN" dirty="0"/>
-              <a:t>{</a:t>
-            </a:r>
-            <a:r>
-              <a:rPr lang="en-US" altLang="zh-CN" dirty="0" smtClean="0"/>
-              <a:t>0,0,0,[1</a:t>
-            </a:r>
-            <a:r>
-              <a:rPr lang="en-US" altLang="zh-CN" dirty="0"/>
-              <a:t>]}</a:t>
-            </a:r>
-            <a:r>
-              <a:rPr lang="zh-CN" altLang="en-US" dirty="0"/>
-              <a:t>，即为卷积编码器只传入</a:t>
-            </a:r>
-            <a:r>
-              <a:rPr lang="zh-CN" altLang="en-US" dirty="0" smtClean="0"/>
-              <a:t>了</a:t>
-            </a:r>
-            <a:r>
-              <a:rPr lang="en-US" altLang="zh-CN" dirty="0" smtClean="0"/>
-              <a:t>1</a:t>
-            </a:r>
-            <a:r>
-              <a:rPr lang="zh-CN" altLang="en-US" dirty="0" smtClean="0"/>
-              <a:t>个</a:t>
-            </a:r>
-            <a:r>
-              <a:rPr lang="en-US" altLang="zh-CN" dirty="0"/>
-              <a:t>bit</a:t>
-            </a:r>
-            <a:r>
-              <a:rPr lang="zh-CN" altLang="en-US" dirty="0"/>
-              <a:t>的</a:t>
-            </a:r>
-            <a:r>
-              <a:rPr lang="zh-CN" altLang="en-US" dirty="0" smtClean="0"/>
-              <a:t>情况</a:t>
-            </a:r>
-            <a:endParaRPr lang="en-US" altLang="zh-CN" dirty="0" smtClean="0"/>
-          </a:p>
-          <a:p>
-            <a:r>
-              <a:rPr lang="zh-CN" altLang="en-US" dirty="0" smtClean="0"/>
-              <a:t>定义对应的卷积编码矩阵为</a:t>
-            </a:r>
-            <a:r>
-              <a:rPr lang="en-US" altLang="zh-CN" dirty="0" smtClean="0"/>
-              <a:t>G</a:t>
-            </a:r>
-            <a:r>
-              <a:rPr lang="en-US" altLang="zh-CN" dirty="0"/>
-              <a:t>=[1,0,1;1,1,1</a:t>
-            </a:r>
-            <a:r>
-              <a:rPr lang="en-US" altLang="zh-CN" dirty="0" smtClean="0"/>
-              <a:t>];G*input</a:t>
-            </a:r>
-            <a:r>
-              <a:rPr lang="en-US" altLang="zh-CN" dirty="0"/>
-              <a:t>=[1,1,1;1,0,0];</a:t>
-            </a:r>
-          </a:p>
-          <a:p>
-            <a:r>
-              <a:rPr lang="en-US" altLang="zh-CN" dirty="0"/>
-              <a:t> </a:t>
-            </a:r>
-            <a:r>
-              <a:rPr lang="zh-CN" altLang="en-US" dirty="0" smtClean="0"/>
-              <a:t>按</a:t>
-            </a:r>
-            <a:r>
-              <a:rPr lang="zh-CN" altLang="en-US" dirty="0"/>
-              <a:t>列向量组合得到</a:t>
-            </a:r>
-            <a:r>
-              <a:rPr lang="zh-CN" altLang="en-US" dirty="0" smtClean="0"/>
-              <a:t>结果</a:t>
-            </a:r>
-            <a:endParaRPr lang="en-US" altLang="zh-CN" dirty="0" smtClean="0"/>
           </a:p>
         </p:txBody>
       </p:sp>
     </p:spTree>
     <p:extLst>
       <p:ext uri="{BB962C8B-B14F-4D97-AF65-F5344CB8AC3E}">
-        <p14:creationId xmlns:p14="http://schemas.microsoft.com/office/powerpoint/2010/main" val="2386505030"/>
+        <p14:creationId xmlns:p14="http://schemas.microsoft.com/office/powerpoint/2010/main" val="284019249"/>
       </p:ext>
     </p:extLst>
   </p:cSld>
   <p:clrMapOvr>
     <a:masterClrMapping/>
   </p:clrMapOvr>
-  <p:timing>
-    <p:tnLst>
-      <p:par>
-        <p:cTn id="1" dur="indefinite" restart="never" nodeType="tmRoot"/>
-      </p:par>
-    </p:tnLst>
-  </p:timing>
 </p:sld>
 </file>
 
-<file path=ppt/slides/slide3.xml><?xml version="1.0" encoding="utf-8"?>
+<file path=ppt/slides/slide11.xml><?xml version="1.0" encoding="utf-8"?>
 <p:sld xmlns:a="http://schemas.openxmlformats.org/drawingml/2006/main" xmlns:r="http://schemas.openxmlformats.org/officeDocument/2006/relationships" xmlns:p="http://schemas.openxmlformats.org/presentationml/2006/main">
   <p:cSld>
     <p:spTree>
@@ -6383,858 +6038,14 @@
           <a:lstStyle/>
           <a:p>
             <a:r>
-              <a:rPr lang="zh-CN" altLang="en-US" dirty="0" smtClean="0"/>
-              <a:t>电平映射模块</a:t>
-            </a:r>
-            <a:endParaRPr lang="zh-CN" altLang="en-US" dirty="0"/>
-          </a:p>
-        </p:txBody>
-      </p:sp>
-      <p:sp>
-        <p:nvSpPr>
-          <p:cNvPr id="3" name="内容占位符 2"/>
-          <p:cNvSpPr>
-            <a:spLocks noGrp="1"/>
-          </p:cNvSpPr>
-          <p:nvPr>
-            <p:ph idx="1"/>
-          </p:nvPr>
-        </p:nvSpPr>
-        <p:spPr>
-          <a:xfrm>
-            <a:off x="677334" y="1450376"/>
-            <a:ext cx="8596668" cy="3880773"/>
-          </a:xfrm>
-        </p:spPr>
-        <p:txBody>
-          <a:bodyPr/>
-          <a:lstStyle/>
-          <a:p>
-            <a:r>
-              <a:rPr lang="zh-CN" altLang="en-US" dirty="0"/>
-              <a:t>输入</a:t>
-            </a:r>
-            <a:r>
-              <a:rPr lang="en-US" altLang="zh-CN" dirty="0"/>
-              <a:t>:</a:t>
-            </a:r>
-          </a:p>
-          <a:p>
-            <a:pPr lvl="1"/>
-            <a:r>
-              <a:rPr lang="en-US" altLang="zh-CN" dirty="0" smtClean="0"/>
-              <a:t>1</a:t>
-            </a:r>
-            <a:r>
-              <a:rPr lang="en-US" altLang="zh-CN" dirty="0"/>
-              <a:t>.</a:t>
-            </a:r>
-            <a:r>
-              <a:rPr lang="zh-CN" altLang="en-US" dirty="0"/>
-              <a:t>卷积编码后的</a:t>
-            </a:r>
-            <a:r>
-              <a:rPr lang="en-US" altLang="zh-CN" dirty="0"/>
-              <a:t>01</a:t>
-            </a:r>
-            <a:r>
-              <a:rPr lang="zh-CN" altLang="en-US" dirty="0"/>
-              <a:t>序列</a:t>
-            </a:r>
-            <a:r>
-              <a:rPr lang="en-US" altLang="zh-CN" dirty="0"/>
-              <a:t>input</a:t>
-            </a:r>
-          </a:p>
-          <a:p>
-            <a:pPr lvl="1"/>
-            <a:r>
-              <a:rPr lang="en-US" altLang="zh-CN" dirty="0" smtClean="0"/>
-              <a:t>2</a:t>
-            </a:r>
-            <a:r>
-              <a:rPr lang="en-US" altLang="zh-CN" dirty="0"/>
-              <a:t>.</a:t>
-            </a:r>
-            <a:r>
-              <a:rPr lang="zh-CN" altLang="en-US" dirty="0"/>
-              <a:t>电平映射模式</a:t>
-            </a:r>
-            <a:r>
-              <a:rPr lang="en-US" altLang="zh-CN" dirty="0"/>
-              <a:t>mode: 1:1bit/</a:t>
-            </a:r>
-            <a:r>
-              <a:rPr lang="zh-CN" altLang="en-US" dirty="0"/>
-              <a:t>符号   </a:t>
-            </a:r>
-            <a:r>
-              <a:rPr lang="en-US" altLang="zh-CN" dirty="0"/>
-              <a:t>2bit:</a:t>
-            </a:r>
-            <a:r>
-              <a:rPr lang="zh-CN" altLang="en-US" dirty="0"/>
-              <a:t>符号     </a:t>
-            </a:r>
-            <a:r>
-              <a:rPr lang="en-US" altLang="zh-CN" dirty="0"/>
-              <a:t>3bit:</a:t>
-            </a:r>
-            <a:r>
-              <a:rPr lang="zh-CN" altLang="en-US" dirty="0"/>
-              <a:t>符号</a:t>
-            </a:r>
-          </a:p>
-          <a:p>
-            <a:r>
-              <a:rPr lang="zh-CN" altLang="en-US" dirty="0" smtClean="0"/>
-              <a:t>输出</a:t>
-            </a:r>
-            <a:r>
-              <a:rPr lang="en-US" altLang="zh-CN" dirty="0"/>
-              <a:t>:</a:t>
-            </a:r>
-            <a:r>
-              <a:rPr lang="zh-CN" altLang="en-US" dirty="0"/>
-              <a:t>映射的电平符号序列</a:t>
-            </a:r>
-            <a:r>
-              <a:rPr lang="en-US" altLang="zh-CN" dirty="0" smtClean="0"/>
-              <a:t>output</a:t>
-            </a:r>
-          </a:p>
-          <a:p>
-            <a:endParaRPr lang="en-US" altLang="zh-CN" dirty="0"/>
-          </a:p>
-          <a:p>
-            <a:r>
-              <a:rPr lang="zh-CN" altLang="en-US" dirty="0" smtClean="0"/>
-              <a:t>思路</a:t>
-            </a:r>
-            <a:r>
-              <a:rPr lang="en-US" altLang="zh-CN" dirty="0" smtClean="0"/>
-              <a:t>:</a:t>
-            </a:r>
-          </a:p>
-          <a:p>
-            <a:r>
-              <a:rPr lang="en-US" altLang="zh-CN" dirty="0"/>
-              <a:t>G</a:t>
-            </a:r>
-            <a:r>
-              <a:rPr lang="zh-CN" altLang="en-US" dirty="0"/>
-              <a:t>代表从</a:t>
-            </a:r>
-            <a:r>
-              <a:rPr lang="en-US" altLang="zh-CN" dirty="0"/>
-              <a:t>0</a:t>
-            </a:r>
-            <a:r>
-              <a:rPr lang="zh-CN" altLang="en-US" dirty="0"/>
-              <a:t>到</a:t>
-            </a:r>
-            <a:r>
-              <a:rPr lang="en-US" altLang="zh-CN" dirty="0"/>
-              <a:t>2^bit-1</a:t>
-            </a:r>
-            <a:r>
-              <a:rPr lang="zh-CN" altLang="en-US" dirty="0"/>
-              <a:t>对应编号的电平值，将输入的序列每</a:t>
-            </a:r>
-            <a:r>
-              <a:rPr lang="en-US" altLang="zh-CN" dirty="0"/>
-              <a:t>mode</a:t>
-            </a:r>
-            <a:r>
-              <a:rPr lang="zh-CN" altLang="en-US" dirty="0"/>
-              <a:t>个</a:t>
-            </a:r>
-            <a:r>
-              <a:rPr lang="en-US" altLang="zh-CN" dirty="0"/>
-              <a:t>bit</a:t>
-            </a:r>
-            <a:r>
-              <a:rPr lang="zh-CN" altLang="en-US" dirty="0"/>
-              <a:t>集合起来，查找对应的</a:t>
-            </a:r>
-            <a:r>
-              <a:rPr lang="en-US" altLang="zh-CN" dirty="0"/>
-              <a:t>G</a:t>
-            </a:r>
-            <a:r>
-              <a:rPr lang="zh-CN" altLang="en-US" dirty="0"/>
-              <a:t>。</a:t>
-            </a:r>
-          </a:p>
-          <a:p>
-            <a:r>
-              <a:rPr lang="zh-CN" altLang="en-US" dirty="0" smtClean="0"/>
-              <a:t>电平</a:t>
-            </a:r>
-            <a:r>
-              <a:rPr lang="zh-CN" altLang="en-US" dirty="0"/>
-              <a:t>与编码的对应关系见星座图</a:t>
-            </a:r>
-            <a:r>
-              <a:rPr lang="en-US" altLang="zh-CN" dirty="0"/>
-              <a:t>.</a:t>
-            </a:r>
-            <a:r>
-              <a:rPr lang="en-US" altLang="zh-CN" dirty="0" err="1"/>
-              <a:t>png</a:t>
-            </a:r>
-            <a:endParaRPr lang="zh-CN" altLang="en-US" dirty="0"/>
-          </a:p>
-        </p:txBody>
-      </p:sp>
-    </p:spTree>
-    <p:extLst>
-      <p:ext uri="{BB962C8B-B14F-4D97-AF65-F5344CB8AC3E}">
-        <p14:creationId xmlns:p14="http://schemas.microsoft.com/office/powerpoint/2010/main" val="3722315606"/>
-      </p:ext>
-    </p:extLst>
-  </p:cSld>
-  <p:clrMapOvr>
-    <a:masterClrMapping/>
-  </p:clrMapOvr>
-  <p:timing>
-    <p:tnLst>
-      <p:par>
-        <p:cTn id="1" dur="indefinite" restart="never" nodeType="tmRoot"/>
-      </p:par>
-    </p:tnLst>
-  </p:timing>
-</p:sld>
-</file>
-
-<file path=ppt/slides/slide4.xml><?xml version="1.0" encoding="utf-8"?>
-<p:sld xmlns:a="http://schemas.openxmlformats.org/drawingml/2006/main" xmlns:r="http://schemas.openxmlformats.org/officeDocument/2006/relationships" xmlns:p="http://schemas.openxmlformats.org/presentationml/2006/main">
-  <p:cSld>
-    <p:spTree>
-      <p:nvGrpSpPr>
-        <p:cNvPr id="1" name=""/>
-        <p:cNvGrpSpPr/>
-        <p:nvPr/>
-      </p:nvGrpSpPr>
-      <p:grpSpPr>
-        <a:xfrm>
-          <a:off x="0" y="0"/>
-          <a:ext cx="0" cy="0"/>
-          <a:chOff x="0" y="0"/>
-          <a:chExt cx="0" cy="0"/>
-        </a:xfrm>
-      </p:grpSpPr>
-      <p:sp>
-        <p:nvSpPr>
-          <p:cNvPr id="2" name="标题 1"/>
-          <p:cNvSpPr>
-            <a:spLocks noGrp="1"/>
-          </p:cNvSpPr>
-          <p:nvPr>
-            <p:ph type="title"/>
-          </p:nvPr>
-        </p:nvSpPr>
-        <p:spPr/>
-        <p:txBody>
-          <a:bodyPr/>
-          <a:lstStyle/>
-          <a:p>
-            <a:r>
-              <a:rPr lang="zh-CN" altLang="en-US" dirty="0" smtClean="0"/>
-              <a:t>发端星座图</a:t>
-            </a:r>
-            <a:endParaRPr lang="zh-CN" altLang="en-US" dirty="0"/>
-          </a:p>
-        </p:txBody>
-      </p:sp>
-      <p:pic>
-        <p:nvPicPr>
-          <p:cNvPr id="4" name="内容占位符 3"/>
-          <p:cNvPicPr>
-            <a:picLocks noGrp="1" noChangeAspect="1"/>
-          </p:cNvPicPr>
-          <p:nvPr>
-            <p:ph idx="1"/>
-          </p:nvPr>
-        </p:nvPicPr>
-        <p:blipFill>
-          <a:blip r:embed="rId2"/>
-          <a:stretch>
-            <a:fillRect/>
-          </a:stretch>
-        </p:blipFill>
-        <p:spPr>
-          <a:xfrm>
-            <a:off x="-956066" y="1428304"/>
-            <a:ext cx="11229942" cy="5612130"/>
-          </a:xfrm>
-          <a:prstGeom prst="rect">
-            <a:avLst/>
-          </a:prstGeom>
-        </p:spPr>
-      </p:pic>
-    </p:spTree>
-    <p:extLst>
-      <p:ext uri="{BB962C8B-B14F-4D97-AF65-F5344CB8AC3E}">
-        <p14:creationId xmlns:p14="http://schemas.microsoft.com/office/powerpoint/2010/main" val="3360411190"/>
-      </p:ext>
-    </p:extLst>
-  </p:cSld>
-  <p:clrMapOvr>
-    <a:masterClrMapping/>
-  </p:clrMapOvr>
-  <p:timing>
-    <p:tnLst>
-      <p:par>
-        <p:cTn id="1" dur="indefinite" restart="never" nodeType="tmRoot"/>
-      </p:par>
-    </p:tnLst>
-  </p:timing>
-</p:sld>
-</file>
-
-<file path=ppt/slides/slide5.xml><?xml version="1.0" encoding="utf-8"?>
-<p:sld xmlns:a="http://schemas.openxmlformats.org/drawingml/2006/main" xmlns:r="http://schemas.openxmlformats.org/officeDocument/2006/relationships" xmlns:p="http://schemas.openxmlformats.org/presentationml/2006/main">
-  <p:cSld>
-    <p:spTree>
-      <p:nvGrpSpPr>
-        <p:cNvPr id="1" name=""/>
-        <p:cNvGrpSpPr/>
-        <p:nvPr/>
-      </p:nvGrpSpPr>
-      <p:grpSpPr>
-        <a:xfrm>
-          <a:off x="0" y="0"/>
-          <a:ext cx="0" cy="0"/>
-          <a:chOff x="0" y="0"/>
-          <a:chExt cx="0" cy="0"/>
-        </a:xfrm>
-      </p:grpSpPr>
-      <p:sp>
-        <p:nvSpPr>
-          <p:cNvPr id="2" name="标题 1"/>
-          <p:cNvSpPr>
-            <a:spLocks noGrp="1"/>
-          </p:cNvSpPr>
-          <p:nvPr>
-            <p:ph type="title"/>
-          </p:nvPr>
-        </p:nvSpPr>
-        <p:spPr/>
-        <p:txBody>
-          <a:bodyPr/>
-          <a:lstStyle/>
-          <a:p>
-            <a:r>
-              <a:rPr lang="zh-CN" altLang="en-US" dirty="0" smtClean="0"/>
-              <a:t>收端星座图</a:t>
-            </a:r>
-            <a:endParaRPr lang="zh-CN" altLang="en-US" dirty="0"/>
-          </a:p>
-        </p:txBody>
-      </p:sp>
-      <p:sp>
-        <p:nvSpPr>
-          <p:cNvPr id="5" name="内容占位符 4"/>
-          <p:cNvSpPr>
-            <a:spLocks noGrp="1"/>
-          </p:cNvSpPr>
-          <p:nvPr>
-            <p:ph idx="1"/>
-          </p:nvPr>
-        </p:nvSpPr>
-        <p:spPr/>
-        <p:txBody>
-          <a:bodyPr/>
-          <a:lstStyle/>
-          <a:p>
-            <a:endParaRPr lang="zh-CN" altLang="en-US"/>
-          </a:p>
-        </p:txBody>
-      </p:sp>
-      <p:pic>
-        <p:nvPicPr>
-          <p:cNvPr id="6" name="图片 5"/>
-          <p:cNvPicPr>
-            <a:picLocks noChangeAspect="1"/>
-          </p:cNvPicPr>
-          <p:nvPr/>
-        </p:nvPicPr>
-        <p:blipFill>
-          <a:blip r:embed="rId2"/>
-          <a:stretch>
-            <a:fillRect/>
-          </a:stretch>
-        </p:blipFill>
-        <p:spPr>
-          <a:xfrm>
-            <a:off x="-1560816" y="1074692"/>
-            <a:ext cx="12384001" cy="6188867"/>
-          </a:xfrm>
-          <a:prstGeom prst="rect">
-            <a:avLst/>
-          </a:prstGeom>
-        </p:spPr>
-      </p:pic>
-      <p:sp>
-        <p:nvSpPr>
-          <p:cNvPr id="7" name="文本框 6"/>
-          <p:cNvSpPr txBox="1"/>
-          <p:nvPr/>
-        </p:nvSpPr>
-        <p:spPr>
-          <a:xfrm>
-            <a:off x="4891597" y="4918229"/>
-            <a:ext cx="5211192" cy="584775"/>
-          </a:xfrm>
-          <a:prstGeom prst="rect">
-            <a:avLst/>
-          </a:prstGeom>
-          <a:noFill/>
-        </p:spPr>
-        <p:txBody>
-          <a:bodyPr wrap="square" rtlCol="0">
-            <a:spAutoFit/>
-          </a:bodyPr>
-          <a:lstStyle/>
-          <a:p>
-            <a:r>
-              <a:rPr lang="el-GR" altLang="zh-CN" sz="3200" dirty="0" smtClean="0"/>
-              <a:t>Φ</a:t>
-            </a:r>
-            <a:r>
-              <a:rPr lang="en-US" altLang="zh-CN" sz="3200" dirty="0" smtClean="0"/>
-              <a:t>=π/6</a:t>
-            </a:r>
-            <a:r>
-              <a:rPr lang="zh-CN" altLang="en-US" sz="3200" dirty="0" smtClean="0"/>
-              <a:t>，</a:t>
-            </a:r>
-            <a:r>
-              <a:rPr lang="en-US" altLang="zh-CN" sz="3200" dirty="0" smtClean="0"/>
-              <a:t>σ=0.1</a:t>
-            </a:r>
-            <a:endParaRPr lang="zh-CN" altLang="en-US" sz="3200" dirty="0"/>
-          </a:p>
-        </p:txBody>
-      </p:sp>
-    </p:spTree>
-    <p:extLst>
-      <p:ext uri="{BB962C8B-B14F-4D97-AF65-F5344CB8AC3E}">
-        <p14:creationId xmlns:p14="http://schemas.microsoft.com/office/powerpoint/2010/main" val="314677935"/>
-      </p:ext>
-    </p:extLst>
-  </p:cSld>
-  <p:clrMapOvr>
-    <a:masterClrMapping/>
-  </p:clrMapOvr>
-  <p:timing>
-    <p:tnLst>
-      <p:par>
-        <p:cTn id="1" dur="indefinite" restart="never" nodeType="tmRoot"/>
-      </p:par>
-    </p:tnLst>
-  </p:timing>
-</p:sld>
-</file>
-
-<file path=ppt/slides/slide6.xml><?xml version="1.0" encoding="utf-8"?>
-<p:sld xmlns:a="http://schemas.openxmlformats.org/drawingml/2006/main" xmlns:r="http://schemas.openxmlformats.org/officeDocument/2006/relationships" xmlns:p="http://schemas.openxmlformats.org/presentationml/2006/main">
-  <p:cSld>
-    <p:spTree>
-      <p:nvGrpSpPr>
-        <p:cNvPr id="1" name=""/>
-        <p:cNvGrpSpPr/>
-        <p:nvPr/>
-      </p:nvGrpSpPr>
-      <p:grpSpPr>
-        <a:xfrm>
-          <a:off x="0" y="0"/>
-          <a:ext cx="0" cy="0"/>
-          <a:chOff x="0" y="0"/>
-          <a:chExt cx="0" cy="0"/>
-        </a:xfrm>
-      </p:grpSpPr>
-      <p:sp>
-        <p:nvSpPr>
-          <p:cNvPr id="2" name="标题 1"/>
-          <p:cNvSpPr>
-            <a:spLocks noGrp="1"/>
-          </p:cNvSpPr>
-          <p:nvPr>
-            <p:ph type="title"/>
-          </p:nvPr>
-        </p:nvSpPr>
-        <p:spPr/>
-        <p:txBody>
-          <a:bodyPr/>
-          <a:lstStyle/>
-          <a:p>
-            <a:r>
-              <a:rPr lang="zh-CN" altLang="en-US" dirty="0" smtClean="0"/>
-              <a:t>信道模块</a:t>
-            </a:r>
-            <a:endParaRPr lang="zh-CN" altLang="en-US" dirty="0"/>
-          </a:p>
-        </p:txBody>
-      </p:sp>
-      <p:sp>
-        <p:nvSpPr>
-          <p:cNvPr id="3" name="内容占位符 2"/>
-          <p:cNvSpPr>
-            <a:spLocks noGrp="1"/>
-          </p:cNvSpPr>
-          <p:nvPr>
-            <p:ph idx="1"/>
-          </p:nvPr>
-        </p:nvSpPr>
-        <p:spPr/>
-        <p:txBody>
-          <a:bodyPr>
-            <a:normAutofit lnSpcReduction="10000"/>
-          </a:bodyPr>
-          <a:lstStyle/>
-          <a:p>
-            <a:r>
-              <a:rPr lang="zh-CN" altLang="en-US" dirty="0" smtClean="0"/>
-              <a:t>输入</a:t>
-            </a:r>
-            <a:r>
-              <a:rPr lang="en-US" altLang="zh-CN" dirty="0" smtClean="0"/>
-              <a:t>:</a:t>
-            </a:r>
-          </a:p>
-          <a:p>
-            <a:pPr lvl="1"/>
-            <a:r>
-              <a:rPr lang="en-US" altLang="zh-CN" dirty="0" smtClean="0"/>
-              <a:t>1.</a:t>
-            </a:r>
-            <a:r>
-              <a:rPr lang="zh-CN" altLang="en-US" dirty="0" smtClean="0"/>
-              <a:t>电平映射后的符号序列</a:t>
-            </a:r>
-            <a:r>
-              <a:rPr lang="en-US" altLang="zh-CN" dirty="0" smtClean="0"/>
-              <a:t>input</a:t>
-            </a:r>
-            <a:endParaRPr lang="en-US" altLang="zh-CN" dirty="0"/>
-          </a:p>
-          <a:p>
-            <a:pPr lvl="1"/>
-            <a:r>
-              <a:rPr lang="en-US" altLang="zh-CN" dirty="0" smtClean="0"/>
-              <a:t>2. </a:t>
-            </a:r>
-            <a:r>
-              <a:rPr lang="en-US" altLang="zh-CN" dirty="0"/>
-              <a:t>mode: 1</a:t>
-            </a:r>
-            <a:r>
-              <a:rPr lang="zh-CN" altLang="en-US" dirty="0"/>
-              <a:t>表示场景</a:t>
-            </a:r>
-            <a:r>
-              <a:rPr lang="en-US" altLang="zh-CN" dirty="0"/>
-              <a:t>1:</a:t>
-            </a:r>
-            <a:r>
-              <a:rPr lang="zh-CN" altLang="en-US" dirty="0"/>
-              <a:t>即依次通信过程中</a:t>
-            </a:r>
-            <a:r>
-              <a:rPr lang="en-US" altLang="zh-CN" dirty="0"/>
-              <a:t>φ</a:t>
-            </a:r>
-            <a:r>
-              <a:rPr lang="zh-CN" altLang="en-US" dirty="0"/>
-              <a:t>不变，每次通信有独立的</a:t>
-            </a:r>
-            <a:r>
-              <a:rPr lang="en-US" altLang="zh-CN" dirty="0" smtClean="0"/>
-              <a:t>φ;2</a:t>
-            </a:r>
-            <a:r>
-              <a:rPr lang="zh-CN" altLang="en-US" dirty="0"/>
-              <a:t>表示场景</a:t>
-            </a:r>
-            <a:r>
-              <a:rPr lang="en-US" altLang="zh-CN" dirty="0"/>
-              <a:t>2:</a:t>
-            </a:r>
-            <a:r>
-              <a:rPr lang="zh-CN" altLang="en-US" dirty="0" smtClean="0"/>
-              <a:t>即</a:t>
-            </a:r>
-            <a:r>
-              <a:rPr lang="zh-CN" altLang="en-US" dirty="0"/>
-              <a:t>在</a:t>
-            </a:r>
-            <a:r>
-              <a:rPr lang="zh-CN" altLang="en-US" dirty="0" smtClean="0"/>
-              <a:t>一</a:t>
-            </a:r>
-            <a:r>
-              <a:rPr lang="zh-CN" altLang="en-US" dirty="0"/>
-              <a:t>次通信过程中，每次信道使用</a:t>
-            </a:r>
-            <a:r>
-              <a:rPr lang="en-US" altLang="zh-CN" dirty="0"/>
-              <a:t>φ</a:t>
-            </a:r>
-            <a:r>
-              <a:rPr lang="zh-CN" altLang="en-US" dirty="0"/>
-              <a:t>均独立变化</a:t>
-            </a:r>
-          </a:p>
-          <a:p>
-            <a:pPr lvl="1"/>
-            <a:r>
-              <a:rPr lang="en-US" altLang="zh-CN" dirty="0" smtClean="0"/>
-              <a:t>3. </a:t>
-            </a:r>
-            <a:r>
-              <a:rPr lang="en-US" altLang="zh-CN" dirty="0"/>
-              <a:t>theta: </a:t>
-            </a:r>
-            <a:r>
-              <a:rPr lang="zh-CN" altLang="en-US" dirty="0"/>
-              <a:t>即</a:t>
-            </a:r>
-            <a:r>
-              <a:rPr lang="en-US" altLang="zh-CN" dirty="0"/>
-              <a:t>θ</a:t>
-            </a:r>
-            <a:r>
-              <a:rPr lang="zh-CN" altLang="en-US" dirty="0"/>
-              <a:t>，收发端已知参数</a:t>
-            </a:r>
-          </a:p>
-          <a:p>
-            <a:pPr lvl="1"/>
-            <a:r>
-              <a:rPr lang="en-US" altLang="zh-CN" dirty="0" smtClean="0"/>
-              <a:t>4. sigma</a:t>
-            </a:r>
-            <a:r>
-              <a:rPr lang="en-US" altLang="zh-CN" dirty="0"/>
-              <a:t>: </a:t>
-            </a:r>
-            <a:r>
-              <a:rPr lang="zh-CN" altLang="en-US" dirty="0"/>
-              <a:t>即</a:t>
-            </a:r>
-            <a:r>
-              <a:rPr lang="en-US" altLang="zh-CN" dirty="0"/>
-              <a:t>σ</a:t>
-            </a:r>
-            <a:r>
-              <a:rPr lang="zh-CN" altLang="en-US" dirty="0"/>
-              <a:t>，收发端已知</a:t>
-            </a:r>
-            <a:r>
-              <a:rPr lang="zh-CN" altLang="en-US" dirty="0" smtClean="0"/>
-              <a:t>参数</a:t>
-            </a:r>
-            <a:endParaRPr lang="en-US" altLang="zh-CN" dirty="0" smtClean="0"/>
-          </a:p>
-          <a:p>
-            <a:endParaRPr lang="en-US" altLang="zh-CN" dirty="0"/>
-          </a:p>
-          <a:p>
-            <a:r>
-              <a:rPr lang="zh-CN" altLang="en-US" dirty="0" smtClean="0"/>
-              <a:t>输出</a:t>
-            </a:r>
-            <a:r>
-              <a:rPr lang="en-US" altLang="zh-CN" dirty="0" smtClean="0"/>
-              <a:t>:</a:t>
-            </a:r>
-          </a:p>
-          <a:p>
-            <a:pPr lvl="1"/>
-            <a:r>
-              <a:rPr lang="en-US" altLang="zh-CN" dirty="0" smtClean="0"/>
-              <a:t>1.</a:t>
-            </a:r>
-            <a:r>
-              <a:rPr lang="zh-CN" altLang="en-US" dirty="0" smtClean="0"/>
-              <a:t>经</a:t>
-            </a:r>
-            <a:r>
-              <a:rPr lang="en-US" altLang="zh-CN" dirty="0"/>
-              <a:t>y=</a:t>
-            </a:r>
-            <a:r>
-              <a:rPr lang="en-US" altLang="zh-CN" dirty="0" err="1"/>
-              <a:t>xexp</a:t>
-            </a:r>
-            <a:r>
-              <a:rPr lang="en-US" altLang="zh-CN" dirty="0"/>
-              <a:t>(j</a:t>
-            </a:r>
-            <a:r>
-              <a:rPr lang="el-GR" altLang="zh-CN" dirty="0"/>
-              <a:t>φ)+</a:t>
-            </a:r>
-            <a:r>
-              <a:rPr lang="en-US" altLang="zh-CN" dirty="0" smtClean="0"/>
-              <a:t>n</a:t>
-            </a:r>
-            <a:r>
-              <a:rPr lang="zh-CN" altLang="en-US" dirty="0" smtClean="0"/>
-              <a:t>变换后的信号</a:t>
-            </a:r>
-            <a:r>
-              <a:rPr lang="en-US" altLang="zh-CN" dirty="0" smtClean="0"/>
-              <a:t>output</a:t>
-            </a:r>
-            <a:r>
-              <a:rPr lang="zh-CN" altLang="en-US" dirty="0" smtClean="0"/>
-              <a:t>。其中</a:t>
-            </a:r>
-            <a:r>
-              <a:rPr lang="en-US" altLang="zh-CN" dirty="0" smtClean="0"/>
-              <a:t>x</a:t>
-            </a:r>
-            <a:r>
-              <a:rPr lang="zh-CN" altLang="en-US" dirty="0" smtClean="0"/>
-              <a:t>为</a:t>
-            </a:r>
-            <a:r>
-              <a:rPr lang="en-US" altLang="zh-CN" dirty="0" smtClean="0"/>
-              <a:t>input</a:t>
-            </a:r>
-            <a:r>
-              <a:rPr lang="zh-CN" altLang="en-US" dirty="0" smtClean="0"/>
-              <a:t>，</a:t>
-            </a:r>
-            <a:r>
-              <a:rPr lang="en-US" altLang="zh-CN" dirty="0" err="1" smtClean="0"/>
-              <a:t>φ~U</a:t>
-            </a:r>
-            <a:r>
-              <a:rPr lang="en-US" altLang="zh-CN" dirty="0" smtClean="0"/>
-              <a:t>(0,theta)</a:t>
-            </a:r>
-            <a:r>
-              <a:rPr lang="zh-CN" altLang="en-US" dirty="0" smtClean="0"/>
-              <a:t>，</a:t>
-            </a:r>
-            <a:r>
-              <a:rPr lang="en-US" altLang="zh-CN" dirty="0" smtClean="0"/>
-              <a:t>n</a:t>
-            </a:r>
-            <a:r>
-              <a:rPr lang="zh-CN" altLang="en-US" dirty="0" smtClean="0"/>
-              <a:t>是复高斯噪声。</a:t>
-            </a:r>
-            <a:endParaRPr lang="en-US" altLang="zh-CN" dirty="0" smtClean="0"/>
-          </a:p>
-          <a:p>
-            <a:pPr lvl="1"/>
-            <a:r>
-              <a:rPr lang="en-US" altLang="zh-CN" dirty="0" smtClean="0"/>
-              <a:t>2.phi: </a:t>
-            </a:r>
-            <a:r>
-              <a:rPr lang="zh-CN" altLang="en-US" dirty="0" smtClean="0"/>
-              <a:t>即</a:t>
-            </a:r>
-            <a:r>
-              <a:rPr lang="en-US" altLang="zh-CN" dirty="0" smtClean="0"/>
-              <a:t>φ</a:t>
-            </a:r>
-            <a:r>
-              <a:rPr lang="zh-CN" altLang="en-US" dirty="0" smtClean="0"/>
-              <a:t>，考虑有种情况下</a:t>
-            </a:r>
-            <a:r>
-              <a:rPr lang="en-US" altLang="zh-CN" dirty="0" smtClean="0"/>
-              <a:t>φ</a:t>
-            </a:r>
-            <a:r>
-              <a:rPr lang="zh-CN" altLang="en-US" dirty="0" smtClean="0"/>
-              <a:t>已知。根据</a:t>
-            </a:r>
-            <a:r>
-              <a:rPr lang="en-US" altLang="zh-CN" dirty="0" smtClean="0"/>
-              <a:t>mode</a:t>
-            </a:r>
-            <a:r>
-              <a:rPr lang="zh-CN" altLang="en-US" dirty="0" smtClean="0"/>
-              <a:t>的不同，</a:t>
-            </a:r>
-            <a:r>
-              <a:rPr lang="en-US" altLang="zh-CN" dirty="0" smtClean="0"/>
-              <a:t>φ</a:t>
-            </a:r>
-            <a:r>
-              <a:rPr lang="zh-CN" altLang="en-US" dirty="0" smtClean="0"/>
-              <a:t>可能是一串相同的值，也可能是一串不同的值。</a:t>
-            </a:r>
-            <a:endParaRPr lang="en-US" altLang="zh-CN" dirty="0" smtClean="0"/>
-          </a:p>
-          <a:p>
-            <a:endParaRPr lang="zh-CN" altLang="en-US" dirty="0"/>
-          </a:p>
-        </p:txBody>
-      </p:sp>
-    </p:spTree>
-    <p:extLst>
-      <p:ext uri="{BB962C8B-B14F-4D97-AF65-F5344CB8AC3E}">
-        <p14:creationId xmlns:p14="http://schemas.microsoft.com/office/powerpoint/2010/main" val="212592315"/>
-      </p:ext>
-    </p:extLst>
-  </p:cSld>
-  <p:clrMapOvr>
-    <a:masterClrMapping/>
-  </p:clrMapOvr>
-</p:sld>
-</file>
-
-<file path=ppt/slides/slide7.xml><?xml version="1.0" encoding="utf-8"?>
-<p:sld xmlns:a="http://schemas.openxmlformats.org/drawingml/2006/main" xmlns:r="http://schemas.openxmlformats.org/officeDocument/2006/relationships" xmlns:p="http://schemas.openxmlformats.org/presentationml/2006/main">
-  <p:cSld>
-    <p:spTree>
-      <p:nvGrpSpPr>
-        <p:cNvPr id="1" name=""/>
-        <p:cNvGrpSpPr/>
-        <p:nvPr/>
-      </p:nvGrpSpPr>
-      <p:grpSpPr>
-        <a:xfrm>
-          <a:off x="0" y="0"/>
-          <a:ext cx="0" cy="0"/>
-          <a:chOff x="0" y="0"/>
-          <a:chExt cx="0" cy="0"/>
-        </a:xfrm>
-      </p:grpSpPr>
-      <p:sp>
-        <p:nvSpPr>
-          <p:cNvPr id="2" name="标题 1"/>
-          <p:cNvSpPr>
-            <a:spLocks noGrp="1"/>
-          </p:cNvSpPr>
-          <p:nvPr>
-            <p:ph type="title"/>
-          </p:nvPr>
-        </p:nvSpPr>
-        <p:spPr/>
-        <p:txBody>
-          <a:bodyPr/>
-          <a:lstStyle/>
-          <a:p>
-            <a:r>
               <a:rPr lang="zh-CN" altLang="en-US" dirty="0"/>
               <a:t>译码器模块</a:t>
             </a:r>
-            <a:endParaRPr lang="zh-CN" altLang="en-US" dirty="0"/>
-          </a:p>
-        </p:txBody>
-      </p:sp>
-      <mc:AlternateContent xmlns:mc="http://schemas.openxmlformats.org/markup-compatibility/2006">
-        <mc:Choice xmlns:a14="http://schemas.microsoft.com/office/drawing/2010/main" Requires="a14">
+          </a:p>
+        </p:txBody>
+      </p:sp>
+      <mc:AlternateContent xmlns:mc="http://schemas.openxmlformats.org/markup-compatibility/2006" xmlns:a14="http://schemas.microsoft.com/office/drawing/2010/main">
+        <mc:Choice Requires="a14">
           <p:sp>
             <p:nvSpPr>
               <p:cNvPr id="3" name="内容占位符 2"/>
@@ -7258,79 +6069,70 @@
               <a:lstStyle/>
               <a:p>
                 <a:r>
-                  <a:rPr lang="zh-CN" altLang="en-US" dirty="0" smtClean="0"/>
+                  <a:rPr lang="zh-CN" altLang="en-US" dirty="0"/>
                   <a:t>未知</a:t>
                 </a:r>
                 <a:r>
-                  <a:rPr lang="en-US" altLang="zh-CN" dirty="0" smtClean="0"/>
+                  <a:rPr lang="en-US" altLang="zh-CN" dirty="0"/>
                   <a:t>φ</a:t>
                 </a:r>
                 <a:r>
                   <a:rPr lang="zh-CN" altLang="en-US" dirty="0"/>
-                  <a:t>，每次信道</a:t>
-                </a:r>
-                <a:r>
-                  <a:rPr lang="zh-CN" altLang="en-US" dirty="0" smtClean="0"/>
-                  <a:t>使用的</a:t>
-                </a:r>
-                <a:r>
-                  <a:rPr lang="en-US" altLang="zh-CN" dirty="0" smtClean="0"/>
+                  <a:t>，每次信道使用的</a:t>
+                </a:r>
+                <a:r>
+                  <a:rPr lang="en-US" altLang="zh-CN" dirty="0"/>
                   <a:t>φ</a:t>
                 </a:r>
                 <a:r>
-                  <a:rPr lang="zh-CN" altLang="en-US" dirty="0" smtClean="0"/>
-                  <a:t>均</a:t>
-                </a:r>
-                <a:r>
                   <a:rPr lang="zh-CN" altLang="en-US" dirty="0"/>
-                  <a:t>独立变化 </a:t>
-                </a:r>
-                <a:r>
-                  <a:rPr lang="en-US" altLang="zh-CN" dirty="0" smtClean="0"/>
+                  <a:t>均独立变化 </a:t>
+                </a:r>
+                <a:r>
+                  <a:rPr lang="en-US" altLang="zh-CN" dirty="0"/>
                   <a:t>:</a:t>
                 </a:r>
-                <a:endParaRPr lang="en-US" altLang="zh-CN" dirty="0" smtClean="0"/>
               </a:p>
               <a:p>
                 <a:pPr lvl="1"/>
                 <a:r>
-                  <a:rPr lang="zh-CN" altLang="en-US" dirty="0" smtClean="0"/>
+                  <a:rPr lang="zh-CN" altLang="en-US" dirty="0"/>
                   <a:t>采取极大似然准则下的后验概率译码</a:t>
                 </a:r>
-                <a:endParaRPr lang="en-US" altLang="zh-CN" dirty="0" smtClean="0"/>
+                <a:endParaRPr lang="en-US" altLang="zh-CN" dirty="0"/>
               </a:p>
               <a:p>
                 <a:pPr lvl="1"/>
-                <a:endParaRPr lang="en-US" altLang="zh-CN" dirty="0" smtClean="0"/>
+                <a:endParaRPr lang="en-US" altLang="zh-CN" dirty="0"/>
               </a:p>
               <a:p>
                 <a:pPr lvl="1"/>
                 <a:r>
-                  <a:rPr lang="zh-CN" altLang="en-US" dirty="0" smtClean="0"/>
+                  <a:rPr lang="zh-CN" altLang="en-US" dirty="0"/>
                   <a:t>在给定</a:t>
                 </a:r>
                 <a:r>
-                  <a:rPr lang="en-US" altLang="zh-CN" dirty="0" smtClean="0"/>
+                  <a:rPr lang="en-US" altLang="zh-CN" dirty="0"/>
                   <a:t>φ</a:t>
                 </a:r>
                 <a:r>
-                  <a:rPr lang="zh-CN" altLang="en-US" dirty="0" smtClean="0"/>
+                  <a:rPr lang="zh-CN" altLang="en-US" dirty="0"/>
                   <a:t>的情况下，则只需将许用电平</a:t>
                 </a:r>
                 <a:r>
-                  <a:rPr lang="en-US" altLang="zh-CN" dirty="0" smtClean="0"/>
+                  <a:rPr lang="en-US" altLang="zh-CN" dirty="0"/>
                   <a:t>xi</a:t>
                 </a:r>
                 <a:r>
-                  <a:rPr lang="zh-CN" altLang="en-US" dirty="0" smtClean="0"/>
+                  <a:rPr lang="zh-CN" altLang="en-US" dirty="0"/>
                   <a:t>旋转</a:t>
                 </a:r>
                 <a:r>
-                  <a:rPr lang="en-US" altLang="zh-CN" dirty="0" smtClean="0"/>
+                  <a:rPr lang="en-US" altLang="zh-CN" dirty="0"/>
                   <a:t>φ</a:t>
                 </a:r>
                 <a:r>
-                  <a:rPr lang="zh-CN" altLang="en-US" dirty="0" smtClean="0"/>
+                  <a:rPr lang="zh-CN" altLang="en-US" dirty="0"/>
                   <a:t>得到</a:t>
                 </a:r>
                 <a14:m>
@@ -7342,28 +6144,38 @@
                       <m:t>𝑥</m:t>
                     </m:r>
                     <m:r>
-                      <a:rPr lang="en-US" altLang="zh-CN" i="1"/>
+                      <a:rPr lang="en-US" altLang="zh-CN" i="1">
+                        <a:latin typeface="Cambria Math" panose="02040503050406030204" pitchFamily="18" charset="0"/>
+                      </a:rPr>
                       <m:t>𝑖</m:t>
                     </m:r>
                     <m:sSup>
                       <m:sSupPr>
                         <m:ctrlPr>
-                          <a:rPr lang="zh-CN" altLang="zh-CN" i="1"/>
+                          <a:rPr lang="zh-CN" altLang="zh-CN" i="1">
+                            <a:latin typeface="Cambria Math" panose="02040503050406030204" pitchFamily="18" charset="0"/>
+                          </a:rPr>
                         </m:ctrlPr>
                       </m:sSupPr>
                       <m:e>
                         <m:r>
-                          <a:rPr lang="en-US" altLang="zh-CN" i="1"/>
+                          <a:rPr lang="en-US" altLang="zh-CN" i="1">
+                            <a:latin typeface="Cambria Math" panose="02040503050406030204" pitchFamily="18" charset="0"/>
+                          </a:rPr>
                           <m:t>𝑒</m:t>
                         </m:r>
                       </m:e>
                       <m:sup>
                         <m:r>
-                          <a:rPr lang="en-US" altLang="zh-CN" i="1"/>
+                          <a:rPr lang="en-US" altLang="zh-CN" i="1">
+                            <a:latin typeface="Cambria Math" panose="02040503050406030204" pitchFamily="18" charset="0"/>
+                          </a:rPr>
                           <m:t>𝑗</m:t>
                         </m:r>
                         <m:r>
-                          <a:rPr lang="en-US" altLang="zh-CN" i="1"/>
+                          <a:rPr lang="en-US" altLang="zh-CN" i="1">
+                            <a:latin typeface="Cambria Math" panose="02040503050406030204" pitchFamily="18" charset="0"/>
+                          </a:rPr>
                           <m:t>𝜑</m:t>
                         </m:r>
                       </m:sup>
@@ -7371,11 +6183,11 @@
                   </m:oMath>
                 </a14:m>
                 <a:r>
-                  <a:rPr lang="zh-CN" altLang="en-US" dirty="0" smtClean="0"/>
+                  <a:rPr lang="zh-CN" altLang="en-US" dirty="0"/>
                   <a:t>得到等效的许用电平便可以消除其影响，因此只需考虑高斯噪声</a:t>
                 </a:r>
                 <a:r>
-                  <a:rPr lang="en-US" altLang="zh-CN" dirty="0" smtClean="0"/>
+                  <a:rPr lang="en-US" altLang="zh-CN" dirty="0"/>
                   <a:t>n</a:t>
                 </a:r>
               </a:p>
@@ -7383,18 +6195,14 @@
                 <a:pPr lvl="1"/>
                 <a:r>
                   <a:rPr lang="zh-CN" altLang="en-US" dirty="0"/>
-                  <a:t>接收</a:t>
-                </a:r>
-                <a:r>
-                  <a:rPr lang="zh-CN" altLang="en-US" dirty="0" smtClean="0"/>
-                  <a:t>到的电平</a:t>
-                </a:r>
-                <a:r>
-                  <a:rPr lang="en-US" altLang="zh-CN" dirty="0" smtClean="0"/>
+                  <a:t>接收到的电平</a:t>
+                </a:r>
+                <a:r>
+                  <a:rPr lang="en-US" altLang="zh-CN" dirty="0"/>
                   <a:t>y</a:t>
                 </a:r>
                 <a:r>
-                  <a:rPr lang="zh-CN" altLang="en-US" dirty="0" smtClean="0"/>
+                  <a:rPr lang="zh-CN" altLang="en-US" dirty="0"/>
                   <a:t>是由等效许用电平</a:t>
                 </a:r>
                 <a14:m>
@@ -7403,13 +6211,7 @@
                       <a:rPr lang="en-US" altLang="zh-CN" i="1">
                         <a:latin typeface="Cambria Math" panose="02040503050406030204" pitchFamily="18" charset="0"/>
                       </a:rPr>
-                      <m:t>𝑥</m:t>
-                    </m:r>
-                    <m:r>
-                      <a:rPr lang="en-US" altLang="zh-CN" i="1">
-                        <a:latin typeface="Cambria Math" panose="02040503050406030204" pitchFamily="18" charset="0"/>
-                      </a:rPr>
-                      <m:t>𝑖</m:t>
+                      <m:t>𝑥𝑖</m:t>
                     </m:r>
                     <m:sSup>
                       <m:sSupPr>
@@ -7451,35 +6253,27 @@
                   </m:oMath>
                 </a14:m>
                 <a:r>
-                  <a:rPr lang="en-US" altLang="zh-CN" dirty="0" smtClean="0"/>
+                  <a:rPr lang="en-US" altLang="zh-CN" dirty="0"/>
                   <a:t>n</a:t>
                 </a:r>
                 <a:r>
-                  <a:rPr lang="zh-CN" altLang="en-US" dirty="0" smtClean="0"/>
+                  <a:rPr lang="zh-CN" altLang="en-US" dirty="0"/>
                   <a:t>得到的概率密度为</a:t>
                 </a:r>
                 <a:r>
-                  <a:rPr lang="en-US" altLang="zh-CN" dirty="0" smtClean="0"/>
+                  <a:rPr lang="en-US" altLang="zh-CN" dirty="0"/>
                   <a:t>f(</a:t>
                 </a:r>
                 <a:r>
-                  <a:rPr lang="en-US" altLang="zh-CN" dirty="0" err="1" smtClean="0"/>
-                  <a:t>φ|y</a:t>
-                </a:r>
-                <a:r>
                   <a:rPr lang="en-US" altLang="zh-CN" dirty="0" err="1"/>
-                  <a:t>,</a:t>
-                </a:r>
-                <a:r>
-                  <a:rPr lang="en-US" altLang="zh-CN" dirty="0" err="1" smtClean="0"/>
-                  <a:t>xi</a:t>
-                </a:r>
-                <a:r>
-                  <a:rPr lang="zh-CN" altLang="en-US" dirty="0" smtClean="0"/>
+                  <a:t>φ|y,xi</a:t>
+                </a:r>
+                <a:r>
+                  <a:rPr lang="zh-CN" altLang="en-US" dirty="0"/>
                   <a:t>）</a:t>
                 </a:r>
                 <a:r>
-                  <a:rPr lang="en-US" altLang="zh-CN" dirty="0" smtClean="0"/>
+                  <a:rPr lang="en-US" altLang="zh-CN" dirty="0"/>
                   <a:t>=</a:t>
                 </a:r>
                 <a14:m>
@@ -7487,40 +6281,54 @@
                     <m:sSup>
                       <m:sSupPr>
                         <m:ctrlPr>
-                          <a:rPr lang="zh-CN" altLang="zh-CN" i="1"/>
+                          <a:rPr lang="zh-CN" altLang="zh-CN" i="1">
+                            <a:latin typeface="Cambria Math" panose="02040503050406030204" pitchFamily="18" charset="0"/>
+                          </a:rPr>
                         </m:ctrlPr>
                       </m:sSupPr>
                       <m:e>
                         <m:d>
                           <m:dPr>
                             <m:ctrlPr>
-                              <a:rPr lang="zh-CN" altLang="zh-CN" i="1"/>
+                              <a:rPr lang="zh-CN" altLang="zh-CN" i="1">
+                                <a:latin typeface="Cambria Math" panose="02040503050406030204" pitchFamily="18" charset="0"/>
+                              </a:rPr>
                             </m:ctrlPr>
                           </m:dPr>
                           <m:e>
                             <m:r>
-                              <a:rPr lang="en-US" altLang="zh-CN" i="1"/>
+                              <a:rPr lang="en-US" altLang="zh-CN" i="1">
+                                <a:latin typeface="Cambria Math" panose="02040503050406030204" pitchFamily="18" charset="0"/>
+                              </a:rPr>
                               <m:t>2</m:t>
                             </m:r>
                             <m:r>
-                              <a:rPr lang="en-US" altLang="zh-CN" i="1"/>
+                              <a:rPr lang="en-US" altLang="zh-CN" i="1">
+                                <a:latin typeface="Cambria Math" panose="02040503050406030204" pitchFamily="18" charset="0"/>
+                              </a:rPr>
                               <m:t>𝜋</m:t>
                             </m:r>
                             <m:sSup>
                               <m:sSupPr>
                                 <m:ctrlPr>
-                                  <a:rPr lang="zh-CN" altLang="zh-CN" i="1"/>
+                                  <a:rPr lang="zh-CN" altLang="zh-CN" i="1">
+                                    <a:latin typeface="Cambria Math" panose="02040503050406030204" pitchFamily="18" charset="0"/>
+                                  </a:rPr>
                                 </m:ctrlPr>
                               </m:sSupPr>
                               <m:e>
                                 <m:r>
-                                  <a:rPr lang="en-US" altLang="zh-CN" i="1"/>
+                                  <a:rPr lang="en-US" altLang="zh-CN" i="1">
+                                    <a:latin typeface="Cambria Math" panose="02040503050406030204" pitchFamily="18" charset="0"/>
+                                  </a:rPr>
                                   <m:t>𝜎</m:t>
                                 </m:r>
                               </m:e>
                               <m:sup>
                                 <m:r>
-                                  <a:rPr lang="en-US" altLang="zh-CN" i="1"/>
+                                  <a:rPr lang="en-US" altLang="zh-CN" i="1">
+                                    <a:latin typeface="Cambria Math" panose="02040503050406030204" pitchFamily="18" charset="0"/>
+                                  </a:rPr>
                                   <m:t>2</m:t>
                                 </m:r>
                               </m:sup>
@@ -7530,7 +6338,9 @@
                       </m:e>
                       <m:sup>
                         <m:r>
-                          <a:rPr lang="en-US" altLang="zh-CN" i="1"/>
+                          <a:rPr lang="en-US" altLang="zh-CN" i="1">
+                            <a:latin typeface="Cambria Math" panose="02040503050406030204" pitchFamily="18" charset="0"/>
+                          </a:rPr>
                           <m:t>−1</m:t>
                         </m:r>
                       </m:sup>
@@ -7538,7 +6348,9 @@
                     <m:func>
                       <m:funcPr>
                         <m:ctrlPr>
-                          <a:rPr lang="zh-CN" altLang="zh-CN" i="1"/>
+                          <a:rPr lang="zh-CN" altLang="zh-CN" i="1">
+                            <a:latin typeface="Cambria Math" panose="02040503050406030204" pitchFamily="18" charset="0"/>
+                          </a:rPr>
                         </m:ctrlPr>
                       </m:funcPr>
                       <m:fName>
@@ -7546,7 +6358,9 @@
                           <m:rPr>
                             <m:sty m:val="p"/>
                           </m:rPr>
-                          <a:rPr lang="en-US" altLang="zh-CN"/>
+                          <a:rPr lang="en-US" altLang="zh-CN">
+                            <a:latin typeface="Cambria Math" panose="02040503050406030204" pitchFamily="18" charset="0"/>
+                          </a:rPr>
                           <m:t>exp</m:t>
                         </m:r>
                       </m:fName>
@@ -7554,25 +6368,33 @@
                         <m:d>
                           <m:dPr>
                             <m:ctrlPr>
-                              <a:rPr lang="zh-CN" altLang="zh-CN" i="1"/>
+                              <a:rPr lang="zh-CN" altLang="zh-CN" i="1">
+                                <a:latin typeface="Cambria Math" panose="02040503050406030204" pitchFamily="18" charset="0"/>
+                              </a:rPr>
                             </m:ctrlPr>
                           </m:dPr>
                           <m:e>
                             <m:r>
-                              <a:rPr lang="en-US" altLang="zh-CN" i="1"/>
+                              <a:rPr lang="en-US" altLang="zh-CN" i="1">
+                                <a:latin typeface="Cambria Math" panose="02040503050406030204" pitchFamily="18" charset="0"/>
+                              </a:rPr>
                               <m:t>−</m:t>
                             </m:r>
                             <m:f>
                               <m:fPr>
                                 <m:ctrlPr>
-                                  <a:rPr lang="zh-CN" altLang="zh-CN" i="1"/>
+                                  <a:rPr lang="zh-CN" altLang="zh-CN" i="1">
+                                    <a:latin typeface="Cambria Math" panose="02040503050406030204" pitchFamily="18" charset="0"/>
+                                  </a:rPr>
                                 </m:ctrlPr>
                               </m:fPr>
                               <m:num>
                                 <m:sSup>
                                   <m:sSupPr>
                                     <m:ctrlPr>
-                                      <a:rPr lang="zh-CN" altLang="zh-CN" i="1"/>
+                                      <a:rPr lang="zh-CN" altLang="zh-CN" i="1">
+                                        <a:latin typeface="Cambria Math" panose="02040503050406030204" pitchFamily="18" charset="0"/>
+                                      </a:rPr>
                                     </m:ctrlPr>
                                   </m:sSupPr>
                                   <m:e>
@@ -7581,41 +6403,57 @@
                                         <m:begChr m:val="|"/>
                                         <m:endChr m:val="|"/>
                                         <m:ctrlPr>
-                                          <a:rPr lang="zh-CN" altLang="zh-CN" i="1"/>
+                                          <a:rPr lang="zh-CN" altLang="zh-CN" i="1">
+                                            <a:latin typeface="Cambria Math" panose="02040503050406030204" pitchFamily="18" charset="0"/>
+                                          </a:rPr>
                                         </m:ctrlPr>
                                       </m:dPr>
                                       <m:e>
                                         <m:r>
-                                          <a:rPr lang="en-US" altLang="zh-CN" i="1"/>
+                                          <a:rPr lang="en-US" altLang="zh-CN" i="1">
+                                            <a:latin typeface="Cambria Math" panose="02040503050406030204" pitchFamily="18" charset="0"/>
+                                          </a:rPr>
                                           <m:t>𝑦</m:t>
                                         </m:r>
                                         <m:r>
-                                          <a:rPr lang="en-US" altLang="zh-CN" i="1"/>
+                                          <a:rPr lang="en-US" altLang="zh-CN" i="1">
+                                            <a:latin typeface="Cambria Math" panose="02040503050406030204" pitchFamily="18" charset="0"/>
+                                          </a:rPr>
                                           <m:t>−</m:t>
                                         </m:r>
                                         <m:r>
-                                          <a:rPr lang="en-US" altLang="zh-CN" i="1"/>
+                                          <a:rPr lang="en-US" altLang="zh-CN" i="1">
+                                            <a:latin typeface="Cambria Math" panose="02040503050406030204" pitchFamily="18" charset="0"/>
+                                          </a:rPr>
                                           <m:t>𝑥𝑖</m:t>
                                         </m:r>
                                         <m:sSup>
                                           <m:sSupPr>
                                             <m:ctrlPr>
-                                              <a:rPr lang="zh-CN" altLang="zh-CN" i="1"/>
+                                              <a:rPr lang="zh-CN" altLang="zh-CN" i="1">
+                                                <a:latin typeface="Cambria Math" panose="02040503050406030204" pitchFamily="18" charset="0"/>
+                                              </a:rPr>
                                             </m:ctrlPr>
                                           </m:sSupPr>
                                           <m:e>
                                             <m:r>
-                                              <a:rPr lang="en-US" altLang="zh-CN" i="1"/>
+                                              <a:rPr lang="en-US" altLang="zh-CN" i="1">
+                                                <a:latin typeface="Cambria Math" panose="02040503050406030204" pitchFamily="18" charset="0"/>
+                                              </a:rPr>
                                               <m:t>𝑒</m:t>
                                             </m:r>
                                           </m:e>
                                           <m:sup>
                                             <m:r>
-                                              <a:rPr lang="en-US" altLang="zh-CN" i="1"/>
+                                              <a:rPr lang="en-US" altLang="zh-CN" i="1">
+                                                <a:latin typeface="Cambria Math" panose="02040503050406030204" pitchFamily="18" charset="0"/>
+                                              </a:rPr>
                                               <m:t>𝑗</m:t>
                                             </m:r>
                                             <m:r>
-                                              <a:rPr lang="en-US" altLang="zh-CN" i="1"/>
+                                              <a:rPr lang="en-US" altLang="zh-CN" i="1">
+                                                <a:latin typeface="Cambria Math" panose="02040503050406030204" pitchFamily="18" charset="0"/>
+                                              </a:rPr>
                                               <m:t>𝜑</m:t>
                                             </m:r>
                                           </m:sup>
@@ -7625,7 +6463,9 @@
                                   </m:e>
                                   <m:sup>
                                     <m:r>
-                                      <a:rPr lang="en-US" altLang="zh-CN" i="1"/>
+                                      <a:rPr lang="en-US" altLang="zh-CN" i="1">
+                                        <a:latin typeface="Cambria Math" panose="02040503050406030204" pitchFamily="18" charset="0"/>
+                                      </a:rPr>
                                       <m:t>2</m:t>
                                     </m:r>
                                   </m:sup>
@@ -7633,24 +6473,32 @@
                               </m:num>
                               <m:den>
                                 <m:r>
-                                  <a:rPr lang="en-US" altLang="zh-CN" i="1"/>
+                                  <a:rPr lang="en-US" altLang="zh-CN" i="1">
+                                    <a:latin typeface="Cambria Math" panose="02040503050406030204" pitchFamily="18" charset="0"/>
+                                  </a:rPr>
                                   <m:t>2</m:t>
                                 </m:r>
                                 <m:sSup>
                                   <m:sSupPr>
                                     <m:ctrlPr>
-                                      <a:rPr lang="zh-CN" altLang="zh-CN" i="1"/>
+                                      <a:rPr lang="zh-CN" altLang="zh-CN" i="1">
+                                        <a:latin typeface="Cambria Math" panose="02040503050406030204" pitchFamily="18" charset="0"/>
+                                      </a:rPr>
                                     </m:ctrlPr>
                                   </m:sSupPr>
                                   <m:e>
                                     <m:r>
-                                      <a:rPr lang="en-US" altLang="zh-CN" i="1"/>
+                                      <a:rPr lang="en-US" altLang="zh-CN" i="1">
+                                        <a:latin typeface="Cambria Math" panose="02040503050406030204" pitchFamily="18" charset="0"/>
+                                      </a:rPr>
                                       <m:t>𝜎</m:t>
                                     </m:r>
                                   </m:e>
                                   <m:sup>
                                     <m:r>
-                                      <a:rPr lang="en-US" altLang="zh-CN" i="1"/>
+                                      <a:rPr lang="en-US" altLang="zh-CN" i="1">
+                                        <a:latin typeface="Cambria Math" panose="02040503050406030204" pitchFamily="18" charset="0"/>
+                                      </a:rPr>
                                       <m:t>2</m:t>
                                     </m:r>
                                   </m:sup>
@@ -7664,43 +6512,39 @@
                   </m:oMath>
                 </a14:m>
                 <a:r>
-                  <a:rPr lang="en-US" altLang="zh-CN" dirty="0" smtClean="0"/>
+                  <a:rPr lang="en-US" altLang="zh-CN" dirty="0"/>
                   <a:t>)</a:t>
                 </a:r>
                 <a:r>
-                  <a:rPr lang="zh-CN" altLang="en-US" dirty="0" smtClean="0"/>
+                  <a:rPr lang="zh-CN" altLang="en-US" dirty="0"/>
+                  <a:t>，因此去掉常数系数，用</a:t>
+                </a:r>
+                <a:r>
+                  <a:rPr lang="en-US" altLang="zh-CN" dirty="0"/>
+                  <a:t>d</a:t>
+                </a:r>
+                <a:r>
+                  <a:rPr lang="zh-CN" altLang="en-US" dirty="0"/>
+                  <a:t>（</a:t>
+                </a:r>
+                <a:r>
+                  <a:rPr lang="en-US" altLang="zh-CN" dirty="0"/>
+                  <a:t>φ</a:t>
+                </a:r>
+                <a:r>
+                  <a:rPr lang="zh-CN" altLang="en-US" dirty="0"/>
                   <a:t>，</a:t>
                 </a:r>
                 <a:r>
-                  <a:rPr lang="zh-CN" altLang="en-US" dirty="0" smtClean="0"/>
-                  <a:t>因此去掉常数系数，用</a:t>
-                </a:r>
-                <a:r>
-                  <a:rPr lang="en-US" altLang="zh-CN" dirty="0" smtClean="0"/>
-                  <a:t>d</a:t>
-                </a:r>
-                <a:r>
-                  <a:rPr lang="zh-CN" altLang="en-US" dirty="0" smtClean="0"/>
-                  <a:t>（</a:t>
-                </a:r>
-                <a:r>
-                  <a:rPr lang="en-US" altLang="zh-CN" dirty="0" smtClean="0"/>
-                  <a:t>φ</a:t>
-                </a:r>
-                <a:r>
-                  <a:rPr lang="zh-CN" altLang="en-US" dirty="0" smtClean="0"/>
-                  <a:t>，</a:t>
-                </a:r>
-                <a:r>
-                  <a:rPr lang="en-US" altLang="zh-CN" dirty="0" err="1" smtClean="0"/>
+                  <a:rPr lang="en-US" altLang="zh-CN" dirty="0" err="1"/>
                   <a:t>i</a:t>
                 </a:r>
                 <a:r>
-                  <a:rPr lang="zh-CN" altLang="en-US" dirty="0" smtClean="0"/>
+                  <a:rPr lang="zh-CN" altLang="en-US" dirty="0"/>
                   <a:t>）</a:t>
                 </a:r>
                 <a:r>
-                  <a:rPr lang="en-US" altLang="zh-CN" dirty="0" smtClean="0"/>
+                  <a:rPr lang="en-US" altLang="zh-CN" dirty="0"/>
                   <a:t>=</a:t>
                 </a:r>
                 <a14:m>
@@ -7708,7 +6552,9 @@
                     <m:func>
                       <m:funcPr>
                         <m:ctrlPr>
-                          <a:rPr lang="zh-CN" altLang="zh-CN" i="1"/>
+                          <a:rPr lang="zh-CN" altLang="zh-CN" i="1">
+                            <a:latin typeface="Cambria Math" panose="02040503050406030204" pitchFamily="18" charset="0"/>
+                          </a:rPr>
                         </m:ctrlPr>
                       </m:funcPr>
                       <m:fName>
@@ -7716,7 +6562,9 @@
                           <m:rPr>
                             <m:sty m:val="p"/>
                           </m:rPr>
-                          <a:rPr lang="en-US" altLang="zh-CN"/>
+                          <a:rPr lang="en-US" altLang="zh-CN">
+                            <a:latin typeface="Cambria Math" panose="02040503050406030204" pitchFamily="18" charset="0"/>
+                          </a:rPr>
                           <m:t>exp</m:t>
                         </m:r>
                       </m:fName>
@@ -7724,18 +6572,24 @@
                         <m:d>
                           <m:dPr>
                             <m:ctrlPr>
-                              <a:rPr lang="zh-CN" altLang="zh-CN" i="1"/>
+                              <a:rPr lang="zh-CN" altLang="zh-CN" i="1">
+                                <a:latin typeface="Cambria Math" panose="02040503050406030204" pitchFamily="18" charset="0"/>
+                              </a:rPr>
                             </m:ctrlPr>
                           </m:dPr>
                           <m:e>
                             <m:r>
-                              <a:rPr lang="en-US" altLang="zh-CN" i="1"/>
+                              <a:rPr lang="en-US" altLang="zh-CN" i="1">
+                                <a:latin typeface="Cambria Math" panose="02040503050406030204" pitchFamily="18" charset="0"/>
+                              </a:rPr>
                               <m:t>−</m:t>
                             </m:r>
                             <m:sSup>
                               <m:sSupPr>
                                 <m:ctrlPr>
-                                  <a:rPr lang="zh-CN" altLang="zh-CN" i="1"/>
+                                  <a:rPr lang="zh-CN" altLang="zh-CN" i="1">
+                                    <a:latin typeface="Cambria Math" panose="02040503050406030204" pitchFamily="18" charset="0"/>
+                                  </a:rPr>
                                 </m:ctrlPr>
                               </m:sSupPr>
                               <m:e>
@@ -7744,41 +6598,57 @@
                                     <m:begChr m:val="|"/>
                                     <m:endChr m:val="|"/>
                                     <m:ctrlPr>
-                                      <a:rPr lang="zh-CN" altLang="zh-CN" i="1"/>
+                                      <a:rPr lang="zh-CN" altLang="zh-CN" i="1">
+                                        <a:latin typeface="Cambria Math" panose="02040503050406030204" pitchFamily="18" charset="0"/>
+                                      </a:rPr>
                                     </m:ctrlPr>
                                   </m:dPr>
                                   <m:e>
                                     <m:r>
-                                      <a:rPr lang="en-US" altLang="zh-CN" i="1"/>
+                                      <a:rPr lang="en-US" altLang="zh-CN" i="1">
+                                        <a:latin typeface="Cambria Math" panose="02040503050406030204" pitchFamily="18" charset="0"/>
+                                      </a:rPr>
                                       <m:t>𝑦</m:t>
                                     </m:r>
                                     <m:r>
-                                      <a:rPr lang="en-US" altLang="zh-CN" i="1"/>
+                                      <a:rPr lang="en-US" altLang="zh-CN" i="1">
+                                        <a:latin typeface="Cambria Math" panose="02040503050406030204" pitchFamily="18" charset="0"/>
+                                      </a:rPr>
                                       <m:t>−</m:t>
                                     </m:r>
                                     <m:r>
-                                      <a:rPr lang="en-US" altLang="zh-CN" i="1"/>
+                                      <a:rPr lang="en-US" altLang="zh-CN" i="1">
+                                        <a:latin typeface="Cambria Math" panose="02040503050406030204" pitchFamily="18" charset="0"/>
+                                      </a:rPr>
                                       <m:t>𝑥𝑖</m:t>
                                     </m:r>
                                     <m:sSup>
                                       <m:sSupPr>
                                         <m:ctrlPr>
-                                          <a:rPr lang="zh-CN" altLang="zh-CN" i="1"/>
+                                          <a:rPr lang="zh-CN" altLang="zh-CN" i="1">
+                                            <a:latin typeface="Cambria Math" panose="02040503050406030204" pitchFamily="18" charset="0"/>
+                                          </a:rPr>
                                         </m:ctrlPr>
                                       </m:sSupPr>
                                       <m:e>
                                         <m:r>
-                                          <a:rPr lang="en-US" altLang="zh-CN" i="1"/>
+                                          <a:rPr lang="en-US" altLang="zh-CN" i="1">
+                                            <a:latin typeface="Cambria Math" panose="02040503050406030204" pitchFamily="18" charset="0"/>
+                                          </a:rPr>
                                           <m:t>𝑒</m:t>
                                         </m:r>
                                       </m:e>
                                       <m:sup>
                                         <m:r>
-                                          <a:rPr lang="en-US" altLang="zh-CN" i="1"/>
+                                          <a:rPr lang="en-US" altLang="zh-CN" i="1">
+                                            <a:latin typeface="Cambria Math" panose="02040503050406030204" pitchFamily="18" charset="0"/>
+                                          </a:rPr>
                                           <m:t>𝑗</m:t>
                                         </m:r>
                                         <m:r>
-                                          <a:rPr lang="en-US" altLang="zh-CN" i="1"/>
+                                          <a:rPr lang="en-US" altLang="zh-CN" i="1">
+                                            <a:latin typeface="Cambria Math" panose="02040503050406030204" pitchFamily="18" charset="0"/>
+                                          </a:rPr>
                                           <m:t>𝜑</m:t>
                                         </m:r>
                                       </m:sup>
@@ -7788,7 +6658,9 @@
                               </m:e>
                               <m:sup>
                                 <m:r>
-                                  <a:rPr lang="en-US" altLang="zh-CN" i="1"/>
+                                  <a:rPr lang="en-US" altLang="zh-CN" i="1">
+                                    <a:latin typeface="Cambria Math" panose="02040503050406030204" pitchFamily="18" charset="0"/>
+                                  </a:rPr>
                                   <m:t>2</m:t>
                                 </m:r>
                               </m:sup>
@@ -7800,79 +6672,79 @@
                   </m:oMath>
                 </a14:m>
                 <a:r>
-                  <a:rPr lang="zh-CN" altLang="en-US" dirty="0" smtClean="0"/>
+                  <a:rPr lang="zh-CN" altLang="en-US" dirty="0"/>
                   <a:t>作为其概率密度的一个衡量标准</a:t>
                 </a:r>
-                <a:endParaRPr lang="en-US" altLang="zh-CN" dirty="0" smtClean="0"/>
+                <a:endParaRPr lang="en-US" altLang="zh-CN" dirty="0"/>
               </a:p>
               <a:p>
                 <a:pPr lvl="1"/>
-                <a:endParaRPr lang="en-US" altLang="zh-CN" dirty="0" smtClean="0"/>
+                <a:endParaRPr lang="en-US" altLang="zh-CN" dirty="0"/>
               </a:p>
               <a:p>
                 <a:pPr lvl="1"/>
                 <a:r>
-                  <a:rPr lang="zh-CN" altLang="en-US" dirty="0" smtClean="0"/>
+                  <a:rPr lang="zh-CN" altLang="en-US" dirty="0"/>
                   <a:t>由于</a:t>
                 </a:r>
                 <a:r>
-                  <a:rPr lang="en-US" altLang="zh-CN" dirty="0" smtClean="0"/>
+                  <a:rPr lang="en-US" altLang="zh-CN" dirty="0"/>
                   <a:t>φ</a:t>
                 </a:r>
                 <a:r>
-                  <a:rPr lang="zh-CN" altLang="en-US" dirty="0" smtClean="0"/>
+                  <a:rPr lang="zh-CN" altLang="en-US" dirty="0"/>
                   <a:t>服从（</a:t>
                 </a:r>
                 <a:r>
-                  <a:rPr lang="en-US" altLang="zh-CN" dirty="0" smtClean="0"/>
+                  <a:rPr lang="en-US" altLang="zh-CN" dirty="0"/>
                   <a:t>0</a:t>
                 </a:r>
                 <a:r>
-                  <a:rPr lang="zh-CN" altLang="en-US" dirty="0" smtClean="0"/>
+                  <a:rPr lang="zh-CN" altLang="en-US" dirty="0"/>
                   <a:t>，</a:t>
                 </a:r>
                 <a:r>
-                  <a:rPr lang="en-US" altLang="zh-CN" dirty="0" smtClean="0"/>
+                  <a:rPr lang="en-US" altLang="zh-CN" dirty="0"/>
                   <a:t>θ</a:t>
                 </a:r>
                 <a:r>
-                  <a:rPr lang="zh-CN" altLang="en-US" dirty="0" smtClean="0"/>
+                  <a:rPr lang="zh-CN" altLang="en-US" dirty="0"/>
                   <a:t>）的均匀分布，在其中取值概率均等，因此只需将上述的</a:t>
                 </a:r>
                 <a:r>
-                  <a:rPr lang="en-US" altLang="zh-CN" dirty="0" smtClean="0"/>
+                  <a:rPr lang="en-US" altLang="zh-CN" dirty="0"/>
                   <a:t>d</a:t>
                 </a:r>
                 <a:r>
-                  <a:rPr lang="zh-CN" altLang="en-US" dirty="0" smtClean="0"/>
+                  <a:rPr lang="zh-CN" altLang="en-US" dirty="0"/>
                   <a:t>（</a:t>
                 </a:r>
                 <a:r>
-                  <a:rPr lang="en-US" altLang="zh-CN" dirty="0" smtClean="0"/>
+                  <a:rPr lang="en-US" altLang="zh-CN" dirty="0"/>
                   <a:t>φ</a:t>
                 </a:r>
                 <a:r>
-                  <a:rPr lang="zh-CN" altLang="en-US" dirty="0" smtClean="0"/>
+                  <a:rPr lang="zh-CN" altLang="en-US" dirty="0"/>
                   <a:t>，</a:t>
                 </a:r>
                 <a:r>
-                  <a:rPr lang="en-US" altLang="zh-CN" dirty="0" err="1" smtClean="0"/>
+                  <a:rPr lang="en-US" altLang="zh-CN" dirty="0" err="1"/>
                   <a:t>i</a:t>
                 </a:r>
                 <a:r>
-                  <a:rPr lang="zh-CN" altLang="en-US" dirty="0" smtClean="0"/>
+                  <a:rPr lang="zh-CN" altLang="en-US" dirty="0"/>
                   <a:t>）从</a:t>
                 </a:r>
                 <a:r>
-                  <a:rPr lang="en-US" altLang="zh-CN" dirty="0" smtClean="0"/>
+                  <a:rPr lang="en-US" altLang="zh-CN" dirty="0"/>
                   <a:t>0</a:t>
                 </a:r>
                 <a:r>
-                  <a:rPr lang="zh-CN" altLang="en-US" dirty="0" smtClean="0"/>
+                  <a:rPr lang="zh-CN" altLang="en-US" dirty="0"/>
                   <a:t>到</a:t>
                 </a:r>
                 <a:r>
-                  <a:rPr lang="en-US" altLang="zh-CN" dirty="0" smtClean="0"/>
+                  <a:rPr lang="en-US" altLang="zh-CN" dirty="0"/>
                   <a:t>θ</a:t>
                 </a:r>
                 <a:r>
@@ -7940,33 +6812,29 @@
                 </a:r>
                 <a:r>
                   <a:rPr lang="zh-CN" altLang="en-US" dirty="0"/>
-                  <a:t>得到的</a:t>
-                </a:r>
-                <a:r>
-                  <a:rPr lang="zh-CN" altLang="en-US" dirty="0" smtClean="0"/>
-                  <a:t>概率的一个有效度量</a:t>
-                </a:r>
-                <a:r>
-                  <a:rPr lang="en-US" altLang="zh-CN" dirty="0" smtClean="0"/>
+                  <a:t>得到的概率的一个有效度量</a:t>
+                </a:r>
+                <a:r>
+                  <a:rPr lang="en-US" altLang="zh-CN" dirty="0"/>
                   <a:t>P</a:t>
                 </a:r>
                 <a:r>
-                  <a:rPr lang="zh-CN" altLang="en-US" dirty="0" smtClean="0"/>
+                  <a:rPr lang="zh-CN" altLang="en-US" dirty="0"/>
                   <a:t>（</a:t>
                 </a:r>
                 <a:r>
-                  <a:rPr lang="en-US" altLang="zh-CN" dirty="0" err="1" smtClean="0"/>
+                  <a:rPr lang="en-US" altLang="zh-CN" dirty="0" err="1"/>
                   <a:t>i</a:t>
                 </a:r>
                 <a:r>
-                  <a:rPr lang="zh-CN" altLang="en-US" dirty="0" smtClean="0"/>
+                  <a:rPr lang="zh-CN" altLang="en-US" dirty="0"/>
                   <a:t>）。</a:t>
                 </a:r>
                 <a:endParaRPr lang="en-US" altLang="zh-CN" dirty="0"/>
               </a:p>
               <a:p>
                 <a:pPr lvl="1"/>
-                <a:endParaRPr lang="en-US" altLang="zh-CN" dirty="0" smtClean="0"/>
+                <a:endParaRPr lang="en-US" altLang="zh-CN" dirty="0"/>
               </a:p>
               <a:p>
                 <a:pPr lvl="1"/>
@@ -8160,11 +7028,11 @@
                   </m:oMath>
                 </a14:m>
                 <a:r>
-                  <a:rPr lang="zh-CN" altLang="en-US" dirty="0" smtClean="0"/>
+                  <a:rPr lang="zh-CN" altLang="en-US" dirty="0"/>
                   <a:t> 我们可以根据</a:t>
                 </a:r>
                 <a:r>
-                  <a:rPr lang="en-US" altLang="zh-CN" dirty="0" smtClean="0"/>
+                  <a:rPr lang="en-US" altLang="zh-CN" dirty="0"/>
                   <a:t>P</a:t>
                 </a:r>
                 <a:r>
@@ -8177,26 +7045,21 @@
                 </a:r>
                 <a:r>
                   <a:rPr lang="zh-CN" altLang="en-US" dirty="0"/>
-                  <a:t>） </a:t>
-                </a:r>
-                <a:r>
-                  <a:rPr lang="zh-CN" altLang="en-US" dirty="0" smtClean="0"/>
-                  <a:t>这一指标进行软硬判决，通过</a:t>
-                </a:r>
-                <a:r>
-                  <a:rPr lang="en-US" altLang="zh-CN" dirty="0" err="1" smtClean="0"/>
+                  <a:t>） 这一指标进行软硬判决，通过</a:t>
+                </a:r>
+                <a:r>
+                  <a:rPr lang="en-US" altLang="zh-CN" dirty="0" err="1"/>
                   <a:t>matlab</a:t>
                 </a:r>
                 <a:r>
-                  <a:rPr lang="zh-CN" altLang="en-US" dirty="0" smtClean="0"/>
+                  <a:rPr lang="zh-CN" altLang="en-US" dirty="0"/>
                   <a:t>进行数值计算上式并不困难</a:t>
                 </a:r>
-                <a:endParaRPr lang="zh-CN" altLang="en-US" dirty="0"/>
               </a:p>
             </p:txBody>
           </p:sp>
         </mc:Choice>
-        <mc:Fallback>
+        <mc:Fallback xmlns="">
           <p:sp>
             <p:nvSpPr>
               <p:cNvPr id="3" name="内容占位符 2"/>
@@ -8247,7 +7110,7 @@
 </p:sld>
 </file>
 
-<file path=ppt/slides/slide8.xml><?xml version="1.0" encoding="utf-8"?>
+<file path=ppt/slides/slide12.xml><?xml version="1.0" encoding="utf-8"?>
 <p:sld xmlns:a="http://schemas.openxmlformats.org/drawingml/2006/main" xmlns:r="http://schemas.openxmlformats.org/officeDocument/2006/relationships" xmlns:p="http://schemas.openxmlformats.org/presentationml/2006/main">
   <p:cSld>
     <p:spTree>
@@ -8283,12 +7146,11 @@
               <a:rPr lang="zh-CN" altLang="en-US" dirty="0"/>
               <a:t>译码器模块</a:t>
             </a:r>
-            <a:endParaRPr lang="zh-CN" altLang="en-US" dirty="0"/>
-          </a:p>
-        </p:txBody>
-      </p:sp>
-      <mc:AlternateContent xmlns:mc="http://schemas.openxmlformats.org/markup-compatibility/2006">
-        <mc:Choice xmlns:a14="http://schemas.microsoft.com/office/drawing/2010/main" Requires="a14">
+          </a:p>
+        </p:txBody>
+      </p:sp>
+      <mc:AlternateContent xmlns:mc="http://schemas.openxmlformats.org/markup-compatibility/2006" xmlns:a14="http://schemas.microsoft.com/office/drawing/2010/main">
+        <mc:Choice Requires="a14">
           <p:sp>
             <p:nvSpPr>
               <p:cNvPr id="3" name="内容占位符 2"/>
@@ -8312,95 +7174,94 @@
               <a:lstStyle/>
               <a:p>
                 <a:r>
-                  <a:rPr lang="zh-CN" altLang="en-US" dirty="0" smtClean="0"/>
+                  <a:rPr lang="zh-CN" altLang="en-US" dirty="0"/>
                   <a:t>未知</a:t>
                 </a:r>
                 <a:r>
-                  <a:rPr lang="en-US" altLang="zh-CN" dirty="0" smtClean="0"/>
+                  <a:rPr lang="en-US" altLang="zh-CN" dirty="0"/>
                   <a:t>φ</a:t>
                 </a:r>
                 <a:r>
-                  <a:rPr lang="zh-CN" altLang="en-US" dirty="0" smtClean="0"/>
+                  <a:rPr lang="zh-CN" altLang="en-US" dirty="0"/>
                   <a:t>，且一次通信过程中的</a:t>
                 </a:r>
                 <a:r>
-                  <a:rPr lang="en-US" altLang="zh-CN" dirty="0" smtClean="0"/>
+                  <a:rPr lang="en-US" altLang="zh-CN" dirty="0"/>
                   <a:t>φ</a:t>
                 </a:r>
                 <a:r>
-                  <a:rPr lang="zh-CN" altLang="en-US" dirty="0" smtClean="0"/>
+                  <a:rPr lang="zh-CN" altLang="en-US" dirty="0"/>
                   <a:t>是独立的</a:t>
                 </a:r>
                 <a:r>
-                  <a:rPr lang="en-US" altLang="zh-CN" dirty="0" smtClean="0"/>
+                  <a:rPr lang="en-US" altLang="zh-CN" dirty="0"/>
                   <a:t>:</a:t>
                 </a:r>
-                <a:endParaRPr lang="en-US" altLang="zh-CN" dirty="0" smtClean="0"/>
               </a:p>
               <a:p>
                 <a:pPr lvl="1"/>
                 <a:r>
-                  <a:rPr lang="zh-CN" altLang="en-US" dirty="0" smtClean="0"/>
+                  <a:rPr lang="zh-CN" altLang="en-US" dirty="0"/>
                   <a:t>需要首先对</a:t>
                 </a:r>
                 <a:r>
-                  <a:rPr lang="en-US" altLang="zh-CN" dirty="0" smtClean="0"/>
+                  <a:rPr lang="en-US" altLang="zh-CN" dirty="0"/>
                   <a:t>φ</a:t>
                 </a:r>
                 <a:r>
-                  <a:rPr lang="zh-CN" altLang="en-US" dirty="0" smtClean="0"/>
+                  <a:rPr lang="zh-CN" altLang="en-US" dirty="0"/>
                   <a:t>进行估计，利用最大似然准则算出一个最概然的</a:t>
                 </a:r>
                 <a:r>
-                  <a:rPr lang="en-US" altLang="zh-CN" dirty="0" smtClean="0"/>
+                  <a:rPr lang="en-US" altLang="zh-CN" dirty="0"/>
                   <a:t>φ</a:t>
                 </a:r>
                 <a:r>
-                  <a:rPr lang="zh-CN" altLang="en-US" dirty="0" smtClean="0"/>
+                  <a:rPr lang="zh-CN" altLang="en-US" dirty="0"/>
                   <a:t>，将问题转化为</a:t>
                 </a:r>
                 <a:r>
-                  <a:rPr lang="en-US" altLang="zh-CN" dirty="0" smtClean="0"/>
+                  <a:rPr lang="en-US" altLang="zh-CN" dirty="0"/>
                   <a:t>φ</a:t>
                 </a:r>
                 <a:r>
-                  <a:rPr lang="zh-CN" altLang="en-US" dirty="0" smtClean="0"/>
+                  <a:rPr lang="zh-CN" altLang="en-US" dirty="0"/>
                   <a:t>已知的情况</a:t>
                 </a:r>
-                <a:endParaRPr lang="en-US" altLang="zh-CN" dirty="0" smtClean="0"/>
+                <a:endParaRPr lang="en-US" altLang="zh-CN" dirty="0"/>
               </a:p>
               <a:p>
                 <a:pPr lvl="1"/>
-                <a:endParaRPr lang="en-US" altLang="zh-CN" dirty="0" smtClean="0"/>
+                <a:endParaRPr lang="en-US" altLang="zh-CN" dirty="0"/>
               </a:p>
               <a:p>
                 <a:pPr lvl="1"/>
                 <a:r>
-                  <a:rPr lang="zh-CN" altLang="en-US" dirty="0" smtClean="0"/>
+                  <a:rPr lang="zh-CN" altLang="en-US" dirty="0"/>
                   <a:t>在给定</a:t>
                 </a:r>
                 <a:r>
-                  <a:rPr lang="en-US" altLang="zh-CN" dirty="0" smtClean="0"/>
+                  <a:rPr lang="en-US" altLang="zh-CN" dirty="0"/>
                   <a:t>φ</a:t>
                 </a:r>
                 <a:r>
-                  <a:rPr lang="zh-CN" altLang="en-US" dirty="0" smtClean="0"/>
+                  <a:rPr lang="zh-CN" altLang="en-US" dirty="0"/>
                   <a:t>，和发送符号为</a:t>
                 </a:r>
                 <a:r>
-                  <a:rPr lang="en-US" altLang="zh-CN" dirty="0" smtClean="0"/>
+                  <a:rPr lang="en-US" altLang="zh-CN" dirty="0"/>
                   <a:t>xi</a:t>
                 </a:r>
                 <a:r>
-                  <a:rPr lang="zh-CN" altLang="en-US" dirty="0" smtClean="0"/>
+                  <a:rPr lang="zh-CN" altLang="en-US" dirty="0"/>
                   <a:t>的情况下收到一个符号</a:t>
                 </a:r>
                 <a:r>
-                  <a:rPr lang="en-US" altLang="zh-CN" dirty="0" err="1" smtClean="0"/>
+                  <a:rPr lang="en-US" altLang="zh-CN" dirty="0" err="1"/>
                   <a:t>yk</a:t>
                 </a:r>
                 <a:r>
-                  <a:rPr lang="zh-CN" altLang="en-US" dirty="0" smtClean="0"/>
+                  <a:rPr lang="zh-CN" altLang="en-US" dirty="0"/>
                   <a:t>的后验概率密度</a:t>
                 </a:r>
                 <a14:m>
@@ -8451,7 +7312,7 @@
                   </m:oMath>
                 </a14:m>
                 <a:r>
-                  <a:rPr lang="en-US" altLang="zh-CN" dirty="0" smtClean="0"/>
+                  <a:rPr lang="en-US" altLang="zh-CN" dirty="0"/>
                   <a:t>=</a:t>
                 </a:r>
                 <a:r>
@@ -8703,31 +7564,31 @@
                   </m:oMath>
                 </a14:m>
                 <a:r>
-                  <a:rPr lang="en-US" altLang="zh-CN" dirty="0" smtClean="0"/>
+                  <a:rPr lang="en-US" altLang="zh-CN" dirty="0"/>
                   <a:t>)</a:t>
                 </a:r>
                 <a:r>
-                  <a:rPr lang="zh-CN" altLang="en-US" dirty="0" smtClean="0"/>
+                  <a:rPr lang="zh-CN" altLang="en-US" dirty="0"/>
                   <a:t>，用</a:t>
                 </a:r>
                 <a:r>
-                  <a:rPr lang="en-US" altLang="zh-CN" dirty="0" smtClean="0"/>
+                  <a:rPr lang="en-US" altLang="zh-CN" dirty="0"/>
                   <a:t>d</a:t>
                 </a:r>
                 <a:r>
-                  <a:rPr lang="zh-CN" altLang="en-US" dirty="0" smtClean="0"/>
+                  <a:rPr lang="zh-CN" altLang="en-US" dirty="0"/>
                   <a:t>（</a:t>
                 </a:r>
                 <a:r>
-                  <a:rPr lang="en-US" altLang="zh-CN" dirty="0" err="1" smtClean="0"/>
+                  <a:rPr lang="en-US" altLang="zh-CN" dirty="0" err="1"/>
                   <a:t>φ,i,k</a:t>
                 </a:r>
                 <a:r>
-                  <a:rPr lang="zh-CN" altLang="en-US" dirty="0" smtClean="0"/>
+                  <a:rPr lang="zh-CN" altLang="en-US" dirty="0"/>
                   <a:t>）</a:t>
                 </a:r>
                 <a:r>
-                  <a:rPr lang="en-US" altLang="zh-CN" dirty="0" smtClean="0"/>
+                  <a:rPr lang="en-US" altLang="zh-CN" dirty="0"/>
                   <a:t>=</a:t>
                 </a:r>
                 <a14:m>
@@ -8735,7 +7596,9 @@
                     <m:func>
                       <m:funcPr>
                         <m:ctrlPr>
-                          <a:rPr lang="zh-CN" altLang="zh-CN" i="1"/>
+                          <a:rPr lang="zh-CN" altLang="zh-CN" i="1">
+                            <a:latin typeface="Cambria Math" panose="02040503050406030204" pitchFamily="18" charset="0"/>
+                          </a:rPr>
                         </m:ctrlPr>
                       </m:funcPr>
                       <m:fName>
@@ -8743,7 +7606,9 @@
                           <m:rPr>
                             <m:sty m:val="p"/>
                           </m:rPr>
-                          <a:rPr lang="en-US" altLang="zh-CN"/>
+                          <a:rPr lang="en-US" altLang="zh-CN">
+                            <a:latin typeface="Cambria Math" panose="02040503050406030204" pitchFamily="18" charset="0"/>
+                          </a:rPr>
                           <m:t>exp</m:t>
                         </m:r>
                       </m:fName>
@@ -8751,18 +7616,24 @@
                         <m:d>
                           <m:dPr>
                             <m:ctrlPr>
-                              <a:rPr lang="zh-CN" altLang="zh-CN" i="1"/>
+                              <a:rPr lang="zh-CN" altLang="zh-CN" i="1">
+                                <a:latin typeface="Cambria Math" panose="02040503050406030204" pitchFamily="18" charset="0"/>
+                              </a:rPr>
                             </m:ctrlPr>
                           </m:dPr>
                           <m:e>
                             <m:r>
-                              <a:rPr lang="en-US" altLang="zh-CN" i="1"/>
+                              <a:rPr lang="en-US" altLang="zh-CN" i="1">
+                                <a:latin typeface="Cambria Math" panose="02040503050406030204" pitchFamily="18" charset="0"/>
+                              </a:rPr>
                               <m:t>−</m:t>
                             </m:r>
                             <m:sSup>
                               <m:sSupPr>
                                 <m:ctrlPr>
-                                  <a:rPr lang="zh-CN" altLang="zh-CN" i="1"/>
+                                  <a:rPr lang="zh-CN" altLang="zh-CN" i="1">
+                                    <a:latin typeface="Cambria Math" panose="02040503050406030204" pitchFamily="18" charset="0"/>
+                                  </a:rPr>
                                 </m:ctrlPr>
                               </m:sSupPr>
                               <m:e>
@@ -8771,12 +7642,16 @@
                                     <m:begChr m:val="|"/>
                                     <m:endChr m:val="|"/>
                                     <m:ctrlPr>
-                                      <a:rPr lang="zh-CN" altLang="zh-CN" i="1"/>
+                                      <a:rPr lang="zh-CN" altLang="zh-CN" i="1">
+                                        <a:latin typeface="Cambria Math" panose="02040503050406030204" pitchFamily="18" charset="0"/>
+                                      </a:rPr>
                                     </m:ctrlPr>
                                   </m:dPr>
                                   <m:e>
                                     <m:r>
-                                      <a:rPr lang="en-US" altLang="zh-CN" i="1"/>
+                                      <a:rPr lang="en-US" altLang="zh-CN" i="1">
+                                        <a:latin typeface="Cambria Math" panose="02040503050406030204" pitchFamily="18" charset="0"/>
+                                      </a:rPr>
                                       <m:t>𝑦</m:t>
                                     </m:r>
                                     <m:r>
@@ -8786,32 +7661,44 @@
                                       <m:t>𝑘</m:t>
                                     </m:r>
                                     <m:r>
-                                      <a:rPr lang="en-US" altLang="zh-CN" i="1"/>
+                                      <a:rPr lang="en-US" altLang="zh-CN" i="1">
+                                        <a:latin typeface="Cambria Math" panose="02040503050406030204" pitchFamily="18" charset="0"/>
+                                      </a:rPr>
                                       <m:t>−</m:t>
                                     </m:r>
                                     <m:r>
-                                      <a:rPr lang="en-US" altLang="zh-CN" i="1"/>
+                                      <a:rPr lang="en-US" altLang="zh-CN" i="1">
+                                        <a:latin typeface="Cambria Math" panose="02040503050406030204" pitchFamily="18" charset="0"/>
+                                      </a:rPr>
                                       <m:t>𝑥𝑖</m:t>
                                     </m:r>
                                     <m:sSup>
                                       <m:sSupPr>
                                         <m:ctrlPr>
-                                          <a:rPr lang="zh-CN" altLang="zh-CN" i="1"/>
+                                          <a:rPr lang="zh-CN" altLang="zh-CN" i="1">
+                                            <a:latin typeface="Cambria Math" panose="02040503050406030204" pitchFamily="18" charset="0"/>
+                                          </a:rPr>
                                         </m:ctrlPr>
                                       </m:sSupPr>
                                       <m:e>
                                         <m:r>
-                                          <a:rPr lang="en-US" altLang="zh-CN" i="1"/>
+                                          <a:rPr lang="en-US" altLang="zh-CN" i="1">
+                                            <a:latin typeface="Cambria Math" panose="02040503050406030204" pitchFamily="18" charset="0"/>
+                                          </a:rPr>
                                           <m:t>𝑒</m:t>
                                         </m:r>
                                       </m:e>
                                       <m:sup>
                                         <m:r>
-                                          <a:rPr lang="en-US" altLang="zh-CN" i="1"/>
+                                          <a:rPr lang="en-US" altLang="zh-CN" i="1">
+                                            <a:latin typeface="Cambria Math" panose="02040503050406030204" pitchFamily="18" charset="0"/>
+                                          </a:rPr>
                                           <m:t>𝑗</m:t>
                                         </m:r>
                                         <m:r>
-                                          <a:rPr lang="en-US" altLang="zh-CN" i="1"/>
+                                          <a:rPr lang="en-US" altLang="zh-CN" i="1">
+                                            <a:latin typeface="Cambria Math" panose="02040503050406030204" pitchFamily="18" charset="0"/>
+                                          </a:rPr>
                                           <m:t>𝜑</m:t>
                                         </m:r>
                                       </m:sup>
@@ -8821,7 +7708,9 @@
                               </m:e>
                               <m:sup>
                                 <m:r>
-                                  <a:rPr lang="en-US" altLang="zh-CN" i="1"/>
+                                  <a:rPr lang="en-US" altLang="zh-CN" i="1">
+                                    <a:latin typeface="Cambria Math" panose="02040503050406030204" pitchFamily="18" charset="0"/>
+                                  </a:rPr>
                                   <m:t>2</m:t>
                                 </m:r>
                               </m:sup>
@@ -8833,43 +7722,35 @@
                   </m:oMath>
                 </a14:m>
                 <a:r>
-                  <a:rPr lang="zh-CN" altLang="en-US" dirty="0" smtClean="0"/>
-                  <a:t>作为其概率</a:t>
-                </a:r>
-                <a:r>
                   <a:rPr lang="zh-CN" altLang="en-US" dirty="0"/>
-                  <a:t>密度</a:t>
-                </a:r>
-                <a:r>
-                  <a:rPr lang="zh-CN" altLang="en-US" dirty="0" smtClean="0"/>
-                  <a:t>的一个衡量标准。</a:t>
-                </a:r>
-                <a:endParaRPr lang="en-US" altLang="zh-CN" dirty="0" smtClean="0"/>
+                  <a:t>作为其概率密度的一个衡量标准。</a:t>
+                </a:r>
+                <a:endParaRPr lang="en-US" altLang="zh-CN" dirty="0"/>
               </a:p>
               <a:p>
                 <a:pPr lvl="1"/>
-                <a:endParaRPr lang="en-US" altLang="zh-CN" dirty="0" smtClean="0"/>
+                <a:endParaRPr lang="en-US" altLang="zh-CN" dirty="0"/>
               </a:p>
               <a:p>
                 <a:pPr lvl="1"/>
                 <a:r>
-                  <a:rPr lang="zh-CN" altLang="en-US" dirty="0" smtClean="0"/>
+                  <a:rPr lang="zh-CN" altLang="en-US" dirty="0"/>
                   <a:t>由于</a:t>
                 </a:r>
                 <a:r>
-                  <a:rPr lang="en-US" altLang="zh-CN" dirty="0" smtClean="0"/>
+                  <a:rPr lang="en-US" altLang="zh-CN" dirty="0"/>
                   <a:t>f(</a:t>
                 </a:r>
                 <a:r>
-                  <a:rPr lang="en-US" altLang="zh-CN" dirty="0" err="1" smtClean="0"/>
+                  <a:rPr lang="en-US" altLang="zh-CN" dirty="0" err="1"/>
                   <a:t>yk|φ</a:t>
                 </a:r>
                 <a:r>
-                  <a:rPr lang="en-US" altLang="zh-CN" dirty="0" smtClean="0"/>
+                  <a:rPr lang="en-US" altLang="zh-CN" dirty="0"/>
                   <a:t>)=</a:t>
                 </a:r>
                 <a:r>
-                  <a:rPr lang="zh-CN" altLang="zh-CN" dirty="0" smtClean="0"/>
+                  <a:rPr lang="zh-CN" altLang="zh-CN" dirty="0"/>
                   <a:t> </a:t>
                 </a:r>
                 <a14:m>
@@ -8880,25 +7761,33 @@
                         <m:limLoc m:val="undOvr"/>
                         <m:supHide m:val="on"/>
                         <m:ctrlPr>
-                          <a:rPr lang="zh-CN" altLang="zh-CN" i="1"/>
+                          <a:rPr lang="zh-CN" altLang="zh-CN" i="1">
+                            <a:latin typeface="Cambria Math" panose="02040503050406030204" pitchFamily="18" charset="0"/>
+                          </a:rPr>
                         </m:ctrlPr>
                       </m:naryPr>
                       <m:sub>
                         <m:r>
-                          <a:rPr lang="en-US" altLang="zh-CN" i="1"/>
+                          <a:rPr lang="en-US" altLang="zh-CN" i="1">
+                            <a:latin typeface="Cambria Math" panose="02040503050406030204" pitchFamily="18" charset="0"/>
+                          </a:rPr>
                           <m:t>𝑖</m:t>
                         </m:r>
                       </m:sub>
                       <m:sup/>
                       <m:e>
                         <m:r>
-                          <a:rPr lang="en-US" altLang="zh-CN" i="1"/>
+                          <a:rPr lang="en-US" altLang="zh-CN" i="1">
+                            <a:latin typeface="Cambria Math" panose="02040503050406030204" pitchFamily="18" charset="0"/>
+                          </a:rPr>
                           <m:t>𝑓</m:t>
                         </m:r>
                         <m:d>
                           <m:dPr>
                             <m:ctrlPr>
-                              <a:rPr lang="zh-CN" altLang="zh-CN" i="1"/>
+                              <a:rPr lang="zh-CN" altLang="zh-CN" i="1">
+                                <a:latin typeface="Cambria Math" panose="02040503050406030204" pitchFamily="18" charset="0"/>
+                              </a:rPr>
                             </m:ctrlPr>
                           </m:dPr>
                           <m:e>
@@ -8917,29 +7806,41 @@
                               <m:t>𝜑</m:t>
                             </m:r>
                             <m:r>
-                              <a:rPr lang="en-US" altLang="zh-CN" i="1"/>
+                              <a:rPr lang="en-US" altLang="zh-CN" i="1">
+                                <a:latin typeface="Cambria Math" panose="02040503050406030204" pitchFamily="18" charset="0"/>
+                              </a:rPr>
                               <m:t>,</m:t>
                             </m:r>
                             <m:r>
-                              <a:rPr lang="en-US" altLang="zh-CN" i="1"/>
+                              <a:rPr lang="en-US" altLang="zh-CN" i="1">
+                                <a:latin typeface="Cambria Math" panose="02040503050406030204" pitchFamily="18" charset="0"/>
+                              </a:rPr>
                               <m:t>𝑥𝑖</m:t>
                             </m:r>
                           </m:e>
                         </m:d>
                         <m:r>
-                          <a:rPr lang="en-US" altLang="zh-CN" i="1"/>
+                          <a:rPr lang="en-US" altLang="zh-CN" i="1">
+                            <a:latin typeface="Cambria Math" panose="02040503050406030204" pitchFamily="18" charset="0"/>
+                          </a:rPr>
                           <m:t>𝑃</m:t>
                         </m:r>
                         <m:r>
-                          <a:rPr lang="en-US" altLang="zh-CN" i="1"/>
+                          <a:rPr lang="en-US" altLang="zh-CN" i="1">
+                            <a:latin typeface="Cambria Math" panose="02040503050406030204" pitchFamily="18" charset="0"/>
+                          </a:rPr>
                           <m:t>(</m:t>
                         </m:r>
                         <m:r>
-                          <a:rPr lang="en-US" altLang="zh-CN" i="1"/>
+                          <a:rPr lang="en-US" altLang="zh-CN" i="1">
+                            <a:latin typeface="Cambria Math" panose="02040503050406030204" pitchFamily="18" charset="0"/>
+                          </a:rPr>
                           <m:t>𝑥𝑖</m:t>
                         </m:r>
                         <m:r>
-                          <a:rPr lang="en-US" altLang="zh-CN" i="1"/>
+                          <a:rPr lang="en-US" altLang="zh-CN" i="1">
+                            <a:latin typeface="Cambria Math" panose="02040503050406030204" pitchFamily="18" charset="0"/>
+                          </a:rPr>
                           <m:t>)</m:t>
                         </m:r>
                       </m:e>
@@ -8953,23 +7854,19 @@
                   </m:oMath>
                 </a14:m>
                 <a:r>
-                  <a:rPr lang="zh-CN" altLang="en-US" dirty="0" smtClean="0"/>
+                  <a:rPr lang="zh-CN" altLang="en-US" dirty="0"/>
                   <a:t>因此</a:t>
                 </a:r>
                 <a:r>
-                  <a:rPr lang="en-US" altLang="zh-CN" dirty="0" smtClean="0"/>
-                  <a:t>d</a:t>
-                </a:r>
-                <a:r>
-                  <a:rPr lang="en-US" altLang="zh-CN" dirty="0" smtClean="0"/>
-                  <a:t>’(</a:t>
-                </a:r>
-                <a:r>
-                  <a:rPr lang="en-US" altLang="zh-CN" dirty="0" err="1" smtClean="0"/>
+                  <a:rPr lang="en-US" altLang="zh-CN" dirty="0"/>
+                  <a:t>d’(</a:t>
+                </a:r>
+                <a:r>
+                  <a:rPr lang="en-US" altLang="zh-CN" dirty="0" err="1"/>
                   <a:t>φ,k</a:t>
                 </a:r>
                 <a:r>
-                  <a:rPr lang="en-US" altLang="zh-CN" dirty="0" smtClean="0"/>
+                  <a:rPr lang="en-US" altLang="zh-CN" dirty="0"/>
                   <a:t>)=</a:t>
                 </a:r>
                 <a14:m>
@@ -8980,12 +7877,16 @@
                         <m:limLoc m:val="undOvr"/>
                         <m:supHide m:val="on"/>
                         <m:ctrlPr>
-                          <a:rPr lang="zh-CN" altLang="zh-CN" i="1"/>
+                          <a:rPr lang="zh-CN" altLang="zh-CN" i="1">
+                            <a:latin typeface="Cambria Math" panose="02040503050406030204" pitchFamily="18" charset="0"/>
+                          </a:rPr>
                         </m:ctrlPr>
                       </m:naryPr>
                       <m:sub>
                         <m:r>
-                          <a:rPr lang="en-US" altLang="zh-CN" i="1"/>
+                          <a:rPr lang="en-US" altLang="zh-CN" i="1">
+                            <a:latin typeface="Cambria Math" panose="02040503050406030204" pitchFamily="18" charset="0"/>
+                          </a:rPr>
                           <m:t>𝑖</m:t>
                         </m:r>
                       </m:sub>
@@ -8994,12 +7895,16 @@
                         <m:func>
                           <m:funcPr>
                             <m:ctrlPr>
-                              <a:rPr lang="zh-CN" altLang="zh-CN" i="1"/>
+                              <a:rPr lang="zh-CN" altLang="zh-CN" i="1">
+                                <a:latin typeface="Cambria Math" panose="02040503050406030204" pitchFamily="18" charset="0"/>
+                              </a:rPr>
                             </m:ctrlPr>
                           </m:funcPr>
                           <m:fName>
                             <m:r>
-                              <a:rPr lang="en-US" altLang="zh-CN" i="1"/>
+                              <a:rPr lang="en-US" altLang="zh-CN" i="1">
+                                <a:latin typeface="Cambria Math" panose="02040503050406030204" pitchFamily="18" charset="0"/>
+                              </a:rPr>
                               <m:t>𝑒𝑥𝑝</m:t>
                             </m:r>
                           </m:fName>
@@ -9007,18 +7912,24 @@
                             <m:d>
                               <m:dPr>
                                 <m:ctrlPr>
-                                  <a:rPr lang="zh-CN" altLang="zh-CN" i="1"/>
+                                  <a:rPr lang="zh-CN" altLang="zh-CN" i="1">
+                                    <a:latin typeface="Cambria Math" panose="02040503050406030204" pitchFamily="18" charset="0"/>
+                                  </a:rPr>
                                 </m:ctrlPr>
                               </m:dPr>
                               <m:e>
                                 <m:r>
-                                  <a:rPr lang="en-US" altLang="zh-CN" i="1"/>
+                                  <a:rPr lang="en-US" altLang="zh-CN" i="1">
+                                    <a:latin typeface="Cambria Math" panose="02040503050406030204" pitchFamily="18" charset="0"/>
+                                  </a:rPr>
                                   <m:t>−</m:t>
                                 </m:r>
                                 <m:sSup>
                                   <m:sSupPr>
                                     <m:ctrlPr>
-                                      <a:rPr lang="zh-CN" altLang="zh-CN" i="1"/>
+                                      <a:rPr lang="zh-CN" altLang="zh-CN" i="1">
+                                        <a:latin typeface="Cambria Math" panose="02040503050406030204" pitchFamily="18" charset="0"/>
+                                      </a:rPr>
                                     </m:ctrlPr>
                                   </m:sSupPr>
                                   <m:e>
@@ -9027,41 +7938,57 @@
                                         <m:begChr m:val="|"/>
                                         <m:endChr m:val="|"/>
                                         <m:ctrlPr>
-                                          <a:rPr lang="zh-CN" altLang="zh-CN" i="1"/>
+                                          <a:rPr lang="zh-CN" altLang="zh-CN" i="1">
+                                            <a:latin typeface="Cambria Math" panose="02040503050406030204" pitchFamily="18" charset="0"/>
+                                          </a:rPr>
                                         </m:ctrlPr>
                                       </m:dPr>
                                       <m:e>
                                         <m:r>
-                                          <a:rPr lang="en-US" altLang="zh-CN" i="1"/>
+                                          <a:rPr lang="en-US" altLang="zh-CN" i="1">
+                                            <a:latin typeface="Cambria Math" panose="02040503050406030204" pitchFamily="18" charset="0"/>
+                                          </a:rPr>
                                           <m:t>𝑦𝑘</m:t>
                                         </m:r>
                                         <m:r>
-                                          <a:rPr lang="en-US" altLang="zh-CN" i="1"/>
+                                          <a:rPr lang="en-US" altLang="zh-CN" i="1">
+                                            <a:latin typeface="Cambria Math" panose="02040503050406030204" pitchFamily="18" charset="0"/>
+                                          </a:rPr>
                                           <m:t>−</m:t>
                                         </m:r>
                                         <m:r>
-                                          <a:rPr lang="en-US" altLang="zh-CN" i="1"/>
+                                          <a:rPr lang="en-US" altLang="zh-CN" i="1">
+                                            <a:latin typeface="Cambria Math" panose="02040503050406030204" pitchFamily="18" charset="0"/>
+                                          </a:rPr>
                                           <m:t>𝑥𝑖</m:t>
                                         </m:r>
                                         <m:sSup>
                                           <m:sSupPr>
                                             <m:ctrlPr>
-                                              <a:rPr lang="zh-CN" altLang="zh-CN" i="1"/>
+                                              <a:rPr lang="zh-CN" altLang="zh-CN" i="1">
+                                                <a:latin typeface="Cambria Math" panose="02040503050406030204" pitchFamily="18" charset="0"/>
+                                              </a:rPr>
                                             </m:ctrlPr>
                                           </m:sSupPr>
                                           <m:e>
                                             <m:r>
-                                              <a:rPr lang="en-US" altLang="zh-CN" i="1"/>
+                                              <a:rPr lang="en-US" altLang="zh-CN" i="1">
+                                                <a:latin typeface="Cambria Math" panose="02040503050406030204" pitchFamily="18" charset="0"/>
+                                              </a:rPr>
                                               <m:t>𝑒</m:t>
                                             </m:r>
                                           </m:e>
                                           <m:sup>
                                             <m:r>
-                                              <a:rPr lang="en-US" altLang="zh-CN" i="1"/>
+                                              <a:rPr lang="en-US" altLang="zh-CN" i="1">
+                                                <a:latin typeface="Cambria Math" panose="02040503050406030204" pitchFamily="18" charset="0"/>
+                                              </a:rPr>
                                               <m:t>𝑗</m:t>
                                             </m:r>
                                             <m:r>
-                                              <a:rPr lang="en-US" altLang="zh-CN" i="1"/>
+                                              <a:rPr lang="en-US" altLang="zh-CN" i="1">
+                                                <a:latin typeface="Cambria Math" panose="02040503050406030204" pitchFamily="18" charset="0"/>
+                                              </a:rPr>
                                               <m:t>𝜑</m:t>
                                             </m:r>
                                           </m:sup>
@@ -9071,7 +7998,9 @@
                                   </m:e>
                                   <m:sup>
                                     <m:r>
-                                      <a:rPr lang="en-US" altLang="zh-CN" i="1"/>
+                                      <a:rPr lang="en-US" altLang="zh-CN" i="1">
+                                        <a:latin typeface="Cambria Math" panose="02040503050406030204" pitchFamily="18" charset="0"/>
+                                      </a:rPr>
                                       <m:t>2</m:t>
                                     </m:r>
                                   </m:sup>
@@ -9091,7 +8020,7 @@
                   </m:oMath>
                 </a14:m>
                 <a:r>
-                  <a:rPr lang="zh-CN" altLang="en-US" dirty="0" smtClean="0"/>
+                  <a:rPr lang="zh-CN" altLang="en-US" dirty="0"/>
                   <a:t>衡量</a:t>
                 </a:r>
                 <a:r>
@@ -9099,26 +8028,26 @@
                   <a:t>f(yk|φ)</a:t>
                 </a:r>
                 <a:r>
-                  <a:rPr lang="zh-CN" altLang="en-US" dirty="0" smtClean="0"/>
+                  <a:rPr lang="zh-CN" altLang="en-US" dirty="0"/>
                   <a:t>，即在接受符号</a:t>
                 </a:r>
                 <a:r>
-                  <a:rPr lang="en-US" altLang="zh-CN" dirty="0" err="1" smtClean="0"/>
+                  <a:rPr lang="en-US" altLang="zh-CN" dirty="0" err="1"/>
                   <a:t>yk</a:t>
                 </a:r>
                 <a:r>
-                  <a:rPr lang="zh-CN" altLang="en-US" dirty="0" smtClean="0"/>
+                  <a:rPr lang="zh-CN" altLang="en-US" dirty="0"/>
                   <a:t>已知的情况下</a:t>
                 </a:r>
                 <a:r>
-                  <a:rPr lang="en-US" altLang="zh-CN" dirty="0" err="1" smtClean="0"/>
+                  <a:rPr lang="en-US" altLang="zh-CN" dirty="0" err="1"/>
                   <a:t>fai</a:t>
                 </a:r>
                 <a:r>
-                  <a:rPr lang="zh-CN" altLang="en-US" dirty="0" smtClean="0"/>
+                  <a:rPr lang="zh-CN" altLang="en-US" dirty="0"/>
                   <a:t>的后验概率分布。</a:t>
                 </a:r>
-                <a:endParaRPr lang="en-US" altLang="zh-CN" dirty="0" smtClean="0"/>
+                <a:endParaRPr lang="en-US" altLang="zh-CN" dirty="0"/>
               </a:p>
               <a:p>
                 <a:pPr lvl="1"/>
@@ -9127,39 +8056,27 @@
               <a:p>
                 <a:pPr lvl="1"/>
                 <a:r>
-                  <a:rPr lang="zh-CN" altLang="en-US" dirty="0" smtClean="0"/>
+                  <a:rPr lang="zh-CN" altLang="en-US" dirty="0"/>
                   <a:t>因为</a:t>
                 </a:r>
                 <a:r>
-                  <a:rPr lang="en-US" altLang="zh-CN" dirty="0" err="1" smtClean="0"/>
+                  <a:rPr lang="en-US" altLang="zh-CN" dirty="0" err="1"/>
                   <a:t>yk</a:t>
                 </a:r>
                 <a:r>
-                  <a:rPr lang="zh-CN" altLang="en-US" dirty="0" smtClean="0"/>
-                  <a:t>之间是独立的，</a:t>
-                </a:r>
-                <a:r>
-                  <a:rPr lang="zh-CN" altLang="en-US" dirty="0" smtClean="0"/>
-                  <a:t>设共接收了</a:t>
-                </a:r>
-                <a:r>
-                  <a:rPr lang="zh-CN" altLang="en-US" dirty="0" smtClean="0"/>
-                  <a:t>因此有</a:t>
-                </a:r>
-                <a:r>
-                  <a:rPr lang="en-US" altLang="zh-CN" dirty="0" smtClean="0"/>
-                  <a:t>f(</a:t>
+                  <a:rPr lang="zh-CN" altLang="en-US" dirty="0"/>
+                  <a:t>之间是独立的，设共接收了因此有</a:t>
                 </a:r>
                 <a:r>
                   <a:rPr lang="en-US" altLang="zh-CN" dirty="0"/>
-                  <a:t>y1,y2,…,</a:t>
-                </a:r>
-                <a:r>
-                  <a:rPr lang="en-US" altLang="zh-CN" dirty="0" err="1" smtClean="0"/>
+                  <a:t>f(y1,y2,…,</a:t>
+                </a:r>
+                <a:r>
+                  <a:rPr lang="en-US" altLang="zh-CN" dirty="0" err="1"/>
                   <a:t>ym|φ</a:t>
                 </a:r>
                 <a:r>
-                  <a:rPr lang="en-US" altLang="zh-CN" dirty="0" smtClean="0"/>
+                  <a:rPr lang="en-US" altLang="zh-CN" dirty="0"/>
                   <a:t>)=</a:t>
                 </a:r>
                 <a14:m>
@@ -9169,48 +8086,68 @@
                         <m:chr m:val="∏"/>
                         <m:limLoc m:val="undOvr"/>
                         <m:ctrlPr>
-                          <a:rPr lang="zh-CN" altLang="zh-CN" i="1"/>
+                          <a:rPr lang="zh-CN" altLang="zh-CN" i="1">
+                            <a:latin typeface="Cambria Math" panose="02040503050406030204" pitchFamily="18" charset="0"/>
+                          </a:rPr>
                         </m:ctrlPr>
                       </m:naryPr>
                       <m:sub>
                         <m:r>
-                          <a:rPr lang="en-US" altLang="zh-CN" i="1"/>
+                          <a:rPr lang="en-US" altLang="zh-CN" i="1">
+                            <a:latin typeface="Cambria Math" panose="02040503050406030204" pitchFamily="18" charset="0"/>
+                          </a:rPr>
                           <m:t>𝑘</m:t>
                         </m:r>
                         <m:r>
-                          <a:rPr lang="en-US" altLang="zh-CN" i="1"/>
+                          <a:rPr lang="en-US" altLang="zh-CN" i="1">
+                            <a:latin typeface="Cambria Math" panose="02040503050406030204" pitchFamily="18" charset="0"/>
+                          </a:rPr>
                           <m:t>=1</m:t>
                         </m:r>
                       </m:sub>
                       <m:sup>
                         <m:r>
-                          <a:rPr lang="en-US" altLang="zh-CN" i="1"/>
+                          <a:rPr lang="en-US" altLang="zh-CN" i="1">
+                            <a:latin typeface="Cambria Math" panose="02040503050406030204" pitchFamily="18" charset="0"/>
+                          </a:rPr>
                           <m:t>𝑚</m:t>
                         </m:r>
                       </m:sup>
                       <m:e>
                         <m:r>
-                          <a:rPr lang="en-US" altLang="zh-CN" i="1"/>
+                          <a:rPr lang="en-US" altLang="zh-CN" i="1">
+                            <a:latin typeface="Cambria Math" panose="02040503050406030204" pitchFamily="18" charset="0"/>
+                          </a:rPr>
                           <m:t>𝑓</m:t>
                         </m:r>
                         <m:r>
-                          <a:rPr lang="en-US" altLang="zh-CN" i="1"/>
+                          <a:rPr lang="en-US" altLang="zh-CN" i="1">
+                            <a:latin typeface="Cambria Math" panose="02040503050406030204" pitchFamily="18" charset="0"/>
+                          </a:rPr>
                           <m:t>(</m:t>
                         </m:r>
                         <m:r>
-                          <a:rPr lang="en-US" altLang="zh-CN" i="1"/>
+                          <a:rPr lang="en-US" altLang="zh-CN" i="1">
+                            <a:latin typeface="Cambria Math" panose="02040503050406030204" pitchFamily="18" charset="0"/>
+                          </a:rPr>
                           <m:t>𝑦𝑘</m:t>
                         </m:r>
                         <m:r>
-                          <a:rPr lang="en-US" altLang="zh-CN" i="1"/>
+                          <a:rPr lang="en-US" altLang="zh-CN" i="1">
+                            <a:latin typeface="Cambria Math" panose="02040503050406030204" pitchFamily="18" charset="0"/>
+                          </a:rPr>
                           <m:t>|</m:t>
                         </m:r>
                         <m:r>
-                          <a:rPr lang="en-US" altLang="zh-CN" i="1"/>
+                          <a:rPr lang="en-US" altLang="zh-CN" i="1">
+                            <a:latin typeface="Cambria Math" panose="02040503050406030204" pitchFamily="18" charset="0"/>
+                          </a:rPr>
                           <m:t>𝜑</m:t>
                         </m:r>
                         <m:r>
-                          <a:rPr lang="en-US" altLang="zh-CN" i="1"/>
+                          <a:rPr lang="en-US" altLang="zh-CN" i="1">
+                            <a:latin typeface="Cambria Math" panose="02040503050406030204" pitchFamily="18" charset="0"/>
+                          </a:rPr>
                           <m:t>)</m:t>
                         </m:r>
                       </m:e>
@@ -9218,17 +8155,17 @@
                   </m:oMath>
                 </a14:m>
                 <a:r>
-                  <a:rPr lang="zh-CN" altLang="en-US" dirty="0" smtClean="0"/>
+                  <a:rPr lang="zh-CN" altLang="en-US" dirty="0"/>
                   <a:t>，因此可以用</a:t>
                 </a:r>
-                <a:endParaRPr lang="en-US" altLang="zh-CN" dirty="0" smtClean="0"/>
+                <a:endParaRPr lang="en-US" altLang="zh-CN" dirty="0"/>
               </a:p>
               <a:p>
                 <a:pPr marL="457200" lvl="1" indent="0">
                   <a:buNone/>
                 </a:pPr>
                 <a:r>
-                  <a:rPr lang="en-US" altLang="zh-CN" dirty="0" smtClean="0"/>
+                  <a:rPr lang="en-US" altLang="zh-CN" dirty="0"/>
                   <a:t>     P(φ)=</a:t>
                 </a:r>
                 <a:r>
@@ -9242,48 +8179,68 @@
                         <m:chr m:val="∏"/>
                         <m:limLoc m:val="undOvr"/>
                         <m:ctrlPr>
-                          <a:rPr lang="zh-CN" altLang="zh-CN" i="1"/>
+                          <a:rPr lang="zh-CN" altLang="zh-CN" i="1">
+                            <a:latin typeface="Cambria Math" panose="02040503050406030204" pitchFamily="18" charset="0"/>
+                          </a:rPr>
                         </m:ctrlPr>
                       </m:naryPr>
                       <m:sub>
                         <m:r>
-                          <a:rPr lang="en-US" altLang="zh-CN" i="1"/>
+                          <a:rPr lang="en-US" altLang="zh-CN" i="1">
+                            <a:latin typeface="Cambria Math" panose="02040503050406030204" pitchFamily="18" charset="0"/>
+                          </a:rPr>
                           <m:t>𝑘</m:t>
                         </m:r>
                         <m:r>
-                          <a:rPr lang="en-US" altLang="zh-CN" i="1"/>
+                          <a:rPr lang="en-US" altLang="zh-CN" i="1">
+                            <a:latin typeface="Cambria Math" panose="02040503050406030204" pitchFamily="18" charset="0"/>
+                          </a:rPr>
                           <m:t>=1</m:t>
                         </m:r>
                       </m:sub>
                       <m:sup>
                         <m:r>
-                          <a:rPr lang="en-US" altLang="zh-CN" i="1"/>
+                          <a:rPr lang="en-US" altLang="zh-CN" i="1">
+                            <a:latin typeface="Cambria Math" panose="02040503050406030204" pitchFamily="18" charset="0"/>
+                          </a:rPr>
                           <m:t>𝑚</m:t>
                         </m:r>
                       </m:sup>
                       <m:e>
                         <m:r>
-                          <a:rPr lang="en-US" altLang="zh-CN" i="1"/>
+                          <a:rPr lang="en-US" altLang="zh-CN" i="1">
+                            <a:latin typeface="Cambria Math" panose="02040503050406030204" pitchFamily="18" charset="0"/>
+                          </a:rPr>
                           <m:t>𝑑</m:t>
                         </m:r>
                         <m:r>
-                          <a:rPr lang="en-US" altLang="zh-CN" i="1"/>
+                          <a:rPr lang="en-US" altLang="zh-CN" i="1">
+                            <a:latin typeface="Cambria Math" panose="02040503050406030204" pitchFamily="18" charset="0"/>
+                          </a:rPr>
                           <m:t>’(</m:t>
                         </m:r>
                         <m:r>
-                          <a:rPr lang="en-US" altLang="zh-CN" i="1"/>
+                          <a:rPr lang="en-US" altLang="zh-CN" i="1">
+                            <a:latin typeface="Cambria Math" panose="02040503050406030204" pitchFamily="18" charset="0"/>
+                          </a:rPr>
                           <m:t>𝜑</m:t>
                         </m:r>
                         <m:r>
-                          <a:rPr lang="en-US" altLang="zh-CN" i="1"/>
+                          <a:rPr lang="en-US" altLang="zh-CN" i="1">
+                            <a:latin typeface="Cambria Math" panose="02040503050406030204" pitchFamily="18" charset="0"/>
+                          </a:rPr>
                           <m:t>,</m:t>
                         </m:r>
                         <m:r>
-                          <a:rPr lang="en-US" altLang="zh-CN" i="1"/>
+                          <a:rPr lang="en-US" altLang="zh-CN" i="1">
+                            <a:latin typeface="Cambria Math" panose="02040503050406030204" pitchFamily="18" charset="0"/>
+                          </a:rPr>
                           <m:t>𝑘</m:t>
                         </m:r>
                         <m:r>
-                          <a:rPr lang="en-US" altLang="zh-CN" i="1"/>
+                          <a:rPr lang="en-US" altLang="zh-CN" i="1">
+                            <a:latin typeface="Cambria Math" panose="02040503050406030204" pitchFamily="18" charset="0"/>
+                          </a:rPr>
                           <m:t>)</m:t>
                         </m:r>
                       </m:e>
@@ -9299,22 +8256,30 @@
                         <m:chr m:val="∏"/>
                         <m:limLoc m:val="undOvr"/>
                         <m:ctrlPr>
-                          <a:rPr lang="zh-CN" altLang="zh-CN" i="1"/>
+                          <a:rPr lang="zh-CN" altLang="zh-CN" i="1">
+                            <a:latin typeface="Cambria Math" panose="02040503050406030204" pitchFamily="18" charset="0"/>
+                          </a:rPr>
                         </m:ctrlPr>
                       </m:naryPr>
                       <m:sub>
                         <m:r>
-                          <a:rPr lang="en-US" altLang="zh-CN" i="1"/>
+                          <a:rPr lang="en-US" altLang="zh-CN" i="1">
+                            <a:latin typeface="Cambria Math" panose="02040503050406030204" pitchFamily="18" charset="0"/>
+                          </a:rPr>
                           <m:t>𝑘</m:t>
                         </m:r>
                         <m:r>
-                          <a:rPr lang="en-US" altLang="zh-CN" i="1"/>
+                          <a:rPr lang="en-US" altLang="zh-CN" i="1">
+                            <a:latin typeface="Cambria Math" panose="02040503050406030204" pitchFamily="18" charset="0"/>
+                          </a:rPr>
                           <m:t>=1</m:t>
                         </m:r>
                       </m:sub>
                       <m:sup>
                         <m:r>
-                          <a:rPr lang="en-US" altLang="zh-CN" i="1"/>
+                          <a:rPr lang="en-US" altLang="zh-CN" i="1">
+                            <a:latin typeface="Cambria Math" panose="02040503050406030204" pitchFamily="18" charset="0"/>
+                          </a:rPr>
                           <m:t>𝑚</m:t>
                         </m:r>
                       </m:sup>
@@ -9325,12 +8290,16 @@
                             <m:limLoc m:val="undOvr"/>
                             <m:supHide m:val="on"/>
                             <m:ctrlPr>
-                              <a:rPr lang="zh-CN" altLang="zh-CN" i="1"/>
+                              <a:rPr lang="zh-CN" altLang="zh-CN" i="1">
+                                <a:latin typeface="Cambria Math" panose="02040503050406030204" pitchFamily="18" charset="0"/>
+                              </a:rPr>
                             </m:ctrlPr>
                           </m:naryPr>
                           <m:sub>
                             <m:r>
-                              <a:rPr lang="en-US" altLang="zh-CN" i="1"/>
+                              <a:rPr lang="en-US" altLang="zh-CN" i="1">
+                                <a:latin typeface="Cambria Math" panose="02040503050406030204" pitchFamily="18" charset="0"/>
+                              </a:rPr>
                               <m:t>𝑖</m:t>
                             </m:r>
                           </m:sub>
@@ -9339,12 +8308,16 @@
                             <m:func>
                               <m:funcPr>
                                 <m:ctrlPr>
-                                  <a:rPr lang="zh-CN" altLang="zh-CN" i="1"/>
+                                  <a:rPr lang="zh-CN" altLang="zh-CN" i="1">
+                                    <a:latin typeface="Cambria Math" panose="02040503050406030204" pitchFamily="18" charset="0"/>
+                                  </a:rPr>
                                 </m:ctrlPr>
                               </m:funcPr>
                               <m:fName>
                                 <m:r>
-                                  <a:rPr lang="en-US" altLang="zh-CN" i="1"/>
+                                  <a:rPr lang="en-US" altLang="zh-CN" i="1">
+                                    <a:latin typeface="Cambria Math" panose="02040503050406030204" pitchFamily="18" charset="0"/>
+                                  </a:rPr>
                                   <m:t>𝑒𝑥𝑝</m:t>
                                 </m:r>
                               </m:fName>
@@ -9352,18 +8325,24 @@
                                 <m:d>
                                   <m:dPr>
                                     <m:ctrlPr>
-                                      <a:rPr lang="zh-CN" altLang="zh-CN" i="1"/>
+                                      <a:rPr lang="zh-CN" altLang="zh-CN" i="1">
+                                        <a:latin typeface="Cambria Math" panose="02040503050406030204" pitchFamily="18" charset="0"/>
+                                      </a:rPr>
                                     </m:ctrlPr>
                                   </m:dPr>
                                   <m:e>
                                     <m:r>
-                                      <a:rPr lang="en-US" altLang="zh-CN" i="1"/>
+                                      <a:rPr lang="en-US" altLang="zh-CN" i="1">
+                                        <a:latin typeface="Cambria Math" panose="02040503050406030204" pitchFamily="18" charset="0"/>
+                                      </a:rPr>
                                       <m:t>−</m:t>
                                     </m:r>
                                     <m:sSup>
                                       <m:sSupPr>
                                         <m:ctrlPr>
-                                          <a:rPr lang="zh-CN" altLang="zh-CN" i="1"/>
+                                          <a:rPr lang="zh-CN" altLang="zh-CN" i="1">
+                                            <a:latin typeface="Cambria Math" panose="02040503050406030204" pitchFamily="18" charset="0"/>
+                                          </a:rPr>
                                         </m:ctrlPr>
                                       </m:sSupPr>
                                       <m:e>
@@ -9372,41 +8351,57 @@
                                             <m:begChr m:val="|"/>
                                             <m:endChr m:val="|"/>
                                             <m:ctrlPr>
-                                              <a:rPr lang="zh-CN" altLang="zh-CN" i="1"/>
+                                              <a:rPr lang="zh-CN" altLang="zh-CN" i="1">
+                                                <a:latin typeface="Cambria Math" panose="02040503050406030204" pitchFamily="18" charset="0"/>
+                                              </a:rPr>
                                             </m:ctrlPr>
                                           </m:dPr>
                                           <m:e>
                                             <m:r>
-                                              <a:rPr lang="en-US" altLang="zh-CN" i="1"/>
+                                              <a:rPr lang="en-US" altLang="zh-CN" i="1">
+                                                <a:latin typeface="Cambria Math" panose="02040503050406030204" pitchFamily="18" charset="0"/>
+                                              </a:rPr>
                                               <m:t>𝑦𝑘</m:t>
                                             </m:r>
                                             <m:r>
-                                              <a:rPr lang="en-US" altLang="zh-CN" i="1"/>
+                                              <a:rPr lang="en-US" altLang="zh-CN" i="1">
+                                                <a:latin typeface="Cambria Math" panose="02040503050406030204" pitchFamily="18" charset="0"/>
+                                              </a:rPr>
                                               <m:t>−</m:t>
                                             </m:r>
                                             <m:r>
-                                              <a:rPr lang="en-US" altLang="zh-CN" i="1"/>
+                                              <a:rPr lang="en-US" altLang="zh-CN" i="1">
+                                                <a:latin typeface="Cambria Math" panose="02040503050406030204" pitchFamily="18" charset="0"/>
+                                              </a:rPr>
                                               <m:t>𝑥𝑖</m:t>
                                             </m:r>
                                             <m:sSup>
                                               <m:sSupPr>
                                                 <m:ctrlPr>
-                                                  <a:rPr lang="zh-CN" altLang="zh-CN" i="1"/>
+                                                  <a:rPr lang="zh-CN" altLang="zh-CN" i="1">
+                                                    <a:latin typeface="Cambria Math" panose="02040503050406030204" pitchFamily="18" charset="0"/>
+                                                  </a:rPr>
                                                 </m:ctrlPr>
                                               </m:sSupPr>
                                               <m:e>
                                                 <m:r>
-                                                  <a:rPr lang="en-US" altLang="zh-CN" i="1"/>
+                                                  <a:rPr lang="en-US" altLang="zh-CN" i="1">
+                                                    <a:latin typeface="Cambria Math" panose="02040503050406030204" pitchFamily="18" charset="0"/>
+                                                  </a:rPr>
                                                   <m:t>𝑒</m:t>
                                                 </m:r>
                                               </m:e>
                                               <m:sup>
                                                 <m:r>
-                                                  <a:rPr lang="en-US" altLang="zh-CN" i="1"/>
+                                                  <a:rPr lang="en-US" altLang="zh-CN" i="1">
+                                                    <a:latin typeface="Cambria Math" panose="02040503050406030204" pitchFamily="18" charset="0"/>
+                                                  </a:rPr>
                                                   <m:t>𝑗</m:t>
                                                 </m:r>
                                                 <m:r>
-                                                  <a:rPr lang="en-US" altLang="zh-CN" i="1"/>
+                                                  <a:rPr lang="en-US" altLang="zh-CN" i="1">
+                                                    <a:latin typeface="Cambria Math" panose="02040503050406030204" pitchFamily="18" charset="0"/>
+                                                  </a:rPr>
                                                   <m:t>𝜑</m:t>
                                                 </m:r>
                                               </m:sup>
@@ -9416,7 +8411,9 @@
                                       </m:e>
                                       <m:sup>
                                         <m:r>
-                                          <a:rPr lang="en-US" altLang="zh-CN" i="1"/>
+                                          <a:rPr lang="en-US" altLang="zh-CN" i="1">
+                                            <a:latin typeface="Cambria Math" panose="02040503050406030204" pitchFamily="18" charset="0"/>
+                                          </a:rPr>
                                           <m:t>2</m:t>
                                         </m:r>
                                       </m:sup>
@@ -9428,7 +8425,9 @@
                           </m:e>
                         </m:nary>
                         <m:r>
-                          <a:rPr lang="en-US" altLang="zh-CN" i="1"/>
+                          <a:rPr lang="en-US" altLang="zh-CN" i="1">
+                            <a:latin typeface="Cambria Math" panose="02040503050406030204" pitchFamily="18" charset="0"/>
+                          </a:rPr>
                           <m:t>)</m:t>
                         </m:r>
                       </m:e>
@@ -9442,60 +8441,48 @@
                   </m:oMath>
                 </a14:m>
                 <a:r>
-                  <a:rPr lang="zh-CN" altLang="en-US" dirty="0" smtClean="0"/>
+                  <a:rPr lang="zh-CN" altLang="en-US" dirty="0"/>
                   <a:t>衡量，因此寻找最概然的</a:t>
                 </a:r>
                 <a:r>
-                  <a:rPr lang="en-US" altLang="zh-CN" dirty="0" smtClean="0"/>
+                  <a:rPr lang="en-US" altLang="zh-CN" dirty="0"/>
                   <a:t>φ</a:t>
                 </a:r>
                 <a:r>
-                  <a:rPr lang="zh-CN" altLang="en-US" dirty="0" smtClean="0"/>
+                  <a:rPr lang="zh-CN" altLang="en-US" dirty="0"/>
                   <a:t>，即</a:t>
                 </a:r>
                 <a:r>
-                  <a:rPr lang="en-US" altLang="zh-CN" dirty="0" smtClean="0"/>
-                  <a:t>f(y1,y2</a:t>
-                </a:r>
-                <a:r>
                   <a:rPr lang="en-US" altLang="zh-CN" dirty="0"/>
-                  <a:t>,…,</a:t>
+                  <a:t>f(y1,y2,…,</a:t>
                 </a:r>
                 <a:r>
                   <a:rPr lang="en-US" altLang="zh-CN" dirty="0" err="1"/>
                   <a:t>ym|φ</a:t>
                 </a:r>
                 <a:r>
-                  <a:rPr lang="en-US" altLang="zh-CN" dirty="0" smtClean="0"/>
+                  <a:rPr lang="en-US" altLang="zh-CN" dirty="0"/>
                   <a:t>)  </a:t>
                 </a:r>
                 <a:r>
-                  <a:rPr lang="zh-CN" altLang="en-US" dirty="0" smtClean="0"/>
+                  <a:rPr lang="zh-CN" altLang="en-US" dirty="0"/>
                   <a:t>取最大的</a:t>
                 </a:r>
                 <a:r>
-                  <a:rPr lang="en-US" altLang="zh-CN" dirty="0" smtClean="0"/>
+                  <a:rPr lang="en-US" altLang="zh-CN" dirty="0"/>
                   <a:t>φ</a:t>
                 </a:r>
                 <a:r>
-                  <a:rPr lang="zh-CN" altLang="en-US" dirty="0" smtClean="0"/>
+                  <a:rPr lang="zh-CN" altLang="en-US" dirty="0"/>
                   <a:t>，只需求</a:t>
                 </a:r>
                 <a:r>
                   <a:rPr lang="en-US" altLang="zh-CN" dirty="0"/>
-                  <a:t>P(φ</a:t>
-                </a:r>
-                <a:r>
-                  <a:rPr lang="en-US" altLang="zh-CN" dirty="0" smtClean="0"/>
-                  <a:t>)</a:t>
-                </a:r>
-                <a:r>
-                  <a:rPr lang="zh-CN" altLang="en-US" dirty="0" smtClean="0"/>
-                  <a:t>的最大值即可，</a:t>
+                  <a:t>P(φ)</a:t>
                 </a:r>
                 <a:r>
                   <a:rPr lang="zh-CN" altLang="en-US" dirty="0"/>
-                  <a:t>通过</a:t>
+                  <a:t>的最大值即可，通过</a:t>
                 </a:r>
                 <a:r>
                   <a:rPr lang="en-US" altLang="zh-CN" dirty="0" err="1"/>
@@ -9503,11 +8490,7 @@
                 </a:r>
                 <a:r>
                   <a:rPr lang="zh-CN" altLang="en-US" dirty="0"/>
-                  <a:t>进行</a:t>
-                </a:r>
-                <a:r>
-                  <a:rPr lang="zh-CN" altLang="en-US" dirty="0" smtClean="0"/>
-                  <a:t>数值计算并不困难</a:t>
+                  <a:t>进行数值计算并不困难</a:t>
                 </a:r>
                 <a:endParaRPr lang="zh-CN" altLang="zh-CN" dirty="0"/>
               </a:p>
@@ -9523,12 +8506,12 @@
               </a:p>
               <a:p>
                 <a:pPr lvl="1"/>
-                <a:endParaRPr lang="en-US" altLang="zh-CN" dirty="0" smtClean="0"/>
+                <a:endParaRPr lang="en-US" altLang="zh-CN" dirty="0"/>
               </a:p>
             </p:txBody>
           </p:sp>
         </mc:Choice>
-        <mc:Fallback>
+        <mc:Fallback xmlns="">
           <p:sp>
             <p:nvSpPr>
               <p:cNvPr id="3" name="内容占位符 2"/>
@@ -9570,6 +8553,2101 @@
     <p:extLst>
       <p:ext uri="{BB962C8B-B14F-4D97-AF65-F5344CB8AC3E}">
         <p14:creationId xmlns:p14="http://schemas.microsoft.com/office/powerpoint/2010/main" val="3896460319"/>
+      </p:ext>
+    </p:extLst>
+  </p:cSld>
+  <p:clrMapOvr>
+    <a:masterClrMapping/>
+  </p:clrMapOvr>
+</p:sld>
+</file>
+
+<file path=ppt/slides/slide2.xml><?xml version="1.0" encoding="utf-8"?>
+<p:sld xmlns:a="http://schemas.openxmlformats.org/drawingml/2006/main" xmlns:r="http://schemas.openxmlformats.org/officeDocument/2006/relationships" xmlns:p="http://schemas.openxmlformats.org/presentationml/2006/main">
+  <p:cSld>
+    <p:spTree>
+      <p:nvGrpSpPr>
+        <p:cNvPr id="1" name=""/>
+        <p:cNvGrpSpPr/>
+        <p:nvPr/>
+      </p:nvGrpSpPr>
+      <p:grpSpPr>
+        <a:xfrm>
+          <a:off x="0" y="0"/>
+          <a:ext cx="0" cy="0"/>
+          <a:chOff x="0" y="0"/>
+          <a:chExt cx="0" cy="0"/>
+        </a:xfrm>
+      </p:grpSpPr>
+      <p:sp>
+        <p:nvSpPr>
+          <p:cNvPr id="2" name="标题 1"/>
+          <p:cNvSpPr>
+            <a:spLocks noGrp="1"/>
+          </p:cNvSpPr>
+          <p:nvPr>
+            <p:ph type="title"/>
+          </p:nvPr>
+        </p:nvSpPr>
+        <p:spPr/>
+        <p:txBody>
+          <a:bodyPr/>
+          <a:lstStyle/>
+          <a:p>
+            <a:r>
+              <a:rPr lang="zh-CN" altLang="en-US" dirty="0"/>
+              <a:t>卷积编码模块</a:t>
+            </a:r>
+          </a:p>
+        </p:txBody>
+      </p:sp>
+      <p:sp>
+        <p:nvSpPr>
+          <p:cNvPr id="3" name="内容占位符 2"/>
+          <p:cNvSpPr>
+            <a:spLocks noGrp="1"/>
+          </p:cNvSpPr>
+          <p:nvPr>
+            <p:ph idx="1"/>
+          </p:nvPr>
+        </p:nvSpPr>
+        <p:spPr>
+          <a:xfrm>
+            <a:off x="677334" y="1270000"/>
+            <a:ext cx="8596668" cy="3880773"/>
+          </a:xfrm>
+        </p:spPr>
+        <p:txBody>
+          <a:bodyPr>
+            <a:noAutofit/>
+          </a:bodyPr>
+          <a:lstStyle/>
+          <a:p>
+            <a:r>
+              <a:rPr lang="zh-CN" altLang="en-US" dirty="0"/>
+              <a:t>输入</a:t>
+            </a:r>
+            <a:r>
+              <a:rPr lang="en-US" altLang="zh-CN" dirty="0"/>
+              <a:t>:</a:t>
+            </a:r>
+          </a:p>
+          <a:p>
+            <a:pPr lvl="1"/>
+            <a:r>
+              <a:rPr lang="en-US" altLang="zh-CN" dirty="0"/>
+              <a:t>1.</a:t>
+            </a:r>
+            <a:r>
+              <a:rPr lang="zh-CN" altLang="en-US" dirty="0"/>
+              <a:t>有限长</a:t>
+            </a:r>
+            <a:r>
+              <a:rPr lang="en-US" altLang="zh-CN" dirty="0"/>
+              <a:t>01</a:t>
+            </a:r>
+            <a:r>
+              <a:rPr lang="zh-CN" altLang="en-US" dirty="0"/>
+              <a:t>序列</a:t>
+            </a:r>
+            <a:r>
+              <a:rPr lang="en-US" altLang="zh-CN" dirty="0"/>
+              <a:t>input</a:t>
+            </a:r>
+          </a:p>
+          <a:p>
+            <a:pPr lvl="1"/>
+            <a:r>
+              <a:rPr lang="en-US" altLang="zh-CN" dirty="0"/>
+              <a:t>2.</a:t>
+            </a:r>
+            <a:r>
+              <a:rPr lang="zh-CN" altLang="en-US" dirty="0"/>
+              <a:t>卷积编码效率</a:t>
+            </a:r>
+            <a:r>
+              <a:rPr lang="en-US" altLang="zh-CN" dirty="0"/>
+              <a:t>eff: 2</a:t>
+            </a:r>
+            <a:r>
+              <a:rPr lang="zh-CN" altLang="en-US" dirty="0"/>
+              <a:t>代表</a:t>
+            </a:r>
+            <a:r>
+              <a:rPr lang="en-US" altLang="zh-CN" dirty="0"/>
+              <a:t>1/2,3</a:t>
+            </a:r>
+            <a:r>
+              <a:rPr lang="zh-CN" altLang="en-US" dirty="0"/>
+              <a:t>代表</a:t>
+            </a:r>
+            <a:r>
+              <a:rPr lang="en-US" altLang="zh-CN" dirty="0"/>
+              <a:t>1/3</a:t>
+            </a:r>
+          </a:p>
+          <a:p>
+            <a:pPr lvl="1"/>
+            <a:r>
+              <a:rPr lang="en-US" altLang="zh-CN" dirty="0"/>
+              <a:t>3.</a:t>
+            </a:r>
+            <a:r>
+              <a:rPr lang="zh-CN" altLang="en-US" dirty="0"/>
+              <a:t>收尾</a:t>
+            </a:r>
+            <a:r>
+              <a:rPr lang="en-US" altLang="zh-CN" dirty="0"/>
+              <a:t>tail  1</a:t>
+            </a:r>
+            <a:r>
+              <a:rPr lang="zh-CN" altLang="en-US" dirty="0"/>
+              <a:t>代表收尾，</a:t>
+            </a:r>
+            <a:r>
+              <a:rPr lang="en-US" altLang="zh-CN" dirty="0"/>
+              <a:t>0</a:t>
+            </a:r>
+            <a:r>
+              <a:rPr lang="zh-CN" altLang="en-US" dirty="0"/>
+              <a:t>代表不收尾</a:t>
+            </a:r>
+            <a:r>
+              <a:rPr lang="en-US" altLang="zh-CN" dirty="0"/>
+              <a:t>:</a:t>
+            </a:r>
+          </a:p>
+          <a:p>
+            <a:r>
+              <a:rPr lang="zh-CN" altLang="en-US" dirty="0"/>
+              <a:t>输出</a:t>
+            </a:r>
+            <a:r>
+              <a:rPr lang="en-US" altLang="zh-CN" dirty="0"/>
+              <a:t>:</a:t>
+            </a:r>
+            <a:r>
+              <a:rPr lang="zh-CN" altLang="en-US" dirty="0"/>
+              <a:t>有限长</a:t>
+            </a:r>
+            <a:r>
+              <a:rPr lang="en-US" altLang="zh-CN" dirty="0"/>
+              <a:t>01</a:t>
+            </a:r>
+            <a:r>
+              <a:rPr lang="zh-CN" altLang="en-US" dirty="0"/>
+              <a:t>序列</a:t>
+            </a:r>
+            <a:r>
+              <a:rPr lang="en-US" altLang="zh-CN" dirty="0"/>
+              <a:t>output</a:t>
+            </a:r>
+          </a:p>
+          <a:p>
+            <a:endParaRPr lang="en-US" altLang="zh-CN" dirty="0"/>
+          </a:p>
+          <a:p>
+            <a:r>
+              <a:rPr lang="zh-CN" altLang="en-US" dirty="0"/>
+              <a:t>思路</a:t>
+            </a:r>
+            <a:r>
+              <a:rPr lang="en-US" altLang="zh-CN" dirty="0"/>
+              <a:t>:</a:t>
+            </a:r>
+          </a:p>
+          <a:p>
+            <a:r>
+              <a:rPr lang="zh-CN" altLang="en-US" dirty="0"/>
+              <a:t>定义输入</a:t>
+            </a:r>
+            <a:r>
+              <a:rPr lang="en-US" altLang="zh-CN" dirty="0"/>
+              <a:t>input=[1,1,0,0];</a:t>
+            </a:r>
+            <a:r>
+              <a:rPr lang="zh-CN" altLang="en-US" dirty="0"/>
+              <a:t>将其写成</a:t>
+            </a:r>
+            <a:r>
+              <a:rPr lang="en-US" altLang="zh-CN" dirty="0"/>
+              <a:t>[0,0,0,1;0,0,1,1;0,1,1,0;1,1,0,0;]</a:t>
+            </a:r>
+            <a:r>
+              <a:rPr lang="zh-CN" altLang="en-US" dirty="0"/>
+              <a:t>的形式</a:t>
+            </a:r>
+            <a:r>
+              <a:rPr lang="en-US" altLang="zh-CN" dirty="0"/>
+              <a:t>:</a:t>
+            </a:r>
+          </a:p>
+          <a:p>
+            <a:pPr lvl="1"/>
+            <a:r>
+              <a:rPr lang="zh-CN" altLang="en-US" dirty="0"/>
+              <a:t>其中最后一行是输入，即为卷积编码器传入了</a:t>
+            </a:r>
+            <a:r>
+              <a:rPr lang="en-US" altLang="zh-CN" dirty="0"/>
+              <a:t>4</a:t>
+            </a:r>
+            <a:r>
+              <a:rPr lang="zh-CN" altLang="en-US" dirty="0"/>
+              <a:t>个</a:t>
+            </a:r>
+            <a:r>
+              <a:rPr lang="en-US" altLang="zh-CN" dirty="0"/>
+              <a:t>bit</a:t>
+            </a:r>
+            <a:r>
+              <a:rPr lang="zh-CN" altLang="en-US" dirty="0"/>
+              <a:t>的情况</a:t>
+            </a:r>
+            <a:endParaRPr lang="en-US" altLang="zh-CN" dirty="0"/>
+          </a:p>
+          <a:p>
+            <a:pPr lvl="1"/>
+            <a:r>
+              <a:rPr lang="zh-CN" altLang="en-US" dirty="0"/>
+              <a:t>第三行是取</a:t>
+            </a:r>
+            <a:r>
+              <a:rPr lang="en-US" altLang="zh-CN" dirty="0"/>
+              <a:t>{0,[1,1,0]}</a:t>
+            </a:r>
+            <a:r>
+              <a:rPr lang="zh-CN" altLang="en-US" dirty="0"/>
+              <a:t>，即为卷积编码器只传入了</a:t>
+            </a:r>
+            <a:r>
+              <a:rPr lang="en-US" altLang="zh-CN" dirty="0"/>
+              <a:t>3</a:t>
+            </a:r>
+            <a:r>
+              <a:rPr lang="zh-CN" altLang="en-US" dirty="0"/>
+              <a:t>个</a:t>
+            </a:r>
+            <a:r>
+              <a:rPr lang="en-US" altLang="zh-CN" dirty="0"/>
+              <a:t>bit</a:t>
+            </a:r>
+            <a:r>
+              <a:rPr lang="zh-CN" altLang="en-US" dirty="0"/>
+              <a:t>的情况</a:t>
+            </a:r>
+            <a:endParaRPr lang="en-US" altLang="zh-CN" dirty="0"/>
+          </a:p>
+          <a:p>
+            <a:pPr lvl="1"/>
+            <a:r>
+              <a:rPr lang="zh-CN" altLang="en-US" dirty="0"/>
+              <a:t>第二行是取</a:t>
+            </a:r>
+            <a:r>
+              <a:rPr lang="en-US" altLang="zh-CN" dirty="0"/>
+              <a:t>{0,0,[1,1]}</a:t>
+            </a:r>
+            <a:r>
+              <a:rPr lang="zh-CN" altLang="en-US" dirty="0"/>
+              <a:t>，即为卷积编码器只传入了</a:t>
+            </a:r>
+            <a:r>
+              <a:rPr lang="en-US" altLang="zh-CN" dirty="0"/>
+              <a:t>2</a:t>
+            </a:r>
+            <a:r>
+              <a:rPr lang="zh-CN" altLang="en-US" dirty="0"/>
+              <a:t>个</a:t>
+            </a:r>
+            <a:r>
+              <a:rPr lang="en-US" altLang="zh-CN" dirty="0"/>
+              <a:t>bit</a:t>
+            </a:r>
+            <a:r>
+              <a:rPr lang="zh-CN" altLang="en-US" dirty="0"/>
+              <a:t>的情况</a:t>
+            </a:r>
+            <a:endParaRPr lang="en-US" altLang="zh-CN" dirty="0"/>
+          </a:p>
+          <a:p>
+            <a:pPr lvl="1"/>
+            <a:r>
+              <a:rPr lang="zh-CN" altLang="en-US" dirty="0"/>
+              <a:t>第一行是取</a:t>
+            </a:r>
+            <a:r>
+              <a:rPr lang="en-US" altLang="zh-CN" dirty="0"/>
+              <a:t>{0,0,0,[1]}</a:t>
+            </a:r>
+            <a:r>
+              <a:rPr lang="zh-CN" altLang="en-US" dirty="0"/>
+              <a:t>，即为卷积编码器只传入了</a:t>
+            </a:r>
+            <a:r>
+              <a:rPr lang="en-US" altLang="zh-CN" dirty="0"/>
+              <a:t>1</a:t>
+            </a:r>
+            <a:r>
+              <a:rPr lang="zh-CN" altLang="en-US" dirty="0"/>
+              <a:t>个</a:t>
+            </a:r>
+            <a:r>
+              <a:rPr lang="en-US" altLang="zh-CN" dirty="0"/>
+              <a:t>bit</a:t>
+            </a:r>
+            <a:r>
+              <a:rPr lang="zh-CN" altLang="en-US" dirty="0"/>
+              <a:t>的情况</a:t>
+            </a:r>
+            <a:endParaRPr lang="en-US" altLang="zh-CN" dirty="0"/>
+          </a:p>
+          <a:p>
+            <a:r>
+              <a:rPr lang="zh-CN" altLang="en-US" dirty="0"/>
+              <a:t>定义对应的卷积编码矩阵为</a:t>
+            </a:r>
+            <a:r>
+              <a:rPr lang="en-US" altLang="zh-CN" dirty="0"/>
+              <a:t>G=[1,0,1;1,1,1];G*input=[1,1,1;1,0,0];</a:t>
+            </a:r>
+          </a:p>
+          <a:p>
+            <a:r>
+              <a:rPr lang="en-US" altLang="zh-CN" dirty="0"/>
+              <a:t> </a:t>
+            </a:r>
+            <a:r>
+              <a:rPr lang="zh-CN" altLang="en-US" dirty="0"/>
+              <a:t>按列向量组合得到结果</a:t>
+            </a:r>
+            <a:endParaRPr lang="en-US" altLang="zh-CN" dirty="0"/>
+          </a:p>
+        </p:txBody>
+      </p:sp>
+    </p:spTree>
+    <p:extLst>
+      <p:ext uri="{BB962C8B-B14F-4D97-AF65-F5344CB8AC3E}">
+        <p14:creationId xmlns:p14="http://schemas.microsoft.com/office/powerpoint/2010/main" val="2386505030"/>
+      </p:ext>
+    </p:extLst>
+  </p:cSld>
+  <p:clrMapOvr>
+    <a:masterClrMapping/>
+  </p:clrMapOvr>
+</p:sld>
+</file>
+
+<file path=ppt/slides/slide3.xml><?xml version="1.0" encoding="utf-8"?>
+<p:sld xmlns:a="http://schemas.openxmlformats.org/drawingml/2006/main" xmlns:r="http://schemas.openxmlformats.org/officeDocument/2006/relationships" xmlns:p="http://schemas.openxmlformats.org/presentationml/2006/main">
+  <p:cSld>
+    <p:spTree>
+      <p:nvGrpSpPr>
+        <p:cNvPr id="1" name=""/>
+        <p:cNvGrpSpPr/>
+        <p:nvPr/>
+      </p:nvGrpSpPr>
+      <p:grpSpPr>
+        <a:xfrm>
+          <a:off x="0" y="0"/>
+          <a:ext cx="0" cy="0"/>
+          <a:chOff x="0" y="0"/>
+          <a:chExt cx="0" cy="0"/>
+        </a:xfrm>
+      </p:grpSpPr>
+      <p:sp>
+        <p:nvSpPr>
+          <p:cNvPr id="2" name="标题 1"/>
+          <p:cNvSpPr>
+            <a:spLocks noGrp="1"/>
+          </p:cNvSpPr>
+          <p:nvPr>
+            <p:ph type="title"/>
+          </p:nvPr>
+        </p:nvSpPr>
+        <p:spPr/>
+        <p:txBody>
+          <a:bodyPr/>
+          <a:lstStyle/>
+          <a:p>
+            <a:r>
+              <a:rPr lang="zh-CN" altLang="en-US" dirty="0"/>
+              <a:t>电平映射模块</a:t>
+            </a:r>
+          </a:p>
+        </p:txBody>
+      </p:sp>
+      <p:sp>
+        <p:nvSpPr>
+          <p:cNvPr id="3" name="内容占位符 2"/>
+          <p:cNvSpPr>
+            <a:spLocks noGrp="1"/>
+          </p:cNvSpPr>
+          <p:nvPr>
+            <p:ph idx="1"/>
+          </p:nvPr>
+        </p:nvSpPr>
+        <p:spPr>
+          <a:xfrm>
+            <a:off x="677334" y="1450376"/>
+            <a:ext cx="8596668" cy="3880773"/>
+          </a:xfrm>
+        </p:spPr>
+        <p:txBody>
+          <a:bodyPr/>
+          <a:lstStyle/>
+          <a:p>
+            <a:r>
+              <a:rPr lang="zh-CN" altLang="en-US" dirty="0"/>
+              <a:t>输入</a:t>
+            </a:r>
+            <a:r>
+              <a:rPr lang="en-US" altLang="zh-CN" dirty="0"/>
+              <a:t>:</a:t>
+            </a:r>
+          </a:p>
+          <a:p>
+            <a:pPr lvl="1"/>
+            <a:r>
+              <a:rPr lang="en-US" altLang="zh-CN" dirty="0"/>
+              <a:t>1.</a:t>
+            </a:r>
+            <a:r>
+              <a:rPr lang="zh-CN" altLang="en-US" dirty="0"/>
+              <a:t>卷积编码后的</a:t>
+            </a:r>
+            <a:r>
+              <a:rPr lang="en-US" altLang="zh-CN" dirty="0"/>
+              <a:t>01</a:t>
+            </a:r>
+            <a:r>
+              <a:rPr lang="zh-CN" altLang="en-US" dirty="0"/>
+              <a:t>序列</a:t>
+            </a:r>
+            <a:r>
+              <a:rPr lang="en-US" altLang="zh-CN" dirty="0"/>
+              <a:t>input</a:t>
+            </a:r>
+          </a:p>
+          <a:p>
+            <a:pPr lvl="1"/>
+            <a:r>
+              <a:rPr lang="en-US" altLang="zh-CN" dirty="0"/>
+              <a:t>2.</a:t>
+            </a:r>
+            <a:r>
+              <a:rPr lang="zh-CN" altLang="en-US" dirty="0"/>
+              <a:t>电平映射模式</a:t>
+            </a:r>
+            <a:r>
+              <a:rPr lang="en-US" altLang="zh-CN" dirty="0"/>
+              <a:t>mode: 1:1bit/</a:t>
+            </a:r>
+            <a:r>
+              <a:rPr lang="zh-CN" altLang="en-US" dirty="0"/>
+              <a:t>符号   </a:t>
+            </a:r>
+            <a:r>
+              <a:rPr lang="en-US" altLang="zh-CN" dirty="0"/>
+              <a:t>2bit:</a:t>
+            </a:r>
+            <a:r>
+              <a:rPr lang="zh-CN" altLang="en-US" dirty="0"/>
+              <a:t>符号     </a:t>
+            </a:r>
+            <a:r>
+              <a:rPr lang="en-US" altLang="zh-CN" dirty="0"/>
+              <a:t>3bit:</a:t>
+            </a:r>
+            <a:r>
+              <a:rPr lang="zh-CN" altLang="en-US" dirty="0"/>
+              <a:t>符号</a:t>
+            </a:r>
+          </a:p>
+          <a:p>
+            <a:r>
+              <a:rPr lang="zh-CN" altLang="en-US" dirty="0"/>
+              <a:t>输出</a:t>
+            </a:r>
+            <a:r>
+              <a:rPr lang="en-US" altLang="zh-CN" dirty="0"/>
+              <a:t>:</a:t>
+            </a:r>
+            <a:r>
+              <a:rPr lang="zh-CN" altLang="en-US" dirty="0"/>
+              <a:t>映射的电平符号序列</a:t>
+            </a:r>
+            <a:r>
+              <a:rPr lang="en-US" altLang="zh-CN" dirty="0"/>
+              <a:t>output</a:t>
+            </a:r>
+          </a:p>
+          <a:p>
+            <a:endParaRPr lang="en-US" altLang="zh-CN" dirty="0"/>
+          </a:p>
+          <a:p>
+            <a:r>
+              <a:rPr lang="zh-CN" altLang="en-US" dirty="0"/>
+              <a:t>思路</a:t>
+            </a:r>
+            <a:r>
+              <a:rPr lang="en-US" altLang="zh-CN" dirty="0"/>
+              <a:t>:</a:t>
+            </a:r>
+          </a:p>
+          <a:p>
+            <a:r>
+              <a:rPr lang="en-US" altLang="zh-CN" dirty="0"/>
+              <a:t>G</a:t>
+            </a:r>
+            <a:r>
+              <a:rPr lang="zh-CN" altLang="en-US" dirty="0"/>
+              <a:t>代表从</a:t>
+            </a:r>
+            <a:r>
+              <a:rPr lang="en-US" altLang="zh-CN" dirty="0"/>
+              <a:t>0</a:t>
+            </a:r>
+            <a:r>
+              <a:rPr lang="zh-CN" altLang="en-US" dirty="0"/>
+              <a:t>到</a:t>
+            </a:r>
+            <a:r>
+              <a:rPr lang="en-US" altLang="zh-CN" dirty="0"/>
+              <a:t>2^bit-1</a:t>
+            </a:r>
+            <a:r>
+              <a:rPr lang="zh-CN" altLang="en-US" dirty="0"/>
+              <a:t>对应编号的电平值，将输入的序列每</a:t>
+            </a:r>
+            <a:r>
+              <a:rPr lang="en-US" altLang="zh-CN" dirty="0"/>
+              <a:t>mode</a:t>
+            </a:r>
+            <a:r>
+              <a:rPr lang="zh-CN" altLang="en-US" dirty="0"/>
+              <a:t>个</a:t>
+            </a:r>
+            <a:r>
+              <a:rPr lang="en-US" altLang="zh-CN" dirty="0"/>
+              <a:t>bit</a:t>
+            </a:r>
+            <a:r>
+              <a:rPr lang="zh-CN" altLang="en-US" dirty="0"/>
+              <a:t>集合起来，查找对应的</a:t>
+            </a:r>
+            <a:r>
+              <a:rPr lang="en-US" altLang="zh-CN" dirty="0"/>
+              <a:t>G</a:t>
+            </a:r>
+            <a:r>
+              <a:rPr lang="zh-CN" altLang="en-US" dirty="0"/>
+              <a:t>。</a:t>
+            </a:r>
+          </a:p>
+          <a:p>
+            <a:r>
+              <a:rPr lang="zh-CN" altLang="en-US" dirty="0"/>
+              <a:t>电平与编码的对应关系见星座图</a:t>
+            </a:r>
+            <a:r>
+              <a:rPr lang="en-US" altLang="zh-CN" dirty="0"/>
+              <a:t>.</a:t>
+            </a:r>
+            <a:r>
+              <a:rPr lang="en-US" altLang="zh-CN" dirty="0" err="1"/>
+              <a:t>png</a:t>
+            </a:r>
+            <a:endParaRPr lang="zh-CN" altLang="en-US" dirty="0"/>
+          </a:p>
+        </p:txBody>
+      </p:sp>
+    </p:spTree>
+    <p:extLst>
+      <p:ext uri="{BB962C8B-B14F-4D97-AF65-F5344CB8AC3E}">
+        <p14:creationId xmlns:p14="http://schemas.microsoft.com/office/powerpoint/2010/main" val="3722315606"/>
+      </p:ext>
+    </p:extLst>
+  </p:cSld>
+  <p:clrMapOvr>
+    <a:masterClrMapping/>
+  </p:clrMapOvr>
+</p:sld>
+</file>
+
+<file path=ppt/slides/slide4.xml><?xml version="1.0" encoding="utf-8"?>
+<p:sld xmlns:a="http://schemas.openxmlformats.org/drawingml/2006/main" xmlns:r="http://schemas.openxmlformats.org/officeDocument/2006/relationships" xmlns:p="http://schemas.openxmlformats.org/presentationml/2006/main">
+  <p:cSld>
+    <p:spTree>
+      <p:nvGrpSpPr>
+        <p:cNvPr id="1" name=""/>
+        <p:cNvGrpSpPr/>
+        <p:nvPr/>
+      </p:nvGrpSpPr>
+      <p:grpSpPr>
+        <a:xfrm>
+          <a:off x="0" y="0"/>
+          <a:ext cx="0" cy="0"/>
+          <a:chOff x="0" y="0"/>
+          <a:chExt cx="0" cy="0"/>
+        </a:xfrm>
+      </p:grpSpPr>
+      <p:sp>
+        <p:nvSpPr>
+          <p:cNvPr id="2" name="标题 1"/>
+          <p:cNvSpPr>
+            <a:spLocks noGrp="1"/>
+          </p:cNvSpPr>
+          <p:nvPr>
+            <p:ph type="title"/>
+          </p:nvPr>
+        </p:nvSpPr>
+        <p:spPr/>
+        <p:txBody>
+          <a:bodyPr/>
+          <a:lstStyle/>
+          <a:p>
+            <a:r>
+              <a:rPr lang="zh-CN" altLang="en-US" dirty="0"/>
+              <a:t>发端星座图</a:t>
+            </a:r>
+          </a:p>
+        </p:txBody>
+      </p:sp>
+      <p:pic>
+        <p:nvPicPr>
+          <p:cNvPr id="4" name="内容占位符 3"/>
+          <p:cNvPicPr>
+            <a:picLocks noGrp="1" noChangeAspect="1"/>
+          </p:cNvPicPr>
+          <p:nvPr>
+            <p:ph idx="1"/>
+          </p:nvPr>
+        </p:nvPicPr>
+        <p:blipFill>
+          <a:blip r:embed="rId2"/>
+          <a:stretch>
+            <a:fillRect/>
+          </a:stretch>
+        </p:blipFill>
+        <p:spPr>
+          <a:xfrm>
+            <a:off x="-956066" y="1428304"/>
+            <a:ext cx="11229942" cy="5612130"/>
+          </a:xfrm>
+          <a:prstGeom prst="rect">
+            <a:avLst/>
+          </a:prstGeom>
+        </p:spPr>
+      </p:pic>
+    </p:spTree>
+    <p:extLst>
+      <p:ext uri="{BB962C8B-B14F-4D97-AF65-F5344CB8AC3E}">
+        <p14:creationId xmlns:p14="http://schemas.microsoft.com/office/powerpoint/2010/main" val="3360411190"/>
+      </p:ext>
+    </p:extLst>
+  </p:cSld>
+  <p:clrMapOvr>
+    <a:masterClrMapping/>
+  </p:clrMapOvr>
+</p:sld>
+</file>
+
+<file path=ppt/slides/slide5.xml><?xml version="1.0" encoding="utf-8"?>
+<p:sld xmlns:a="http://schemas.openxmlformats.org/drawingml/2006/main" xmlns:r="http://schemas.openxmlformats.org/officeDocument/2006/relationships" xmlns:p="http://schemas.openxmlformats.org/presentationml/2006/main">
+  <p:cSld>
+    <p:spTree>
+      <p:nvGrpSpPr>
+        <p:cNvPr id="1" name=""/>
+        <p:cNvGrpSpPr/>
+        <p:nvPr/>
+      </p:nvGrpSpPr>
+      <p:grpSpPr>
+        <a:xfrm>
+          <a:off x="0" y="0"/>
+          <a:ext cx="0" cy="0"/>
+          <a:chOff x="0" y="0"/>
+          <a:chExt cx="0" cy="0"/>
+        </a:xfrm>
+      </p:grpSpPr>
+      <p:sp>
+        <p:nvSpPr>
+          <p:cNvPr id="2" name="标题 1"/>
+          <p:cNvSpPr>
+            <a:spLocks noGrp="1"/>
+          </p:cNvSpPr>
+          <p:nvPr>
+            <p:ph type="title"/>
+          </p:nvPr>
+        </p:nvSpPr>
+        <p:spPr/>
+        <p:txBody>
+          <a:bodyPr/>
+          <a:lstStyle/>
+          <a:p>
+            <a:r>
+              <a:rPr lang="zh-CN" altLang="en-US" dirty="0"/>
+              <a:t>收端星座图</a:t>
+            </a:r>
+          </a:p>
+        </p:txBody>
+      </p:sp>
+      <p:sp>
+        <p:nvSpPr>
+          <p:cNvPr id="5" name="内容占位符 4"/>
+          <p:cNvSpPr>
+            <a:spLocks noGrp="1"/>
+          </p:cNvSpPr>
+          <p:nvPr>
+            <p:ph idx="1"/>
+          </p:nvPr>
+        </p:nvSpPr>
+        <p:spPr/>
+        <p:txBody>
+          <a:bodyPr/>
+          <a:lstStyle/>
+          <a:p>
+            <a:endParaRPr lang="zh-CN" altLang="en-US"/>
+          </a:p>
+        </p:txBody>
+      </p:sp>
+      <p:pic>
+        <p:nvPicPr>
+          <p:cNvPr id="6" name="图片 5"/>
+          <p:cNvPicPr>
+            <a:picLocks noChangeAspect="1"/>
+          </p:cNvPicPr>
+          <p:nvPr/>
+        </p:nvPicPr>
+        <p:blipFill>
+          <a:blip r:embed="rId2"/>
+          <a:stretch>
+            <a:fillRect/>
+          </a:stretch>
+        </p:blipFill>
+        <p:spPr>
+          <a:xfrm>
+            <a:off x="-1560816" y="1074692"/>
+            <a:ext cx="12384001" cy="6188867"/>
+          </a:xfrm>
+          <a:prstGeom prst="rect">
+            <a:avLst/>
+          </a:prstGeom>
+        </p:spPr>
+      </p:pic>
+      <p:sp>
+        <p:nvSpPr>
+          <p:cNvPr id="7" name="文本框 6"/>
+          <p:cNvSpPr txBox="1"/>
+          <p:nvPr/>
+        </p:nvSpPr>
+        <p:spPr>
+          <a:xfrm>
+            <a:off x="4891597" y="4918229"/>
+            <a:ext cx="5211192" cy="584775"/>
+          </a:xfrm>
+          <a:prstGeom prst="rect">
+            <a:avLst/>
+          </a:prstGeom>
+          <a:noFill/>
+        </p:spPr>
+        <p:txBody>
+          <a:bodyPr wrap="square" rtlCol="0">
+            <a:spAutoFit/>
+          </a:bodyPr>
+          <a:lstStyle/>
+          <a:p>
+            <a:r>
+              <a:rPr lang="el-GR" altLang="zh-CN" sz="3200" dirty="0"/>
+              <a:t>Φ</a:t>
+            </a:r>
+            <a:r>
+              <a:rPr lang="en-US" altLang="zh-CN" sz="3200" dirty="0"/>
+              <a:t>=π/6</a:t>
+            </a:r>
+            <a:r>
+              <a:rPr lang="zh-CN" altLang="en-US" sz="3200" dirty="0"/>
+              <a:t>，</a:t>
+            </a:r>
+            <a:r>
+              <a:rPr lang="en-US" altLang="zh-CN" sz="3200" dirty="0"/>
+              <a:t>σ=0.1</a:t>
+            </a:r>
+            <a:endParaRPr lang="zh-CN" altLang="en-US" sz="3200" dirty="0"/>
+          </a:p>
+        </p:txBody>
+      </p:sp>
+    </p:spTree>
+    <p:extLst>
+      <p:ext uri="{BB962C8B-B14F-4D97-AF65-F5344CB8AC3E}">
+        <p14:creationId xmlns:p14="http://schemas.microsoft.com/office/powerpoint/2010/main" val="314677935"/>
+      </p:ext>
+    </p:extLst>
+  </p:cSld>
+  <p:clrMapOvr>
+    <a:masterClrMapping/>
+  </p:clrMapOvr>
+</p:sld>
+</file>
+
+<file path=ppt/slides/slide6.xml><?xml version="1.0" encoding="utf-8"?>
+<p:sld xmlns:a="http://schemas.openxmlformats.org/drawingml/2006/main" xmlns:r="http://schemas.openxmlformats.org/officeDocument/2006/relationships" xmlns:p="http://schemas.openxmlformats.org/presentationml/2006/main">
+  <p:cSld>
+    <p:spTree>
+      <p:nvGrpSpPr>
+        <p:cNvPr id="1" name=""/>
+        <p:cNvGrpSpPr/>
+        <p:nvPr/>
+      </p:nvGrpSpPr>
+      <p:grpSpPr>
+        <a:xfrm>
+          <a:off x="0" y="0"/>
+          <a:ext cx="0" cy="0"/>
+          <a:chOff x="0" y="0"/>
+          <a:chExt cx="0" cy="0"/>
+        </a:xfrm>
+      </p:grpSpPr>
+      <p:sp>
+        <p:nvSpPr>
+          <p:cNvPr id="2" name="标题 1"/>
+          <p:cNvSpPr>
+            <a:spLocks noGrp="1"/>
+          </p:cNvSpPr>
+          <p:nvPr>
+            <p:ph type="title"/>
+          </p:nvPr>
+        </p:nvSpPr>
+        <p:spPr/>
+        <p:txBody>
+          <a:bodyPr/>
+          <a:lstStyle/>
+          <a:p>
+            <a:r>
+              <a:rPr lang="zh-CN" altLang="en-US" dirty="0"/>
+              <a:t>信道模块</a:t>
+            </a:r>
+          </a:p>
+        </p:txBody>
+      </p:sp>
+      <p:sp>
+        <p:nvSpPr>
+          <p:cNvPr id="3" name="内容占位符 2"/>
+          <p:cNvSpPr>
+            <a:spLocks noGrp="1"/>
+          </p:cNvSpPr>
+          <p:nvPr>
+            <p:ph idx="1"/>
+          </p:nvPr>
+        </p:nvSpPr>
+        <p:spPr/>
+        <p:txBody>
+          <a:bodyPr>
+            <a:normAutofit lnSpcReduction="10000"/>
+          </a:bodyPr>
+          <a:lstStyle/>
+          <a:p>
+            <a:r>
+              <a:rPr lang="zh-CN" altLang="en-US" dirty="0"/>
+              <a:t>输入</a:t>
+            </a:r>
+            <a:r>
+              <a:rPr lang="en-US" altLang="zh-CN" dirty="0"/>
+              <a:t>:</a:t>
+            </a:r>
+          </a:p>
+          <a:p>
+            <a:pPr lvl="1"/>
+            <a:r>
+              <a:rPr lang="en-US" altLang="zh-CN" dirty="0"/>
+              <a:t>1.</a:t>
+            </a:r>
+            <a:r>
+              <a:rPr lang="zh-CN" altLang="en-US" dirty="0"/>
+              <a:t>电平映射后的符号序列</a:t>
+            </a:r>
+            <a:r>
+              <a:rPr lang="en-US" altLang="zh-CN" dirty="0"/>
+              <a:t>input</a:t>
+            </a:r>
+          </a:p>
+          <a:p>
+            <a:pPr lvl="1"/>
+            <a:r>
+              <a:rPr lang="en-US" altLang="zh-CN" dirty="0"/>
+              <a:t>2. mode: 1</a:t>
+            </a:r>
+            <a:r>
+              <a:rPr lang="zh-CN" altLang="en-US" dirty="0"/>
+              <a:t>表示场景</a:t>
+            </a:r>
+            <a:r>
+              <a:rPr lang="en-US" altLang="zh-CN" dirty="0"/>
+              <a:t>1:</a:t>
+            </a:r>
+            <a:r>
+              <a:rPr lang="zh-CN" altLang="en-US" dirty="0"/>
+              <a:t>即依次通信过程中</a:t>
+            </a:r>
+            <a:r>
+              <a:rPr lang="en-US" altLang="zh-CN" dirty="0"/>
+              <a:t>φ</a:t>
+            </a:r>
+            <a:r>
+              <a:rPr lang="zh-CN" altLang="en-US" dirty="0"/>
+              <a:t>不变，每次通信有独立的</a:t>
+            </a:r>
+            <a:r>
+              <a:rPr lang="en-US" altLang="zh-CN" dirty="0"/>
+              <a:t>φ;2</a:t>
+            </a:r>
+            <a:r>
+              <a:rPr lang="zh-CN" altLang="en-US" dirty="0"/>
+              <a:t>表示场景</a:t>
+            </a:r>
+            <a:r>
+              <a:rPr lang="en-US" altLang="zh-CN" dirty="0"/>
+              <a:t>2:</a:t>
+            </a:r>
+            <a:r>
+              <a:rPr lang="zh-CN" altLang="en-US" dirty="0"/>
+              <a:t>即在一次通信过程中，每次信道使用</a:t>
+            </a:r>
+            <a:r>
+              <a:rPr lang="en-US" altLang="zh-CN" dirty="0"/>
+              <a:t>φ</a:t>
+            </a:r>
+            <a:r>
+              <a:rPr lang="zh-CN" altLang="en-US" dirty="0"/>
+              <a:t>均独立变化</a:t>
+            </a:r>
+          </a:p>
+          <a:p>
+            <a:pPr lvl="1"/>
+            <a:r>
+              <a:rPr lang="en-US" altLang="zh-CN" dirty="0"/>
+              <a:t>3. theta: </a:t>
+            </a:r>
+            <a:r>
+              <a:rPr lang="zh-CN" altLang="en-US" dirty="0"/>
+              <a:t>即</a:t>
+            </a:r>
+            <a:r>
+              <a:rPr lang="en-US" altLang="zh-CN" dirty="0"/>
+              <a:t>θ</a:t>
+            </a:r>
+            <a:r>
+              <a:rPr lang="zh-CN" altLang="en-US" dirty="0"/>
+              <a:t>，收发端已知参数</a:t>
+            </a:r>
+          </a:p>
+          <a:p>
+            <a:pPr lvl="1"/>
+            <a:r>
+              <a:rPr lang="en-US" altLang="zh-CN" dirty="0"/>
+              <a:t>4. sigma: </a:t>
+            </a:r>
+            <a:r>
+              <a:rPr lang="zh-CN" altLang="en-US" dirty="0"/>
+              <a:t>即</a:t>
+            </a:r>
+            <a:r>
+              <a:rPr lang="en-US" altLang="zh-CN" dirty="0"/>
+              <a:t>σ</a:t>
+            </a:r>
+            <a:r>
+              <a:rPr lang="zh-CN" altLang="en-US" dirty="0"/>
+              <a:t>，收发端已知参数</a:t>
+            </a:r>
+            <a:endParaRPr lang="en-US" altLang="zh-CN" dirty="0"/>
+          </a:p>
+          <a:p>
+            <a:endParaRPr lang="en-US" altLang="zh-CN" dirty="0"/>
+          </a:p>
+          <a:p>
+            <a:r>
+              <a:rPr lang="zh-CN" altLang="en-US" dirty="0"/>
+              <a:t>输出</a:t>
+            </a:r>
+            <a:r>
+              <a:rPr lang="en-US" altLang="zh-CN" dirty="0"/>
+              <a:t>:</a:t>
+            </a:r>
+          </a:p>
+          <a:p>
+            <a:pPr lvl="1"/>
+            <a:r>
+              <a:rPr lang="en-US" altLang="zh-CN" dirty="0"/>
+              <a:t>1.</a:t>
+            </a:r>
+            <a:r>
+              <a:rPr lang="zh-CN" altLang="en-US" dirty="0"/>
+              <a:t>经</a:t>
+            </a:r>
+            <a:r>
+              <a:rPr lang="en-US" altLang="zh-CN" dirty="0"/>
+              <a:t>y=</a:t>
+            </a:r>
+            <a:r>
+              <a:rPr lang="en-US" altLang="zh-CN" dirty="0" err="1"/>
+              <a:t>xexp</a:t>
+            </a:r>
+            <a:r>
+              <a:rPr lang="en-US" altLang="zh-CN" dirty="0"/>
+              <a:t>(j</a:t>
+            </a:r>
+            <a:r>
+              <a:rPr lang="el-GR" altLang="zh-CN" dirty="0"/>
+              <a:t>φ)+</a:t>
+            </a:r>
+            <a:r>
+              <a:rPr lang="en-US" altLang="zh-CN" dirty="0"/>
+              <a:t>n</a:t>
+            </a:r>
+            <a:r>
+              <a:rPr lang="zh-CN" altLang="en-US" dirty="0"/>
+              <a:t>变换后的信号</a:t>
+            </a:r>
+            <a:r>
+              <a:rPr lang="en-US" altLang="zh-CN" dirty="0"/>
+              <a:t>output</a:t>
+            </a:r>
+            <a:r>
+              <a:rPr lang="zh-CN" altLang="en-US" dirty="0"/>
+              <a:t>。其中</a:t>
+            </a:r>
+            <a:r>
+              <a:rPr lang="en-US" altLang="zh-CN" dirty="0"/>
+              <a:t>x</a:t>
+            </a:r>
+            <a:r>
+              <a:rPr lang="zh-CN" altLang="en-US" dirty="0"/>
+              <a:t>为</a:t>
+            </a:r>
+            <a:r>
+              <a:rPr lang="en-US" altLang="zh-CN" dirty="0"/>
+              <a:t>input</a:t>
+            </a:r>
+            <a:r>
+              <a:rPr lang="zh-CN" altLang="en-US" dirty="0"/>
+              <a:t>，</a:t>
+            </a:r>
+            <a:r>
+              <a:rPr lang="en-US" altLang="zh-CN" dirty="0" err="1"/>
+              <a:t>φ~U</a:t>
+            </a:r>
+            <a:r>
+              <a:rPr lang="en-US" altLang="zh-CN" dirty="0"/>
+              <a:t>(0,theta)</a:t>
+            </a:r>
+            <a:r>
+              <a:rPr lang="zh-CN" altLang="en-US" dirty="0"/>
+              <a:t>，</a:t>
+            </a:r>
+            <a:r>
+              <a:rPr lang="en-US" altLang="zh-CN" dirty="0"/>
+              <a:t>n</a:t>
+            </a:r>
+            <a:r>
+              <a:rPr lang="zh-CN" altLang="en-US" dirty="0"/>
+              <a:t>是复高斯噪声。</a:t>
+            </a:r>
+            <a:endParaRPr lang="en-US" altLang="zh-CN" dirty="0"/>
+          </a:p>
+          <a:p>
+            <a:pPr lvl="1"/>
+            <a:r>
+              <a:rPr lang="en-US" altLang="zh-CN" dirty="0"/>
+              <a:t>2.phi: </a:t>
+            </a:r>
+            <a:r>
+              <a:rPr lang="zh-CN" altLang="en-US" dirty="0"/>
+              <a:t>即</a:t>
+            </a:r>
+            <a:r>
+              <a:rPr lang="en-US" altLang="zh-CN" dirty="0"/>
+              <a:t>φ</a:t>
+            </a:r>
+            <a:r>
+              <a:rPr lang="zh-CN" altLang="en-US" dirty="0"/>
+              <a:t>，考虑有种情况下</a:t>
+            </a:r>
+            <a:r>
+              <a:rPr lang="en-US" altLang="zh-CN" dirty="0"/>
+              <a:t>φ</a:t>
+            </a:r>
+            <a:r>
+              <a:rPr lang="zh-CN" altLang="en-US" dirty="0"/>
+              <a:t>已知。根据</a:t>
+            </a:r>
+            <a:r>
+              <a:rPr lang="en-US" altLang="zh-CN" dirty="0"/>
+              <a:t>mode</a:t>
+            </a:r>
+            <a:r>
+              <a:rPr lang="zh-CN" altLang="en-US" dirty="0"/>
+              <a:t>的不同，</a:t>
+            </a:r>
+            <a:r>
+              <a:rPr lang="en-US" altLang="zh-CN" dirty="0"/>
+              <a:t>φ</a:t>
+            </a:r>
+            <a:r>
+              <a:rPr lang="zh-CN" altLang="en-US" dirty="0"/>
+              <a:t>可能是一串相同的值，也可能是一串不同的值。</a:t>
+            </a:r>
+            <a:endParaRPr lang="en-US" altLang="zh-CN" dirty="0"/>
+          </a:p>
+          <a:p>
+            <a:endParaRPr lang="zh-CN" altLang="en-US" dirty="0"/>
+          </a:p>
+        </p:txBody>
+      </p:sp>
+    </p:spTree>
+    <p:extLst>
+      <p:ext uri="{BB962C8B-B14F-4D97-AF65-F5344CB8AC3E}">
+        <p14:creationId xmlns:p14="http://schemas.microsoft.com/office/powerpoint/2010/main" val="212592315"/>
+      </p:ext>
+    </p:extLst>
+  </p:cSld>
+  <p:clrMapOvr>
+    <a:masterClrMapping/>
+  </p:clrMapOvr>
+</p:sld>
+</file>
+
+<file path=ppt/slides/slide7.xml><?xml version="1.0" encoding="utf-8"?>
+<p:sld xmlns:a="http://schemas.openxmlformats.org/drawingml/2006/main" xmlns:r="http://schemas.openxmlformats.org/officeDocument/2006/relationships" xmlns:p="http://schemas.openxmlformats.org/presentationml/2006/main">
+  <p:cSld>
+    <p:spTree>
+      <p:nvGrpSpPr>
+        <p:cNvPr id="1" name=""/>
+        <p:cNvGrpSpPr/>
+        <p:nvPr/>
+      </p:nvGrpSpPr>
+      <p:grpSpPr>
+        <a:xfrm>
+          <a:off x="0" y="0"/>
+          <a:ext cx="0" cy="0"/>
+          <a:chOff x="0" y="0"/>
+          <a:chExt cx="0" cy="0"/>
+        </a:xfrm>
+      </p:grpSpPr>
+      <p:sp>
+        <p:nvSpPr>
+          <p:cNvPr id="2" name="标题 1"/>
+          <p:cNvSpPr>
+            <a:spLocks noGrp="1"/>
+          </p:cNvSpPr>
+          <p:nvPr>
+            <p:ph type="title"/>
+          </p:nvPr>
+        </p:nvSpPr>
+        <p:spPr/>
+        <p:txBody>
+          <a:bodyPr/>
+          <a:lstStyle/>
+          <a:p>
+            <a:r>
+              <a:rPr lang="zh-CN" altLang="en-US" dirty="0"/>
+              <a:t>信道模块</a:t>
+            </a:r>
+          </a:p>
+        </p:txBody>
+      </p:sp>
+      <p:sp>
+        <p:nvSpPr>
+          <p:cNvPr id="3" name="内容占位符 2"/>
+          <p:cNvSpPr>
+            <a:spLocks noGrp="1"/>
+          </p:cNvSpPr>
+          <p:nvPr>
+            <p:ph idx="1"/>
+          </p:nvPr>
+        </p:nvSpPr>
+        <p:spPr/>
+        <p:txBody>
+          <a:bodyPr>
+            <a:normAutofit lnSpcReduction="10000"/>
+          </a:bodyPr>
+          <a:lstStyle/>
+          <a:p>
+            <a:r>
+              <a:rPr lang="zh-CN" altLang="en-US" dirty="0"/>
+              <a:t>输入</a:t>
+            </a:r>
+            <a:r>
+              <a:rPr lang="en-US" altLang="zh-CN" dirty="0"/>
+              <a:t>:</a:t>
+            </a:r>
+          </a:p>
+          <a:p>
+            <a:pPr lvl="1"/>
+            <a:r>
+              <a:rPr lang="en-US" altLang="zh-CN" dirty="0"/>
+              <a:t>1.</a:t>
+            </a:r>
+            <a:r>
+              <a:rPr lang="zh-CN" altLang="en-US" dirty="0"/>
+              <a:t>电平映射后的符号序列</a:t>
+            </a:r>
+            <a:r>
+              <a:rPr lang="en-US" altLang="zh-CN" dirty="0"/>
+              <a:t>input</a:t>
+            </a:r>
+          </a:p>
+          <a:p>
+            <a:pPr lvl="1"/>
+            <a:r>
+              <a:rPr lang="en-US" altLang="zh-CN" dirty="0"/>
+              <a:t>2. mode: 1</a:t>
+            </a:r>
+            <a:r>
+              <a:rPr lang="zh-CN" altLang="en-US" dirty="0"/>
+              <a:t>表示场景</a:t>
+            </a:r>
+            <a:r>
+              <a:rPr lang="en-US" altLang="zh-CN" dirty="0"/>
+              <a:t>1:</a:t>
+            </a:r>
+            <a:r>
+              <a:rPr lang="zh-CN" altLang="en-US" dirty="0"/>
+              <a:t>即依次通信过程中</a:t>
+            </a:r>
+            <a:r>
+              <a:rPr lang="en-US" altLang="zh-CN" dirty="0"/>
+              <a:t>φ</a:t>
+            </a:r>
+            <a:r>
+              <a:rPr lang="zh-CN" altLang="en-US" dirty="0"/>
+              <a:t>不变，每次通信有独立的</a:t>
+            </a:r>
+            <a:r>
+              <a:rPr lang="en-US" altLang="zh-CN" dirty="0"/>
+              <a:t>φ;2</a:t>
+            </a:r>
+            <a:r>
+              <a:rPr lang="zh-CN" altLang="en-US" dirty="0"/>
+              <a:t>表示场景</a:t>
+            </a:r>
+            <a:r>
+              <a:rPr lang="en-US" altLang="zh-CN" dirty="0"/>
+              <a:t>2:</a:t>
+            </a:r>
+            <a:r>
+              <a:rPr lang="zh-CN" altLang="en-US" dirty="0"/>
+              <a:t>即在一次通信过程中，每次信道使用</a:t>
+            </a:r>
+            <a:r>
+              <a:rPr lang="en-US" altLang="zh-CN" dirty="0"/>
+              <a:t>φ</a:t>
+            </a:r>
+            <a:r>
+              <a:rPr lang="zh-CN" altLang="en-US" dirty="0"/>
+              <a:t>均独立变化</a:t>
+            </a:r>
+          </a:p>
+          <a:p>
+            <a:pPr lvl="1"/>
+            <a:r>
+              <a:rPr lang="en-US" altLang="zh-CN" dirty="0"/>
+              <a:t>3. theta: </a:t>
+            </a:r>
+            <a:r>
+              <a:rPr lang="zh-CN" altLang="en-US" dirty="0"/>
+              <a:t>即</a:t>
+            </a:r>
+            <a:r>
+              <a:rPr lang="en-US" altLang="zh-CN" dirty="0"/>
+              <a:t>θ</a:t>
+            </a:r>
+            <a:r>
+              <a:rPr lang="zh-CN" altLang="en-US" dirty="0"/>
+              <a:t>，收发端已知参数</a:t>
+            </a:r>
+          </a:p>
+          <a:p>
+            <a:pPr lvl="1"/>
+            <a:r>
+              <a:rPr lang="en-US" altLang="zh-CN" dirty="0"/>
+              <a:t>4. sigma: </a:t>
+            </a:r>
+            <a:r>
+              <a:rPr lang="zh-CN" altLang="en-US" dirty="0"/>
+              <a:t>即</a:t>
+            </a:r>
+            <a:r>
+              <a:rPr lang="en-US" altLang="zh-CN" dirty="0"/>
+              <a:t>σ</a:t>
+            </a:r>
+            <a:r>
+              <a:rPr lang="zh-CN" altLang="en-US" dirty="0"/>
+              <a:t>，收发端已知参数</a:t>
+            </a:r>
+            <a:endParaRPr lang="en-US" altLang="zh-CN" dirty="0"/>
+          </a:p>
+          <a:p>
+            <a:endParaRPr lang="en-US" altLang="zh-CN" dirty="0"/>
+          </a:p>
+          <a:p>
+            <a:r>
+              <a:rPr lang="zh-CN" altLang="en-US" dirty="0"/>
+              <a:t>输出</a:t>
+            </a:r>
+            <a:r>
+              <a:rPr lang="en-US" altLang="zh-CN" dirty="0"/>
+              <a:t>:</a:t>
+            </a:r>
+          </a:p>
+          <a:p>
+            <a:pPr lvl="1"/>
+            <a:r>
+              <a:rPr lang="en-US" altLang="zh-CN" dirty="0"/>
+              <a:t>1.</a:t>
+            </a:r>
+            <a:r>
+              <a:rPr lang="zh-CN" altLang="en-US" dirty="0"/>
+              <a:t>经</a:t>
+            </a:r>
+            <a:r>
+              <a:rPr lang="en-US" altLang="zh-CN" dirty="0"/>
+              <a:t>y=</a:t>
+            </a:r>
+            <a:r>
+              <a:rPr lang="en-US" altLang="zh-CN" dirty="0" err="1"/>
+              <a:t>xexp</a:t>
+            </a:r>
+            <a:r>
+              <a:rPr lang="en-US" altLang="zh-CN" dirty="0"/>
+              <a:t>(j</a:t>
+            </a:r>
+            <a:r>
+              <a:rPr lang="el-GR" altLang="zh-CN" dirty="0"/>
+              <a:t>φ)+</a:t>
+            </a:r>
+            <a:r>
+              <a:rPr lang="en-US" altLang="zh-CN" dirty="0"/>
+              <a:t>n</a:t>
+            </a:r>
+            <a:r>
+              <a:rPr lang="zh-CN" altLang="en-US" dirty="0"/>
+              <a:t>变换后的信号</a:t>
+            </a:r>
+            <a:r>
+              <a:rPr lang="en-US" altLang="zh-CN" dirty="0"/>
+              <a:t>output</a:t>
+            </a:r>
+            <a:r>
+              <a:rPr lang="zh-CN" altLang="en-US" dirty="0"/>
+              <a:t>。其中</a:t>
+            </a:r>
+            <a:r>
+              <a:rPr lang="en-US" altLang="zh-CN" dirty="0"/>
+              <a:t>x</a:t>
+            </a:r>
+            <a:r>
+              <a:rPr lang="zh-CN" altLang="en-US" dirty="0"/>
+              <a:t>为</a:t>
+            </a:r>
+            <a:r>
+              <a:rPr lang="en-US" altLang="zh-CN" dirty="0"/>
+              <a:t>input</a:t>
+            </a:r>
+            <a:r>
+              <a:rPr lang="zh-CN" altLang="en-US" dirty="0"/>
+              <a:t>，</a:t>
+            </a:r>
+            <a:r>
+              <a:rPr lang="en-US" altLang="zh-CN" dirty="0" err="1"/>
+              <a:t>φ~U</a:t>
+            </a:r>
+            <a:r>
+              <a:rPr lang="en-US" altLang="zh-CN" dirty="0"/>
+              <a:t>(0,theta)</a:t>
+            </a:r>
+            <a:r>
+              <a:rPr lang="zh-CN" altLang="en-US" dirty="0"/>
+              <a:t>，</a:t>
+            </a:r>
+            <a:r>
+              <a:rPr lang="en-US" altLang="zh-CN" dirty="0"/>
+              <a:t>n</a:t>
+            </a:r>
+            <a:r>
+              <a:rPr lang="zh-CN" altLang="en-US" dirty="0"/>
+              <a:t>是复高斯噪声。</a:t>
+            </a:r>
+            <a:endParaRPr lang="en-US" altLang="zh-CN" dirty="0"/>
+          </a:p>
+          <a:p>
+            <a:pPr lvl="1"/>
+            <a:r>
+              <a:rPr lang="en-US" altLang="zh-CN" dirty="0"/>
+              <a:t>2.phi: </a:t>
+            </a:r>
+            <a:r>
+              <a:rPr lang="zh-CN" altLang="en-US" dirty="0"/>
+              <a:t>即</a:t>
+            </a:r>
+            <a:r>
+              <a:rPr lang="en-US" altLang="zh-CN" dirty="0"/>
+              <a:t>φ</a:t>
+            </a:r>
+            <a:r>
+              <a:rPr lang="zh-CN" altLang="en-US" dirty="0"/>
+              <a:t>，考虑有种情况下</a:t>
+            </a:r>
+            <a:r>
+              <a:rPr lang="en-US" altLang="zh-CN" dirty="0"/>
+              <a:t>φ</a:t>
+            </a:r>
+            <a:r>
+              <a:rPr lang="zh-CN" altLang="en-US" dirty="0"/>
+              <a:t>已知。根据</a:t>
+            </a:r>
+            <a:r>
+              <a:rPr lang="en-US" altLang="zh-CN" dirty="0"/>
+              <a:t>mode</a:t>
+            </a:r>
+            <a:r>
+              <a:rPr lang="zh-CN" altLang="en-US" dirty="0"/>
+              <a:t>的不同，</a:t>
+            </a:r>
+            <a:r>
+              <a:rPr lang="en-US" altLang="zh-CN" dirty="0"/>
+              <a:t>φ</a:t>
+            </a:r>
+            <a:r>
+              <a:rPr lang="zh-CN" altLang="en-US" dirty="0"/>
+              <a:t>可能是一串相同的值，也可能是一串不同的值。</a:t>
+            </a:r>
+            <a:endParaRPr lang="en-US" altLang="zh-CN" dirty="0"/>
+          </a:p>
+          <a:p>
+            <a:endParaRPr lang="zh-CN" altLang="en-US" dirty="0"/>
+          </a:p>
+        </p:txBody>
+      </p:sp>
+    </p:spTree>
+    <p:extLst>
+      <p:ext uri="{BB962C8B-B14F-4D97-AF65-F5344CB8AC3E}">
+        <p14:creationId xmlns:p14="http://schemas.microsoft.com/office/powerpoint/2010/main" val="2029767368"/>
+      </p:ext>
+    </p:extLst>
+  </p:cSld>
+  <p:clrMapOvr>
+    <a:masterClrMapping/>
+  </p:clrMapOvr>
+</p:sld>
+</file>
+
+<file path=ppt/slides/slide8.xml><?xml version="1.0" encoding="utf-8"?>
+<p:sld xmlns:a="http://schemas.openxmlformats.org/drawingml/2006/main" xmlns:r="http://schemas.openxmlformats.org/officeDocument/2006/relationships" xmlns:p="http://schemas.openxmlformats.org/presentationml/2006/main">
+  <p:cSld>
+    <p:spTree>
+      <p:nvGrpSpPr>
+        <p:cNvPr id="1" name=""/>
+        <p:cNvGrpSpPr/>
+        <p:nvPr/>
+      </p:nvGrpSpPr>
+      <p:grpSpPr>
+        <a:xfrm>
+          <a:off x="0" y="0"/>
+          <a:ext cx="0" cy="0"/>
+          <a:chOff x="0" y="0"/>
+          <a:chExt cx="0" cy="0"/>
+        </a:xfrm>
+      </p:grpSpPr>
+      <p:sp>
+        <p:nvSpPr>
+          <p:cNvPr id="2" name="标题 1"/>
+          <p:cNvSpPr>
+            <a:spLocks noGrp="1"/>
+          </p:cNvSpPr>
+          <p:nvPr>
+            <p:ph type="title"/>
+          </p:nvPr>
+        </p:nvSpPr>
+        <p:spPr/>
+        <p:txBody>
+          <a:bodyPr/>
+          <a:lstStyle/>
+          <a:p>
+            <a:r>
+              <a:rPr lang="en-US" altLang="zh-CN" dirty="0"/>
+              <a:t>CRC</a:t>
+            </a:r>
+            <a:r>
+              <a:rPr lang="zh-CN" altLang="en-US" dirty="0"/>
+              <a:t>模块</a:t>
+            </a:r>
+          </a:p>
+        </p:txBody>
+      </p:sp>
+      <p:sp>
+        <p:nvSpPr>
+          <p:cNvPr id="3" name="内容占位符 2"/>
+          <p:cNvSpPr>
+            <a:spLocks noGrp="1"/>
+          </p:cNvSpPr>
+          <p:nvPr>
+            <p:ph idx="1"/>
+          </p:nvPr>
+        </p:nvSpPr>
+        <p:spPr>
+          <a:xfrm>
+            <a:off x="595202" y="1580192"/>
+            <a:ext cx="8596668" cy="4727525"/>
+          </a:xfrm>
+        </p:spPr>
+        <p:txBody>
+          <a:bodyPr>
+            <a:normAutofit fontScale="92500" lnSpcReduction="20000"/>
+          </a:bodyPr>
+          <a:lstStyle/>
+          <a:p>
+            <a:r>
+              <a:rPr lang="en-US" altLang="zh-CN" dirty="0"/>
+              <a:t>CRC</a:t>
+            </a:r>
+            <a:r>
+              <a:rPr lang="zh-CN" altLang="en-US" dirty="0"/>
+              <a:t>校验：给定一</a:t>
+            </a:r>
+            <a:r>
+              <a:rPr lang="en-US" altLang="zh-CN" dirty="0"/>
+              <a:t>m</a:t>
+            </a:r>
+            <a:r>
+              <a:rPr lang="zh-CN" altLang="en-US" dirty="0"/>
+              <a:t>次生成多项式</a:t>
+            </a:r>
+            <a:r>
+              <a:rPr lang="en-US" altLang="zh-CN" dirty="0"/>
+              <a:t>g(x)</a:t>
+            </a:r>
+            <a:r>
+              <a:rPr lang="zh-CN" altLang="en-US" dirty="0"/>
+              <a:t>，对于给定的信息序列，将其写成信息多项式</a:t>
+            </a:r>
+            <a:r>
+              <a:rPr lang="en-US" altLang="zh-CN" dirty="0"/>
+              <a:t>d(x)</a:t>
+            </a:r>
+            <a:r>
+              <a:rPr lang="zh-CN" altLang="en-US" dirty="0"/>
+              <a:t>的形式，在其后面添加校验位</a:t>
+            </a:r>
+            <a:r>
+              <a:rPr lang="en-US" altLang="zh-CN" dirty="0"/>
+              <a:t>r(x)</a:t>
+            </a:r>
+            <a:r>
+              <a:rPr lang="zh-CN" altLang="en-US" dirty="0"/>
+              <a:t>，使得</a:t>
+            </a:r>
+            <a:r>
+              <a:rPr lang="en-US" altLang="zh-CN" dirty="0"/>
+              <a:t>d(x)</a:t>
+            </a:r>
+            <a:r>
+              <a:rPr lang="en-US" altLang="zh-CN" dirty="0" err="1"/>
+              <a:t>x</a:t>
+            </a:r>
+            <a:r>
+              <a:rPr lang="en-US" altLang="zh-CN" baseline="30000" dirty="0" err="1"/>
+              <a:t>m</a:t>
+            </a:r>
+            <a:r>
+              <a:rPr lang="en-US" altLang="zh-CN" dirty="0" err="1"/>
+              <a:t>+r</a:t>
+            </a:r>
+            <a:r>
+              <a:rPr lang="en-US" altLang="zh-CN" dirty="0"/>
+              <a:t>(x)</a:t>
+            </a:r>
+            <a:r>
+              <a:rPr lang="zh-CN" altLang="en-US" dirty="0"/>
+              <a:t>能被</a:t>
+            </a:r>
+            <a:r>
+              <a:rPr lang="en-US" altLang="zh-CN" dirty="0"/>
+              <a:t>g(x)</a:t>
+            </a:r>
+            <a:r>
+              <a:rPr lang="zh-CN" altLang="en-US" dirty="0"/>
+              <a:t>整除</a:t>
+            </a:r>
+            <a:endParaRPr lang="en-US" altLang="zh-CN" dirty="0"/>
+          </a:p>
+          <a:p>
+            <a:pPr lvl="1"/>
+            <a:r>
+              <a:rPr lang="zh-CN" altLang="en-US" dirty="0"/>
+              <a:t>显然有以下式子成立：</a:t>
+            </a:r>
+            <a:r>
+              <a:rPr lang="en-US" altLang="zh-CN" dirty="0"/>
+              <a:t>r(x)=-d(x)</a:t>
+            </a:r>
+            <a:r>
+              <a:rPr lang="en-US" altLang="zh-CN" dirty="0" err="1"/>
+              <a:t>x</a:t>
+            </a:r>
+            <a:r>
+              <a:rPr lang="en-US" altLang="zh-CN" baseline="30000" dirty="0" err="1"/>
+              <a:t>m</a:t>
+            </a:r>
+            <a:r>
+              <a:rPr lang="en-US" altLang="zh-CN" dirty="0" err="1"/>
+              <a:t>mod</a:t>
+            </a:r>
+            <a:r>
+              <a:rPr lang="en-US" altLang="zh-CN" dirty="0"/>
+              <a:t> g(x)</a:t>
+            </a:r>
+          </a:p>
+          <a:p>
+            <a:r>
+              <a:rPr lang="zh-CN" altLang="en-US" dirty="0"/>
+              <a:t>在</a:t>
+            </a:r>
+            <a:r>
+              <a:rPr lang="en-US" altLang="zh-CN" dirty="0" err="1"/>
+              <a:t>matlab</a:t>
+            </a:r>
+            <a:r>
+              <a:rPr lang="zh-CN" altLang="en-US" dirty="0"/>
+              <a:t>中，用序列的卷积</a:t>
+            </a:r>
+            <a:r>
+              <a:rPr lang="en-US" altLang="zh-CN" dirty="0"/>
+              <a:t>conv</a:t>
+            </a:r>
+            <a:r>
+              <a:rPr lang="zh-CN" altLang="en-US" dirty="0"/>
+              <a:t>和解卷解</a:t>
+            </a:r>
+            <a:r>
+              <a:rPr lang="en-US" altLang="zh-CN" dirty="0" err="1"/>
+              <a:t>deconv</a:t>
+            </a:r>
+            <a:r>
+              <a:rPr lang="zh-CN" altLang="en-US" dirty="0"/>
+              <a:t>可以很方便的完成多项式的乘除法并求出除法的余式</a:t>
+            </a:r>
+            <a:r>
+              <a:rPr lang="en-US" altLang="zh-CN" dirty="0"/>
+              <a:t>r(x)</a:t>
+            </a:r>
+          </a:p>
+          <a:p>
+            <a:pPr lvl="1"/>
+            <a:r>
+              <a:rPr lang="zh-CN" altLang="en-US" dirty="0"/>
+              <a:t>由于本次实验中序列的基为</a:t>
+            </a:r>
+            <a:r>
+              <a:rPr lang="en-US" altLang="zh-CN" dirty="0"/>
+              <a:t>2</a:t>
+            </a:r>
+            <a:r>
+              <a:rPr lang="zh-CN" altLang="en-US" dirty="0"/>
+              <a:t>，因此计算出来的</a:t>
+            </a:r>
+            <a:r>
+              <a:rPr lang="en-US" altLang="zh-CN" dirty="0"/>
+              <a:t>r(x)</a:t>
+            </a:r>
+            <a:r>
+              <a:rPr lang="zh-CN" altLang="en-US" dirty="0"/>
+              <a:t>还应该膜</a:t>
+            </a:r>
+            <a:r>
+              <a:rPr lang="en-US" altLang="zh-CN" dirty="0"/>
+              <a:t>2</a:t>
+            </a:r>
+            <a:r>
+              <a:rPr lang="zh-CN" altLang="en-US" dirty="0"/>
+              <a:t>操作</a:t>
+            </a:r>
+            <a:endParaRPr lang="en-US" altLang="zh-CN" dirty="0"/>
+          </a:p>
+          <a:p>
+            <a:pPr lvl="1"/>
+            <a:r>
+              <a:rPr lang="en-US" altLang="zh-CN" dirty="0" err="1"/>
+              <a:t>Matlab</a:t>
+            </a:r>
+            <a:r>
+              <a:rPr lang="zh-CN" altLang="en-US" dirty="0"/>
+              <a:t>中求校验位的代码如下：</a:t>
+            </a:r>
+            <a:endParaRPr lang="en-US" altLang="zh-CN" dirty="0"/>
+          </a:p>
+          <a:p>
+            <a:pPr lvl="2"/>
+            <a:r>
+              <a:rPr lang="en-US" altLang="zh-CN" dirty="0"/>
+              <a:t> [</a:t>
+            </a:r>
+            <a:r>
+              <a:rPr lang="en-US" altLang="zh-CN" dirty="0" err="1"/>
+              <a:t>q,r</a:t>
+            </a:r>
+            <a:r>
+              <a:rPr lang="en-US" altLang="zh-CN" dirty="0"/>
+              <a:t>]=</a:t>
+            </a:r>
+            <a:r>
+              <a:rPr lang="en-US" altLang="zh-CN" dirty="0" err="1"/>
+              <a:t>deconv</a:t>
+            </a:r>
+            <a:r>
+              <a:rPr lang="en-US" altLang="zh-CN" dirty="0"/>
+              <a:t>([</a:t>
+            </a:r>
+            <a:r>
+              <a:rPr lang="en-US" altLang="zh-CN" dirty="0" err="1"/>
+              <a:t>d,zeros</a:t>
+            </a:r>
+            <a:r>
+              <a:rPr lang="en-US" altLang="zh-CN" dirty="0"/>
+              <a:t>(1,check_len)],g); </a:t>
+            </a:r>
+            <a:r>
+              <a:rPr lang="en-US" altLang="zh-CN" dirty="0">
+                <a:solidFill>
+                  <a:schemeClr val="accent2">
+                    <a:lumMod val="75000"/>
+                  </a:schemeClr>
+                </a:solidFill>
+              </a:rPr>
+              <a:t>%</a:t>
+            </a:r>
+            <a:r>
+              <a:rPr lang="zh-CN" altLang="en-US" dirty="0">
+                <a:solidFill>
+                  <a:schemeClr val="accent2">
+                    <a:lumMod val="75000"/>
+                  </a:schemeClr>
+                </a:solidFill>
+              </a:rPr>
+              <a:t>通过解卷积计算多项式除法，</a:t>
+            </a:r>
+            <a:r>
+              <a:rPr lang="en-US" altLang="zh-CN" dirty="0">
+                <a:solidFill>
+                  <a:schemeClr val="accent2">
+                    <a:lumMod val="75000"/>
+                  </a:schemeClr>
+                </a:solidFill>
+              </a:rPr>
+              <a:t>r</a:t>
+            </a:r>
+            <a:r>
+              <a:rPr lang="zh-CN" altLang="en-US" dirty="0">
+                <a:solidFill>
+                  <a:schemeClr val="accent2">
+                    <a:lumMod val="75000"/>
+                  </a:schemeClr>
+                </a:solidFill>
+              </a:rPr>
+              <a:t>为余数</a:t>
+            </a:r>
+          </a:p>
+          <a:p>
+            <a:pPr lvl="2"/>
+            <a:r>
+              <a:rPr lang="zh-CN" altLang="en-US" dirty="0"/>
+              <a:t>  </a:t>
+            </a:r>
+            <a:r>
+              <a:rPr lang="en-US" altLang="zh-CN" dirty="0"/>
+              <a:t>r=mod(r,2);                        </a:t>
+            </a:r>
+            <a:r>
+              <a:rPr lang="en-US" altLang="zh-CN" dirty="0">
+                <a:solidFill>
+                  <a:schemeClr val="accent2">
+                    <a:lumMod val="75000"/>
+                  </a:schemeClr>
+                </a:solidFill>
+              </a:rPr>
+              <a:t>%2</a:t>
+            </a:r>
+            <a:r>
+              <a:rPr lang="zh-CN" altLang="en-US" dirty="0">
+                <a:solidFill>
+                  <a:schemeClr val="accent2">
+                    <a:lumMod val="75000"/>
+                  </a:schemeClr>
+                </a:solidFill>
+              </a:rPr>
+              <a:t>元域，需要模</a:t>
+            </a:r>
+            <a:r>
+              <a:rPr lang="en-US" altLang="zh-CN" dirty="0">
+                <a:solidFill>
+                  <a:schemeClr val="accent2">
+                    <a:lumMod val="75000"/>
+                  </a:schemeClr>
+                </a:solidFill>
+              </a:rPr>
+              <a:t>2</a:t>
+            </a:r>
+          </a:p>
+          <a:p>
+            <a:r>
+              <a:rPr lang="zh-CN" altLang="en-US" dirty="0"/>
+              <a:t>生成多项式的选取：通过查找资料，选取了以下几个典型的生成多项式：</a:t>
+            </a:r>
+            <a:endParaRPr lang="en-US" altLang="zh-CN" dirty="0"/>
+          </a:p>
+          <a:p>
+            <a:pPr lvl="1"/>
+            <a:r>
+              <a:rPr lang="en-US" altLang="zh-CN" dirty="0"/>
+              <a:t>x4+x+1</a:t>
+            </a:r>
+          </a:p>
+          <a:p>
+            <a:pPr lvl="1"/>
+            <a:r>
+              <a:rPr lang="en-US" altLang="zh-CN" dirty="0"/>
+              <a:t>x8+x5+x4+1</a:t>
+            </a:r>
+          </a:p>
+          <a:p>
+            <a:pPr lvl="1"/>
+            <a:r>
+              <a:rPr lang="en-US" altLang="zh-CN" dirty="0"/>
+              <a:t>x12+x11+x3+x2+x+1</a:t>
+            </a:r>
+          </a:p>
+          <a:p>
+            <a:pPr lvl="1"/>
+            <a:r>
+              <a:rPr lang="en-US" altLang="zh-CN" dirty="0"/>
+              <a:t>x16+x15+x2+1</a:t>
+            </a:r>
+          </a:p>
+          <a:p>
+            <a:pPr lvl="1"/>
+            <a:r>
+              <a:rPr lang="zh-CN" altLang="en-US" dirty="0"/>
+              <a:t>分别代表</a:t>
+            </a:r>
+            <a:r>
+              <a:rPr lang="en-US" altLang="zh-CN" dirty="0"/>
+              <a:t>r(x)</a:t>
+            </a:r>
+            <a:r>
+              <a:rPr lang="zh-CN" altLang="en-US" dirty="0"/>
+              <a:t>有</a:t>
+            </a:r>
+            <a:r>
+              <a:rPr lang="en-US" altLang="zh-CN" dirty="0"/>
+              <a:t>4</a:t>
+            </a:r>
+            <a:r>
+              <a:rPr lang="zh-CN" altLang="en-US" dirty="0"/>
+              <a:t>、</a:t>
+            </a:r>
+            <a:r>
+              <a:rPr lang="en-US" altLang="zh-CN" dirty="0"/>
+              <a:t>8</a:t>
+            </a:r>
+            <a:r>
+              <a:rPr lang="zh-CN" altLang="en-US" dirty="0"/>
+              <a:t>、</a:t>
+            </a:r>
+            <a:r>
+              <a:rPr lang="en-US" altLang="zh-CN" dirty="0"/>
+              <a:t>12</a:t>
+            </a:r>
+            <a:r>
+              <a:rPr lang="zh-CN" altLang="en-US" dirty="0"/>
+              <a:t>、</a:t>
+            </a:r>
+            <a:r>
+              <a:rPr lang="en-US" altLang="zh-CN" dirty="0"/>
+              <a:t>16</a:t>
+            </a:r>
+            <a:r>
+              <a:rPr lang="zh-CN" altLang="en-US" dirty="0"/>
+              <a:t>位的情况</a:t>
+            </a:r>
+            <a:endParaRPr lang="en-US" altLang="zh-CN" dirty="0"/>
+          </a:p>
+          <a:p>
+            <a:endParaRPr lang="en-US" altLang="zh-CN" dirty="0"/>
+          </a:p>
+        </p:txBody>
+      </p:sp>
+    </p:spTree>
+    <p:extLst>
+      <p:ext uri="{BB962C8B-B14F-4D97-AF65-F5344CB8AC3E}">
+        <p14:creationId xmlns:p14="http://schemas.microsoft.com/office/powerpoint/2010/main" val="1624120861"/>
+      </p:ext>
+    </p:extLst>
+  </p:cSld>
+  <p:clrMapOvr>
+    <a:masterClrMapping/>
+  </p:clrMapOvr>
+</p:sld>
+</file>
+
+<file path=ppt/slides/slide9.xml><?xml version="1.0" encoding="utf-8"?>
+<p:sld xmlns:a="http://schemas.openxmlformats.org/drawingml/2006/main" xmlns:r="http://schemas.openxmlformats.org/officeDocument/2006/relationships" xmlns:p="http://schemas.openxmlformats.org/presentationml/2006/main">
+  <p:cSld>
+    <p:spTree>
+      <p:nvGrpSpPr>
+        <p:cNvPr id="1" name=""/>
+        <p:cNvGrpSpPr/>
+        <p:nvPr/>
+      </p:nvGrpSpPr>
+      <p:grpSpPr>
+        <a:xfrm>
+          <a:off x="0" y="0"/>
+          <a:ext cx="0" cy="0"/>
+          <a:chOff x="0" y="0"/>
+          <a:chExt cx="0" cy="0"/>
+        </a:xfrm>
+      </p:grpSpPr>
+      <p:sp>
+        <p:nvSpPr>
+          <p:cNvPr id="2" name="标题 1"/>
+          <p:cNvSpPr>
+            <a:spLocks noGrp="1"/>
+          </p:cNvSpPr>
+          <p:nvPr>
+            <p:ph type="title"/>
+          </p:nvPr>
+        </p:nvSpPr>
+        <p:spPr/>
+        <p:txBody>
+          <a:bodyPr/>
+          <a:lstStyle/>
+          <a:p>
+            <a:r>
+              <a:rPr lang="en-US" altLang="zh-CN" dirty="0"/>
+              <a:t>CRC</a:t>
+            </a:r>
+            <a:r>
+              <a:rPr lang="zh-CN" altLang="en-US" dirty="0"/>
+              <a:t>模块</a:t>
+            </a:r>
+          </a:p>
+        </p:txBody>
+      </p:sp>
+      <p:sp>
+        <p:nvSpPr>
+          <p:cNvPr id="3" name="内容占位符 2"/>
+          <p:cNvSpPr>
+            <a:spLocks noGrp="1"/>
+          </p:cNvSpPr>
+          <p:nvPr>
+            <p:ph idx="1"/>
+          </p:nvPr>
+        </p:nvSpPr>
+        <p:spPr/>
+        <p:txBody>
+          <a:bodyPr>
+            <a:normAutofit/>
+          </a:bodyPr>
+          <a:lstStyle/>
+          <a:p>
+            <a:r>
+              <a:rPr lang="en-US" altLang="zh-CN" dirty="0"/>
+              <a:t>CRC</a:t>
+            </a:r>
+            <a:r>
+              <a:rPr lang="zh-CN" altLang="en-US" dirty="0"/>
+              <a:t>统计误码率：将收到的信息序列每</a:t>
+            </a:r>
+            <a:r>
+              <a:rPr lang="en-US" altLang="zh-CN" dirty="0"/>
+              <a:t>(</a:t>
+            </a:r>
+            <a:r>
+              <a:rPr lang="en-US" altLang="zh-CN" dirty="0" err="1"/>
+              <a:t>k+m</a:t>
+            </a:r>
+            <a:r>
+              <a:rPr lang="en-US" altLang="zh-CN" dirty="0"/>
+              <a:t>)</a:t>
+            </a:r>
+            <a:r>
+              <a:rPr lang="zh-CN" altLang="en-US" dirty="0"/>
+              <a:t>位分成一组，其中</a:t>
+            </a:r>
+            <a:r>
+              <a:rPr lang="en-US" altLang="zh-CN" dirty="0"/>
+              <a:t>k</a:t>
+            </a:r>
+            <a:r>
+              <a:rPr lang="zh-CN" altLang="en-US" dirty="0"/>
+              <a:t>为信息序列长度，</a:t>
+            </a:r>
+            <a:r>
+              <a:rPr lang="en-US" altLang="zh-CN" dirty="0"/>
+              <a:t>m</a:t>
+            </a:r>
+            <a:r>
+              <a:rPr lang="zh-CN" altLang="en-US" dirty="0"/>
+              <a:t>为校验位长度，将每组写成多项式的形式，再除以约定好的生成多项式，如果余数不为</a:t>
+            </a:r>
+            <a:r>
+              <a:rPr lang="en-US" altLang="zh-CN" dirty="0"/>
+              <a:t>0</a:t>
+            </a:r>
+            <a:r>
+              <a:rPr lang="zh-CN" altLang="en-US" dirty="0"/>
+              <a:t>，说明传输过程中发生了误码。最后用发生误码的组数除以总的组数得到误码率。</a:t>
+            </a:r>
+            <a:endParaRPr lang="en-US" altLang="zh-CN" dirty="0"/>
+          </a:p>
+          <a:p>
+            <a:pPr lvl="1"/>
+            <a:r>
+              <a:rPr lang="zh-CN" altLang="en-US" dirty="0"/>
+              <a:t>如果余式不为</a:t>
+            </a:r>
+            <a:r>
+              <a:rPr lang="en-US" altLang="zh-CN" dirty="0"/>
+              <a:t>0</a:t>
+            </a:r>
+            <a:r>
+              <a:rPr lang="zh-CN" altLang="en-US" dirty="0"/>
+              <a:t>，不一定说明没有发生误码，可能是发生的误码恰好使得余式依旧为</a:t>
+            </a:r>
+            <a:r>
+              <a:rPr lang="en-US" altLang="zh-CN" dirty="0"/>
+              <a:t>0</a:t>
+            </a:r>
+          </a:p>
+          <a:p>
+            <a:pPr lvl="1"/>
+            <a:r>
+              <a:rPr lang="zh-CN" altLang="en-US" dirty="0"/>
+              <a:t>但是校验位越长，它的校验效果越好，余数为</a:t>
+            </a:r>
+            <a:r>
+              <a:rPr lang="en-US" altLang="zh-CN" dirty="0"/>
+              <a:t>0</a:t>
+            </a:r>
+            <a:r>
+              <a:rPr lang="zh-CN" altLang="en-US" dirty="0"/>
+              <a:t>时发生误码的可能性越高，因此校验位越长，其检测到的误码越多，获得的误码率也会越高。</a:t>
+            </a:r>
+            <a:endParaRPr lang="en-US" altLang="zh-CN" dirty="0"/>
+          </a:p>
+        </p:txBody>
+      </p:sp>
+    </p:spTree>
+    <p:extLst>
+      <p:ext uri="{BB962C8B-B14F-4D97-AF65-F5344CB8AC3E}">
+        <p14:creationId xmlns:p14="http://schemas.microsoft.com/office/powerpoint/2010/main" val="3874993679"/>
       </p:ext>
     </p:extLst>
   </p:cSld>

--- a/v1.pptx
+++ b/v1.pptx
@@ -8520,14 +8520,35 @@
         </dgm:presLayoutVars>
       </dgm:prSet>
       <dgm:spPr/>
+      <dgm:t>
+        <a:bodyPr/>
+        <a:lstStyle/>
+        <a:p>
+          <a:endParaRPr lang="zh-CN" altLang="en-US"/>
+        </a:p>
+      </dgm:t>
     </dgm:pt>
     <dgm:pt modelId="{D406A136-222C-4821-96A6-2A348A3C70A2}" type="pres">
       <dgm:prSet presAssocID="{4EF3A707-A7A8-4808-87F1-0CBF60594F8E}" presName="sibTrans" presStyleLbl="sibTrans2D1" presStyleIdx="0" presStyleCnt="3"/>
       <dgm:spPr/>
+      <dgm:t>
+        <a:bodyPr/>
+        <a:lstStyle/>
+        <a:p>
+          <a:endParaRPr lang="zh-CN" altLang="en-US"/>
+        </a:p>
+      </dgm:t>
     </dgm:pt>
     <dgm:pt modelId="{02DD83ED-E236-45CF-B2AC-731129148BE9}" type="pres">
       <dgm:prSet presAssocID="{4EF3A707-A7A8-4808-87F1-0CBF60594F8E}" presName="connectorText" presStyleLbl="sibTrans2D1" presStyleIdx="0" presStyleCnt="3"/>
       <dgm:spPr/>
+      <dgm:t>
+        <a:bodyPr/>
+        <a:lstStyle/>
+        <a:p>
+          <a:endParaRPr lang="zh-CN" altLang="en-US"/>
+        </a:p>
+      </dgm:t>
     </dgm:pt>
     <dgm:pt modelId="{7BD513CC-2B70-40BE-AB8E-2C53908A813D}" type="pres">
       <dgm:prSet presAssocID="{CB4130AF-C34E-41F6-A9D8-857EB96E3FC4}" presName="node" presStyleLbl="node1" presStyleIdx="1" presStyleCnt="4">
@@ -8536,14 +8557,35 @@
         </dgm:presLayoutVars>
       </dgm:prSet>
       <dgm:spPr/>
+      <dgm:t>
+        <a:bodyPr/>
+        <a:lstStyle/>
+        <a:p>
+          <a:endParaRPr lang="zh-CN" altLang="en-US"/>
+        </a:p>
+      </dgm:t>
     </dgm:pt>
     <dgm:pt modelId="{F4378041-DC71-4D22-8E4B-125FE8972B50}" type="pres">
       <dgm:prSet presAssocID="{F06864E0-5BC0-4994-9709-BD7BB32FA894}" presName="sibTrans" presStyleLbl="sibTrans2D1" presStyleIdx="1" presStyleCnt="3"/>
       <dgm:spPr/>
+      <dgm:t>
+        <a:bodyPr/>
+        <a:lstStyle/>
+        <a:p>
+          <a:endParaRPr lang="zh-CN" altLang="en-US"/>
+        </a:p>
+      </dgm:t>
     </dgm:pt>
     <dgm:pt modelId="{EAE8508B-A6AF-4A00-952A-6833349E5BE0}" type="pres">
       <dgm:prSet presAssocID="{F06864E0-5BC0-4994-9709-BD7BB32FA894}" presName="connectorText" presStyleLbl="sibTrans2D1" presStyleIdx="1" presStyleCnt="3"/>
       <dgm:spPr/>
+      <dgm:t>
+        <a:bodyPr/>
+        <a:lstStyle/>
+        <a:p>
+          <a:endParaRPr lang="zh-CN" altLang="en-US"/>
+        </a:p>
+      </dgm:t>
     </dgm:pt>
     <dgm:pt modelId="{4EDC47AE-0D5E-423F-8022-29390D351195}" type="pres">
       <dgm:prSet presAssocID="{60B60E23-6E4E-407F-B85E-D9881A475F60}" presName="node" presStyleLbl="node1" presStyleIdx="2" presStyleCnt="4">
@@ -8552,14 +8594,35 @@
         </dgm:presLayoutVars>
       </dgm:prSet>
       <dgm:spPr/>
+      <dgm:t>
+        <a:bodyPr/>
+        <a:lstStyle/>
+        <a:p>
+          <a:endParaRPr lang="zh-CN" altLang="en-US"/>
+        </a:p>
+      </dgm:t>
     </dgm:pt>
     <dgm:pt modelId="{6B5D778B-AF11-402D-9C34-0B63FACF9E1B}" type="pres">
       <dgm:prSet presAssocID="{4D0F6C77-3E9C-4F2C-A856-C490A75F7D5F}" presName="sibTrans" presStyleLbl="sibTrans2D1" presStyleIdx="2" presStyleCnt="3"/>
       <dgm:spPr/>
+      <dgm:t>
+        <a:bodyPr/>
+        <a:lstStyle/>
+        <a:p>
+          <a:endParaRPr lang="zh-CN" altLang="en-US"/>
+        </a:p>
+      </dgm:t>
     </dgm:pt>
     <dgm:pt modelId="{A29E33CC-5FF5-409D-B4EB-EE9D8211E277}" type="pres">
       <dgm:prSet presAssocID="{4D0F6C77-3E9C-4F2C-A856-C490A75F7D5F}" presName="connectorText" presStyleLbl="sibTrans2D1" presStyleIdx="2" presStyleCnt="3"/>
       <dgm:spPr/>
+      <dgm:t>
+        <a:bodyPr/>
+        <a:lstStyle/>
+        <a:p>
+          <a:endParaRPr lang="zh-CN" altLang="en-US"/>
+        </a:p>
+      </dgm:t>
     </dgm:pt>
     <dgm:pt modelId="{FBF22977-56B9-4F58-8148-E198416E40AF}" type="pres">
       <dgm:prSet presAssocID="{D5F45D29-FBD4-41DD-800B-D6B5495B67A6}" presName="node" presStyleLbl="node1" presStyleIdx="3" presStyleCnt="4">
@@ -8568,23 +8631,30 @@
         </dgm:presLayoutVars>
       </dgm:prSet>
       <dgm:spPr/>
+      <dgm:t>
+        <a:bodyPr/>
+        <a:lstStyle/>
+        <a:p>
+          <a:endParaRPr lang="zh-CN" altLang="en-US"/>
+        </a:p>
+      </dgm:t>
     </dgm:pt>
   </dgm:ptLst>
   <dgm:cxnLst>
     <dgm:cxn modelId="{2B95ACB3-370E-4197-814D-C0945066936B}" type="presOf" srcId="{60B60E23-6E4E-407F-B85E-D9881A475F60}" destId="{4EDC47AE-0D5E-423F-8022-29390D351195}" srcOrd="0" destOrd="0" presId="urn:microsoft.com/office/officeart/2005/8/layout/process1"/>
     <dgm:cxn modelId="{0300BF6B-F2B6-4A71-AAB0-3E883CFDE1DB}" type="presOf" srcId="{4D0F6C77-3E9C-4F2C-A856-C490A75F7D5F}" destId="{6B5D778B-AF11-402D-9C34-0B63FACF9E1B}" srcOrd="0" destOrd="0" presId="urn:microsoft.com/office/officeart/2005/8/layout/process1"/>
     <dgm:cxn modelId="{03D7B17B-3F11-4408-A61A-9CA4E9940B2E}" type="presOf" srcId="{EB50046D-788B-4BD6-A2F3-3E91D08D507E}" destId="{1CF4523D-0ED1-455D-9399-3194D9EAFC32}" srcOrd="0" destOrd="0" presId="urn:microsoft.com/office/officeart/2005/8/layout/process1"/>
+    <dgm:cxn modelId="{6C99EC54-DD61-41D5-A61B-44E0E24161BC}" type="presOf" srcId="{CB4130AF-C34E-41F6-A9D8-857EB96E3FC4}" destId="{7BD513CC-2B70-40BE-AB8E-2C53908A813D}" srcOrd="0" destOrd="0" presId="urn:microsoft.com/office/officeart/2005/8/layout/process1"/>
     <dgm:cxn modelId="{98E22585-0098-4E51-BAD0-29119EA47653}" type="presOf" srcId="{4982E7B9-393C-446A-B868-3225692A2B68}" destId="{964E703C-4E8C-4F3D-97D1-30A20012739A}" srcOrd="0" destOrd="0" presId="urn:microsoft.com/office/officeart/2005/8/layout/process1"/>
-    <dgm:cxn modelId="{6C99EC54-DD61-41D5-A61B-44E0E24161BC}" type="presOf" srcId="{CB4130AF-C34E-41F6-A9D8-857EB96E3FC4}" destId="{7BD513CC-2B70-40BE-AB8E-2C53908A813D}" srcOrd="0" destOrd="0" presId="urn:microsoft.com/office/officeart/2005/8/layout/process1"/>
+    <dgm:cxn modelId="{510CA856-F15C-4410-A585-6D31285F7600}" type="presOf" srcId="{F06864E0-5BC0-4994-9709-BD7BB32FA894}" destId="{F4378041-DC71-4D22-8E4B-125FE8972B50}" srcOrd="0" destOrd="0" presId="urn:microsoft.com/office/officeart/2005/8/layout/process1"/>
     <dgm:cxn modelId="{AE42133A-0268-4F58-B921-BE6355940847}" srcId="{4982E7B9-393C-446A-B868-3225692A2B68}" destId="{CB4130AF-C34E-41F6-A9D8-857EB96E3FC4}" srcOrd="1" destOrd="0" parTransId="{712BBC4A-71FD-4C7F-8BD7-5DBECE1E6005}" sibTransId="{F06864E0-5BC0-4994-9709-BD7BB32FA894}"/>
-    <dgm:cxn modelId="{510CA856-F15C-4410-A585-6D31285F7600}" type="presOf" srcId="{F06864E0-5BC0-4994-9709-BD7BB32FA894}" destId="{F4378041-DC71-4D22-8E4B-125FE8972B50}" srcOrd="0" destOrd="0" presId="urn:microsoft.com/office/officeart/2005/8/layout/process1"/>
     <dgm:cxn modelId="{B8D1D8B4-B059-4E42-B42B-6EF6907EA500}" srcId="{4982E7B9-393C-446A-B868-3225692A2B68}" destId="{EB50046D-788B-4BD6-A2F3-3E91D08D507E}" srcOrd="0" destOrd="0" parTransId="{C6EC46FF-F766-4DB6-B1CD-E1AAA7C371C4}" sibTransId="{4EF3A707-A7A8-4808-87F1-0CBF60594F8E}"/>
     <dgm:cxn modelId="{7CA550D1-96ED-47C4-9C45-3FB23B04874C}" type="presOf" srcId="{F06864E0-5BC0-4994-9709-BD7BB32FA894}" destId="{EAE8508B-A6AF-4A00-952A-6833349E5BE0}" srcOrd="1" destOrd="0" presId="urn:microsoft.com/office/officeart/2005/8/layout/process1"/>
     <dgm:cxn modelId="{C67B728A-18DE-4A72-A954-3DF75BA9EF32}" srcId="{4982E7B9-393C-446A-B868-3225692A2B68}" destId="{60B60E23-6E4E-407F-B85E-D9881A475F60}" srcOrd="2" destOrd="0" parTransId="{0AEDCB28-B3FC-43B4-A5E3-14554B946B61}" sibTransId="{4D0F6C77-3E9C-4F2C-A856-C490A75F7D5F}"/>
     <dgm:cxn modelId="{A94C36C6-D98C-4AB3-A73A-416CAD79EAB2}" type="presOf" srcId="{D5F45D29-FBD4-41DD-800B-D6B5495B67A6}" destId="{FBF22977-56B9-4F58-8148-E198416E40AF}" srcOrd="0" destOrd="0" presId="urn:microsoft.com/office/officeart/2005/8/layout/process1"/>
     <dgm:cxn modelId="{1125D7C3-9845-4855-9057-092C9713CFE1}" type="presOf" srcId="{4EF3A707-A7A8-4808-87F1-0CBF60594F8E}" destId="{02DD83ED-E236-45CF-B2AC-731129148BE9}" srcOrd="1" destOrd="0" presId="urn:microsoft.com/office/officeart/2005/8/layout/process1"/>
+    <dgm:cxn modelId="{BDB70258-2F68-4796-AE58-DB750A99681F}" type="presOf" srcId="{4EF3A707-A7A8-4808-87F1-0CBF60594F8E}" destId="{D406A136-222C-4821-96A6-2A348A3C70A2}" srcOrd="0" destOrd="0" presId="urn:microsoft.com/office/officeart/2005/8/layout/process1"/>
     <dgm:cxn modelId="{0477910A-A53C-44FD-98FA-0208604D7D48}" type="presOf" srcId="{4D0F6C77-3E9C-4F2C-A856-C490A75F7D5F}" destId="{A29E33CC-5FF5-409D-B4EB-EE9D8211E277}" srcOrd="1" destOrd="0" presId="urn:microsoft.com/office/officeart/2005/8/layout/process1"/>
-    <dgm:cxn modelId="{BDB70258-2F68-4796-AE58-DB750A99681F}" type="presOf" srcId="{4EF3A707-A7A8-4808-87F1-0CBF60594F8E}" destId="{D406A136-222C-4821-96A6-2A348A3C70A2}" srcOrd="0" destOrd="0" presId="urn:microsoft.com/office/officeart/2005/8/layout/process1"/>
     <dgm:cxn modelId="{82730BFC-73A6-4AAA-859E-D63E7582F5C3}" srcId="{4982E7B9-393C-446A-B868-3225692A2B68}" destId="{D5F45D29-FBD4-41DD-800B-D6B5495B67A6}" srcOrd="3" destOrd="0" parTransId="{594F3A47-DBA2-4B90-88A8-9DB409C7FB1B}" sibTransId="{961A5643-D233-429A-804D-4FFF9E61CA4E}"/>
     <dgm:cxn modelId="{6DB3ADF8-93DF-44AE-9B79-A5D4B9ED548A}" type="presParOf" srcId="{964E703C-4E8C-4F3D-97D1-30A20012739A}" destId="{1CF4523D-0ED1-455D-9399-3194D9EAFC32}" srcOrd="0" destOrd="0" presId="urn:microsoft.com/office/officeart/2005/8/layout/process1"/>
     <dgm:cxn modelId="{C699C764-ED7D-4943-B499-14AE0E9F1628}" type="presParOf" srcId="{964E703C-4E8C-4F3D-97D1-30A20012739A}" destId="{D406A136-222C-4821-96A6-2A348A3C70A2}" srcOrd="1" destOrd="0" presId="urn:microsoft.com/office/officeart/2005/8/layout/process1"/>
@@ -8782,14 +8852,35 @@
         </dgm:presLayoutVars>
       </dgm:prSet>
       <dgm:spPr/>
+      <dgm:t>
+        <a:bodyPr/>
+        <a:lstStyle/>
+        <a:p>
+          <a:endParaRPr lang="zh-CN" altLang="en-US"/>
+        </a:p>
+      </dgm:t>
     </dgm:pt>
     <dgm:pt modelId="{D406A136-222C-4821-96A6-2A348A3C70A2}" type="pres">
       <dgm:prSet presAssocID="{4EF3A707-A7A8-4808-87F1-0CBF60594F8E}" presName="sibTrans" presStyleLbl="sibTrans2D1" presStyleIdx="0" presStyleCnt="3"/>
       <dgm:spPr/>
+      <dgm:t>
+        <a:bodyPr/>
+        <a:lstStyle/>
+        <a:p>
+          <a:endParaRPr lang="zh-CN" altLang="en-US"/>
+        </a:p>
+      </dgm:t>
     </dgm:pt>
     <dgm:pt modelId="{02DD83ED-E236-45CF-B2AC-731129148BE9}" type="pres">
       <dgm:prSet presAssocID="{4EF3A707-A7A8-4808-87F1-0CBF60594F8E}" presName="connectorText" presStyleLbl="sibTrans2D1" presStyleIdx="0" presStyleCnt="3"/>
       <dgm:spPr/>
+      <dgm:t>
+        <a:bodyPr/>
+        <a:lstStyle/>
+        <a:p>
+          <a:endParaRPr lang="zh-CN" altLang="en-US"/>
+        </a:p>
+      </dgm:t>
     </dgm:pt>
     <dgm:pt modelId="{7BD513CC-2B70-40BE-AB8E-2C53908A813D}" type="pres">
       <dgm:prSet presAssocID="{CB4130AF-C34E-41F6-A9D8-857EB96E3FC4}" presName="node" presStyleLbl="node1" presStyleIdx="1" presStyleCnt="4">
@@ -8798,14 +8889,35 @@
         </dgm:presLayoutVars>
       </dgm:prSet>
       <dgm:spPr/>
+      <dgm:t>
+        <a:bodyPr/>
+        <a:lstStyle/>
+        <a:p>
+          <a:endParaRPr lang="zh-CN" altLang="en-US"/>
+        </a:p>
+      </dgm:t>
     </dgm:pt>
     <dgm:pt modelId="{F4378041-DC71-4D22-8E4B-125FE8972B50}" type="pres">
       <dgm:prSet presAssocID="{F06864E0-5BC0-4994-9709-BD7BB32FA894}" presName="sibTrans" presStyleLbl="sibTrans2D1" presStyleIdx="1" presStyleCnt="3"/>
       <dgm:spPr/>
+      <dgm:t>
+        <a:bodyPr/>
+        <a:lstStyle/>
+        <a:p>
+          <a:endParaRPr lang="zh-CN" altLang="en-US"/>
+        </a:p>
+      </dgm:t>
     </dgm:pt>
     <dgm:pt modelId="{EAE8508B-A6AF-4A00-952A-6833349E5BE0}" type="pres">
       <dgm:prSet presAssocID="{F06864E0-5BC0-4994-9709-BD7BB32FA894}" presName="connectorText" presStyleLbl="sibTrans2D1" presStyleIdx="1" presStyleCnt="3"/>
       <dgm:spPr/>
+      <dgm:t>
+        <a:bodyPr/>
+        <a:lstStyle/>
+        <a:p>
+          <a:endParaRPr lang="zh-CN" altLang="en-US"/>
+        </a:p>
+      </dgm:t>
     </dgm:pt>
     <dgm:pt modelId="{4EDC47AE-0D5E-423F-8022-29390D351195}" type="pres">
       <dgm:prSet presAssocID="{60B60E23-6E4E-407F-B85E-D9881A475F60}" presName="node" presStyleLbl="node1" presStyleIdx="2" presStyleCnt="4">
@@ -8814,14 +8926,35 @@
         </dgm:presLayoutVars>
       </dgm:prSet>
       <dgm:spPr/>
+      <dgm:t>
+        <a:bodyPr/>
+        <a:lstStyle/>
+        <a:p>
+          <a:endParaRPr lang="zh-CN" altLang="en-US"/>
+        </a:p>
+      </dgm:t>
     </dgm:pt>
     <dgm:pt modelId="{6B5D778B-AF11-402D-9C34-0B63FACF9E1B}" type="pres">
       <dgm:prSet presAssocID="{4D0F6C77-3E9C-4F2C-A856-C490A75F7D5F}" presName="sibTrans" presStyleLbl="sibTrans2D1" presStyleIdx="2" presStyleCnt="3"/>
       <dgm:spPr/>
+      <dgm:t>
+        <a:bodyPr/>
+        <a:lstStyle/>
+        <a:p>
+          <a:endParaRPr lang="zh-CN" altLang="en-US"/>
+        </a:p>
+      </dgm:t>
     </dgm:pt>
     <dgm:pt modelId="{A29E33CC-5FF5-409D-B4EB-EE9D8211E277}" type="pres">
       <dgm:prSet presAssocID="{4D0F6C77-3E9C-4F2C-A856-C490A75F7D5F}" presName="connectorText" presStyleLbl="sibTrans2D1" presStyleIdx="2" presStyleCnt="3"/>
       <dgm:spPr/>
+      <dgm:t>
+        <a:bodyPr/>
+        <a:lstStyle/>
+        <a:p>
+          <a:endParaRPr lang="zh-CN" altLang="en-US"/>
+        </a:p>
+      </dgm:t>
     </dgm:pt>
     <dgm:pt modelId="{FBF22977-56B9-4F58-8148-E198416E40AF}" type="pres">
       <dgm:prSet presAssocID="{D5F45D29-FBD4-41DD-800B-D6B5495B67A6}" presName="node" presStyleLbl="node1" presStyleIdx="3" presStyleCnt="4">
@@ -8830,6 +8963,13 @@
         </dgm:presLayoutVars>
       </dgm:prSet>
       <dgm:spPr/>
+      <dgm:t>
+        <a:bodyPr/>
+        <a:lstStyle/>
+        <a:p>
+          <a:endParaRPr lang="zh-CN" altLang="en-US"/>
+        </a:p>
+      </dgm:t>
     </dgm:pt>
   </dgm:ptLst>
   <dgm:cxnLst>
@@ -8844,9 +8984,9 @@
     <dgm:cxn modelId="{7CA550D1-96ED-47C4-9C45-3FB23B04874C}" type="presOf" srcId="{F06864E0-5BC0-4994-9709-BD7BB32FA894}" destId="{EAE8508B-A6AF-4A00-952A-6833349E5BE0}" srcOrd="1" destOrd="0" presId="urn:microsoft.com/office/officeart/2005/8/layout/process1"/>
     <dgm:cxn modelId="{C67B728A-18DE-4A72-A954-3DF75BA9EF32}" srcId="{4982E7B9-393C-446A-B868-3225692A2B68}" destId="{60B60E23-6E4E-407F-B85E-D9881A475F60}" srcOrd="2" destOrd="0" parTransId="{0AEDCB28-B3FC-43B4-A5E3-14554B946B61}" sibTransId="{4D0F6C77-3E9C-4F2C-A856-C490A75F7D5F}"/>
     <dgm:cxn modelId="{A94C36C6-D98C-4AB3-A73A-416CAD79EAB2}" type="presOf" srcId="{D5F45D29-FBD4-41DD-800B-D6B5495B67A6}" destId="{FBF22977-56B9-4F58-8148-E198416E40AF}" srcOrd="0" destOrd="0" presId="urn:microsoft.com/office/officeart/2005/8/layout/process1"/>
-    <dgm:cxn modelId="{0477910A-A53C-44FD-98FA-0208604D7D48}" type="presOf" srcId="{4D0F6C77-3E9C-4F2C-A856-C490A75F7D5F}" destId="{A29E33CC-5FF5-409D-B4EB-EE9D8211E277}" srcOrd="1" destOrd="0" presId="urn:microsoft.com/office/officeart/2005/8/layout/process1"/>
     <dgm:cxn modelId="{1125D7C3-9845-4855-9057-092C9713CFE1}" type="presOf" srcId="{4EF3A707-A7A8-4808-87F1-0CBF60594F8E}" destId="{02DD83ED-E236-45CF-B2AC-731129148BE9}" srcOrd="1" destOrd="0" presId="urn:microsoft.com/office/officeart/2005/8/layout/process1"/>
     <dgm:cxn modelId="{BDB70258-2F68-4796-AE58-DB750A99681F}" type="presOf" srcId="{4EF3A707-A7A8-4808-87F1-0CBF60594F8E}" destId="{D406A136-222C-4821-96A6-2A348A3C70A2}" srcOrd="0" destOrd="0" presId="urn:microsoft.com/office/officeart/2005/8/layout/process1"/>
+    <dgm:cxn modelId="{0477910A-A53C-44FD-98FA-0208604D7D48}" type="presOf" srcId="{4D0F6C77-3E9C-4F2C-A856-C490A75F7D5F}" destId="{A29E33CC-5FF5-409D-B4EB-EE9D8211E277}" srcOrd="1" destOrd="0" presId="urn:microsoft.com/office/officeart/2005/8/layout/process1"/>
     <dgm:cxn modelId="{82730BFC-73A6-4AAA-859E-D63E7582F5C3}" srcId="{4982E7B9-393C-446A-B868-3225692A2B68}" destId="{D5F45D29-FBD4-41DD-800B-D6B5495B67A6}" srcOrd="3" destOrd="0" parTransId="{594F3A47-DBA2-4B90-88A8-9DB409C7FB1B}" sibTransId="{961A5643-D233-429A-804D-4FFF9E61CA4E}"/>
     <dgm:cxn modelId="{6DB3ADF8-93DF-44AE-9B79-A5D4B9ED548A}" type="presParOf" srcId="{964E703C-4E8C-4F3D-97D1-30A20012739A}" destId="{1CF4523D-0ED1-455D-9399-3194D9EAFC32}" srcOrd="0" destOrd="0" presId="urn:microsoft.com/office/officeart/2005/8/layout/process1"/>
     <dgm:cxn modelId="{C699C764-ED7D-4943-B499-14AE0E9F1628}" type="presParOf" srcId="{964E703C-4E8C-4F3D-97D1-30A20012739A}" destId="{D406A136-222C-4821-96A6-2A348A3C70A2}" srcOrd="1" destOrd="0" presId="urn:microsoft.com/office/officeart/2005/8/layout/process1"/>
@@ -9044,14 +9184,35 @@
         </dgm:presLayoutVars>
       </dgm:prSet>
       <dgm:spPr/>
+      <dgm:t>
+        <a:bodyPr/>
+        <a:lstStyle/>
+        <a:p>
+          <a:endParaRPr lang="zh-CN" altLang="en-US"/>
+        </a:p>
+      </dgm:t>
     </dgm:pt>
     <dgm:pt modelId="{D406A136-222C-4821-96A6-2A348A3C70A2}" type="pres">
       <dgm:prSet presAssocID="{4EF3A707-A7A8-4808-87F1-0CBF60594F8E}" presName="sibTrans" presStyleLbl="sibTrans2D1" presStyleIdx="0" presStyleCnt="3"/>
       <dgm:spPr/>
+      <dgm:t>
+        <a:bodyPr/>
+        <a:lstStyle/>
+        <a:p>
+          <a:endParaRPr lang="zh-CN" altLang="en-US"/>
+        </a:p>
+      </dgm:t>
     </dgm:pt>
     <dgm:pt modelId="{02DD83ED-E236-45CF-B2AC-731129148BE9}" type="pres">
       <dgm:prSet presAssocID="{4EF3A707-A7A8-4808-87F1-0CBF60594F8E}" presName="connectorText" presStyleLbl="sibTrans2D1" presStyleIdx="0" presStyleCnt="3"/>
       <dgm:spPr/>
+      <dgm:t>
+        <a:bodyPr/>
+        <a:lstStyle/>
+        <a:p>
+          <a:endParaRPr lang="zh-CN" altLang="en-US"/>
+        </a:p>
+      </dgm:t>
     </dgm:pt>
     <dgm:pt modelId="{7BD513CC-2B70-40BE-AB8E-2C53908A813D}" type="pres">
       <dgm:prSet presAssocID="{CB4130AF-C34E-41F6-A9D8-857EB96E3FC4}" presName="node" presStyleLbl="node1" presStyleIdx="1" presStyleCnt="4">
@@ -9060,14 +9221,35 @@
         </dgm:presLayoutVars>
       </dgm:prSet>
       <dgm:spPr/>
+      <dgm:t>
+        <a:bodyPr/>
+        <a:lstStyle/>
+        <a:p>
+          <a:endParaRPr lang="zh-CN" altLang="en-US"/>
+        </a:p>
+      </dgm:t>
     </dgm:pt>
     <dgm:pt modelId="{F4378041-DC71-4D22-8E4B-125FE8972B50}" type="pres">
       <dgm:prSet presAssocID="{F06864E0-5BC0-4994-9709-BD7BB32FA894}" presName="sibTrans" presStyleLbl="sibTrans2D1" presStyleIdx="1" presStyleCnt="3"/>
       <dgm:spPr/>
+      <dgm:t>
+        <a:bodyPr/>
+        <a:lstStyle/>
+        <a:p>
+          <a:endParaRPr lang="zh-CN" altLang="en-US"/>
+        </a:p>
+      </dgm:t>
     </dgm:pt>
     <dgm:pt modelId="{EAE8508B-A6AF-4A00-952A-6833349E5BE0}" type="pres">
       <dgm:prSet presAssocID="{F06864E0-5BC0-4994-9709-BD7BB32FA894}" presName="connectorText" presStyleLbl="sibTrans2D1" presStyleIdx="1" presStyleCnt="3"/>
       <dgm:spPr/>
+      <dgm:t>
+        <a:bodyPr/>
+        <a:lstStyle/>
+        <a:p>
+          <a:endParaRPr lang="zh-CN" altLang="en-US"/>
+        </a:p>
+      </dgm:t>
     </dgm:pt>
     <dgm:pt modelId="{4EDC47AE-0D5E-423F-8022-29390D351195}" type="pres">
       <dgm:prSet presAssocID="{60B60E23-6E4E-407F-B85E-D9881A475F60}" presName="node" presStyleLbl="node1" presStyleIdx="2" presStyleCnt="4">
@@ -9076,14 +9258,35 @@
         </dgm:presLayoutVars>
       </dgm:prSet>
       <dgm:spPr/>
+      <dgm:t>
+        <a:bodyPr/>
+        <a:lstStyle/>
+        <a:p>
+          <a:endParaRPr lang="zh-CN" altLang="en-US"/>
+        </a:p>
+      </dgm:t>
     </dgm:pt>
     <dgm:pt modelId="{6B5D778B-AF11-402D-9C34-0B63FACF9E1B}" type="pres">
       <dgm:prSet presAssocID="{4D0F6C77-3E9C-4F2C-A856-C490A75F7D5F}" presName="sibTrans" presStyleLbl="sibTrans2D1" presStyleIdx="2" presStyleCnt="3"/>
       <dgm:spPr/>
+      <dgm:t>
+        <a:bodyPr/>
+        <a:lstStyle/>
+        <a:p>
+          <a:endParaRPr lang="zh-CN" altLang="en-US"/>
+        </a:p>
+      </dgm:t>
     </dgm:pt>
     <dgm:pt modelId="{A29E33CC-5FF5-409D-B4EB-EE9D8211E277}" type="pres">
       <dgm:prSet presAssocID="{4D0F6C77-3E9C-4F2C-A856-C490A75F7D5F}" presName="connectorText" presStyleLbl="sibTrans2D1" presStyleIdx="2" presStyleCnt="3"/>
       <dgm:spPr/>
+      <dgm:t>
+        <a:bodyPr/>
+        <a:lstStyle/>
+        <a:p>
+          <a:endParaRPr lang="zh-CN" altLang="en-US"/>
+        </a:p>
+      </dgm:t>
     </dgm:pt>
     <dgm:pt modelId="{FBF22977-56B9-4F58-8148-E198416E40AF}" type="pres">
       <dgm:prSet presAssocID="{D5F45D29-FBD4-41DD-800B-D6B5495B67A6}" presName="node" presStyleLbl="node1" presStyleIdx="3" presStyleCnt="4">
@@ -9092,6 +9295,13 @@
         </dgm:presLayoutVars>
       </dgm:prSet>
       <dgm:spPr/>
+      <dgm:t>
+        <a:bodyPr/>
+        <a:lstStyle/>
+        <a:p>
+          <a:endParaRPr lang="zh-CN" altLang="en-US"/>
+        </a:p>
+      </dgm:t>
     </dgm:pt>
   </dgm:ptLst>
   <dgm:cxnLst>
@@ -9106,9 +9316,9 @@
     <dgm:cxn modelId="{7CA550D1-96ED-47C4-9C45-3FB23B04874C}" type="presOf" srcId="{F06864E0-5BC0-4994-9709-BD7BB32FA894}" destId="{EAE8508B-A6AF-4A00-952A-6833349E5BE0}" srcOrd="1" destOrd="0" presId="urn:microsoft.com/office/officeart/2005/8/layout/process1"/>
     <dgm:cxn modelId="{C67B728A-18DE-4A72-A954-3DF75BA9EF32}" srcId="{4982E7B9-393C-446A-B868-3225692A2B68}" destId="{60B60E23-6E4E-407F-B85E-D9881A475F60}" srcOrd="2" destOrd="0" parTransId="{0AEDCB28-B3FC-43B4-A5E3-14554B946B61}" sibTransId="{4D0F6C77-3E9C-4F2C-A856-C490A75F7D5F}"/>
     <dgm:cxn modelId="{A94C36C6-D98C-4AB3-A73A-416CAD79EAB2}" type="presOf" srcId="{D5F45D29-FBD4-41DD-800B-D6B5495B67A6}" destId="{FBF22977-56B9-4F58-8148-E198416E40AF}" srcOrd="0" destOrd="0" presId="urn:microsoft.com/office/officeart/2005/8/layout/process1"/>
-    <dgm:cxn modelId="{0477910A-A53C-44FD-98FA-0208604D7D48}" type="presOf" srcId="{4D0F6C77-3E9C-4F2C-A856-C490A75F7D5F}" destId="{A29E33CC-5FF5-409D-B4EB-EE9D8211E277}" srcOrd="1" destOrd="0" presId="urn:microsoft.com/office/officeart/2005/8/layout/process1"/>
     <dgm:cxn modelId="{1125D7C3-9845-4855-9057-092C9713CFE1}" type="presOf" srcId="{4EF3A707-A7A8-4808-87F1-0CBF60594F8E}" destId="{02DD83ED-E236-45CF-B2AC-731129148BE9}" srcOrd="1" destOrd="0" presId="urn:microsoft.com/office/officeart/2005/8/layout/process1"/>
     <dgm:cxn modelId="{BDB70258-2F68-4796-AE58-DB750A99681F}" type="presOf" srcId="{4EF3A707-A7A8-4808-87F1-0CBF60594F8E}" destId="{D406A136-222C-4821-96A6-2A348A3C70A2}" srcOrd="0" destOrd="0" presId="urn:microsoft.com/office/officeart/2005/8/layout/process1"/>
+    <dgm:cxn modelId="{0477910A-A53C-44FD-98FA-0208604D7D48}" type="presOf" srcId="{4D0F6C77-3E9C-4F2C-A856-C490A75F7D5F}" destId="{A29E33CC-5FF5-409D-B4EB-EE9D8211E277}" srcOrd="1" destOrd="0" presId="urn:microsoft.com/office/officeart/2005/8/layout/process1"/>
     <dgm:cxn modelId="{82730BFC-73A6-4AAA-859E-D63E7582F5C3}" srcId="{4982E7B9-393C-446A-B868-3225692A2B68}" destId="{D5F45D29-FBD4-41DD-800B-D6B5495B67A6}" srcOrd="3" destOrd="0" parTransId="{594F3A47-DBA2-4B90-88A8-9DB409C7FB1B}" sibTransId="{961A5643-D233-429A-804D-4FFF9E61CA4E}"/>
     <dgm:cxn modelId="{6DB3ADF8-93DF-44AE-9B79-A5D4B9ED548A}" type="presParOf" srcId="{964E703C-4E8C-4F3D-97D1-30A20012739A}" destId="{1CF4523D-0ED1-455D-9399-3194D9EAFC32}" srcOrd="0" destOrd="0" presId="urn:microsoft.com/office/officeart/2005/8/layout/process1"/>
     <dgm:cxn modelId="{C699C764-ED7D-4943-B499-14AE0E9F1628}" type="presParOf" srcId="{964E703C-4E8C-4F3D-97D1-30A20012739A}" destId="{D406A136-222C-4821-96A6-2A348A3C70A2}" srcOrd="1" destOrd="0" presId="urn:microsoft.com/office/officeart/2005/8/layout/process1"/>
@@ -9306,14 +9516,35 @@
         </dgm:presLayoutVars>
       </dgm:prSet>
       <dgm:spPr/>
+      <dgm:t>
+        <a:bodyPr/>
+        <a:lstStyle/>
+        <a:p>
+          <a:endParaRPr lang="zh-CN" altLang="en-US"/>
+        </a:p>
+      </dgm:t>
     </dgm:pt>
     <dgm:pt modelId="{D406A136-222C-4821-96A6-2A348A3C70A2}" type="pres">
       <dgm:prSet presAssocID="{4EF3A707-A7A8-4808-87F1-0CBF60594F8E}" presName="sibTrans" presStyleLbl="sibTrans2D1" presStyleIdx="0" presStyleCnt="3"/>
       <dgm:spPr/>
+      <dgm:t>
+        <a:bodyPr/>
+        <a:lstStyle/>
+        <a:p>
+          <a:endParaRPr lang="zh-CN" altLang="en-US"/>
+        </a:p>
+      </dgm:t>
     </dgm:pt>
     <dgm:pt modelId="{02DD83ED-E236-45CF-B2AC-731129148BE9}" type="pres">
       <dgm:prSet presAssocID="{4EF3A707-A7A8-4808-87F1-0CBF60594F8E}" presName="connectorText" presStyleLbl="sibTrans2D1" presStyleIdx="0" presStyleCnt="3"/>
       <dgm:spPr/>
+      <dgm:t>
+        <a:bodyPr/>
+        <a:lstStyle/>
+        <a:p>
+          <a:endParaRPr lang="zh-CN" altLang="en-US"/>
+        </a:p>
+      </dgm:t>
     </dgm:pt>
     <dgm:pt modelId="{7BD513CC-2B70-40BE-AB8E-2C53908A813D}" type="pres">
       <dgm:prSet presAssocID="{CB4130AF-C34E-41F6-A9D8-857EB96E3FC4}" presName="node" presStyleLbl="node1" presStyleIdx="1" presStyleCnt="4">
@@ -9322,14 +9553,35 @@
         </dgm:presLayoutVars>
       </dgm:prSet>
       <dgm:spPr/>
+      <dgm:t>
+        <a:bodyPr/>
+        <a:lstStyle/>
+        <a:p>
+          <a:endParaRPr lang="zh-CN" altLang="en-US"/>
+        </a:p>
+      </dgm:t>
     </dgm:pt>
     <dgm:pt modelId="{F4378041-DC71-4D22-8E4B-125FE8972B50}" type="pres">
       <dgm:prSet presAssocID="{F06864E0-5BC0-4994-9709-BD7BB32FA894}" presName="sibTrans" presStyleLbl="sibTrans2D1" presStyleIdx="1" presStyleCnt="3"/>
       <dgm:spPr/>
+      <dgm:t>
+        <a:bodyPr/>
+        <a:lstStyle/>
+        <a:p>
+          <a:endParaRPr lang="zh-CN" altLang="en-US"/>
+        </a:p>
+      </dgm:t>
     </dgm:pt>
     <dgm:pt modelId="{EAE8508B-A6AF-4A00-952A-6833349E5BE0}" type="pres">
       <dgm:prSet presAssocID="{F06864E0-5BC0-4994-9709-BD7BB32FA894}" presName="connectorText" presStyleLbl="sibTrans2D1" presStyleIdx="1" presStyleCnt="3"/>
       <dgm:spPr/>
+      <dgm:t>
+        <a:bodyPr/>
+        <a:lstStyle/>
+        <a:p>
+          <a:endParaRPr lang="zh-CN" altLang="en-US"/>
+        </a:p>
+      </dgm:t>
     </dgm:pt>
     <dgm:pt modelId="{4EDC47AE-0D5E-423F-8022-29390D351195}" type="pres">
       <dgm:prSet presAssocID="{60B60E23-6E4E-407F-B85E-D9881A475F60}" presName="node" presStyleLbl="node1" presStyleIdx="2" presStyleCnt="4">
@@ -9338,14 +9590,35 @@
         </dgm:presLayoutVars>
       </dgm:prSet>
       <dgm:spPr/>
+      <dgm:t>
+        <a:bodyPr/>
+        <a:lstStyle/>
+        <a:p>
+          <a:endParaRPr lang="zh-CN" altLang="en-US"/>
+        </a:p>
+      </dgm:t>
     </dgm:pt>
     <dgm:pt modelId="{6B5D778B-AF11-402D-9C34-0B63FACF9E1B}" type="pres">
       <dgm:prSet presAssocID="{4D0F6C77-3E9C-4F2C-A856-C490A75F7D5F}" presName="sibTrans" presStyleLbl="sibTrans2D1" presStyleIdx="2" presStyleCnt="3"/>
       <dgm:spPr/>
+      <dgm:t>
+        <a:bodyPr/>
+        <a:lstStyle/>
+        <a:p>
+          <a:endParaRPr lang="zh-CN" altLang="en-US"/>
+        </a:p>
+      </dgm:t>
     </dgm:pt>
     <dgm:pt modelId="{A29E33CC-5FF5-409D-B4EB-EE9D8211E277}" type="pres">
       <dgm:prSet presAssocID="{4D0F6C77-3E9C-4F2C-A856-C490A75F7D5F}" presName="connectorText" presStyleLbl="sibTrans2D1" presStyleIdx="2" presStyleCnt="3"/>
       <dgm:spPr/>
+      <dgm:t>
+        <a:bodyPr/>
+        <a:lstStyle/>
+        <a:p>
+          <a:endParaRPr lang="zh-CN" altLang="en-US"/>
+        </a:p>
+      </dgm:t>
     </dgm:pt>
     <dgm:pt modelId="{FBF22977-56B9-4F58-8148-E198416E40AF}" type="pres">
       <dgm:prSet presAssocID="{D5F45D29-FBD4-41DD-800B-D6B5495B67A6}" presName="node" presStyleLbl="node1" presStyleIdx="3" presStyleCnt="4">
@@ -9354,6 +9627,13 @@
         </dgm:presLayoutVars>
       </dgm:prSet>
       <dgm:spPr/>
+      <dgm:t>
+        <a:bodyPr/>
+        <a:lstStyle/>
+        <a:p>
+          <a:endParaRPr lang="zh-CN" altLang="en-US"/>
+        </a:p>
+      </dgm:t>
     </dgm:pt>
   </dgm:ptLst>
   <dgm:cxnLst>
@@ -9368,9 +9648,9 @@
     <dgm:cxn modelId="{7CA550D1-96ED-47C4-9C45-3FB23B04874C}" type="presOf" srcId="{F06864E0-5BC0-4994-9709-BD7BB32FA894}" destId="{EAE8508B-A6AF-4A00-952A-6833349E5BE0}" srcOrd="1" destOrd="0" presId="urn:microsoft.com/office/officeart/2005/8/layout/process1"/>
     <dgm:cxn modelId="{C67B728A-18DE-4A72-A954-3DF75BA9EF32}" srcId="{4982E7B9-393C-446A-B868-3225692A2B68}" destId="{60B60E23-6E4E-407F-B85E-D9881A475F60}" srcOrd="2" destOrd="0" parTransId="{0AEDCB28-B3FC-43B4-A5E3-14554B946B61}" sibTransId="{4D0F6C77-3E9C-4F2C-A856-C490A75F7D5F}"/>
     <dgm:cxn modelId="{A94C36C6-D98C-4AB3-A73A-416CAD79EAB2}" type="presOf" srcId="{D5F45D29-FBD4-41DD-800B-D6B5495B67A6}" destId="{FBF22977-56B9-4F58-8148-E198416E40AF}" srcOrd="0" destOrd="0" presId="urn:microsoft.com/office/officeart/2005/8/layout/process1"/>
-    <dgm:cxn modelId="{0477910A-A53C-44FD-98FA-0208604D7D48}" type="presOf" srcId="{4D0F6C77-3E9C-4F2C-A856-C490A75F7D5F}" destId="{A29E33CC-5FF5-409D-B4EB-EE9D8211E277}" srcOrd="1" destOrd="0" presId="urn:microsoft.com/office/officeart/2005/8/layout/process1"/>
     <dgm:cxn modelId="{1125D7C3-9845-4855-9057-092C9713CFE1}" type="presOf" srcId="{4EF3A707-A7A8-4808-87F1-0CBF60594F8E}" destId="{02DD83ED-E236-45CF-B2AC-731129148BE9}" srcOrd="1" destOrd="0" presId="urn:microsoft.com/office/officeart/2005/8/layout/process1"/>
     <dgm:cxn modelId="{BDB70258-2F68-4796-AE58-DB750A99681F}" type="presOf" srcId="{4EF3A707-A7A8-4808-87F1-0CBF60594F8E}" destId="{D406A136-222C-4821-96A6-2A348A3C70A2}" srcOrd="0" destOrd="0" presId="urn:microsoft.com/office/officeart/2005/8/layout/process1"/>
+    <dgm:cxn modelId="{0477910A-A53C-44FD-98FA-0208604D7D48}" type="presOf" srcId="{4D0F6C77-3E9C-4F2C-A856-C490A75F7D5F}" destId="{A29E33CC-5FF5-409D-B4EB-EE9D8211E277}" srcOrd="1" destOrd="0" presId="urn:microsoft.com/office/officeart/2005/8/layout/process1"/>
     <dgm:cxn modelId="{82730BFC-73A6-4AAA-859E-D63E7582F5C3}" srcId="{4982E7B9-393C-446A-B868-3225692A2B68}" destId="{D5F45D29-FBD4-41DD-800B-D6B5495B67A6}" srcOrd="3" destOrd="0" parTransId="{594F3A47-DBA2-4B90-88A8-9DB409C7FB1B}" sibTransId="{961A5643-D233-429A-804D-4FFF9E61CA4E}"/>
     <dgm:cxn modelId="{6DB3ADF8-93DF-44AE-9B79-A5D4B9ED548A}" type="presParOf" srcId="{964E703C-4E8C-4F3D-97D1-30A20012739A}" destId="{1CF4523D-0ED1-455D-9399-3194D9EAFC32}" srcOrd="0" destOrd="0" presId="urn:microsoft.com/office/officeart/2005/8/layout/process1"/>
     <dgm:cxn modelId="{C699C764-ED7D-4943-B499-14AE0E9F1628}" type="presParOf" srcId="{964E703C-4E8C-4F3D-97D1-30A20012739A}" destId="{D406A136-222C-4821-96A6-2A348A3C70A2}" srcOrd="1" destOrd="0" presId="urn:microsoft.com/office/officeart/2005/8/layout/process1"/>
@@ -9568,14 +9848,35 @@
         </dgm:presLayoutVars>
       </dgm:prSet>
       <dgm:spPr/>
+      <dgm:t>
+        <a:bodyPr/>
+        <a:lstStyle/>
+        <a:p>
+          <a:endParaRPr lang="zh-CN" altLang="en-US"/>
+        </a:p>
+      </dgm:t>
     </dgm:pt>
     <dgm:pt modelId="{D406A136-222C-4821-96A6-2A348A3C70A2}" type="pres">
       <dgm:prSet presAssocID="{4EF3A707-A7A8-4808-87F1-0CBF60594F8E}" presName="sibTrans" presStyleLbl="sibTrans2D1" presStyleIdx="0" presStyleCnt="3"/>
       <dgm:spPr/>
+      <dgm:t>
+        <a:bodyPr/>
+        <a:lstStyle/>
+        <a:p>
+          <a:endParaRPr lang="zh-CN" altLang="en-US"/>
+        </a:p>
+      </dgm:t>
     </dgm:pt>
     <dgm:pt modelId="{02DD83ED-E236-45CF-B2AC-731129148BE9}" type="pres">
       <dgm:prSet presAssocID="{4EF3A707-A7A8-4808-87F1-0CBF60594F8E}" presName="connectorText" presStyleLbl="sibTrans2D1" presStyleIdx="0" presStyleCnt="3"/>
       <dgm:spPr/>
+      <dgm:t>
+        <a:bodyPr/>
+        <a:lstStyle/>
+        <a:p>
+          <a:endParaRPr lang="zh-CN" altLang="en-US"/>
+        </a:p>
+      </dgm:t>
     </dgm:pt>
     <dgm:pt modelId="{7BD513CC-2B70-40BE-AB8E-2C53908A813D}" type="pres">
       <dgm:prSet presAssocID="{CB4130AF-C34E-41F6-A9D8-857EB96E3FC4}" presName="node" presStyleLbl="node1" presStyleIdx="1" presStyleCnt="4">
@@ -9584,14 +9885,35 @@
         </dgm:presLayoutVars>
       </dgm:prSet>
       <dgm:spPr/>
+      <dgm:t>
+        <a:bodyPr/>
+        <a:lstStyle/>
+        <a:p>
+          <a:endParaRPr lang="zh-CN" altLang="en-US"/>
+        </a:p>
+      </dgm:t>
     </dgm:pt>
     <dgm:pt modelId="{F4378041-DC71-4D22-8E4B-125FE8972B50}" type="pres">
       <dgm:prSet presAssocID="{F06864E0-5BC0-4994-9709-BD7BB32FA894}" presName="sibTrans" presStyleLbl="sibTrans2D1" presStyleIdx="1" presStyleCnt="3"/>
       <dgm:spPr/>
+      <dgm:t>
+        <a:bodyPr/>
+        <a:lstStyle/>
+        <a:p>
+          <a:endParaRPr lang="zh-CN" altLang="en-US"/>
+        </a:p>
+      </dgm:t>
     </dgm:pt>
     <dgm:pt modelId="{EAE8508B-A6AF-4A00-952A-6833349E5BE0}" type="pres">
       <dgm:prSet presAssocID="{F06864E0-5BC0-4994-9709-BD7BB32FA894}" presName="connectorText" presStyleLbl="sibTrans2D1" presStyleIdx="1" presStyleCnt="3"/>
       <dgm:spPr/>
+      <dgm:t>
+        <a:bodyPr/>
+        <a:lstStyle/>
+        <a:p>
+          <a:endParaRPr lang="zh-CN" altLang="en-US"/>
+        </a:p>
+      </dgm:t>
     </dgm:pt>
     <dgm:pt modelId="{4EDC47AE-0D5E-423F-8022-29390D351195}" type="pres">
       <dgm:prSet presAssocID="{60B60E23-6E4E-407F-B85E-D9881A475F60}" presName="node" presStyleLbl="node1" presStyleIdx="2" presStyleCnt="4">
@@ -9600,14 +9922,35 @@
         </dgm:presLayoutVars>
       </dgm:prSet>
       <dgm:spPr/>
+      <dgm:t>
+        <a:bodyPr/>
+        <a:lstStyle/>
+        <a:p>
+          <a:endParaRPr lang="zh-CN" altLang="en-US"/>
+        </a:p>
+      </dgm:t>
     </dgm:pt>
     <dgm:pt modelId="{6B5D778B-AF11-402D-9C34-0B63FACF9E1B}" type="pres">
       <dgm:prSet presAssocID="{4D0F6C77-3E9C-4F2C-A856-C490A75F7D5F}" presName="sibTrans" presStyleLbl="sibTrans2D1" presStyleIdx="2" presStyleCnt="3"/>
       <dgm:spPr/>
+      <dgm:t>
+        <a:bodyPr/>
+        <a:lstStyle/>
+        <a:p>
+          <a:endParaRPr lang="zh-CN" altLang="en-US"/>
+        </a:p>
+      </dgm:t>
     </dgm:pt>
     <dgm:pt modelId="{A29E33CC-5FF5-409D-B4EB-EE9D8211E277}" type="pres">
       <dgm:prSet presAssocID="{4D0F6C77-3E9C-4F2C-A856-C490A75F7D5F}" presName="connectorText" presStyleLbl="sibTrans2D1" presStyleIdx="2" presStyleCnt="3"/>
       <dgm:spPr/>
+      <dgm:t>
+        <a:bodyPr/>
+        <a:lstStyle/>
+        <a:p>
+          <a:endParaRPr lang="zh-CN" altLang="en-US"/>
+        </a:p>
+      </dgm:t>
     </dgm:pt>
     <dgm:pt modelId="{FBF22977-56B9-4F58-8148-E198416E40AF}" type="pres">
       <dgm:prSet presAssocID="{D5F45D29-FBD4-41DD-800B-D6B5495B67A6}" presName="node" presStyleLbl="node1" presStyleIdx="3" presStyleCnt="4">
@@ -9616,6 +9959,13 @@
         </dgm:presLayoutVars>
       </dgm:prSet>
       <dgm:spPr/>
+      <dgm:t>
+        <a:bodyPr/>
+        <a:lstStyle/>
+        <a:p>
+          <a:endParaRPr lang="zh-CN" altLang="en-US"/>
+        </a:p>
+      </dgm:t>
     </dgm:pt>
   </dgm:ptLst>
   <dgm:cxnLst>
@@ -9630,9 +9980,9 @@
     <dgm:cxn modelId="{7CA550D1-96ED-47C4-9C45-3FB23B04874C}" type="presOf" srcId="{F06864E0-5BC0-4994-9709-BD7BB32FA894}" destId="{EAE8508B-A6AF-4A00-952A-6833349E5BE0}" srcOrd="1" destOrd="0" presId="urn:microsoft.com/office/officeart/2005/8/layout/process1"/>
     <dgm:cxn modelId="{C67B728A-18DE-4A72-A954-3DF75BA9EF32}" srcId="{4982E7B9-393C-446A-B868-3225692A2B68}" destId="{60B60E23-6E4E-407F-B85E-D9881A475F60}" srcOrd="2" destOrd="0" parTransId="{0AEDCB28-B3FC-43B4-A5E3-14554B946B61}" sibTransId="{4D0F6C77-3E9C-4F2C-A856-C490A75F7D5F}"/>
     <dgm:cxn modelId="{A94C36C6-D98C-4AB3-A73A-416CAD79EAB2}" type="presOf" srcId="{D5F45D29-FBD4-41DD-800B-D6B5495B67A6}" destId="{FBF22977-56B9-4F58-8148-E198416E40AF}" srcOrd="0" destOrd="0" presId="urn:microsoft.com/office/officeart/2005/8/layout/process1"/>
-    <dgm:cxn modelId="{0477910A-A53C-44FD-98FA-0208604D7D48}" type="presOf" srcId="{4D0F6C77-3E9C-4F2C-A856-C490A75F7D5F}" destId="{A29E33CC-5FF5-409D-B4EB-EE9D8211E277}" srcOrd="1" destOrd="0" presId="urn:microsoft.com/office/officeart/2005/8/layout/process1"/>
     <dgm:cxn modelId="{1125D7C3-9845-4855-9057-092C9713CFE1}" type="presOf" srcId="{4EF3A707-A7A8-4808-87F1-0CBF60594F8E}" destId="{02DD83ED-E236-45CF-B2AC-731129148BE9}" srcOrd="1" destOrd="0" presId="urn:microsoft.com/office/officeart/2005/8/layout/process1"/>
     <dgm:cxn modelId="{BDB70258-2F68-4796-AE58-DB750A99681F}" type="presOf" srcId="{4EF3A707-A7A8-4808-87F1-0CBF60594F8E}" destId="{D406A136-222C-4821-96A6-2A348A3C70A2}" srcOrd="0" destOrd="0" presId="urn:microsoft.com/office/officeart/2005/8/layout/process1"/>
+    <dgm:cxn modelId="{0477910A-A53C-44FD-98FA-0208604D7D48}" type="presOf" srcId="{4D0F6C77-3E9C-4F2C-A856-C490A75F7D5F}" destId="{A29E33CC-5FF5-409D-B4EB-EE9D8211E277}" srcOrd="1" destOrd="0" presId="urn:microsoft.com/office/officeart/2005/8/layout/process1"/>
     <dgm:cxn modelId="{82730BFC-73A6-4AAA-859E-D63E7582F5C3}" srcId="{4982E7B9-393C-446A-B868-3225692A2B68}" destId="{D5F45D29-FBD4-41DD-800B-D6B5495B67A6}" srcOrd="3" destOrd="0" parTransId="{594F3A47-DBA2-4B90-88A8-9DB409C7FB1B}" sibTransId="{961A5643-D233-429A-804D-4FFF9E61CA4E}"/>
     <dgm:cxn modelId="{6DB3ADF8-93DF-44AE-9B79-A5D4B9ED548A}" type="presParOf" srcId="{964E703C-4E8C-4F3D-97D1-30A20012739A}" destId="{1CF4523D-0ED1-455D-9399-3194D9EAFC32}" srcOrd="0" destOrd="0" presId="urn:microsoft.com/office/officeart/2005/8/layout/process1"/>
     <dgm:cxn modelId="{C699C764-ED7D-4943-B499-14AE0E9F1628}" type="presParOf" srcId="{964E703C-4E8C-4F3D-97D1-30A20012739A}" destId="{D406A136-222C-4821-96A6-2A348A3C70A2}" srcOrd="1" destOrd="0" presId="urn:microsoft.com/office/officeart/2005/8/layout/process1"/>
@@ -9830,14 +10180,35 @@
         </dgm:presLayoutVars>
       </dgm:prSet>
       <dgm:spPr/>
+      <dgm:t>
+        <a:bodyPr/>
+        <a:lstStyle/>
+        <a:p>
+          <a:endParaRPr lang="zh-CN" altLang="en-US"/>
+        </a:p>
+      </dgm:t>
     </dgm:pt>
     <dgm:pt modelId="{D406A136-222C-4821-96A6-2A348A3C70A2}" type="pres">
       <dgm:prSet presAssocID="{4EF3A707-A7A8-4808-87F1-0CBF60594F8E}" presName="sibTrans" presStyleLbl="sibTrans2D1" presStyleIdx="0" presStyleCnt="3"/>
       <dgm:spPr/>
+      <dgm:t>
+        <a:bodyPr/>
+        <a:lstStyle/>
+        <a:p>
+          <a:endParaRPr lang="zh-CN" altLang="en-US"/>
+        </a:p>
+      </dgm:t>
     </dgm:pt>
     <dgm:pt modelId="{02DD83ED-E236-45CF-B2AC-731129148BE9}" type="pres">
       <dgm:prSet presAssocID="{4EF3A707-A7A8-4808-87F1-0CBF60594F8E}" presName="connectorText" presStyleLbl="sibTrans2D1" presStyleIdx="0" presStyleCnt="3"/>
       <dgm:spPr/>
+      <dgm:t>
+        <a:bodyPr/>
+        <a:lstStyle/>
+        <a:p>
+          <a:endParaRPr lang="zh-CN" altLang="en-US"/>
+        </a:p>
+      </dgm:t>
     </dgm:pt>
     <dgm:pt modelId="{7BD513CC-2B70-40BE-AB8E-2C53908A813D}" type="pres">
       <dgm:prSet presAssocID="{CB4130AF-C34E-41F6-A9D8-857EB96E3FC4}" presName="node" presStyleLbl="node1" presStyleIdx="1" presStyleCnt="4">
@@ -9846,14 +10217,35 @@
         </dgm:presLayoutVars>
       </dgm:prSet>
       <dgm:spPr/>
+      <dgm:t>
+        <a:bodyPr/>
+        <a:lstStyle/>
+        <a:p>
+          <a:endParaRPr lang="zh-CN" altLang="en-US"/>
+        </a:p>
+      </dgm:t>
     </dgm:pt>
     <dgm:pt modelId="{F4378041-DC71-4D22-8E4B-125FE8972B50}" type="pres">
       <dgm:prSet presAssocID="{F06864E0-5BC0-4994-9709-BD7BB32FA894}" presName="sibTrans" presStyleLbl="sibTrans2D1" presStyleIdx="1" presStyleCnt="3"/>
       <dgm:spPr/>
+      <dgm:t>
+        <a:bodyPr/>
+        <a:lstStyle/>
+        <a:p>
+          <a:endParaRPr lang="zh-CN" altLang="en-US"/>
+        </a:p>
+      </dgm:t>
     </dgm:pt>
     <dgm:pt modelId="{EAE8508B-A6AF-4A00-952A-6833349E5BE0}" type="pres">
       <dgm:prSet presAssocID="{F06864E0-5BC0-4994-9709-BD7BB32FA894}" presName="connectorText" presStyleLbl="sibTrans2D1" presStyleIdx="1" presStyleCnt="3"/>
       <dgm:spPr/>
+      <dgm:t>
+        <a:bodyPr/>
+        <a:lstStyle/>
+        <a:p>
+          <a:endParaRPr lang="zh-CN" altLang="en-US"/>
+        </a:p>
+      </dgm:t>
     </dgm:pt>
     <dgm:pt modelId="{4EDC47AE-0D5E-423F-8022-29390D351195}" type="pres">
       <dgm:prSet presAssocID="{60B60E23-6E4E-407F-B85E-D9881A475F60}" presName="node" presStyleLbl="node1" presStyleIdx="2" presStyleCnt="4">
@@ -9862,14 +10254,35 @@
         </dgm:presLayoutVars>
       </dgm:prSet>
       <dgm:spPr/>
+      <dgm:t>
+        <a:bodyPr/>
+        <a:lstStyle/>
+        <a:p>
+          <a:endParaRPr lang="zh-CN" altLang="en-US"/>
+        </a:p>
+      </dgm:t>
     </dgm:pt>
     <dgm:pt modelId="{6B5D778B-AF11-402D-9C34-0B63FACF9E1B}" type="pres">
       <dgm:prSet presAssocID="{4D0F6C77-3E9C-4F2C-A856-C490A75F7D5F}" presName="sibTrans" presStyleLbl="sibTrans2D1" presStyleIdx="2" presStyleCnt="3"/>
       <dgm:spPr/>
+      <dgm:t>
+        <a:bodyPr/>
+        <a:lstStyle/>
+        <a:p>
+          <a:endParaRPr lang="zh-CN" altLang="en-US"/>
+        </a:p>
+      </dgm:t>
     </dgm:pt>
     <dgm:pt modelId="{A29E33CC-5FF5-409D-B4EB-EE9D8211E277}" type="pres">
       <dgm:prSet presAssocID="{4D0F6C77-3E9C-4F2C-A856-C490A75F7D5F}" presName="connectorText" presStyleLbl="sibTrans2D1" presStyleIdx="2" presStyleCnt="3"/>
       <dgm:spPr/>
+      <dgm:t>
+        <a:bodyPr/>
+        <a:lstStyle/>
+        <a:p>
+          <a:endParaRPr lang="zh-CN" altLang="en-US"/>
+        </a:p>
+      </dgm:t>
     </dgm:pt>
     <dgm:pt modelId="{FBF22977-56B9-4F58-8148-E198416E40AF}" type="pres">
       <dgm:prSet presAssocID="{D5F45D29-FBD4-41DD-800B-D6B5495B67A6}" presName="node" presStyleLbl="node1" presStyleIdx="3" presStyleCnt="4">
@@ -9878,6 +10291,13 @@
         </dgm:presLayoutVars>
       </dgm:prSet>
       <dgm:spPr/>
+      <dgm:t>
+        <a:bodyPr/>
+        <a:lstStyle/>
+        <a:p>
+          <a:endParaRPr lang="zh-CN" altLang="en-US"/>
+        </a:p>
+      </dgm:t>
     </dgm:pt>
   </dgm:ptLst>
   <dgm:cxnLst>
@@ -9892,9 +10312,9 @@
     <dgm:cxn modelId="{7CA550D1-96ED-47C4-9C45-3FB23B04874C}" type="presOf" srcId="{F06864E0-5BC0-4994-9709-BD7BB32FA894}" destId="{EAE8508B-A6AF-4A00-952A-6833349E5BE0}" srcOrd="1" destOrd="0" presId="urn:microsoft.com/office/officeart/2005/8/layout/process1"/>
     <dgm:cxn modelId="{C67B728A-18DE-4A72-A954-3DF75BA9EF32}" srcId="{4982E7B9-393C-446A-B868-3225692A2B68}" destId="{60B60E23-6E4E-407F-B85E-D9881A475F60}" srcOrd="2" destOrd="0" parTransId="{0AEDCB28-B3FC-43B4-A5E3-14554B946B61}" sibTransId="{4D0F6C77-3E9C-4F2C-A856-C490A75F7D5F}"/>
     <dgm:cxn modelId="{A94C36C6-D98C-4AB3-A73A-416CAD79EAB2}" type="presOf" srcId="{D5F45D29-FBD4-41DD-800B-D6B5495B67A6}" destId="{FBF22977-56B9-4F58-8148-E198416E40AF}" srcOrd="0" destOrd="0" presId="urn:microsoft.com/office/officeart/2005/8/layout/process1"/>
-    <dgm:cxn modelId="{0477910A-A53C-44FD-98FA-0208604D7D48}" type="presOf" srcId="{4D0F6C77-3E9C-4F2C-A856-C490A75F7D5F}" destId="{A29E33CC-5FF5-409D-B4EB-EE9D8211E277}" srcOrd="1" destOrd="0" presId="urn:microsoft.com/office/officeart/2005/8/layout/process1"/>
     <dgm:cxn modelId="{1125D7C3-9845-4855-9057-092C9713CFE1}" type="presOf" srcId="{4EF3A707-A7A8-4808-87F1-0CBF60594F8E}" destId="{02DD83ED-E236-45CF-B2AC-731129148BE9}" srcOrd="1" destOrd="0" presId="urn:microsoft.com/office/officeart/2005/8/layout/process1"/>
     <dgm:cxn modelId="{BDB70258-2F68-4796-AE58-DB750A99681F}" type="presOf" srcId="{4EF3A707-A7A8-4808-87F1-0CBF60594F8E}" destId="{D406A136-222C-4821-96A6-2A348A3C70A2}" srcOrd="0" destOrd="0" presId="urn:microsoft.com/office/officeart/2005/8/layout/process1"/>
+    <dgm:cxn modelId="{0477910A-A53C-44FD-98FA-0208604D7D48}" type="presOf" srcId="{4D0F6C77-3E9C-4F2C-A856-C490A75F7D5F}" destId="{A29E33CC-5FF5-409D-B4EB-EE9D8211E277}" srcOrd="1" destOrd="0" presId="urn:microsoft.com/office/officeart/2005/8/layout/process1"/>
     <dgm:cxn modelId="{82730BFC-73A6-4AAA-859E-D63E7582F5C3}" srcId="{4982E7B9-393C-446A-B868-3225692A2B68}" destId="{D5F45D29-FBD4-41DD-800B-D6B5495B67A6}" srcOrd="3" destOrd="0" parTransId="{594F3A47-DBA2-4B90-88A8-9DB409C7FB1B}" sibTransId="{961A5643-D233-429A-804D-4FFF9E61CA4E}"/>
     <dgm:cxn modelId="{6DB3ADF8-93DF-44AE-9B79-A5D4B9ED548A}" type="presParOf" srcId="{964E703C-4E8C-4F3D-97D1-30A20012739A}" destId="{1CF4523D-0ED1-455D-9399-3194D9EAFC32}" srcOrd="0" destOrd="0" presId="urn:microsoft.com/office/officeart/2005/8/layout/process1"/>
     <dgm:cxn modelId="{C699C764-ED7D-4943-B499-14AE0E9F1628}" type="presParOf" srcId="{964E703C-4E8C-4F3D-97D1-30A20012739A}" destId="{D406A136-222C-4821-96A6-2A348A3C70A2}" srcOrd="1" destOrd="0" presId="urn:microsoft.com/office/officeart/2005/8/layout/process1"/>
@@ -10092,14 +10512,35 @@
         </dgm:presLayoutVars>
       </dgm:prSet>
       <dgm:spPr/>
+      <dgm:t>
+        <a:bodyPr/>
+        <a:lstStyle/>
+        <a:p>
+          <a:endParaRPr lang="zh-CN" altLang="en-US"/>
+        </a:p>
+      </dgm:t>
     </dgm:pt>
     <dgm:pt modelId="{D406A136-222C-4821-96A6-2A348A3C70A2}" type="pres">
       <dgm:prSet presAssocID="{4EF3A707-A7A8-4808-87F1-0CBF60594F8E}" presName="sibTrans" presStyleLbl="sibTrans2D1" presStyleIdx="0" presStyleCnt="3"/>
       <dgm:spPr/>
+      <dgm:t>
+        <a:bodyPr/>
+        <a:lstStyle/>
+        <a:p>
+          <a:endParaRPr lang="zh-CN" altLang="en-US"/>
+        </a:p>
+      </dgm:t>
     </dgm:pt>
     <dgm:pt modelId="{02DD83ED-E236-45CF-B2AC-731129148BE9}" type="pres">
       <dgm:prSet presAssocID="{4EF3A707-A7A8-4808-87F1-0CBF60594F8E}" presName="connectorText" presStyleLbl="sibTrans2D1" presStyleIdx="0" presStyleCnt="3"/>
       <dgm:spPr/>
+      <dgm:t>
+        <a:bodyPr/>
+        <a:lstStyle/>
+        <a:p>
+          <a:endParaRPr lang="zh-CN" altLang="en-US"/>
+        </a:p>
+      </dgm:t>
     </dgm:pt>
     <dgm:pt modelId="{7BD513CC-2B70-40BE-AB8E-2C53908A813D}" type="pres">
       <dgm:prSet presAssocID="{CB4130AF-C34E-41F6-A9D8-857EB96E3FC4}" presName="node" presStyleLbl="node1" presStyleIdx="1" presStyleCnt="4">
@@ -10108,14 +10549,35 @@
         </dgm:presLayoutVars>
       </dgm:prSet>
       <dgm:spPr/>
+      <dgm:t>
+        <a:bodyPr/>
+        <a:lstStyle/>
+        <a:p>
+          <a:endParaRPr lang="zh-CN" altLang="en-US"/>
+        </a:p>
+      </dgm:t>
     </dgm:pt>
     <dgm:pt modelId="{F4378041-DC71-4D22-8E4B-125FE8972B50}" type="pres">
       <dgm:prSet presAssocID="{F06864E0-5BC0-4994-9709-BD7BB32FA894}" presName="sibTrans" presStyleLbl="sibTrans2D1" presStyleIdx="1" presStyleCnt="3"/>
       <dgm:spPr/>
+      <dgm:t>
+        <a:bodyPr/>
+        <a:lstStyle/>
+        <a:p>
+          <a:endParaRPr lang="zh-CN" altLang="en-US"/>
+        </a:p>
+      </dgm:t>
     </dgm:pt>
     <dgm:pt modelId="{EAE8508B-A6AF-4A00-952A-6833349E5BE0}" type="pres">
       <dgm:prSet presAssocID="{F06864E0-5BC0-4994-9709-BD7BB32FA894}" presName="connectorText" presStyleLbl="sibTrans2D1" presStyleIdx="1" presStyleCnt="3"/>
       <dgm:spPr/>
+      <dgm:t>
+        <a:bodyPr/>
+        <a:lstStyle/>
+        <a:p>
+          <a:endParaRPr lang="zh-CN" altLang="en-US"/>
+        </a:p>
+      </dgm:t>
     </dgm:pt>
     <dgm:pt modelId="{4EDC47AE-0D5E-423F-8022-29390D351195}" type="pres">
       <dgm:prSet presAssocID="{60B60E23-6E4E-407F-B85E-D9881A475F60}" presName="node" presStyleLbl="node1" presStyleIdx="2" presStyleCnt="4">
@@ -10124,14 +10586,35 @@
         </dgm:presLayoutVars>
       </dgm:prSet>
       <dgm:spPr/>
+      <dgm:t>
+        <a:bodyPr/>
+        <a:lstStyle/>
+        <a:p>
+          <a:endParaRPr lang="zh-CN" altLang="en-US"/>
+        </a:p>
+      </dgm:t>
     </dgm:pt>
     <dgm:pt modelId="{6B5D778B-AF11-402D-9C34-0B63FACF9E1B}" type="pres">
       <dgm:prSet presAssocID="{4D0F6C77-3E9C-4F2C-A856-C490A75F7D5F}" presName="sibTrans" presStyleLbl="sibTrans2D1" presStyleIdx="2" presStyleCnt="3"/>
       <dgm:spPr/>
+      <dgm:t>
+        <a:bodyPr/>
+        <a:lstStyle/>
+        <a:p>
+          <a:endParaRPr lang="zh-CN" altLang="en-US"/>
+        </a:p>
+      </dgm:t>
     </dgm:pt>
     <dgm:pt modelId="{A29E33CC-5FF5-409D-B4EB-EE9D8211E277}" type="pres">
       <dgm:prSet presAssocID="{4D0F6C77-3E9C-4F2C-A856-C490A75F7D5F}" presName="connectorText" presStyleLbl="sibTrans2D1" presStyleIdx="2" presStyleCnt="3"/>
       <dgm:spPr/>
+      <dgm:t>
+        <a:bodyPr/>
+        <a:lstStyle/>
+        <a:p>
+          <a:endParaRPr lang="zh-CN" altLang="en-US"/>
+        </a:p>
+      </dgm:t>
     </dgm:pt>
     <dgm:pt modelId="{FBF22977-56B9-4F58-8148-E198416E40AF}" type="pres">
       <dgm:prSet presAssocID="{D5F45D29-FBD4-41DD-800B-D6B5495B67A6}" presName="node" presStyleLbl="node1" presStyleIdx="3" presStyleCnt="4">
@@ -10140,6 +10623,13 @@
         </dgm:presLayoutVars>
       </dgm:prSet>
       <dgm:spPr/>
+      <dgm:t>
+        <a:bodyPr/>
+        <a:lstStyle/>
+        <a:p>
+          <a:endParaRPr lang="zh-CN" altLang="en-US"/>
+        </a:p>
+      </dgm:t>
     </dgm:pt>
   </dgm:ptLst>
   <dgm:cxnLst>
@@ -10154,9 +10644,9 @@
     <dgm:cxn modelId="{7CA550D1-96ED-47C4-9C45-3FB23B04874C}" type="presOf" srcId="{F06864E0-5BC0-4994-9709-BD7BB32FA894}" destId="{EAE8508B-A6AF-4A00-952A-6833349E5BE0}" srcOrd="1" destOrd="0" presId="urn:microsoft.com/office/officeart/2005/8/layout/process1"/>
     <dgm:cxn modelId="{C67B728A-18DE-4A72-A954-3DF75BA9EF32}" srcId="{4982E7B9-393C-446A-B868-3225692A2B68}" destId="{60B60E23-6E4E-407F-B85E-D9881A475F60}" srcOrd="2" destOrd="0" parTransId="{0AEDCB28-B3FC-43B4-A5E3-14554B946B61}" sibTransId="{4D0F6C77-3E9C-4F2C-A856-C490A75F7D5F}"/>
     <dgm:cxn modelId="{A94C36C6-D98C-4AB3-A73A-416CAD79EAB2}" type="presOf" srcId="{D5F45D29-FBD4-41DD-800B-D6B5495B67A6}" destId="{FBF22977-56B9-4F58-8148-E198416E40AF}" srcOrd="0" destOrd="0" presId="urn:microsoft.com/office/officeart/2005/8/layout/process1"/>
-    <dgm:cxn modelId="{0477910A-A53C-44FD-98FA-0208604D7D48}" type="presOf" srcId="{4D0F6C77-3E9C-4F2C-A856-C490A75F7D5F}" destId="{A29E33CC-5FF5-409D-B4EB-EE9D8211E277}" srcOrd="1" destOrd="0" presId="urn:microsoft.com/office/officeart/2005/8/layout/process1"/>
     <dgm:cxn modelId="{1125D7C3-9845-4855-9057-092C9713CFE1}" type="presOf" srcId="{4EF3A707-A7A8-4808-87F1-0CBF60594F8E}" destId="{02DD83ED-E236-45CF-B2AC-731129148BE9}" srcOrd="1" destOrd="0" presId="urn:microsoft.com/office/officeart/2005/8/layout/process1"/>
     <dgm:cxn modelId="{BDB70258-2F68-4796-AE58-DB750A99681F}" type="presOf" srcId="{4EF3A707-A7A8-4808-87F1-0CBF60594F8E}" destId="{D406A136-222C-4821-96A6-2A348A3C70A2}" srcOrd="0" destOrd="0" presId="urn:microsoft.com/office/officeart/2005/8/layout/process1"/>
+    <dgm:cxn modelId="{0477910A-A53C-44FD-98FA-0208604D7D48}" type="presOf" srcId="{4D0F6C77-3E9C-4F2C-A856-C490A75F7D5F}" destId="{A29E33CC-5FF5-409D-B4EB-EE9D8211E277}" srcOrd="1" destOrd="0" presId="urn:microsoft.com/office/officeart/2005/8/layout/process1"/>
     <dgm:cxn modelId="{82730BFC-73A6-4AAA-859E-D63E7582F5C3}" srcId="{4982E7B9-393C-446A-B868-3225692A2B68}" destId="{D5F45D29-FBD4-41DD-800B-D6B5495B67A6}" srcOrd="3" destOrd="0" parTransId="{594F3A47-DBA2-4B90-88A8-9DB409C7FB1B}" sibTransId="{961A5643-D233-429A-804D-4FFF9E61CA4E}"/>
     <dgm:cxn modelId="{6DB3ADF8-93DF-44AE-9B79-A5D4B9ED548A}" type="presParOf" srcId="{964E703C-4E8C-4F3D-97D1-30A20012739A}" destId="{1CF4523D-0ED1-455D-9399-3194D9EAFC32}" srcOrd="0" destOrd="0" presId="urn:microsoft.com/office/officeart/2005/8/layout/process1"/>
     <dgm:cxn modelId="{C699C764-ED7D-4943-B499-14AE0E9F1628}" type="presParOf" srcId="{964E703C-4E8C-4F3D-97D1-30A20012739A}" destId="{D406A136-222C-4821-96A6-2A348A3C70A2}" srcOrd="1" destOrd="0" presId="urn:microsoft.com/office/officeart/2005/8/layout/process1"/>
@@ -10354,14 +10844,35 @@
         </dgm:presLayoutVars>
       </dgm:prSet>
       <dgm:spPr/>
+      <dgm:t>
+        <a:bodyPr/>
+        <a:lstStyle/>
+        <a:p>
+          <a:endParaRPr lang="zh-CN" altLang="en-US"/>
+        </a:p>
+      </dgm:t>
     </dgm:pt>
     <dgm:pt modelId="{D406A136-222C-4821-96A6-2A348A3C70A2}" type="pres">
       <dgm:prSet presAssocID="{4EF3A707-A7A8-4808-87F1-0CBF60594F8E}" presName="sibTrans" presStyleLbl="sibTrans2D1" presStyleIdx="0" presStyleCnt="3"/>
       <dgm:spPr/>
+      <dgm:t>
+        <a:bodyPr/>
+        <a:lstStyle/>
+        <a:p>
+          <a:endParaRPr lang="zh-CN" altLang="en-US"/>
+        </a:p>
+      </dgm:t>
     </dgm:pt>
     <dgm:pt modelId="{02DD83ED-E236-45CF-B2AC-731129148BE9}" type="pres">
       <dgm:prSet presAssocID="{4EF3A707-A7A8-4808-87F1-0CBF60594F8E}" presName="connectorText" presStyleLbl="sibTrans2D1" presStyleIdx="0" presStyleCnt="3"/>
       <dgm:spPr/>
+      <dgm:t>
+        <a:bodyPr/>
+        <a:lstStyle/>
+        <a:p>
+          <a:endParaRPr lang="zh-CN" altLang="en-US"/>
+        </a:p>
+      </dgm:t>
     </dgm:pt>
     <dgm:pt modelId="{7BD513CC-2B70-40BE-AB8E-2C53908A813D}" type="pres">
       <dgm:prSet presAssocID="{CB4130AF-C34E-41F6-A9D8-857EB96E3FC4}" presName="node" presStyleLbl="node1" presStyleIdx="1" presStyleCnt="4">
@@ -10370,14 +10881,35 @@
         </dgm:presLayoutVars>
       </dgm:prSet>
       <dgm:spPr/>
+      <dgm:t>
+        <a:bodyPr/>
+        <a:lstStyle/>
+        <a:p>
+          <a:endParaRPr lang="zh-CN" altLang="en-US"/>
+        </a:p>
+      </dgm:t>
     </dgm:pt>
     <dgm:pt modelId="{F4378041-DC71-4D22-8E4B-125FE8972B50}" type="pres">
       <dgm:prSet presAssocID="{F06864E0-5BC0-4994-9709-BD7BB32FA894}" presName="sibTrans" presStyleLbl="sibTrans2D1" presStyleIdx="1" presStyleCnt="3"/>
       <dgm:spPr/>
+      <dgm:t>
+        <a:bodyPr/>
+        <a:lstStyle/>
+        <a:p>
+          <a:endParaRPr lang="zh-CN" altLang="en-US"/>
+        </a:p>
+      </dgm:t>
     </dgm:pt>
     <dgm:pt modelId="{EAE8508B-A6AF-4A00-952A-6833349E5BE0}" type="pres">
       <dgm:prSet presAssocID="{F06864E0-5BC0-4994-9709-BD7BB32FA894}" presName="connectorText" presStyleLbl="sibTrans2D1" presStyleIdx="1" presStyleCnt="3"/>
       <dgm:spPr/>
+      <dgm:t>
+        <a:bodyPr/>
+        <a:lstStyle/>
+        <a:p>
+          <a:endParaRPr lang="zh-CN" altLang="en-US"/>
+        </a:p>
+      </dgm:t>
     </dgm:pt>
     <dgm:pt modelId="{4EDC47AE-0D5E-423F-8022-29390D351195}" type="pres">
       <dgm:prSet presAssocID="{60B60E23-6E4E-407F-B85E-D9881A475F60}" presName="node" presStyleLbl="node1" presStyleIdx="2" presStyleCnt="4">
@@ -10386,14 +10918,35 @@
         </dgm:presLayoutVars>
       </dgm:prSet>
       <dgm:spPr/>
+      <dgm:t>
+        <a:bodyPr/>
+        <a:lstStyle/>
+        <a:p>
+          <a:endParaRPr lang="zh-CN" altLang="en-US"/>
+        </a:p>
+      </dgm:t>
     </dgm:pt>
     <dgm:pt modelId="{6B5D778B-AF11-402D-9C34-0B63FACF9E1B}" type="pres">
       <dgm:prSet presAssocID="{4D0F6C77-3E9C-4F2C-A856-C490A75F7D5F}" presName="sibTrans" presStyleLbl="sibTrans2D1" presStyleIdx="2" presStyleCnt="3"/>
       <dgm:spPr/>
+      <dgm:t>
+        <a:bodyPr/>
+        <a:lstStyle/>
+        <a:p>
+          <a:endParaRPr lang="zh-CN" altLang="en-US"/>
+        </a:p>
+      </dgm:t>
     </dgm:pt>
     <dgm:pt modelId="{A29E33CC-5FF5-409D-B4EB-EE9D8211E277}" type="pres">
       <dgm:prSet presAssocID="{4D0F6C77-3E9C-4F2C-A856-C490A75F7D5F}" presName="connectorText" presStyleLbl="sibTrans2D1" presStyleIdx="2" presStyleCnt="3"/>
       <dgm:spPr/>
+      <dgm:t>
+        <a:bodyPr/>
+        <a:lstStyle/>
+        <a:p>
+          <a:endParaRPr lang="zh-CN" altLang="en-US"/>
+        </a:p>
+      </dgm:t>
     </dgm:pt>
     <dgm:pt modelId="{FBF22977-56B9-4F58-8148-E198416E40AF}" type="pres">
       <dgm:prSet presAssocID="{D5F45D29-FBD4-41DD-800B-D6B5495B67A6}" presName="node" presStyleLbl="node1" presStyleIdx="3" presStyleCnt="4">
@@ -10402,6 +10955,13 @@
         </dgm:presLayoutVars>
       </dgm:prSet>
       <dgm:spPr/>
+      <dgm:t>
+        <a:bodyPr/>
+        <a:lstStyle/>
+        <a:p>
+          <a:endParaRPr lang="zh-CN" altLang="en-US"/>
+        </a:p>
+      </dgm:t>
     </dgm:pt>
   </dgm:ptLst>
   <dgm:cxnLst>
@@ -10416,9 +10976,9 @@
     <dgm:cxn modelId="{7CA550D1-96ED-47C4-9C45-3FB23B04874C}" type="presOf" srcId="{F06864E0-5BC0-4994-9709-BD7BB32FA894}" destId="{EAE8508B-A6AF-4A00-952A-6833349E5BE0}" srcOrd="1" destOrd="0" presId="urn:microsoft.com/office/officeart/2005/8/layout/process1"/>
     <dgm:cxn modelId="{C67B728A-18DE-4A72-A954-3DF75BA9EF32}" srcId="{4982E7B9-393C-446A-B868-3225692A2B68}" destId="{60B60E23-6E4E-407F-B85E-D9881A475F60}" srcOrd="2" destOrd="0" parTransId="{0AEDCB28-B3FC-43B4-A5E3-14554B946B61}" sibTransId="{4D0F6C77-3E9C-4F2C-A856-C490A75F7D5F}"/>
     <dgm:cxn modelId="{A94C36C6-D98C-4AB3-A73A-416CAD79EAB2}" type="presOf" srcId="{D5F45D29-FBD4-41DD-800B-D6B5495B67A6}" destId="{FBF22977-56B9-4F58-8148-E198416E40AF}" srcOrd="0" destOrd="0" presId="urn:microsoft.com/office/officeart/2005/8/layout/process1"/>
-    <dgm:cxn modelId="{0477910A-A53C-44FD-98FA-0208604D7D48}" type="presOf" srcId="{4D0F6C77-3E9C-4F2C-A856-C490A75F7D5F}" destId="{A29E33CC-5FF5-409D-B4EB-EE9D8211E277}" srcOrd="1" destOrd="0" presId="urn:microsoft.com/office/officeart/2005/8/layout/process1"/>
     <dgm:cxn modelId="{1125D7C3-9845-4855-9057-092C9713CFE1}" type="presOf" srcId="{4EF3A707-A7A8-4808-87F1-0CBF60594F8E}" destId="{02DD83ED-E236-45CF-B2AC-731129148BE9}" srcOrd="1" destOrd="0" presId="urn:microsoft.com/office/officeart/2005/8/layout/process1"/>
     <dgm:cxn modelId="{BDB70258-2F68-4796-AE58-DB750A99681F}" type="presOf" srcId="{4EF3A707-A7A8-4808-87F1-0CBF60594F8E}" destId="{D406A136-222C-4821-96A6-2A348A3C70A2}" srcOrd="0" destOrd="0" presId="urn:microsoft.com/office/officeart/2005/8/layout/process1"/>
+    <dgm:cxn modelId="{0477910A-A53C-44FD-98FA-0208604D7D48}" type="presOf" srcId="{4D0F6C77-3E9C-4F2C-A856-C490A75F7D5F}" destId="{A29E33CC-5FF5-409D-B4EB-EE9D8211E277}" srcOrd="1" destOrd="0" presId="urn:microsoft.com/office/officeart/2005/8/layout/process1"/>
     <dgm:cxn modelId="{82730BFC-73A6-4AAA-859E-D63E7582F5C3}" srcId="{4982E7B9-393C-446A-B868-3225692A2B68}" destId="{D5F45D29-FBD4-41DD-800B-D6B5495B67A6}" srcOrd="3" destOrd="0" parTransId="{594F3A47-DBA2-4B90-88A8-9DB409C7FB1B}" sibTransId="{961A5643-D233-429A-804D-4FFF9E61CA4E}"/>
     <dgm:cxn modelId="{6DB3ADF8-93DF-44AE-9B79-A5D4B9ED548A}" type="presParOf" srcId="{964E703C-4E8C-4F3D-97D1-30A20012739A}" destId="{1CF4523D-0ED1-455D-9399-3194D9EAFC32}" srcOrd="0" destOrd="0" presId="urn:microsoft.com/office/officeart/2005/8/layout/process1"/>
     <dgm:cxn modelId="{C699C764-ED7D-4943-B499-14AE0E9F1628}" type="presParOf" srcId="{964E703C-4E8C-4F3D-97D1-30A20012739A}" destId="{D406A136-222C-4821-96A6-2A348A3C70A2}" srcOrd="1" destOrd="0" presId="urn:microsoft.com/office/officeart/2005/8/layout/process1"/>
@@ -10616,14 +11176,35 @@
         </dgm:presLayoutVars>
       </dgm:prSet>
       <dgm:spPr/>
+      <dgm:t>
+        <a:bodyPr/>
+        <a:lstStyle/>
+        <a:p>
+          <a:endParaRPr lang="zh-CN" altLang="en-US"/>
+        </a:p>
+      </dgm:t>
     </dgm:pt>
     <dgm:pt modelId="{D406A136-222C-4821-96A6-2A348A3C70A2}" type="pres">
       <dgm:prSet presAssocID="{4EF3A707-A7A8-4808-87F1-0CBF60594F8E}" presName="sibTrans" presStyleLbl="sibTrans2D1" presStyleIdx="0" presStyleCnt="3"/>
       <dgm:spPr/>
+      <dgm:t>
+        <a:bodyPr/>
+        <a:lstStyle/>
+        <a:p>
+          <a:endParaRPr lang="zh-CN" altLang="en-US"/>
+        </a:p>
+      </dgm:t>
     </dgm:pt>
     <dgm:pt modelId="{02DD83ED-E236-45CF-B2AC-731129148BE9}" type="pres">
       <dgm:prSet presAssocID="{4EF3A707-A7A8-4808-87F1-0CBF60594F8E}" presName="connectorText" presStyleLbl="sibTrans2D1" presStyleIdx="0" presStyleCnt="3"/>
       <dgm:spPr/>
+      <dgm:t>
+        <a:bodyPr/>
+        <a:lstStyle/>
+        <a:p>
+          <a:endParaRPr lang="zh-CN" altLang="en-US"/>
+        </a:p>
+      </dgm:t>
     </dgm:pt>
     <dgm:pt modelId="{7BD513CC-2B70-40BE-AB8E-2C53908A813D}" type="pres">
       <dgm:prSet presAssocID="{CB4130AF-C34E-41F6-A9D8-857EB96E3FC4}" presName="node" presStyleLbl="node1" presStyleIdx="1" presStyleCnt="4">
@@ -10632,14 +11213,35 @@
         </dgm:presLayoutVars>
       </dgm:prSet>
       <dgm:spPr/>
+      <dgm:t>
+        <a:bodyPr/>
+        <a:lstStyle/>
+        <a:p>
+          <a:endParaRPr lang="zh-CN" altLang="en-US"/>
+        </a:p>
+      </dgm:t>
     </dgm:pt>
     <dgm:pt modelId="{F4378041-DC71-4D22-8E4B-125FE8972B50}" type="pres">
       <dgm:prSet presAssocID="{F06864E0-5BC0-4994-9709-BD7BB32FA894}" presName="sibTrans" presStyleLbl="sibTrans2D1" presStyleIdx="1" presStyleCnt="3"/>
       <dgm:spPr/>
+      <dgm:t>
+        <a:bodyPr/>
+        <a:lstStyle/>
+        <a:p>
+          <a:endParaRPr lang="zh-CN" altLang="en-US"/>
+        </a:p>
+      </dgm:t>
     </dgm:pt>
     <dgm:pt modelId="{EAE8508B-A6AF-4A00-952A-6833349E5BE0}" type="pres">
       <dgm:prSet presAssocID="{F06864E0-5BC0-4994-9709-BD7BB32FA894}" presName="connectorText" presStyleLbl="sibTrans2D1" presStyleIdx="1" presStyleCnt="3"/>
       <dgm:spPr/>
+      <dgm:t>
+        <a:bodyPr/>
+        <a:lstStyle/>
+        <a:p>
+          <a:endParaRPr lang="zh-CN" altLang="en-US"/>
+        </a:p>
+      </dgm:t>
     </dgm:pt>
     <dgm:pt modelId="{4EDC47AE-0D5E-423F-8022-29390D351195}" type="pres">
       <dgm:prSet presAssocID="{60B60E23-6E4E-407F-B85E-D9881A475F60}" presName="node" presStyleLbl="node1" presStyleIdx="2" presStyleCnt="4">
@@ -10648,14 +11250,35 @@
         </dgm:presLayoutVars>
       </dgm:prSet>
       <dgm:spPr/>
+      <dgm:t>
+        <a:bodyPr/>
+        <a:lstStyle/>
+        <a:p>
+          <a:endParaRPr lang="zh-CN" altLang="en-US"/>
+        </a:p>
+      </dgm:t>
     </dgm:pt>
     <dgm:pt modelId="{6B5D778B-AF11-402D-9C34-0B63FACF9E1B}" type="pres">
       <dgm:prSet presAssocID="{4D0F6C77-3E9C-4F2C-A856-C490A75F7D5F}" presName="sibTrans" presStyleLbl="sibTrans2D1" presStyleIdx="2" presStyleCnt="3"/>
       <dgm:spPr/>
+      <dgm:t>
+        <a:bodyPr/>
+        <a:lstStyle/>
+        <a:p>
+          <a:endParaRPr lang="zh-CN" altLang="en-US"/>
+        </a:p>
+      </dgm:t>
     </dgm:pt>
     <dgm:pt modelId="{A29E33CC-5FF5-409D-B4EB-EE9D8211E277}" type="pres">
       <dgm:prSet presAssocID="{4D0F6C77-3E9C-4F2C-A856-C490A75F7D5F}" presName="connectorText" presStyleLbl="sibTrans2D1" presStyleIdx="2" presStyleCnt="3"/>
       <dgm:spPr/>
+      <dgm:t>
+        <a:bodyPr/>
+        <a:lstStyle/>
+        <a:p>
+          <a:endParaRPr lang="zh-CN" altLang="en-US"/>
+        </a:p>
+      </dgm:t>
     </dgm:pt>
     <dgm:pt modelId="{FBF22977-56B9-4F58-8148-E198416E40AF}" type="pres">
       <dgm:prSet presAssocID="{D5F45D29-FBD4-41DD-800B-D6B5495B67A6}" presName="node" presStyleLbl="node1" presStyleIdx="3" presStyleCnt="4">
@@ -10664,6 +11287,13 @@
         </dgm:presLayoutVars>
       </dgm:prSet>
       <dgm:spPr/>
+      <dgm:t>
+        <a:bodyPr/>
+        <a:lstStyle/>
+        <a:p>
+          <a:endParaRPr lang="zh-CN" altLang="en-US"/>
+        </a:p>
+      </dgm:t>
     </dgm:pt>
   </dgm:ptLst>
   <dgm:cxnLst>
@@ -10678,9 +11308,9 @@
     <dgm:cxn modelId="{7CA550D1-96ED-47C4-9C45-3FB23B04874C}" type="presOf" srcId="{F06864E0-5BC0-4994-9709-BD7BB32FA894}" destId="{EAE8508B-A6AF-4A00-952A-6833349E5BE0}" srcOrd="1" destOrd="0" presId="urn:microsoft.com/office/officeart/2005/8/layout/process1"/>
     <dgm:cxn modelId="{C67B728A-18DE-4A72-A954-3DF75BA9EF32}" srcId="{4982E7B9-393C-446A-B868-3225692A2B68}" destId="{60B60E23-6E4E-407F-B85E-D9881A475F60}" srcOrd="2" destOrd="0" parTransId="{0AEDCB28-B3FC-43B4-A5E3-14554B946B61}" sibTransId="{4D0F6C77-3E9C-4F2C-A856-C490A75F7D5F}"/>
     <dgm:cxn modelId="{A94C36C6-D98C-4AB3-A73A-416CAD79EAB2}" type="presOf" srcId="{D5F45D29-FBD4-41DD-800B-D6B5495B67A6}" destId="{FBF22977-56B9-4F58-8148-E198416E40AF}" srcOrd="0" destOrd="0" presId="urn:microsoft.com/office/officeart/2005/8/layout/process1"/>
-    <dgm:cxn modelId="{0477910A-A53C-44FD-98FA-0208604D7D48}" type="presOf" srcId="{4D0F6C77-3E9C-4F2C-A856-C490A75F7D5F}" destId="{A29E33CC-5FF5-409D-B4EB-EE9D8211E277}" srcOrd="1" destOrd="0" presId="urn:microsoft.com/office/officeart/2005/8/layout/process1"/>
     <dgm:cxn modelId="{1125D7C3-9845-4855-9057-092C9713CFE1}" type="presOf" srcId="{4EF3A707-A7A8-4808-87F1-0CBF60594F8E}" destId="{02DD83ED-E236-45CF-B2AC-731129148BE9}" srcOrd="1" destOrd="0" presId="urn:microsoft.com/office/officeart/2005/8/layout/process1"/>
     <dgm:cxn modelId="{BDB70258-2F68-4796-AE58-DB750A99681F}" type="presOf" srcId="{4EF3A707-A7A8-4808-87F1-0CBF60594F8E}" destId="{D406A136-222C-4821-96A6-2A348A3C70A2}" srcOrd="0" destOrd="0" presId="urn:microsoft.com/office/officeart/2005/8/layout/process1"/>
+    <dgm:cxn modelId="{0477910A-A53C-44FD-98FA-0208604D7D48}" type="presOf" srcId="{4D0F6C77-3E9C-4F2C-A856-C490A75F7D5F}" destId="{A29E33CC-5FF5-409D-B4EB-EE9D8211E277}" srcOrd="1" destOrd="0" presId="urn:microsoft.com/office/officeart/2005/8/layout/process1"/>
     <dgm:cxn modelId="{82730BFC-73A6-4AAA-859E-D63E7582F5C3}" srcId="{4982E7B9-393C-446A-B868-3225692A2B68}" destId="{D5F45D29-FBD4-41DD-800B-D6B5495B67A6}" srcOrd="3" destOrd="0" parTransId="{594F3A47-DBA2-4B90-88A8-9DB409C7FB1B}" sibTransId="{961A5643-D233-429A-804D-4FFF9E61CA4E}"/>
     <dgm:cxn modelId="{6DB3ADF8-93DF-44AE-9B79-A5D4B9ED548A}" type="presParOf" srcId="{964E703C-4E8C-4F3D-97D1-30A20012739A}" destId="{1CF4523D-0ED1-455D-9399-3194D9EAFC32}" srcOrd="0" destOrd="0" presId="urn:microsoft.com/office/officeart/2005/8/layout/process1"/>
     <dgm:cxn modelId="{C699C764-ED7D-4943-B499-14AE0E9F1628}" type="presParOf" srcId="{964E703C-4E8C-4F3D-97D1-30A20012739A}" destId="{D406A136-222C-4821-96A6-2A348A3C70A2}" srcOrd="1" destOrd="0" presId="urn:microsoft.com/office/officeart/2005/8/layout/process1"/>
@@ -10878,14 +11508,35 @@
         </dgm:presLayoutVars>
       </dgm:prSet>
       <dgm:spPr/>
+      <dgm:t>
+        <a:bodyPr/>
+        <a:lstStyle/>
+        <a:p>
+          <a:endParaRPr lang="zh-CN" altLang="en-US"/>
+        </a:p>
+      </dgm:t>
     </dgm:pt>
     <dgm:pt modelId="{D406A136-222C-4821-96A6-2A348A3C70A2}" type="pres">
       <dgm:prSet presAssocID="{4EF3A707-A7A8-4808-87F1-0CBF60594F8E}" presName="sibTrans" presStyleLbl="sibTrans2D1" presStyleIdx="0" presStyleCnt="3"/>
       <dgm:spPr/>
+      <dgm:t>
+        <a:bodyPr/>
+        <a:lstStyle/>
+        <a:p>
+          <a:endParaRPr lang="zh-CN" altLang="en-US"/>
+        </a:p>
+      </dgm:t>
     </dgm:pt>
     <dgm:pt modelId="{02DD83ED-E236-45CF-B2AC-731129148BE9}" type="pres">
       <dgm:prSet presAssocID="{4EF3A707-A7A8-4808-87F1-0CBF60594F8E}" presName="connectorText" presStyleLbl="sibTrans2D1" presStyleIdx="0" presStyleCnt="3"/>
       <dgm:spPr/>
+      <dgm:t>
+        <a:bodyPr/>
+        <a:lstStyle/>
+        <a:p>
+          <a:endParaRPr lang="zh-CN" altLang="en-US"/>
+        </a:p>
+      </dgm:t>
     </dgm:pt>
     <dgm:pt modelId="{7BD513CC-2B70-40BE-AB8E-2C53908A813D}" type="pres">
       <dgm:prSet presAssocID="{CB4130AF-C34E-41F6-A9D8-857EB96E3FC4}" presName="node" presStyleLbl="node1" presStyleIdx="1" presStyleCnt="4">
@@ -10894,14 +11545,35 @@
         </dgm:presLayoutVars>
       </dgm:prSet>
       <dgm:spPr/>
+      <dgm:t>
+        <a:bodyPr/>
+        <a:lstStyle/>
+        <a:p>
+          <a:endParaRPr lang="zh-CN" altLang="en-US"/>
+        </a:p>
+      </dgm:t>
     </dgm:pt>
     <dgm:pt modelId="{F4378041-DC71-4D22-8E4B-125FE8972B50}" type="pres">
       <dgm:prSet presAssocID="{F06864E0-5BC0-4994-9709-BD7BB32FA894}" presName="sibTrans" presStyleLbl="sibTrans2D1" presStyleIdx="1" presStyleCnt="3"/>
       <dgm:spPr/>
+      <dgm:t>
+        <a:bodyPr/>
+        <a:lstStyle/>
+        <a:p>
+          <a:endParaRPr lang="zh-CN" altLang="en-US"/>
+        </a:p>
+      </dgm:t>
     </dgm:pt>
     <dgm:pt modelId="{EAE8508B-A6AF-4A00-952A-6833349E5BE0}" type="pres">
       <dgm:prSet presAssocID="{F06864E0-5BC0-4994-9709-BD7BB32FA894}" presName="connectorText" presStyleLbl="sibTrans2D1" presStyleIdx="1" presStyleCnt="3"/>
       <dgm:spPr/>
+      <dgm:t>
+        <a:bodyPr/>
+        <a:lstStyle/>
+        <a:p>
+          <a:endParaRPr lang="zh-CN" altLang="en-US"/>
+        </a:p>
+      </dgm:t>
     </dgm:pt>
     <dgm:pt modelId="{4EDC47AE-0D5E-423F-8022-29390D351195}" type="pres">
       <dgm:prSet presAssocID="{60B60E23-6E4E-407F-B85E-D9881A475F60}" presName="node" presStyleLbl="node1" presStyleIdx="2" presStyleCnt="4">
@@ -10910,14 +11582,35 @@
         </dgm:presLayoutVars>
       </dgm:prSet>
       <dgm:spPr/>
+      <dgm:t>
+        <a:bodyPr/>
+        <a:lstStyle/>
+        <a:p>
+          <a:endParaRPr lang="zh-CN" altLang="en-US"/>
+        </a:p>
+      </dgm:t>
     </dgm:pt>
     <dgm:pt modelId="{6B5D778B-AF11-402D-9C34-0B63FACF9E1B}" type="pres">
       <dgm:prSet presAssocID="{4D0F6C77-3E9C-4F2C-A856-C490A75F7D5F}" presName="sibTrans" presStyleLbl="sibTrans2D1" presStyleIdx="2" presStyleCnt="3"/>
       <dgm:spPr/>
+      <dgm:t>
+        <a:bodyPr/>
+        <a:lstStyle/>
+        <a:p>
+          <a:endParaRPr lang="zh-CN" altLang="en-US"/>
+        </a:p>
+      </dgm:t>
     </dgm:pt>
     <dgm:pt modelId="{A29E33CC-5FF5-409D-B4EB-EE9D8211E277}" type="pres">
       <dgm:prSet presAssocID="{4D0F6C77-3E9C-4F2C-A856-C490A75F7D5F}" presName="connectorText" presStyleLbl="sibTrans2D1" presStyleIdx="2" presStyleCnt="3"/>
       <dgm:spPr/>
+      <dgm:t>
+        <a:bodyPr/>
+        <a:lstStyle/>
+        <a:p>
+          <a:endParaRPr lang="zh-CN" altLang="en-US"/>
+        </a:p>
+      </dgm:t>
     </dgm:pt>
     <dgm:pt modelId="{FBF22977-56B9-4F58-8148-E198416E40AF}" type="pres">
       <dgm:prSet presAssocID="{D5F45D29-FBD4-41DD-800B-D6B5495B67A6}" presName="node" presStyleLbl="node1" presStyleIdx="3" presStyleCnt="4">
@@ -10926,6 +11619,13 @@
         </dgm:presLayoutVars>
       </dgm:prSet>
       <dgm:spPr/>
+      <dgm:t>
+        <a:bodyPr/>
+        <a:lstStyle/>
+        <a:p>
+          <a:endParaRPr lang="zh-CN" altLang="en-US"/>
+        </a:p>
+      </dgm:t>
     </dgm:pt>
   </dgm:ptLst>
   <dgm:cxnLst>
@@ -10940,9 +11640,9 @@
     <dgm:cxn modelId="{7CA550D1-96ED-47C4-9C45-3FB23B04874C}" type="presOf" srcId="{F06864E0-5BC0-4994-9709-BD7BB32FA894}" destId="{EAE8508B-A6AF-4A00-952A-6833349E5BE0}" srcOrd="1" destOrd="0" presId="urn:microsoft.com/office/officeart/2005/8/layout/process1"/>
     <dgm:cxn modelId="{C67B728A-18DE-4A72-A954-3DF75BA9EF32}" srcId="{4982E7B9-393C-446A-B868-3225692A2B68}" destId="{60B60E23-6E4E-407F-B85E-D9881A475F60}" srcOrd="2" destOrd="0" parTransId="{0AEDCB28-B3FC-43B4-A5E3-14554B946B61}" sibTransId="{4D0F6C77-3E9C-4F2C-A856-C490A75F7D5F}"/>
     <dgm:cxn modelId="{A94C36C6-D98C-4AB3-A73A-416CAD79EAB2}" type="presOf" srcId="{D5F45D29-FBD4-41DD-800B-D6B5495B67A6}" destId="{FBF22977-56B9-4F58-8148-E198416E40AF}" srcOrd="0" destOrd="0" presId="urn:microsoft.com/office/officeart/2005/8/layout/process1"/>
-    <dgm:cxn modelId="{0477910A-A53C-44FD-98FA-0208604D7D48}" type="presOf" srcId="{4D0F6C77-3E9C-4F2C-A856-C490A75F7D5F}" destId="{A29E33CC-5FF5-409D-B4EB-EE9D8211E277}" srcOrd="1" destOrd="0" presId="urn:microsoft.com/office/officeart/2005/8/layout/process1"/>
     <dgm:cxn modelId="{1125D7C3-9845-4855-9057-092C9713CFE1}" type="presOf" srcId="{4EF3A707-A7A8-4808-87F1-0CBF60594F8E}" destId="{02DD83ED-E236-45CF-B2AC-731129148BE9}" srcOrd="1" destOrd="0" presId="urn:microsoft.com/office/officeart/2005/8/layout/process1"/>
     <dgm:cxn modelId="{BDB70258-2F68-4796-AE58-DB750A99681F}" type="presOf" srcId="{4EF3A707-A7A8-4808-87F1-0CBF60594F8E}" destId="{D406A136-222C-4821-96A6-2A348A3C70A2}" srcOrd="0" destOrd="0" presId="urn:microsoft.com/office/officeart/2005/8/layout/process1"/>
+    <dgm:cxn modelId="{0477910A-A53C-44FD-98FA-0208604D7D48}" type="presOf" srcId="{4D0F6C77-3E9C-4F2C-A856-C490A75F7D5F}" destId="{A29E33CC-5FF5-409D-B4EB-EE9D8211E277}" srcOrd="1" destOrd="0" presId="urn:microsoft.com/office/officeart/2005/8/layout/process1"/>
     <dgm:cxn modelId="{82730BFC-73A6-4AAA-859E-D63E7582F5C3}" srcId="{4982E7B9-393C-446A-B868-3225692A2B68}" destId="{D5F45D29-FBD4-41DD-800B-D6B5495B67A6}" srcOrd="3" destOrd="0" parTransId="{594F3A47-DBA2-4B90-88A8-9DB409C7FB1B}" sibTransId="{961A5643-D233-429A-804D-4FFF9E61CA4E}"/>
     <dgm:cxn modelId="{6DB3ADF8-93DF-44AE-9B79-A5D4B9ED548A}" type="presParOf" srcId="{964E703C-4E8C-4F3D-97D1-30A20012739A}" destId="{1CF4523D-0ED1-455D-9399-3194D9EAFC32}" srcOrd="0" destOrd="0" presId="urn:microsoft.com/office/officeart/2005/8/layout/process1"/>
     <dgm:cxn modelId="{C699C764-ED7D-4943-B499-14AE0E9F1628}" type="presParOf" srcId="{964E703C-4E8C-4F3D-97D1-30A20012739A}" destId="{D406A136-222C-4821-96A6-2A348A3C70A2}" srcOrd="1" destOrd="0" presId="urn:microsoft.com/office/officeart/2005/8/layout/process1"/>
@@ -11140,14 +11840,35 @@
         </dgm:presLayoutVars>
       </dgm:prSet>
       <dgm:spPr/>
+      <dgm:t>
+        <a:bodyPr/>
+        <a:lstStyle/>
+        <a:p>
+          <a:endParaRPr lang="zh-CN" altLang="en-US"/>
+        </a:p>
+      </dgm:t>
     </dgm:pt>
     <dgm:pt modelId="{D406A136-222C-4821-96A6-2A348A3C70A2}" type="pres">
       <dgm:prSet presAssocID="{4EF3A707-A7A8-4808-87F1-0CBF60594F8E}" presName="sibTrans" presStyleLbl="sibTrans2D1" presStyleIdx="0" presStyleCnt="3"/>
       <dgm:spPr/>
+      <dgm:t>
+        <a:bodyPr/>
+        <a:lstStyle/>
+        <a:p>
+          <a:endParaRPr lang="zh-CN" altLang="en-US"/>
+        </a:p>
+      </dgm:t>
     </dgm:pt>
     <dgm:pt modelId="{02DD83ED-E236-45CF-B2AC-731129148BE9}" type="pres">
       <dgm:prSet presAssocID="{4EF3A707-A7A8-4808-87F1-0CBF60594F8E}" presName="connectorText" presStyleLbl="sibTrans2D1" presStyleIdx="0" presStyleCnt="3"/>
       <dgm:spPr/>
+      <dgm:t>
+        <a:bodyPr/>
+        <a:lstStyle/>
+        <a:p>
+          <a:endParaRPr lang="zh-CN" altLang="en-US"/>
+        </a:p>
+      </dgm:t>
     </dgm:pt>
     <dgm:pt modelId="{7BD513CC-2B70-40BE-AB8E-2C53908A813D}" type="pres">
       <dgm:prSet presAssocID="{CB4130AF-C34E-41F6-A9D8-857EB96E3FC4}" presName="node" presStyleLbl="node1" presStyleIdx="1" presStyleCnt="4">
@@ -11156,14 +11877,35 @@
         </dgm:presLayoutVars>
       </dgm:prSet>
       <dgm:spPr/>
+      <dgm:t>
+        <a:bodyPr/>
+        <a:lstStyle/>
+        <a:p>
+          <a:endParaRPr lang="zh-CN" altLang="en-US"/>
+        </a:p>
+      </dgm:t>
     </dgm:pt>
     <dgm:pt modelId="{F4378041-DC71-4D22-8E4B-125FE8972B50}" type="pres">
       <dgm:prSet presAssocID="{F06864E0-5BC0-4994-9709-BD7BB32FA894}" presName="sibTrans" presStyleLbl="sibTrans2D1" presStyleIdx="1" presStyleCnt="3"/>
       <dgm:spPr/>
+      <dgm:t>
+        <a:bodyPr/>
+        <a:lstStyle/>
+        <a:p>
+          <a:endParaRPr lang="zh-CN" altLang="en-US"/>
+        </a:p>
+      </dgm:t>
     </dgm:pt>
     <dgm:pt modelId="{EAE8508B-A6AF-4A00-952A-6833349E5BE0}" type="pres">
       <dgm:prSet presAssocID="{F06864E0-5BC0-4994-9709-BD7BB32FA894}" presName="connectorText" presStyleLbl="sibTrans2D1" presStyleIdx="1" presStyleCnt="3"/>
       <dgm:spPr/>
+      <dgm:t>
+        <a:bodyPr/>
+        <a:lstStyle/>
+        <a:p>
+          <a:endParaRPr lang="zh-CN" altLang="en-US"/>
+        </a:p>
+      </dgm:t>
     </dgm:pt>
     <dgm:pt modelId="{4EDC47AE-0D5E-423F-8022-29390D351195}" type="pres">
       <dgm:prSet presAssocID="{60B60E23-6E4E-407F-B85E-D9881A475F60}" presName="node" presStyleLbl="node1" presStyleIdx="2" presStyleCnt="4">
@@ -11172,14 +11914,35 @@
         </dgm:presLayoutVars>
       </dgm:prSet>
       <dgm:spPr/>
+      <dgm:t>
+        <a:bodyPr/>
+        <a:lstStyle/>
+        <a:p>
+          <a:endParaRPr lang="zh-CN" altLang="en-US"/>
+        </a:p>
+      </dgm:t>
     </dgm:pt>
     <dgm:pt modelId="{6B5D778B-AF11-402D-9C34-0B63FACF9E1B}" type="pres">
       <dgm:prSet presAssocID="{4D0F6C77-3E9C-4F2C-A856-C490A75F7D5F}" presName="sibTrans" presStyleLbl="sibTrans2D1" presStyleIdx="2" presStyleCnt="3"/>
       <dgm:spPr/>
+      <dgm:t>
+        <a:bodyPr/>
+        <a:lstStyle/>
+        <a:p>
+          <a:endParaRPr lang="zh-CN" altLang="en-US"/>
+        </a:p>
+      </dgm:t>
     </dgm:pt>
     <dgm:pt modelId="{A29E33CC-5FF5-409D-B4EB-EE9D8211E277}" type="pres">
       <dgm:prSet presAssocID="{4D0F6C77-3E9C-4F2C-A856-C490A75F7D5F}" presName="connectorText" presStyleLbl="sibTrans2D1" presStyleIdx="2" presStyleCnt="3"/>
       <dgm:spPr/>
+      <dgm:t>
+        <a:bodyPr/>
+        <a:lstStyle/>
+        <a:p>
+          <a:endParaRPr lang="zh-CN" altLang="en-US"/>
+        </a:p>
+      </dgm:t>
     </dgm:pt>
     <dgm:pt modelId="{FBF22977-56B9-4F58-8148-E198416E40AF}" type="pres">
       <dgm:prSet presAssocID="{D5F45D29-FBD4-41DD-800B-D6B5495B67A6}" presName="node" presStyleLbl="node1" presStyleIdx="3" presStyleCnt="4">
@@ -11188,6 +11951,13 @@
         </dgm:presLayoutVars>
       </dgm:prSet>
       <dgm:spPr/>
+      <dgm:t>
+        <a:bodyPr/>
+        <a:lstStyle/>
+        <a:p>
+          <a:endParaRPr lang="zh-CN" altLang="en-US"/>
+        </a:p>
+      </dgm:t>
     </dgm:pt>
   </dgm:ptLst>
   <dgm:cxnLst>
@@ -11202,9 +11972,9 @@
     <dgm:cxn modelId="{7CA550D1-96ED-47C4-9C45-3FB23B04874C}" type="presOf" srcId="{F06864E0-5BC0-4994-9709-BD7BB32FA894}" destId="{EAE8508B-A6AF-4A00-952A-6833349E5BE0}" srcOrd="1" destOrd="0" presId="urn:microsoft.com/office/officeart/2005/8/layout/process1"/>
     <dgm:cxn modelId="{C67B728A-18DE-4A72-A954-3DF75BA9EF32}" srcId="{4982E7B9-393C-446A-B868-3225692A2B68}" destId="{60B60E23-6E4E-407F-B85E-D9881A475F60}" srcOrd="2" destOrd="0" parTransId="{0AEDCB28-B3FC-43B4-A5E3-14554B946B61}" sibTransId="{4D0F6C77-3E9C-4F2C-A856-C490A75F7D5F}"/>
     <dgm:cxn modelId="{A94C36C6-D98C-4AB3-A73A-416CAD79EAB2}" type="presOf" srcId="{D5F45D29-FBD4-41DD-800B-D6B5495B67A6}" destId="{FBF22977-56B9-4F58-8148-E198416E40AF}" srcOrd="0" destOrd="0" presId="urn:microsoft.com/office/officeart/2005/8/layout/process1"/>
-    <dgm:cxn modelId="{0477910A-A53C-44FD-98FA-0208604D7D48}" type="presOf" srcId="{4D0F6C77-3E9C-4F2C-A856-C490A75F7D5F}" destId="{A29E33CC-5FF5-409D-B4EB-EE9D8211E277}" srcOrd="1" destOrd="0" presId="urn:microsoft.com/office/officeart/2005/8/layout/process1"/>
     <dgm:cxn modelId="{1125D7C3-9845-4855-9057-092C9713CFE1}" type="presOf" srcId="{4EF3A707-A7A8-4808-87F1-0CBF60594F8E}" destId="{02DD83ED-E236-45CF-B2AC-731129148BE9}" srcOrd="1" destOrd="0" presId="urn:microsoft.com/office/officeart/2005/8/layout/process1"/>
     <dgm:cxn modelId="{BDB70258-2F68-4796-AE58-DB750A99681F}" type="presOf" srcId="{4EF3A707-A7A8-4808-87F1-0CBF60594F8E}" destId="{D406A136-222C-4821-96A6-2A348A3C70A2}" srcOrd="0" destOrd="0" presId="urn:microsoft.com/office/officeart/2005/8/layout/process1"/>
+    <dgm:cxn modelId="{0477910A-A53C-44FD-98FA-0208604D7D48}" type="presOf" srcId="{4D0F6C77-3E9C-4F2C-A856-C490A75F7D5F}" destId="{A29E33CC-5FF5-409D-B4EB-EE9D8211E277}" srcOrd="1" destOrd="0" presId="urn:microsoft.com/office/officeart/2005/8/layout/process1"/>
     <dgm:cxn modelId="{82730BFC-73A6-4AAA-859E-D63E7582F5C3}" srcId="{4982E7B9-393C-446A-B868-3225692A2B68}" destId="{D5F45D29-FBD4-41DD-800B-D6B5495B67A6}" srcOrd="3" destOrd="0" parTransId="{594F3A47-DBA2-4B90-88A8-9DB409C7FB1B}" sibTransId="{961A5643-D233-429A-804D-4FFF9E61CA4E}"/>
     <dgm:cxn modelId="{6DB3ADF8-93DF-44AE-9B79-A5D4B9ED548A}" type="presParOf" srcId="{964E703C-4E8C-4F3D-97D1-30A20012739A}" destId="{1CF4523D-0ED1-455D-9399-3194D9EAFC32}" srcOrd="0" destOrd="0" presId="urn:microsoft.com/office/officeart/2005/8/layout/process1"/>
     <dgm:cxn modelId="{C699C764-ED7D-4943-B499-14AE0E9F1628}" type="presParOf" srcId="{964E703C-4E8C-4F3D-97D1-30A20012739A}" destId="{D406A136-222C-4821-96A6-2A348A3C70A2}" srcOrd="1" destOrd="0" presId="urn:microsoft.com/office/officeart/2005/8/layout/process1"/>
@@ -41865,9 +42635,18 @@
               <a:t>:</a:t>
             </a:r>
             <a:r>
-              <a:rPr lang="zh-CN" altLang="en-US" dirty="0"/>
+              <a:rPr lang="zh-CN" altLang="en-US" dirty="0" smtClean="0"/>
               <a:t>辜俊皓</a:t>
             </a:r>
+            <a:endParaRPr lang="en-US" altLang="zh-CN" dirty="0" smtClean="0"/>
+          </a:p>
+          <a:p>
+            <a:pPr lvl="1"/>
+            <a:r>
+              <a:rPr lang="zh-CN" altLang="en-US" dirty="0"/>
+              <a:t>软硬判决模块</a:t>
+            </a:r>
+            <a:endParaRPr lang="zh-CN" altLang="en-US" dirty="0"/>
           </a:p>
           <a:p>
             <a:pPr lvl="1"/>

--- a/v1.pptx
+++ b/v1.pptx
@@ -11,17 +11,18 @@
     <p:sldId id="270" r:id="rId5"/>
     <p:sldId id="272" r:id="rId6"/>
     <p:sldId id="257" r:id="rId7"/>
-    <p:sldId id="258" r:id="rId8"/>
-    <p:sldId id="259" r:id="rId9"/>
-    <p:sldId id="260" r:id="rId10"/>
-    <p:sldId id="261" r:id="rId11"/>
-    <p:sldId id="267" r:id="rId12"/>
-    <p:sldId id="265" r:id="rId13"/>
-    <p:sldId id="268" r:id="rId14"/>
-    <p:sldId id="262" r:id="rId15"/>
-    <p:sldId id="263" r:id="rId16"/>
-    <p:sldId id="273" r:id="rId17"/>
-    <p:sldId id="274" r:id="rId18"/>
+    <p:sldId id="275" r:id="rId8"/>
+    <p:sldId id="258" r:id="rId9"/>
+    <p:sldId id="259" r:id="rId10"/>
+    <p:sldId id="260" r:id="rId11"/>
+    <p:sldId id="261" r:id="rId12"/>
+    <p:sldId id="267" r:id="rId13"/>
+    <p:sldId id="265" r:id="rId14"/>
+    <p:sldId id="268" r:id="rId15"/>
+    <p:sldId id="262" r:id="rId16"/>
+    <p:sldId id="263" r:id="rId17"/>
+    <p:sldId id="273" r:id="rId18"/>
+    <p:sldId id="274" r:id="rId19"/>
   </p:sldIdLst>
   <p:sldSz cx="12192000" cy="6858000"/>
   <p:notesSz cx="6858000" cy="9144000"/>
@@ -1623,6 +1624,753 @@
 </file>
 
 <file path=ppt/diagrams/colors11.xml><?xml version="1.0" encoding="utf-8"?>
+<dgm:colorsDef xmlns:dgm="http://schemas.openxmlformats.org/drawingml/2006/diagram" xmlns:a="http://schemas.openxmlformats.org/drawingml/2006/main" uniqueId="urn:microsoft.com/office/officeart/2005/8/colors/accent1_2">
+  <dgm:title val=""/>
+  <dgm:desc val=""/>
+  <dgm:catLst>
+    <dgm:cat type="accent1" pri="11200"/>
+  </dgm:catLst>
+  <dgm:styleLbl name="node0">
+    <dgm:fillClrLst meth="repeat">
+      <a:schemeClr val="accent1"/>
+    </dgm:fillClrLst>
+    <dgm:linClrLst meth="repeat">
+      <a:schemeClr val="lt1"/>
+    </dgm:linClrLst>
+    <dgm:effectClrLst/>
+    <dgm:txLinClrLst/>
+    <dgm:txFillClrLst/>
+    <dgm:txEffectClrLst/>
+  </dgm:styleLbl>
+  <dgm:styleLbl name="alignNode1">
+    <dgm:fillClrLst meth="repeat">
+      <a:schemeClr val="accent1"/>
+    </dgm:fillClrLst>
+    <dgm:linClrLst meth="repeat">
+      <a:schemeClr val="accent1"/>
+    </dgm:linClrLst>
+    <dgm:effectClrLst/>
+    <dgm:txLinClrLst/>
+    <dgm:txFillClrLst/>
+    <dgm:txEffectClrLst/>
+  </dgm:styleLbl>
+  <dgm:styleLbl name="node1">
+    <dgm:fillClrLst meth="repeat">
+      <a:schemeClr val="accent1"/>
+    </dgm:fillClrLst>
+    <dgm:linClrLst meth="repeat">
+      <a:schemeClr val="lt1"/>
+    </dgm:linClrLst>
+    <dgm:effectClrLst/>
+    <dgm:txLinClrLst/>
+    <dgm:txFillClrLst/>
+    <dgm:txEffectClrLst/>
+  </dgm:styleLbl>
+  <dgm:styleLbl name="lnNode1">
+    <dgm:fillClrLst meth="repeat">
+      <a:schemeClr val="accent1"/>
+    </dgm:fillClrLst>
+    <dgm:linClrLst meth="repeat">
+      <a:schemeClr val="lt1"/>
+    </dgm:linClrLst>
+    <dgm:effectClrLst/>
+    <dgm:txLinClrLst/>
+    <dgm:txFillClrLst/>
+    <dgm:txEffectClrLst/>
+  </dgm:styleLbl>
+  <dgm:styleLbl name="vennNode1">
+    <dgm:fillClrLst meth="repeat">
+      <a:schemeClr val="accent1">
+        <a:alpha val="50000"/>
+      </a:schemeClr>
+    </dgm:fillClrLst>
+    <dgm:linClrLst meth="repeat">
+      <a:schemeClr val="lt1"/>
+    </dgm:linClrLst>
+    <dgm:effectClrLst/>
+    <dgm:txLinClrLst/>
+    <dgm:txFillClrLst/>
+    <dgm:txEffectClrLst/>
+  </dgm:styleLbl>
+  <dgm:styleLbl name="node2">
+    <dgm:fillClrLst meth="repeat">
+      <a:schemeClr val="accent1"/>
+    </dgm:fillClrLst>
+    <dgm:linClrLst meth="repeat">
+      <a:schemeClr val="lt1"/>
+    </dgm:linClrLst>
+    <dgm:effectClrLst/>
+    <dgm:txLinClrLst/>
+    <dgm:txFillClrLst/>
+    <dgm:txEffectClrLst/>
+  </dgm:styleLbl>
+  <dgm:styleLbl name="node3">
+    <dgm:fillClrLst meth="repeat">
+      <a:schemeClr val="accent1"/>
+    </dgm:fillClrLst>
+    <dgm:linClrLst meth="repeat">
+      <a:schemeClr val="lt1"/>
+    </dgm:linClrLst>
+    <dgm:effectClrLst/>
+    <dgm:txLinClrLst/>
+    <dgm:txFillClrLst/>
+    <dgm:txEffectClrLst/>
+  </dgm:styleLbl>
+  <dgm:styleLbl name="node4">
+    <dgm:fillClrLst meth="repeat">
+      <a:schemeClr val="accent1"/>
+    </dgm:fillClrLst>
+    <dgm:linClrLst meth="repeat">
+      <a:schemeClr val="lt1"/>
+    </dgm:linClrLst>
+    <dgm:effectClrLst/>
+    <dgm:txLinClrLst/>
+    <dgm:txFillClrLst/>
+    <dgm:txEffectClrLst/>
+  </dgm:styleLbl>
+  <dgm:styleLbl name="fgImgPlace1">
+    <dgm:fillClrLst meth="repeat">
+      <a:schemeClr val="accent1">
+        <a:tint val="50000"/>
+      </a:schemeClr>
+    </dgm:fillClrLst>
+    <dgm:linClrLst meth="repeat">
+      <a:schemeClr val="lt1"/>
+    </dgm:linClrLst>
+    <dgm:effectClrLst/>
+    <dgm:txLinClrLst/>
+    <dgm:txFillClrLst meth="repeat">
+      <a:schemeClr val="lt1"/>
+    </dgm:txFillClrLst>
+    <dgm:txEffectClrLst/>
+  </dgm:styleLbl>
+  <dgm:styleLbl name="alignImgPlace1">
+    <dgm:fillClrLst meth="repeat">
+      <a:schemeClr val="accent1">
+        <a:tint val="50000"/>
+      </a:schemeClr>
+    </dgm:fillClrLst>
+    <dgm:linClrLst meth="repeat">
+      <a:schemeClr val="lt1"/>
+    </dgm:linClrLst>
+    <dgm:effectClrLst/>
+    <dgm:txLinClrLst/>
+    <dgm:txFillClrLst meth="repeat">
+      <a:schemeClr val="lt1"/>
+    </dgm:txFillClrLst>
+    <dgm:txEffectClrLst/>
+  </dgm:styleLbl>
+  <dgm:styleLbl name="bgImgPlace1">
+    <dgm:fillClrLst meth="repeat">
+      <a:schemeClr val="accent1">
+        <a:tint val="50000"/>
+      </a:schemeClr>
+    </dgm:fillClrLst>
+    <dgm:linClrLst meth="repeat">
+      <a:schemeClr val="lt1"/>
+    </dgm:linClrLst>
+    <dgm:effectClrLst/>
+    <dgm:txLinClrLst/>
+    <dgm:txFillClrLst meth="repeat">
+      <a:schemeClr val="lt1"/>
+    </dgm:txFillClrLst>
+    <dgm:txEffectClrLst/>
+  </dgm:styleLbl>
+  <dgm:styleLbl name="sibTrans2D1">
+    <dgm:fillClrLst meth="repeat">
+      <a:schemeClr val="accent1">
+        <a:tint val="60000"/>
+      </a:schemeClr>
+    </dgm:fillClrLst>
+    <dgm:linClrLst meth="repeat">
+      <a:schemeClr val="accent1">
+        <a:tint val="60000"/>
+      </a:schemeClr>
+    </dgm:linClrLst>
+    <dgm:effectClrLst/>
+    <dgm:txLinClrLst/>
+    <dgm:txFillClrLst/>
+    <dgm:txEffectClrLst/>
+  </dgm:styleLbl>
+  <dgm:styleLbl name="fgSibTrans2D1">
+    <dgm:fillClrLst meth="repeat">
+      <a:schemeClr val="accent1">
+        <a:tint val="60000"/>
+      </a:schemeClr>
+    </dgm:fillClrLst>
+    <dgm:linClrLst meth="repeat">
+      <a:schemeClr val="accent1">
+        <a:tint val="60000"/>
+      </a:schemeClr>
+    </dgm:linClrLst>
+    <dgm:effectClrLst/>
+    <dgm:txLinClrLst/>
+    <dgm:txFillClrLst/>
+    <dgm:txEffectClrLst/>
+  </dgm:styleLbl>
+  <dgm:styleLbl name="bgSibTrans2D1">
+    <dgm:fillClrLst meth="repeat">
+      <a:schemeClr val="accent1">
+        <a:tint val="60000"/>
+      </a:schemeClr>
+    </dgm:fillClrLst>
+    <dgm:linClrLst meth="repeat">
+      <a:schemeClr val="accent1">
+        <a:tint val="60000"/>
+      </a:schemeClr>
+    </dgm:linClrLst>
+    <dgm:effectClrLst/>
+    <dgm:txLinClrLst/>
+    <dgm:txFillClrLst/>
+    <dgm:txEffectClrLst/>
+  </dgm:styleLbl>
+  <dgm:styleLbl name="sibTrans1D1">
+    <dgm:fillClrLst meth="repeat">
+      <a:schemeClr val="accent1"/>
+    </dgm:fillClrLst>
+    <dgm:linClrLst meth="repeat">
+      <a:schemeClr val="accent1"/>
+    </dgm:linClrLst>
+    <dgm:effectClrLst/>
+    <dgm:txLinClrLst/>
+    <dgm:txFillClrLst meth="repeat">
+      <a:schemeClr val="tx1"/>
+    </dgm:txFillClrLst>
+    <dgm:txEffectClrLst/>
+  </dgm:styleLbl>
+  <dgm:styleLbl name="callout">
+    <dgm:fillClrLst meth="repeat">
+      <a:schemeClr val="accent1"/>
+    </dgm:fillClrLst>
+    <dgm:linClrLst meth="repeat">
+      <a:schemeClr val="accent1">
+        <a:tint val="50000"/>
+      </a:schemeClr>
+    </dgm:linClrLst>
+    <dgm:effectClrLst/>
+    <dgm:txLinClrLst/>
+    <dgm:txFillClrLst meth="repeat">
+      <a:schemeClr val="tx1"/>
+    </dgm:txFillClrLst>
+    <dgm:txEffectClrLst/>
+  </dgm:styleLbl>
+  <dgm:styleLbl name="asst0">
+    <dgm:fillClrLst meth="repeat">
+      <a:schemeClr val="accent1"/>
+    </dgm:fillClrLst>
+    <dgm:linClrLst meth="repeat">
+      <a:schemeClr val="lt1"/>
+    </dgm:linClrLst>
+    <dgm:effectClrLst/>
+    <dgm:txLinClrLst/>
+    <dgm:txFillClrLst/>
+    <dgm:txEffectClrLst/>
+  </dgm:styleLbl>
+  <dgm:styleLbl name="asst1">
+    <dgm:fillClrLst meth="repeat">
+      <a:schemeClr val="accent1"/>
+    </dgm:fillClrLst>
+    <dgm:linClrLst meth="repeat">
+      <a:schemeClr val="lt1"/>
+    </dgm:linClrLst>
+    <dgm:effectClrLst/>
+    <dgm:txLinClrLst/>
+    <dgm:txFillClrLst/>
+    <dgm:txEffectClrLst/>
+  </dgm:styleLbl>
+  <dgm:styleLbl name="asst2">
+    <dgm:fillClrLst meth="repeat">
+      <a:schemeClr val="accent1"/>
+    </dgm:fillClrLst>
+    <dgm:linClrLst meth="repeat">
+      <a:schemeClr val="lt1"/>
+    </dgm:linClrLst>
+    <dgm:effectClrLst/>
+    <dgm:txLinClrLst/>
+    <dgm:txFillClrLst/>
+    <dgm:txEffectClrLst/>
+  </dgm:styleLbl>
+  <dgm:styleLbl name="asst3">
+    <dgm:fillClrLst meth="repeat">
+      <a:schemeClr val="accent1"/>
+    </dgm:fillClrLst>
+    <dgm:linClrLst meth="repeat">
+      <a:schemeClr val="lt1"/>
+    </dgm:linClrLst>
+    <dgm:effectClrLst/>
+    <dgm:txLinClrLst/>
+    <dgm:txFillClrLst/>
+    <dgm:txEffectClrLst/>
+  </dgm:styleLbl>
+  <dgm:styleLbl name="asst4">
+    <dgm:fillClrLst meth="repeat">
+      <a:schemeClr val="accent1"/>
+    </dgm:fillClrLst>
+    <dgm:linClrLst meth="repeat">
+      <a:schemeClr val="lt1"/>
+    </dgm:linClrLst>
+    <dgm:effectClrLst/>
+    <dgm:txLinClrLst/>
+    <dgm:txFillClrLst/>
+    <dgm:txEffectClrLst/>
+  </dgm:styleLbl>
+  <dgm:styleLbl name="parChTrans2D1">
+    <dgm:fillClrLst meth="repeat">
+      <a:schemeClr val="accent1">
+        <a:tint val="60000"/>
+      </a:schemeClr>
+    </dgm:fillClrLst>
+    <dgm:linClrLst meth="repeat">
+      <a:schemeClr val="accent1">
+        <a:tint val="60000"/>
+      </a:schemeClr>
+    </dgm:linClrLst>
+    <dgm:effectClrLst/>
+    <dgm:txLinClrLst/>
+    <dgm:txFillClrLst meth="repeat">
+      <a:schemeClr val="lt1"/>
+    </dgm:txFillClrLst>
+    <dgm:txEffectClrLst/>
+  </dgm:styleLbl>
+  <dgm:styleLbl name="parChTrans2D2">
+    <dgm:fillClrLst meth="repeat">
+      <a:schemeClr val="accent1"/>
+    </dgm:fillClrLst>
+    <dgm:linClrLst meth="repeat">
+      <a:schemeClr val="accent1"/>
+    </dgm:linClrLst>
+    <dgm:effectClrLst/>
+    <dgm:txLinClrLst/>
+    <dgm:txFillClrLst meth="repeat">
+      <a:schemeClr val="lt1"/>
+    </dgm:txFillClrLst>
+    <dgm:txEffectClrLst/>
+  </dgm:styleLbl>
+  <dgm:styleLbl name="parChTrans2D3">
+    <dgm:fillClrLst meth="repeat">
+      <a:schemeClr val="accent1"/>
+    </dgm:fillClrLst>
+    <dgm:linClrLst meth="repeat">
+      <a:schemeClr val="accent1"/>
+    </dgm:linClrLst>
+    <dgm:effectClrLst/>
+    <dgm:txLinClrLst/>
+    <dgm:txFillClrLst meth="repeat">
+      <a:schemeClr val="lt1"/>
+    </dgm:txFillClrLst>
+    <dgm:txEffectClrLst/>
+  </dgm:styleLbl>
+  <dgm:styleLbl name="parChTrans2D4">
+    <dgm:fillClrLst meth="repeat">
+      <a:schemeClr val="accent1"/>
+    </dgm:fillClrLst>
+    <dgm:linClrLst meth="repeat">
+      <a:schemeClr val="accent1"/>
+    </dgm:linClrLst>
+    <dgm:effectClrLst/>
+    <dgm:txLinClrLst/>
+    <dgm:txFillClrLst meth="repeat">
+      <a:schemeClr val="lt1"/>
+    </dgm:txFillClrLst>
+    <dgm:txEffectClrLst/>
+  </dgm:styleLbl>
+  <dgm:styleLbl name="parChTrans1D1">
+    <dgm:fillClrLst meth="repeat">
+      <a:schemeClr val="accent1"/>
+    </dgm:fillClrLst>
+    <dgm:linClrLst meth="repeat">
+      <a:schemeClr val="accent1">
+        <a:shade val="60000"/>
+      </a:schemeClr>
+    </dgm:linClrLst>
+    <dgm:effectClrLst/>
+    <dgm:txLinClrLst/>
+    <dgm:txFillClrLst meth="repeat">
+      <a:schemeClr val="tx1"/>
+    </dgm:txFillClrLst>
+    <dgm:txEffectClrLst/>
+  </dgm:styleLbl>
+  <dgm:styleLbl name="parChTrans1D2">
+    <dgm:fillClrLst meth="repeat">
+      <a:schemeClr val="accent1"/>
+    </dgm:fillClrLst>
+    <dgm:linClrLst meth="repeat">
+      <a:schemeClr val="accent1">
+        <a:shade val="60000"/>
+      </a:schemeClr>
+    </dgm:linClrLst>
+    <dgm:effectClrLst/>
+    <dgm:txLinClrLst/>
+    <dgm:txFillClrLst meth="repeat">
+      <a:schemeClr val="tx1"/>
+    </dgm:txFillClrLst>
+    <dgm:txEffectClrLst/>
+  </dgm:styleLbl>
+  <dgm:styleLbl name="parChTrans1D3">
+    <dgm:fillClrLst meth="repeat">
+      <a:schemeClr val="accent1"/>
+    </dgm:fillClrLst>
+    <dgm:linClrLst meth="repeat">
+      <a:schemeClr val="accent1">
+        <a:shade val="80000"/>
+      </a:schemeClr>
+    </dgm:linClrLst>
+    <dgm:effectClrLst/>
+    <dgm:txLinClrLst/>
+    <dgm:txFillClrLst meth="repeat">
+      <a:schemeClr val="tx1"/>
+    </dgm:txFillClrLst>
+    <dgm:txEffectClrLst/>
+  </dgm:styleLbl>
+  <dgm:styleLbl name="parChTrans1D4">
+    <dgm:fillClrLst meth="repeat">
+      <a:schemeClr val="accent1"/>
+    </dgm:fillClrLst>
+    <dgm:linClrLst meth="repeat">
+      <a:schemeClr val="accent1">
+        <a:shade val="80000"/>
+      </a:schemeClr>
+    </dgm:linClrLst>
+    <dgm:effectClrLst/>
+    <dgm:txLinClrLst/>
+    <dgm:txFillClrLst meth="repeat">
+      <a:schemeClr val="tx1"/>
+    </dgm:txFillClrLst>
+    <dgm:txEffectClrLst/>
+  </dgm:styleLbl>
+  <dgm:styleLbl name="fgAcc1">
+    <dgm:fillClrLst meth="repeat">
+      <a:schemeClr val="lt1">
+        <a:alpha val="90000"/>
+      </a:schemeClr>
+    </dgm:fillClrLst>
+    <dgm:linClrLst meth="repeat">
+      <a:schemeClr val="accent1"/>
+    </dgm:linClrLst>
+    <dgm:effectClrLst/>
+    <dgm:txLinClrLst/>
+    <dgm:txFillClrLst meth="repeat">
+      <a:schemeClr val="dk1"/>
+    </dgm:txFillClrLst>
+    <dgm:txEffectClrLst/>
+  </dgm:styleLbl>
+  <dgm:styleLbl name="conFgAcc1">
+    <dgm:fillClrLst meth="repeat">
+      <a:schemeClr val="lt1">
+        <a:alpha val="90000"/>
+      </a:schemeClr>
+    </dgm:fillClrLst>
+    <dgm:linClrLst meth="repeat">
+      <a:schemeClr val="accent1"/>
+    </dgm:linClrLst>
+    <dgm:effectClrLst/>
+    <dgm:txLinClrLst/>
+    <dgm:txFillClrLst meth="repeat">
+      <a:schemeClr val="dk1"/>
+    </dgm:txFillClrLst>
+    <dgm:txEffectClrLst/>
+  </dgm:styleLbl>
+  <dgm:styleLbl name="alignAcc1">
+    <dgm:fillClrLst meth="repeat">
+      <a:schemeClr val="lt1">
+        <a:alpha val="90000"/>
+      </a:schemeClr>
+    </dgm:fillClrLst>
+    <dgm:linClrLst meth="repeat">
+      <a:schemeClr val="accent1"/>
+    </dgm:linClrLst>
+    <dgm:effectClrLst/>
+    <dgm:txLinClrLst/>
+    <dgm:txFillClrLst meth="repeat">
+      <a:schemeClr val="dk1"/>
+    </dgm:txFillClrLst>
+    <dgm:txEffectClrLst/>
+  </dgm:styleLbl>
+  <dgm:styleLbl name="trAlignAcc1">
+    <dgm:fillClrLst meth="repeat">
+      <a:schemeClr val="lt1">
+        <a:alpha val="40000"/>
+      </a:schemeClr>
+    </dgm:fillClrLst>
+    <dgm:linClrLst meth="repeat">
+      <a:schemeClr val="accent1"/>
+    </dgm:linClrLst>
+    <dgm:effectClrLst/>
+    <dgm:txLinClrLst/>
+    <dgm:txFillClrLst meth="repeat">
+      <a:schemeClr val="dk1"/>
+    </dgm:txFillClrLst>
+    <dgm:txEffectClrLst/>
+  </dgm:styleLbl>
+  <dgm:styleLbl name="bgAcc1">
+    <dgm:fillClrLst meth="repeat">
+      <a:schemeClr val="lt1">
+        <a:alpha val="90000"/>
+      </a:schemeClr>
+    </dgm:fillClrLst>
+    <dgm:linClrLst meth="repeat">
+      <a:schemeClr val="accent1"/>
+    </dgm:linClrLst>
+    <dgm:effectClrLst/>
+    <dgm:txLinClrLst/>
+    <dgm:txFillClrLst meth="repeat">
+      <a:schemeClr val="dk1"/>
+    </dgm:txFillClrLst>
+    <dgm:txEffectClrLst/>
+  </dgm:styleLbl>
+  <dgm:styleLbl name="solidFgAcc1">
+    <dgm:fillClrLst meth="repeat">
+      <a:schemeClr val="lt1"/>
+    </dgm:fillClrLst>
+    <dgm:linClrLst meth="repeat">
+      <a:schemeClr val="accent1"/>
+    </dgm:linClrLst>
+    <dgm:effectClrLst/>
+    <dgm:txLinClrLst/>
+    <dgm:txFillClrLst meth="repeat">
+      <a:schemeClr val="dk1"/>
+    </dgm:txFillClrLst>
+    <dgm:txEffectClrLst/>
+  </dgm:styleLbl>
+  <dgm:styleLbl name="solidAlignAcc1">
+    <dgm:fillClrLst meth="repeat">
+      <a:schemeClr val="lt1"/>
+    </dgm:fillClrLst>
+    <dgm:linClrLst meth="repeat">
+      <a:schemeClr val="accent1"/>
+    </dgm:linClrLst>
+    <dgm:effectClrLst/>
+    <dgm:txLinClrLst/>
+    <dgm:txFillClrLst meth="repeat">
+      <a:schemeClr val="dk1"/>
+    </dgm:txFillClrLst>
+    <dgm:txEffectClrLst/>
+  </dgm:styleLbl>
+  <dgm:styleLbl name="solidBgAcc1">
+    <dgm:fillClrLst meth="repeat">
+      <a:schemeClr val="lt1"/>
+    </dgm:fillClrLst>
+    <dgm:linClrLst meth="repeat">
+      <a:schemeClr val="accent1"/>
+    </dgm:linClrLst>
+    <dgm:effectClrLst/>
+    <dgm:txLinClrLst/>
+    <dgm:txFillClrLst meth="repeat">
+      <a:schemeClr val="dk1"/>
+    </dgm:txFillClrLst>
+    <dgm:txEffectClrLst/>
+  </dgm:styleLbl>
+  <dgm:styleLbl name="fgAccFollowNode1">
+    <dgm:fillClrLst meth="repeat">
+      <a:schemeClr val="accent1">
+        <a:alpha val="90000"/>
+        <a:tint val="40000"/>
+      </a:schemeClr>
+    </dgm:fillClrLst>
+    <dgm:linClrLst meth="repeat">
+      <a:schemeClr val="accent1">
+        <a:alpha val="90000"/>
+        <a:tint val="40000"/>
+      </a:schemeClr>
+    </dgm:linClrLst>
+    <dgm:effectClrLst/>
+    <dgm:txLinClrLst/>
+    <dgm:txFillClrLst meth="repeat">
+      <a:schemeClr val="dk1"/>
+    </dgm:txFillClrLst>
+    <dgm:txEffectClrLst/>
+  </dgm:styleLbl>
+  <dgm:styleLbl name="alignAccFollowNode1">
+    <dgm:fillClrLst meth="repeat">
+      <a:schemeClr val="accent1">
+        <a:alpha val="90000"/>
+        <a:tint val="40000"/>
+      </a:schemeClr>
+    </dgm:fillClrLst>
+    <dgm:linClrLst meth="repeat">
+      <a:schemeClr val="accent1">
+        <a:alpha val="90000"/>
+        <a:tint val="40000"/>
+      </a:schemeClr>
+    </dgm:linClrLst>
+    <dgm:effectClrLst/>
+    <dgm:txLinClrLst/>
+    <dgm:txFillClrLst meth="repeat">
+      <a:schemeClr val="dk1"/>
+    </dgm:txFillClrLst>
+    <dgm:txEffectClrLst/>
+  </dgm:styleLbl>
+  <dgm:styleLbl name="bgAccFollowNode1">
+    <dgm:fillClrLst meth="repeat">
+      <a:schemeClr val="accent1">
+        <a:alpha val="90000"/>
+        <a:tint val="40000"/>
+      </a:schemeClr>
+    </dgm:fillClrLst>
+    <dgm:linClrLst meth="repeat">
+      <a:schemeClr val="accent1">
+        <a:alpha val="90000"/>
+        <a:tint val="40000"/>
+      </a:schemeClr>
+    </dgm:linClrLst>
+    <dgm:effectClrLst/>
+    <dgm:txLinClrLst/>
+    <dgm:txFillClrLst meth="repeat">
+      <a:schemeClr val="dk1"/>
+    </dgm:txFillClrLst>
+    <dgm:txEffectClrLst/>
+  </dgm:styleLbl>
+  <dgm:styleLbl name="fgAcc0">
+    <dgm:fillClrLst meth="repeat">
+      <a:schemeClr val="lt1">
+        <a:alpha val="90000"/>
+      </a:schemeClr>
+    </dgm:fillClrLst>
+    <dgm:linClrLst meth="repeat">
+      <a:schemeClr val="accent1"/>
+    </dgm:linClrLst>
+    <dgm:effectClrLst/>
+    <dgm:txLinClrLst/>
+    <dgm:txFillClrLst meth="repeat">
+      <a:schemeClr val="dk1"/>
+    </dgm:txFillClrLst>
+    <dgm:txEffectClrLst/>
+  </dgm:styleLbl>
+  <dgm:styleLbl name="fgAcc2">
+    <dgm:fillClrLst meth="repeat">
+      <a:schemeClr val="lt1">
+        <a:alpha val="90000"/>
+      </a:schemeClr>
+    </dgm:fillClrLst>
+    <dgm:linClrLst meth="repeat">
+      <a:schemeClr val="accent1"/>
+    </dgm:linClrLst>
+    <dgm:effectClrLst/>
+    <dgm:txLinClrLst/>
+    <dgm:txFillClrLst meth="repeat">
+      <a:schemeClr val="dk1"/>
+    </dgm:txFillClrLst>
+    <dgm:txEffectClrLst/>
+  </dgm:styleLbl>
+  <dgm:styleLbl name="fgAcc3">
+    <dgm:fillClrLst meth="repeat">
+      <a:schemeClr val="lt1">
+        <a:alpha val="90000"/>
+      </a:schemeClr>
+    </dgm:fillClrLst>
+    <dgm:linClrLst meth="repeat">
+      <a:schemeClr val="accent1"/>
+    </dgm:linClrLst>
+    <dgm:effectClrLst/>
+    <dgm:txLinClrLst/>
+    <dgm:txFillClrLst meth="repeat">
+      <a:schemeClr val="dk1"/>
+    </dgm:txFillClrLst>
+    <dgm:txEffectClrLst/>
+  </dgm:styleLbl>
+  <dgm:styleLbl name="fgAcc4">
+    <dgm:fillClrLst meth="repeat">
+      <a:schemeClr val="lt1">
+        <a:alpha val="90000"/>
+      </a:schemeClr>
+    </dgm:fillClrLst>
+    <dgm:linClrLst meth="repeat">
+      <a:schemeClr val="accent1"/>
+    </dgm:linClrLst>
+    <dgm:effectClrLst/>
+    <dgm:txLinClrLst/>
+    <dgm:txFillClrLst meth="repeat">
+      <a:schemeClr val="dk1"/>
+    </dgm:txFillClrLst>
+    <dgm:txEffectClrLst/>
+  </dgm:styleLbl>
+  <dgm:styleLbl name="bgShp">
+    <dgm:fillClrLst meth="repeat">
+      <a:schemeClr val="accent1">
+        <a:tint val="40000"/>
+      </a:schemeClr>
+    </dgm:fillClrLst>
+    <dgm:linClrLst meth="repeat">
+      <a:schemeClr val="accent1"/>
+    </dgm:linClrLst>
+    <dgm:effectClrLst/>
+    <dgm:txLinClrLst/>
+    <dgm:txFillClrLst meth="repeat">
+      <a:schemeClr val="dk1"/>
+    </dgm:txFillClrLst>
+    <dgm:txEffectClrLst/>
+  </dgm:styleLbl>
+  <dgm:styleLbl name="dkBgShp">
+    <dgm:fillClrLst meth="repeat">
+      <a:schemeClr val="accent1">
+        <a:shade val="80000"/>
+      </a:schemeClr>
+    </dgm:fillClrLst>
+    <dgm:linClrLst meth="repeat">
+      <a:schemeClr val="accent1"/>
+    </dgm:linClrLst>
+    <dgm:effectClrLst/>
+    <dgm:txLinClrLst/>
+    <dgm:txFillClrLst meth="repeat">
+      <a:schemeClr val="lt1"/>
+    </dgm:txFillClrLst>
+    <dgm:txEffectClrLst/>
+  </dgm:styleLbl>
+  <dgm:styleLbl name="trBgShp">
+    <dgm:fillClrLst meth="repeat">
+      <a:schemeClr val="accent1">
+        <a:tint val="50000"/>
+        <a:alpha val="40000"/>
+      </a:schemeClr>
+    </dgm:fillClrLst>
+    <dgm:linClrLst meth="repeat">
+      <a:schemeClr val="accent1"/>
+    </dgm:linClrLst>
+    <dgm:effectClrLst/>
+    <dgm:txLinClrLst/>
+    <dgm:txFillClrLst meth="repeat">
+      <a:schemeClr val="lt1"/>
+    </dgm:txFillClrLst>
+    <dgm:txEffectClrLst/>
+  </dgm:styleLbl>
+  <dgm:styleLbl name="fgShp">
+    <dgm:fillClrLst meth="repeat">
+      <a:schemeClr val="accent1">
+        <a:tint val="60000"/>
+      </a:schemeClr>
+    </dgm:fillClrLst>
+    <dgm:linClrLst meth="repeat">
+      <a:schemeClr val="lt1"/>
+    </dgm:linClrLst>
+    <dgm:effectClrLst/>
+    <dgm:txLinClrLst/>
+    <dgm:txFillClrLst meth="repeat">
+      <a:schemeClr val="dk1"/>
+    </dgm:txFillClrLst>
+    <dgm:txEffectClrLst/>
+  </dgm:styleLbl>
+  <dgm:styleLbl name="revTx">
+    <dgm:fillClrLst meth="repeat">
+      <a:schemeClr val="lt1">
+        <a:alpha val="0"/>
+      </a:schemeClr>
+    </dgm:fillClrLst>
+    <dgm:linClrLst meth="repeat">
+      <a:schemeClr val="dk1">
+        <a:alpha val="0"/>
+      </a:schemeClr>
+    </dgm:linClrLst>
+    <dgm:effectClrLst/>
+    <dgm:txLinClrLst/>
+    <dgm:txFillClrLst meth="repeat">
+      <a:schemeClr val="tx1"/>
+    </dgm:txFillClrLst>
+    <dgm:txEffectClrLst/>
+  </dgm:styleLbl>
+</dgm:colorsDef>
+</file>
+
+<file path=ppt/diagrams/colors12.xml><?xml version="1.0" encoding="utf-8"?>
 <dgm:colorsDef xmlns:dgm="http://schemas.openxmlformats.org/drawingml/2006/diagram" xmlns:a="http://schemas.openxmlformats.org/drawingml/2006/main" uniqueId="urn:microsoft.com/office/officeart/2005/8/colors/accent1_2">
   <dgm:title val=""/>
   <dgm:desc val=""/>
@@ -9055,6 +9803,338 @@
     </dgm:pt>
     <dgm:pt modelId="{60B60E23-6E4E-407F-B85E-D9881A475F60}">
       <dgm:prSet phldrT="[文本]"/>
+      <dgm:spPr>
+        <a:solidFill>
+          <a:srgbClr val="00B0F0"/>
+        </a:solidFill>
+      </dgm:spPr>
+      <dgm:t>
+        <a:bodyPr/>
+        <a:lstStyle/>
+        <a:p>
+          <a:r>
+            <a:rPr lang="zh-CN" altLang="en-US" dirty="0" smtClean="0"/>
+            <a:t>第三部分</a:t>
+          </a:r>
+          <a:endParaRPr lang="zh-CN" altLang="en-US" dirty="0"/>
+        </a:p>
+      </dgm:t>
+    </dgm:pt>
+    <dgm:pt modelId="{0AEDCB28-B3FC-43B4-A5E3-14554B946B61}" type="parTrans" cxnId="{C67B728A-18DE-4A72-A954-3DF75BA9EF32}">
+      <dgm:prSet/>
+      <dgm:spPr/>
+      <dgm:t>
+        <a:bodyPr/>
+        <a:lstStyle/>
+        <a:p>
+          <a:endParaRPr lang="zh-CN" altLang="en-US"/>
+        </a:p>
+      </dgm:t>
+    </dgm:pt>
+    <dgm:pt modelId="{4D0F6C77-3E9C-4F2C-A856-C490A75F7D5F}" type="sibTrans" cxnId="{C67B728A-18DE-4A72-A954-3DF75BA9EF32}">
+      <dgm:prSet/>
+      <dgm:spPr/>
+      <dgm:t>
+        <a:bodyPr/>
+        <a:lstStyle/>
+        <a:p>
+          <a:endParaRPr lang="zh-CN" altLang="en-US"/>
+        </a:p>
+      </dgm:t>
+    </dgm:pt>
+    <dgm:pt modelId="{D5F45D29-FBD4-41DD-800B-D6B5495B67A6}">
+      <dgm:prSet phldrT="[文本]"/>
+      <dgm:spPr/>
+      <dgm:t>
+        <a:bodyPr/>
+        <a:lstStyle/>
+        <a:p>
+          <a:r>
+            <a:rPr lang="zh-CN" altLang="en-US" dirty="0" smtClean="0"/>
+            <a:t>第四部分</a:t>
+          </a:r>
+          <a:endParaRPr lang="zh-CN" altLang="en-US" dirty="0"/>
+        </a:p>
+      </dgm:t>
+    </dgm:pt>
+    <dgm:pt modelId="{594F3A47-DBA2-4B90-88A8-9DB409C7FB1B}" type="parTrans" cxnId="{82730BFC-73A6-4AAA-859E-D63E7582F5C3}">
+      <dgm:prSet/>
+      <dgm:spPr/>
+      <dgm:t>
+        <a:bodyPr/>
+        <a:lstStyle/>
+        <a:p>
+          <a:endParaRPr lang="zh-CN" altLang="en-US"/>
+        </a:p>
+      </dgm:t>
+    </dgm:pt>
+    <dgm:pt modelId="{961A5643-D233-429A-804D-4FFF9E61CA4E}" type="sibTrans" cxnId="{82730BFC-73A6-4AAA-859E-D63E7582F5C3}">
+      <dgm:prSet/>
+      <dgm:spPr/>
+      <dgm:t>
+        <a:bodyPr/>
+        <a:lstStyle/>
+        <a:p>
+          <a:endParaRPr lang="zh-CN" altLang="en-US"/>
+        </a:p>
+      </dgm:t>
+    </dgm:pt>
+    <dgm:pt modelId="{CB4130AF-C34E-41F6-A9D8-857EB96E3FC4}">
+      <dgm:prSet phldrT="[文本]"/>
+      <dgm:spPr/>
+      <dgm:t>
+        <a:bodyPr/>
+        <a:lstStyle/>
+        <a:p>
+          <a:r>
+            <a:rPr lang="zh-CN" altLang="en-US" dirty="0" smtClean="0"/>
+            <a:t>第二部分</a:t>
+          </a:r>
+          <a:endParaRPr lang="zh-CN" altLang="en-US" dirty="0"/>
+        </a:p>
+      </dgm:t>
+    </dgm:pt>
+    <dgm:pt modelId="{712BBC4A-71FD-4C7F-8BD7-5DBECE1E6005}" type="parTrans" cxnId="{AE42133A-0268-4F58-B921-BE6355940847}">
+      <dgm:prSet/>
+      <dgm:spPr/>
+      <dgm:t>
+        <a:bodyPr/>
+        <a:lstStyle/>
+        <a:p>
+          <a:endParaRPr lang="zh-CN" altLang="en-US"/>
+        </a:p>
+      </dgm:t>
+    </dgm:pt>
+    <dgm:pt modelId="{F06864E0-5BC0-4994-9709-BD7BB32FA894}" type="sibTrans" cxnId="{AE42133A-0268-4F58-B921-BE6355940847}">
+      <dgm:prSet/>
+      <dgm:spPr/>
+      <dgm:t>
+        <a:bodyPr/>
+        <a:lstStyle/>
+        <a:p>
+          <a:endParaRPr lang="zh-CN" altLang="en-US"/>
+        </a:p>
+      </dgm:t>
+    </dgm:pt>
+    <dgm:pt modelId="{964E703C-4E8C-4F3D-97D1-30A20012739A}" type="pres">
+      <dgm:prSet presAssocID="{4982E7B9-393C-446A-B868-3225692A2B68}" presName="Name0" presStyleCnt="0">
+        <dgm:presLayoutVars>
+          <dgm:dir/>
+          <dgm:resizeHandles val="exact"/>
+        </dgm:presLayoutVars>
+      </dgm:prSet>
+      <dgm:spPr/>
+    </dgm:pt>
+    <dgm:pt modelId="{1CF4523D-0ED1-455D-9399-3194D9EAFC32}" type="pres">
+      <dgm:prSet presAssocID="{EB50046D-788B-4BD6-A2F3-3E91D08D507E}" presName="node" presStyleLbl="node1" presStyleIdx="0" presStyleCnt="4">
+        <dgm:presLayoutVars>
+          <dgm:bulletEnabled val="1"/>
+        </dgm:presLayoutVars>
+      </dgm:prSet>
+      <dgm:spPr/>
+      <dgm:t>
+        <a:bodyPr/>
+        <a:lstStyle/>
+        <a:p>
+          <a:endParaRPr lang="zh-CN" altLang="en-US"/>
+        </a:p>
+      </dgm:t>
+    </dgm:pt>
+    <dgm:pt modelId="{D406A136-222C-4821-96A6-2A348A3C70A2}" type="pres">
+      <dgm:prSet presAssocID="{4EF3A707-A7A8-4808-87F1-0CBF60594F8E}" presName="sibTrans" presStyleLbl="sibTrans2D1" presStyleIdx="0" presStyleCnt="3"/>
+      <dgm:spPr/>
+      <dgm:t>
+        <a:bodyPr/>
+        <a:lstStyle/>
+        <a:p>
+          <a:endParaRPr lang="zh-CN" altLang="en-US"/>
+        </a:p>
+      </dgm:t>
+    </dgm:pt>
+    <dgm:pt modelId="{02DD83ED-E236-45CF-B2AC-731129148BE9}" type="pres">
+      <dgm:prSet presAssocID="{4EF3A707-A7A8-4808-87F1-0CBF60594F8E}" presName="connectorText" presStyleLbl="sibTrans2D1" presStyleIdx="0" presStyleCnt="3"/>
+      <dgm:spPr/>
+      <dgm:t>
+        <a:bodyPr/>
+        <a:lstStyle/>
+        <a:p>
+          <a:endParaRPr lang="zh-CN" altLang="en-US"/>
+        </a:p>
+      </dgm:t>
+    </dgm:pt>
+    <dgm:pt modelId="{7BD513CC-2B70-40BE-AB8E-2C53908A813D}" type="pres">
+      <dgm:prSet presAssocID="{CB4130AF-C34E-41F6-A9D8-857EB96E3FC4}" presName="node" presStyleLbl="node1" presStyleIdx="1" presStyleCnt="4">
+        <dgm:presLayoutVars>
+          <dgm:bulletEnabled val="1"/>
+        </dgm:presLayoutVars>
+      </dgm:prSet>
+      <dgm:spPr/>
+      <dgm:t>
+        <a:bodyPr/>
+        <a:lstStyle/>
+        <a:p>
+          <a:endParaRPr lang="zh-CN" altLang="en-US"/>
+        </a:p>
+      </dgm:t>
+    </dgm:pt>
+    <dgm:pt modelId="{F4378041-DC71-4D22-8E4B-125FE8972B50}" type="pres">
+      <dgm:prSet presAssocID="{F06864E0-5BC0-4994-9709-BD7BB32FA894}" presName="sibTrans" presStyleLbl="sibTrans2D1" presStyleIdx="1" presStyleCnt="3"/>
+      <dgm:spPr/>
+      <dgm:t>
+        <a:bodyPr/>
+        <a:lstStyle/>
+        <a:p>
+          <a:endParaRPr lang="zh-CN" altLang="en-US"/>
+        </a:p>
+      </dgm:t>
+    </dgm:pt>
+    <dgm:pt modelId="{EAE8508B-A6AF-4A00-952A-6833349E5BE0}" type="pres">
+      <dgm:prSet presAssocID="{F06864E0-5BC0-4994-9709-BD7BB32FA894}" presName="connectorText" presStyleLbl="sibTrans2D1" presStyleIdx="1" presStyleCnt="3"/>
+      <dgm:spPr/>
+      <dgm:t>
+        <a:bodyPr/>
+        <a:lstStyle/>
+        <a:p>
+          <a:endParaRPr lang="zh-CN" altLang="en-US"/>
+        </a:p>
+      </dgm:t>
+    </dgm:pt>
+    <dgm:pt modelId="{4EDC47AE-0D5E-423F-8022-29390D351195}" type="pres">
+      <dgm:prSet presAssocID="{60B60E23-6E4E-407F-B85E-D9881A475F60}" presName="node" presStyleLbl="node1" presStyleIdx="2" presStyleCnt="4">
+        <dgm:presLayoutVars>
+          <dgm:bulletEnabled val="1"/>
+        </dgm:presLayoutVars>
+      </dgm:prSet>
+      <dgm:spPr/>
+      <dgm:t>
+        <a:bodyPr/>
+        <a:lstStyle/>
+        <a:p>
+          <a:endParaRPr lang="zh-CN" altLang="en-US"/>
+        </a:p>
+      </dgm:t>
+    </dgm:pt>
+    <dgm:pt modelId="{6B5D778B-AF11-402D-9C34-0B63FACF9E1B}" type="pres">
+      <dgm:prSet presAssocID="{4D0F6C77-3E9C-4F2C-A856-C490A75F7D5F}" presName="sibTrans" presStyleLbl="sibTrans2D1" presStyleIdx="2" presStyleCnt="3"/>
+      <dgm:spPr/>
+      <dgm:t>
+        <a:bodyPr/>
+        <a:lstStyle/>
+        <a:p>
+          <a:endParaRPr lang="zh-CN" altLang="en-US"/>
+        </a:p>
+      </dgm:t>
+    </dgm:pt>
+    <dgm:pt modelId="{A29E33CC-5FF5-409D-B4EB-EE9D8211E277}" type="pres">
+      <dgm:prSet presAssocID="{4D0F6C77-3E9C-4F2C-A856-C490A75F7D5F}" presName="connectorText" presStyleLbl="sibTrans2D1" presStyleIdx="2" presStyleCnt="3"/>
+      <dgm:spPr/>
+      <dgm:t>
+        <a:bodyPr/>
+        <a:lstStyle/>
+        <a:p>
+          <a:endParaRPr lang="zh-CN" altLang="en-US"/>
+        </a:p>
+      </dgm:t>
+    </dgm:pt>
+    <dgm:pt modelId="{FBF22977-56B9-4F58-8148-E198416E40AF}" type="pres">
+      <dgm:prSet presAssocID="{D5F45D29-FBD4-41DD-800B-D6B5495B67A6}" presName="node" presStyleLbl="node1" presStyleIdx="3" presStyleCnt="4">
+        <dgm:presLayoutVars>
+          <dgm:bulletEnabled val="1"/>
+        </dgm:presLayoutVars>
+      </dgm:prSet>
+      <dgm:spPr/>
+      <dgm:t>
+        <a:bodyPr/>
+        <a:lstStyle/>
+        <a:p>
+          <a:endParaRPr lang="zh-CN" altLang="en-US"/>
+        </a:p>
+      </dgm:t>
+    </dgm:pt>
+  </dgm:ptLst>
+  <dgm:cxnLst>
+    <dgm:cxn modelId="{2B95ACB3-370E-4197-814D-C0945066936B}" type="presOf" srcId="{60B60E23-6E4E-407F-B85E-D9881A475F60}" destId="{4EDC47AE-0D5E-423F-8022-29390D351195}" srcOrd="0" destOrd="0" presId="urn:microsoft.com/office/officeart/2005/8/layout/process1"/>
+    <dgm:cxn modelId="{0300BF6B-F2B6-4A71-AAB0-3E883CFDE1DB}" type="presOf" srcId="{4D0F6C77-3E9C-4F2C-A856-C490A75F7D5F}" destId="{6B5D778B-AF11-402D-9C34-0B63FACF9E1B}" srcOrd="0" destOrd="0" presId="urn:microsoft.com/office/officeart/2005/8/layout/process1"/>
+    <dgm:cxn modelId="{03D7B17B-3F11-4408-A61A-9CA4E9940B2E}" type="presOf" srcId="{EB50046D-788B-4BD6-A2F3-3E91D08D507E}" destId="{1CF4523D-0ED1-455D-9399-3194D9EAFC32}" srcOrd="0" destOrd="0" presId="urn:microsoft.com/office/officeart/2005/8/layout/process1"/>
+    <dgm:cxn modelId="{6C99EC54-DD61-41D5-A61B-44E0E24161BC}" type="presOf" srcId="{CB4130AF-C34E-41F6-A9D8-857EB96E3FC4}" destId="{7BD513CC-2B70-40BE-AB8E-2C53908A813D}" srcOrd="0" destOrd="0" presId="urn:microsoft.com/office/officeart/2005/8/layout/process1"/>
+    <dgm:cxn modelId="{98E22585-0098-4E51-BAD0-29119EA47653}" type="presOf" srcId="{4982E7B9-393C-446A-B868-3225692A2B68}" destId="{964E703C-4E8C-4F3D-97D1-30A20012739A}" srcOrd="0" destOrd="0" presId="urn:microsoft.com/office/officeart/2005/8/layout/process1"/>
+    <dgm:cxn modelId="{510CA856-F15C-4410-A585-6D31285F7600}" type="presOf" srcId="{F06864E0-5BC0-4994-9709-BD7BB32FA894}" destId="{F4378041-DC71-4D22-8E4B-125FE8972B50}" srcOrd="0" destOrd="0" presId="urn:microsoft.com/office/officeart/2005/8/layout/process1"/>
+    <dgm:cxn modelId="{AE42133A-0268-4F58-B921-BE6355940847}" srcId="{4982E7B9-393C-446A-B868-3225692A2B68}" destId="{CB4130AF-C34E-41F6-A9D8-857EB96E3FC4}" srcOrd="1" destOrd="0" parTransId="{712BBC4A-71FD-4C7F-8BD7-5DBECE1E6005}" sibTransId="{F06864E0-5BC0-4994-9709-BD7BB32FA894}"/>
+    <dgm:cxn modelId="{B8D1D8B4-B059-4E42-B42B-6EF6907EA500}" srcId="{4982E7B9-393C-446A-B868-3225692A2B68}" destId="{EB50046D-788B-4BD6-A2F3-3E91D08D507E}" srcOrd="0" destOrd="0" parTransId="{C6EC46FF-F766-4DB6-B1CD-E1AAA7C371C4}" sibTransId="{4EF3A707-A7A8-4808-87F1-0CBF60594F8E}"/>
+    <dgm:cxn modelId="{7CA550D1-96ED-47C4-9C45-3FB23B04874C}" type="presOf" srcId="{F06864E0-5BC0-4994-9709-BD7BB32FA894}" destId="{EAE8508B-A6AF-4A00-952A-6833349E5BE0}" srcOrd="1" destOrd="0" presId="urn:microsoft.com/office/officeart/2005/8/layout/process1"/>
+    <dgm:cxn modelId="{C67B728A-18DE-4A72-A954-3DF75BA9EF32}" srcId="{4982E7B9-393C-446A-B868-3225692A2B68}" destId="{60B60E23-6E4E-407F-B85E-D9881A475F60}" srcOrd="2" destOrd="0" parTransId="{0AEDCB28-B3FC-43B4-A5E3-14554B946B61}" sibTransId="{4D0F6C77-3E9C-4F2C-A856-C490A75F7D5F}"/>
+    <dgm:cxn modelId="{A94C36C6-D98C-4AB3-A73A-416CAD79EAB2}" type="presOf" srcId="{D5F45D29-FBD4-41DD-800B-D6B5495B67A6}" destId="{FBF22977-56B9-4F58-8148-E198416E40AF}" srcOrd="0" destOrd="0" presId="urn:microsoft.com/office/officeart/2005/8/layout/process1"/>
+    <dgm:cxn modelId="{1125D7C3-9845-4855-9057-092C9713CFE1}" type="presOf" srcId="{4EF3A707-A7A8-4808-87F1-0CBF60594F8E}" destId="{02DD83ED-E236-45CF-B2AC-731129148BE9}" srcOrd="1" destOrd="0" presId="urn:microsoft.com/office/officeart/2005/8/layout/process1"/>
+    <dgm:cxn modelId="{BDB70258-2F68-4796-AE58-DB750A99681F}" type="presOf" srcId="{4EF3A707-A7A8-4808-87F1-0CBF60594F8E}" destId="{D406A136-222C-4821-96A6-2A348A3C70A2}" srcOrd="0" destOrd="0" presId="urn:microsoft.com/office/officeart/2005/8/layout/process1"/>
+    <dgm:cxn modelId="{0477910A-A53C-44FD-98FA-0208604D7D48}" type="presOf" srcId="{4D0F6C77-3E9C-4F2C-A856-C490A75F7D5F}" destId="{A29E33CC-5FF5-409D-B4EB-EE9D8211E277}" srcOrd="1" destOrd="0" presId="urn:microsoft.com/office/officeart/2005/8/layout/process1"/>
+    <dgm:cxn modelId="{82730BFC-73A6-4AAA-859E-D63E7582F5C3}" srcId="{4982E7B9-393C-446A-B868-3225692A2B68}" destId="{D5F45D29-FBD4-41DD-800B-D6B5495B67A6}" srcOrd="3" destOrd="0" parTransId="{594F3A47-DBA2-4B90-88A8-9DB409C7FB1B}" sibTransId="{961A5643-D233-429A-804D-4FFF9E61CA4E}"/>
+    <dgm:cxn modelId="{6DB3ADF8-93DF-44AE-9B79-A5D4B9ED548A}" type="presParOf" srcId="{964E703C-4E8C-4F3D-97D1-30A20012739A}" destId="{1CF4523D-0ED1-455D-9399-3194D9EAFC32}" srcOrd="0" destOrd="0" presId="urn:microsoft.com/office/officeart/2005/8/layout/process1"/>
+    <dgm:cxn modelId="{C699C764-ED7D-4943-B499-14AE0E9F1628}" type="presParOf" srcId="{964E703C-4E8C-4F3D-97D1-30A20012739A}" destId="{D406A136-222C-4821-96A6-2A348A3C70A2}" srcOrd="1" destOrd="0" presId="urn:microsoft.com/office/officeart/2005/8/layout/process1"/>
+    <dgm:cxn modelId="{0FFC4EEC-9190-49CE-81AD-A06E31165A03}" type="presParOf" srcId="{D406A136-222C-4821-96A6-2A348A3C70A2}" destId="{02DD83ED-E236-45CF-B2AC-731129148BE9}" srcOrd="0" destOrd="0" presId="urn:microsoft.com/office/officeart/2005/8/layout/process1"/>
+    <dgm:cxn modelId="{FBC89B77-8E9D-4980-A305-767865EC4715}" type="presParOf" srcId="{964E703C-4E8C-4F3D-97D1-30A20012739A}" destId="{7BD513CC-2B70-40BE-AB8E-2C53908A813D}" srcOrd="2" destOrd="0" presId="urn:microsoft.com/office/officeart/2005/8/layout/process1"/>
+    <dgm:cxn modelId="{B45D058C-2702-4E87-8F11-A5159572D360}" type="presParOf" srcId="{964E703C-4E8C-4F3D-97D1-30A20012739A}" destId="{F4378041-DC71-4D22-8E4B-125FE8972B50}" srcOrd="3" destOrd="0" presId="urn:microsoft.com/office/officeart/2005/8/layout/process1"/>
+    <dgm:cxn modelId="{8E273422-B1AC-4078-BEE0-3818A9F85207}" type="presParOf" srcId="{F4378041-DC71-4D22-8E4B-125FE8972B50}" destId="{EAE8508B-A6AF-4A00-952A-6833349E5BE0}" srcOrd="0" destOrd="0" presId="urn:microsoft.com/office/officeart/2005/8/layout/process1"/>
+    <dgm:cxn modelId="{E883B382-7E0E-4296-A3C5-22F8156846F5}" type="presParOf" srcId="{964E703C-4E8C-4F3D-97D1-30A20012739A}" destId="{4EDC47AE-0D5E-423F-8022-29390D351195}" srcOrd="4" destOrd="0" presId="urn:microsoft.com/office/officeart/2005/8/layout/process1"/>
+    <dgm:cxn modelId="{53FD092D-4E0E-4CCC-A97E-54F8B9343817}" type="presParOf" srcId="{964E703C-4E8C-4F3D-97D1-30A20012739A}" destId="{6B5D778B-AF11-402D-9C34-0B63FACF9E1B}" srcOrd="5" destOrd="0" presId="urn:microsoft.com/office/officeart/2005/8/layout/process1"/>
+    <dgm:cxn modelId="{5F6114F7-0A18-4AC5-BF70-B6F36E7EE0D4}" type="presParOf" srcId="{6B5D778B-AF11-402D-9C34-0B63FACF9E1B}" destId="{A29E33CC-5FF5-409D-B4EB-EE9D8211E277}" srcOrd="0" destOrd="0" presId="urn:microsoft.com/office/officeart/2005/8/layout/process1"/>
+    <dgm:cxn modelId="{89467CD9-F952-4D05-9467-4CBFF531FB0C}" type="presParOf" srcId="{964E703C-4E8C-4F3D-97D1-30A20012739A}" destId="{FBF22977-56B9-4F58-8148-E198416E40AF}" srcOrd="6" destOrd="0" presId="urn:microsoft.com/office/officeart/2005/8/layout/process1"/>
+  </dgm:cxnLst>
+  <dgm:bg/>
+  <dgm:whole/>
+  <dgm:extLst>
+    <a:ext uri="http://schemas.microsoft.com/office/drawing/2008/diagram">
+      <dsp:dataModelExt xmlns:dsp="http://schemas.microsoft.com/office/drawing/2008/diagram" relId="rId7" minVer="http://schemas.openxmlformats.org/drawingml/2006/diagram"/>
+    </a:ext>
+  </dgm:extLst>
+</dgm:dataModel>
+</file>
+
+<file path=ppt/diagrams/data12.xml><?xml version="1.0" encoding="utf-8"?>
+<dgm:dataModel xmlns:dgm="http://schemas.openxmlformats.org/drawingml/2006/diagram" xmlns:a="http://schemas.openxmlformats.org/drawingml/2006/main">
+  <dgm:ptLst>
+    <dgm:pt modelId="{4982E7B9-393C-446A-B868-3225692A2B68}" type="doc">
+      <dgm:prSet loTypeId="urn:microsoft.com/office/officeart/2005/8/layout/process1" loCatId="process" qsTypeId="urn:microsoft.com/office/officeart/2005/8/quickstyle/simple1" qsCatId="simple" csTypeId="urn:microsoft.com/office/officeart/2005/8/colors/accent1_2" csCatId="accent1" phldr="1"/>
+      <dgm:spPr/>
+    </dgm:pt>
+    <dgm:pt modelId="{EB50046D-788B-4BD6-A2F3-3E91D08D507E}">
+      <dgm:prSet phldrT="[文本]"/>
+      <dgm:spPr/>
+      <dgm:t>
+        <a:bodyPr/>
+        <a:lstStyle/>
+        <a:p>
+          <a:r>
+            <a:rPr lang="zh-CN" altLang="en-US" dirty="0" smtClean="0"/>
+            <a:t>第一部分</a:t>
+          </a:r>
+          <a:endParaRPr lang="zh-CN" altLang="en-US" dirty="0"/>
+        </a:p>
+      </dgm:t>
+    </dgm:pt>
+    <dgm:pt modelId="{C6EC46FF-F766-4DB6-B1CD-E1AAA7C371C4}" type="parTrans" cxnId="{B8D1D8B4-B059-4E42-B42B-6EF6907EA500}">
+      <dgm:prSet/>
+      <dgm:spPr/>
+      <dgm:t>
+        <a:bodyPr/>
+        <a:lstStyle/>
+        <a:p>
+          <a:endParaRPr lang="zh-CN" altLang="en-US"/>
+        </a:p>
+      </dgm:t>
+    </dgm:pt>
+    <dgm:pt modelId="{4EF3A707-A7A8-4808-87F1-0CBF60594F8E}" type="sibTrans" cxnId="{B8D1D8B4-B059-4E42-B42B-6EF6907EA500}">
+      <dgm:prSet/>
+      <dgm:spPr/>
+      <dgm:t>
+        <a:bodyPr/>
+        <a:lstStyle/>
+        <a:p>
+          <a:endParaRPr lang="zh-CN" altLang="en-US"/>
+        </a:p>
+      </dgm:t>
+    </dgm:pt>
+    <dgm:pt modelId="{60B60E23-6E4E-407F-B85E-D9881A475F60}">
+      <dgm:prSet phldrT="[文本]"/>
       <dgm:spPr/>
       <dgm:t>
         <a:bodyPr/>
@@ -9648,9 +10728,9 @@
     <dgm:cxn modelId="{7CA550D1-96ED-47C4-9C45-3FB23B04874C}" type="presOf" srcId="{F06864E0-5BC0-4994-9709-BD7BB32FA894}" destId="{EAE8508B-A6AF-4A00-952A-6833349E5BE0}" srcOrd="1" destOrd="0" presId="urn:microsoft.com/office/officeart/2005/8/layout/process1"/>
     <dgm:cxn modelId="{C67B728A-18DE-4A72-A954-3DF75BA9EF32}" srcId="{4982E7B9-393C-446A-B868-3225692A2B68}" destId="{60B60E23-6E4E-407F-B85E-D9881A475F60}" srcOrd="2" destOrd="0" parTransId="{0AEDCB28-B3FC-43B4-A5E3-14554B946B61}" sibTransId="{4D0F6C77-3E9C-4F2C-A856-C490A75F7D5F}"/>
     <dgm:cxn modelId="{A94C36C6-D98C-4AB3-A73A-416CAD79EAB2}" type="presOf" srcId="{D5F45D29-FBD4-41DD-800B-D6B5495B67A6}" destId="{FBF22977-56B9-4F58-8148-E198416E40AF}" srcOrd="0" destOrd="0" presId="urn:microsoft.com/office/officeart/2005/8/layout/process1"/>
+    <dgm:cxn modelId="{0477910A-A53C-44FD-98FA-0208604D7D48}" type="presOf" srcId="{4D0F6C77-3E9C-4F2C-A856-C490A75F7D5F}" destId="{A29E33CC-5FF5-409D-B4EB-EE9D8211E277}" srcOrd="1" destOrd="0" presId="urn:microsoft.com/office/officeart/2005/8/layout/process1"/>
     <dgm:cxn modelId="{1125D7C3-9845-4855-9057-092C9713CFE1}" type="presOf" srcId="{4EF3A707-A7A8-4808-87F1-0CBF60594F8E}" destId="{02DD83ED-E236-45CF-B2AC-731129148BE9}" srcOrd="1" destOrd="0" presId="urn:microsoft.com/office/officeart/2005/8/layout/process1"/>
     <dgm:cxn modelId="{BDB70258-2F68-4796-AE58-DB750A99681F}" type="presOf" srcId="{4EF3A707-A7A8-4808-87F1-0CBF60594F8E}" destId="{D406A136-222C-4821-96A6-2A348A3C70A2}" srcOrd="0" destOrd="0" presId="urn:microsoft.com/office/officeart/2005/8/layout/process1"/>
-    <dgm:cxn modelId="{0477910A-A53C-44FD-98FA-0208604D7D48}" type="presOf" srcId="{4D0F6C77-3E9C-4F2C-A856-C490A75F7D5F}" destId="{A29E33CC-5FF5-409D-B4EB-EE9D8211E277}" srcOrd="1" destOrd="0" presId="urn:microsoft.com/office/officeart/2005/8/layout/process1"/>
     <dgm:cxn modelId="{82730BFC-73A6-4AAA-859E-D63E7582F5C3}" srcId="{4982E7B9-393C-446A-B868-3225692A2B68}" destId="{D5F45D29-FBD4-41DD-800B-D6B5495B67A6}" srcOrd="3" destOrd="0" parTransId="{594F3A47-DBA2-4B90-88A8-9DB409C7FB1B}" sibTransId="{961A5643-D233-429A-804D-4FFF9E61CA4E}"/>
     <dgm:cxn modelId="{6DB3ADF8-93DF-44AE-9B79-A5D4B9ED548A}" type="presParOf" srcId="{964E703C-4E8C-4F3D-97D1-30A20012739A}" destId="{1CF4523D-0ED1-455D-9399-3194D9EAFC32}" srcOrd="0" destOrd="0" presId="urn:microsoft.com/office/officeart/2005/8/layout/process1"/>
     <dgm:cxn modelId="{C699C764-ED7D-4943-B499-14AE0E9F1628}" type="presParOf" srcId="{964E703C-4E8C-4F3D-97D1-30A20012739A}" destId="{D406A136-222C-4821-96A6-2A348A3C70A2}" srcOrd="1" destOrd="0" presId="urn:microsoft.com/office/officeart/2005/8/layout/process1"/>
@@ -9667,7 +10747,7 @@
   <dgm:whole/>
   <dgm:extLst>
     <a:ext uri="http://schemas.microsoft.com/office/drawing/2008/diagram">
-      <dsp:dataModelExt xmlns:dsp="http://schemas.microsoft.com/office/drawing/2008/diagram" relId="rId6" minVer="http://schemas.openxmlformats.org/drawingml/2006/diagram"/>
+      <dsp:dataModelExt xmlns:dsp="http://schemas.microsoft.com/office/drawing/2008/diagram" relId="rId7" minVer="http://schemas.openxmlformats.org/drawingml/2006/diagram"/>
     </a:ext>
   </dgm:extLst>
 </dgm:dataModel>
@@ -9999,7 +11079,7 @@
   <dgm:whole/>
   <dgm:extLst>
     <a:ext uri="http://schemas.microsoft.com/office/drawing/2008/diagram">
-      <dsp:dataModelExt xmlns:dsp="http://schemas.microsoft.com/office/drawing/2008/diagram" relId="rId7" minVer="http://schemas.openxmlformats.org/drawingml/2006/diagram"/>
+      <dsp:dataModelExt xmlns:dsp="http://schemas.microsoft.com/office/drawing/2008/diagram" relId="rId6" minVer="http://schemas.openxmlformats.org/drawingml/2006/diagram"/>
     </a:ext>
   </dgm:extLst>
 </dgm:dataModel>
@@ -10663,7 +11743,7 @@
   <dgm:whole/>
   <dgm:extLst>
     <a:ext uri="http://schemas.microsoft.com/office/drawing/2008/diagram">
-      <dsp:dataModelExt xmlns:dsp="http://schemas.microsoft.com/office/drawing/2008/diagram" relId="rId6" minVer="http://schemas.openxmlformats.org/drawingml/2006/diagram"/>
+      <dsp:dataModelExt xmlns:dsp="http://schemas.microsoft.com/office/drawing/2008/diagram" relId="rId7" minVer="http://schemas.openxmlformats.org/drawingml/2006/diagram"/>
     </a:ext>
   </dgm:extLst>
 </dgm:dataModel>
@@ -10678,7 +11758,11 @@
     </dgm:pt>
     <dgm:pt modelId="{EB50046D-788B-4BD6-A2F3-3E91D08D507E}">
       <dgm:prSet phldrT="[文本]"/>
-      <dgm:spPr/>
+      <dgm:spPr>
+        <a:solidFill>
+          <a:srgbClr val="00B0F0"/>
+        </a:solidFill>
+      </dgm:spPr>
       <dgm:t>
         <a:bodyPr/>
         <a:lstStyle/>
@@ -10789,11 +11873,7 @@
     </dgm:pt>
     <dgm:pt modelId="{CB4130AF-C34E-41F6-A9D8-857EB96E3FC4}">
       <dgm:prSet phldrT="[文本]"/>
-      <dgm:spPr>
-        <a:solidFill>
-          <a:srgbClr val="00B0F0"/>
-        </a:solidFill>
-      </dgm:spPr>
+      <dgm:spPr/>
       <dgm:t>
         <a:bodyPr/>
         <a:lstStyle/>
@@ -11711,11 +12791,7 @@
     </dgm:pt>
     <dgm:pt modelId="{60B60E23-6E4E-407F-B85E-D9881A475F60}">
       <dgm:prSet phldrT="[文本]"/>
-      <dgm:spPr>
-        <a:solidFill>
-          <a:srgbClr val="00B0F0"/>
-        </a:solidFill>
-      </dgm:spPr>
+      <dgm:spPr/>
       <dgm:t>
         <a:bodyPr/>
         <a:lstStyle/>
@@ -11789,7 +12865,11 @@
     </dgm:pt>
     <dgm:pt modelId="{CB4130AF-C34E-41F6-A9D8-857EB96E3FC4}">
       <dgm:prSet phldrT="[文本]"/>
-      <dgm:spPr/>
+      <dgm:spPr>
+        <a:solidFill>
+          <a:srgbClr val="00B0F0"/>
+        </a:solidFill>
+      </dgm:spPr>
       <dgm:t>
         <a:bodyPr/>
         <a:lstStyle/>
@@ -11991,7 +13071,7 @@
   <dgm:whole/>
   <dgm:extLst>
     <a:ext uri="http://schemas.microsoft.com/office/drawing/2008/diagram">
-      <dsp:dataModelExt xmlns:dsp="http://schemas.microsoft.com/office/drawing/2008/diagram" relId="rId7" minVer="http://schemas.openxmlformats.org/drawingml/2006/diagram"/>
+      <dsp:dataModelExt xmlns:dsp="http://schemas.microsoft.com/office/drawing/2008/diagram" relId="rId6" minVer="http://schemas.openxmlformats.org/drawingml/2006/diagram"/>
     </a:ext>
   </dgm:extLst>
 </dgm:dataModel>
@@ -13377,6 +14457,536 @@
           </a:avLst>
         </a:prstGeom>
         <a:solidFill>
+          <a:srgbClr val="00B0F0"/>
+        </a:solidFill>
+        <a:ln w="19050" cap="rnd" cmpd="sng" algn="ctr">
+          <a:solidFill>
+            <a:schemeClr val="lt1">
+              <a:hueOff val="0"/>
+              <a:satOff val="0"/>
+              <a:lumOff val="0"/>
+              <a:alphaOff val="0"/>
+            </a:schemeClr>
+          </a:solidFill>
+          <a:prstDash val="solid"/>
+        </a:ln>
+        <a:effectLst/>
+      </dsp:spPr>
+      <dsp:style>
+        <a:lnRef idx="2">
+          <a:scrgbClr r="0" g="0" b="0"/>
+        </a:lnRef>
+        <a:fillRef idx="1">
+          <a:scrgbClr r="0" g="0" b="0"/>
+        </a:fillRef>
+        <a:effectRef idx="0">
+          <a:scrgbClr r="0" g="0" b="0"/>
+        </a:effectRef>
+        <a:fontRef idx="minor">
+          <a:schemeClr val="lt1"/>
+        </a:fontRef>
+      </dsp:style>
+      <dsp:txBody>
+        <a:bodyPr spcFirstLastPara="0" vert="horz" wrap="square" lIns="64770" tIns="64770" rIns="64770" bIns="64770" numCol="1" spcCol="1270" anchor="ctr" anchorCtr="0">
+          <a:noAutofit/>
+        </a:bodyPr>
+        <a:lstStyle/>
+        <a:p>
+          <a:pPr lvl="0" algn="ctr" defTabSz="755650">
+            <a:lnSpc>
+              <a:spcPct val="90000"/>
+            </a:lnSpc>
+            <a:spcBef>
+              <a:spcPct val="0"/>
+            </a:spcBef>
+            <a:spcAft>
+              <a:spcPct val="35000"/>
+            </a:spcAft>
+          </a:pPr>
+          <a:r>
+            <a:rPr lang="zh-CN" altLang="en-US" sz="1700" kern="1200" dirty="0" smtClean="0"/>
+            <a:t>第三部分</a:t>
+          </a:r>
+          <a:endParaRPr lang="zh-CN" altLang="en-US" sz="1700" kern="1200" dirty="0"/>
+        </a:p>
+      </dsp:txBody>
+      <dsp:txXfrm>
+        <a:off x="2962245" y="12464"/>
+        <a:ext cx="1027705" cy="400624"/>
+      </dsp:txXfrm>
+    </dsp:sp>
+    <dsp:sp modelId="{6B5D778B-AF11-402D-9C34-0B63FACF9E1B}">
+      <dsp:nvSpPr>
+        <dsp:cNvPr id="0" name=""/>
+        <dsp:cNvSpPr/>
+      </dsp:nvSpPr>
+      <dsp:spPr>
+        <a:xfrm>
+          <a:off x="4107677" y="82249"/>
+          <a:ext cx="223158" cy="261053"/>
+        </a:xfrm>
+        <a:prstGeom prst="rightArrow">
+          <a:avLst>
+            <a:gd name="adj1" fmla="val 60000"/>
+            <a:gd name="adj2" fmla="val 50000"/>
+          </a:avLst>
+        </a:prstGeom>
+        <a:solidFill>
+          <a:schemeClr val="accent1">
+            <a:tint val="60000"/>
+            <a:hueOff val="0"/>
+            <a:satOff val="0"/>
+            <a:lumOff val="0"/>
+            <a:alphaOff val="0"/>
+          </a:schemeClr>
+        </a:solidFill>
+        <a:ln>
+          <a:noFill/>
+        </a:ln>
+        <a:effectLst/>
+      </dsp:spPr>
+      <dsp:style>
+        <a:lnRef idx="0">
+          <a:scrgbClr r="0" g="0" b="0"/>
+        </a:lnRef>
+        <a:fillRef idx="1">
+          <a:scrgbClr r="0" g="0" b="0"/>
+        </a:fillRef>
+        <a:effectRef idx="0">
+          <a:scrgbClr r="0" g="0" b="0"/>
+        </a:effectRef>
+        <a:fontRef idx="minor">
+          <a:schemeClr val="lt1"/>
+        </a:fontRef>
+      </dsp:style>
+      <dsp:txBody>
+        <a:bodyPr spcFirstLastPara="0" vert="horz" wrap="square" lIns="0" tIns="0" rIns="0" bIns="0" numCol="1" spcCol="1270" anchor="ctr" anchorCtr="0">
+          <a:noAutofit/>
+        </a:bodyPr>
+        <a:lstStyle/>
+        <a:p>
+          <a:pPr lvl="0" algn="ctr" defTabSz="622300">
+            <a:lnSpc>
+              <a:spcPct val="90000"/>
+            </a:lnSpc>
+            <a:spcBef>
+              <a:spcPct val="0"/>
+            </a:spcBef>
+            <a:spcAft>
+              <a:spcPct val="35000"/>
+            </a:spcAft>
+          </a:pPr>
+          <a:endParaRPr lang="zh-CN" altLang="en-US" sz="1400" kern="1200"/>
+        </a:p>
+      </dsp:txBody>
+      <dsp:txXfrm>
+        <a:off x="4107677" y="134460"/>
+        <a:ext cx="156211" cy="156631"/>
+      </dsp:txXfrm>
+    </dsp:sp>
+    <dsp:sp modelId="{FBF22977-56B9-4F58-8148-E198416E40AF}">
+      <dsp:nvSpPr>
+        <dsp:cNvPr id="0" name=""/>
+        <dsp:cNvSpPr/>
+      </dsp:nvSpPr>
+      <dsp:spPr>
+        <a:xfrm>
+          <a:off x="4423468" y="0"/>
+          <a:ext cx="1052633" cy="425552"/>
+        </a:xfrm>
+        <a:prstGeom prst="roundRect">
+          <a:avLst>
+            <a:gd name="adj" fmla="val 10000"/>
+          </a:avLst>
+        </a:prstGeom>
+        <a:solidFill>
+          <a:schemeClr val="accent1">
+            <a:hueOff val="0"/>
+            <a:satOff val="0"/>
+            <a:lumOff val="0"/>
+            <a:alphaOff val="0"/>
+          </a:schemeClr>
+        </a:solidFill>
+        <a:ln w="19050" cap="rnd" cmpd="sng" algn="ctr">
+          <a:solidFill>
+            <a:schemeClr val="lt1">
+              <a:hueOff val="0"/>
+              <a:satOff val="0"/>
+              <a:lumOff val="0"/>
+              <a:alphaOff val="0"/>
+            </a:schemeClr>
+          </a:solidFill>
+          <a:prstDash val="solid"/>
+        </a:ln>
+        <a:effectLst/>
+      </dsp:spPr>
+      <dsp:style>
+        <a:lnRef idx="2">
+          <a:scrgbClr r="0" g="0" b="0"/>
+        </a:lnRef>
+        <a:fillRef idx="1">
+          <a:scrgbClr r="0" g="0" b="0"/>
+        </a:fillRef>
+        <a:effectRef idx="0">
+          <a:scrgbClr r="0" g="0" b="0"/>
+        </a:effectRef>
+        <a:fontRef idx="minor">
+          <a:schemeClr val="lt1"/>
+        </a:fontRef>
+      </dsp:style>
+      <dsp:txBody>
+        <a:bodyPr spcFirstLastPara="0" vert="horz" wrap="square" lIns="64770" tIns="64770" rIns="64770" bIns="64770" numCol="1" spcCol="1270" anchor="ctr" anchorCtr="0">
+          <a:noAutofit/>
+        </a:bodyPr>
+        <a:lstStyle/>
+        <a:p>
+          <a:pPr lvl="0" algn="ctr" defTabSz="755650">
+            <a:lnSpc>
+              <a:spcPct val="90000"/>
+            </a:lnSpc>
+            <a:spcBef>
+              <a:spcPct val="0"/>
+            </a:spcBef>
+            <a:spcAft>
+              <a:spcPct val="35000"/>
+            </a:spcAft>
+          </a:pPr>
+          <a:r>
+            <a:rPr lang="zh-CN" altLang="en-US" sz="1700" kern="1200" dirty="0" smtClean="0"/>
+            <a:t>第四部分</a:t>
+          </a:r>
+          <a:endParaRPr lang="zh-CN" altLang="en-US" sz="1700" kern="1200" dirty="0"/>
+        </a:p>
+      </dsp:txBody>
+      <dsp:txXfrm>
+        <a:off x="4435932" y="12464"/>
+        <a:ext cx="1027705" cy="400624"/>
+      </dsp:txXfrm>
+    </dsp:sp>
+  </dsp:spTree>
+</dsp:drawing>
+</file>
+
+<file path=ppt/diagrams/drawing12.xml><?xml version="1.0" encoding="utf-8"?>
+<dsp:drawing xmlns:dgm="http://schemas.openxmlformats.org/drawingml/2006/diagram" xmlns:dsp="http://schemas.microsoft.com/office/drawing/2008/diagram" xmlns:a="http://schemas.openxmlformats.org/drawingml/2006/main">
+  <dsp:spTree>
+    <dsp:nvGrpSpPr>
+      <dsp:cNvPr id="0" name=""/>
+      <dsp:cNvGrpSpPr/>
+    </dsp:nvGrpSpPr>
+    <dsp:grpSpPr/>
+    <dsp:sp modelId="{1CF4523D-0ED1-455D-9399-3194D9EAFC32}">
+      <dsp:nvSpPr>
+        <dsp:cNvPr id="0" name=""/>
+        <dsp:cNvSpPr/>
+      </dsp:nvSpPr>
+      <dsp:spPr>
+        <a:xfrm>
+          <a:off x="2407" y="0"/>
+          <a:ext cx="1052633" cy="425552"/>
+        </a:xfrm>
+        <a:prstGeom prst="roundRect">
+          <a:avLst>
+            <a:gd name="adj" fmla="val 10000"/>
+          </a:avLst>
+        </a:prstGeom>
+        <a:solidFill>
+          <a:schemeClr val="accent1">
+            <a:hueOff val="0"/>
+            <a:satOff val="0"/>
+            <a:lumOff val="0"/>
+            <a:alphaOff val="0"/>
+          </a:schemeClr>
+        </a:solidFill>
+        <a:ln w="19050" cap="rnd" cmpd="sng" algn="ctr">
+          <a:solidFill>
+            <a:schemeClr val="lt1">
+              <a:hueOff val="0"/>
+              <a:satOff val="0"/>
+              <a:lumOff val="0"/>
+              <a:alphaOff val="0"/>
+            </a:schemeClr>
+          </a:solidFill>
+          <a:prstDash val="solid"/>
+        </a:ln>
+        <a:effectLst/>
+      </dsp:spPr>
+      <dsp:style>
+        <a:lnRef idx="2">
+          <a:scrgbClr r="0" g="0" b="0"/>
+        </a:lnRef>
+        <a:fillRef idx="1">
+          <a:scrgbClr r="0" g="0" b="0"/>
+        </a:fillRef>
+        <a:effectRef idx="0">
+          <a:scrgbClr r="0" g="0" b="0"/>
+        </a:effectRef>
+        <a:fontRef idx="minor">
+          <a:schemeClr val="lt1"/>
+        </a:fontRef>
+      </dsp:style>
+      <dsp:txBody>
+        <a:bodyPr spcFirstLastPara="0" vert="horz" wrap="square" lIns="64770" tIns="64770" rIns="64770" bIns="64770" numCol="1" spcCol="1270" anchor="ctr" anchorCtr="0">
+          <a:noAutofit/>
+        </a:bodyPr>
+        <a:lstStyle/>
+        <a:p>
+          <a:pPr lvl="0" algn="ctr" defTabSz="755650">
+            <a:lnSpc>
+              <a:spcPct val="90000"/>
+            </a:lnSpc>
+            <a:spcBef>
+              <a:spcPct val="0"/>
+            </a:spcBef>
+            <a:spcAft>
+              <a:spcPct val="35000"/>
+            </a:spcAft>
+          </a:pPr>
+          <a:r>
+            <a:rPr lang="zh-CN" altLang="en-US" sz="1700" kern="1200" dirty="0" smtClean="0"/>
+            <a:t>第一部分</a:t>
+          </a:r>
+          <a:endParaRPr lang="zh-CN" altLang="en-US" sz="1700" kern="1200" dirty="0"/>
+        </a:p>
+      </dsp:txBody>
+      <dsp:txXfrm>
+        <a:off x="14871" y="12464"/>
+        <a:ext cx="1027705" cy="400624"/>
+      </dsp:txXfrm>
+    </dsp:sp>
+    <dsp:sp modelId="{D406A136-222C-4821-96A6-2A348A3C70A2}">
+      <dsp:nvSpPr>
+        <dsp:cNvPr id="0" name=""/>
+        <dsp:cNvSpPr/>
+      </dsp:nvSpPr>
+      <dsp:spPr>
+        <a:xfrm>
+          <a:off x="1160304" y="82249"/>
+          <a:ext cx="223158" cy="261053"/>
+        </a:xfrm>
+        <a:prstGeom prst="rightArrow">
+          <a:avLst>
+            <a:gd name="adj1" fmla="val 60000"/>
+            <a:gd name="adj2" fmla="val 50000"/>
+          </a:avLst>
+        </a:prstGeom>
+        <a:solidFill>
+          <a:schemeClr val="accent1">
+            <a:tint val="60000"/>
+            <a:hueOff val="0"/>
+            <a:satOff val="0"/>
+            <a:lumOff val="0"/>
+            <a:alphaOff val="0"/>
+          </a:schemeClr>
+        </a:solidFill>
+        <a:ln>
+          <a:noFill/>
+        </a:ln>
+        <a:effectLst/>
+      </dsp:spPr>
+      <dsp:style>
+        <a:lnRef idx="0">
+          <a:scrgbClr r="0" g="0" b="0"/>
+        </a:lnRef>
+        <a:fillRef idx="1">
+          <a:scrgbClr r="0" g="0" b="0"/>
+        </a:fillRef>
+        <a:effectRef idx="0">
+          <a:scrgbClr r="0" g="0" b="0"/>
+        </a:effectRef>
+        <a:fontRef idx="minor">
+          <a:schemeClr val="lt1"/>
+        </a:fontRef>
+      </dsp:style>
+      <dsp:txBody>
+        <a:bodyPr spcFirstLastPara="0" vert="horz" wrap="square" lIns="0" tIns="0" rIns="0" bIns="0" numCol="1" spcCol="1270" anchor="ctr" anchorCtr="0">
+          <a:noAutofit/>
+        </a:bodyPr>
+        <a:lstStyle/>
+        <a:p>
+          <a:pPr lvl="0" algn="ctr" defTabSz="622300">
+            <a:lnSpc>
+              <a:spcPct val="90000"/>
+            </a:lnSpc>
+            <a:spcBef>
+              <a:spcPct val="0"/>
+            </a:spcBef>
+            <a:spcAft>
+              <a:spcPct val="35000"/>
+            </a:spcAft>
+          </a:pPr>
+          <a:endParaRPr lang="zh-CN" altLang="en-US" sz="1400" kern="1200"/>
+        </a:p>
+      </dsp:txBody>
+      <dsp:txXfrm>
+        <a:off x="1160304" y="134460"/>
+        <a:ext cx="156211" cy="156631"/>
+      </dsp:txXfrm>
+    </dsp:sp>
+    <dsp:sp modelId="{7BD513CC-2B70-40BE-AB8E-2C53908A813D}">
+      <dsp:nvSpPr>
+        <dsp:cNvPr id="0" name=""/>
+        <dsp:cNvSpPr/>
+      </dsp:nvSpPr>
+      <dsp:spPr>
+        <a:xfrm>
+          <a:off x="1476094" y="0"/>
+          <a:ext cx="1052633" cy="425552"/>
+        </a:xfrm>
+        <a:prstGeom prst="roundRect">
+          <a:avLst>
+            <a:gd name="adj" fmla="val 10000"/>
+          </a:avLst>
+        </a:prstGeom>
+        <a:solidFill>
+          <a:schemeClr val="accent1">
+            <a:hueOff val="0"/>
+            <a:satOff val="0"/>
+            <a:lumOff val="0"/>
+            <a:alphaOff val="0"/>
+          </a:schemeClr>
+        </a:solidFill>
+        <a:ln w="19050" cap="rnd" cmpd="sng" algn="ctr">
+          <a:solidFill>
+            <a:schemeClr val="lt1">
+              <a:hueOff val="0"/>
+              <a:satOff val="0"/>
+              <a:lumOff val="0"/>
+              <a:alphaOff val="0"/>
+            </a:schemeClr>
+          </a:solidFill>
+          <a:prstDash val="solid"/>
+        </a:ln>
+        <a:effectLst/>
+      </dsp:spPr>
+      <dsp:style>
+        <a:lnRef idx="2">
+          <a:scrgbClr r="0" g="0" b="0"/>
+        </a:lnRef>
+        <a:fillRef idx="1">
+          <a:scrgbClr r="0" g="0" b="0"/>
+        </a:fillRef>
+        <a:effectRef idx="0">
+          <a:scrgbClr r="0" g="0" b="0"/>
+        </a:effectRef>
+        <a:fontRef idx="minor">
+          <a:schemeClr val="lt1"/>
+        </a:fontRef>
+      </dsp:style>
+      <dsp:txBody>
+        <a:bodyPr spcFirstLastPara="0" vert="horz" wrap="square" lIns="64770" tIns="64770" rIns="64770" bIns="64770" numCol="1" spcCol="1270" anchor="ctr" anchorCtr="0">
+          <a:noAutofit/>
+        </a:bodyPr>
+        <a:lstStyle/>
+        <a:p>
+          <a:pPr lvl="0" algn="ctr" defTabSz="755650">
+            <a:lnSpc>
+              <a:spcPct val="90000"/>
+            </a:lnSpc>
+            <a:spcBef>
+              <a:spcPct val="0"/>
+            </a:spcBef>
+            <a:spcAft>
+              <a:spcPct val="35000"/>
+            </a:spcAft>
+          </a:pPr>
+          <a:r>
+            <a:rPr lang="zh-CN" altLang="en-US" sz="1700" kern="1200" dirty="0" smtClean="0"/>
+            <a:t>第二部分</a:t>
+          </a:r>
+          <a:endParaRPr lang="zh-CN" altLang="en-US" sz="1700" kern="1200" dirty="0"/>
+        </a:p>
+      </dsp:txBody>
+      <dsp:txXfrm>
+        <a:off x="1488558" y="12464"/>
+        <a:ext cx="1027705" cy="400624"/>
+      </dsp:txXfrm>
+    </dsp:sp>
+    <dsp:sp modelId="{F4378041-DC71-4D22-8E4B-125FE8972B50}">
+      <dsp:nvSpPr>
+        <dsp:cNvPr id="0" name=""/>
+        <dsp:cNvSpPr/>
+      </dsp:nvSpPr>
+      <dsp:spPr>
+        <a:xfrm>
+          <a:off x="2633991" y="82249"/>
+          <a:ext cx="223158" cy="261053"/>
+        </a:xfrm>
+        <a:prstGeom prst="rightArrow">
+          <a:avLst>
+            <a:gd name="adj1" fmla="val 60000"/>
+            <a:gd name="adj2" fmla="val 50000"/>
+          </a:avLst>
+        </a:prstGeom>
+        <a:solidFill>
+          <a:schemeClr val="accent1">
+            <a:tint val="60000"/>
+            <a:hueOff val="0"/>
+            <a:satOff val="0"/>
+            <a:lumOff val="0"/>
+            <a:alphaOff val="0"/>
+          </a:schemeClr>
+        </a:solidFill>
+        <a:ln>
+          <a:noFill/>
+        </a:ln>
+        <a:effectLst/>
+      </dsp:spPr>
+      <dsp:style>
+        <a:lnRef idx="0">
+          <a:scrgbClr r="0" g="0" b="0"/>
+        </a:lnRef>
+        <a:fillRef idx="1">
+          <a:scrgbClr r="0" g="0" b="0"/>
+        </a:fillRef>
+        <a:effectRef idx="0">
+          <a:scrgbClr r="0" g="0" b="0"/>
+        </a:effectRef>
+        <a:fontRef idx="minor">
+          <a:schemeClr val="lt1"/>
+        </a:fontRef>
+      </dsp:style>
+      <dsp:txBody>
+        <a:bodyPr spcFirstLastPara="0" vert="horz" wrap="square" lIns="0" tIns="0" rIns="0" bIns="0" numCol="1" spcCol="1270" anchor="ctr" anchorCtr="0">
+          <a:noAutofit/>
+        </a:bodyPr>
+        <a:lstStyle/>
+        <a:p>
+          <a:pPr lvl="0" algn="ctr" defTabSz="622300">
+            <a:lnSpc>
+              <a:spcPct val="90000"/>
+            </a:lnSpc>
+            <a:spcBef>
+              <a:spcPct val="0"/>
+            </a:spcBef>
+            <a:spcAft>
+              <a:spcPct val="35000"/>
+            </a:spcAft>
+          </a:pPr>
+          <a:endParaRPr lang="zh-CN" altLang="en-US" sz="1400" kern="1200"/>
+        </a:p>
+      </dsp:txBody>
+      <dsp:txXfrm>
+        <a:off x="2633991" y="134460"/>
+        <a:ext cx="156211" cy="156631"/>
+      </dsp:txXfrm>
+    </dsp:sp>
+    <dsp:sp modelId="{4EDC47AE-0D5E-423F-8022-29390D351195}">
+      <dsp:nvSpPr>
+        <dsp:cNvPr id="0" name=""/>
+        <dsp:cNvSpPr/>
+      </dsp:nvSpPr>
+      <dsp:spPr>
+        <a:xfrm>
+          <a:off x="2949781" y="0"/>
+          <a:ext cx="1052633" cy="425552"/>
+        </a:xfrm>
+        <a:prstGeom prst="roundRect">
+          <a:avLst>
+            <a:gd name="adj" fmla="val 10000"/>
+          </a:avLst>
+        </a:prstGeom>
+        <a:solidFill>
           <a:schemeClr val="accent1">
             <a:hueOff val="0"/>
             <a:satOff val="0"/>
@@ -14249,7 +15859,7 @@
         </a:bodyPr>
         <a:lstStyle/>
         <a:p>
-          <a:pPr lvl="0" algn="ctr" defTabSz="622300">
+          <a:pPr lvl="0" algn="ctr" defTabSz="488950">
             <a:lnSpc>
               <a:spcPct val="90000"/>
             </a:lnSpc>
@@ -14260,7 +15870,7 @@
               <a:spcPct val="35000"/>
             </a:spcAft>
           </a:pPr>
-          <a:endParaRPr lang="zh-CN" altLang="en-US" sz="1400" kern="1200"/>
+          <a:endParaRPr lang="zh-CN" altLang="en-US" sz="1100" kern="1200"/>
         </a:p>
       </dsp:txBody>
       <dsp:txXfrm>
@@ -14397,7 +16007,7 @@
         </a:bodyPr>
         <a:lstStyle/>
         <a:p>
-          <a:pPr lvl="0" algn="ctr" defTabSz="622300">
+          <a:pPr lvl="0" algn="ctr" defTabSz="488950">
             <a:lnSpc>
               <a:spcPct val="90000"/>
             </a:lnSpc>
@@ -14408,7 +16018,7 @@
               <a:spcPct val="35000"/>
             </a:spcAft>
           </a:pPr>
-          <a:endParaRPr lang="zh-CN" altLang="en-US" sz="1400" kern="1200"/>
+          <a:endParaRPr lang="zh-CN" altLang="en-US" sz="1100" kern="1200"/>
         </a:p>
       </dsp:txBody>
       <dsp:txXfrm>
@@ -14545,7 +16155,7 @@
         </a:bodyPr>
         <a:lstStyle/>
         <a:p>
-          <a:pPr lvl="0" algn="ctr" defTabSz="622300">
+          <a:pPr lvl="0" algn="ctr" defTabSz="488950">
             <a:lnSpc>
               <a:spcPct val="90000"/>
             </a:lnSpc>
@@ -14556,7 +16166,7 @@
               <a:spcPct val="35000"/>
             </a:spcAft>
           </a:pPr>
-          <a:endParaRPr lang="zh-CN" altLang="en-US" sz="1400" kern="1200"/>
+          <a:endParaRPr lang="zh-CN" altLang="en-US" sz="1100" kern="1200"/>
         </a:p>
       </dsp:txBody>
       <dsp:txXfrm>
@@ -14779,7 +16389,7 @@
         </a:bodyPr>
         <a:lstStyle/>
         <a:p>
-          <a:pPr lvl="0" algn="ctr" defTabSz="622300">
+          <a:pPr lvl="0" algn="ctr" defTabSz="488950">
             <a:lnSpc>
               <a:spcPct val="90000"/>
             </a:lnSpc>
@@ -14790,7 +16400,7 @@
               <a:spcPct val="35000"/>
             </a:spcAft>
           </a:pPr>
-          <a:endParaRPr lang="zh-CN" altLang="en-US" sz="1400" kern="1200"/>
+          <a:endParaRPr lang="zh-CN" altLang="en-US" sz="1100" kern="1200"/>
         </a:p>
       </dsp:txBody>
       <dsp:txXfrm>
@@ -14927,7 +16537,7 @@
         </a:bodyPr>
         <a:lstStyle/>
         <a:p>
-          <a:pPr lvl="0" algn="ctr" defTabSz="622300">
+          <a:pPr lvl="0" algn="ctr" defTabSz="488950">
             <a:lnSpc>
               <a:spcPct val="90000"/>
             </a:lnSpc>
@@ -14938,7 +16548,7 @@
               <a:spcPct val="35000"/>
             </a:spcAft>
           </a:pPr>
-          <a:endParaRPr lang="zh-CN" altLang="en-US" sz="1400" kern="1200"/>
+          <a:endParaRPr lang="zh-CN" altLang="en-US" sz="1100" kern="1200"/>
         </a:p>
       </dsp:txBody>
       <dsp:txXfrm>
@@ -15075,7 +16685,7 @@
         </a:bodyPr>
         <a:lstStyle/>
         <a:p>
-          <a:pPr lvl="0" algn="ctr" defTabSz="622300">
+          <a:pPr lvl="0" algn="ctr" defTabSz="488950">
             <a:lnSpc>
               <a:spcPct val="90000"/>
             </a:lnSpc>
@@ -15086,7 +16696,7 @@
               <a:spcPct val="35000"/>
             </a:spcAft>
           </a:pPr>
-          <a:endParaRPr lang="zh-CN" altLang="en-US" sz="1400" kern="1200"/>
+          <a:endParaRPr lang="zh-CN" altLang="en-US" sz="1100" kern="1200"/>
         </a:p>
       </dsp:txBody>
       <dsp:txXfrm>
@@ -15731,12 +17341,7 @@
           </a:avLst>
         </a:prstGeom>
         <a:solidFill>
-          <a:schemeClr val="accent1">
-            <a:hueOff val="0"/>
-            <a:satOff val="0"/>
-            <a:lumOff val="0"/>
-            <a:alphaOff val="0"/>
-          </a:schemeClr>
+          <a:srgbClr val="00B0F0"/>
         </a:solidFill>
         <a:ln w="19050" cap="rnd" cmpd="sng" algn="ctr">
           <a:solidFill>
@@ -15879,7 +17484,12 @@
           </a:avLst>
         </a:prstGeom>
         <a:solidFill>
-          <a:srgbClr val="00B0F0"/>
+          <a:schemeClr val="accent1">
+            <a:hueOff val="0"/>
+            <a:satOff val="0"/>
+            <a:lumOff val="0"/>
+            <a:alphaOff val="0"/>
+          </a:schemeClr>
         </a:solidFill>
         <a:ln w="19050" cap="rnd" cmpd="sng" algn="ctr">
           <a:solidFill>
@@ -17469,12 +19079,7 @@
           </a:avLst>
         </a:prstGeom>
         <a:solidFill>
-          <a:schemeClr val="accent1">
-            <a:hueOff val="0"/>
-            <a:satOff val="0"/>
-            <a:lumOff val="0"/>
-            <a:alphaOff val="0"/>
-          </a:schemeClr>
+          <a:srgbClr val="00B0F0"/>
         </a:solidFill>
         <a:ln w="19050" cap="rnd" cmpd="sng" algn="ctr">
           <a:solidFill>
@@ -17617,7 +19222,12 @@
           </a:avLst>
         </a:prstGeom>
         <a:solidFill>
-          <a:srgbClr val="00B0F0"/>
+          <a:schemeClr val="accent1">
+            <a:hueOff val="0"/>
+            <a:satOff val="0"/>
+            <a:lumOff val="0"/>
+            <a:alphaOff val="0"/>
+          </a:schemeClr>
         </a:solidFill>
         <a:ln w="19050" cap="rnd" cmpd="sng" algn="ctr">
           <a:solidFill>
@@ -18120,6 +19730,152 @@
 </file>
 
 <file path=ppt/diagrams/layout11.xml><?xml version="1.0" encoding="utf-8"?>
+<dgm:layoutDef xmlns:dgm="http://schemas.openxmlformats.org/drawingml/2006/diagram" xmlns:a="http://schemas.openxmlformats.org/drawingml/2006/main" uniqueId="urn:microsoft.com/office/officeart/2005/8/layout/process1">
+  <dgm:title val=""/>
+  <dgm:desc val=""/>
+  <dgm:catLst>
+    <dgm:cat type="process" pri="1000"/>
+    <dgm:cat type="convert" pri="15000"/>
+  </dgm:catLst>
+  <dgm:sampData useDef="1">
+    <dgm:dataModel>
+      <dgm:ptLst/>
+      <dgm:bg/>
+      <dgm:whole/>
+    </dgm:dataModel>
+  </dgm:sampData>
+  <dgm:styleData>
+    <dgm:dataModel>
+      <dgm:ptLst>
+        <dgm:pt modelId="0" type="doc"/>
+        <dgm:pt modelId="1"/>
+        <dgm:pt modelId="2"/>
+      </dgm:ptLst>
+      <dgm:cxnLst>
+        <dgm:cxn modelId="3" srcId="0" destId="1" srcOrd="0" destOrd="0"/>
+        <dgm:cxn modelId="4" srcId="0" destId="2" srcOrd="1" destOrd="0"/>
+      </dgm:cxnLst>
+      <dgm:bg/>
+      <dgm:whole/>
+    </dgm:dataModel>
+  </dgm:styleData>
+  <dgm:clrData>
+    <dgm:dataModel>
+      <dgm:ptLst>
+        <dgm:pt modelId="0" type="doc"/>
+        <dgm:pt modelId="1"/>
+        <dgm:pt modelId="2"/>
+        <dgm:pt modelId="3"/>
+        <dgm:pt modelId="4"/>
+      </dgm:ptLst>
+      <dgm:cxnLst>
+        <dgm:cxn modelId="5" srcId="0" destId="1" srcOrd="0" destOrd="0"/>
+        <dgm:cxn modelId="6" srcId="0" destId="2" srcOrd="1" destOrd="0"/>
+        <dgm:cxn modelId="7" srcId="0" destId="3" srcOrd="2" destOrd="0"/>
+        <dgm:cxn modelId="8" srcId="0" destId="4" srcOrd="3" destOrd="0"/>
+      </dgm:cxnLst>
+      <dgm:bg/>
+      <dgm:whole/>
+    </dgm:dataModel>
+  </dgm:clrData>
+  <dgm:layoutNode name="Name0">
+    <dgm:varLst>
+      <dgm:dir/>
+      <dgm:resizeHandles val="exact"/>
+    </dgm:varLst>
+    <dgm:choose name="Name1">
+      <dgm:if name="Name2" func="var" arg="dir" op="equ" val="norm">
+        <dgm:alg type="lin"/>
+      </dgm:if>
+      <dgm:else name="Name3">
+        <dgm:alg type="lin">
+          <dgm:param type="linDir" val="fromR"/>
+        </dgm:alg>
+      </dgm:else>
+    </dgm:choose>
+    <dgm:shape xmlns:r="http://schemas.openxmlformats.org/officeDocument/2006/relationships" r:blip="">
+      <dgm:adjLst/>
+    </dgm:shape>
+    <dgm:presOf/>
+    <dgm:constrLst>
+      <dgm:constr type="w" for="ch" ptType="node" refType="w"/>
+      <dgm:constr type="h" for="ch" ptType="node" op="equ"/>
+      <dgm:constr type="primFontSz" for="ch" ptType="node" op="equ" val="65"/>
+      <dgm:constr type="w" for="ch" ptType="sibTrans" refType="w" refFor="ch" refPtType="node" op="equ" fact="0.4"/>
+      <dgm:constr type="h" for="ch" ptType="sibTrans" op="equ"/>
+      <dgm:constr type="primFontSz" for="des" forName="connectorText" op="equ" val="55"/>
+      <dgm:constr type="primFontSz" for="des" forName="connectorText" refType="primFontSz" refFor="ch" refPtType="node" op="lte" fact="0.8"/>
+    </dgm:constrLst>
+    <dgm:ruleLst/>
+    <dgm:forEach name="nodesForEach" axis="ch" ptType="node">
+      <dgm:layoutNode name="node">
+        <dgm:varLst>
+          <dgm:bulletEnabled val="1"/>
+        </dgm:varLst>
+        <dgm:alg type="tx"/>
+        <dgm:shape xmlns:r="http://schemas.openxmlformats.org/officeDocument/2006/relationships" type="roundRect" r:blip="">
+          <dgm:adjLst>
+            <dgm:adj idx="1" val="0.1"/>
+          </dgm:adjLst>
+        </dgm:shape>
+        <dgm:presOf axis="desOrSelf" ptType="node"/>
+        <dgm:constrLst>
+          <dgm:constr type="h" refType="w" fact="0.6"/>
+          <dgm:constr type="tMarg" refType="primFontSz" fact="0.3"/>
+          <dgm:constr type="bMarg" refType="primFontSz" fact="0.3"/>
+          <dgm:constr type="lMarg" refType="primFontSz" fact="0.3"/>
+          <dgm:constr type="rMarg" refType="primFontSz" fact="0.3"/>
+        </dgm:constrLst>
+        <dgm:ruleLst>
+          <dgm:rule type="primFontSz" val="18" fact="NaN" max="NaN"/>
+          <dgm:rule type="h" val="NaN" fact="1.5" max="NaN"/>
+          <dgm:rule type="primFontSz" val="5" fact="NaN" max="NaN"/>
+          <dgm:rule type="h" val="INF" fact="NaN" max="NaN"/>
+        </dgm:ruleLst>
+      </dgm:layoutNode>
+      <dgm:forEach name="sibTransForEach" axis="followSib" ptType="sibTrans" cnt="1">
+        <dgm:layoutNode name="sibTrans">
+          <dgm:alg type="conn">
+            <dgm:param type="begPts" val="auto"/>
+            <dgm:param type="endPts" val="auto"/>
+          </dgm:alg>
+          <dgm:shape xmlns:r="http://schemas.openxmlformats.org/officeDocument/2006/relationships" type="conn" r:blip="">
+            <dgm:adjLst/>
+          </dgm:shape>
+          <dgm:presOf axis="self"/>
+          <dgm:constrLst>
+            <dgm:constr type="h" refType="w" fact="0.62"/>
+            <dgm:constr type="connDist"/>
+            <dgm:constr type="begPad" refType="connDist" fact="0.25"/>
+            <dgm:constr type="endPad" refType="connDist" fact="0.22"/>
+          </dgm:constrLst>
+          <dgm:ruleLst/>
+          <dgm:layoutNode name="connectorText">
+            <dgm:alg type="tx">
+              <dgm:param type="autoTxRot" val="grav"/>
+            </dgm:alg>
+            <dgm:shape xmlns:r="http://schemas.openxmlformats.org/officeDocument/2006/relationships" type="conn" r:blip="" hideGeom="1">
+              <dgm:adjLst/>
+            </dgm:shape>
+            <dgm:presOf axis="self"/>
+            <dgm:constrLst>
+              <dgm:constr type="lMarg"/>
+              <dgm:constr type="rMarg"/>
+              <dgm:constr type="tMarg"/>
+              <dgm:constr type="bMarg"/>
+            </dgm:constrLst>
+            <dgm:ruleLst>
+              <dgm:rule type="primFontSz" val="5" fact="NaN" max="NaN"/>
+            </dgm:ruleLst>
+          </dgm:layoutNode>
+        </dgm:layoutNode>
+      </dgm:forEach>
+    </dgm:forEach>
+  </dgm:layoutNode>
+</dgm:layoutDef>
+</file>
+
+<file path=ppt/diagrams/layout12.xml><?xml version="1.0" encoding="utf-8"?>
 <dgm:layoutDef xmlns:dgm="http://schemas.openxmlformats.org/drawingml/2006/diagram" xmlns:a="http://schemas.openxmlformats.org/drawingml/2006/main" uniqueId="urn:microsoft.com/office/officeart/2005/8/layout/process1">
   <dgm:title val=""/>
   <dgm:desc val=""/>
@@ -21502,6 +23258,1040 @@
 </file>
 
 <file path=ppt/diagrams/quickStyle11.xml><?xml version="1.0" encoding="utf-8"?>
+<dgm:styleDef xmlns:dgm="http://schemas.openxmlformats.org/drawingml/2006/diagram" xmlns:a="http://schemas.openxmlformats.org/drawingml/2006/main" uniqueId="urn:microsoft.com/office/officeart/2005/8/quickstyle/simple1">
+  <dgm:title val=""/>
+  <dgm:desc val=""/>
+  <dgm:catLst>
+    <dgm:cat type="simple" pri="10100"/>
+  </dgm:catLst>
+  <dgm:scene3d>
+    <a:camera prst="orthographicFront"/>
+    <a:lightRig rig="threePt" dir="t"/>
+  </dgm:scene3d>
+  <dgm:styleLbl name="node0">
+    <dgm:scene3d>
+      <a:camera prst="orthographicFront"/>
+      <a:lightRig rig="threePt" dir="t"/>
+    </dgm:scene3d>
+    <dgm:sp3d/>
+    <dgm:txPr/>
+    <dgm:style>
+      <a:lnRef idx="2">
+        <a:scrgbClr r="0" g="0" b="0"/>
+      </a:lnRef>
+      <a:fillRef idx="1">
+        <a:scrgbClr r="0" g="0" b="0"/>
+      </a:fillRef>
+      <a:effectRef idx="0">
+        <a:scrgbClr r="0" g="0" b="0"/>
+      </a:effectRef>
+      <a:fontRef idx="minor">
+        <a:schemeClr val="lt1"/>
+      </a:fontRef>
+    </dgm:style>
+  </dgm:styleLbl>
+  <dgm:styleLbl name="lnNode1">
+    <dgm:scene3d>
+      <a:camera prst="orthographicFront"/>
+      <a:lightRig rig="threePt" dir="t"/>
+    </dgm:scene3d>
+    <dgm:sp3d/>
+    <dgm:txPr/>
+    <dgm:style>
+      <a:lnRef idx="2">
+        <a:scrgbClr r="0" g="0" b="0"/>
+      </a:lnRef>
+      <a:fillRef idx="1">
+        <a:scrgbClr r="0" g="0" b="0"/>
+      </a:fillRef>
+      <a:effectRef idx="0">
+        <a:scrgbClr r="0" g="0" b="0"/>
+      </a:effectRef>
+      <a:fontRef idx="minor">
+        <a:schemeClr val="lt1"/>
+      </a:fontRef>
+    </dgm:style>
+  </dgm:styleLbl>
+  <dgm:styleLbl name="vennNode1">
+    <dgm:scene3d>
+      <a:camera prst="orthographicFront"/>
+      <a:lightRig rig="threePt" dir="t"/>
+    </dgm:scene3d>
+    <dgm:sp3d/>
+    <dgm:txPr/>
+    <dgm:style>
+      <a:lnRef idx="2">
+        <a:scrgbClr r="0" g="0" b="0"/>
+      </a:lnRef>
+      <a:fillRef idx="1">
+        <a:scrgbClr r="0" g="0" b="0"/>
+      </a:fillRef>
+      <a:effectRef idx="0">
+        <a:scrgbClr r="0" g="0" b="0"/>
+      </a:effectRef>
+      <a:fontRef idx="minor">
+        <a:schemeClr val="tx1"/>
+      </a:fontRef>
+    </dgm:style>
+  </dgm:styleLbl>
+  <dgm:styleLbl name="alignNode1">
+    <dgm:scene3d>
+      <a:camera prst="orthographicFront"/>
+      <a:lightRig rig="threePt" dir="t"/>
+    </dgm:scene3d>
+    <dgm:sp3d/>
+    <dgm:txPr/>
+    <dgm:style>
+      <a:lnRef idx="2">
+        <a:scrgbClr r="0" g="0" b="0"/>
+      </a:lnRef>
+      <a:fillRef idx="1">
+        <a:scrgbClr r="0" g="0" b="0"/>
+      </a:fillRef>
+      <a:effectRef idx="0">
+        <a:scrgbClr r="0" g="0" b="0"/>
+      </a:effectRef>
+      <a:fontRef idx="minor">
+        <a:schemeClr val="lt1"/>
+      </a:fontRef>
+    </dgm:style>
+  </dgm:styleLbl>
+  <dgm:styleLbl name="node1">
+    <dgm:scene3d>
+      <a:camera prst="orthographicFront"/>
+      <a:lightRig rig="threePt" dir="t"/>
+    </dgm:scene3d>
+    <dgm:sp3d/>
+    <dgm:txPr/>
+    <dgm:style>
+      <a:lnRef idx="2">
+        <a:scrgbClr r="0" g="0" b="0"/>
+      </a:lnRef>
+      <a:fillRef idx="1">
+        <a:scrgbClr r="0" g="0" b="0"/>
+      </a:fillRef>
+      <a:effectRef idx="0">
+        <a:scrgbClr r="0" g="0" b="0"/>
+      </a:effectRef>
+      <a:fontRef idx="minor">
+        <a:schemeClr val="lt1"/>
+      </a:fontRef>
+    </dgm:style>
+  </dgm:styleLbl>
+  <dgm:styleLbl name="node2">
+    <dgm:scene3d>
+      <a:camera prst="orthographicFront"/>
+      <a:lightRig rig="threePt" dir="t"/>
+    </dgm:scene3d>
+    <dgm:sp3d/>
+    <dgm:txPr/>
+    <dgm:style>
+      <a:lnRef idx="2">
+        <a:scrgbClr r="0" g="0" b="0"/>
+      </a:lnRef>
+      <a:fillRef idx="1">
+        <a:scrgbClr r="0" g="0" b="0"/>
+      </a:fillRef>
+      <a:effectRef idx="0">
+        <a:scrgbClr r="0" g="0" b="0"/>
+      </a:effectRef>
+      <a:fontRef idx="minor">
+        <a:schemeClr val="lt1"/>
+      </a:fontRef>
+    </dgm:style>
+  </dgm:styleLbl>
+  <dgm:styleLbl name="node3">
+    <dgm:scene3d>
+      <a:camera prst="orthographicFront"/>
+      <a:lightRig rig="threePt" dir="t"/>
+    </dgm:scene3d>
+    <dgm:sp3d/>
+    <dgm:txPr/>
+    <dgm:style>
+      <a:lnRef idx="2">
+        <a:scrgbClr r="0" g="0" b="0"/>
+      </a:lnRef>
+      <a:fillRef idx="1">
+        <a:scrgbClr r="0" g="0" b="0"/>
+      </a:fillRef>
+      <a:effectRef idx="0">
+        <a:scrgbClr r="0" g="0" b="0"/>
+      </a:effectRef>
+      <a:fontRef idx="minor">
+        <a:schemeClr val="lt1"/>
+      </a:fontRef>
+    </dgm:style>
+  </dgm:styleLbl>
+  <dgm:styleLbl name="node4">
+    <dgm:scene3d>
+      <a:camera prst="orthographicFront"/>
+      <a:lightRig rig="threePt" dir="t"/>
+    </dgm:scene3d>
+    <dgm:sp3d/>
+    <dgm:txPr/>
+    <dgm:style>
+      <a:lnRef idx="2">
+        <a:scrgbClr r="0" g="0" b="0"/>
+      </a:lnRef>
+      <a:fillRef idx="1">
+        <a:scrgbClr r="0" g="0" b="0"/>
+      </a:fillRef>
+      <a:effectRef idx="0">
+        <a:scrgbClr r="0" g="0" b="0"/>
+      </a:effectRef>
+      <a:fontRef idx="minor">
+        <a:schemeClr val="lt1"/>
+      </a:fontRef>
+    </dgm:style>
+  </dgm:styleLbl>
+  <dgm:styleLbl name="fgImgPlace1">
+    <dgm:scene3d>
+      <a:camera prst="orthographicFront"/>
+      <a:lightRig rig="threePt" dir="t"/>
+    </dgm:scene3d>
+    <dgm:sp3d/>
+    <dgm:txPr/>
+    <dgm:style>
+      <a:lnRef idx="2">
+        <a:scrgbClr r="0" g="0" b="0"/>
+      </a:lnRef>
+      <a:fillRef idx="1">
+        <a:scrgbClr r="0" g="0" b="0"/>
+      </a:fillRef>
+      <a:effectRef idx="0">
+        <a:scrgbClr r="0" g="0" b="0"/>
+      </a:effectRef>
+      <a:fontRef idx="minor"/>
+    </dgm:style>
+  </dgm:styleLbl>
+  <dgm:styleLbl name="alignImgPlace1">
+    <dgm:scene3d>
+      <a:camera prst="orthographicFront"/>
+      <a:lightRig rig="threePt" dir="t"/>
+    </dgm:scene3d>
+    <dgm:sp3d/>
+    <dgm:txPr/>
+    <dgm:style>
+      <a:lnRef idx="2">
+        <a:scrgbClr r="0" g="0" b="0"/>
+      </a:lnRef>
+      <a:fillRef idx="1">
+        <a:scrgbClr r="0" g="0" b="0"/>
+      </a:fillRef>
+      <a:effectRef idx="0">
+        <a:scrgbClr r="0" g="0" b="0"/>
+      </a:effectRef>
+      <a:fontRef idx="minor"/>
+    </dgm:style>
+  </dgm:styleLbl>
+  <dgm:styleLbl name="bgImgPlace1">
+    <dgm:scene3d>
+      <a:camera prst="orthographicFront"/>
+      <a:lightRig rig="threePt" dir="t"/>
+    </dgm:scene3d>
+    <dgm:sp3d/>
+    <dgm:txPr/>
+    <dgm:style>
+      <a:lnRef idx="2">
+        <a:scrgbClr r="0" g="0" b="0"/>
+      </a:lnRef>
+      <a:fillRef idx="1">
+        <a:scrgbClr r="0" g="0" b="0"/>
+      </a:fillRef>
+      <a:effectRef idx="0">
+        <a:scrgbClr r="0" g="0" b="0"/>
+      </a:effectRef>
+      <a:fontRef idx="minor"/>
+    </dgm:style>
+  </dgm:styleLbl>
+  <dgm:styleLbl name="sibTrans2D1">
+    <dgm:scene3d>
+      <a:camera prst="orthographicFront"/>
+      <a:lightRig rig="threePt" dir="t"/>
+    </dgm:scene3d>
+    <dgm:sp3d/>
+    <dgm:txPr/>
+    <dgm:style>
+      <a:lnRef idx="0">
+        <a:scrgbClr r="0" g="0" b="0"/>
+      </a:lnRef>
+      <a:fillRef idx="1">
+        <a:scrgbClr r="0" g="0" b="0"/>
+      </a:fillRef>
+      <a:effectRef idx="0">
+        <a:scrgbClr r="0" g="0" b="0"/>
+      </a:effectRef>
+      <a:fontRef idx="minor">
+        <a:schemeClr val="lt1"/>
+      </a:fontRef>
+    </dgm:style>
+  </dgm:styleLbl>
+  <dgm:styleLbl name="fgSibTrans2D1">
+    <dgm:scene3d>
+      <a:camera prst="orthographicFront"/>
+      <a:lightRig rig="threePt" dir="t"/>
+    </dgm:scene3d>
+    <dgm:sp3d/>
+    <dgm:txPr/>
+    <dgm:style>
+      <a:lnRef idx="0">
+        <a:scrgbClr r="0" g="0" b="0"/>
+      </a:lnRef>
+      <a:fillRef idx="1">
+        <a:scrgbClr r="0" g="0" b="0"/>
+      </a:fillRef>
+      <a:effectRef idx="0">
+        <a:scrgbClr r="0" g="0" b="0"/>
+      </a:effectRef>
+      <a:fontRef idx="minor">
+        <a:schemeClr val="lt1"/>
+      </a:fontRef>
+    </dgm:style>
+  </dgm:styleLbl>
+  <dgm:styleLbl name="bgSibTrans2D1">
+    <dgm:scene3d>
+      <a:camera prst="orthographicFront"/>
+      <a:lightRig rig="threePt" dir="t"/>
+    </dgm:scene3d>
+    <dgm:sp3d/>
+    <dgm:txPr/>
+    <dgm:style>
+      <a:lnRef idx="0">
+        <a:scrgbClr r="0" g="0" b="0"/>
+      </a:lnRef>
+      <a:fillRef idx="1">
+        <a:scrgbClr r="0" g="0" b="0"/>
+      </a:fillRef>
+      <a:effectRef idx="0">
+        <a:scrgbClr r="0" g="0" b="0"/>
+      </a:effectRef>
+      <a:fontRef idx="minor">
+        <a:schemeClr val="lt1"/>
+      </a:fontRef>
+    </dgm:style>
+  </dgm:styleLbl>
+  <dgm:styleLbl name="sibTrans1D1">
+    <dgm:scene3d>
+      <a:camera prst="orthographicFront"/>
+      <a:lightRig rig="threePt" dir="t"/>
+    </dgm:scene3d>
+    <dgm:sp3d/>
+    <dgm:txPr/>
+    <dgm:style>
+      <a:lnRef idx="1">
+        <a:scrgbClr r="0" g="0" b="0"/>
+      </a:lnRef>
+      <a:fillRef idx="0">
+        <a:scrgbClr r="0" g="0" b="0"/>
+      </a:fillRef>
+      <a:effectRef idx="0">
+        <a:scrgbClr r="0" g="0" b="0"/>
+      </a:effectRef>
+      <a:fontRef idx="minor"/>
+    </dgm:style>
+  </dgm:styleLbl>
+  <dgm:styleLbl name="callout">
+    <dgm:scene3d>
+      <a:camera prst="orthographicFront"/>
+      <a:lightRig rig="threePt" dir="t"/>
+    </dgm:scene3d>
+    <dgm:sp3d/>
+    <dgm:txPr/>
+    <dgm:style>
+      <a:lnRef idx="2">
+        <a:scrgbClr r="0" g="0" b="0"/>
+      </a:lnRef>
+      <a:fillRef idx="1">
+        <a:scrgbClr r="0" g="0" b="0"/>
+      </a:fillRef>
+      <a:effectRef idx="0">
+        <a:scrgbClr r="0" g="0" b="0"/>
+      </a:effectRef>
+      <a:fontRef idx="minor"/>
+    </dgm:style>
+  </dgm:styleLbl>
+  <dgm:styleLbl name="asst0">
+    <dgm:scene3d>
+      <a:camera prst="orthographicFront"/>
+      <a:lightRig rig="threePt" dir="t"/>
+    </dgm:scene3d>
+    <dgm:sp3d/>
+    <dgm:txPr/>
+    <dgm:style>
+      <a:lnRef idx="2">
+        <a:scrgbClr r="0" g="0" b="0"/>
+      </a:lnRef>
+      <a:fillRef idx="1">
+        <a:scrgbClr r="0" g="0" b="0"/>
+      </a:fillRef>
+      <a:effectRef idx="0">
+        <a:scrgbClr r="0" g="0" b="0"/>
+      </a:effectRef>
+      <a:fontRef idx="minor">
+        <a:schemeClr val="lt1"/>
+      </a:fontRef>
+    </dgm:style>
+  </dgm:styleLbl>
+  <dgm:styleLbl name="asst1">
+    <dgm:scene3d>
+      <a:camera prst="orthographicFront"/>
+      <a:lightRig rig="threePt" dir="t"/>
+    </dgm:scene3d>
+    <dgm:sp3d/>
+    <dgm:txPr/>
+    <dgm:style>
+      <a:lnRef idx="2">
+        <a:scrgbClr r="0" g="0" b="0"/>
+      </a:lnRef>
+      <a:fillRef idx="1">
+        <a:scrgbClr r="0" g="0" b="0"/>
+      </a:fillRef>
+      <a:effectRef idx="0">
+        <a:scrgbClr r="0" g="0" b="0"/>
+      </a:effectRef>
+      <a:fontRef idx="minor">
+        <a:schemeClr val="lt1"/>
+      </a:fontRef>
+    </dgm:style>
+  </dgm:styleLbl>
+  <dgm:styleLbl name="asst2">
+    <dgm:scene3d>
+      <a:camera prst="orthographicFront"/>
+      <a:lightRig rig="threePt" dir="t"/>
+    </dgm:scene3d>
+    <dgm:sp3d/>
+    <dgm:txPr/>
+    <dgm:style>
+      <a:lnRef idx="2">
+        <a:scrgbClr r="0" g="0" b="0"/>
+      </a:lnRef>
+      <a:fillRef idx="1">
+        <a:scrgbClr r="0" g="0" b="0"/>
+      </a:fillRef>
+      <a:effectRef idx="0">
+        <a:scrgbClr r="0" g="0" b="0"/>
+      </a:effectRef>
+      <a:fontRef idx="minor">
+        <a:schemeClr val="lt1"/>
+      </a:fontRef>
+    </dgm:style>
+  </dgm:styleLbl>
+  <dgm:styleLbl name="asst3">
+    <dgm:scene3d>
+      <a:camera prst="orthographicFront"/>
+      <a:lightRig rig="threePt" dir="t"/>
+    </dgm:scene3d>
+    <dgm:sp3d/>
+    <dgm:txPr/>
+    <dgm:style>
+      <a:lnRef idx="2">
+        <a:scrgbClr r="0" g="0" b="0"/>
+      </a:lnRef>
+      <a:fillRef idx="1">
+        <a:scrgbClr r="0" g="0" b="0"/>
+      </a:fillRef>
+      <a:effectRef idx="0">
+        <a:scrgbClr r="0" g="0" b="0"/>
+      </a:effectRef>
+      <a:fontRef idx="minor">
+        <a:schemeClr val="lt1"/>
+      </a:fontRef>
+    </dgm:style>
+  </dgm:styleLbl>
+  <dgm:styleLbl name="asst4">
+    <dgm:scene3d>
+      <a:camera prst="orthographicFront"/>
+      <a:lightRig rig="threePt" dir="t"/>
+    </dgm:scene3d>
+    <dgm:sp3d/>
+    <dgm:txPr/>
+    <dgm:style>
+      <a:lnRef idx="2">
+        <a:scrgbClr r="0" g="0" b="0"/>
+      </a:lnRef>
+      <a:fillRef idx="1">
+        <a:scrgbClr r="0" g="0" b="0"/>
+      </a:fillRef>
+      <a:effectRef idx="0">
+        <a:scrgbClr r="0" g="0" b="0"/>
+      </a:effectRef>
+      <a:fontRef idx="minor">
+        <a:schemeClr val="lt1"/>
+      </a:fontRef>
+    </dgm:style>
+  </dgm:styleLbl>
+  <dgm:styleLbl name="parChTrans2D1">
+    <dgm:scene3d>
+      <a:camera prst="orthographicFront"/>
+      <a:lightRig rig="threePt" dir="t"/>
+    </dgm:scene3d>
+    <dgm:sp3d/>
+    <dgm:txPr/>
+    <dgm:style>
+      <a:lnRef idx="2">
+        <a:scrgbClr r="0" g="0" b="0"/>
+      </a:lnRef>
+      <a:fillRef idx="1">
+        <a:scrgbClr r="0" g="0" b="0"/>
+      </a:fillRef>
+      <a:effectRef idx="0">
+        <a:scrgbClr r="0" g="0" b="0"/>
+      </a:effectRef>
+      <a:fontRef idx="minor">
+        <a:schemeClr val="lt1"/>
+      </a:fontRef>
+    </dgm:style>
+  </dgm:styleLbl>
+  <dgm:styleLbl name="parChTrans2D2">
+    <dgm:scene3d>
+      <a:camera prst="orthographicFront"/>
+      <a:lightRig rig="threePt" dir="t"/>
+    </dgm:scene3d>
+    <dgm:sp3d/>
+    <dgm:txPr/>
+    <dgm:style>
+      <a:lnRef idx="2">
+        <a:scrgbClr r="0" g="0" b="0"/>
+      </a:lnRef>
+      <a:fillRef idx="1">
+        <a:scrgbClr r="0" g="0" b="0"/>
+      </a:fillRef>
+      <a:effectRef idx="0">
+        <a:scrgbClr r="0" g="0" b="0"/>
+      </a:effectRef>
+      <a:fontRef idx="minor">
+        <a:schemeClr val="lt1"/>
+      </a:fontRef>
+    </dgm:style>
+  </dgm:styleLbl>
+  <dgm:styleLbl name="parChTrans2D3">
+    <dgm:scene3d>
+      <a:camera prst="orthographicFront"/>
+      <a:lightRig rig="threePt" dir="t"/>
+    </dgm:scene3d>
+    <dgm:sp3d/>
+    <dgm:txPr/>
+    <dgm:style>
+      <a:lnRef idx="2">
+        <a:scrgbClr r="0" g="0" b="0"/>
+      </a:lnRef>
+      <a:fillRef idx="1">
+        <a:scrgbClr r="0" g="0" b="0"/>
+      </a:fillRef>
+      <a:effectRef idx="0">
+        <a:scrgbClr r="0" g="0" b="0"/>
+      </a:effectRef>
+      <a:fontRef idx="minor">
+        <a:schemeClr val="lt1"/>
+      </a:fontRef>
+    </dgm:style>
+  </dgm:styleLbl>
+  <dgm:styleLbl name="parChTrans2D4">
+    <dgm:scene3d>
+      <a:camera prst="orthographicFront"/>
+      <a:lightRig rig="threePt" dir="t"/>
+    </dgm:scene3d>
+    <dgm:sp3d/>
+    <dgm:txPr/>
+    <dgm:style>
+      <a:lnRef idx="2">
+        <a:scrgbClr r="0" g="0" b="0"/>
+      </a:lnRef>
+      <a:fillRef idx="1">
+        <a:scrgbClr r="0" g="0" b="0"/>
+      </a:fillRef>
+      <a:effectRef idx="0">
+        <a:scrgbClr r="0" g="0" b="0"/>
+      </a:effectRef>
+      <a:fontRef idx="minor">
+        <a:schemeClr val="lt1"/>
+      </a:fontRef>
+    </dgm:style>
+  </dgm:styleLbl>
+  <dgm:styleLbl name="parChTrans1D1">
+    <dgm:scene3d>
+      <a:camera prst="orthographicFront"/>
+      <a:lightRig rig="threePt" dir="t"/>
+    </dgm:scene3d>
+    <dgm:sp3d/>
+    <dgm:txPr/>
+    <dgm:style>
+      <a:lnRef idx="2">
+        <a:scrgbClr r="0" g="0" b="0"/>
+      </a:lnRef>
+      <a:fillRef idx="0">
+        <a:scrgbClr r="0" g="0" b="0"/>
+      </a:fillRef>
+      <a:effectRef idx="0">
+        <a:scrgbClr r="0" g="0" b="0"/>
+      </a:effectRef>
+      <a:fontRef idx="minor"/>
+    </dgm:style>
+  </dgm:styleLbl>
+  <dgm:styleLbl name="parChTrans1D2">
+    <dgm:scene3d>
+      <a:camera prst="orthographicFront"/>
+      <a:lightRig rig="threePt" dir="t"/>
+    </dgm:scene3d>
+    <dgm:sp3d/>
+    <dgm:txPr/>
+    <dgm:style>
+      <a:lnRef idx="2">
+        <a:scrgbClr r="0" g="0" b="0"/>
+      </a:lnRef>
+      <a:fillRef idx="0">
+        <a:scrgbClr r="0" g="0" b="0"/>
+      </a:fillRef>
+      <a:effectRef idx="0">
+        <a:scrgbClr r="0" g="0" b="0"/>
+      </a:effectRef>
+      <a:fontRef idx="minor"/>
+    </dgm:style>
+  </dgm:styleLbl>
+  <dgm:styleLbl name="parChTrans1D3">
+    <dgm:scene3d>
+      <a:camera prst="orthographicFront"/>
+      <a:lightRig rig="threePt" dir="t"/>
+    </dgm:scene3d>
+    <dgm:sp3d/>
+    <dgm:txPr/>
+    <dgm:style>
+      <a:lnRef idx="2">
+        <a:scrgbClr r="0" g="0" b="0"/>
+      </a:lnRef>
+      <a:fillRef idx="0">
+        <a:scrgbClr r="0" g="0" b="0"/>
+      </a:fillRef>
+      <a:effectRef idx="0">
+        <a:scrgbClr r="0" g="0" b="0"/>
+      </a:effectRef>
+      <a:fontRef idx="minor"/>
+    </dgm:style>
+  </dgm:styleLbl>
+  <dgm:styleLbl name="parChTrans1D4">
+    <dgm:scene3d>
+      <a:camera prst="orthographicFront"/>
+      <a:lightRig rig="threePt" dir="t"/>
+    </dgm:scene3d>
+    <dgm:sp3d/>
+    <dgm:txPr/>
+    <dgm:style>
+      <a:lnRef idx="2">
+        <a:scrgbClr r="0" g="0" b="0"/>
+      </a:lnRef>
+      <a:fillRef idx="0">
+        <a:scrgbClr r="0" g="0" b="0"/>
+      </a:fillRef>
+      <a:effectRef idx="0">
+        <a:scrgbClr r="0" g="0" b="0"/>
+      </a:effectRef>
+      <a:fontRef idx="minor"/>
+    </dgm:style>
+  </dgm:styleLbl>
+  <dgm:styleLbl name="fgAcc1">
+    <dgm:scene3d>
+      <a:camera prst="orthographicFront"/>
+      <a:lightRig rig="threePt" dir="t"/>
+    </dgm:scene3d>
+    <dgm:sp3d/>
+    <dgm:txPr/>
+    <dgm:style>
+      <a:lnRef idx="2">
+        <a:scrgbClr r="0" g="0" b="0"/>
+      </a:lnRef>
+      <a:fillRef idx="1">
+        <a:scrgbClr r="0" g="0" b="0"/>
+      </a:fillRef>
+      <a:effectRef idx="0">
+        <a:scrgbClr r="0" g="0" b="0"/>
+      </a:effectRef>
+      <a:fontRef idx="minor"/>
+    </dgm:style>
+  </dgm:styleLbl>
+  <dgm:styleLbl name="conFgAcc1">
+    <dgm:scene3d>
+      <a:camera prst="orthographicFront"/>
+      <a:lightRig rig="threePt" dir="t"/>
+    </dgm:scene3d>
+    <dgm:sp3d/>
+    <dgm:txPr/>
+    <dgm:style>
+      <a:lnRef idx="2">
+        <a:scrgbClr r="0" g="0" b="0"/>
+      </a:lnRef>
+      <a:fillRef idx="1">
+        <a:scrgbClr r="0" g="0" b="0"/>
+      </a:fillRef>
+      <a:effectRef idx="0">
+        <a:scrgbClr r="0" g="0" b="0"/>
+      </a:effectRef>
+      <a:fontRef idx="minor"/>
+    </dgm:style>
+  </dgm:styleLbl>
+  <dgm:styleLbl name="alignAcc1">
+    <dgm:scene3d>
+      <a:camera prst="orthographicFront"/>
+      <a:lightRig rig="threePt" dir="t"/>
+    </dgm:scene3d>
+    <dgm:sp3d/>
+    <dgm:txPr/>
+    <dgm:style>
+      <a:lnRef idx="2">
+        <a:scrgbClr r="0" g="0" b="0"/>
+      </a:lnRef>
+      <a:fillRef idx="1">
+        <a:scrgbClr r="0" g="0" b="0"/>
+      </a:fillRef>
+      <a:effectRef idx="0">
+        <a:scrgbClr r="0" g="0" b="0"/>
+      </a:effectRef>
+      <a:fontRef idx="minor"/>
+    </dgm:style>
+  </dgm:styleLbl>
+  <dgm:styleLbl name="trAlignAcc1">
+    <dgm:scene3d>
+      <a:camera prst="orthographicFront"/>
+      <a:lightRig rig="threePt" dir="t"/>
+    </dgm:scene3d>
+    <dgm:sp3d/>
+    <dgm:txPr/>
+    <dgm:style>
+      <a:lnRef idx="1">
+        <a:scrgbClr r="0" g="0" b="0"/>
+      </a:lnRef>
+      <a:fillRef idx="1">
+        <a:scrgbClr r="0" g="0" b="0"/>
+      </a:fillRef>
+      <a:effectRef idx="0">
+        <a:scrgbClr r="0" g="0" b="0"/>
+      </a:effectRef>
+      <a:fontRef idx="minor"/>
+    </dgm:style>
+  </dgm:styleLbl>
+  <dgm:styleLbl name="bgAcc1">
+    <dgm:scene3d>
+      <a:camera prst="orthographicFront"/>
+      <a:lightRig rig="threePt" dir="t"/>
+    </dgm:scene3d>
+    <dgm:sp3d/>
+    <dgm:txPr/>
+    <dgm:style>
+      <a:lnRef idx="2">
+        <a:scrgbClr r="0" g="0" b="0"/>
+      </a:lnRef>
+      <a:fillRef idx="1">
+        <a:scrgbClr r="0" g="0" b="0"/>
+      </a:fillRef>
+      <a:effectRef idx="0">
+        <a:scrgbClr r="0" g="0" b="0"/>
+      </a:effectRef>
+      <a:fontRef idx="minor"/>
+    </dgm:style>
+  </dgm:styleLbl>
+  <dgm:styleLbl name="solidFgAcc1">
+    <dgm:scene3d>
+      <a:camera prst="orthographicFront"/>
+      <a:lightRig rig="threePt" dir="t"/>
+    </dgm:scene3d>
+    <dgm:sp3d/>
+    <dgm:txPr/>
+    <dgm:style>
+      <a:lnRef idx="2">
+        <a:scrgbClr r="0" g="0" b="0"/>
+      </a:lnRef>
+      <a:fillRef idx="1">
+        <a:scrgbClr r="0" g="0" b="0"/>
+      </a:fillRef>
+      <a:effectRef idx="0">
+        <a:scrgbClr r="0" g="0" b="0"/>
+      </a:effectRef>
+      <a:fontRef idx="minor"/>
+    </dgm:style>
+  </dgm:styleLbl>
+  <dgm:styleLbl name="solidAlignAcc1">
+    <dgm:scene3d>
+      <a:camera prst="orthographicFront"/>
+      <a:lightRig rig="threePt" dir="t"/>
+    </dgm:scene3d>
+    <dgm:sp3d/>
+    <dgm:txPr/>
+    <dgm:style>
+      <a:lnRef idx="2">
+        <a:scrgbClr r="0" g="0" b="0"/>
+      </a:lnRef>
+      <a:fillRef idx="1">
+        <a:scrgbClr r="0" g="0" b="0"/>
+      </a:fillRef>
+      <a:effectRef idx="0">
+        <a:scrgbClr r="0" g="0" b="0"/>
+      </a:effectRef>
+      <a:fontRef idx="minor"/>
+    </dgm:style>
+  </dgm:styleLbl>
+  <dgm:styleLbl name="solidBgAcc1">
+    <dgm:scene3d>
+      <a:camera prst="orthographicFront"/>
+      <a:lightRig rig="threePt" dir="t"/>
+    </dgm:scene3d>
+    <dgm:sp3d/>
+    <dgm:txPr/>
+    <dgm:style>
+      <a:lnRef idx="2">
+        <a:scrgbClr r="0" g="0" b="0"/>
+      </a:lnRef>
+      <a:fillRef idx="1">
+        <a:scrgbClr r="0" g="0" b="0"/>
+      </a:fillRef>
+      <a:effectRef idx="0">
+        <a:scrgbClr r="0" g="0" b="0"/>
+      </a:effectRef>
+      <a:fontRef idx="minor"/>
+    </dgm:style>
+  </dgm:styleLbl>
+  <dgm:styleLbl name="fgAccFollowNode1">
+    <dgm:scene3d>
+      <a:camera prst="orthographicFront"/>
+      <a:lightRig rig="threePt" dir="t"/>
+    </dgm:scene3d>
+    <dgm:sp3d/>
+    <dgm:txPr/>
+    <dgm:style>
+      <a:lnRef idx="2">
+        <a:scrgbClr r="0" g="0" b="0"/>
+      </a:lnRef>
+      <a:fillRef idx="1">
+        <a:scrgbClr r="0" g="0" b="0"/>
+      </a:fillRef>
+      <a:effectRef idx="0">
+        <a:scrgbClr r="0" g="0" b="0"/>
+      </a:effectRef>
+      <a:fontRef idx="minor"/>
+    </dgm:style>
+  </dgm:styleLbl>
+  <dgm:styleLbl name="alignAccFollowNode1">
+    <dgm:scene3d>
+      <a:camera prst="orthographicFront"/>
+      <a:lightRig rig="threePt" dir="t"/>
+    </dgm:scene3d>
+    <dgm:sp3d/>
+    <dgm:txPr/>
+    <dgm:style>
+      <a:lnRef idx="2">
+        <a:scrgbClr r="0" g="0" b="0"/>
+      </a:lnRef>
+      <a:fillRef idx="1">
+        <a:scrgbClr r="0" g="0" b="0"/>
+      </a:fillRef>
+      <a:effectRef idx="0">
+        <a:scrgbClr r="0" g="0" b="0"/>
+      </a:effectRef>
+      <a:fontRef idx="minor"/>
+    </dgm:style>
+  </dgm:styleLbl>
+  <dgm:styleLbl name="bgAccFollowNode1">
+    <dgm:scene3d>
+      <a:camera prst="orthographicFront"/>
+      <a:lightRig rig="threePt" dir="t"/>
+    </dgm:scene3d>
+    <dgm:sp3d/>
+    <dgm:txPr/>
+    <dgm:style>
+      <a:lnRef idx="2">
+        <a:scrgbClr r="0" g="0" b="0"/>
+      </a:lnRef>
+      <a:fillRef idx="1">
+        <a:scrgbClr r="0" g="0" b="0"/>
+      </a:fillRef>
+      <a:effectRef idx="0">
+        <a:scrgbClr r="0" g="0" b="0"/>
+      </a:effectRef>
+      <a:fontRef idx="minor"/>
+    </dgm:style>
+  </dgm:styleLbl>
+  <dgm:styleLbl name="fgAcc0">
+    <dgm:scene3d>
+      <a:camera prst="orthographicFront"/>
+      <a:lightRig rig="threePt" dir="t"/>
+    </dgm:scene3d>
+    <dgm:sp3d/>
+    <dgm:txPr/>
+    <dgm:style>
+      <a:lnRef idx="2">
+        <a:scrgbClr r="0" g="0" b="0"/>
+      </a:lnRef>
+      <a:fillRef idx="1">
+        <a:scrgbClr r="0" g="0" b="0"/>
+      </a:fillRef>
+      <a:effectRef idx="0">
+        <a:scrgbClr r="0" g="0" b="0"/>
+      </a:effectRef>
+      <a:fontRef idx="minor"/>
+    </dgm:style>
+  </dgm:styleLbl>
+  <dgm:styleLbl name="fgAcc2">
+    <dgm:scene3d>
+      <a:camera prst="orthographicFront"/>
+      <a:lightRig rig="threePt" dir="t"/>
+    </dgm:scene3d>
+    <dgm:sp3d/>
+    <dgm:txPr/>
+    <dgm:style>
+      <a:lnRef idx="2">
+        <a:scrgbClr r="0" g="0" b="0"/>
+      </a:lnRef>
+      <a:fillRef idx="1">
+        <a:scrgbClr r="0" g="0" b="0"/>
+      </a:fillRef>
+      <a:effectRef idx="0">
+        <a:scrgbClr r="0" g="0" b="0"/>
+      </a:effectRef>
+      <a:fontRef idx="minor"/>
+    </dgm:style>
+  </dgm:styleLbl>
+  <dgm:styleLbl name="fgAcc3">
+    <dgm:scene3d>
+      <a:camera prst="orthographicFront"/>
+      <a:lightRig rig="threePt" dir="t"/>
+    </dgm:scene3d>
+    <dgm:sp3d/>
+    <dgm:txPr/>
+    <dgm:style>
+      <a:lnRef idx="2">
+        <a:scrgbClr r="0" g="0" b="0"/>
+      </a:lnRef>
+      <a:fillRef idx="1">
+        <a:scrgbClr r="0" g="0" b="0"/>
+      </a:fillRef>
+      <a:effectRef idx="0">
+        <a:scrgbClr r="0" g="0" b="0"/>
+      </a:effectRef>
+      <a:fontRef idx="minor"/>
+    </dgm:style>
+  </dgm:styleLbl>
+  <dgm:styleLbl name="fgAcc4">
+    <dgm:scene3d>
+      <a:camera prst="orthographicFront"/>
+      <a:lightRig rig="threePt" dir="t"/>
+    </dgm:scene3d>
+    <dgm:sp3d/>
+    <dgm:txPr/>
+    <dgm:style>
+      <a:lnRef idx="2">
+        <a:scrgbClr r="0" g="0" b="0"/>
+      </a:lnRef>
+      <a:fillRef idx="1">
+        <a:scrgbClr r="0" g="0" b="0"/>
+      </a:fillRef>
+      <a:effectRef idx="0">
+        <a:scrgbClr r="0" g="0" b="0"/>
+      </a:effectRef>
+      <a:fontRef idx="minor"/>
+    </dgm:style>
+  </dgm:styleLbl>
+  <dgm:styleLbl name="bgShp">
+    <dgm:scene3d>
+      <a:camera prst="orthographicFront"/>
+      <a:lightRig rig="threePt" dir="t"/>
+    </dgm:scene3d>
+    <dgm:sp3d/>
+    <dgm:txPr/>
+    <dgm:style>
+      <a:lnRef idx="0">
+        <a:scrgbClr r="0" g="0" b="0"/>
+      </a:lnRef>
+      <a:fillRef idx="1">
+        <a:scrgbClr r="0" g="0" b="0"/>
+      </a:fillRef>
+      <a:effectRef idx="0">
+        <a:scrgbClr r="0" g="0" b="0"/>
+      </a:effectRef>
+      <a:fontRef idx="minor"/>
+    </dgm:style>
+  </dgm:styleLbl>
+  <dgm:styleLbl name="dkBgShp">
+    <dgm:scene3d>
+      <a:camera prst="orthographicFront"/>
+      <a:lightRig rig="threePt" dir="t"/>
+    </dgm:scene3d>
+    <dgm:sp3d/>
+    <dgm:txPr/>
+    <dgm:style>
+      <a:lnRef idx="0">
+        <a:scrgbClr r="0" g="0" b="0"/>
+      </a:lnRef>
+      <a:fillRef idx="1">
+        <a:scrgbClr r="0" g="0" b="0"/>
+      </a:fillRef>
+      <a:effectRef idx="0">
+        <a:scrgbClr r="0" g="0" b="0"/>
+      </a:effectRef>
+      <a:fontRef idx="minor"/>
+    </dgm:style>
+  </dgm:styleLbl>
+  <dgm:styleLbl name="trBgShp">
+    <dgm:scene3d>
+      <a:camera prst="orthographicFront"/>
+      <a:lightRig rig="threePt" dir="t"/>
+    </dgm:scene3d>
+    <dgm:sp3d/>
+    <dgm:txPr/>
+    <dgm:style>
+      <a:lnRef idx="0">
+        <a:scrgbClr r="0" g="0" b="0"/>
+      </a:lnRef>
+      <a:fillRef idx="1">
+        <a:scrgbClr r="0" g="0" b="0"/>
+      </a:fillRef>
+      <a:effectRef idx="0">
+        <a:scrgbClr r="0" g="0" b="0"/>
+      </a:effectRef>
+      <a:fontRef idx="minor"/>
+    </dgm:style>
+  </dgm:styleLbl>
+  <dgm:styleLbl name="fgShp">
+    <dgm:scene3d>
+      <a:camera prst="orthographicFront"/>
+      <a:lightRig rig="threePt" dir="t"/>
+    </dgm:scene3d>
+    <dgm:sp3d/>
+    <dgm:txPr/>
+    <dgm:style>
+      <a:lnRef idx="2">
+        <a:scrgbClr r="0" g="0" b="0"/>
+      </a:lnRef>
+      <a:fillRef idx="1">
+        <a:scrgbClr r="0" g="0" b="0"/>
+      </a:fillRef>
+      <a:effectRef idx="0">
+        <a:scrgbClr r="0" g="0" b="0"/>
+      </a:effectRef>
+      <a:fontRef idx="minor"/>
+    </dgm:style>
+  </dgm:styleLbl>
+  <dgm:styleLbl name="revTx">
+    <dgm:scene3d>
+      <a:camera prst="orthographicFront"/>
+      <a:lightRig rig="threePt" dir="t"/>
+    </dgm:scene3d>
+    <dgm:sp3d/>
+    <dgm:txPr/>
+    <dgm:style>
+      <a:lnRef idx="0">
+        <a:scrgbClr r="0" g="0" b="0"/>
+      </a:lnRef>
+      <a:fillRef idx="0">
+        <a:scrgbClr r="0" g="0" b="0"/>
+      </a:fillRef>
+      <a:effectRef idx="0">
+        <a:scrgbClr r="0" g="0" b="0"/>
+      </a:effectRef>
+      <a:fontRef idx="minor"/>
+    </dgm:style>
+  </dgm:styleLbl>
+</dgm:styleDef>
+</file>
+
+<file path=ppt/diagrams/quickStyle12.xml><?xml version="1.0" encoding="utf-8"?>
 <dgm:styleDef xmlns:dgm="http://schemas.openxmlformats.org/drawingml/2006/diagram" xmlns:a="http://schemas.openxmlformats.org/drawingml/2006/main" uniqueId="urn:microsoft.com/office/officeart/2005/8/quickstyle/simple1">
   <dgm:title val=""/>
   <dgm:desc val=""/>
@@ -36644,6 +39434,165 @@
           <a:p>
             <a:r>
               <a:rPr lang="zh-CN" altLang="en-US" dirty="0"/>
+              <a:t>收端星座图</a:t>
+            </a:r>
+          </a:p>
+        </p:txBody>
+      </p:sp>
+      <p:sp>
+        <p:nvSpPr>
+          <p:cNvPr id="5" name="内容占位符 4"/>
+          <p:cNvSpPr>
+            <a:spLocks noGrp="1"/>
+          </p:cNvSpPr>
+          <p:nvPr>
+            <p:ph idx="1"/>
+          </p:nvPr>
+        </p:nvSpPr>
+        <p:spPr/>
+        <p:txBody>
+          <a:bodyPr/>
+          <a:lstStyle/>
+          <a:p>
+            <a:endParaRPr lang="zh-CN" altLang="en-US"/>
+          </a:p>
+        </p:txBody>
+      </p:sp>
+      <p:pic>
+        <p:nvPicPr>
+          <p:cNvPr id="6" name="图片 5"/>
+          <p:cNvPicPr>
+            <a:picLocks noChangeAspect="1"/>
+          </p:cNvPicPr>
+          <p:nvPr/>
+        </p:nvPicPr>
+        <p:blipFill>
+          <a:blip r:embed="rId2"/>
+          <a:stretch>
+            <a:fillRect/>
+          </a:stretch>
+        </p:blipFill>
+        <p:spPr>
+          <a:xfrm>
+            <a:off x="-1560816" y="1074692"/>
+            <a:ext cx="12384001" cy="6188867"/>
+          </a:xfrm>
+          <a:prstGeom prst="rect">
+            <a:avLst/>
+          </a:prstGeom>
+        </p:spPr>
+      </p:pic>
+      <p:sp>
+        <p:nvSpPr>
+          <p:cNvPr id="7" name="文本框 6"/>
+          <p:cNvSpPr txBox="1"/>
+          <p:nvPr/>
+        </p:nvSpPr>
+        <p:spPr>
+          <a:xfrm>
+            <a:off x="4891597" y="4918229"/>
+            <a:ext cx="5211192" cy="584775"/>
+          </a:xfrm>
+          <a:prstGeom prst="rect">
+            <a:avLst/>
+          </a:prstGeom>
+          <a:noFill/>
+        </p:spPr>
+        <p:txBody>
+          <a:bodyPr wrap="square" rtlCol="0">
+            <a:spAutoFit/>
+          </a:bodyPr>
+          <a:lstStyle/>
+          <a:p>
+            <a:r>
+              <a:rPr lang="el-GR" altLang="zh-CN" sz="3200" dirty="0"/>
+              <a:t>Φ</a:t>
+            </a:r>
+            <a:r>
+              <a:rPr lang="en-US" altLang="zh-CN" sz="3200" dirty="0"/>
+              <a:t>=π/6</a:t>
+            </a:r>
+            <a:r>
+              <a:rPr lang="zh-CN" altLang="en-US" sz="3200" dirty="0"/>
+              <a:t>，</a:t>
+            </a:r>
+            <a:r>
+              <a:rPr lang="en-US" altLang="zh-CN" sz="3200" dirty="0"/>
+              <a:t>σ=0.1</a:t>
+            </a:r>
+            <a:endParaRPr lang="zh-CN" altLang="en-US" sz="3200" dirty="0"/>
+          </a:p>
+        </p:txBody>
+      </p:sp>
+      <p:graphicFrame>
+        <p:nvGraphicFramePr>
+          <p:cNvPr id="8" name="图示 7"/>
+          <p:cNvGraphicFramePr/>
+          <p:nvPr>
+            <p:extLst>
+              <p:ext uri="{D42A27DB-BD31-4B8C-83A1-F6EECF244321}">
+                <p14:modId xmlns:p14="http://schemas.microsoft.com/office/powerpoint/2010/main" val="3561003913"/>
+              </p:ext>
+            </p:extLst>
+          </p:nvPr>
+        </p:nvGraphicFramePr>
+        <p:xfrm>
+          <a:off x="265343" y="66624"/>
+          <a:ext cx="5478509" cy="425552"/>
+        </p:xfrm>
+        <a:graphic>
+          <a:graphicData uri="http://schemas.openxmlformats.org/drawingml/2006/diagram">
+            <dgm:relIds xmlns:dgm="http://schemas.openxmlformats.org/drawingml/2006/diagram" xmlns:r="http://schemas.openxmlformats.org/officeDocument/2006/relationships" r:dm="rId3" r:lo="rId4" r:qs="rId5" r:cs="rId6"/>
+          </a:graphicData>
+        </a:graphic>
+      </p:graphicFrame>
+    </p:spTree>
+    <p:extLst>
+      <p:ext uri="{BB962C8B-B14F-4D97-AF65-F5344CB8AC3E}">
+        <p14:creationId xmlns:p14="http://schemas.microsoft.com/office/powerpoint/2010/main" val="314677935"/>
+      </p:ext>
+    </p:extLst>
+  </p:cSld>
+  <p:clrMapOvr>
+    <a:masterClrMapping/>
+  </p:clrMapOvr>
+</p:sld>
+</file>
+
+<file path=ppt/slides/slide11.xml><?xml version="1.0" encoding="utf-8"?>
+<p:sld xmlns:a="http://schemas.openxmlformats.org/drawingml/2006/main" xmlns:r="http://schemas.openxmlformats.org/officeDocument/2006/relationships" xmlns:p="http://schemas.openxmlformats.org/presentationml/2006/main">
+  <p:cSld>
+    <p:spTree>
+      <p:nvGrpSpPr>
+        <p:cNvPr id="1" name=""/>
+        <p:cNvGrpSpPr/>
+        <p:nvPr/>
+      </p:nvGrpSpPr>
+      <p:grpSpPr>
+        <a:xfrm>
+          <a:off x="0" y="0"/>
+          <a:ext cx="0" cy="0"/>
+          <a:chOff x="0" y="0"/>
+          <a:chExt cx="0" cy="0"/>
+        </a:xfrm>
+      </p:grpSpPr>
+      <p:sp>
+        <p:nvSpPr>
+          <p:cNvPr id="2" name="标题 1"/>
+          <p:cNvSpPr>
+            <a:spLocks noGrp="1"/>
+          </p:cNvSpPr>
+          <p:nvPr>
+            <p:ph type="title"/>
+          </p:nvPr>
+        </p:nvSpPr>
+        <p:spPr/>
+        <p:txBody>
+          <a:bodyPr/>
+          <a:lstStyle/>
+          <a:p>
+            <a:r>
+              <a:rPr lang="zh-CN" altLang="en-US" dirty="0"/>
               <a:t>信道模块</a:t>
             </a:r>
           </a:p>
@@ -36957,7 +39906,7 @@
 </p:sld>
 </file>
 
-<file path=ppt/slides/slide11.xml><?xml version="1.0" encoding="utf-8"?>
+<file path=ppt/slides/slide12.xml><?xml version="1.0" encoding="utf-8"?>
 <p:sld xmlns:a="http://schemas.openxmlformats.org/drawingml/2006/main" xmlns:r="http://schemas.openxmlformats.org/officeDocument/2006/relationships" xmlns:p="http://schemas.openxmlformats.org/presentationml/2006/main">
   <p:cSld>
     <p:spTree>
@@ -37436,7 +40385,7 @@
 </p:sld>
 </file>
 
-<file path=ppt/slides/slide12.xml><?xml version="1.0" encoding="utf-8"?>
+<file path=ppt/slides/slide13.xml><?xml version="1.0" encoding="utf-8"?>
 <p:sld xmlns:a="http://schemas.openxmlformats.org/drawingml/2006/main" xmlns:r="http://schemas.openxmlformats.org/officeDocument/2006/relationships" xmlns:p="http://schemas.openxmlformats.org/presentationml/2006/main">
   <p:cSld>
     <p:spTree>
@@ -37618,7 +40567,7 @@
 </p:sld>
 </file>
 
-<file path=ppt/slides/slide13.xml><?xml version="1.0" encoding="utf-8"?>
+<file path=ppt/slides/slide14.xml><?xml version="1.0" encoding="utf-8"?>
 <p:sld xmlns:a="http://schemas.openxmlformats.org/drawingml/2006/main" xmlns:r="http://schemas.openxmlformats.org/officeDocument/2006/relationships" xmlns:p="http://schemas.openxmlformats.org/presentationml/2006/main">
   <p:cSld>
     <p:spTree>
@@ -37754,7 +40703,7 @@
 </p:sld>
 </file>
 
-<file path=ppt/slides/slide14.xml><?xml version="1.0" encoding="utf-8"?>
+<file path=ppt/slides/slide15.xml><?xml version="1.0" encoding="utf-8"?>
 <p:sld xmlns:a="http://schemas.openxmlformats.org/drawingml/2006/main" xmlns:r="http://schemas.openxmlformats.org/officeDocument/2006/relationships" xmlns:p="http://schemas.openxmlformats.org/presentationml/2006/main">
   <p:cSld>
     <p:spTree>
@@ -38881,7 +41830,7 @@
 </p:sld>
 </file>
 
-<file path=ppt/slides/slide15.xml><?xml version="1.0" encoding="utf-8"?>
+<file path=ppt/slides/slide16.xml><?xml version="1.0" encoding="utf-8"?>
 <p:sld xmlns:a="http://schemas.openxmlformats.org/drawingml/2006/main" xmlns:r="http://schemas.openxmlformats.org/officeDocument/2006/relationships" xmlns:p="http://schemas.openxmlformats.org/presentationml/2006/main">
   <p:cSld>
     <p:spTree>
@@ -40355,7 +43304,7 @@
 </p:sld>
 </file>
 
-<file path=ppt/slides/slide16.xml><?xml version="1.0" encoding="utf-8"?>
+<file path=ppt/slides/slide17.xml><?xml version="1.0" encoding="utf-8"?>
 <p:sld xmlns:a="http://schemas.openxmlformats.org/drawingml/2006/main" xmlns:r="http://schemas.openxmlformats.org/officeDocument/2006/relationships" xmlns:p="http://schemas.openxmlformats.org/presentationml/2006/main">
   <p:cSld>
     <p:spTree>
@@ -40445,7 +43394,7 @@
 </p:sld>
 </file>
 
-<file path=ppt/slides/slide17.xml><?xml version="1.0" encoding="utf-8"?>
+<file path=ppt/slides/slide18.xml><?xml version="1.0" encoding="utf-8"?>
 <p:sld xmlns:a="http://schemas.openxmlformats.org/drawingml/2006/main" xmlns:r="http://schemas.openxmlformats.org/officeDocument/2006/relationships" xmlns:p="http://schemas.openxmlformats.org/presentationml/2006/main">
   <p:cSld>
     <p:spTree>
@@ -42646,7 +45595,6 @@
               <a:rPr lang="zh-CN" altLang="en-US" dirty="0"/>
               <a:t>软硬判决模块</a:t>
             </a:r>
-            <a:endParaRPr lang="zh-CN" altLang="en-US" dirty="0"/>
           </a:p>
           <a:p>
             <a:pPr lvl="1"/>
@@ -42909,11 +45857,9 @@
               <a:t>序列</a:t>
             </a:r>
             <a:r>
-              <a:rPr lang="en-US" altLang="zh-CN" dirty="0"/>
+              <a:rPr lang="en-US" altLang="zh-CN" dirty="0" smtClean="0"/>
               <a:t>output</a:t>
             </a:r>
-          </a:p>
-          <a:p>
             <a:endParaRPr lang="en-US" altLang="zh-CN" dirty="0"/>
           </a:p>
           <a:p>
@@ -42941,7 +45887,27 @@
             </a:r>
             <a:r>
               <a:rPr lang="en-US" altLang="zh-CN" dirty="0"/>
-              <a:t>[0,0,0,1;0,0,1,1;0,1,1,0;1,1,0,0;]</a:t>
+              <a:t>[1,1,0,0</a:t>
+            </a:r>
+            <a:r>
+              <a:rPr lang="en-US" altLang="zh-CN" dirty="0" smtClean="0"/>
+              <a:t>;</a:t>
+            </a:r>
+            <a:r>
+              <a:rPr lang="en-US" altLang="zh-CN" dirty="0"/>
+              <a:t> 0,1,1,0</a:t>
+            </a:r>
+            <a:r>
+              <a:rPr lang="en-US" altLang="zh-CN" dirty="0" smtClean="0"/>
+              <a:t>;</a:t>
+            </a:r>
+            <a:r>
+              <a:rPr lang="en-US" altLang="zh-CN" dirty="0"/>
+              <a:t> 0,0,1,1;</a:t>
+            </a:r>
+            <a:r>
+              <a:rPr lang="en-US" altLang="zh-CN" dirty="0" smtClean="0"/>
+              <a:t>0,0,0,1;]</a:t>
             </a:r>
             <a:r>
               <a:rPr lang="zh-CN" altLang="en-US" dirty="0"/>
@@ -42955,15 +45921,114 @@
           <a:p>
             <a:pPr lvl="1"/>
             <a:r>
+              <a:rPr lang="zh-CN" altLang="en-US" dirty="0" smtClean="0"/>
+              <a:t>其中</a:t>
+            </a:r>
+            <a:r>
               <a:rPr lang="zh-CN" altLang="en-US" dirty="0"/>
-              <a:t>其中最后一行是输入，即为卷积编码器传入了</a:t>
+              <a:t>第</a:t>
+            </a:r>
+            <a:r>
+              <a:rPr lang="zh-CN" altLang="en-US" dirty="0" smtClean="0"/>
+              <a:t>一行</a:t>
+            </a:r>
+            <a:r>
+              <a:rPr lang="zh-CN" altLang="en-US" dirty="0"/>
+              <a:t>是</a:t>
+            </a:r>
+            <a:r>
+              <a:rPr lang="zh-CN" altLang="en-US" dirty="0" smtClean="0"/>
+              <a:t>输入，第二行是</a:t>
+            </a:r>
+            <a:r>
+              <a:rPr lang="en-US" altLang="zh-CN" dirty="0" smtClean="0"/>
+              <a:t>[0,input(1:L-1)]</a:t>
+            </a:r>
+            <a:r>
+              <a:rPr lang="zh-CN" altLang="en-US" dirty="0" smtClean="0"/>
+              <a:t>，第三行是</a:t>
+            </a:r>
+            <a:r>
+              <a:rPr lang="en-US" altLang="zh-CN" dirty="0" smtClean="0"/>
+              <a:t>[0,0,input(1:L-2)]</a:t>
+            </a:r>
+            <a:r>
+              <a:rPr lang="zh-CN" altLang="en-US" dirty="0" smtClean="0"/>
+              <a:t>，第四行是</a:t>
+            </a:r>
+            <a:r>
+              <a:rPr lang="en-US" altLang="zh-CN" dirty="0" smtClean="0"/>
+              <a:t>[0,0,0,input(1:L-3)]</a:t>
+            </a:r>
+            <a:r>
+              <a:rPr lang="zh-CN" altLang="en-US" dirty="0" smtClean="0"/>
+              <a:t>。令</a:t>
+            </a:r>
+            <a:r>
+              <a:rPr lang="en-US" altLang="zh-CN" dirty="0" smtClean="0"/>
+              <a:t>L=4.</a:t>
+            </a:r>
+          </a:p>
+          <a:p>
+            <a:pPr lvl="1"/>
+            <a:r>
+              <a:rPr lang="zh-CN" altLang="en-US" dirty="0" smtClean="0"/>
+              <a:t>第一列为</a:t>
+            </a:r>
+            <a:r>
+              <a:rPr lang="zh-CN" altLang="en-US" dirty="0"/>
+              <a:t>卷积编码器传入了</a:t>
             </a:r>
             <a:r>
               <a:rPr lang="en-US" altLang="zh-CN" dirty="0"/>
-              <a:t>4</a:t>
+              <a:t>1</a:t>
             </a:r>
             <a:r>
               <a:rPr lang="zh-CN" altLang="en-US" dirty="0"/>
+              <a:t>个</a:t>
+            </a:r>
+            <a:r>
+              <a:rPr lang="en-US" altLang="zh-CN" dirty="0"/>
+              <a:t>bit</a:t>
+            </a:r>
+            <a:r>
+              <a:rPr lang="zh-CN" altLang="en-US" dirty="0"/>
+              <a:t>的</a:t>
+            </a:r>
+            <a:r>
+              <a:rPr lang="zh-CN" altLang="en-US" dirty="0" smtClean="0"/>
+              <a:t>情况</a:t>
+            </a:r>
+            <a:endParaRPr lang="en-US" altLang="zh-CN" dirty="0"/>
+          </a:p>
+          <a:p>
+            <a:pPr lvl="1"/>
+            <a:r>
+              <a:rPr lang="zh-CN" altLang="en-US" dirty="0" smtClean="0"/>
+              <a:t>第</a:t>
+            </a:r>
+            <a:r>
+              <a:rPr lang="zh-CN" altLang="en-US" dirty="0" smtClean="0"/>
+              <a:t>二列</a:t>
+            </a:r>
+            <a:r>
+              <a:rPr lang="zh-CN" altLang="en-US" dirty="0" smtClean="0"/>
+              <a:t>为</a:t>
+            </a:r>
+            <a:r>
+              <a:rPr lang="zh-CN" altLang="en-US" dirty="0"/>
+              <a:t>卷积编码器只传入</a:t>
+            </a:r>
+            <a:r>
+              <a:rPr lang="zh-CN" altLang="en-US" dirty="0" smtClean="0"/>
+              <a:t>了</a:t>
+            </a:r>
+            <a:r>
+              <a:rPr lang="en-US" altLang="zh-CN" dirty="0"/>
+              <a:t>2</a:t>
+            </a:r>
+            <a:r>
+              <a:rPr lang="zh-CN" altLang="en-US" dirty="0" smtClean="0"/>
               <a:t>个</a:t>
             </a:r>
             <a:r>
@@ -42979,23 +46044,23 @@
           <a:p>
             <a:pPr lvl="1"/>
             <a:r>
-              <a:rPr lang="zh-CN" altLang="en-US" dirty="0"/>
-              <a:t>第三行是取</a:t>
-            </a:r>
-            <a:r>
-              <a:rPr lang="en-US" altLang="zh-CN" dirty="0"/>
-              <a:t>{0,[1,1,0]}</a:t>
+              <a:rPr lang="zh-CN" altLang="en-US" dirty="0" smtClean="0"/>
+              <a:t>第三列为</a:t>
             </a:r>
             <a:r>
               <a:rPr lang="zh-CN" altLang="en-US" dirty="0"/>
-              <a:t>，即为卷积编码器只传入了</a:t>
+              <a:t>卷积编码器只传入</a:t>
+            </a:r>
+            <a:r>
+              <a:rPr lang="zh-CN" altLang="en-US" dirty="0" smtClean="0"/>
+              <a:t>了</a:t>
             </a:r>
             <a:r>
               <a:rPr lang="en-US" altLang="zh-CN" dirty="0"/>
               <a:t>3</a:t>
             </a:r>
             <a:r>
-              <a:rPr lang="zh-CN" altLang="en-US" dirty="0"/>
+              <a:rPr lang="zh-CN" altLang="en-US" dirty="0" smtClean="0"/>
               <a:t>个</a:t>
             </a:r>
             <a:r>
@@ -43011,55 +46076,23 @@
           <a:p>
             <a:pPr lvl="1"/>
             <a:r>
+              <a:rPr lang="zh-CN" altLang="en-US" dirty="0" smtClean="0"/>
+              <a:t>第四列为</a:t>
+            </a:r>
+            <a:r>
               <a:rPr lang="zh-CN" altLang="en-US" dirty="0"/>
-              <a:t>第二行是取</a:t>
+              <a:t>卷积</a:t>
+            </a:r>
+            <a:r>
+              <a:rPr lang="zh-CN" altLang="en-US" dirty="0" smtClean="0"/>
+              <a:t>编码器传入了</a:t>
             </a:r>
             <a:r>
               <a:rPr lang="en-US" altLang="zh-CN" dirty="0"/>
-              <a:t>{0,0,[1,1]}</a:t>
+              <a:t>4</a:t>
             </a:r>
             <a:r>
-              <a:rPr lang="zh-CN" altLang="en-US" dirty="0"/>
-              <a:t>，即为卷积编码器只传入了</a:t>
-            </a:r>
-            <a:r>
-              <a:rPr lang="en-US" altLang="zh-CN" dirty="0"/>
-              <a:t>2</a:t>
-            </a:r>
-            <a:r>
-              <a:rPr lang="zh-CN" altLang="en-US" dirty="0"/>
-              <a:t>个</a:t>
-            </a:r>
-            <a:r>
-              <a:rPr lang="en-US" altLang="zh-CN" dirty="0"/>
-              <a:t>bit</a:t>
-            </a:r>
-            <a:r>
-              <a:rPr lang="zh-CN" altLang="en-US" dirty="0"/>
-              <a:t>的情况</a:t>
-            </a:r>
-            <a:endParaRPr lang="en-US" altLang="zh-CN" dirty="0"/>
-          </a:p>
-          <a:p>
-            <a:pPr lvl="1"/>
-            <a:r>
-              <a:rPr lang="zh-CN" altLang="en-US" dirty="0"/>
-              <a:t>第一行是取</a:t>
-            </a:r>
-            <a:r>
-              <a:rPr lang="en-US" altLang="zh-CN" dirty="0"/>
-              <a:t>{0,0,0,[1]}</a:t>
-            </a:r>
-            <a:r>
-              <a:rPr lang="zh-CN" altLang="en-US" dirty="0"/>
-              <a:t>，即为卷积编码器只传入了</a:t>
-            </a:r>
-            <a:r>
-              <a:rPr lang="en-US" altLang="zh-CN" dirty="0"/>
-              <a:t>1</a:t>
-            </a:r>
-            <a:r>
-              <a:rPr lang="zh-CN" altLang="en-US" dirty="0"/>
+              <a:rPr lang="zh-CN" altLang="en-US" dirty="0" smtClean="0"/>
               <a:t>个</a:t>
             </a:r>
             <a:r>
@@ -43074,22 +46107,40 @@
           </a:p>
           <a:p>
             <a:r>
-              <a:rPr lang="zh-CN" altLang="en-US" dirty="0"/>
-              <a:t>定义对应的卷积编码矩阵为</a:t>
+              <a:rPr lang="zh-CN" altLang="en-US" dirty="0" smtClean="0"/>
+              <a:t>让卷积编码矩阵</a:t>
             </a:r>
             <a:r>
-              <a:rPr lang="en-US" altLang="zh-CN" dirty="0"/>
-              <a:t>G=[1,0,1;1,1,1];G*input=[1,1,1;1,0,0];</a:t>
+              <a:rPr lang="en-US" altLang="zh-CN" dirty="0" smtClean="0"/>
+              <a:t>G</a:t>
             </a:r>
-          </a:p>
-          <a:p>
             <a:r>
-              <a:rPr lang="en-US" altLang="zh-CN" dirty="0"/>
-              <a:t> </a:t>
+              <a:rPr lang="zh-CN" altLang="en-US" dirty="0" smtClean="0"/>
+              <a:t>左乘更新后的</a:t>
+            </a:r>
+            <a:r>
+              <a:rPr lang="en-US" altLang="zh-CN" dirty="0" smtClean="0"/>
+              <a:t>input</a:t>
+            </a:r>
+            <a:r>
+              <a:rPr lang="zh-CN" altLang="en-US" dirty="0" smtClean="0"/>
+              <a:t>矩阵，对</a:t>
             </a:r>
             <a:r>
               <a:rPr lang="zh-CN" altLang="en-US" dirty="0"/>
-              <a:t>按列向量组合得到结果</a:t>
+              <a:t>乘</a:t>
+            </a:r>
+            <a:r>
+              <a:rPr lang="zh-CN" altLang="en-US" dirty="0" smtClean="0"/>
+              <a:t>后的矩阵</a:t>
+            </a:r>
+            <a:r>
+              <a:rPr lang="zh-CN" altLang="en-US" dirty="0" smtClean="0"/>
+              <a:t>按</a:t>
+            </a:r>
+            <a:r>
+              <a:rPr lang="zh-CN" altLang="en-US" dirty="0"/>
+              <a:t>列向量组合得到结果</a:t>
             </a:r>
             <a:endParaRPr lang="en-US" altLang="zh-CN" dirty="0"/>
           </a:p>
@@ -43131,6 +46182,680 @@
 </file>
 
 <file path=ppt/slides/slide7.xml><?xml version="1.0" encoding="utf-8"?>
+<p:sld xmlns:a="http://schemas.openxmlformats.org/drawingml/2006/main" xmlns:r="http://schemas.openxmlformats.org/officeDocument/2006/relationships" xmlns:p="http://schemas.openxmlformats.org/presentationml/2006/main">
+  <p:cSld>
+    <p:spTree>
+      <p:nvGrpSpPr>
+        <p:cNvPr id="1" name=""/>
+        <p:cNvGrpSpPr/>
+        <p:nvPr/>
+      </p:nvGrpSpPr>
+      <p:grpSpPr>
+        <a:xfrm>
+          <a:off x="0" y="0"/>
+          <a:ext cx="0" cy="0"/>
+          <a:chOff x="0" y="0"/>
+          <a:chExt cx="0" cy="0"/>
+        </a:xfrm>
+      </p:grpSpPr>
+      <p:sp>
+        <p:nvSpPr>
+          <p:cNvPr id="2" name="标题 1"/>
+          <p:cNvSpPr>
+            <a:spLocks noGrp="1"/>
+          </p:cNvSpPr>
+          <p:nvPr>
+            <p:ph type="title"/>
+          </p:nvPr>
+        </p:nvSpPr>
+        <p:spPr/>
+        <p:txBody>
+          <a:bodyPr/>
+          <a:lstStyle/>
+          <a:p>
+            <a:r>
+              <a:rPr lang="zh-CN" altLang="en-US" dirty="0"/>
+              <a:t>卷积编码模块</a:t>
+            </a:r>
+          </a:p>
+        </p:txBody>
+      </p:sp>
+      <mc:AlternateContent xmlns:mc="http://schemas.openxmlformats.org/markup-compatibility/2006">
+        <mc:Choice xmlns:a14="http://schemas.microsoft.com/office/drawing/2010/main" Requires="a14">
+          <p:sp>
+            <p:nvSpPr>
+              <p:cNvPr id="3" name="内容占位符 2"/>
+              <p:cNvSpPr>
+                <a:spLocks noGrp="1"/>
+              </p:cNvSpPr>
+              <p:nvPr>
+                <p:ph idx="1"/>
+              </p:nvPr>
+            </p:nvSpPr>
+            <p:spPr>
+              <a:xfrm>
+                <a:off x="677334" y="1270000"/>
+                <a:ext cx="8596668" cy="3880773"/>
+              </a:xfrm>
+            </p:spPr>
+            <p:txBody>
+              <a:bodyPr>
+                <a:noAutofit/>
+              </a:bodyPr>
+              <a:lstStyle/>
+              <a:p>
+                <a:r>
+                  <a:rPr lang="zh-CN" altLang="en-US" dirty="0" smtClean="0"/>
+                  <a:t>举例说明</a:t>
+                </a:r>
+                <a:r>
+                  <a:rPr lang="en-US" altLang="zh-CN" dirty="0" smtClean="0"/>
+                  <a:t>:</a:t>
+                </a:r>
+              </a:p>
+              <a:p>
+                <a:r>
+                  <a:rPr lang="zh-CN" altLang="zh-CN" dirty="0"/>
+                  <a:t>考虑编码效率为</a:t>
+                </a:r>
+                <a:r>
+                  <a:rPr lang="en-US" altLang="zh-CN" dirty="0"/>
+                  <a:t>1/3</a:t>
+                </a:r>
+                <a:r>
+                  <a:rPr lang="zh-CN" altLang="zh-CN" dirty="0"/>
+                  <a:t>时，生成矩阵为</a:t>
+                </a:r>
+                <a14:m>
+                  <m:oMath xmlns:m="http://schemas.openxmlformats.org/officeDocument/2006/math">
+                    <m:r>
+                      <m:rPr>
+                        <m:sty m:val="p"/>
+                      </m:rPr>
+                      <a:rPr lang="en-US" altLang="zh-CN"/>
+                      <m:t>G</m:t>
+                    </m:r>
+                    <m:r>
+                      <a:rPr lang="en-US" altLang="zh-CN"/>
+                      <m:t>=</m:t>
+                    </m:r>
+                    <m:d>
+                      <m:dPr>
+                        <m:begChr m:val="["/>
+                        <m:endChr m:val="]"/>
+                        <m:ctrlPr>
+                          <a:rPr lang="zh-CN" altLang="zh-CN" i="1"/>
+                        </m:ctrlPr>
+                      </m:dPr>
+                      <m:e>
+                        <m:m>
+                          <m:mPr>
+                            <m:mcs>
+                              <m:mc>
+                                <m:mcPr>
+                                  <m:count m:val="4"/>
+                                  <m:mcJc m:val="center"/>
+                                </m:mcPr>
+                              </m:mc>
+                            </m:mcs>
+                            <m:ctrlPr>
+                              <a:rPr lang="zh-CN" altLang="zh-CN" i="1"/>
+                            </m:ctrlPr>
+                          </m:mPr>
+                          <m:mr>
+                            <m:e>
+                              <m:r>
+                                <a:rPr lang="en-US" altLang="zh-CN" i="1"/>
+                                <m:t>1</m:t>
+                              </m:r>
+                            </m:e>
+                            <m:e>
+                              <m:r>
+                                <a:rPr lang="en-US" altLang="zh-CN" i="1"/>
+                                <m:t>0</m:t>
+                              </m:r>
+                            </m:e>
+                            <m:e>
+                              <m:r>
+                                <a:rPr lang="en-US" altLang="zh-CN" i="1"/>
+                                <m:t>1</m:t>
+                              </m:r>
+                            </m:e>
+                            <m:e>
+                              <m:r>
+                                <a:rPr lang="en-US" altLang="zh-CN" i="1"/>
+                                <m:t>1</m:t>
+                              </m:r>
+                            </m:e>
+                          </m:mr>
+                          <m:mr>
+                            <m:e>
+                              <m:r>
+                                <a:rPr lang="en-US" altLang="zh-CN" i="1"/>
+                                <m:t>1</m:t>
+                              </m:r>
+                            </m:e>
+                            <m:e>
+                              <m:r>
+                                <a:rPr lang="en-US" altLang="zh-CN" i="1"/>
+                                <m:t>1</m:t>
+                              </m:r>
+                            </m:e>
+                            <m:e>
+                              <m:r>
+                                <a:rPr lang="en-US" altLang="zh-CN" i="1"/>
+                                <m:t>0</m:t>
+                              </m:r>
+                            </m:e>
+                            <m:e>
+                              <m:r>
+                                <a:rPr lang="en-US" altLang="zh-CN" i="1"/>
+                                <m:t>1</m:t>
+                              </m:r>
+                            </m:e>
+                          </m:mr>
+                          <m:mr>
+                            <m:e>
+                              <m:r>
+                                <a:rPr lang="en-US" altLang="zh-CN" i="1"/>
+                                <m:t>1</m:t>
+                              </m:r>
+                            </m:e>
+                            <m:e>
+                              <m:r>
+                                <a:rPr lang="en-US" altLang="zh-CN" i="1"/>
+                                <m:t>1</m:t>
+                              </m:r>
+                            </m:e>
+                            <m:e>
+                              <m:r>
+                                <a:rPr lang="en-US" altLang="zh-CN" i="1"/>
+                                <m:t>1</m:t>
+                              </m:r>
+                            </m:e>
+                            <m:e>
+                              <m:r>
+                                <a:rPr lang="en-US" altLang="zh-CN" i="1"/>
+                                <m:t>1</m:t>
+                              </m:r>
+                            </m:e>
+                          </m:mr>
+                        </m:m>
+                      </m:e>
+                    </m:d>
+                  </m:oMath>
+                </a14:m>
+                <a:endParaRPr lang="en-US" altLang="zh-CN" dirty="0" smtClean="0"/>
+              </a:p>
+              <a:p>
+                <a:r>
+                  <a:rPr lang="zh-CN" altLang="en-US" dirty="0" smtClean="0"/>
+                  <a:t>对输入序列</a:t>
+                </a:r>
+                <a:r>
+                  <a:rPr lang="en-US" altLang="zh-CN" dirty="0" smtClean="0"/>
+                  <a:t>s</a:t>
+                </a:r>
+                <a:r>
+                  <a:rPr lang="en-US" altLang="zh-CN" dirty="0"/>
+                  <a:t>(</a:t>
+                </a:r>
+                <a:r>
+                  <a:rPr lang="zh-CN" altLang="zh-CN" dirty="0"/>
+                  <a:t>已经收尾处理过，长度为</a:t>
+                </a:r>
+                <a:r>
+                  <a:rPr lang="en-US" altLang="zh-CN" dirty="0"/>
+                  <a:t>L</a:t>
+                </a:r>
+                <a:r>
+                  <a:rPr lang="zh-CN" altLang="zh-CN" dirty="0"/>
+                  <a:t>，下标从</a:t>
+                </a:r>
+                <a:r>
+                  <a:rPr lang="en-US" altLang="zh-CN" dirty="0"/>
+                  <a:t>1</a:t>
+                </a:r>
+                <a:r>
+                  <a:rPr lang="zh-CN" altLang="zh-CN" dirty="0"/>
+                  <a:t>开始</a:t>
+                </a:r>
+                <a:r>
+                  <a:rPr lang="en-US" altLang="zh-CN" dirty="0"/>
+                  <a:t>)</a:t>
+                </a:r>
+                <a:r>
+                  <a:rPr lang="zh-CN" altLang="en-US" dirty="0" smtClean="0"/>
+                  <a:t>，</a:t>
+                </a:r>
+                <a:r>
+                  <a:rPr lang="zh-CN" altLang="zh-CN" dirty="0" smtClean="0"/>
+                  <a:t>生成</a:t>
+                </a:r>
+                <a:r>
+                  <a:rPr lang="zh-CN" altLang="zh-CN" dirty="0"/>
+                  <a:t>一个</a:t>
+                </a:r>
+                <a:r>
+                  <a:rPr lang="en-US" altLang="zh-CN" dirty="0"/>
+                  <a:t>4</a:t>
+                </a:r>
+                <a:r>
+                  <a:rPr lang="zh-CN" altLang="zh-CN" dirty="0"/>
+                  <a:t>×</a:t>
+                </a:r>
+                <a:r>
+                  <a:rPr lang="en-US" altLang="zh-CN" dirty="0"/>
+                  <a:t>L</a:t>
+                </a:r>
+                <a:r>
+                  <a:rPr lang="zh-CN" altLang="zh-CN" dirty="0"/>
+                  <a:t>的矩阵</a:t>
+                </a:r>
+                <a:r>
+                  <a:rPr lang="en-US" altLang="zh-CN" dirty="0"/>
+                  <a:t>S=</a:t>
+                </a:r>
+                <a14:m>
+                  <m:oMath xmlns:m="http://schemas.openxmlformats.org/officeDocument/2006/math">
+                    <m:d>
+                      <m:dPr>
+                        <m:begChr m:val="["/>
+                        <m:endChr m:val="]"/>
+                        <m:ctrlPr>
+                          <a:rPr lang="zh-CN" altLang="zh-CN" i="1"/>
+                        </m:ctrlPr>
+                      </m:dPr>
+                      <m:e>
+                        <m:m>
+                          <m:mPr>
+                            <m:mcs>
+                              <m:mc>
+                                <m:mcPr>
+                                  <m:count m:val="6"/>
+                                  <m:mcJc m:val="center"/>
+                                </m:mcPr>
+                              </m:mc>
+                            </m:mcs>
+                            <m:ctrlPr>
+                              <a:rPr lang="zh-CN" altLang="zh-CN" i="1"/>
+                            </m:ctrlPr>
+                          </m:mPr>
+                          <m:mr>
+                            <m:e>
+                              <m:r>
+                                <a:rPr lang="en-US" altLang="zh-CN" i="1"/>
+                                <m:t>𝑠</m:t>
+                              </m:r>
+                              <m:r>
+                                <a:rPr lang="en-US" altLang="zh-CN" i="1"/>
+                                <m:t>[1]</m:t>
+                              </m:r>
+                            </m:e>
+                            <m:e>
+                              <m:r>
+                                <a:rPr lang="en-US" altLang="zh-CN" i="1"/>
+                                <m:t>𝑠</m:t>
+                              </m:r>
+                              <m:r>
+                                <a:rPr lang="en-US" altLang="zh-CN" i="1"/>
+                                <m:t>[2]</m:t>
+                              </m:r>
+                            </m:e>
+                            <m:e>
+                              <m:r>
+                                <a:rPr lang="en-US" altLang="zh-CN" i="1"/>
+                                <m:t>𝑠</m:t>
+                              </m:r>
+                              <m:r>
+                                <a:rPr lang="en-US" altLang="zh-CN" i="1"/>
+                                <m:t>[3]</m:t>
+                              </m:r>
+                            </m:e>
+                            <m:e>
+                              <m:r>
+                                <a:rPr lang="en-US" altLang="zh-CN" i="1"/>
+                                <m:t>𝑠</m:t>
+                              </m:r>
+                              <m:r>
+                                <a:rPr lang="en-US" altLang="zh-CN" i="1"/>
+                                <m:t>[4]</m:t>
+                              </m:r>
+                            </m:e>
+                            <m:e>
+                              <m:r>
+                                <a:rPr lang="en-US" altLang="zh-CN" i="1"/>
+                                <m:t>…</m:t>
+                              </m:r>
+                            </m:e>
+                            <m:e>
+                              <m:r>
+                                <a:rPr lang="en-US" altLang="zh-CN" i="1"/>
+                                <m:t>𝑠</m:t>
+                              </m:r>
+                              <m:r>
+                                <a:rPr lang="en-US" altLang="zh-CN" i="1"/>
+                                <m:t>[</m:t>
+                              </m:r>
+                              <m:r>
+                                <a:rPr lang="en-US" altLang="zh-CN" i="1"/>
+                                <m:t>𝐿</m:t>
+                              </m:r>
+                              <m:r>
+                                <a:rPr lang="en-US" altLang="zh-CN" i="1"/>
+                                <m:t>]</m:t>
+                              </m:r>
+                            </m:e>
+                          </m:mr>
+                          <m:mr>
+                            <m:e>
+                              <m:r>
+                                <a:rPr lang="en-US" altLang="zh-CN" i="1"/>
+                                <m:t>0</m:t>
+                              </m:r>
+                            </m:e>
+                            <m:e>
+                              <m:r>
+                                <a:rPr lang="en-US" altLang="zh-CN" i="1"/>
+                                <m:t>𝑠</m:t>
+                              </m:r>
+                              <m:r>
+                                <a:rPr lang="en-US" altLang="zh-CN" i="1"/>
+                                <m:t>[1]</m:t>
+                              </m:r>
+                            </m:e>
+                            <m:e>
+                              <m:r>
+                                <a:rPr lang="en-US" altLang="zh-CN" i="1"/>
+                                <m:t>𝑠</m:t>
+                              </m:r>
+                              <m:r>
+                                <a:rPr lang="en-US" altLang="zh-CN" i="1"/>
+                                <m:t>[2]</m:t>
+                              </m:r>
+                            </m:e>
+                            <m:e>
+                              <m:r>
+                                <a:rPr lang="en-US" altLang="zh-CN" i="1"/>
+                                <m:t>𝑠</m:t>
+                              </m:r>
+                              <m:r>
+                                <a:rPr lang="en-US" altLang="zh-CN" i="1"/>
+                                <m:t>[3]</m:t>
+                              </m:r>
+                            </m:e>
+                            <m:e>
+                              <m:r>
+                                <a:rPr lang="en-US" altLang="zh-CN" i="1"/>
+                                <m:t>…</m:t>
+                              </m:r>
+                            </m:e>
+                            <m:e>
+                              <m:r>
+                                <a:rPr lang="en-US" altLang="zh-CN" i="1"/>
+                                <m:t>𝑠</m:t>
+                              </m:r>
+                              <m:r>
+                                <a:rPr lang="en-US" altLang="zh-CN" i="1"/>
+                                <m:t>[</m:t>
+                              </m:r>
+                              <m:r>
+                                <a:rPr lang="en-US" altLang="zh-CN" i="1"/>
+                                <m:t>𝐿</m:t>
+                              </m:r>
+                              <m:r>
+                                <a:rPr lang="en-US" altLang="zh-CN" i="1"/>
+                                <m:t>−1]</m:t>
+                              </m:r>
+                            </m:e>
+                          </m:mr>
+                          <m:mr>
+                            <m:e>
+                              <m:r>
+                                <a:rPr lang="en-US" altLang="zh-CN" i="1"/>
+                                <m:t>0</m:t>
+                              </m:r>
+                            </m:e>
+                            <m:e>
+                              <m:r>
+                                <a:rPr lang="en-US" altLang="zh-CN" i="1"/>
+                                <m:t>0</m:t>
+                              </m:r>
+                            </m:e>
+                            <m:e>
+                              <m:r>
+                                <a:rPr lang="en-US" altLang="zh-CN" i="1"/>
+                                <m:t>𝑠</m:t>
+                              </m:r>
+                              <m:r>
+                                <a:rPr lang="en-US" altLang="zh-CN" i="1"/>
+                                <m:t>[1]</m:t>
+                              </m:r>
+                            </m:e>
+                            <m:e>
+                              <m:r>
+                                <a:rPr lang="en-US" altLang="zh-CN" i="1"/>
+                                <m:t>𝑠</m:t>
+                              </m:r>
+                              <m:r>
+                                <a:rPr lang="en-US" altLang="zh-CN" i="1"/>
+                                <m:t>[2]</m:t>
+                              </m:r>
+                            </m:e>
+                            <m:e>
+                              <m:r>
+                                <a:rPr lang="en-US" altLang="zh-CN" i="1"/>
+                                <m:t>…</m:t>
+                              </m:r>
+                            </m:e>
+                            <m:e>
+                              <m:r>
+                                <a:rPr lang="en-US" altLang="zh-CN" i="1"/>
+                                <m:t>𝑠</m:t>
+                              </m:r>
+                              <m:r>
+                                <a:rPr lang="en-US" altLang="zh-CN" i="1"/>
+                                <m:t>[</m:t>
+                              </m:r>
+                              <m:r>
+                                <a:rPr lang="en-US" altLang="zh-CN" i="1"/>
+                                <m:t>𝐿</m:t>
+                              </m:r>
+                              <m:r>
+                                <a:rPr lang="en-US" altLang="zh-CN" i="1"/>
+                                <m:t>−2]</m:t>
+                              </m:r>
+                            </m:e>
+                          </m:mr>
+                          <m:mr>
+                            <m:e>
+                              <m:r>
+                                <a:rPr lang="en-US" altLang="zh-CN" i="1"/>
+                                <m:t>0</m:t>
+                              </m:r>
+                            </m:e>
+                            <m:e>
+                              <m:r>
+                                <a:rPr lang="en-US" altLang="zh-CN" i="1"/>
+                                <m:t>0</m:t>
+                              </m:r>
+                            </m:e>
+                            <m:e>
+                              <m:r>
+                                <a:rPr lang="en-US" altLang="zh-CN" i="1"/>
+                                <m:t>0</m:t>
+                              </m:r>
+                            </m:e>
+                            <m:e>
+                              <m:r>
+                                <a:rPr lang="en-US" altLang="zh-CN" i="1"/>
+                                <m:t>𝑠</m:t>
+                              </m:r>
+                              <m:r>
+                                <a:rPr lang="en-US" altLang="zh-CN" i="1"/>
+                                <m:t>[1]</m:t>
+                              </m:r>
+                            </m:e>
+                            <m:e>
+                              <m:r>
+                                <a:rPr lang="en-US" altLang="zh-CN" i="1"/>
+                                <m:t>…</m:t>
+                              </m:r>
+                            </m:e>
+                            <m:e>
+                              <m:r>
+                                <a:rPr lang="en-US" altLang="zh-CN" i="1"/>
+                                <m:t>𝑠</m:t>
+                              </m:r>
+                              <m:r>
+                                <a:rPr lang="en-US" altLang="zh-CN" i="1"/>
+                                <m:t>[</m:t>
+                              </m:r>
+                              <m:r>
+                                <a:rPr lang="en-US" altLang="zh-CN" i="1"/>
+                                <m:t>𝐿</m:t>
+                              </m:r>
+                              <m:r>
+                                <a:rPr lang="en-US" altLang="zh-CN" i="1"/>
+                                <m:t>−3]</m:t>
+                              </m:r>
+                            </m:e>
+                          </m:mr>
+                        </m:m>
+                      </m:e>
+                    </m:d>
+                  </m:oMath>
+                </a14:m>
+                <a:endParaRPr lang="en-US" altLang="zh-CN" dirty="0" smtClean="0"/>
+              </a:p>
+              <a:p>
+                <a:r>
+                  <a:rPr lang="zh-CN" altLang="zh-CN" dirty="0"/>
+                  <a:t>然后让</a:t>
+                </a:r>
+                <a:r>
+                  <a:rPr lang="en-US" altLang="zh-CN" dirty="0"/>
+                  <a:t>G</a:t>
+                </a:r>
+                <a:r>
+                  <a:rPr lang="zh-CN" altLang="zh-CN" dirty="0"/>
+                  <a:t>左乘</a:t>
+                </a:r>
+                <a:r>
+                  <a:rPr lang="en-US" altLang="zh-CN" dirty="0"/>
+                  <a:t>S</a:t>
+                </a:r>
+                <a:r>
+                  <a:rPr lang="zh-CN" altLang="zh-CN" dirty="0"/>
+                  <a:t>，就可以得到一个</a:t>
+                </a:r>
+                <a:r>
+                  <a:rPr lang="en-US" altLang="zh-CN" dirty="0"/>
+                  <a:t>3</a:t>
+                </a:r>
+                <a:r>
+                  <a:rPr lang="zh-CN" altLang="zh-CN" dirty="0"/>
+                  <a:t>×</a:t>
+                </a:r>
+                <a:r>
+                  <a:rPr lang="en-US" altLang="zh-CN" dirty="0"/>
+                  <a:t>L</a:t>
+                </a:r>
+                <a:r>
+                  <a:rPr lang="zh-CN" altLang="zh-CN" dirty="0"/>
+                  <a:t>的编码矩阵</a:t>
+                </a:r>
+                <a:r>
+                  <a:rPr lang="en-US" altLang="zh-CN" dirty="0"/>
+                  <a:t>D</a:t>
+                </a:r>
+                <a:r>
+                  <a:rPr lang="zh-CN" altLang="zh-CN" dirty="0"/>
+                  <a:t>，然后矩阵</a:t>
+                </a:r>
+                <a:r>
+                  <a:rPr lang="en-US" altLang="zh-CN" dirty="0"/>
+                  <a:t>D</a:t>
+                </a:r>
+                <a:r>
+                  <a:rPr lang="zh-CN" altLang="zh-CN" dirty="0"/>
+                  <a:t>的每一列就是每次卷积编码器的输出。</a:t>
+                </a:r>
+                <a:endParaRPr lang="en-US" altLang="zh-CN" dirty="0"/>
+              </a:p>
+            </p:txBody>
+          </p:sp>
+        </mc:Choice>
+        <mc:Fallback>
+          <p:sp>
+            <p:nvSpPr>
+              <p:cNvPr id="3" name="内容占位符 2"/>
+              <p:cNvSpPr>
+                <a:spLocks noGrp="1" noRot="1" noChangeAspect="1" noMove="1" noResize="1" noEditPoints="1" noAdjustHandles="1" noChangeArrowheads="1" noChangeShapeType="1" noTextEdit="1"/>
+              </p:cNvSpPr>
+              <p:nvPr>
+                <p:ph idx="1"/>
+              </p:nvPr>
+            </p:nvSpPr>
+            <p:spPr>
+              <a:xfrm>
+                <a:off x="677334" y="1270000"/>
+                <a:ext cx="8596668" cy="3880773"/>
+              </a:xfrm>
+              <a:blipFill>
+                <a:blip r:embed="rId2"/>
+                <a:stretch>
+                  <a:fillRect l="-142" t="-1099"/>
+                </a:stretch>
+              </a:blipFill>
+            </p:spPr>
+            <p:txBody>
+              <a:bodyPr/>
+              <a:lstStyle/>
+              <a:p>
+                <a:r>
+                  <a:rPr lang="zh-CN" altLang="en-US">
+                    <a:noFill/>
+                  </a:rPr>
+                  <a:t> </a:t>
+                </a:r>
+              </a:p>
+            </p:txBody>
+          </p:sp>
+        </mc:Fallback>
+      </mc:AlternateContent>
+      <p:graphicFrame>
+        <p:nvGraphicFramePr>
+          <p:cNvPr id="4" name="图示 3"/>
+          <p:cNvGraphicFramePr/>
+          <p:nvPr>
+            <p:extLst/>
+          </p:nvPr>
+        </p:nvGraphicFramePr>
+        <p:xfrm>
+          <a:off x="265343" y="66624"/>
+          <a:ext cx="5478509" cy="425552"/>
+        </p:xfrm>
+        <a:graphic>
+          <a:graphicData uri="http://schemas.openxmlformats.org/drawingml/2006/diagram">
+            <dgm:relIds xmlns:dgm="http://schemas.openxmlformats.org/drawingml/2006/diagram" xmlns:r="http://schemas.openxmlformats.org/officeDocument/2006/relationships" r:dm="rId3" r:lo="rId4" r:qs="rId5" r:cs="rId6"/>
+          </a:graphicData>
+        </a:graphic>
+      </p:graphicFrame>
+    </p:spTree>
+    <p:extLst>
+      <p:ext uri="{BB962C8B-B14F-4D97-AF65-F5344CB8AC3E}">
+        <p14:creationId xmlns:p14="http://schemas.microsoft.com/office/powerpoint/2010/main" val="465653343"/>
+      </p:ext>
+    </p:extLst>
+  </p:cSld>
+  <p:clrMapOvr>
+    <a:masterClrMapping/>
+  </p:clrMapOvr>
+</p:sld>
+</file>
+
+<file path=ppt/slides/slide8.xml><?xml version="1.0" encoding="utf-8"?>
 <p:sld xmlns:a="http://schemas.openxmlformats.org/drawingml/2006/main" xmlns:r="http://schemas.openxmlformats.org/officeDocument/2006/relationships" xmlns:p="http://schemas.openxmlformats.org/presentationml/2006/main">
   <p:cSld>
     <p:spTree>
@@ -43389,7 +47114,7 @@
 </p:sld>
 </file>
 
-<file path=ppt/slides/slide8.xml><?xml version="1.0" encoding="utf-8"?>
+<file path=ppt/slides/slide9.xml><?xml version="1.0" encoding="utf-8"?>
 <p:sld xmlns:a="http://schemas.openxmlformats.org/drawingml/2006/main" xmlns:r="http://schemas.openxmlformats.org/officeDocument/2006/relationships" xmlns:p="http://schemas.openxmlformats.org/presentationml/2006/main">
   <p:cSld>
     <p:spTree>
@@ -43480,165 +47205,6 @@
     <p:extLst>
       <p:ext uri="{BB962C8B-B14F-4D97-AF65-F5344CB8AC3E}">
         <p14:creationId xmlns:p14="http://schemas.microsoft.com/office/powerpoint/2010/main" val="3360411190"/>
-      </p:ext>
-    </p:extLst>
-  </p:cSld>
-  <p:clrMapOvr>
-    <a:masterClrMapping/>
-  </p:clrMapOvr>
-</p:sld>
-</file>
-
-<file path=ppt/slides/slide9.xml><?xml version="1.0" encoding="utf-8"?>
-<p:sld xmlns:a="http://schemas.openxmlformats.org/drawingml/2006/main" xmlns:r="http://schemas.openxmlformats.org/officeDocument/2006/relationships" xmlns:p="http://schemas.openxmlformats.org/presentationml/2006/main">
-  <p:cSld>
-    <p:spTree>
-      <p:nvGrpSpPr>
-        <p:cNvPr id="1" name=""/>
-        <p:cNvGrpSpPr/>
-        <p:nvPr/>
-      </p:nvGrpSpPr>
-      <p:grpSpPr>
-        <a:xfrm>
-          <a:off x="0" y="0"/>
-          <a:ext cx="0" cy="0"/>
-          <a:chOff x="0" y="0"/>
-          <a:chExt cx="0" cy="0"/>
-        </a:xfrm>
-      </p:grpSpPr>
-      <p:sp>
-        <p:nvSpPr>
-          <p:cNvPr id="2" name="标题 1"/>
-          <p:cNvSpPr>
-            <a:spLocks noGrp="1"/>
-          </p:cNvSpPr>
-          <p:nvPr>
-            <p:ph type="title"/>
-          </p:nvPr>
-        </p:nvSpPr>
-        <p:spPr/>
-        <p:txBody>
-          <a:bodyPr/>
-          <a:lstStyle/>
-          <a:p>
-            <a:r>
-              <a:rPr lang="zh-CN" altLang="en-US" dirty="0"/>
-              <a:t>收端星座图</a:t>
-            </a:r>
-          </a:p>
-        </p:txBody>
-      </p:sp>
-      <p:sp>
-        <p:nvSpPr>
-          <p:cNvPr id="5" name="内容占位符 4"/>
-          <p:cNvSpPr>
-            <a:spLocks noGrp="1"/>
-          </p:cNvSpPr>
-          <p:nvPr>
-            <p:ph idx="1"/>
-          </p:nvPr>
-        </p:nvSpPr>
-        <p:spPr/>
-        <p:txBody>
-          <a:bodyPr/>
-          <a:lstStyle/>
-          <a:p>
-            <a:endParaRPr lang="zh-CN" altLang="en-US"/>
-          </a:p>
-        </p:txBody>
-      </p:sp>
-      <p:pic>
-        <p:nvPicPr>
-          <p:cNvPr id="6" name="图片 5"/>
-          <p:cNvPicPr>
-            <a:picLocks noChangeAspect="1"/>
-          </p:cNvPicPr>
-          <p:nvPr/>
-        </p:nvPicPr>
-        <p:blipFill>
-          <a:blip r:embed="rId2"/>
-          <a:stretch>
-            <a:fillRect/>
-          </a:stretch>
-        </p:blipFill>
-        <p:spPr>
-          <a:xfrm>
-            <a:off x="-1560816" y="1074692"/>
-            <a:ext cx="12384001" cy="6188867"/>
-          </a:xfrm>
-          <a:prstGeom prst="rect">
-            <a:avLst/>
-          </a:prstGeom>
-        </p:spPr>
-      </p:pic>
-      <p:sp>
-        <p:nvSpPr>
-          <p:cNvPr id="7" name="文本框 6"/>
-          <p:cNvSpPr txBox="1"/>
-          <p:nvPr/>
-        </p:nvSpPr>
-        <p:spPr>
-          <a:xfrm>
-            <a:off x="4891597" y="4918229"/>
-            <a:ext cx="5211192" cy="584775"/>
-          </a:xfrm>
-          <a:prstGeom prst="rect">
-            <a:avLst/>
-          </a:prstGeom>
-          <a:noFill/>
-        </p:spPr>
-        <p:txBody>
-          <a:bodyPr wrap="square" rtlCol="0">
-            <a:spAutoFit/>
-          </a:bodyPr>
-          <a:lstStyle/>
-          <a:p>
-            <a:r>
-              <a:rPr lang="el-GR" altLang="zh-CN" sz="3200" dirty="0"/>
-              <a:t>Φ</a:t>
-            </a:r>
-            <a:r>
-              <a:rPr lang="en-US" altLang="zh-CN" sz="3200" dirty="0"/>
-              <a:t>=π/6</a:t>
-            </a:r>
-            <a:r>
-              <a:rPr lang="zh-CN" altLang="en-US" sz="3200" dirty="0"/>
-              <a:t>，</a:t>
-            </a:r>
-            <a:r>
-              <a:rPr lang="en-US" altLang="zh-CN" sz="3200" dirty="0"/>
-              <a:t>σ=0.1</a:t>
-            </a:r>
-            <a:endParaRPr lang="zh-CN" altLang="en-US" sz="3200" dirty="0"/>
-          </a:p>
-        </p:txBody>
-      </p:sp>
-      <p:graphicFrame>
-        <p:nvGraphicFramePr>
-          <p:cNvPr id="8" name="图示 7"/>
-          <p:cNvGraphicFramePr/>
-          <p:nvPr>
-            <p:extLst>
-              <p:ext uri="{D42A27DB-BD31-4B8C-83A1-F6EECF244321}">
-                <p14:modId xmlns:p14="http://schemas.microsoft.com/office/powerpoint/2010/main" val="3561003913"/>
-              </p:ext>
-            </p:extLst>
-          </p:nvPr>
-        </p:nvGraphicFramePr>
-        <p:xfrm>
-          <a:off x="265343" y="66624"/>
-          <a:ext cx="5478509" cy="425552"/>
-        </p:xfrm>
-        <a:graphic>
-          <a:graphicData uri="http://schemas.openxmlformats.org/drawingml/2006/diagram">
-            <dgm:relIds xmlns:dgm="http://schemas.openxmlformats.org/drawingml/2006/diagram" xmlns:r="http://schemas.openxmlformats.org/officeDocument/2006/relationships" r:dm="rId3" r:lo="rId4" r:qs="rId5" r:cs="rId6"/>
-          </a:graphicData>
-        </a:graphic>
-      </p:graphicFrame>
-    </p:spTree>
-    <p:extLst>
-      <p:ext uri="{BB962C8B-B14F-4D97-AF65-F5344CB8AC3E}">
-        <p14:creationId xmlns:p14="http://schemas.microsoft.com/office/powerpoint/2010/main" val="314677935"/>
       </p:ext>
     </p:extLst>
   </p:cSld>

--- a/v1.pptx
+++ b/v1.pptx
@@ -19,10 +19,11 @@
     <p:sldId id="267" r:id="rId13"/>
     <p:sldId id="265" r:id="rId14"/>
     <p:sldId id="268" r:id="rId15"/>
-    <p:sldId id="262" r:id="rId16"/>
-    <p:sldId id="263" r:id="rId17"/>
-    <p:sldId id="273" r:id="rId18"/>
-    <p:sldId id="274" r:id="rId19"/>
+    <p:sldId id="276" r:id="rId16"/>
+    <p:sldId id="262" r:id="rId17"/>
+    <p:sldId id="263" r:id="rId18"/>
+    <p:sldId id="273" r:id="rId19"/>
+    <p:sldId id="274" r:id="rId20"/>
   </p:sldIdLst>
   <p:sldSz cx="12192000" cy="6858000"/>
   <p:notesSz cx="6858000" cy="9144000"/>
@@ -2371,6 +2372,753 @@
 </file>
 
 <file path=ppt/diagrams/colors12.xml><?xml version="1.0" encoding="utf-8"?>
+<dgm:colorsDef xmlns:dgm="http://schemas.openxmlformats.org/drawingml/2006/diagram" xmlns:a="http://schemas.openxmlformats.org/drawingml/2006/main" uniqueId="urn:microsoft.com/office/officeart/2005/8/colors/accent1_2">
+  <dgm:title val=""/>
+  <dgm:desc val=""/>
+  <dgm:catLst>
+    <dgm:cat type="accent1" pri="11200"/>
+  </dgm:catLst>
+  <dgm:styleLbl name="node0">
+    <dgm:fillClrLst meth="repeat">
+      <a:schemeClr val="accent1"/>
+    </dgm:fillClrLst>
+    <dgm:linClrLst meth="repeat">
+      <a:schemeClr val="lt1"/>
+    </dgm:linClrLst>
+    <dgm:effectClrLst/>
+    <dgm:txLinClrLst/>
+    <dgm:txFillClrLst/>
+    <dgm:txEffectClrLst/>
+  </dgm:styleLbl>
+  <dgm:styleLbl name="alignNode1">
+    <dgm:fillClrLst meth="repeat">
+      <a:schemeClr val="accent1"/>
+    </dgm:fillClrLst>
+    <dgm:linClrLst meth="repeat">
+      <a:schemeClr val="accent1"/>
+    </dgm:linClrLst>
+    <dgm:effectClrLst/>
+    <dgm:txLinClrLst/>
+    <dgm:txFillClrLst/>
+    <dgm:txEffectClrLst/>
+  </dgm:styleLbl>
+  <dgm:styleLbl name="node1">
+    <dgm:fillClrLst meth="repeat">
+      <a:schemeClr val="accent1"/>
+    </dgm:fillClrLst>
+    <dgm:linClrLst meth="repeat">
+      <a:schemeClr val="lt1"/>
+    </dgm:linClrLst>
+    <dgm:effectClrLst/>
+    <dgm:txLinClrLst/>
+    <dgm:txFillClrLst/>
+    <dgm:txEffectClrLst/>
+  </dgm:styleLbl>
+  <dgm:styleLbl name="lnNode1">
+    <dgm:fillClrLst meth="repeat">
+      <a:schemeClr val="accent1"/>
+    </dgm:fillClrLst>
+    <dgm:linClrLst meth="repeat">
+      <a:schemeClr val="lt1"/>
+    </dgm:linClrLst>
+    <dgm:effectClrLst/>
+    <dgm:txLinClrLst/>
+    <dgm:txFillClrLst/>
+    <dgm:txEffectClrLst/>
+  </dgm:styleLbl>
+  <dgm:styleLbl name="vennNode1">
+    <dgm:fillClrLst meth="repeat">
+      <a:schemeClr val="accent1">
+        <a:alpha val="50000"/>
+      </a:schemeClr>
+    </dgm:fillClrLst>
+    <dgm:linClrLst meth="repeat">
+      <a:schemeClr val="lt1"/>
+    </dgm:linClrLst>
+    <dgm:effectClrLst/>
+    <dgm:txLinClrLst/>
+    <dgm:txFillClrLst/>
+    <dgm:txEffectClrLst/>
+  </dgm:styleLbl>
+  <dgm:styleLbl name="node2">
+    <dgm:fillClrLst meth="repeat">
+      <a:schemeClr val="accent1"/>
+    </dgm:fillClrLst>
+    <dgm:linClrLst meth="repeat">
+      <a:schemeClr val="lt1"/>
+    </dgm:linClrLst>
+    <dgm:effectClrLst/>
+    <dgm:txLinClrLst/>
+    <dgm:txFillClrLst/>
+    <dgm:txEffectClrLst/>
+  </dgm:styleLbl>
+  <dgm:styleLbl name="node3">
+    <dgm:fillClrLst meth="repeat">
+      <a:schemeClr val="accent1"/>
+    </dgm:fillClrLst>
+    <dgm:linClrLst meth="repeat">
+      <a:schemeClr val="lt1"/>
+    </dgm:linClrLst>
+    <dgm:effectClrLst/>
+    <dgm:txLinClrLst/>
+    <dgm:txFillClrLst/>
+    <dgm:txEffectClrLst/>
+  </dgm:styleLbl>
+  <dgm:styleLbl name="node4">
+    <dgm:fillClrLst meth="repeat">
+      <a:schemeClr val="accent1"/>
+    </dgm:fillClrLst>
+    <dgm:linClrLst meth="repeat">
+      <a:schemeClr val="lt1"/>
+    </dgm:linClrLst>
+    <dgm:effectClrLst/>
+    <dgm:txLinClrLst/>
+    <dgm:txFillClrLst/>
+    <dgm:txEffectClrLst/>
+  </dgm:styleLbl>
+  <dgm:styleLbl name="fgImgPlace1">
+    <dgm:fillClrLst meth="repeat">
+      <a:schemeClr val="accent1">
+        <a:tint val="50000"/>
+      </a:schemeClr>
+    </dgm:fillClrLst>
+    <dgm:linClrLst meth="repeat">
+      <a:schemeClr val="lt1"/>
+    </dgm:linClrLst>
+    <dgm:effectClrLst/>
+    <dgm:txLinClrLst/>
+    <dgm:txFillClrLst meth="repeat">
+      <a:schemeClr val="lt1"/>
+    </dgm:txFillClrLst>
+    <dgm:txEffectClrLst/>
+  </dgm:styleLbl>
+  <dgm:styleLbl name="alignImgPlace1">
+    <dgm:fillClrLst meth="repeat">
+      <a:schemeClr val="accent1">
+        <a:tint val="50000"/>
+      </a:schemeClr>
+    </dgm:fillClrLst>
+    <dgm:linClrLst meth="repeat">
+      <a:schemeClr val="lt1"/>
+    </dgm:linClrLst>
+    <dgm:effectClrLst/>
+    <dgm:txLinClrLst/>
+    <dgm:txFillClrLst meth="repeat">
+      <a:schemeClr val="lt1"/>
+    </dgm:txFillClrLst>
+    <dgm:txEffectClrLst/>
+  </dgm:styleLbl>
+  <dgm:styleLbl name="bgImgPlace1">
+    <dgm:fillClrLst meth="repeat">
+      <a:schemeClr val="accent1">
+        <a:tint val="50000"/>
+      </a:schemeClr>
+    </dgm:fillClrLst>
+    <dgm:linClrLst meth="repeat">
+      <a:schemeClr val="lt1"/>
+    </dgm:linClrLst>
+    <dgm:effectClrLst/>
+    <dgm:txLinClrLst/>
+    <dgm:txFillClrLst meth="repeat">
+      <a:schemeClr val="lt1"/>
+    </dgm:txFillClrLst>
+    <dgm:txEffectClrLst/>
+  </dgm:styleLbl>
+  <dgm:styleLbl name="sibTrans2D1">
+    <dgm:fillClrLst meth="repeat">
+      <a:schemeClr val="accent1">
+        <a:tint val="60000"/>
+      </a:schemeClr>
+    </dgm:fillClrLst>
+    <dgm:linClrLst meth="repeat">
+      <a:schemeClr val="accent1">
+        <a:tint val="60000"/>
+      </a:schemeClr>
+    </dgm:linClrLst>
+    <dgm:effectClrLst/>
+    <dgm:txLinClrLst/>
+    <dgm:txFillClrLst/>
+    <dgm:txEffectClrLst/>
+  </dgm:styleLbl>
+  <dgm:styleLbl name="fgSibTrans2D1">
+    <dgm:fillClrLst meth="repeat">
+      <a:schemeClr val="accent1">
+        <a:tint val="60000"/>
+      </a:schemeClr>
+    </dgm:fillClrLst>
+    <dgm:linClrLst meth="repeat">
+      <a:schemeClr val="accent1">
+        <a:tint val="60000"/>
+      </a:schemeClr>
+    </dgm:linClrLst>
+    <dgm:effectClrLst/>
+    <dgm:txLinClrLst/>
+    <dgm:txFillClrLst/>
+    <dgm:txEffectClrLst/>
+  </dgm:styleLbl>
+  <dgm:styleLbl name="bgSibTrans2D1">
+    <dgm:fillClrLst meth="repeat">
+      <a:schemeClr val="accent1">
+        <a:tint val="60000"/>
+      </a:schemeClr>
+    </dgm:fillClrLst>
+    <dgm:linClrLst meth="repeat">
+      <a:schemeClr val="accent1">
+        <a:tint val="60000"/>
+      </a:schemeClr>
+    </dgm:linClrLst>
+    <dgm:effectClrLst/>
+    <dgm:txLinClrLst/>
+    <dgm:txFillClrLst/>
+    <dgm:txEffectClrLst/>
+  </dgm:styleLbl>
+  <dgm:styleLbl name="sibTrans1D1">
+    <dgm:fillClrLst meth="repeat">
+      <a:schemeClr val="accent1"/>
+    </dgm:fillClrLst>
+    <dgm:linClrLst meth="repeat">
+      <a:schemeClr val="accent1"/>
+    </dgm:linClrLst>
+    <dgm:effectClrLst/>
+    <dgm:txLinClrLst/>
+    <dgm:txFillClrLst meth="repeat">
+      <a:schemeClr val="tx1"/>
+    </dgm:txFillClrLst>
+    <dgm:txEffectClrLst/>
+  </dgm:styleLbl>
+  <dgm:styleLbl name="callout">
+    <dgm:fillClrLst meth="repeat">
+      <a:schemeClr val="accent1"/>
+    </dgm:fillClrLst>
+    <dgm:linClrLst meth="repeat">
+      <a:schemeClr val="accent1">
+        <a:tint val="50000"/>
+      </a:schemeClr>
+    </dgm:linClrLst>
+    <dgm:effectClrLst/>
+    <dgm:txLinClrLst/>
+    <dgm:txFillClrLst meth="repeat">
+      <a:schemeClr val="tx1"/>
+    </dgm:txFillClrLst>
+    <dgm:txEffectClrLst/>
+  </dgm:styleLbl>
+  <dgm:styleLbl name="asst0">
+    <dgm:fillClrLst meth="repeat">
+      <a:schemeClr val="accent1"/>
+    </dgm:fillClrLst>
+    <dgm:linClrLst meth="repeat">
+      <a:schemeClr val="lt1"/>
+    </dgm:linClrLst>
+    <dgm:effectClrLst/>
+    <dgm:txLinClrLst/>
+    <dgm:txFillClrLst/>
+    <dgm:txEffectClrLst/>
+  </dgm:styleLbl>
+  <dgm:styleLbl name="asst1">
+    <dgm:fillClrLst meth="repeat">
+      <a:schemeClr val="accent1"/>
+    </dgm:fillClrLst>
+    <dgm:linClrLst meth="repeat">
+      <a:schemeClr val="lt1"/>
+    </dgm:linClrLst>
+    <dgm:effectClrLst/>
+    <dgm:txLinClrLst/>
+    <dgm:txFillClrLst/>
+    <dgm:txEffectClrLst/>
+  </dgm:styleLbl>
+  <dgm:styleLbl name="asst2">
+    <dgm:fillClrLst meth="repeat">
+      <a:schemeClr val="accent1"/>
+    </dgm:fillClrLst>
+    <dgm:linClrLst meth="repeat">
+      <a:schemeClr val="lt1"/>
+    </dgm:linClrLst>
+    <dgm:effectClrLst/>
+    <dgm:txLinClrLst/>
+    <dgm:txFillClrLst/>
+    <dgm:txEffectClrLst/>
+  </dgm:styleLbl>
+  <dgm:styleLbl name="asst3">
+    <dgm:fillClrLst meth="repeat">
+      <a:schemeClr val="accent1"/>
+    </dgm:fillClrLst>
+    <dgm:linClrLst meth="repeat">
+      <a:schemeClr val="lt1"/>
+    </dgm:linClrLst>
+    <dgm:effectClrLst/>
+    <dgm:txLinClrLst/>
+    <dgm:txFillClrLst/>
+    <dgm:txEffectClrLst/>
+  </dgm:styleLbl>
+  <dgm:styleLbl name="asst4">
+    <dgm:fillClrLst meth="repeat">
+      <a:schemeClr val="accent1"/>
+    </dgm:fillClrLst>
+    <dgm:linClrLst meth="repeat">
+      <a:schemeClr val="lt1"/>
+    </dgm:linClrLst>
+    <dgm:effectClrLst/>
+    <dgm:txLinClrLst/>
+    <dgm:txFillClrLst/>
+    <dgm:txEffectClrLst/>
+  </dgm:styleLbl>
+  <dgm:styleLbl name="parChTrans2D1">
+    <dgm:fillClrLst meth="repeat">
+      <a:schemeClr val="accent1">
+        <a:tint val="60000"/>
+      </a:schemeClr>
+    </dgm:fillClrLst>
+    <dgm:linClrLst meth="repeat">
+      <a:schemeClr val="accent1">
+        <a:tint val="60000"/>
+      </a:schemeClr>
+    </dgm:linClrLst>
+    <dgm:effectClrLst/>
+    <dgm:txLinClrLst/>
+    <dgm:txFillClrLst meth="repeat">
+      <a:schemeClr val="lt1"/>
+    </dgm:txFillClrLst>
+    <dgm:txEffectClrLst/>
+  </dgm:styleLbl>
+  <dgm:styleLbl name="parChTrans2D2">
+    <dgm:fillClrLst meth="repeat">
+      <a:schemeClr val="accent1"/>
+    </dgm:fillClrLst>
+    <dgm:linClrLst meth="repeat">
+      <a:schemeClr val="accent1"/>
+    </dgm:linClrLst>
+    <dgm:effectClrLst/>
+    <dgm:txLinClrLst/>
+    <dgm:txFillClrLst meth="repeat">
+      <a:schemeClr val="lt1"/>
+    </dgm:txFillClrLst>
+    <dgm:txEffectClrLst/>
+  </dgm:styleLbl>
+  <dgm:styleLbl name="parChTrans2D3">
+    <dgm:fillClrLst meth="repeat">
+      <a:schemeClr val="accent1"/>
+    </dgm:fillClrLst>
+    <dgm:linClrLst meth="repeat">
+      <a:schemeClr val="accent1"/>
+    </dgm:linClrLst>
+    <dgm:effectClrLst/>
+    <dgm:txLinClrLst/>
+    <dgm:txFillClrLst meth="repeat">
+      <a:schemeClr val="lt1"/>
+    </dgm:txFillClrLst>
+    <dgm:txEffectClrLst/>
+  </dgm:styleLbl>
+  <dgm:styleLbl name="parChTrans2D4">
+    <dgm:fillClrLst meth="repeat">
+      <a:schemeClr val="accent1"/>
+    </dgm:fillClrLst>
+    <dgm:linClrLst meth="repeat">
+      <a:schemeClr val="accent1"/>
+    </dgm:linClrLst>
+    <dgm:effectClrLst/>
+    <dgm:txLinClrLst/>
+    <dgm:txFillClrLst meth="repeat">
+      <a:schemeClr val="lt1"/>
+    </dgm:txFillClrLst>
+    <dgm:txEffectClrLst/>
+  </dgm:styleLbl>
+  <dgm:styleLbl name="parChTrans1D1">
+    <dgm:fillClrLst meth="repeat">
+      <a:schemeClr val="accent1"/>
+    </dgm:fillClrLst>
+    <dgm:linClrLst meth="repeat">
+      <a:schemeClr val="accent1">
+        <a:shade val="60000"/>
+      </a:schemeClr>
+    </dgm:linClrLst>
+    <dgm:effectClrLst/>
+    <dgm:txLinClrLst/>
+    <dgm:txFillClrLst meth="repeat">
+      <a:schemeClr val="tx1"/>
+    </dgm:txFillClrLst>
+    <dgm:txEffectClrLst/>
+  </dgm:styleLbl>
+  <dgm:styleLbl name="parChTrans1D2">
+    <dgm:fillClrLst meth="repeat">
+      <a:schemeClr val="accent1"/>
+    </dgm:fillClrLst>
+    <dgm:linClrLst meth="repeat">
+      <a:schemeClr val="accent1">
+        <a:shade val="60000"/>
+      </a:schemeClr>
+    </dgm:linClrLst>
+    <dgm:effectClrLst/>
+    <dgm:txLinClrLst/>
+    <dgm:txFillClrLst meth="repeat">
+      <a:schemeClr val="tx1"/>
+    </dgm:txFillClrLst>
+    <dgm:txEffectClrLst/>
+  </dgm:styleLbl>
+  <dgm:styleLbl name="parChTrans1D3">
+    <dgm:fillClrLst meth="repeat">
+      <a:schemeClr val="accent1"/>
+    </dgm:fillClrLst>
+    <dgm:linClrLst meth="repeat">
+      <a:schemeClr val="accent1">
+        <a:shade val="80000"/>
+      </a:schemeClr>
+    </dgm:linClrLst>
+    <dgm:effectClrLst/>
+    <dgm:txLinClrLst/>
+    <dgm:txFillClrLst meth="repeat">
+      <a:schemeClr val="tx1"/>
+    </dgm:txFillClrLst>
+    <dgm:txEffectClrLst/>
+  </dgm:styleLbl>
+  <dgm:styleLbl name="parChTrans1D4">
+    <dgm:fillClrLst meth="repeat">
+      <a:schemeClr val="accent1"/>
+    </dgm:fillClrLst>
+    <dgm:linClrLst meth="repeat">
+      <a:schemeClr val="accent1">
+        <a:shade val="80000"/>
+      </a:schemeClr>
+    </dgm:linClrLst>
+    <dgm:effectClrLst/>
+    <dgm:txLinClrLst/>
+    <dgm:txFillClrLst meth="repeat">
+      <a:schemeClr val="tx1"/>
+    </dgm:txFillClrLst>
+    <dgm:txEffectClrLst/>
+  </dgm:styleLbl>
+  <dgm:styleLbl name="fgAcc1">
+    <dgm:fillClrLst meth="repeat">
+      <a:schemeClr val="lt1">
+        <a:alpha val="90000"/>
+      </a:schemeClr>
+    </dgm:fillClrLst>
+    <dgm:linClrLst meth="repeat">
+      <a:schemeClr val="accent1"/>
+    </dgm:linClrLst>
+    <dgm:effectClrLst/>
+    <dgm:txLinClrLst/>
+    <dgm:txFillClrLst meth="repeat">
+      <a:schemeClr val="dk1"/>
+    </dgm:txFillClrLst>
+    <dgm:txEffectClrLst/>
+  </dgm:styleLbl>
+  <dgm:styleLbl name="conFgAcc1">
+    <dgm:fillClrLst meth="repeat">
+      <a:schemeClr val="lt1">
+        <a:alpha val="90000"/>
+      </a:schemeClr>
+    </dgm:fillClrLst>
+    <dgm:linClrLst meth="repeat">
+      <a:schemeClr val="accent1"/>
+    </dgm:linClrLst>
+    <dgm:effectClrLst/>
+    <dgm:txLinClrLst/>
+    <dgm:txFillClrLst meth="repeat">
+      <a:schemeClr val="dk1"/>
+    </dgm:txFillClrLst>
+    <dgm:txEffectClrLst/>
+  </dgm:styleLbl>
+  <dgm:styleLbl name="alignAcc1">
+    <dgm:fillClrLst meth="repeat">
+      <a:schemeClr val="lt1">
+        <a:alpha val="90000"/>
+      </a:schemeClr>
+    </dgm:fillClrLst>
+    <dgm:linClrLst meth="repeat">
+      <a:schemeClr val="accent1"/>
+    </dgm:linClrLst>
+    <dgm:effectClrLst/>
+    <dgm:txLinClrLst/>
+    <dgm:txFillClrLst meth="repeat">
+      <a:schemeClr val="dk1"/>
+    </dgm:txFillClrLst>
+    <dgm:txEffectClrLst/>
+  </dgm:styleLbl>
+  <dgm:styleLbl name="trAlignAcc1">
+    <dgm:fillClrLst meth="repeat">
+      <a:schemeClr val="lt1">
+        <a:alpha val="40000"/>
+      </a:schemeClr>
+    </dgm:fillClrLst>
+    <dgm:linClrLst meth="repeat">
+      <a:schemeClr val="accent1"/>
+    </dgm:linClrLst>
+    <dgm:effectClrLst/>
+    <dgm:txLinClrLst/>
+    <dgm:txFillClrLst meth="repeat">
+      <a:schemeClr val="dk1"/>
+    </dgm:txFillClrLst>
+    <dgm:txEffectClrLst/>
+  </dgm:styleLbl>
+  <dgm:styleLbl name="bgAcc1">
+    <dgm:fillClrLst meth="repeat">
+      <a:schemeClr val="lt1">
+        <a:alpha val="90000"/>
+      </a:schemeClr>
+    </dgm:fillClrLst>
+    <dgm:linClrLst meth="repeat">
+      <a:schemeClr val="accent1"/>
+    </dgm:linClrLst>
+    <dgm:effectClrLst/>
+    <dgm:txLinClrLst/>
+    <dgm:txFillClrLst meth="repeat">
+      <a:schemeClr val="dk1"/>
+    </dgm:txFillClrLst>
+    <dgm:txEffectClrLst/>
+  </dgm:styleLbl>
+  <dgm:styleLbl name="solidFgAcc1">
+    <dgm:fillClrLst meth="repeat">
+      <a:schemeClr val="lt1"/>
+    </dgm:fillClrLst>
+    <dgm:linClrLst meth="repeat">
+      <a:schemeClr val="accent1"/>
+    </dgm:linClrLst>
+    <dgm:effectClrLst/>
+    <dgm:txLinClrLst/>
+    <dgm:txFillClrLst meth="repeat">
+      <a:schemeClr val="dk1"/>
+    </dgm:txFillClrLst>
+    <dgm:txEffectClrLst/>
+  </dgm:styleLbl>
+  <dgm:styleLbl name="solidAlignAcc1">
+    <dgm:fillClrLst meth="repeat">
+      <a:schemeClr val="lt1"/>
+    </dgm:fillClrLst>
+    <dgm:linClrLst meth="repeat">
+      <a:schemeClr val="accent1"/>
+    </dgm:linClrLst>
+    <dgm:effectClrLst/>
+    <dgm:txLinClrLst/>
+    <dgm:txFillClrLst meth="repeat">
+      <a:schemeClr val="dk1"/>
+    </dgm:txFillClrLst>
+    <dgm:txEffectClrLst/>
+  </dgm:styleLbl>
+  <dgm:styleLbl name="solidBgAcc1">
+    <dgm:fillClrLst meth="repeat">
+      <a:schemeClr val="lt1"/>
+    </dgm:fillClrLst>
+    <dgm:linClrLst meth="repeat">
+      <a:schemeClr val="accent1"/>
+    </dgm:linClrLst>
+    <dgm:effectClrLst/>
+    <dgm:txLinClrLst/>
+    <dgm:txFillClrLst meth="repeat">
+      <a:schemeClr val="dk1"/>
+    </dgm:txFillClrLst>
+    <dgm:txEffectClrLst/>
+  </dgm:styleLbl>
+  <dgm:styleLbl name="fgAccFollowNode1">
+    <dgm:fillClrLst meth="repeat">
+      <a:schemeClr val="accent1">
+        <a:alpha val="90000"/>
+        <a:tint val="40000"/>
+      </a:schemeClr>
+    </dgm:fillClrLst>
+    <dgm:linClrLst meth="repeat">
+      <a:schemeClr val="accent1">
+        <a:alpha val="90000"/>
+        <a:tint val="40000"/>
+      </a:schemeClr>
+    </dgm:linClrLst>
+    <dgm:effectClrLst/>
+    <dgm:txLinClrLst/>
+    <dgm:txFillClrLst meth="repeat">
+      <a:schemeClr val="dk1"/>
+    </dgm:txFillClrLst>
+    <dgm:txEffectClrLst/>
+  </dgm:styleLbl>
+  <dgm:styleLbl name="alignAccFollowNode1">
+    <dgm:fillClrLst meth="repeat">
+      <a:schemeClr val="accent1">
+        <a:alpha val="90000"/>
+        <a:tint val="40000"/>
+      </a:schemeClr>
+    </dgm:fillClrLst>
+    <dgm:linClrLst meth="repeat">
+      <a:schemeClr val="accent1">
+        <a:alpha val="90000"/>
+        <a:tint val="40000"/>
+      </a:schemeClr>
+    </dgm:linClrLst>
+    <dgm:effectClrLst/>
+    <dgm:txLinClrLst/>
+    <dgm:txFillClrLst meth="repeat">
+      <a:schemeClr val="dk1"/>
+    </dgm:txFillClrLst>
+    <dgm:txEffectClrLst/>
+  </dgm:styleLbl>
+  <dgm:styleLbl name="bgAccFollowNode1">
+    <dgm:fillClrLst meth="repeat">
+      <a:schemeClr val="accent1">
+        <a:alpha val="90000"/>
+        <a:tint val="40000"/>
+      </a:schemeClr>
+    </dgm:fillClrLst>
+    <dgm:linClrLst meth="repeat">
+      <a:schemeClr val="accent1">
+        <a:alpha val="90000"/>
+        <a:tint val="40000"/>
+      </a:schemeClr>
+    </dgm:linClrLst>
+    <dgm:effectClrLst/>
+    <dgm:txLinClrLst/>
+    <dgm:txFillClrLst meth="repeat">
+      <a:schemeClr val="dk1"/>
+    </dgm:txFillClrLst>
+    <dgm:txEffectClrLst/>
+  </dgm:styleLbl>
+  <dgm:styleLbl name="fgAcc0">
+    <dgm:fillClrLst meth="repeat">
+      <a:schemeClr val="lt1">
+        <a:alpha val="90000"/>
+      </a:schemeClr>
+    </dgm:fillClrLst>
+    <dgm:linClrLst meth="repeat">
+      <a:schemeClr val="accent1"/>
+    </dgm:linClrLst>
+    <dgm:effectClrLst/>
+    <dgm:txLinClrLst/>
+    <dgm:txFillClrLst meth="repeat">
+      <a:schemeClr val="dk1"/>
+    </dgm:txFillClrLst>
+    <dgm:txEffectClrLst/>
+  </dgm:styleLbl>
+  <dgm:styleLbl name="fgAcc2">
+    <dgm:fillClrLst meth="repeat">
+      <a:schemeClr val="lt1">
+        <a:alpha val="90000"/>
+      </a:schemeClr>
+    </dgm:fillClrLst>
+    <dgm:linClrLst meth="repeat">
+      <a:schemeClr val="accent1"/>
+    </dgm:linClrLst>
+    <dgm:effectClrLst/>
+    <dgm:txLinClrLst/>
+    <dgm:txFillClrLst meth="repeat">
+      <a:schemeClr val="dk1"/>
+    </dgm:txFillClrLst>
+    <dgm:txEffectClrLst/>
+  </dgm:styleLbl>
+  <dgm:styleLbl name="fgAcc3">
+    <dgm:fillClrLst meth="repeat">
+      <a:schemeClr val="lt1">
+        <a:alpha val="90000"/>
+      </a:schemeClr>
+    </dgm:fillClrLst>
+    <dgm:linClrLst meth="repeat">
+      <a:schemeClr val="accent1"/>
+    </dgm:linClrLst>
+    <dgm:effectClrLst/>
+    <dgm:txLinClrLst/>
+    <dgm:txFillClrLst meth="repeat">
+      <a:schemeClr val="dk1"/>
+    </dgm:txFillClrLst>
+    <dgm:txEffectClrLst/>
+  </dgm:styleLbl>
+  <dgm:styleLbl name="fgAcc4">
+    <dgm:fillClrLst meth="repeat">
+      <a:schemeClr val="lt1">
+        <a:alpha val="90000"/>
+      </a:schemeClr>
+    </dgm:fillClrLst>
+    <dgm:linClrLst meth="repeat">
+      <a:schemeClr val="accent1"/>
+    </dgm:linClrLst>
+    <dgm:effectClrLst/>
+    <dgm:txLinClrLst/>
+    <dgm:txFillClrLst meth="repeat">
+      <a:schemeClr val="dk1"/>
+    </dgm:txFillClrLst>
+    <dgm:txEffectClrLst/>
+  </dgm:styleLbl>
+  <dgm:styleLbl name="bgShp">
+    <dgm:fillClrLst meth="repeat">
+      <a:schemeClr val="accent1">
+        <a:tint val="40000"/>
+      </a:schemeClr>
+    </dgm:fillClrLst>
+    <dgm:linClrLst meth="repeat">
+      <a:schemeClr val="accent1"/>
+    </dgm:linClrLst>
+    <dgm:effectClrLst/>
+    <dgm:txLinClrLst/>
+    <dgm:txFillClrLst meth="repeat">
+      <a:schemeClr val="dk1"/>
+    </dgm:txFillClrLst>
+    <dgm:txEffectClrLst/>
+  </dgm:styleLbl>
+  <dgm:styleLbl name="dkBgShp">
+    <dgm:fillClrLst meth="repeat">
+      <a:schemeClr val="accent1">
+        <a:shade val="80000"/>
+      </a:schemeClr>
+    </dgm:fillClrLst>
+    <dgm:linClrLst meth="repeat">
+      <a:schemeClr val="accent1"/>
+    </dgm:linClrLst>
+    <dgm:effectClrLst/>
+    <dgm:txLinClrLst/>
+    <dgm:txFillClrLst meth="repeat">
+      <a:schemeClr val="lt1"/>
+    </dgm:txFillClrLst>
+    <dgm:txEffectClrLst/>
+  </dgm:styleLbl>
+  <dgm:styleLbl name="trBgShp">
+    <dgm:fillClrLst meth="repeat">
+      <a:schemeClr val="accent1">
+        <a:tint val="50000"/>
+        <a:alpha val="40000"/>
+      </a:schemeClr>
+    </dgm:fillClrLst>
+    <dgm:linClrLst meth="repeat">
+      <a:schemeClr val="accent1"/>
+    </dgm:linClrLst>
+    <dgm:effectClrLst/>
+    <dgm:txLinClrLst/>
+    <dgm:txFillClrLst meth="repeat">
+      <a:schemeClr val="lt1"/>
+    </dgm:txFillClrLst>
+    <dgm:txEffectClrLst/>
+  </dgm:styleLbl>
+  <dgm:styleLbl name="fgShp">
+    <dgm:fillClrLst meth="repeat">
+      <a:schemeClr val="accent1">
+        <a:tint val="60000"/>
+      </a:schemeClr>
+    </dgm:fillClrLst>
+    <dgm:linClrLst meth="repeat">
+      <a:schemeClr val="lt1"/>
+    </dgm:linClrLst>
+    <dgm:effectClrLst/>
+    <dgm:txLinClrLst/>
+    <dgm:txFillClrLst meth="repeat">
+      <a:schemeClr val="dk1"/>
+    </dgm:txFillClrLst>
+    <dgm:txEffectClrLst/>
+  </dgm:styleLbl>
+  <dgm:styleLbl name="revTx">
+    <dgm:fillClrLst meth="repeat">
+      <a:schemeClr val="lt1">
+        <a:alpha val="0"/>
+      </a:schemeClr>
+    </dgm:fillClrLst>
+    <dgm:linClrLst meth="repeat">
+      <a:schemeClr val="dk1">
+        <a:alpha val="0"/>
+      </a:schemeClr>
+    </dgm:linClrLst>
+    <dgm:effectClrLst/>
+    <dgm:txLinClrLst/>
+    <dgm:txFillClrLst meth="repeat">
+      <a:schemeClr val="tx1"/>
+    </dgm:txFillClrLst>
+    <dgm:txEffectClrLst/>
+  </dgm:styleLbl>
+</dgm:colorsDef>
+</file>
+
+<file path=ppt/diagrams/colors13.xml><?xml version="1.0" encoding="utf-8"?>
 <dgm:colorsDef xmlns:dgm="http://schemas.openxmlformats.org/drawingml/2006/diagram" xmlns:a="http://schemas.openxmlformats.org/drawingml/2006/main" uniqueId="urn:microsoft.com/office/officeart/2005/8/colors/accent1_2">
   <dgm:title val=""/>
   <dgm:desc val=""/>
@@ -9732,9 +10480,9 @@
     <dgm:cxn modelId="{7CA550D1-96ED-47C4-9C45-3FB23B04874C}" type="presOf" srcId="{F06864E0-5BC0-4994-9709-BD7BB32FA894}" destId="{EAE8508B-A6AF-4A00-952A-6833349E5BE0}" srcOrd="1" destOrd="0" presId="urn:microsoft.com/office/officeart/2005/8/layout/process1"/>
     <dgm:cxn modelId="{C67B728A-18DE-4A72-A954-3DF75BA9EF32}" srcId="{4982E7B9-393C-446A-B868-3225692A2B68}" destId="{60B60E23-6E4E-407F-B85E-D9881A475F60}" srcOrd="2" destOrd="0" parTransId="{0AEDCB28-B3FC-43B4-A5E3-14554B946B61}" sibTransId="{4D0F6C77-3E9C-4F2C-A856-C490A75F7D5F}"/>
     <dgm:cxn modelId="{A94C36C6-D98C-4AB3-A73A-416CAD79EAB2}" type="presOf" srcId="{D5F45D29-FBD4-41DD-800B-D6B5495B67A6}" destId="{FBF22977-56B9-4F58-8148-E198416E40AF}" srcOrd="0" destOrd="0" presId="urn:microsoft.com/office/officeart/2005/8/layout/process1"/>
+    <dgm:cxn modelId="{0477910A-A53C-44FD-98FA-0208604D7D48}" type="presOf" srcId="{4D0F6C77-3E9C-4F2C-A856-C490A75F7D5F}" destId="{A29E33CC-5FF5-409D-B4EB-EE9D8211E277}" srcOrd="1" destOrd="0" presId="urn:microsoft.com/office/officeart/2005/8/layout/process1"/>
     <dgm:cxn modelId="{1125D7C3-9845-4855-9057-092C9713CFE1}" type="presOf" srcId="{4EF3A707-A7A8-4808-87F1-0CBF60594F8E}" destId="{02DD83ED-E236-45CF-B2AC-731129148BE9}" srcOrd="1" destOrd="0" presId="urn:microsoft.com/office/officeart/2005/8/layout/process1"/>
     <dgm:cxn modelId="{BDB70258-2F68-4796-AE58-DB750A99681F}" type="presOf" srcId="{4EF3A707-A7A8-4808-87F1-0CBF60594F8E}" destId="{D406A136-222C-4821-96A6-2A348A3C70A2}" srcOrd="0" destOrd="0" presId="urn:microsoft.com/office/officeart/2005/8/layout/process1"/>
-    <dgm:cxn modelId="{0477910A-A53C-44FD-98FA-0208604D7D48}" type="presOf" srcId="{4D0F6C77-3E9C-4F2C-A856-C490A75F7D5F}" destId="{A29E33CC-5FF5-409D-B4EB-EE9D8211E277}" srcOrd="1" destOrd="0" presId="urn:microsoft.com/office/officeart/2005/8/layout/process1"/>
     <dgm:cxn modelId="{82730BFC-73A6-4AAA-859E-D63E7582F5C3}" srcId="{4982E7B9-393C-446A-B868-3225692A2B68}" destId="{D5F45D29-FBD4-41DD-800B-D6B5495B67A6}" srcOrd="3" destOrd="0" parTransId="{594F3A47-DBA2-4B90-88A8-9DB409C7FB1B}" sibTransId="{961A5643-D233-429A-804D-4FFF9E61CA4E}"/>
     <dgm:cxn modelId="{6DB3ADF8-93DF-44AE-9B79-A5D4B9ED548A}" type="presParOf" srcId="{964E703C-4E8C-4F3D-97D1-30A20012739A}" destId="{1CF4523D-0ED1-455D-9399-3194D9EAFC32}" srcOrd="0" destOrd="0" presId="urn:microsoft.com/office/officeart/2005/8/layout/process1"/>
     <dgm:cxn modelId="{C699C764-ED7D-4943-B499-14AE0E9F1628}" type="presParOf" srcId="{964E703C-4E8C-4F3D-97D1-30A20012739A}" destId="{D406A136-222C-4821-96A6-2A348A3C70A2}" srcOrd="1" destOrd="0" presId="urn:microsoft.com/office/officeart/2005/8/layout/process1"/>
@@ -10090,6 +10838,338 @@
 </file>
 
 <file path=ppt/diagrams/data12.xml><?xml version="1.0" encoding="utf-8"?>
+<dgm:dataModel xmlns:dgm="http://schemas.openxmlformats.org/drawingml/2006/diagram" xmlns:a="http://schemas.openxmlformats.org/drawingml/2006/main">
+  <dgm:ptLst>
+    <dgm:pt modelId="{4982E7B9-393C-446A-B868-3225692A2B68}" type="doc">
+      <dgm:prSet loTypeId="urn:microsoft.com/office/officeart/2005/8/layout/process1" loCatId="process" qsTypeId="urn:microsoft.com/office/officeart/2005/8/quickstyle/simple1" qsCatId="simple" csTypeId="urn:microsoft.com/office/officeart/2005/8/colors/accent1_2" csCatId="accent1" phldr="1"/>
+      <dgm:spPr/>
+    </dgm:pt>
+    <dgm:pt modelId="{EB50046D-788B-4BD6-A2F3-3E91D08D507E}">
+      <dgm:prSet phldrT="[文本]"/>
+      <dgm:spPr/>
+      <dgm:t>
+        <a:bodyPr/>
+        <a:lstStyle/>
+        <a:p>
+          <a:r>
+            <a:rPr lang="zh-CN" altLang="en-US" dirty="0" smtClean="0"/>
+            <a:t>第一部分</a:t>
+          </a:r>
+          <a:endParaRPr lang="zh-CN" altLang="en-US" dirty="0"/>
+        </a:p>
+      </dgm:t>
+    </dgm:pt>
+    <dgm:pt modelId="{C6EC46FF-F766-4DB6-B1CD-E1AAA7C371C4}" type="parTrans" cxnId="{B8D1D8B4-B059-4E42-B42B-6EF6907EA500}">
+      <dgm:prSet/>
+      <dgm:spPr/>
+      <dgm:t>
+        <a:bodyPr/>
+        <a:lstStyle/>
+        <a:p>
+          <a:endParaRPr lang="zh-CN" altLang="en-US"/>
+        </a:p>
+      </dgm:t>
+    </dgm:pt>
+    <dgm:pt modelId="{4EF3A707-A7A8-4808-87F1-0CBF60594F8E}" type="sibTrans" cxnId="{B8D1D8B4-B059-4E42-B42B-6EF6907EA500}">
+      <dgm:prSet/>
+      <dgm:spPr/>
+      <dgm:t>
+        <a:bodyPr/>
+        <a:lstStyle/>
+        <a:p>
+          <a:endParaRPr lang="zh-CN" altLang="en-US"/>
+        </a:p>
+      </dgm:t>
+    </dgm:pt>
+    <dgm:pt modelId="{60B60E23-6E4E-407F-B85E-D9881A475F60}">
+      <dgm:prSet phldrT="[文本]"/>
+      <dgm:spPr>
+        <a:solidFill>
+          <a:srgbClr val="00B0F0"/>
+        </a:solidFill>
+      </dgm:spPr>
+      <dgm:t>
+        <a:bodyPr/>
+        <a:lstStyle/>
+        <a:p>
+          <a:r>
+            <a:rPr lang="zh-CN" altLang="en-US" dirty="0" smtClean="0"/>
+            <a:t>第三部分</a:t>
+          </a:r>
+          <a:endParaRPr lang="zh-CN" altLang="en-US" dirty="0"/>
+        </a:p>
+      </dgm:t>
+    </dgm:pt>
+    <dgm:pt modelId="{0AEDCB28-B3FC-43B4-A5E3-14554B946B61}" type="parTrans" cxnId="{C67B728A-18DE-4A72-A954-3DF75BA9EF32}">
+      <dgm:prSet/>
+      <dgm:spPr/>
+      <dgm:t>
+        <a:bodyPr/>
+        <a:lstStyle/>
+        <a:p>
+          <a:endParaRPr lang="zh-CN" altLang="en-US"/>
+        </a:p>
+      </dgm:t>
+    </dgm:pt>
+    <dgm:pt modelId="{4D0F6C77-3E9C-4F2C-A856-C490A75F7D5F}" type="sibTrans" cxnId="{C67B728A-18DE-4A72-A954-3DF75BA9EF32}">
+      <dgm:prSet/>
+      <dgm:spPr/>
+      <dgm:t>
+        <a:bodyPr/>
+        <a:lstStyle/>
+        <a:p>
+          <a:endParaRPr lang="zh-CN" altLang="en-US"/>
+        </a:p>
+      </dgm:t>
+    </dgm:pt>
+    <dgm:pt modelId="{D5F45D29-FBD4-41DD-800B-D6B5495B67A6}">
+      <dgm:prSet phldrT="[文本]"/>
+      <dgm:spPr/>
+      <dgm:t>
+        <a:bodyPr/>
+        <a:lstStyle/>
+        <a:p>
+          <a:r>
+            <a:rPr lang="zh-CN" altLang="en-US" dirty="0" smtClean="0"/>
+            <a:t>第四部分</a:t>
+          </a:r>
+          <a:endParaRPr lang="zh-CN" altLang="en-US" dirty="0"/>
+        </a:p>
+      </dgm:t>
+    </dgm:pt>
+    <dgm:pt modelId="{594F3A47-DBA2-4B90-88A8-9DB409C7FB1B}" type="parTrans" cxnId="{82730BFC-73A6-4AAA-859E-D63E7582F5C3}">
+      <dgm:prSet/>
+      <dgm:spPr/>
+      <dgm:t>
+        <a:bodyPr/>
+        <a:lstStyle/>
+        <a:p>
+          <a:endParaRPr lang="zh-CN" altLang="en-US"/>
+        </a:p>
+      </dgm:t>
+    </dgm:pt>
+    <dgm:pt modelId="{961A5643-D233-429A-804D-4FFF9E61CA4E}" type="sibTrans" cxnId="{82730BFC-73A6-4AAA-859E-D63E7582F5C3}">
+      <dgm:prSet/>
+      <dgm:spPr/>
+      <dgm:t>
+        <a:bodyPr/>
+        <a:lstStyle/>
+        <a:p>
+          <a:endParaRPr lang="zh-CN" altLang="en-US"/>
+        </a:p>
+      </dgm:t>
+    </dgm:pt>
+    <dgm:pt modelId="{CB4130AF-C34E-41F6-A9D8-857EB96E3FC4}">
+      <dgm:prSet phldrT="[文本]"/>
+      <dgm:spPr/>
+      <dgm:t>
+        <a:bodyPr/>
+        <a:lstStyle/>
+        <a:p>
+          <a:r>
+            <a:rPr lang="zh-CN" altLang="en-US" dirty="0" smtClean="0"/>
+            <a:t>第二部分</a:t>
+          </a:r>
+          <a:endParaRPr lang="zh-CN" altLang="en-US" dirty="0"/>
+        </a:p>
+      </dgm:t>
+    </dgm:pt>
+    <dgm:pt modelId="{712BBC4A-71FD-4C7F-8BD7-5DBECE1E6005}" type="parTrans" cxnId="{AE42133A-0268-4F58-B921-BE6355940847}">
+      <dgm:prSet/>
+      <dgm:spPr/>
+      <dgm:t>
+        <a:bodyPr/>
+        <a:lstStyle/>
+        <a:p>
+          <a:endParaRPr lang="zh-CN" altLang="en-US"/>
+        </a:p>
+      </dgm:t>
+    </dgm:pt>
+    <dgm:pt modelId="{F06864E0-5BC0-4994-9709-BD7BB32FA894}" type="sibTrans" cxnId="{AE42133A-0268-4F58-B921-BE6355940847}">
+      <dgm:prSet/>
+      <dgm:spPr/>
+      <dgm:t>
+        <a:bodyPr/>
+        <a:lstStyle/>
+        <a:p>
+          <a:endParaRPr lang="zh-CN" altLang="en-US"/>
+        </a:p>
+      </dgm:t>
+    </dgm:pt>
+    <dgm:pt modelId="{964E703C-4E8C-4F3D-97D1-30A20012739A}" type="pres">
+      <dgm:prSet presAssocID="{4982E7B9-393C-446A-B868-3225692A2B68}" presName="Name0" presStyleCnt="0">
+        <dgm:presLayoutVars>
+          <dgm:dir/>
+          <dgm:resizeHandles val="exact"/>
+        </dgm:presLayoutVars>
+      </dgm:prSet>
+      <dgm:spPr/>
+    </dgm:pt>
+    <dgm:pt modelId="{1CF4523D-0ED1-455D-9399-3194D9EAFC32}" type="pres">
+      <dgm:prSet presAssocID="{EB50046D-788B-4BD6-A2F3-3E91D08D507E}" presName="node" presStyleLbl="node1" presStyleIdx="0" presStyleCnt="4">
+        <dgm:presLayoutVars>
+          <dgm:bulletEnabled val="1"/>
+        </dgm:presLayoutVars>
+      </dgm:prSet>
+      <dgm:spPr/>
+      <dgm:t>
+        <a:bodyPr/>
+        <a:lstStyle/>
+        <a:p>
+          <a:endParaRPr lang="zh-CN" altLang="en-US"/>
+        </a:p>
+      </dgm:t>
+    </dgm:pt>
+    <dgm:pt modelId="{D406A136-222C-4821-96A6-2A348A3C70A2}" type="pres">
+      <dgm:prSet presAssocID="{4EF3A707-A7A8-4808-87F1-0CBF60594F8E}" presName="sibTrans" presStyleLbl="sibTrans2D1" presStyleIdx="0" presStyleCnt="3"/>
+      <dgm:spPr/>
+      <dgm:t>
+        <a:bodyPr/>
+        <a:lstStyle/>
+        <a:p>
+          <a:endParaRPr lang="zh-CN" altLang="en-US"/>
+        </a:p>
+      </dgm:t>
+    </dgm:pt>
+    <dgm:pt modelId="{02DD83ED-E236-45CF-B2AC-731129148BE9}" type="pres">
+      <dgm:prSet presAssocID="{4EF3A707-A7A8-4808-87F1-0CBF60594F8E}" presName="connectorText" presStyleLbl="sibTrans2D1" presStyleIdx="0" presStyleCnt="3"/>
+      <dgm:spPr/>
+      <dgm:t>
+        <a:bodyPr/>
+        <a:lstStyle/>
+        <a:p>
+          <a:endParaRPr lang="zh-CN" altLang="en-US"/>
+        </a:p>
+      </dgm:t>
+    </dgm:pt>
+    <dgm:pt modelId="{7BD513CC-2B70-40BE-AB8E-2C53908A813D}" type="pres">
+      <dgm:prSet presAssocID="{CB4130AF-C34E-41F6-A9D8-857EB96E3FC4}" presName="node" presStyleLbl="node1" presStyleIdx="1" presStyleCnt="4">
+        <dgm:presLayoutVars>
+          <dgm:bulletEnabled val="1"/>
+        </dgm:presLayoutVars>
+      </dgm:prSet>
+      <dgm:spPr/>
+      <dgm:t>
+        <a:bodyPr/>
+        <a:lstStyle/>
+        <a:p>
+          <a:endParaRPr lang="zh-CN" altLang="en-US"/>
+        </a:p>
+      </dgm:t>
+    </dgm:pt>
+    <dgm:pt modelId="{F4378041-DC71-4D22-8E4B-125FE8972B50}" type="pres">
+      <dgm:prSet presAssocID="{F06864E0-5BC0-4994-9709-BD7BB32FA894}" presName="sibTrans" presStyleLbl="sibTrans2D1" presStyleIdx="1" presStyleCnt="3"/>
+      <dgm:spPr/>
+      <dgm:t>
+        <a:bodyPr/>
+        <a:lstStyle/>
+        <a:p>
+          <a:endParaRPr lang="zh-CN" altLang="en-US"/>
+        </a:p>
+      </dgm:t>
+    </dgm:pt>
+    <dgm:pt modelId="{EAE8508B-A6AF-4A00-952A-6833349E5BE0}" type="pres">
+      <dgm:prSet presAssocID="{F06864E0-5BC0-4994-9709-BD7BB32FA894}" presName="connectorText" presStyleLbl="sibTrans2D1" presStyleIdx="1" presStyleCnt="3"/>
+      <dgm:spPr/>
+      <dgm:t>
+        <a:bodyPr/>
+        <a:lstStyle/>
+        <a:p>
+          <a:endParaRPr lang="zh-CN" altLang="en-US"/>
+        </a:p>
+      </dgm:t>
+    </dgm:pt>
+    <dgm:pt modelId="{4EDC47AE-0D5E-423F-8022-29390D351195}" type="pres">
+      <dgm:prSet presAssocID="{60B60E23-6E4E-407F-B85E-D9881A475F60}" presName="node" presStyleLbl="node1" presStyleIdx="2" presStyleCnt="4">
+        <dgm:presLayoutVars>
+          <dgm:bulletEnabled val="1"/>
+        </dgm:presLayoutVars>
+      </dgm:prSet>
+      <dgm:spPr/>
+      <dgm:t>
+        <a:bodyPr/>
+        <a:lstStyle/>
+        <a:p>
+          <a:endParaRPr lang="zh-CN" altLang="en-US"/>
+        </a:p>
+      </dgm:t>
+    </dgm:pt>
+    <dgm:pt modelId="{6B5D778B-AF11-402D-9C34-0B63FACF9E1B}" type="pres">
+      <dgm:prSet presAssocID="{4D0F6C77-3E9C-4F2C-A856-C490A75F7D5F}" presName="sibTrans" presStyleLbl="sibTrans2D1" presStyleIdx="2" presStyleCnt="3"/>
+      <dgm:spPr/>
+      <dgm:t>
+        <a:bodyPr/>
+        <a:lstStyle/>
+        <a:p>
+          <a:endParaRPr lang="zh-CN" altLang="en-US"/>
+        </a:p>
+      </dgm:t>
+    </dgm:pt>
+    <dgm:pt modelId="{A29E33CC-5FF5-409D-B4EB-EE9D8211E277}" type="pres">
+      <dgm:prSet presAssocID="{4D0F6C77-3E9C-4F2C-A856-C490A75F7D5F}" presName="connectorText" presStyleLbl="sibTrans2D1" presStyleIdx="2" presStyleCnt="3"/>
+      <dgm:spPr/>
+      <dgm:t>
+        <a:bodyPr/>
+        <a:lstStyle/>
+        <a:p>
+          <a:endParaRPr lang="zh-CN" altLang="en-US"/>
+        </a:p>
+      </dgm:t>
+    </dgm:pt>
+    <dgm:pt modelId="{FBF22977-56B9-4F58-8148-E198416E40AF}" type="pres">
+      <dgm:prSet presAssocID="{D5F45D29-FBD4-41DD-800B-D6B5495B67A6}" presName="node" presStyleLbl="node1" presStyleIdx="3" presStyleCnt="4">
+        <dgm:presLayoutVars>
+          <dgm:bulletEnabled val="1"/>
+        </dgm:presLayoutVars>
+      </dgm:prSet>
+      <dgm:spPr/>
+      <dgm:t>
+        <a:bodyPr/>
+        <a:lstStyle/>
+        <a:p>
+          <a:endParaRPr lang="zh-CN" altLang="en-US"/>
+        </a:p>
+      </dgm:t>
+    </dgm:pt>
+  </dgm:ptLst>
+  <dgm:cxnLst>
+    <dgm:cxn modelId="{2B95ACB3-370E-4197-814D-C0945066936B}" type="presOf" srcId="{60B60E23-6E4E-407F-B85E-D9881A475F60}" destId="{4EDC47AE-0D5E-423F-8022-29390D351195}" srcOrd="0" destOrd="0" presId="urn:microsoft.com/office/officeart/2005/8/layout/process1"/>
+    <dgm:cxn modelId="{0300BF6B-F2B6-4A71-AAB0-3E883CFDE1DB}" type="presOf" srcId="{4D0F6C77-3E9C-4F2C-A856-C490A75F7D5F}" destId="{6B5D778B-AF11-402D-9C34-0B63FACF9E1B}" srcOrd="0" destOrd="0" presId="urn:microsoft.com/office/officeart/2005/8/layout/process1"/>
+    <dgm:cxn modelId="{03D7B17B-3F11-4408-A61A-9CA4E9940B2E}" type="presOf" srcId="{EB50046D-788B-4BD6-A2F3-3E91D08D507E}" destId="{1CF4523D-0ED1-455D-9399-3194D9EAFC32}" srcOrd="0" destOrd="0" presId="urn:microsoft.com/office/officeart/2005/8/layout/process1"/>
+    <dgm:cxn modelId="{6C99EC54-DD61-41D5-A61B-44E0E24161BC}" type="presOf" srcId="{CB4130AF-C34E-41F6-A9D8-857EB96E3FC4}" destId="{7BD513CC-2B70-40BE-AB8E-2C53908A813D}" srcOrd="0" destOrd="0" presId="urn:microsoft.com/office/officeart/2005/8/layout/process1"/>
+    <dgm:cxn modelId="{98E22585-0098-4E51-BAD0-29119EA47653}" type="presOf" srcId="{4982E7B9-393C-446A-B868-3225692A2B68}" destId="{964E703C-4E8C-4F3D-97D1-30A20012739A}" srcOrd="0" destOrd="0" presId="urn:microsoft.com/office/officeart/2005/8/layout/process1"/>
+    <dgm:cxn modelId="{510CA856-F15C-4410-A585-6D31285F7600}" type="presOf" srcId="{F06864E0-5BC0-4994-9709-BD7BB32FA894}" destId="{F4378041-DC71-4D22-8E4B-125FE8972B50}" srcOrd="0" destOrd="0" presId="urn:microsoft.com/office/officeart/2005/8/layout/process1"/>
+    <dgm:cxn modelId="{AE42133A-0268-4F58-B921-BE6355940847}" srcId="{4982E7B9-393C-446A-B868-3225692A2B68}" destId="{CB4130AF-C34E-41F6-A9D8-857EB96E3FC4}" srcOrd="1" destOrd="0" parTransId="{712BBC4A-71FD-4C7F-8BD7-5DBECE1E6005}" sibTransId="{F06864E0-5BC0-4994-9709-BD7BB32FA894}"/>
+    <dgm:cxn modelId="{B8D1D8B4-B059-4E42-B42B-6EF6907EA500}" srcId="{4982E7B9-393C-446A-B868-3225692A2B68}" destId="{EB50046D-788B-4BD6-A2F3-3E91D08D507E}" srcOrd="0" destOrd="0" parTransId="{C6EC46FF-F766-4DB6-B1CD-E1AAA7C371C4}" sibTransId="{4EF3A707-A7A8-4808-87F1-0CBF60594F8E}"/>
+    <dgm:cxn modelId="{7CA550D1-96ED-47C4-9C45-3FB23B04874C}" type="presOf" srcId="{F06864E0-5BC0-4994-9709-BD7BB32FA894}" destId="{EAE8508B-A6AF-4A00-952A-6833349E5BE0}" srcOrd="1" destOrd="0" presId="urn:microsoft.com/office/officeart/2005/8/layout/process1"/>
+    <dgm:cxn modelId="{C67B728A-18DE-4A72-A954-3DF75BA9EF32}" srcId="{4982E7B9-393C-446A-B868-3225692A2B68}" destId="{60B60E23-6E4E-407F-B85E-D9881A475F60}" srcOrd="2" destOrd="0" parTransId="{0AEDCB28-B3FC-43B4-A5E3-14554B946B61}" sibTransId="{4D0F6C77-3E9C-4F2C-A856-C490A75F7D5F}"/>
+    <dgm:cxn modelId="{A94C36C6-D98C-4AB3-A73A-416CAD79EAB2}" type="presOf" srcId="{D5F45D29-FBD4-41DD-800B-D6B5495B67A6}" destId="{FBF22977-56B9-4F58-8148-E198416E40AF}" srcOrd="0" destOrd="0" presId="urn:microsoft.com/office/officeart/2005/8/layout/process1"/>
+    <dgm:cxn modelId="{1125D7C3-9845-4855-9057-092C9713CFE1}" type="presOf" srcId="{4EF3A707-A7A8-4808-87F1-0CBF60594F8E}" destId="{02DD83ED-E236-45CF-B2AC-731129148BE9}" srcOrd="1" destOrd="0" presId="urn:microsoft.com/office/officeart/2005/8/layout/process1"/>
+    <dgm:cxn modelId="{BDB70258-2F68-4796-AE58-DB750A99681F}" type="presOf" srcId="{4EF3A707-A7A8-4808-87F1-0CBF60594F8E}" destId="{D406A136-222C-4821-96A6-2A348A3C70A2}" srcOrd="0" destOrd="0" presId="urn:microsoft.com/office/officeart/2005/8/layout/process1"/>
+    <dgm:cxn modelId="{0477910A-A53C-44FD-98FA-0208604D7D48}" type="presOf" srcId="{4D0F6C77-3E9C-4F2C-A856-C490A75F7D5F}" destId="{A29E33CC-5FF5-409D-B4EB-EE9D8211E277}" srcOrd="1" destOrd="0" presId="urn:microsoft.com/office/officeart/2005/8/layout/process1"/>
+    <dgm:cxn modelId="{82730BFC-73A6-4AAA-859E-D63E7582F5C3}" srcId="{4982E7B9-393C-446A-B868-3225692A2B68}" destId="{D5F45D29-FBD4-41DD-800B-D6B5495B67A6}" srcOrd="3" destOrd="0" parTransId="{594F3A47-DBA2-4B90-88A8-9DB409C7FB1B}" sibTransId="{961A5643-D233-429A-804D-4FFF9E61CA4E}"/>
+    <dgm:cxn modelId="{6DB3ADF8-93DF-44AE-9B79-A5D4B9ED548A}" type="presParOf" srcId="{964E703C-4E8C-4F3D-97D1-30A20012739A}" destId="{1CF4523D-0ED1-455D-9399-3194D9EAFC32}" srcOrd="0" destOrd="0" presId="urn:microsoft.com/office/officeart/2005/8/layout/process1"/>
+    <dgm:cxn modelId="{C699C764-ED7D-4943-B499-14AE0E9F1628}" type="presParOf" srcId="{964E703C-4E8C-4F3D-97D1-30A20012739A}" destId="{D406A136-222C-4821-96A6-2A348A3C70A2}" srcOrd="1" destOrd="0" presId="urn:microsoft.com/office/officeart/2005/8/layout/process1"/>
+    <dgm:cxn modelId="{0FFC4EEC-9190-49CE-81AD-A06E31165A03}" type="presParOf" srcId="{D406A136-222C-4821-96A6-2A348A3C70A2}" destId="{02DD83ED-E236-45CF-B2AC-731129148BE9}" srcOrd="0" destOrd="0" presId="urn:microsoft.com/office/officeart/2005/8/layout/process1"/>
+    <dgm:cxn modelId="{FBC89B77-8E9D-4980-A305-767865EC4715}" type="presParOf" srcId="{964E703C-4E8C-4F3D-97D1-30A20012739A}" destId="{7BD513CC-2B70-40BE-AB8E-2C53908A813D}" srcOrd="2" destOrd="0" presId="urn:microsoft.com/office/officeart/2005/8/layout/process1"/>
+    <dgm:cxn modelId="{B45D058C-2702-4E87-8F11-A5159572D360}" type="presParOf" srcId="{964E703C-4E8C-4F3D-97D1-30A20012739A}" destId="{F4378041-DC71-4D22-8E4B-125FE8972B50}" srcOrd="3" destOrd="0" presId="urn:microsoft.com/office/officeart/2005/8/layout/process1"/>
+    <dgm:cxn modelId="{8E273422-B1AC-4078-BEE0-3818A9F85207}" type="presParOf" srcId="{F4378041-DC71-4D22-8E4B-125FE8972B50}" destId="{EAE8508B-A6AF-4A00-952A-6833349E5BE0}" srcOrd="0" destOrd="0" presId="urn:microsoft.com/office/officeart/2005/8/layout/process1"/>
+    <dgm:cxn modelId="{E883B382-7E0E-4296-A3C5-22F8156846F5}" type="presParOf" srcId="{964E703C-4E8C-4F3D-97D1-30A20012739A}" destId="{4EDC47AE-0D5E-423F-8022-29390D351195}" srcOrd="4" destOrd="0" presId="urn:microsoft.com/office/officeart/2005/8/layout/process1"/>
+    <dgm:cxn modelId="{53FD092D-4E0E-4CCC-A97E-54F8B9343817}" type="presParOf" srcId="{964E703C-4E8C-4F3D-97D1-30A20012739A}" destId="{6B5D778B-AF11-402D-9C34-0B63FACF9E1B}" srcOrd="5" destOrd="0" presId="urn:microsoft.com/office/officeart/2005/8/layout/process1"/>
+    <dgm:cxn modelId="{5F6114F7-0A18-4AC5-BF70-B6F36E7EE0D4}" type="presParOf" srcId="{6B5D778B-AF11-402D-9C34-0B63FACF9E1B}" destId="{A29E33CC-5FF5-409D-B4EB-EE9D8211E277}" srcOrd="0" destOrd="0" presId="urn:microsoft.com/office/officeart/2005/8/layout/process1"/>
+    <dgm:cxn modelId="{89467CD9-F952-4D05-9467-4CBFF531FB0C}" type="presParOf" srcId="{964E703C-4E8C-4F3D-97D1-30A20012739A}" destId="{FBF22977-56B9-4F58-8148-E198416E40AF}" srcOrd="6" destOrd="0" presId="urn:microsoft.com/office/officeart/2005/8/layout/process1"/>
+  </dgm:cxnLst>
+  <dgm:bg/>
+  <dgm:whole/>
+  <dgm:extLst>
+    <a:ext uri="http://schemas.microsoft.com/office/drawing/2008/diagram">
+      <dsp:dataModelExt xmlns:dsp="http://schemas.microsoft.com/office/drawing/2008/diagram" relId="rId7" minVer="http://schemas.openxmlformats.org/drawingml/2006/diagram"/>
+    </a:ext>
+  </dgm:extLst>
+</dgm:dataModel>
+</file>
+
+<file path=ppt/diagrams/data13.xml><?xml version="1.0" encoding="utf-8"?>
 <dgm:dataModel xmlns:dgm="http://schemas.openxmlformats.org/drawingml/2006/diagram" xmlns:a="http://schemas.openxmlformats.org/drawingml/2006/main">
   <dgm:ptLst>
     <dgm:pt modelId="{4982E7B9-393C-446A-B868-3225692A2B68}" type="doc">
@@ -10728,9 +11808,9 @@
     <dgm:cxn modelId="{7CA550D1-96ED-47C4-9C45-3FB23B04874C}" type="presOf" srcId="{F06864E0-5BC0-4994-9709-BD7BB32FA894}" destId="{EAE8508B-A6AF-4A00-952A-6833349E5BE0}" srcOrd="1" destOrd="0" presId="urn:microsoft.com/office/officeart/2005/8/layout/process1"/>
     <dgm:cxn modelId="{C67B728A-18DE-4A72-A954-3DF75BA9EF32}" srcId="{4982E7B9-393C-446A-B868-3225692A2B68}" destId="{60B60E23-6E4E-407F-B85E-D9881A475F60}" srcOrd="2" destOrd="0" parTransId="{0AEDCB28-B3FC-43B4-A5E3-14554B946B61}" sibTransId="{4D0F6C77-3E9C-4F2C-A856-C490A75F7D5F}"/>
     <dgm:cxn modelId="{A94C36C6-D98C-4AB3-A73A-416CAD79EAB2}" type="presOf" srcId="{D5F45D29-FBD4-41DD-800B-D6B5495B67A6}" destId="{FBF22977-56B9-4F58-8148-E198416E40AF}" srcOrd="0" destOrd="0" presId="urn:microsoft.com/office/officeart/2005/8/layout/process1"/>
-    <dgm:cxn modelId="{0477910A-A53C-44FD-98FA-0208604D7D48}" type="presOf" srcId="{4D0F6C77-3E9C-4F2C-A856-C490A75F7D5F}" destId="{A29E33CC-5FF5-409D-B4EB-EE9D8211E277}" srcOrd="1" destOrd="0" presId="urn:microsoft.com/office/officeart/2005/8/layout/process1"/>
     <dgm:cxn modelId="{1125D7C3-9845-4855-9057-092C9713CFE1}" type="presOf" srcId="{4EF3A707-A7A8-4808-87F1-0CBF60594F8E}" destId="{02DD83ED-E236-45CF-B2AC-731129148BE9}" srcOrd="1" destOrd="0" presId="urn:microsoft.com/office/officeart/2005/8/layout/process1"/>
     <dgm:cxn modelId="{BDB70258-2F68-4796-AE58-DB750A99681F}" type="presOf" srcId="{4EF3A707-A7A8-4808-87F1-0CBF60594F8E}" destId="{D406A136-222C-4821-96A6-2A348A3C70A2}" srcOrd="0" destOrd="0" presId="urn:microsoft.com/office/officeart/2005/8/layout/process1"/>
+    <dgm:cxn modelId="{0477910A-A53C-44FD-98FA-0208604D7D48}" type="presOf" srcId="{4D0F6C77-3E9C-4F2C-A856-C490A75F7D5F}" destId="{A29E33CC-5FF5-409D-B4EB-EE9D8211E277}" srcOrd="1" destOrd="0" presId="urn:microsoft.com/office/officeart/2005/8/layout/process1"/>
     <dgm:cxn modelId="{82730BFC-73A6-4AAA-859E-D63E7582F5C3}" srcId="{4982E7B9-393C-446A-B868-3225692A2B68}" destId="{D5F45D29-FBD4-41DD-800B-D6B5495B67A6}" srcOrd="3" destOrd="0" parTransId="{594F3A47-DBA2-4B90-88A8-9DB409C7FB1B}" sibTransId="{961A5643-D233-429A-804D-4FFF9E61CA4E}"/>
     <dgm:cxn modelId="{6DB3ADF8-93DF-44AE-9B79-A5D4B9ED548A}" type="presParOf" srcId="{964E703C-4E8C-4F3D-97D1-30A20012739A}" destId="{1CF4523D-0ED1-455D-9399-3194D9EAFC32}" srcOrd="0" destOrd="0" presId="urn:microsoft.com/office/officeart/2005/8/layout/process1"/>
     <dgm:cxn modelId="{C699C764-ED7D-4943-B499-14AE0E9F1628}" type="presParOf" srcId="{964E703C-4E8C-4F3D-97D1-30A20012739A}" destId="{D406A136-222C-4821-96A6-2A348A3C70A2}" srcOrd="1" destOrd="0" presId="urn:microsoft.com/office/officeart/2005/8/layout/process1"/>
@@ -14274,7 +15354,7 @@
         </a:bodyPr>
         <a:lstStyle/>
         <a:p>
-          <a:pPr lvl="0" algn="ctr" defTabSz="622300">
+          <a:pPr lvl="0" algn="ctr" defTabSz="488950">
             <a:lnSpc>
               <a:spcPct val="90000"/>
             </a:lnSpc>
@@ -14285,7 +15365,7 @@
               <a:spcPct val="35000"/>
             </a:spcAft>
           </a:pPr>
-          <a:endParaRPr lang="zh-CN" altLang="en-US" sz="1400" kern="1200"/>
+          <a:endParaRPr lang="zh-CN" altLang="en-US" sz="1100" kern="1200"/>
         </a:p>
       </dsp:txBody>
       <dsp:txXfrm>
@@ -14422,7 +15502,7 @@
         </a:bodyPr>
         <a:lstStyle/>
         <a:p>
-          <a:pPr lvl="0" algn="ctr" defTabSz="622300">
+          <a:pPr lvl="0" algn="ctr" defTabSz="488950">
             <a:lnSpc>
               <a:spcPct val="90000"/>
             </a:lnSpc>
@@ -14433,7 +15513,7 @@
               <a:spcPct val="35000"/>
             </a:spcAft>
           </a:pPr>
-          <a:endParaRPr lang="zh-CN" altLang="en-US" sz="1400" kern="1200"/>
+          <a:endParaRPr lang="zh-CN" altLang="en-US" sz="1100" kern="1200"/>
         </a:p>
       </dsp:txBody>
       <dsp:txXfrm>
@@ -14565,7 +15645,7 @@
         </a:bodyPr>
         <a:lstStyle/>
         <a:p>
-          <a:pPr lvl="0" algn="ctr" defTabSz="622300">
+          <a:pPr lvl="0" algn="ctr" defTabSz="488950">
             <a:lnSpc>
               <a:spcPct val="90000"/>
             </a:lnSpc>
@@ -14576,7 +15656,7 @@
               <a:spcPct val="35000"/>
             </a:spcAft>
           </a:pPr>
-          <a:endParaRPr lang="zh-CN" altLang="en-US" sz="1400" kern="1200"/>
+          <a:endParaRPr lang="zh-CN" altLang="en-US" sz="1100" kern="1200"/>
         </a:p>
       </dsp:txBody>
       <dsp:txXfrm>
@@ -14804,7 +15884,7 @@
         </a:bodyPr>
         <a:lstStyle/>
         <a:p>
-          <a:pPr lvl="0" algn="ctr" defTabSz="622300">
+          <a:pPr lvl="0" algn="ctr" defTabSz="488950">
             <a:lnSpc>
               <a:spcPct val="90000"/>
             </a:lnSpc>
@@ -14815,7 +15895,7 @@
               <a:spcPct val="35000"/>
             </a:spcAft>
           </a:pPr>
-          <a:endParaRPr lang="zh-CN" altLang="en-US" sz="1400" kern="1200"/>
+          <a:endParaRPr lang="zh-CN" altLang="en-US" sz="1100" kern="1200"/>
         </a:p>
       </dsp:txBody>
       <dsp:txXfrm>
@@ -14952,7 +16032,7 @@
         </a:bodyPr>
         <a:lstStyle/>
         <a:p>
-          <a:pPr lvl="0" algn="ctr" defTabSz="622300">
+          <a:pPr lvl="0" algn="ctr" defTabSz="488950">
             <a:lnSpc>
               <a:spcPct val="90000"/>
             </a:lnSpc>
@@ -14963,7 +16043,537 @@
               <a:spcPct val="35000"/>
             </a:spcAft>
           </a:pPr>
-          <a:endParaRPr lang="zh-CN" altLang="en-US" sz="1400" kern="1200"/>
+          <a:endParaRPr lang="zh-CN" altLang="en-US" sz="1100" kern="1200"/>
+        </a:p>
+      </dsp:txBody>
+      <dsp:txXfrm>
+        <a:off x="2633991" y="134460"/>
+        <a:ext cx="156211" cy="156631"/>
+      </dsp:txXfrm>
+    </dsp:sp>
+    <dsp:sp modelId="{4EDC47AE-0D5E-423F-8022-29390D351195}">
+      <dsp:nvSpPr>
+        <dsp:cNvPr id="0" name=""/>
+        <dsp:cNvSpPr/>
+      </dsp:nvSpPr>
+      <dsp:spPr>
+        <a:xfrm>
+          <a:off x="2949781" y="0"/>
+          <a:ext cx="1052633" cy="425552"/>
+        </a:xfrm>
+        <a:prstGeom prst="roundRect">
+          <a:avLst>
+            <a:gd name="adj" fmla="val 10000"/>
+          </a:avLst>
+        </a:prstGeom>
+        <a:solidFill>
+          <a:srgbClr val="00B0F0"/>
+        </a:solidFill>
+        <a:ln w="19050" cap="rnd" cmpd="sng" algn="ctr">
+          <a:solidFill>
+            <a:schemeClr val="lt1">
+              <a:hueOff val="0"/>
+              <a:satOff val="0"/>
+              <a:lumOff val="0"/>
+              <a:alphaOff val="0"/>
+            </a:schemeClr>
+          </a:solidFill>
+          <a:prstDash val="solid"/>
+        </a:ln>
+        <a:effectLst/>
+      </dsp:spPr>
+      <dsp:style>
+        <a:lnRef idx="2">
+          <a:scrgbClr r="0" g="0" b="0"/>
+        </a:lnRef>
+        <a:fillRef idx="1">
+          <a:scrgbClr r="0" g="0" b="0"/>
+        </a:fillRef>
+        <a:effectRef idx="0">
+          <a:scrgbClr r="0" g="0" b="0"/>
+        </a:effectRef>
+        <a:fontRef idx="minor">
+          <a:schemeClr val="lt1"/>
+        </a:fontRef>
+      </dsp:style>
+      <dsp:txBody>
+        <a:bodyPr spcFirstLastPara="0" vert="horz" wrap="square" lIns="64770" tIns="64770" rIns="64770" bIns="64770" numCol="1" spcCol="1270" anchor="ctr" anchorCtr="0">
+          <a:noAutofit/>
+        </a:bodyPr>
+        <a:lstStyle/>
+        <a:p>
+          <a:pPr lvl="0" algn="ctr" defTabSz="755650">
+            <a:lnSpc>
+              <a:spcPct val="90000"/>
+            </a:lnSpc>
+            <a:spcBef>
+              <a:spcPct val="0"/>
+            </a:spcBef>
+            <a:spcAft>
+              <a:spcPct val="35000"/>
+            </a:spcAft>
+          </a:pPr>
+          <a:r>
+            <a:rPr lang="zh-CN" altLang="en-US" sz="1700" kern="1200" dirty="0" smtClean="0"/>
+            <a:t>第三部分</a:t>
+          </a:r>
+          <a:endParaRPr lang="zh-CN" altLang="en-US" sz="1700" kern="1200" dirty="0"/>
+        </a:p>
+      </dsp:txBody>
+      <dsp:txXfrm>
+        <a:off x="2962245" y="12464"/>
+        <a:ext cx="1027705" cy="400624"/>
+      </dsp:txXfrm>
+    </dsp:sp>
+    <dsp:sp modelId="{6B5D778B-AF11-402D-9C34-0B63FACF9E1B}">
+      <dsp:nvSpPr>
+        <dsp:cNvPr id="0" name=""/>
+        <dsp:cNvSpPr/>
+      </dsp:nvSpPr>
+      <dsp:spPr>
+        <a:xfrm>
+          <a:off x="4107677" y="82249"/>
+          <a:ext cx="223158" cy="261053"/>
+        </a:xfrm>
+        <a:prstGeom prst="rightArrow">
+          <a:avLst>
+            <a:gd name="adj1" fmla="val 60000"/>
+            <a:gd name="adj2" fmla="val 50000"/>
+          </a:avLst>
+        </a:prstGeom>
+        <a:solidFill>
+          <a:schemeClr val="accent1">
+            <a:tint val="60000"/>
+            <a:hueOff val="0"/>
+            <a:satOff val="0"/>
+            <a:lumOff val="0"/>
+            <a:alphaOff val="0"/>
+          </a:schemeClr>
+        </a:solidFill>
+        <a:ln>
+          <a:noFill/>
+        </a:ln>
+        <a:effectLst/>
+      </dsp:spPr>
+      <dsp:style>
+        <a:lnRef idx="0">
+          <a:scrgbClr r="0" g="0" b="0"/>
+        </a:lnRef>
+        <a:fillRef idx="1">
+          <a:scrgbClr r="0" g="0" b="0"/>
+        </a:fillRef>
+        <a:effectRef idx="0">
+          <a:scrgbClr r="0" g="0" b="0"/>
+        </a:effectRef>
+        <a:fontRef idx="minor">
+          <a:schemeClr val="lt1"/>
+        </a:fontRef>
+      </dsp:style>
+      <dsp:txBody>
+        <a:bodyPr spcFirstLastPara="0" vert="horz" wrap="square" lIns="0" tIns="0" rIns="0" bIns="0" numCol="1" spcCol="1270" anchor="ctr" anchorCtr="0">
+          <a:noAutofit/>
+        </a:bodyPr>
+        <a:lstStyle/>
+        <a:p>
+          <a:pPr lvl="0" algn="ctr" defTabSz="488950">
+            <a:lnSpc>
+              <a:spcPct val="90000"/>
+            </a:lnSpc>
+            <a:spcBef>
+              <a:spcPct val="0"/>
+            </a:spcBef>
+            <a:spcAft>
+              <a:spcPct val="35000"/>
+            </a:spcAft>
+          </a:pPr>
+          <a:endParaRPr lang="zh-CN" altLang="en-US" sz="1100" kern="1200"/>
+        </a:p>
+      </dsp:txBody>
+      <dsp:txXfrm>
+        <a:off x="4107677" y="134460"/>
+        <a:ext cx="156211" cy="156631"/>
+      </dsp:txXfrm>
+    </dsp:sp>
+    <dsp:sp modelId="{FBF22977-56B9-4F58-8148-E198416E40AF}">
+      <dsp:nvSpPr>
+        <dsp:cNvPr id="0" name=""/>
+        <dsp:cNvSpPr/>
+      </dsp:nvSpPr>
+      <dsp:spPr>
+        <a:xfrm>
+          <a:off x="4423468" y="0"/>
+          <a:ext cx="1052633" cy="425552"/>
+        </a:xfrm>
+        <a:prstGeom prst="roundRect">
+          <a:avLst>
+            <a:gd name="adj" fmla="val 10000"/>
+          </a:avLst>
+        </a:prstGeom>
+        <a:solidFill>
+          <a:schemeClr val="accent1">
+            <a:hueOff val="0"/>
+            <a:satOff val="0"/>
+            <a:lumOff val="0"/>
+            <a:alphaOff val="0"/>
+          </a:schemeClr>
+        </a:solidFill>
+        <a:ln w="19050" cap="rnd" cmpd="sng" algn="ctr">
+          <a:solidFill>
+            <a:schemeClr val="lt1">
+              <a:hueOff val="0"/>
+              <a:satOff val="0"/>
+              <a:lumOff val="0"/>
+              <a:alphaOff val="0"/>
+            </a:schemeClr>
+          </a:solidFill>
+          <a:prstDash val="solid"/>
+        </a:ln>
+        <a:effectLst/>
+      </dsp:spPr>
+      <dsp:style>
+        <a:lnRef idx="2">
+          <a:scrgbClr r="0" g="0" b="0"/>
+        </a:lnRef>
+        <a:fillRef idx="1">
+          <a:scrgbClr r="0" g="0" b="0"/>
+        </a:fillRef>
+        <a:effectRef idx="0">
+          <a:scrgbClr r="0" g="0" b="0"/>
+        </a:effectRef>
+        <a:fontRef idx="minor">
+          <a:schemeClr val="lt1"/>
+        </a:fontRef>
+      </dsp:style>
+      <dsp:txBody>
+        <a:bodyPr spcFirstLastPara="0" vert="horz" wrap="square" lIns="64770" tIns="64770" rIns="64770" bIns="64770" numCol="1" spcCol="1270" anchor="ctr" anchorCtr="0">
+          <a:noAutofit/>
+        </a:bodyPr>
+        <a:lstStyle/>
+        <a:p>
+          <a:pPr lvl="0" algn="ctr" defTabSz="755650">
+            <a:lnSpc>
+              <a:spcPct val="90000"/>
+            </a:lnSpc>
+            <a:spcBef>
+              <a:spcPct val="0"/>
+            </a:spcBef>
+            <a:spcAft>
+              <a:spcPct val="35000"/>
+            </a:spcAft>
+          </a:pPr>
+          <a:r>
+            <a:rPr lang="zh-CN" altLang="en-US" sz="1700" kern="1200" dirty="0" smtClean="0"/>
+            <a:t>第四部分</a:t>
+          </a:r>
+          <a:endParaRPr lang="zh-CN" altLang="en-US" sz="1700" kern="1200" dirty="0"/>
+        </a:p>
+      </dsp:txBody>
+      <dsp:txXfrm>
+        <a:off x="4435932" y="12464"/>
+        <a:ext cx="1027705" cy="400624"/>
+      </dsp:txXfrm>
+    </dsp:sp>
+  </dsp:spTree>
+</dsp:drawing>
+</file>
+
+<file path=ppt/diagrams/drawing13.xml><?xml version="1.0" encoding="utf-8"?>
+<dsp:drawing xmlns:dgm="http://schemas.openxmlformats.org/drawingml/2006/diagram" xmlns:dsp="http://schemas.microsoft.com/office/drawing/2008/diagram" xmlns:a="http://schemas.openxmlformats.org/drawingml/2006/main">
+  <dsp:spTree>
+    <dsp:nvGrpSpPr>
+      <dsp:cNvPr id="0" name=""/>
+      <dsp:cNvGrpSpPr/>
+    </dsp:nvGrpSpPr>
+    <dsp:grpSpPr/>
+    <dsp:sp modelId="{1CF4523D-0ED1-455D-9399-3194D9EAFC32}">
+      <dsp:nvSpPr>
+        <dsp:cNvPr id="0" name=""/>
+        <dsp:cNvSpPr/>
+      </dsp:nvSpPr>
+      <dsp:spPr>
+        <a:xfrm>
+          <a:off x="2407" y="0"/>
+          <a:ext cx="1052633" cy="425552"/>
+        </a:xfrm>
+        <a:prstGeom prst="roundRect">
+          <a:avLst>
+            <a:gd name="adj" fmla="val 10000"/>
+          </a:avLst>
+        </a:prstGeom>
+        <a:solidFill>
+          <a:schemeClr val="accent1">
+            <a:hueOff val="0"/>
+            <a:satOff val="0"/>
+            <a:lumOff val="0"/>
+            <a:alphaOff val="0"/>
+          </a:schemeClr>
+        </a:solidFill>
+        <a:ln w="19050" cap="rnd" cmpd="sng" algn="ctr">
+          <a:solidFill>
+            <a:schemeClr val="lt1">
+              <a:hueOff val="0"/>
+              <a:satOff val="0"/>
+              <a:lumOff val="0"/>
+              <a:alphaOff val="0"/>
+            </a:schemeClr>
+          </a:solidFill>
+          <a:prstDash val="solid"/>
+        </a:ln>
+        <a:effectLst/>
+      </dsp:spPr>
+      <dsp:style>
+        <a:lnRef idx="2">
+          <a:scrgbClr r="0" g="0" b="0"/>
+        </a:lnRef>
+        <a:fillRef idx="1">
+          <a:scrgbClr r="0" g="0" b="0"/>
+        </a:fillRef>
+        <a:effectRef idx="0">
+          <a:scrgbClr r="0" g="0" b="0"/>
+        </a:effectRef>
+        <a:fontRef idx="minor">
+          <a:schemeClr val="lt1"/>
+        </a:fontRef>
+      </dsp:style>
+      <dsp:txBody>
+        <a:bodyPr spcFirstLastPara="0" vert="horz" wrap="square" lIns="64770" tIns="64770" rIns="64770" bIns="64770" numCol="1" spcCol="1270" anchor="ctr" anchorCtr="0">
+          <a:noAutofit/>
+        </a:bodyPr>
+        <a:lstStyle/>
+        <a:p>
+          <a:pPr lvl="0" algn="ctr" defTabSz="755650">
+            <a:lnSpc>
+              <a:spcPct val="90000"/>
+            </a:lnSpc>
+            <a:spcBef>
+              <a:spcPct val="0"/>
+            </a:spcBef>
+            <a:spcAft>
+              <a:spcPct val="35000"/>
+            </a:spcAft>
+          </a:pPr>
+          <a:r>
+            <a:rPr lang="zh-CN" altLang="en-US" sz="1700" kern="1200" dirty="0" smtClean="0"/>
+            <a:t>第一部分</a:t>
+          </a:r>
+          <a:endParaRPr lang="zh-CN" altLang="en-US" sz="1700" kern="1200" dirty="0"/>
+        </a:p>
+      </dsp:txBody>
+      <dsp:txXfrm>
+        <a:off x="14871" y="12464"/>
+        <a:ext cx="1027705" cy="400624"/>
+      </dsp:txXfrm>
+    </dsp:sp>
+    <dsp:sp modelId="{D406A136-222C-4821-96A6-2A348A3C70A2}">
+      <dsp:nvSpPr>
+        <dsp:cNvPr id="0" name=""/>
+        <dsp:cNvSpPr/>
+      </dsp:nvSpPr>
+      <dsp:spPr>
+        <a:xfrm>
+          <a:off x="1160304" y="82249"/>
+          <a:ext cx="223158" cy="261053"/>
+        </a:xfrm>
+        <a:prstGeom prst="rightArrow">
+          <a:avLst>
+            <a:gd name="adj1" fmla="val 60000"/>
+            <a:gd name="adj2" fmla="val 50000"/>
+          </a:avLst>
+        </a:prstGeom>
+        <a:solidFill>
+          <a:schemeClr val="accent1">
+            <a:tint val="60000"/>
+            <a:hueOff val="0"/>
+            <a:satOff val="0"/>
+            <a:lumOff val="0"/>
+            <a:alphaOff val="0"/>
+          </a:schemeClr>
+        </a:solidFill>
+        <a:ln>
+          <a:noFill/>
+        </a:ln>
+        <a:effectLst/>
+      </dsp:spPr>
+      <dsp:style>
+        <a:lnRef idx="0">
+          <a:scrgbClr r="0" g="0" b="0"/>
+        </a:lnRef>
+        <a:fillRef idx="1">
+          <a:scrgbClr r="0" g="0" b="0"/>
+        </a:fillRef>
+        <a:effectRef idx="0">
+          <a:scrgbClr r="0" g="0" b="0"/>
+        </a:effectRef>
+        <a:fontRef idx="minor">
+          <a:schemeClr val="lt1"/>
+        </a:fontRef>
+      </dsp:style>
+      <dsp:txBody>
+        <a:bodyPr spcFirstLastPara="0" vert="horz" wrap="square" lIns="0" tIns="0" rIns="0" bIns="0" numCol="1" spcCol="1270" anchor="ctr" anchorCtr="0">
+          <a:noAutofit/>
+        </a:bodyPr>
+        <a:lstStyle/>
+        <a:p>
+          <a:pPr lvl="0" algn="ctr" defTabSz="488950">
+            <a:lnSpc>
+              <a:spcPct val="90000"/>
+            </a:lnSpc>
+            <a:spcBef>
+              <a:spcPct val="0"/>
+            </a:spcBef>
+            <a:spcAft>
+              <a:spcPct val="35000"/>
+            </a:spcAft>
+          </a:pPr>
+          <a:endParaRPr lang="zh-CN" altLang="en-US" sz="1100" kern="1200"/>
+        </a:p>
+      </dsp:txBody>
+      <dsp:txXfrm>
+        <a:off x="1160304" y="134460"/>
+        <a:ext cx="156211" cy="156631"/>
+      </dsp:txXfrm>
+    </dsp:sp>
+    <dsp:sp modelId="{7BD513CC-2B70-40BE-AB8E-2C53908A813D}">
+      <dsp:nvSpPr>
+        <dsp:cNvPr id="0" name=""/>
+        <dsp:cNvSpPr/>
+      </dsp:nvSpPr>
+      <dsp:spPr>
+        <a:xfrm>
+          <a:off x="1476094" y="0"/>
+          <a:ext cx="1052633" cy="425552"/>
+        </a:xfrm>
+        <a:prstGeom prst="roundRect">
+          <a:avLst>
+            <a:gd name="adj" fmla="val 10000"/>
+          </a:avLst>
+        </a:prstGeom>
+        <a:solidFill>
+          <a:schemeClr val="accent1">
+            <a:hueOff val="0"/>
+            <a:satOff val="0"/>
+            <a:lumOff val="0"/>
+            <a:alphaOff val="0"/>
+          </a:schemeClr>
+        </a:solidFill>
+        <a:ln w="19050" cap="rnd" cmpd="sng" algn="ctr">
+          <a:solidFill>
+            <a:schemeClr val="lt1">
+              <a:hueOff val="0"/>
+              <a:satOff val="0"/>
+              <a:lumOff val="0"/>
+              <a:alphaOff val="0"/>
+            </a:schemeClr>
+          </a:solidFill>
+          <a:prstDash val="solid"/>
+        </a:ln>
+        <a:effectLst/>
+      </dsp:spPr>
+      <dsp:style>
+        <a:lnRef idx="2">
+          <a:scrgbClr r="0" g="0" b="0"/>
+        </a:lnRef>
+        <a:fillRef idx="1">
+          <a:scrgbClr r="0" g="0" b="0"/>
+        </a:fillRef>
+        <a:effectRef idx="0">
+          <a:scrgbClr r="0" g="0" b="0"/>
+        </a:effectRef>
+        <a:fontRef idx="minor">
+          <a:schemeClr val="lt1"/>
+        </a:fontRef>
+      </dsp:style>
+      <dsp:txBody>
+        <a:bodyPr spcFirstLastPara="0" vert="horz" wrap="square" lIns="64770" tIns="64770" rIns="64770" bIns="64770" numCol="1" spcCol="1270" anchor="ctr" anchorCtr="0">
+          <a:noAutofit/>
+        </a:bodyPr>
+        <a:lstStyle/>
+        <a:p>
+          <a:pPr lvl="0" algn="ctr" defTabSz="755650">
+            <a:lnSpc>
+              <a:spcPct val="90000"/>
+            </a:lnSpc>
+            <a:spcBef>
+              <a:spcPct val="0"/>
+            </a:spcBef>
+            <a:spcAft>
+              <a:spcPct val="35000"/>
+            </a:spcAft>
+          </a:pPr>
+          <a:r>
+            <a:rPr lang="zh-CN" altLang="en-US" sz="1700" kern="1200" dirty="0" smtClean="0"/>
+            <a:t>第二部分</a:t>
+          </a:r>
+          <a:endParaRPr lang="zh-CN" altLang="en-US" sz="1700" kern="1200" dirty="0"/>
+        </a:p>
+      </dsp:txBody>
+      <dsp:txXfrm>
+        <a:off x="1488558" y="12464"/>
+        <a:ext cx="1027705" cy="400624"/>
+      </dsp:txXfrm>
+    </dsp:sp>
+    <dsp:sp modelId="{F4378041-DC71-4D22-8E4B-125FE8972B50}">
+      <dsp:nvSpPr>
+        <dsp:cNvPr id="0" name=""/>
+        <dsp:cNvSpPr/>
+      </dsp:nvSpPr>
+      <dsp:spPr>
+        <a:xfrm>
+          <a:off x="2633991" y="82249"/>
+          <a:ext cx="223158" cy="261053"/>
+        </a:xfrm>
+        <a:prstGeom prst="rightArrow">
+          <a:avLst>
+            <a:gd name="adj1" fmla="val 60000"/>
+            <a:gd name="adj2" fmla="val 50000"/>
+          </a:avLst>
+        </a:prstGeom>
+        <a:solidFill>
+          <a:schemeClr val="accent1">
+            <a:tint val="60000"/>
+            <a:hueOff val="0"/>
+            <a:satOff val="0"/>
+            <a:lumOff val="0"/>
+            <a:alphaOff val="0"/>
+          </a:schemeClr>
+        </a:solidFill>
+        <a:ln>
+          <a:noFill/>
+        </a:ln>
+        <a:effectLst/>
+      </dsp:spPr>
+      <dsp:style>
+        <a:lnRef idx="0">
+          <a:scrgbClr r="0" g="0" b="0"/>
+        </a:lnRef>
+        <a:fillRef idx="1">
+          <a:scrgbClr r="0" g="0" b="0"/>
+        </a:fillRef>
+        <a:effectRef idx="0">
+          <a:scrgbClr r="0" g="0" b="0"/>
+        </a:effectRef>
+        <a:fontRef idx="minor">
+          <a:schemeClr val="lt1"/>
+        </a:fontRef>
+      </dsp:style>
+      <dsp:txBody>
+        <a:bodyPr spcFirstLastPara="0" vert="horz" wrap="square" lIns="0" tIns="0" rIns="0" bIns="0" numCol="1" spcCol="1270" anchor="ctr" anchorCtr="0">
+          <a:noAutofit/>
+        </a:bodyPr>
+        <a:lstStyle/>
+        <a:p>
+          <a:pPr lvl="0" algn="ctr" defTabSz="488950">
+            <a:lnSpc>
+              <a:spcPct val="90000"/>
+            </a:lnSpc>
+            <a:spcBef>
+              <a:spcPct val="0"/>
+            </a:spcBef>
+            <a:spcAft>
+              <a:spcPct val="35000"/>
+            </a:spcAft>
+          </a:pPr>
+          <a:endParaRPr lang="zh-CN" altLang="en-US" sz="1100" kern="1200"/>
         </a:p>
       </dsp:txBody>
       <dsp:txXfrm>
@@ -15100,7 +16710,7 @@
         </a:bodyPr>
         <a:lstStyle/>
         <a:p>
-          <a:pPr lvl="0" algn="ctr" defTabSz="622300">
+          <a:pPr lvl="0" algn="ctr" defTabSz="488950">
             <a:lnSpc>
               <a:spcPct val="90000"/>
             </a:lnSpc>
@@ -15111,7 +16721,7 @@
               <a:spcPct val="35000"/>
             </a:spcAft>
           </a:pPr>
-          <a:endParaRPr lang="zh-CN" altLang="en-US" sz="1400" kern="1200"/>
+          <a:endParaRPr lang="zh-CN" altLang="en-US" sz="1100" kern="1200"/>
         </a:p>
       </dsp:txBody>
       <dsp:txXfrm>
@@ -15329,7 +16939,7 @@
         </a:bodyPr>
         <a:lstStyle/>
         <a:p>
-          <a:pPr lvl="0" algn="ctr" defTabSz="622300">
+          <a:pPr lvl="0" algn="ctr" defTabSz="488950">
             <a:lnSpc>
               <a:spcPct val="90000"/>
             </a:lnSpc>
@@ -15340,7 +16950,7 @@
               <a:spcPct val="35000"/>
             </a:spcAft>
           </a:pPr>
-          <a:endParaRPr lang="zh-CN" altLang="en-US" sz="1400" kern="1200"/>
+          <a:endParaRPr lang="zh-CN" altLang="en-US" sz="1100" kern="1200"/>
         </a:p>
       </dsp:txBody>
       <dsp:txXfrm>
@@ -15477,7 +17087,7 @@
         </a:bodyPr>
         <a:lstStyle/>
         <a:p>
-          <a:pPr lvl="0" algn="ctr" defTabSz="622300">
+          <a:pPr lvl="0" algn="ctr" defTabSz="488950">
             <a:lnSpc>
               <a:spcPct val="90000"/>
             </a:lnSpc>
@@ -15488,7 +17098,7 @@
               <a:spcPct val="35000"/>
             </a:spcAft>
           </a:pPr>
-          <a:endParaRPr lang="zh-CN" altLang="en-US" sz="1400" kern="1200"/>
+          <a:endParaRPr lang="zh-CN" altLang="en-US" sz="1100" kern="1200"/>
         </a:p>
       </dsp:txBody>
       <dsp:txXfrm>
@@ -15625,7 +17235,7 @@
         </a:bodyPr>
         <a:lstStyle/>
         <a:p>
-          <a:pPr lvl="0" algn="ctr" defTabSz="622300">
+          <a:pPr lvl="0" algn="ctr" defTabSz="488950">
             <a:lnSpc>
               <a:spcPct val="90000"/>
             </a:lnSpc>
@@ -15636,7 +17246,7 @@
               <a:spcPct val="35000"/>
             </a:spcAft>
           </a:pPr>
-          <a:endParaRPr lang="zh-CN" altLang="en-US" sz="1400" kern="1200"/>
+          <a:endParaRPr lang="zh-CN" altLang="en-US" sz="1100" kern="1200"/>
         </a:p>
       </dsp:txBody>
       <dsp:txXfrm>
@@ -16919,7 +18529,7 @@
         </a:bodyPr>
         <a:lstStyle/>
         <a:p>
-          <a:pPr lvl="0" algn="ctr" defTabSz="622300">
+          <a:pPr lvl="0" algn="ctr" defTabSz="488950">
             <a:lnSpc>
               <a:spcPct val="90000"/>
             </a:lnSpc>
@@ -16930,7 +18540,7 @@
               <a:spcPct val="35000"/>
             </a:spcAft>
           </a:pPr>
-          <a:endParaRPr lang="zh-CN" altLang="en-US" sz="1400" kern="1200"/>
+          <a:endParaRPr lang="zh-CN" altLang="en-US" sz="1100" kern="1200"/>
         </a:p>
       </dsp:txBody>
       <dsp:txXfrm>
@@ -17067,7 +18677,7 @@
         </a:bodyPr>
         <a:lstStyle/>
         <a:p>
-          <a:pPr lvl="0" algn="ctr" defTabSz="622300">
+          <a:pPr lvl="0" algn="ctr" defTabSz="488950">
             <a:lnSpc>
               <a:spcPct val="90000"/>
             </a:lnSpc>
@@ -17078,7 +18688,7 @@
               <a:spcPct val="35000"/>
             </a:spcAft>
           </a:pPr>
-          <a:endParaRPr lang="zh-CN" altLang="en-US" sz="1400" kern="1200"/>
+          <a:endParaRPr lang="zh-CN" altLang="en-US" sz="1100" kern="1200"/>
         </a:p>
       </dsp:txBody>
       <dsp:txXfrm>
@@ -17215,7 +18825,7 @@
         </a:bodyPr>
         <a:lstStyle/>
         <a:p>
-          <a:pPr lvl="0" algn="ctr" defTabSz="622300">
+          <a:pPr lvl="0" algn="ctr" defTabSz="488950">
             <a:lnSpc>
               <a:spcPct val="90000"/>
             </a:lnSpc>
@@ -17226,7 +18836,7 @@
               <a:spcPct val="35000"/>
             </a:spcAft>
           </a:pPr>
-          <a:endParaRPr lang="zh-CN" altLang="en-US" sz="1400" kern="1200"/>
+          <a:endParaRPr lang="zh-CN" altLang="en-US" sz="1100" kern="1200"/>
         </a:p>
       </dsp:txBody>
       <dsp:txXfrm>
@@ -17449,7 +19059,7 @@
         </a:bodyPr>
         <a:lstStyle/>
         <a:p>
-          <a:pPr lvl="0" algn="ctr" defTabSz="622300">
+          <a:pPr lvl="0" algn="ctr" defTabSz="488950">
             <a:lnSpc>
               <a:spcPct val="90000"/>
             </a:lnSpc>
@@ -17460,7 +19070,7 @@
               <a:spcPct val="35000"/>
             </a:spcAft>
           </a:pPr>
-          <a:endParaRPr lang="zh-CN" altLang="en-US" sz="1400" kern="1200"/>
+          <a:endParaRPr lang="zh-CN" altLang="en-US" sz="1100" kern="1200"/>
         </a:p>
       </dsp:txBody>
       <dsp:txXfrm>
@@ -17597,7 +19207,7 @@
         </a:bodyPr>
         <a:lstStyle/>
         <a:p>
-          <a:pPr lvl="0" algn="ctr" defTabSz="622300">
+          <a:pPr lvl="0" algn="ctr" defTabSz="488950">
             <a:lnSpc>
               <a:spcPct val="90000"/>
             </a:lnSpc>
@@ -17608,7 +19218,7 @@
               <a:spcPct val="35000"/>
             </a:spcAft>
           </a:pPr>
-          <a:endParaRPr lang="zh-CN" altLang="en-US" sz="1400" kern="1200"/>
+          <a:endParaRPr lang="zh-CN" altLang="en-US" sz="1100" kern="1200"/>
         </a:p>
       </dsp:txBody>
       <dsp:txXfrm>
@@ -17745,7 +19355,7 @@
         </a:bodyPr>
         <a:lstStyle/>
         <a:p>
-          <a:pPr lvl="0" algn="ctr" defTabSz="622300">
+          <a:pPr lvl="0" algn="ctr" defTabSz="488950">
             <a:lnSpc>
               <a:spcPct val="90000"/>
             </a:lnSpc>
@@ -17756,7 +19366,7 @@
               <a:spcPct val="35000"/>
             </a:spcAft>
           </a:pPr>
-          <a:endParaRPr lang="zh-CN" altLang="en-US" sz="1400" kern="1200"/>
+          <a:endParaRPr lang="zh-CN" altLang="en-US" sz="1100" kern="1200"/>
         </a:p>
       </dsp:txBody>
       <dsp:txXfrm>
@@ -17984,7 +19594,7 @@
         </a:bodyPr>
         <a:lstStyle/>
         <a:p>
-          <a:pPr lvl="0" algn="ctr" defTabSz="622300">
+          <a:pPr lvl="0" algn="ctr" defTabSz="488950">
             <a:lnSpc>
               <a:spcPct val="90000"/>
             </a:lnSpc>
@@ -17995,7 +19605,7 @@
               <a:spcPct val="35000"/>
             </a:spcAft>
           </a:pPr>
-          <a:endParaRPr lang="zh-CN" altLang="en-US" sz="1400" kern="1200"/>
+          <a:endParaRPr lang="zh-CN" altLang="en-US" sz="1100" kern="1200"/>
         </a:p>
       </dsp:txBody>
       <dsp:txXfrm>
@@ -18127,7 +19737,7 @@
         </a:bodyPr>
         <a:lstStyle/>
         <a:p>
-          <a:pPr lvl="0" algn="ctr" defTabSz="622300">
+          <a:pPr lvl="0" algn="ctr" defTabSz="488950">
             <a:lnSpc>
               <a:spcPct val="90000"/>
             </a:lnSpc>
@@ -18138,7 +19748,7 @@
               <a:spcPct val="35000"/>
             </a:spcAft>
           </a:pPr>
-          <a:endParaRPr lang="zh-CN" altLang="en-US" sz="1400" kern="1200"/>
+          <a:endParaRPr lang="zh-CN" altLang="en-US" sz="1100" kern="1200"/>
         </a:p>
       </dsp:txBody>
       <dsp:txXfrm>
@@ -18275,7 +19885,7 @@
         </a:bodyPr>
         <a:lstStyle/>
         <a:p>
-          <a:pPr lvl="0" algn="ctr" defTabSz="622300">
+          <a:pPr lvl="0" algn="ctr" defTabSz="488950">
             <a:lnSpc>
               <a:spcPct val="90000"/>
             </a:lnSpc>
@@ -18286,7 +19896,7 @@
               <a:spcPct val="35000"/>
             </a:spcAft>
           </a:pPr>
-          <a:endParaRPr lang="zh-CN" altLang="en-US" sz="1400" kern="1200"/>
+          <a:endParaRPr lang="zh-CN" altLang="en-US" sz="1100" kern="1200"/>
         </a:p>
       </dsp:txBody>
       <dsp:txXfrm>
@@ -18514,7 +20124,7 @@
         </a:bodyPr>
         <a:lstStyle/>
         <a:p>
-          <a:pPr lvl="0" algn="ctr" defTabSz="622300">
+          <a:pPr lvl="0" algn="ctr" defTabSz="488950">
             <a:lnSpc>
               <a:spcPct val="90000"/>
             </a:lnSpc>
@@ -18525,7 +20135,7 @@
               <a:spcPct val="35000"/>
             </a:spcAft>
           </a:pPr>
-          <a:endParaRPr lang="zh-CN" altLang="en-US" sz="1400" kern="1200"/>
+          <a:endParaRPr lang="zh-CN" altLang="en-US" sz="1100" kern="1200"/>
         </a:p>
       </dsp:txBody>
       <dsp:txXfrm>
@@ -18657,7 +20267,7 @@
         </a:bodyPr>
         <a:lstStyle/>
         <a:p>
-          <a:pPr lvl="0" algn="ctr" defTabSz="622300">
+          <a:pPr lvl="0" algn="ctr" defTabSz="488950">
             <a:lnSpc>
               <a:spcPct val="90000"/>
             </a:lnSpc>
@@ -18668,7 +20278,7 @@
               <a:spcPct val="35000"/>
             </a:spcAft>
           </a:pPr>
-          <a:endParaRPr lang="zh-CN" altLang="en-US" sz="1400" kern="1200"/>
+          <a:endParaRPr lang="zh-CN" altLang="en-US" sz="1100" kern="1200"/>
         </a:p>
       </dsp:txBody>
       <dsp:txXfrm>
@@ -18805,7 +20415,7 @@
         </a:bodyPr>
         <a:lstStyle/>
         <a:p>
-          <a:pPr lvl="0" algn="ctr" defTabSz="622300">
+          <a:pPr lvl="0" algn="ctr" defTabSz="488950">
             <a:lnSpc>
               <a:spcPct val="90000"/>
             </a:lnSpc>
@@ -18816,7 +20426,7 @@
               <a:spcPct val="35000"/>
             </a:spcAft>
           </a:pPr>
-          <a:endParaRPr lang="zh-CN" altLang="en-US" sz="1400" kern="1200"/>
+          <a:endParaRPr lang="zh-CN" altLang="en-US" sz="1100" kern="1200"/>
         </a:p>
       </dsp:txBody>
       <dsp:txXfrm>
@@ -19044,7 +20654,7 @@
         </a:bodyPr>
         <a:lstStyle/>
         <a:p>
-          <a:pPr lvl="0" algn="ctr" defTabSz="622300">
+          <a:pPr lvl="0" algn="ctr" defTabSz="488950">
             <a:lnSpc>
               <a:spcPct val="90000"/>
             </a:lnSpc>
@@ -19055,7 +20665,7 @@
               <a:spcPct val="35000"/>
             </a:spcAft>
           </a:pPr>
-          <a:endParaRPr lang="zh-CN" altLang="en-US" sz="1400" kern="1200"/>
+          <a:endParaRPr lang="zh-CN" altLang="en-US" sz="1100" kern="1200"/>
         </a:p>
       </dsp:txBody>
       <dsp:txXfrm>
@@ -19187,7 +20797,7 @@
         </a:bodyPr>
         <a:lstStyle/>
         <a:p>
-          <a:pPr lvl="0" algn="ctr" defTabSz="622300">
+          <a:pPr lvl="0" algn="ctr" defTabSz="488950">
             <a:lnSpc>
               <a:spcPct val="90000"/>
             </a:lnSpc>
@@ -19198,7 +20808,7 @@
               <a:spcPct val="35000"/>
             </a:spcAft>
           </a:pPr>
-          <a:endParaRPr lang="zh-CN" altLang="en-US" sz="1400" kern="1200"/>
+          <a:endParaRPr lang="zh-CN" altLang="en-US" sz="1100" kern="1200"/>
         </a:p>
       </dsp:txBody>
       <dsp:txXfrm>
@@ -19335,7 +20945,7 @@
         </a:bodyPr>
         <a:lstStyle/>
         <a:p>
-          <a:pPr lvl="0" algn="ctr" defTabSz="622300">
+          <a:pPr lvl="0" algn="ctr" defTabSz="488950">
             <a:lnSpc>
               <a:spcPct val="90000"/>
             </a:lnSpc>
@@ -19346,7 +20956,7 @@
               <a:spcPct val="35000"/>
             </a:spcAft>
           </a:pPr>
-          <a:endParaRPr lang="zh-CN" altLang="en-US" sz="1400" kern="1200"/>
+          <a:endParaRPr lang="zh-CN" altLang="en-US" sz="1100" kern="1200"/>
         </a:p>
       </dsp:txBody>
       <dsp:txXfrm>
@@ -19876,6 +21486,152 @@
 </file>
 
 <file path=ppt/diagrams/layout12.xml><?xml version="1.0" encoding="utf-8"?>
+<dgm:layoutDef xmlns:dgm="http://schemas.openxmlformats.org/drawingml/2006/diagram" xmlns:a="http://schemas.openxmlformats.org/drawingml/2006/main" uniqueId="urn:microsoft.com/office/officeart/2005/8/layout/process1">
+  <dgm:title val=""/>
+  <dgm:desc val=""/>
+  <dgm:catLst>
+    <dgm:cat type="process" pri="1000"/>
+    <dgm:cat type="convert" pri="15000"/>
+  </dgm:catLst>
+  <dgm:sampData useDef="1">
+    <dgm:dataModel>
+      <dgm:ptLst/>
+      <dgm:bg/>
+      <dgm:whole/>
+    </dgm:dataModel>
+  </dgm:sampData>
+  <dgm:styleData>
+    <dgm:dataModel>
+      <dgm:ptLst>
+        <dgm:pt modelId="0" type="doc"/>
+        <dgm:pt modelId="1"/>
+        <dgm:pt modelId="2"/>
+      </dgm:ptLst>
+      <dgm:cxnLst>
+        <dgm:cxn modelId="3" srcId="0" destId="1" srcOrd="0" destOrd="0"/>
+        <dgm:cxn modelId="4" srcId="0" destId="2" srcOrd="1" destOrd="0"/>
+      </dgm:cxnLst>
+      <dgm:bg/>
+      <dgm:whole/>
+    </dgm:dataModel>
+  </dgm:styleData>
+  <dgm:clrData>
+    <dgm:dataModel>
+      <dgm:ptLst>
+        <dgm:pt modelId="0" type="doc"/>
+        <dgm:pt modelId="1"/>
+        <dgm:pt modelId="2"/>
+        <dgm:pt modelId="3"/>
+        <dgm:pt modelId="4"/>
+      </dgm:ptLst>
+      <dgm:cxnLst>
+        <dgm:cxn modelId="5" srcId="0" destId="1" srcOrd="0" destOrd="0"/>
+        <dgm:cxn modelId="6" srcId="0" destId="2" srcOrd="1" destOrd="0"/>
+        <dgm:cxn modelId="7" srcId="0" destId="3" srcOrd="2" destOrd="0"/>
+        <dgm:cxn modelId="8" srcId="0" destId="4" srcOrd="3" destOrd="0"/>
+      </dgm:cxnLst>
+      <dgm:bg/>
+      <dgm:whole/>
+    </dgm:dataModel>
+  </dgm:clrData>
+  <dgm:layoutNode name="Name0">
+    <dgm:varLst>
+      <dgm:dir/>
+      <dgm:resizeHandles val="exact"/>
+    </dgm:varLst>
+    <dgm:choose name="Name1">
+      <dgm:if name="Name2" func="var" arg="dir" op="equ" val="norm">
+        <dgm:alg type="lin"/>
+      </dgm:if>
+      <dgm:else name="Name3">
+        <dgm:alg type="lin">
+          <dgm:param type="linDir" val="fromR"/>
+        </dgm:alg>
+      </dgm:else>
+    </dgm:choose>
+    <dgm:shape xmlns:r="http://schemas.openxmlformats.org/officeDocument/2006/relationships" r:blip="">
+      <dgm:adjLst/>
+    </dgm:shape>
+    <dgm:presOf/>
+    <dgm:constrLst>
+      <dgm:constr type="w" for="ch" ptType="node" refType="w"/>
+      <dgm:constr type="h" for="ch" ptType="node" op="equ"/>
+      <dgm:constr type="primFontSz" for="ch" ptType="node" op="equ" val="65"/>
+      <dgm:constr type="w" for="ch" ptType="sibTrans" refType="w" refFor="ch" refPtType="node" op="equ" fact="0.4"/>
+      <dgm:constr type="h" for="ch" ptType="sibTrans" op="equ"/>
+      <dgm:constr type="primFontSz" for="des" forName="connectorText" op="equ" val="55"/>
+      <dgm:constr type="primFontSz" for="des" forName="connectorText" refType="primFontSz" refFor="ch" refPtType="node" op="lte" fact="0.8"/>
+    </dgm:constrLst>
+    <dgm:ruleLst/>
+    <dgm:forEach name="nodesForEach" axis="ch" ptType="node">
+      <dgm:layoutNode name="node">
+        <dgm:varLst>
+          <dgm:bulletEnabled val="1"/>
+        </dgm:varLst>
+        <dgm:alg type="tx"/>
+        <dgm:shape xmlns:r="http://schemas.openxmlformats.org/officeDocument/2006/relationships" type="roundRect" r:blip="">
+          <dgm:adjLst>
+            <dgm:adj idx="1" val="0.1"/>
+          </dgm:adjLst>
+        </dgm:shape>
+        <dgm:presOf axis="desOrSelf" ptType="node"/>
+        <dgm:constrLst>
+          <dgm:constr type="h" refType="w" fact="0.6"/>
+          <dgm:constr type="tMarg" refType="primFontSz" fact="0.3"/>
+          <dgm:constr type="bMarg" refType="primFontSz" fact="0.3"/>
+          <dgm:constr type="lMarg" refType="primFontSz" fact="0.3"/>
+          <dgm:constr type="rMarg" refType="primFontSz" fact="0.3"/>
+        </dgm:constrLst>
+        <dgm:ruleLst>
+          <dgm:rule type="primFontSz" val="18" fact="NaN" max="NaN"/>
+          <dgm:rule type="h" val="NaN" fact="1.5" max="NaN"/>
+          <dgm:rule type="primFontSz" val="5" fact="NaN" max="NaN"/>
+          <dgm:rule type="h" val="INF" fact="NaN" max="NaN"/>
+        </dgm:ruleLst>
+      </dgm:layoutNode>
+      <dgm:forEach name="sibTransForEach" axis="followSib" ptType="sibTrans" cnt="1">
+        <dgm:layoutNode name="sibTrans">
+          <dgm:alg type="conn">
+            <dgm:param type="begPts" val="auto"/>
+            <dgm:param type="endPts" val="auto"/>
+          </dgm:alg>
+          <dgm:shape xmlns:r="http://schemas.openxmlformats.org/officeDocument/2006/relationships" type="conn" r:blip="">
+            <dgm:adjLst/>
+          </dgm:shape>
+          <dgm:presOf axis="self"/>
+          <dgm:constrLst>
+            <dgm:constr type="h" refType="w" fact="0.62"/>
+            <dgm:constr type="connDist"/>
+            <dgm:constr type="begPad" refType="connDist" fact="0.25"/>
+            <dgm:constr type="endPad" refType="connDist" fact="0.22"/>
+          </dgm:constrLst>
+          <dgm:ruleLst/>
+          <dgm:layoutNode name="connectorText">
+            <dgm:alg type="tx">
+              <dgm:param type="autoTxRot" val="grav"/>
+            </dgm:alg>
+            <dgm:shape xmlns:r="http://schemas.openxmlformats.org/officeDocument/2006/relationships" type="conn" r:blip="" hideGeom="1">
+              <dgm:adjLst/>
+            </dgm:shape>
+            <dgm:presOf axis="self"/>
+            <dgm:constrLst>
+              <dgm:constr type="lMarg"/>
+              <dgm:constr type="rMarg"/>
+              <dgm:constr type="tMarg"/>
+              <dgm:constr type="bMarg"/>
+            </dgm:constrLst>
+            <dgm:ruleLst>
+              <dgm:rule type="primFontSz" val="5" fact="NaN" max="NaN"/>
+            </dgm:ruleLst>
+          </dgm:layoutNode>
+        </dgm:layoutNode>
+      </dgm:forEach>
+    </dgm:forEach>
+  </dgm:layoutNode>
+</dgm:layoutDef>
+</file>
+
+<file path=ppt/diagrams/layout13.xml><?xml version="1.0" encoding="utf-8"?>
 <dgm:layoutDef xmlns:dgm="http://schemas.openxmlformats.org/drawingml/2006/diagram" xmlns:a="http://schemas.openxmlformats.org/drawingml/2006/main" uniqueId="urn:microsoft.com/office/officeart/2005/8/layout/process1">
   <dgm:title val=""/>
   <dgm:desc val=""/>
@@ -24292,6 +26048,1040 @@
 </file>
 
 <file path=ppt/diagrams/quickStyle12.xml><?xml version="1.0" encoding="utf-8"?>
+<dgm:styleDef xmlns:dgm="http://schemas.openxmlformats.org/drawingml/2006/diagram" xmlns:a="http://schemas.openxmlformats.org/drawingml/2006/main" uniqueId="urn:microsoft.com/office/officeart/2005/8/quickstyle/simple1">
+  <dgm:title val=""/>
+  <dgm:desc val=""/>
+  <dgm:catLst>
+    <dgm:cat type="simple" pri="10100"/>
+  </dgm:catLst>
+  <dgm:scene3d>
+    <a:camera prst="orthographicFront"/>
+    <a:lightRig rig="threePt" dir="t"/>
+  </dgm:scene3d>
+  <dgm:styleLbl name="node0">
+    <dgm:scene3d>
+      <a:camera prst="orthographicFront"/>
+      <a:lightRig rig="threePt" dir="t"/>
+    </dgm:scene3d>
+    <dgm:sp3d/>
+    <dgm:txPr/>
+    <dgm:style>
+      <a:lnRef idx="2">
+        <a:scrgbClr r="0" g="0" b="0"/>
+      </a:lnRef>
+      <a:fillRef idx="1">
+        <a:scrgbClr r="0" g="0" b="0"/>
+      </a:fillRef>
+      <a:effectRef idx="0">
+        <a:scrgbClr r="0" g="0" b="0"/>
+      </a:effectRef>
+      <a:fontRef idx="minor">
+        <a:schemeClr val="lt1"/>
+      </a:fontRef>
+    </dgm:style>
+  </dgm:styleLbl>
+  <dgm:styleLbl name="lnNode1">
+    <dgm:scene3d>
+      <a:camera prst="orthographicFront"/>
+      <a:lightRig rig="threePt" dir="t"/>
+    </dgm:scene3d>
+    <dgm:sp3d/>
+    <dgm:txPr/>
+    <dgm:style>
+      <a:lnRef idx="2">
+        <a:scrgbClr r="0" g="0" b="0"/>
+      </a:lnRef>
+      <a:fillRef idx="1">
+        <a:scrgbClr r="0" g="0" b="0"/>
+      </a:fillRef>
+      <a:effectRef idx="0">
+        <a:scrgbClr r="0" g="0" b="0"/>
+      </a:effectRef>
+      <a:fontRef idx="minor">
+        <a:schemeClr val="lt1"/>
+      </a:fontRef>
+    </dgm:style>
+  </dgm:styleLbl>
+  <dgm:styleLbl name="vennNode1">
+    <dgm:scene3d>
+      <a:camera prst="orthographicFront"/>
+      <a:lightRig rig="threePt" dir="t"/>
+    </dgm:scene3d>
+    <dgm:sp3d/>
+    <dgm:txPr/>
+    <dgm:style>
+      <a:lnRef idx="2">
+        <a:scrgbClr r="0" g="0" b="0"/>
+      </a:lnRef>
+      <a:fillRef idx="1">
+        <a:scrgbClr r="0" g="0" b="0"/>
+      </a:fillRef>
+      <a:effectRef idx="0">
+        <a:scrgbClr r="0" g="0" b="0"/>
+      </a:effectRef>
+      <a:fontRef idx="minor">
+        <a:schemeClr val="tx1"/>
+      </a:fontRef>
+    </dgm:style>
+  </dgm:styleLbl>
+  <dgm:styleLbl name="alignNode1">
+    <dgm:scene3d>
+      <a:camera prst="orthographicFront"/>
+      <a:lightRig rig="threePt" dir="t"/>
+    </dgm:scene3d>
+    <dgm:sp3d/>
+    <dgm:txPr/>
+    <dgm:style>
+      <a:lnRef idx="2">
+        <a:scrgbClr r="0" g="0" b="0"/>
+      </a:lnRef>
+      <a:fillRef idx="1">
+        <a:scrgbClr r="0" g="0" b="0"/>
+      </a:fillRef>
+      <a:effectRef idx="0">
+        <a:scrgbClr r="0" g="0" b="0"/>
+      </a:effectRef>
+      <a:fontRef idx="minor">
+        <a:schemeClr val="lt1"/>
+      </a:fontRef>
+    </dgm:style>
+  </dgm:styleLbl>
+  <dgm:styleLbl name="node1">
+    <dgm:scene3d>
+      <a:camera prst="orthographicFront"/>
+      <a:lightRig rig="threePt" dir="t"/>
+    </dgm:scene3d>
+    <dgm:sp3d/>
+    <dgm:txPr/>
+    <dgm:style>
+      <a:lnRef idx="2">
+        <a:scrgbClr r="0" g="0" b="0"/>
+      </a:lnRef>
+      <a:fillRef idx="1">
+        <a:scrgbClr r="0" g="0" b="0"/>
+      </a:fillRef>
+      <a:effectRef idx="0">
+        <a:scrgbClr r="0" g="0" b="0"/>
+      </a:effectRef>
+      <a:fontRef idx="minor">
+        <a:schemeClr val="lt1"/>
+      </a:fontRef>
+    </dgm:style>
+  </dgm:styleLbl>
+  <dgm:styleLbl name="node2">
+    <dgm:scene3d>
+      <a:camera prst="orthographicFront"/>
+      <a:lightRig rig="threePt" dir="t"/>
+    </dgm:scene3d>
+    <dgm:sp3d/>
+    <dgm:txPr/>
+    <dgm:style>
+      <a:lnRef idx="2">
+        <a:scrgbClr r="0" g="0" b="0"/>
+      </a:lnRef>
+      <a:fillRef idx="1">
+        <a:scrgbClr r="0" g="0" b="0"/>
+      </a:fillRef>
+      <a:effectRef idx="0">
+        <a:scrgbClr r="0" g="0" b="0"/>
+      </a:effectRef>
+      <a:fontRef idx="minor">
+        <a:schemeClr val="lt1"/>
+      </a:fontRef>
+    </dgm:style>
+  </dgm:styleLbl>
+  <dgm:styleLbl name="node3">
+    <dgm:scene3d>
+      <a:camera prst="orthographicFront"/>
+      <a:lightRig rig="threePt" dir="t"/>
+    </dgm:scene3d>
+    <dgm:sp3d/>
+    <dgm:txPr/>
+    <dgm:style>
+      <a:lnRef idx="2">
+        <a:scrgbClr r="0" g="0" b="0"/>
+      </a:lnRef>
+      <a:fillRef idx="1">
+        <a:scrgbClr r="0" g="0" b="0"/>
+      </a:fillRef>
+      <a:effectRef idx="0">
+        <a:scrgbClr r="0" g="0" b="0"/>
+      </a:effectRef>
+      <a:fontRef idx="minor">
+        <a:schemeClr val="lt1"/>
+      </a:fontRef>
+    </dgm:style>
+  </dgm:styleLbl>
+  <dgm:styleLbl name="node4">
+    <dgm:scene3d>
+      <a:camera prst="orthographicFront"/>
+      <a:lightRig rig="threePt" dir="t"/>
+    </dgm:scene3d>
+    <dgm:sp3d/>
+    <dgm:txPr/>
+    <dgm:style>
+      <a:lnRef idx="2">
+        <a:scrgbClr r="0" g="0" b="0"/>
+      </a:lnRef>
+      <a:fillRef idx="1">
+        <a:scrgbClr r="0" g="0" b="0"/>
+      </a:fillRef>
+      <a:effectRef idx="0">
+        <a:scrgbClr r="0" g="0" b="0"/>
+      </a:effectRef>
+      <a:fontRef idx="minor">
+        <a:schemeClr val="lt1"/>
+      </a:fontRef>
+    </dgm:style>
+  </dgm:styleLbl>
+  <dgm:styleLbl name="fgImgPlace1">
+    <dgm:scene3d>
+      <a:camera prst="orthographicFront"/>
+      <a:lightRig rig="threePt" dir="t"/>
+    </dgm:scene3d>
+    <dgm:sp3d/>
+    <dgm:txPr/>
+    <dgm:style>
+      <a:lnRef idx="2">
+        <a:scrgbClr r="0" g="0" b="0"/>
+      </a:lnRef>
+      <a:fillRef idx="1">
+        <a:scrgbClr r="0" g="0" b="0"/>
+      </a:fillRef>
+      <a:effectRef idx="0">
+        <a:scrgbClr r="0" g="0" b="0"/>
+      </a:effectRef>
+      <a:fontRef idx="minor"/>
+    </dgm:style>
+  </dgm:styleLbl>
+  <dgm:styleLbl name="alignImgPlace1">
+    <dgm:scene3d>
+      <a:camera prst="orthographicFront"/>
+      <a:lightRig rig="threePt" dir="t"/>
+    </dgm:scene3d>
+    <dgm:sp3d/>
+    <dgm:txPr/>
+    <dgm:style>
+      <a:lnRef idx="2">
+        <a:scrgbClr r="0" g="0" b="0"/>
+      </a:lnRef>
+      <a:fillRef idx="1">
+        <a:scrgbClr r="0" g="0" b="0"/>
+      </a:fillRef>
+      <a:effectRef idx="0">
+        <a:scrgbClr r="0" g="0" b="0"/>
+      </a:effectRef>
+      <a:fontRef idx="minor"/>
+    </dgm:style>
+  </dgm:styleLbl>
+  <dgm:styleLbl name="bgImgPlace1">
+    <dgm:scene3d>
+      <a:camera prst="orthographicFront"/>
+      <a:lightRig rig="threePt" dir="t"/>
+    </dgm:scene3d>
+    <dgm:sp3d/>
+    <dgm:txPr/>
+    <dgm:style>
+      <a:lnRef idx="2">
+        <a:scrgbClr r="0" g="0" b="0"/>
+      </a:lnRef>
+      <a:fillRef idx="1">
+        <a:scrgbClr r="0" g="0" b="0"/>
+      </a:fillRef>
+      <a:effectRef idx="0">
+        <a:scrgbClr r="0" g="0" b="0"/>
+      </a:effectRef>
+      <a:fontRef idx="minor"/>
+    </dgm:style>
+  </dgm:styleLbl>
+  <dgm:styleLbl name="sibTrans2D1">
+    <dgm:scene3d>
+      <a:camera prst="orthographicFront"/>
+      <a:lightRig rig="threePt" dir="t"/>
+    </dgm:scene3d>
+    <dgm:sp3d/>
+    <dgm:txPr/>
+    <dgm:style>
+      <a:lnRef idx="0">
+        <a:scrgbClr r="0" g="0" b="0"/>
+      </a:lnRef>
+      <a:fillRef idx="1">
+        <a:scrgbClr r="0" g="0" b="0"/>
+      </a:fillRef>
+      <a:effectRef idx="0">
+        <a:scrgbClr r="0" g="0" b="0"/>
+      </a:effectRef>
+      <a:fontRef idx="minor">
+        <a:schemeClr val="lt1"/>
+      </a:fontRef>
+    </dgm:style>
+  </dgm:styleLbl>
+  <dgm:styleLbl name="fgSibTrans2D1">
+    <dgm:scene3d>
+      <a:camera prst="orthographicFront"/>
+      <a:lightRig rig="threePt" dir="t"/>
+    </dgm:scene3d>
+    <dgm:sp3d/>
+    <dgm:txPr/>
+    <dgm:style>
+      <a:lnRef idx="0">
+        <a:scrgbClr r="0" g="0" b="0"/>
+      </a:lnRef>
+      <a:fillRef idx="1">
+        <a:scrgbClr r="0" g="0" b="0"/>
+      </a:fillRef>
+      <a:effectRef idx="0">
+        <a:scrgbClr r="0" g="0" b="0"/>
+      </a:effectRef>
+      <a:fontRef idx="minor">
+        <a:schemeClr val="lt1"/>
+      </a:fontRef>
+    </dgm:style>
+  </dgm:styleLbl>
+  <dgm:styleLbl name="bgSibTrans2D1">
+    <dgm:scene3d>
+      <a:camera prst="orthographicFront"/>
+      <a:lightRig rig="threePt" dir="t"/>
+    </dgm:scene3d>
+    <dgm:sp3d/>
+    <dgm:txPr/>
+    <dgm:style>
+      <a:lnRef idx="0">
+        <a:scrgbClr r="0" g="0" b="0"/>
+      </a:lnRef>
+      <a:fillRef idx="1">
+        <a:scrgbClr r="0" g="0" b="0"/>
+      </a:fillRef>
+      <a:effectRef idx="0">
+        <a:scrgbClr r="0" g="0" b="0"/>
+      </a:effectRef>
+      <a:fontRef idx="minor">
+        <a:schemeClr val="lt1"/>
+      </a:fontRef>
+    </dgm:style>
+  </dgm:styleLbl>
+  <dgm:styleLbl name="sibTrans1D1">
+    <dgm:scene3d>
+      <a:camera prst="orthographicFront"/>
+      <a:lightRig rig="threePt" dir="t"/>
+    </dgm:scene3d>
+    <dgm:sp3d/>
+    <dgm:txPr/>
+    <dgm:style>
+      <a:lnRef idx="1">
+        <a:scrgbClr r="0" g="0" b="0"/>
+      </a:lnRef>
+      <a:fillRef idx="0">
+        <a:scrgbClr r="0" g="0" b="0"/>
+      </a:fillRef>
+      <a:effectRef idx="0">
+        <a:scrgbClr r="0" g="0" b="0"/>
+      </a:effectRef>
+      <a:fontRef idx="minor"/>
+    </dgm:style>
+  </dgm:styleLbl>
+  <dgm:styleLbl name="callout">
+    <dgm:scene3d>
+      <a:camera prst="orthographicFront"/>
+      <a:lightRig rig="threePt" dir="t"/>
+    </dgm:scene3d>
+    <dgm:sp3d/>
+    <dgm:txPr/>
+    <dgm:style>
+      <a:lnRef idx="2">
+        <a:scrgbClr r="0" g="0" b="0"/>
+      </a:lnRef>
+      <a:fillRef idx="1">
+        <a:scrgbClr r="0" g="0" b="0"/>
+      </a:fillRef>
+      <a:effectRef idx="0">
+        <a:scrgbClr r="0" g="0" b="0"/>
+      </a:effectRef>
+      <a:fontRef idx="minor"/>
+    </dgm:style>
+  </dgm:styleLbl>
+  <dgm:styleLbl name="asst0">
+    <dgm:scene3d>
+      <a:camera prst="orthographicFront"/>
+      <a:lightRig rig="threePt" dir="t"/>
+    </dgm:scene3d>
+    <dgm:sp3d/>
+    <dgm:txPr/>
+    <dgm:style>
+      <a:lnRef idx="2">
+        <a:scrgbClr r="0" g="0" b="0"/>
+      </a:lnRef>
+      <a:fillRef idx="1">
+        <a:scrgbClr r="0" g="0" b="0"/>
+      </a:fillRef>
+      <a:effectRef idx="0">
+        <a:scrgbClr r="0" g="0" b="0"/>
+      </a:effectRef>
+      <a:fontRef idx="minor">
+        <a:schemeClr val="lt1"/>
+      </a:fontRef>
+    </dgm:style>
+  </dgm:styleLbl>
+  <dgm:styleLbl name="asst1">
+    <dgm:scene3d>
+      <a:camera prst="orthographicFront"/>
+      <a:lightRig rig="threePt" dir="t"/>
+    </dgm:scene3d>
+    <dgm:sp3d/>
+    <dgm:txPr/>
+    <dgm:style>
+      <a:lnRef idx="2">
+        <a:scrgbClr r="0" g="0" b="0"/>
+      </a:lnRef>
+      <a:fillRef idx="1">
+        <a:scrgbClr r="0" g="0" b="0"/>
+      </a:fillRef>
+      <a:effectRef idx="0">
+        <a:scrgbClr r="0" g="0" b="0"/>
+      </a:effectRef>
+      <a:fontRef idx="minor">
+        <a:schemeClr val="lt1"/>
+      </a:fontRef>
+    </dgm:style>
+  </dgm:styleLbl>
+  <dgm:styleLbl name="asst2">
+    <dgm:scene3d>
+      <a:camera prst="orthographicFront"/>
+      <a:lightRig rig="threePt" dir="t"/>
+    </dgm:scene3d>
+    <dgm:sp3d/>
+    <dgm:txPr/>
+    <dgm:style>
+      <a:lnRef idx="2">
+        <a:scrgbClr r="0" g="0" b="0"/>
+      </a:lnRef>
+      <a:fillRef idx="1">
+        <a:scrgbClr r="0" g="0" b="0"/>
+      </a:fillRef>
+      <a:effectRef idx="0">
+        <a:scrgbClr r="0" g="0" b="0"/>
+      </a:effectRef>
+      <a:fontRef idx="minor">
+        <a:schemeClr val="lt1"/>
+      </a:fontRef>
+    </dgm:style>
+  </dgm:styleLbl>
+  <dgm:styleLbl name="asst3">
+    <dgm:scene3d>
+      <a:camera prst="orthographicFront"/>
+      <a:lightRig rig="threePt" dir="t"/>
+    </dgm:scene3d>
+    <dgm:sp3d/>
+    <dgm:txPr/>
+    <dgm:style>
+      <a:lnRef idx="2">
+        <a:scrgbClr r="0" g="0" b="0"/>
+      </a:lnRef>
+      <a:fillRef idx="1">
+        <a:scrgbClr r="0" g="0" b="0"/>
+      </a:fillRef>
+      <a:effectRef idx="0">
+        <a:scrgbClr r="0" g="0" b="0"/>
+      </a:effectRef>
+      <a:fontRef idx="minor">
+        <a:schemeClr val="lt1"/>
+      </a:fontRef>
+    </dgm:style>
+  </dgm:styleLbl>
+  <dgm:styleLbl name="asst4">
+    <dgm:scene3d>
+      <a:camera prst="orthographicFront"/>
+      <a:lightRig rig="threePt" dir="t"/>
+    </dgm:scene3d>
+    <dgm:sp3d/>
+    <dgm:txPr/>
+    <dgm:style>
+      <a:lnRef idx="2">
+        <a:scrgbClr r="0" g="0" b="0"/>
+      </a:lnRef>
+      <a:fillRef idx="1">
+        <a:scrgbClr r="0" g="0" b="0"/>
+      </a:fillRef>
+      <a:effectRef idx="0">
+        <a:scrgbClr r="0" g="0" b="0"/>
+      </a:effectRef>
+      <a:fontRef idx="minor">
+        <a:schemeClr val="lt1"/>
+      </a:fontRef>
+    </dgm:style>
+  </dgm:styleLbl>
+  <dgm:styleLbl name="parChTrans2D1">
+    <dgm:scene3d>
+      <a:camera prst="orthographicFront"/>
+      <a:lightRig rig="threePt" dir="t"/>
+    </dgm:scene3d>
+    <dgm:sp3d/>
+    <dgm:txPr/>
+    <dgm:style>
+      <a:lnRef idx="2">
+        <a:scrgbClr r="0" g="0" b="0"/>
+      </a:lnRef>
+      <a:fillRef idx="1">
+        <a:scrgbClr r="0" g="0" b="0"/>
+      </a:fillRef>
+      <a:effectRef idx="0">
+        <a:scrgbClr r="0" g="0" b="0"/>
+      </a:effectRef>
+      <a:fontRef idx="minor">
+        <a:schemeClr val="lt1"/>
+      </a:fontRef>
+    </dgm:style>
+  </dgm:styleLbl>
+  <dgm:styleLbl name="parChTrans2D2">
+    <dgm:scene3d>
+      <a:camera prst="orthographicFront"/>
+      <a:lightRig rig="threePt" dir="t"/>
+    </dgm:scene3d>
+    <dgm:sp3d/>
+    <dgm:txPr/>
+    <dgm:style>
+      <a:lnRef idx="2">
+        <a:scrgbClr r="0" g="0" b="0"/>
+      </a:lnRef>
+      <a:fillRef idx="1">
+        <a:scrgbClr r="0" g="0" b="0"/>
+      </a:fillRef>
+      <a:effectRef idx="0">
+        <a:scrgbClr r="0" g="0" b="0"/>
+      </a:effectRef>
+      <a:fontRef idx="minor">
+        <a:schemeClr val="lt1"/>
+      </a:fontRef>
+    </dgm:style>
+  </dgm:styleLbl>
+  <dgm:styleLbl name="parChTrans2D3">
+    <dgm:scene3d>
+      <a:camera prst="orthographicFront"/>
+      <a:lightRig rig="threePt" dir="t"/>
+    </dgm:scene3d>
+    <dgm:sp3d/>
+    <dgm:txPr/>
+    <dgm:style>
+      <a:lnRef idx="2">
+        <a:scrgbClr r="0" g="0" b="0"/>
+      </a:lnRef>
+      <a:fillRef idx="1">
+        <a:scrgbClr r="0" g="0" b="0"/>
+      </a:fillRef>
+      <a:effectRef idx="0">
+        <a:scrgbClr r="0" g="0" b="0"/>
+      </a:effectRef>
+      <a:fontRef idx="minor">
+        <a:schemeClr val="lt1"/>
+      </a:fontRef>
+    </dgm:style>
+  </dgm:styleLbl>
+  <dgm:styleLbl name="parChTrans2D4">
+    <dgm:scene3d>
+      <a:camera prst="orthographicFront"/>
+      <a:lightRig rig="threePt" dir="t"/>
+    </dgm:scene3d>
+    <dgm:sp3d/>
+    <dgm:txPr/>
+    <dgm:style>
+      <a:lnRef idx="2">
+        <a:scrgbClr r="0" g="0" b="0"/>
+      </a:lnRef>
+      <a:fillRef idx="1">
+        <a:scrgbClr r="0" g="0" b="0"/>
+      </a:fillRef>
+      <a:effectRef idx="0">
+        <a:scrgbClr r="0" g="0" b="0"/>
+      </a:effectRef>
+      <a:fontRef idx="minor">
+        <a:schemeClr val="lt1"/>
+      </a:fontRef>
+    </dgm:style>
+  </dgm:styleLbl>
+  <dgm:styleLbl name="parChTrans1D1">
+    <dgm:scene3d>
+      <a:camera prst="orthographicFront"/>
+      <a:lightRig rig="threePt" dir="t"/>
+    </dgm:scene3d>
+    <dgm:sp3d/>
+    <dgm:txPr/>
+    <dgm:style>
+      <a:lnRef idx="2">
+        <a:scrgbClr r="0" g="0" b="0"/>
+      </a:lnRef>
+      <a:fillRef idx="0">
+        <a:scrgbClr r="0" g="0" b="0"/>
+      </a:fillRef>
+      <a:effectRef idx="0">
+        <a:scrgbClr r="0" g="0" b="0"/>
+      </a:effectRef>
+      <a:fontRef idx="minor"/>
+    </dgm:style>
+  </dgm:styleLbl>
+  <dgm:styleLbl name="parChTrans1D2">
+    <dgm:scene3d>
+      <a:camera prst="orthographicFront"/>
+      <a:lightRig rig="threePt" dir="t"/>
+    </dgm:scene3d>
+    <dgm:sp3d/>
+    <dgm:txPr/>
+    <dgm:style>
+      <a:lnRef idx="2">
+        <a:scrgbClr r="0" g="0" b="0"/>
+      </a:lnRef>
+      <a:fillRef idx="0">
+        <a:scrgbClr r="0" g="0" b="0"/>
+      </a:fillRef>
+      <a:effectRef idx="0">
+        <a:scrgbClr r="0" g="0" b="0"/>
+      </a:effectRef>
+      <a:fontRef idx="minor"/>
+    </dgm:style>
+  </dgm:styleLbl>
+  <dgm:styleLbl name="parChTrans1D3">
+    <dgm:scene3d>
+      <a:camera prst="orthographicFront"/>
+      <a:lightRig rig="threePt" dir="t"/>
+    </dgm:scene3d>
+    <dgm:sp3d/>
+    <dgm:txPr/>
+    <dgm:style>
+      <a:lnRef idx="2">
+        <a:scrgbClr r="0" g="0" b="0"/>
+      </a:lnRef>
+      <a:fillRef idx="0">
+        <a:scrgbClr r="0" g="0" b="0"/>
+      </a:fillRef>
+      <a:effectRef idx="0">
+        <a:scrgbClr r="0" g="0" b="0"/>
+      </a:effectRef>
+      <a:fontRef idx="minor"/>
+    </dgm:style>
+  </dgm:styleLbl>
+  <dgm:styleLbl name="parChTrans1D4">
+    <dgm:scene3d>
+      <a:camera prst="orthographicFront"/>
+      <a:lightRig rig="threePt" dir="t"/>
+    </dgm:scene3d>
+    <dgm:sp3d/>
+    <dgm:txPr/>
+    <dgm:style>
+      <a:lnRef idx="2">
+        <a:scrgbClr r="0" g="0" b="0"/>
+      </a:lnRef>
+      <a:fillRef idx="0">
+        <a:scrgbClr r="0" g="0" b="0"/>
+      </a:fillRef>
+      <a:effectRef idx="0">
+        <a:scrgbClr r="0" g="0" b="0"/>
+      </a:effectRef>
+      <a:fontRef idx="minor"/>
+    </dgm:style>
+  </dgm:styleLbl>
+  <dgm:styleLbl name="fgAcc1">
+    <dgm:scene3d>
+      <a:camera prst="orthographicFront"/>
+      <a:lightRig rig="threePt" dir="t"/>
+    </dgm:scene3d>
+    <dgm:sp3d/>
+    <dgm:txPr/>
+    <dgm:style>
+      <a:lnRef idx="2">
+        <a:scrgbClr r="0" g="0" b="0"/>
+      </a:lnRef>
+      <a:fillRef idx="1">
+        <a:scrgbClr r="0" g="0" b="0"/>
+      </a:fillRef>
+      <a:effectRef idx="0">
+        <a:scrgbClr r="0" g="0" b="0"/>
+      </a:effectRef>
+      <a:fontRef idx="minor"/>
+    </dgm:style>
+  </dgm:styleLbl>
+  <dgm:styleLbl name="conFgAcc1">
+    <dgm:scene3d>
+      <a:camera prst="orthographicFront"/>
+      <a:lightRig rig="threePt" dir="t"/>
+    </dgm:scene3d>
+    <dgm:sp3d/>
+    <dgm:txPr/>
+    <dgm:style>
+      <a:lnRef idx="2">
+        <a:scrgbClr r="0" g="0" b="0"/>
+      </a:lnRef>
+      <a:fillRef idx="1">
+        <a:scrgbClr r="0" g="0" b="0"/>
+      </a:fillRef>
+      <a:effectRef idx="0">
+        <a:scrgbClr r="0" g="0" b="0"/>
+      </a:effectRef>
+      <a:fontRef idx="minor"/>
+    </dgm:style>
+  </dgm:styleLbl>
+  <dgm:styleLbl name="alignAcc1">
+    <dgm:scene3d>
+      <a:camera prst="orthographicFront"/>
+      <a:lightRig rig="threePt" dir="t"/>
+    </dgm:scene3d>
+    <dgm:sp3d/>
+    <dgm:txPr/>
+    <dgm:style>
+      <a:lnRef idx="2">
+        <a:scrgbClr r="0" g="0" b="0"/>
+      </a:lnRef>
+      <a:fillRef idx="1">
+        <a:scrgbClr r="0" g="0" b="0"/>
+      </a:fillRef>
+      <a:effectRef idx="0">
+        <a:scrgbClr r="0" g="0" b="0"/>
+      </a:effectRef>
+      <a:fontRef idx="minor"/>
+    </dgm:style>
+  </dgm:styleLbl>
+  <dgm:styleLbl name="trAlignAcc1">
+    <dgm:scene3d>
+      <a:camera prst="orthographicFront"/>
+      <a:lightRig rig="threePt" dir="t"/>
+    </dgm:scene3d>
+    <dgm:sp3d/>
+    <dgm:txPr/>
+    <dgm:style>
+      <a:lnRef idx="1">
+        <a:scrgbClr r="0" g="0" b="0"/>
+      </a:lnRef>
+      <a:fillRef idx="1">
+        <a:scrgbClr r="0" g="0" b="0"/>
+      </a:fillRef>
+      <a:effectRef idx="0">
+        <a:scrgbClr r="0" g="0" b="0"/>
+      </a:effectRef>
+      <a:fontRef idx="minor"/>
+    </dgm:style>
+  </dgm:styleLbl>
+  <dgm:styleLbl name="bgAcc1">
+    <dgm:scene3d>
+      <a:camera prst="orthographicFront"/>
+      <a:lightRig rig="threePt" dir="t"/>
+    </dgm:scene3d>
+    <dgm:sp3d/>
+    <dgm:txPr/>
+    <dgm:style>
+      <a:lnRef idx="2">
+        <a:scrgbClr r="0" g="0" b="0"/>
+      </a:lnRef>
+      <a:fillRef idx="1">
+        <a:scrgbClr r="0" g="0" b="0"/>
+      </a:fillRef>
+      <a:effectRef idx="0">
+        <a:scrgbClr r="0" g="0" b="0"/>
+      </a:effectRef>
+      <a:fontRef idx="minor"/>
+    </dgm:style>
+  </dgm:styleLbl>
+  <dgm:styleLbl name="solidFgAcc1">
+    <dgm:scene3d>
+      <a:camera prst="orthographicFront"/>
+      <a:lightRig rig="threePt" dir="t"/>
+    </dgm:scene3d>
+    <dgm:sp3d/>
+    <dgm:txPr/>
+    <dgm:style>
+      <a:lnRef idx="2">
+        <a:scrgbClr r="0" g="0" b="0"/>
+      </a:lnRef>
+      <a:fillRef idx="1">
+        <a:scrgbClr r="0" g="0" b="0"/>
+      </a:fillRef>
+      <a:effectRef idx="0">
+        <a:scrgbClr r="0" g="0" b="0"/>
+      </a:effectRef>
+      <a:fontRef idx="minor"/>
+    </dgm:style>
+  </dgm:styleLbl>
+  <dgm:styleLbl name="solidAlignAcc1">
+    <dgm:scene3d>
+      <a:camera prst="orthographicFront"/>
+      <a:lightRig rig="threePt" dir="t"/>
+    </dgm:scene3d>
+    <dgm:sp3d/>
+    <dgm:txPr/>
+    <dgm:style>
+      <a:lnRef idx="2">
+        <a:scrgbClr r="0" g="0" b="0"/>
+      </a:lnRef>
+      <a:fillRef idx="1">
+        <a:scrgbClr r="0" g="0" b="0"/>
+      </a:fillRef>
+      <a:effectRef idx="0">
+        <a:scrgbClr r="0" g="0" b="0"/>
+      </a:effectRef>
+      <a:fontRef idx="minor"/>
+    </dgm:style>
+  </dgm:styleLbl>
+  <dgm:styleLbl name="solidBgAcc1">
+    <dgm:scene3d>
+      <a:camera prst="orthographicFront"/>
+      <a:lightRig rig="threePt" dir="t"/>
+    </dgm:scene3d>
+    <dgm:sp3d/>
+    <dgm:txPr/>
+    <dgm:style>
+      <a:lnRef idx="2">
+        <a:scrgbClr r="0" g="0" b="0"/>
+      </a:lnRef>
+      <a:fillRef idx="1">
+        <a:scrgbClr r="0" g="0" b="0"/>
+      </a:fillRef>
+      <a:effectRef idx="0">
+        <a:scrgbClr r="0" g="0" b="0"/>
+      </a:effectRef>
+      <a:fontRef idx="minor"/>
+    </dgm:style>
+  </dgm:styleLbl>
+  <dgm:styleLbl name="fgAccFollowNode1">
+    <dgm:scene3d>
+      <a:camera prst="orthographicFront"/>
+      <a:lightRig rig="threePt" dir="t"/>
+    </dgm:scene3d>
+    <dgm:sp3d/>
+    <dgm:txPr/>
+    <dgm:style>
+      <a:lnRef idx="2">
+        <a:scrgbClr r="0" g="0" b="0"/>
+      </a:lnRef>
+      <a:fillRef idx="1">
+        <a:scrgbClr r="0" g="0" b="0"/>
+      </a:fillRef>
+      <a:effectRef idx="0">
+        <a:scrgbClr r="0" g="0" b="0"/>
+      </a:effectRef>
+      <a:fontRef idx="minor"/>
+    </dgm:style>
+  </dgm:styleLbl>
+  <dgm:styleLbl name="alignAccFollowNode1">
+    <dgm:scene3d>
+      <a:camera prst="orthographicFront"/>
+      <a:lightRig rig="threePt" dir="t"/>
+    </dgm:scene3d>
+    <dgm:sp3d/>
+    <dgm:txPr/>
+    <dgm:style>
+      <a:lnRef idx="2">
+        <a:scrgbClr r="0" g="0" b="0"/>
+      </a:lnRef>
+      <a:fillRef idx="1">
+        <a:scrgbClr r="0" g="0" b="0"/>
+      </a:fillRef>
+      <a:effectRef idx="0">
+        <a:scrgbClr r="0" g="0" b="0"/>
+      </a:effectRef>
+      <a:fontRef idx="minor"/>
+    </dgm:style>
+  </dgm:styleLbl>
+  <dgm:styleLbl name="bgAccFollowNode1">
+    <dgm:scene3d>
+      <a:camera prst="orthographicFront"/>
+      <a:lightRig rig="threePt" dir="t"/>
+    </dgm:scene3d>
+    <dgm:sp3d/>
+    <dgm:txPr/>
+    <dgm:style>
+      <a:lnRef idx="2">
+        <a:scrgbClr r="0" g="0" b="0"/>
+      </a:lnRef>
+      <a:fillRef idx="1">
+        <a:scrgbClr r="0" g="0" b="0"/>
+      </a:fillRef>
+      <a:effectRef idx="0">
+        <a:scrgbClr r="0" g="0" b="0"/>
+      </a:effectRef>
+      <a:fontRef idx="minor"/>
+    </dgm:style>
+  </dgm:styleLbl>
+  <dgm:styleLbl name="fgAcc0">
+    <dgm:scene3d>
+      <a:camera prst="orthographicFront"/>
+      <a:lightRig rig="threePt" dir="t"/>
+    </dgm:scene3d>
+    <dgm:sp3d/>
+    <dgm:txPr/>
+    <dgm:style>
+      <a:lnRef idx="2">
+        <a:scrgbClr r="0" g="0" b="0"/>
+      </a:lnRef>
+      <a:fillRef idx="1">
+        <a:scrgbClr r="0" g="0" b="0"/>
+      </a:fillRef>
+      <a:effectRef idx="0">
+        <a:scrgbClr r="0" g="0" b="0"/>
+      </a:effectRef>
+      <a:fontRef idx="minor"/>
+    </dgm:style>
+  </dgm:styleLbl>
+  <dgm:styleLbl name="fgAcc2">
+    <dgm:scene3d>
+      <a:camera prst="orthographicFront"/>
+      <a:lightRig rig="threePt" dir="t"/>
+    </dgm:scene3d>
+    <dgm:sp3d/>
+    <dgm:txPr/>
+    <dgm:style>
+      <a:lnRef idx="2">
+        <a:scrgbClr r="0" g="0" b="0"/>
+      </a:lnRef>
+      <a:fillRef idx="1">
+        <a:scrgbClr r="0" g="0" b="0"/>
+      </a:fillRef>
+      <a:effectRef idx="0">
+        <a:scrgbClr r="0" g="0" b="0"/>
+      </a:effectRef>
+      <a:fontRef idx="minor"/>
+    </dgm:style>
+  </dgm:styleLbl>
+  <dgm:styleLbl name="fgAcc3">
+    <dgm:scene3d>
+      <a:camera prst="orthographicFront"/>
+      <a:lightRig rig="threePt" dir="t"/>
+    </dgm:scene3d>
+    <dgm:sp3d/>
+    <dgm:txPr/>
+    <dgm:style>
+      <a:lnRef idx="2">
+        <a:scrgbClr r="0" g="0" b="0"/>
+      </a:lnRef>
+      <a:fillRef idx="1">
+        <a:scrgbClr r="0" g="0" b="0"/>
+      </a:fillRef>
+      <a:effectRef idx="0">
+        <a:scrgbClr r="0" g="0" b="0"/>
+      </a:effectRef>
+      <a:fontRef idx="minor"/>
+    </dgm:style>
+  </dgm:styleLbl>
+  <dgm:styleLbl name="fgAcc4">
+    <dgm:scene3d>
+      <a:camera prst="orthographicFront"/>
+      <a:lightRig rig="threePt" dir="t"/>
+    </dgm:scene3d>
+    <dgm:sp3d/>
+    <dgm:txPr/>
+    <dgm:style>
+      <a:lnRef idx="2">
+        <a:scrgbClr r="0" g="0" b="0"/>
+      </a:lnRef>
+      <a:fillRef idx="1">
+        <a:scrgbClr r="0" g="0" b="0"/>
+      </a:fillRef>
+      <a:effectRef idx="0">
+        <a:scrgbClr r="0" g="0" b="0"/>
+      </a:effectRef>
+      <a:fontRef idx="minor"/>
+    </dgm:style>
+  </dgm:styleLbl>
+  <dgm:styleLbl name="bgShp">
+    <dgm:scene3d>
+      <a:camera prst="orthographicFront"/>
+      <a:lightRig rig="threePt" dir="t"/>
+    </dgm:scene3d>
+    <dgm:sp3d/>
+    <dgm:txPr/>
+    <dgm:style>
+      <a:lnRef idx="0">
+        <a:scrgbClr r="0" g="0" b="0"/>
+      </a:lnRef>
+      <a:fillRef idx="1">
+        <a:scrgbClr r="0" g="0" b="0"/>
+      </a:fillRef>
+      <a:effectRef idx="0">
+        <a:scrgbClr r="0" g="0" b="0"/>
+      </a:effectRef>
+      <a:fontRef idx="minor"/>
+    </dgm:style>
+  </dgm:styleLbl>
+  <dgm:styleLbl name="dkBgShp">
+    <dgm:scene3d>
+      <a:camera prst="orthographicFront"/>
+      <a:lightRig rig="threePt" dir="t"/>
+    </dgm:scene3d>
+    <dgm:sp3d/>
+    <dgm:txPr/>
+    <dgm:style>
+      <a:lnRef idx="0">
+        <a:scrgbClr r="0" g="0" b="0"/>
+      </a:lnRef>
+      <a:fillRef idx="1">
+        <a:scrgbClr r="0" g="0" b="0"/>
+      </a:fillRef>
+      <a:effectRef idx="0">
+        <a:scrgbClr r="0" g="0" b="0"/>
+      </a:effectRef>
+      <a:fontRef idx="minor"/>
+    </dgm:style>
+  </dgm:styleLbl>
+  <dgm:styleLbl name="trBgShp">
+    <dgm:scene3d>
+      <a:camera prst="orthographicFront"/>
+      <a:lightRig rig="threePt" dir="t"/>
+    </dgm:scene3d>
+    <dgm:sp3d/>
+    <dgm:txPr/>
+    <dgm:style>
+      <a:lnRef idx="0">
+        <a:scrgbClr r="0" g="0" b="0"/>
+      </a:lnRef>
+      <a:fillRef idx="1">
+        <a:scrgbClr r="0" g="0" b="0"/>
+      </a:fillRef>
+      <a:effectRef idx="0">
+        <a:scrgbClr r="0" g="0" b="0"/>
+      </a:effectRef>
+      <a:fontRef idx="minor"/>
+    </dgm:style>
+  </dgm:styleLbl>
+  <dgm:styleLbl name="fgShp">
+    <dgm:scene3d>
+      <a:camera prst="orthographicFront"/>
+      <a:lightRig rig="threePt" dir="t"/>
+    </dgm:scene3d>
+    <dgm:sp3d/>
+    <dgm:txPr/>
+    <dgm:style>
+      <a:lnRef idx="2">
+        <a:scrgbClr r="0" g="0" b="0"/>
+      </a:lnRef>
+      <a:fillRef idx="1">
+        <a:scrgbClr r="0" g="0" b="0"/>
+      </a:fillRef>
+      <a:effectRef idx="0">
+        <a:scrgbClr r="0" g="0" b="0"/>
+      </a:effectRef>
+      <a:fontRef idx="minor"/>
+    </dgm:style>
+  </dgm:styleLbl>
+  <dgm:styleLbl name="revTx">
+    <dgm:scene3d>
+      <a:camera prst="orthographicFront"/>
+      <a:lightRig rig="threePt" dir="t"/>
+    </dgm:scene3d>
+    <dgm:sp3d/>
+    <dgm:txPr/>
+    <dgm:style>
+      <a:lnRef idx="0">
+        <a:scrgbClr r="0" g="0" b="0"/>
+      </a:lnRef>
+      <a:fillRef idx="0">
+        <a:scrgbClr r="0" g="0" b="0"/>
+      </a:fillRef>
+      <a:effectRef idx="0">
+        <a:scrgbClr r="0" g="0" b="0"/>
+      </a:effectRef>
+      <a:fontRef idx="minor"/>
+    </dgm:style>
+  </dgm:styleLbl>
+</dgm:styleDef>
+</file>
+
+<file path=ppt/diagrams/quickStyle13.xml><?xml version="1.0" encoding="utf-8"?>
 <dgm:styleDef xmlns:dgm="http://schemas.openxmlformats.org/drawingml/2006/diagram" xmlns:a="http://schemas.openxmlformats.org/drawingml/2006/main" uniqueId="urn:microsoft.com/office/officeart/2005/8/quickstyle/simple1">
   <dgm:title val=""/>
   <dgm:desc val=""/>
@@ -40736,14 +43526,15 @@
           <a:lstStyle/>
           <a:p>
             <a:r>
-              <a:rPr lang="zh-CN" altLang="en-US" dirty="0"/>
-              <a:t>译码器模块</a:t>
+              <a:rPr lang="zh-CN" altLang="en-US" dirty="0" smtClean="0"/>
+              <a:t>判决模块</a:t>
             </a:r>
+            <a:endParaRPr lang="zh-CN" altLang="en-US" dirty="0"/>
           </a:p>
         </p:txBody>
       </p:sp>
-      <mc:AlternateContent xmlns:mc="http://schemas.openxmlformats.org/markup-compatibility/2006" xmlns:a14="http://schemas.microsoft.com/office/drawing/2010/main">
-        <mc:Choice Requires="a14">
+      <mc:AlternateContent xmlns:mc="http://schemas.openxmlformats.org/markup-compatibility/2006">
+        <mc:Choice xmlns:a14="http://schemas.microsoft.com/office/drawing/2010/main" Requires="a14">
           <p:sp>
             <p:nvSpPr>
               <p:cNvPr id="3" name="内容占位符 2"/>
@@ -40756,8 +43547,8 @@
             </p:nvSpPr>
             <p:spPr>
               <a:xfrm>
-                <a:off x="401867" y="1270000"/>
-                <a:ext cx="9714899" cy="4902740"/>
+                <a:off x="401868" y="1270000"/>
+                <a:ext cx="8946413" cy="4902740"/>
               </a:xfrm>
             </p:spPr>
             <p:txBody>
@@ -40767,35 +43558,26 @@
               <a:lstStyle/>
               <a:p>
                 <a:r>
-                  <a:rPr lang="zh-CN" altLang="en-US" dirty="0"/>
-                  <a:t>未知</a:t>
+                  <a:rPr lang="zh-CN" altLang="en-US" dirty="0" smtClean="0"/>
+                  <a:t>若已知</a:t>
                 </a:r>
                 <a:r>
-                  <a:rPr lang="en-US" altLang="zh-CN" dirty="0"/>
+                  <a:rPr lang="en-US" altLang="zh-CN" dirty="0" smtClean="0"/>
                   <a:t>φ</a:t>
                 </a:r>
-                <a:r>
-                  <a:rPr lang="zh-CN" altLang="en-US" dirty="0"/>
-                  <a:t>，每次信道使用的</a:t>
-                </a:r>
-                <a:r>
-                  <a:rPr lang="en-US" altLang="zh-CN" dirty="0"/>
-                  <a:t>φ</a:t>
-                </a:r>
-                <a:r>
-                  <a:rPr lang="zh-CN" altLang="en-US" dirty="0"/>
-                  <a:t>均独立变化 </a:t>
-                </a:r>
-                <a:r>
-                  <a:rPr lang="en-US" altLang="zh-CN" dirty="0"/>
-                  <a:t>:</a:t>
-                </a:r>
+              </a:p>
+              <a:p>
+                <a:endParaRPr lang="en-US" altLang="zh-CN" dirty="0" smtClean="0"/>
               </a:p>
               <a:p>
                 <a:pPr lvl="1"/>
                 <a:r>
+                  <a:rPr lang="zh-CN" altLang="en-US" dirty="0" smtClean="0"/>
+                  <a:t>采取</a:t>
+                </a:r>
+                <a:r>
                   <a:rPr lang="zh-CN" altLang="en-US" dirty="0"/>
-                  <a:t>采取极大似然准则下的后验概率译码</a:t>
+                  <a:t>极大似然准则下的后验概率译码</a:t>
                 </a:r>
                 <a:endParaRPr lang="en-US" altLang="zh-CN" dirty="0"/>
               </a:p>
@@ -40806,16 +43588,12 @@
               <a:p>
                 <a:pPr lvl="1"/>
                 <a:r>
-                  <a:rPr lang="zh-CN" altLang="en-US" dirty="0"/>
-                  <a:t>在给定</a:t>
-                </a:r>
-                <a:r>
-                  <a:rPr lang="en-US" altLang="zh-CN" dirty="0"/>
-                  <a:t>φ</a:t>
+                  <a:rPr lang="zh-CN" altLang="en-US" dirty="0" smtClean="0"/>
+                  <a:t>只需</a:t>
                 </a:r>
                 <a:r>
                   <a:rPr lang="zh-CN" altLang="en-US" dirty="0"/>
-                  <a:t>的情况下，则只需将许用电平</a:t>
+                  <a:t>将许用电平</a:t>
                 </a:r>
                 <a:r>
                   <a:rPr lang="en-US" altLang="zh-CN" dirty="0"/>
@@ -40882,12 +43660,47 @@
                 </a14:m>
                 <a:r>
                   <a:rPr lang="zh-CN" altLang="en-US" dirty="0"/>
-                  <a:t>得到等效的许用电平便可以消除其影响，因此只需考虑高斯噪声</a:t>
+                  <a:t>得到等效的许用电平便可以消除其影响</a:t>
                 </a:r>
                 <a:r>
+                  <a:rPr lang="zh-CN" altLang="en-US" dirty="0" smtClean="0"/>
+                  <a:t>，</a:t>
+                </a:r>
+                <a:endParaRPr lang="en-US" altLang="zh-CN" dirty="0" smtClean="0"/>
+              </a:p>
+              <a:p>
+                <a:pPr marL="457200" lvl="1" indent="0">
+                  <a:buNone/>
+                </a:pPr>
+                <a:r>
                   <a:rPr lang="en-US" altLang="zh-CN" dirty="0"/>
+                  <a:t> </a:t>
+                </a:r>
+                <a:r>
+                  <a:rPr lang="en-US" altLang="zh-CN" dirty="0" smtClean="0"/>
+                  <a:t>   </a:t>
+                </a:r>
+                <a:r>
+                  <a:rPr lang="zh-CN" altLang="en-US" dirty="0" smtClean="0"/>
+                  <a:t>因此</a:t>
+                </a:r>
+                <a:r>
+                  <a:rPr lang="zh-CN" altLang="en-US" dirty="0"/>
+                  <a:t>只需考虑高斯噪声</a:t>
+                </a:r>
+                <a:r>
+                  <a:rPr lang="en-US" altLang="zh-CN" dirty="0" smtClean="0"/>
                   <a:t>n</a:t>
                 </a:r>
+                <a:r>
+                  <a:rPr lang="zh-CN" altLang="en-US" dirty="0" smtClean="0"/>
+                  <a:t>。</a:t>
+                </a:r>
+                <a:endParaRPr lang="en-US" altLang="zh-CN" dirty="0" smtClean="0"/>
+              </a:p>
+              <a:p>
+                <a:pPr lvl="1"/>
+                <a:endParaRPr lang="en-US" altLang="zh-CN" dirty="0"/>
               </a:p>
               <a:p>
                 <a:pPr lvl="1"/>
@@ -40956,14 +43769,497 @@
                 </a:r>
                 <a:r>
                   <a:rPr lang="zh-CN" altLang="en-US" dirty="0"/>
-                  <a:t>得到的概率密度为</a:t>
+                  <a:t>得到的概率密度</a:t>
+                </a:r>
+                <a:r>
+                  <a:rPr lang="zh-CN" altLang="en-US" dirty="0" smtClean="0"/>
+                  <a:t>为</a:t>
+                </a:r>
+                <a:endParaRPr lang="en-US" altLang="zh-CN" dirty="0" smtClean="0"/>
+              </a:p>
+              <a:p>
+                <a:pPr marL="457200" lvl="1" indent="0">
+                  <a:buNone/>
+                </a:pPr>
+                <a:r>
+                  <a:rPr lang="en-US" altLang="zh-CN" dirty="0" smtClean="0"/>
+                  <a:t>                    f(</a:t>
+                </a:r>
+                <a:r>
+                  <a:rPr lang="en-US" altLang="zh-CN" dirty="0" err="1" smtClean="0"/>
+                  <a:t>φ|y,xi</a:t>
                 </a:r>
                 <a:r>
                   <a:rPr lang="en-US" altLang="zh-CN" dirty="0"/>
+                  <a:t>)</a:t>
+                </a:r>
+                <a:r>
+                  <a:rPr lang="en-US" altLang="zh-CN" dirty="0" smtClean="0"/>
+                  <a:t>=</a:t>
+                </a:r>
+                <a14:m>
+                  <m:oMath xmlns:m="http://schemas.openxmlformats.org/officeDocument/2006/math">
+                    <m:sSup>
+                      <m:sSupPr>
+                        <m:ctrlPr>
+                          <a:rPr lang="zh-CN" altLang="zh-CN" i="1">
+                            <a:latin typeface="Cambria Math" panose="02040503050406030204" pitchFamily="18" charset="0"/>
+                          </a:rPr>
+                        </m:ctrlPr>
+                      </m:sSupPr>
+                      <m:e>
+                        <m:d>
+                          <m:dPr>
+                            <m:ctrlPr>
+                              <a:rPr lang="zh-CN" altLang="zh-CN" i="1">
+                                <a:latin typeface="Cambria Math" panose="02040503050406030204" pitchFamily="18" charset="0"/>
+                              </a:rPr>
+                            </m:ctrlPr>
+                          </m:dPr>
+                          <m:e>
+                            <m:r>
+                              <a:rPr lang="en-US" altLang="zh-CN" i="1">
+                                <a:latin typeface="Cambria Math" panose="02040503050406030204" pitchFamily="18" charset="0"/>
+                              </a:rPr>
+                              <m:t>2</m:t>
+                            </m:r>
+                            <m:r>
+                              <a:rPr lang="en-US" altLang="zh-CN" i="1">
+                                <a:latin typeface="Cambria Math" panose="02040503050406030204" pitchFamily="18" charset="0"/>
+                              </a:rPr>
+                              <m:t>𝜋</m:t>
+                            </m:r>
+                            <m:sSup>
+                              <m:sSupPr>
+                                <m:ctrlPr>
+                                  <a:rPr lang="zh-CN" altLang="zh-CN" i="1">
+                                    <a:latin typeface="Cambria Math" panose="02040503050406030204" pitchFamily="18" charset="0"/>
+                                  </a:rPr>
+                                </m:ctrlPr>
+                              </m:sSupPr>
+                              <m:e>
+                                <m:r>
+                                  <a:rPr lang="en-US" altLang="zh-CN" i="1">
+                                    <a:latin typeface="Cambria Math" panose="02040503050406030204" pitchFamily="18" charset="0"/>
+                                  </a:rPr>
+                                  <m:t>𝜎</m:t>
+                                </m:r>
+                              </m:e>
+                              <m:sup>
+                                <m:r>
+                                  <a:rPr lang="en-US" altLang="zh-CN" i="1">
+                                    <a:latin typeface="Cambria Math" panose="02040503050406030204" pitchFamily="18" charset="0"/>
+                                  </a:rPr>
+                                  <m:t>2</m:t>
+                                </m:r>
+                              </m:sup>
+                            </m:sSup>
+                          </m:e>
+                        </m:d>
+                      </m:e>
+                      <m:sup>
+                        <m:r>
+                          <a:rPr lang="en-US" altLang="zh-CN" i="1">
+                            <a:latin typeface="Cambria Math" panose="02040503050406030204" pitchFamily="18" charset="0"/>
+                          </a:rPr>
+                          <m:t>−1</m:t>
+                        </m:r>
+                      </m:sup>
+                    </m:sSup>
+                    <m:func>
+                      <m:funcPr>
+                        <m:ctrlPr>
+                          <a:rPr lang="zh-CN" altLang="zh-CN" i="1">
+                            <a:latin typeface="Cambria Math" panose="02040503050406030204" pitchFamily="18" charset="0"/>
+                          </a:rPr>
+                        </m:ctrlPr>
+                      </m:funcPr>
+                      <m:fName>
+                        <m:r>
+                          <m:rPr>
+                            <m:sty m:val="p"/>
+                          </m:rPr>
+                          <a:rPr lang="en-US" altLang="zh-CN">
+                            <a:latin typeface="Cambria Math" panose="02040503050406030204" pitchFamily="18" charset="0"/>
+                          </a:rPr>
+                          <m:t>exp</m:t>
+                        </m:r>
+                      </m:fName>
+                      <m:e>
+                        <m:d>
+                          <m:dPr>
+                            <m:ctrlPr>
+                              <a:rPr lang="zh-CN" altLang="zh-CN" i="1">
+                                <a:latin typeface="Cambria Math" panose="02040503050406030204" pitchFamily="18" charset="0"/>
+                              </a:rPr>
+                            </m:ctrlPr>
+                          </m:dPr>
+                          <m:e>
+                            <m:r>
+                              <a:rPr lang="en-US" altLang="zh-CN" i="1">
+                                <a:latin typeface="Cambria Math" panose="02040503050406030204" pitchFamily="18" charset="0"/>
+                              </a:rPr>
+                              <m:t>−</m:t>
+                            </m:r>
+                            <m:f>
+                              <m:fPr>
+                                <m:ctrlPr>
+                                  <a:rPr lang="zh-CN" altLang="zh-CN" i="1">
+                                    <a:latin typeface="Cambria Math" panose="02040503050406030204" pitchFamily="18" charset="0"/>
+                                  </a:rPr>
+                                </m:ctrlPr>
+                              </m:fPr>
+                              <m:num>
+                                <m:sSup>
+                                  <m:sSupPr>
+                                    <m:ctrlPr>
+                                      <a:rPr lang="zh-CN" altLang="zh-CN" i="1">
+                                        <a:latin typeface="Cambria Math" panose="02040503050406030204" pitchFamily="18" charset="0"/>
+                                      </a:rPr>
+                                    </m:ctrlPr>
+                                  </m:sSupPr>
+                                  <m:e>
+                                    <m:d>
+                                      <m:dPr>
+                                        <m:begChr m:val="|"/>
+                                        <m:endChr m:val="|"/>
+                                        <m:ctrlPr>
+                                          <a:rPr lang="zh-CN" altLang="zh-CN" i="1">
+                                            <a:latin typeface="Cambria Math" panose="02040503050406030204" pitchFamily="18" charset="0"/>
+                                          </a:rPr>
+                                        </m:ctrlPr>
+                                      </m:dPr>
+                                      <m:e>
+                                        <m:r>
+                                          <a:rPr lang="en-US" altLang="zh-CN" i="1">
+                                            <a:latin typeface="Cambria Math" panose="02040503050406030204" pitchFamily="18" charset="0"/>
+                                          </a:rPr>
+                                          <m:t>𝑦</m:t>
+                                        </m:r>
+                                        <m:r>
+                                          <a:rPr lang="en-US" altLang="zh-CN" i="1">
+                                            <a:latin typeface="Cambria Math" panose="02040503050406030204" pitchFamily="18" charset="0"/>
+                                          </a:rPr>
+                                          <m:t>−</m:t>
+                                        </m:r>
+                                        <m:r>
+                                          <a:rPr lang="en-US" altLang="zh-CN" i="1">
+                                            <a:latin typeface="Cambria Math" panose="02040503050406030204" pitchFamily="18" charset="0"/>
+                                          </a:rPr>
+                                          <m:t>𝑥𝑖</m:t>
+                                        </m:r>
+                                        <m:sSup>
+                                          <m:sSupPr>
+                                            <m:ctrlPr>
+                                              <a:rPr lang="zh-CN" altLang="zh-CN" i="1">
+                                                <a:latin typeface="Cambria Math" panose="02040503050406030204" pitchFamily="18" charset="0"/>
+                                              </a:rPr>
+                                            </m:ctrlPr>
+                                          </m:sSupPr>
+                                          <m:e>
+                                            <m:r>
+                                              <a:rPr lang="en-US" altLang="zh-CN" i="1">
+                                                <a:latin typeface="Cambria Math" panose="02040503050406030204" pitchFamily="18" charset="0"/>
+                                              </a:rPr>
+                                              <m:t>𝑒</m:t>
+                                            </m:r>
+                                          </m:e>
+                                          <m:sup>
+                                            <m:r>
+                                              <a:rPr lang="en-US" altLang="zh-CN" i="1">
+                                                <a:latin typeface="Cambria Math" panose="02040503050406030204" pitchFamily="18" charset="0"/>
+                                              </a:rPr>
+                                              <m:t>𝑗</m:t>
+                                            </m:r>
+                                            <m:r>
+                                              <a:rPr lang="en-US" altLang="zh-CN" i="1">
+                                                <a:latin typeface="Cambria Math" panose="02040503050406030204" pitchFamily="18" charset="0"/>
+                                              </a:rPr>
+                                              <m:t>𝜑</m:t>
+                                            </m:r>
+                                          </m:sup>
+                                        </m:sSup>
+                                      </m:e>
+                                    </m:d>
+                                  </m:e>
+                                  <m:sup>
+                                    <m:r>
+                                      <a:rPr lang="en-US" altLang="zh-CN" i="1">
+                                        <a:latin typeface="Cambria Math" panose="02040503050406030204" pitchFamily="18" charset="0"/>
+                                      </a:rPr>
+                                      <m:t>2</m:t>
+                                    </m:r>
+                                  </m:sup>
+                                </m:sSup>
+                              </m:num>
+                              <m:den>
+                                <m:r>
+                                  <a:rPr lang="en-US" altLang="zh-CN" i="1">
+                                    <a:latin typeface="Cambria Math" panose="02040503050406030204" pitchFamily="18" charset="0"/>
+                                  </a:rPr>
+                                  <m:t>2</m:t>
+                                </m:r>
+                                <m:sSup>
+                                  <m:sSupPr>
+                                    <m:ctrlPr>
+                                      <a:rPr lang="zh-CN" altLang="zh-CN" i="1">
+                                        <a:latin typeface="Cambria Math" panose="02040503050406030204" pitchFamily="18" charset="0"/>
+                                      </a:rPr>
+                                    </m:ctrlPr>
+                                  </m:sSupPr>
+                                  <m:e>
+                                    <m:r>
+                                      <a:rPr lang="en-US" altLang="zh-CN" i="1">
+                                        <a:latin typeface="Cambria Math" panose="02040503050406030204" pitchFamily="18" charset="0"/>
+                                      </a:rPr>
+                                      <m:t>𝜎</m:t>
+                                    </m:r>
+                                  </m:e>
+                                  <m:sup>
+                                    <m:r>
+                                      <a:rPr lang="en-US" altLang="zh-CN" i="1">
+                                        <a:latin typeface="Cambria Math" panose="02040503050406030204" pitchFamily="18" charset="0"/>
+                                      </a:rPr>
+                                      <m:t>2</m:t>
+                                    </m:r>
+                                  </m:sup>
+                                </m:sSup>
+                              </m:den>
+                            </m:f>
+                          </m:e>
+                        </m:d>
+                      </m:e>
+                    </m:func>
+                  </m:oMath>
+                </a14:m>
+                <a:endParaRPr lang="en-US" altLang="zh-CN" dirty="0"/>
+              </a:p>
+              <a:p>
+                <a:pPr marL="457200" lvl="1" indent="0">
+                  <a:buNone/>
+                </a:pPr>
+                <a:r>
+                  <a:rPr lang="zh-CN" altLang="en-US" dirty="0" smtClean="0"/>
+                  <a:t>     可以看出这个概率密度只与接收符号</a:t>
+                </a:r>
+                <a:r>
+                  <a:rPr lang="en-US" altLang="zh-CN" dirty="0" smtClean="0"/>
+                  <a:t>y</a:t>
+                </a:r>
+                <a:r>
+                  <a:rPr lang="zh-CN" altLang="en-US" dirty="0" smtClean="0"/>
+                  <a:t>和许用符号</a:t>
+                </a:r>
+                <a:r>
+                  <a:rPr lang="en-US" altLang="zh-CN" dirty="0" smtClean="0"/>
+                  <a:t>x</a:t>
+                </a:r>
+                <a:r>
+                  <a:rPr lang="zh-CN" altLang="en-US" dirty="0" smtClean="0"/>
+                  <a:t>之间的欧式距离有关，因此可以应用最</a:t>
+                </a:r>
+                <a:endParaRPr lang="en-US" altLang="zh-CN" dirty="0" smtClean="0"/>
+              </a:p>
+              <a:p>
+                <a:pPr marL="457200" lvl="1" indent="0">
+                  <a:buNone/>
+                </a:pPr>
+                <a:r>
+                  <a:rPr lang="zh-CN" altLang="en-US" dirty="0" smtClean="0"/>
+                  <a:t>     小欧式距离准则进行判决。</a:t>
+                </a:r>
+                <a:endParaRPr lang="en-US" altLang="zh-CN" dirty="0"/>
+              </a:p>
+              <a:p>
+                <a:pPr lvl="1"/>
+                <a:endParaRPr lang="en-US" altLang="zh-CN" dirty="0"/>
+              </a:p>
+            </p:txBody>
+          </p:sp>
+        </mc:Choice>
+        <mc:Fallback>
+          <p:sp>
+            <p:nvSpPr>
+              <p:cNvPr id="3" name="内容占位符 2"/>
+              <p:cNvSpPr>
+                <a:spLocks noGrp="1" noRot="1" noChangeAspect="1" noMove="1" noResize="1" noEditPoints="1" noAdjustHandles="1" noChangeArrowheads="1" noChangeShapeType="1" noTextEdit="1"/>
+              </p:cNvSpPr>
+              <p:nvPr>
+                <p:ph idx="1"/>
+              </p:nvPr>
+            </p:nvSpPr>
+            <p:spPr>
+              <a:xfrm>
+                <a:off x="401868" y="1270000"/>
+                <a:ext cx="8946413" cy="4902740"/>
+              </a:xfrm>
+              <a:blipFill>
+                <a:blip r:embed="rId2"/>
+                <a:stretch>
+                  <a:fillRect l="-204" t="-870"/>
+                </a:stretch>
+              </a:blipFill>
+            </p:spPr>
+            <p:txBody>
+              <a:bodyPr/>
+              <a:lstStyle/>
+              <a:p>
+                <a:r>
+                  <a:rPr lang="zh-CN" altLang="en-US">
+                    <a:noFill/>
+                  </a:rPr>
+                  <a:t> </a:t>
+                </a:r>
+              </a:p>
+            </p:txBody>
+          </p:sp>
+        </mc:Fallback>
+      </mc:AlternateContent>
+      <p:graphicFrame>
+        <p:nvGraphicFramePr>
+          <p:cNvPr id="4" name="图示 3"/>
+          <p:cNvGraphicFramePr/>
+          <p:nvPr>
+            <p:extLst/>
+          </p:nvPr>
+        </p:nvGraphicFramePr>
+        <p:xfrm>
+          <a:off x="265343" y="66624"/>
+          <a:ext cx="5478509" cy="425552"/>
+        </p:xfrm>
+        <a:graphic>
+          <a:graphicData uri="http://schemas.openxmlformats.org/drawingml/2006/diagram">
+            <dgm:relIds xmlns:dgm="http://schemas.openxmlformats.org/drawingml/2006/diagram" xmlns:r="http://schemas.openxmlformats.org/officeDocument/2006/relationships" r:dm="rId3" r:lo="rId4" r:qs="rId5" r:cs="rId6"/>
+          </a:graphicData>
+        </a:graphic>
+      </p:graphicFrame>
+    </p:spTree>
+    <p:extLst>
+      <p:ext uri="{BB962C8B-B14F-4D97-AF65-F5344CB8AC3E}">
+        <p14:creationId xmlns:p14="http://schemas.microsoft.com/office/powerpoint/2010/main" val="585638199"/>
+      </p:ext>
+    </p:extLst>
+  </p:cSld>
+  <p:clrMapOvr>
+    <a:masterClrMapping/>
+  </p:clrMapOvr>
+</p:sld>
+</file>
+
+<file path=ppt/slides/slide16.xml><?xml version="1.0" encoding="utf-8"?>
+<p:sld xmlns:a="http://schemas.openxmlformats.org/drawingml/2006/main" xmlns:r="http://schemas.openxmlformats.org/officeDocument/2006/relationships" xmlns:p="http://schemas.openxmlformats.org/presentationml/2006/main">
+  <p:cSld>
+    <p:spTree>
+      <p:nvGrpSpPr>
+        <p:cNvPr id="1" name=""/>
+        <p:cNvGrpSpPr/>
+        <p:nvPr/>
+      </p:nvGrpSpPr>
+      <p:grpSpPr>
+        <a:xfrm>
+          <a:off x="0" y="0"/>
+          <a:ext cx="0" cy="0"/>
+          <a:chOff x="0" y="0"/>
+          <a:chExt cx="0" cy="0"/>
+        </a:xfrm>
+      </p:grpSpPr>
+      <p:sp>
+        <p:nvSpPr>
+          <p:cNvPr id="2" name="标题 1"/>
+          <p:cNvSpPr>
+            <a:spLocks noGrp="1"/>
+          </p:cNvSpPr>
+          <p:nvPr>
+            <p:ph type="title"/>
+          </p:nvPr>
+        </p:nvSpPr>
+        <p:spPr/>
+        <p:txBody>
+          <a:bodyPr/>
+          <a:lstStyle/>
+          <a:p>
+            <a:r>
+              <a:rPr lang="zh-CN" altLang="en-US" dirty="0" smtClean="0"/>
+              <a:t>判决模块</a:t>
+            </a:r>
+            <a:endParaRPr lang="zh-CN" altLang="en-US" dirty="0"/>
+          </a:p>
+        </p:txBody>
+      </p:sp>
+      <mc:AlternateContent xmlns:mc="http://schemas.openxmlformats.org/markup-compatibility/2006">
+        <mc:Choice xmlns:a14="http://schemas.microsoft.com/office/drawing/2010/main" Requires="a14">
+          <p:sp>
+            <p:nvSpPr>
+              <p:cNvPr id="3" name="内容占位符 2"/>
+              <p:cNvSpPr>
+                <a:spLocks noGrp="1"/>
+              </p:cNvSpPr>
+              <p:nvPr>
+                <p:ph idx="1"/>
+              </p:nvPr>
+            </p:nvSpPr>
+            <p:spPr>
+              <a:xfrm>
+                <a:off x="401868" y="1270000"/>
+                <a:ext cx="9121512" cy="4902740"/>
+              </a:xfrm>
+            </p:spPr>
+            <p:txBody>
+              <a:bodyPr>
+                <a:normAutofit/>
+              </a:bodyPr>
+              <a:lstStyle/>
+              <a:p>
+                <a:r>
+                  <a:rPr lang="zh-CN" altLang="en-US" dirty="0"/>
+                  <a:t>未知</a:t>
+                </a:r>
+                <a:r>
+                  <a:rPr lang="en-US" altLang="zh-CN" dirty="0"/>
+                  <a:t>φ</a:t>
+                </a:r>
+                <a:r>
+                  <a:rPr lang="zh-CN" altLang="en-US" dirty="0"/>
+                  <a:t>，每次信道使用的</a:t>
+                </a:r>
+                <a:r>
+                  <a:rPr lang="en-US" altLang="zh-CN" dirty="0"/>
+                  <a:t>φ</a:t>
+                </a:r>
+                <a:r>
+                  <a:rPr lang="zh-CN" altLang="en-US" dirty="0"/>
+                  <a:t>均独立变化 </a:t>
+                </a:r>
+                <a:r>
+                  <a:rPr lang="en-US" altLang="zh-CN" dirty="0" smtClean="0"/>
+                  <a:t>:</a:t>
+                </a:r>
+                <a:endParaRPr lang="en-US" altLang="zh-CN" dirty="0"/>
+              </a:p>
+              <a:p>
+                <a:pPr lvl="1"/>
+                <a:endParaRPr lang="en-US" altLang="zh-CN" dirty="0"/>
+              </a:p>
+              <a:p>
+                <a:pPr lvl="1"/>
+                <a:r>
+                  <a:rPr lang="zh-CN" altLang="en-US" dirty="0" smtClean="0"/>
+                  <a:t>由前一页</a:t>
+                </a:r>
+                <a:r>
+                  <a:rPr lang="en-US" altLang="zh-CN" dirty="0" smtClean="0"/>
+                  <a:t>φ</a:t>
+                </a:r>
+                <a:r>
+                  <a:rPr lang="zh-CN" altLang="en-US" dirty="0" smtClean="0"/>
+                  <a:t>已知的情况得</a:t>
+                </a:r>
+                <a:r>
+                  <a:rPr lang="en-US" altLang="zh-CN" dirty="0" smtClean="0"/>
                   <a:t>f(</a:t>
                 </a:r>
                 <a:r>
-                  <a:rPr lang="en-US" altLang="zh-CN" dirty="0" err="1"/>
+                  <a:rPr lang="en-US" altLang="zh-CN" dirty="0" err="1" smtClean="0"/>
                   <a:t>φ|y,xi</a:t>
                 </a:r>
                 <a:r>
@@ -41210,24 +44506,34 @@
                   </m:oMath>
                 </a14:m>
                 <a:r>
-                  <a:rPr lang="en-US" altLang="zh-CN" dirty="0"/>
-                  <a:t>)</a:t>
+                  <a:rPr lang="zh-CN" altLang="en-US" dirty="0" smtClean="0"/>
+                  <a:t>，</a:t>
                 </a:r>
                 <a:r>
                   <a:rPr lang="zh-CN" altLang="en-US" dirty="0"/>
-                  <a:t>，因此去掉常数系数，用</a:t>
+                  <a:t>因此去掉常数系数，</a:t>
+                </a:r>
+                <a:r>
+                  <a:rPr lang="zh-CN" altLang="en-US" dirty="0" smtClean="0"/>
+                  <a:t>用</a:t>
+                </a:r>
+                <a:endParaRPr lang="en-US" altLang="zh-CN" dirty="0" smtClean="0"/>
+              </a:p>
+              <a:p>
+                <a:pPr marL="457200" lvl="1" indent="0">
+                  <a:buNone/>
+                </a:pPr>
+                <a:r>
+                  <a:rPr lang="en-US" altLang="zh-CN" dirty="0"/>
+                  <a:t> </a:t>
+                </a:r>
+                <a:r>
+                  <a:rPr lang="en-US" altLang="zh-CN" dirty="0" smtClean="0"/>
+                  <a:t>     </a:t>
                 </a:r>
                 <a:r>
                   <a:rPr lang="en-US" altLang="zh-CN" dirty="0"/>
-                  <a:t>d</a:t>
-                </a:r>
-                <a:r>
-                  <a:rPr lang="zh-CN" altLang="en-US" dirty="0"/>
-                  <a:t>（</a:t>
-                </a:r>
-                <a:r>
-                  <a:rPr lang="en-US" altLang="zh-CN" dirty="0"/>
-                  <a:t>φ</a:t>
+                  <a:t>d ( φ</a:t>
                 </a:r>
                 <a:r>
                   <a:rPr lang="zh-CN" altLang="en-US" dirty="0"/>
@@ -41238,12 +44544,8 @@
                   <a:t>i</a:t>
                 </a:r>
                 <a:r>
-                  <a:rPr lang="zh-CN" altLang="en-US" dirty="0"/>
-                  <a:t>）</a:t>
-                </a:r>
-                <a:r>
                   <a:rPr lang="en-US" altLang="zh-CN" dirty="0"/>
-                  <a:t>=</a:t>
+                  <a:t> ) =</a:t>
                 </a:r>
                 <a14:m>
                   <m:oMath xmlns:m="http://schemas.openxmlformats.org/officeDocument/2006/math">
@@ -41371,7 +44673,15 @@
                 </a14:m>
                 <a:r>
                   <a:rPr lang="zh-CN" altLang="en-US" dirty="0"/>
-                  <a:t>作为其概率密度的一个衡量标准</a:t>
+                  <a:t>作为其概率密度的一个衡量</a:t>
+                </a:r>
+                <a:r>
+                  <a:rPr lang="zh-CN" altLang="en-US" dirty="0" smtClean="0"/>
+                  <a:t>标准</a:t>
+                </a:r>
+                <a:r>
+                  <a:rPr lang="zh-CN" altLang="en-US" dirty="0"/>
+                  <a:t>。</a:t>
                 </a:r>
                 <a:endParaRPr lang="en-US" altLang="zh-CN" dirty="0"/>
               </a:p>
@@ -41390,36 +44700,36 @@
                   <a:t>φ</a:t>
                 </a:r>
                 <a:r>
-                  <a:rPr lang="zh-CN" altLang="en-US" dirty="0"/>
-                  <a:t>服从（</a:t>
+                  <a:rPr lang="zh-CN" altLang="en-US" dirty="0" smtClean="0"/>
+                  <a:t>服从</a:t>
                 </a:r>
                 <a:r>
-                  <a:rPr lang="en-US" altLang="zh-CN" dirty="0"/>
-                  <a:t>0</a:t>
+                  <a:rPr lang="en-US" altLang="zh-CN" dirty="0" smtClean="0"/>
+                  <a:t>(0</a:t>
                 </a:r>
                 <a:r>
                   <a:rPr lang="zh-CN" altLang="en-US" dirty="0"/>
                   <a:t>，</a:t>
                 </a:r>
                 <a:r>
-                  <a:rPr lang="en-US" altLang="zh-CN" dirty="0"/>
+                  <a:rPr lang="en-US" altLang="zh-CN" dirty="0" smtClean="0"/>
                   <a:t>θ</a:t>
                 </a:r>
                 <a:r>
+                  <a:rPr lang="en-US" altLang="zh-CN" dirty="0"/>
+                  <a:t>)</a:t>
+                </a:r>
+                <a:r>
+                  <a:rPr lang="zh-CN" altLang="en-US" dirty="0" smtClean="0"/>
+                  <a:t>的</a:t>
+                </a:r>
+                <a:r>
                   <a:rPr lang="zh-CN" altLang="en-US" dirty="0"/>
-                  <a:t>）的均匀分布，在其中取值概率均等，因此只需将上述的</a:t>
+                  <a:t>均匀分布，在其中取值概率均等，因此只需将上述的</a:t>
                 </a:r>
                 <a:r>
                   <a:rPr lang="en-US" altLang="zh-CN" dirty="0"/>
-                  <a:t>d</a:t>
-                </a:r>
-                <a:r>
-                  <a:rPr lang="zh-CN" altLang="en-US" dirty="0"/>
-                  <a:t>（</a:t>
-                </a:r>
-                <a:r>
-                  <a:rPr lang="en-US" altLang="zh-CN" dirty="0"/>
-                  <a:t>φ</a:t>
+                  <a:t>d ( φ</a:t>
                 </a:r>
                 <a:r>
                   <a:rPr lang="zh-CN" altLang="en-US" dirty="0"/>
@@ -41430,8 +44740,12 @@
                   <a:t>i</a:t>
                 </a:r>
                 <a:r>
-                  <a:rPr lang="zh-CN" altLang="en-US" dirty="0"/>
-                  <a:t>）从</a:t>
+                  <a:rPr lang="en-US" altLang="zh-CN" dirty="0"/>
+                  <a:t> )</a:t>
+                </a:r>
+                <a:r>
+                  <a:rPr lang="zh-CN" altLang="en-US" dirty="0" smtClean="0"/>
+                  <a:t>从</a:t>
                 </a:r>
                 <a:r>
                   <a:rPr lang="en-US" altLang="zh-CN" dirty="0"/>
@@ -41514,19 +44828,23 @@
                 </a:r>
                 <a:r>
                   <a:rPr lang="en-US" altLang="zh-CN" dirty="0"/>
-                  <a:t>P</a:t>
+                  <a:t>P ( </a:t>
                 </a:r>
                 <a:r>
-                  <a:rPr lang="zh-CN" altLang="en-US" dirty="0"/>
-                  <a:t>（</a:t>
-                </a:r>
-                <a:r>
-                  <a:rPr lang="en-US" altLang="zh-CN" dirty="0" err="1"/>
+                  <a:rPr lang="en-US" altLang="zh-CN" dirty="0" err="1" smtClean="0"/>
                   <a:t>i</a:t>
                 </a:r>
                 <a:r>
-                  <a:rPr lang="zh-CN" altLang="en-US" dirty="0"/>
-                  <a:t>）。</a:t>
+                  <a:rPr lang="en-US" altLang="zh-CN" dirty="0" smtClean="0"/>
+                  <a:t> </a:t>
+                </a:r>
+                <a:r>
+                  <a:rPr lang="en-US" altLang="zh-CN" dirty="0"/>
+                  <a:t>) </a:t>
+                </a:r>
+                <a:r>
+                  <a:rPr lang="zh-CN" altLang="en-US" dirty="0" smtClean="0"/>
+                  <a:t>。</a:t>
                 </a:r>
                 <a:endParaRPr lang="en-US" altLang="zh-CN" dirty="0"/>
               </a:p>
@@ -41731,19 +45049,23 @@
                 </a:r>
                 <a:r>
                   <a:rPr lang="en-US" altLang="zh-CN" dirty="0"/>
-                  <a:t>P</a:t>
+                  <a:t>P ( </a:t>
+                </a:r>
+                <a:r>
+                  <a:rPr lang="en-US" altLang="zh-CN" dirty="0" err="1" smtClean="0"/>
+                  <a:t>i</a:t>
+                </a:r>
+                <a:r>
+                  <a:rPr lang="en-US" altLang="zh-CN" dirty="0"/>
+                  <a:t> )</a:t>
+                </a:r>
+                <a:r>
+                  <a:rPr lang="zh-CN" altLang="en-US" dirty="0" smtClean="0"/>
+                  <a:t> </a:t>
                 </a:r>
                 <a:r>
                   <a:rPr lang="zh-CN" altLang="en-US" dirty="0"/>
-                  <a:t>（</a:t>
-                </a:r>
-                <a:r>
-                  <a:rPr lang="en-US" altLang="zh-CN" dirty="0" err="1"/>
-                  <a:t>i</a:t>
-                </a:r>
-                <a:r>
-                  <a:rPr lang="zh-CN" altLang="en-US" dirty="0"/>
-                  <a:t>） 这一指标进行软硬判决，通过</a:t>
+                  <a:t>这一指标进行软硬判决，通过</a:t>
                 </a:r>
                 <a:r>
                   <a:rPr lang="en-US" altLang="zh-CN" dirty="0" err="1"/>
@@ -41757,7 +45079,7 @@
             </p:txBody>
           </p:sp>
         </mc:Choice>
-        <mc:Fallback xmlns="">
+        <mc:Fallback>
           <p:sp>
             <p:nvSpPr>
               <p:cNvPr id="3" name="内容占位符 2"/>
@@ -41770,13 +45092,13 @@
             </p:nvSpPr>
             <p:spPr>
               <a:xfrm>
-                <a:off x="401867" y="1270000"/>
-                <a:ext cx="9714899" cy="4902740"/>
+                <a:off x="401868" y="1270000"/>
+                <a:ext cx="9121512" cy="4902740"/>
               </a:xfrm>
               <a:blipFill>
                 <a:blip r:embed="rId2"/>
                 <a:stretch>
-                  <a:fillRect l="-188" t="-870" r="-2447" b="-5963"/>
+                  <a:fillRect l="-201" t="-870"/>
                 </a:stretch>
               </a:blipFill>
             </p:spPr>
@@ -41830,7 +45152,7 @@
 </p:sld>
 </file>
 
-<file path=ppt/slides/slide16.xml><?xml version="1.0" encoding="utf-8"?>
+<file path=ppt/slides/slide17.xml><?xml version="1.0" encoding="utf-8"?>
 <p:sld xmlns:a="http://schemas.openxmlformats.org/drawingml/2006/main" xmlns:r="http://schemas.openxmlformats.org/officeDocument/2006/relationships" xmlns:p="http://schemas.openxmlformats.org/presentationml/2006/main">
   <p:cSld>
     <p:spTree>
@@ -41863,14 +45185,15 @@
           <a:lstStyle/>
           <a:p>
             <a:r>
-              <a:rPr lang="zh-CN" altLang="en-US" dirty="0"/>
-              <a:t>译码器模块</a:t>
+              <a:rPr lang="zh-CN" altLang="en-US" dirty="0" smtClean="0"/>
+              <a:t>判决模块</a:t>
             </a:r>
+            <a:endParaRPr lang="zh-CN" altLang="en-US" dirty="0"/>
           </a:p>
         </p:txBody>
       </p:sp>
-      <mc:AlternateContent xmlns:mc="http://schemas.openxmlformats.org/markup-compatibility/2006" xmlns:a14="http://schemas.microsoft.com/office/drawing/2010/main">
-        <mc:Choice Requires="a14">
+      <mc:AlternateContent xmlns:mc="http://schemas.openxmlformats.org/markup-compatibility/2006">
+        <mc:Choice xmlns:a14="http://schemas.microsoft.com/office/drawing/2010/main" Requires="a14">
           <p:sp>
             <p:nvSpPr>
               <p:cNvPr id="3" name="内容占位符 2"/>
@@ -42284,12 +45607,12 @@
                   </m:oMath>
                 </a14:m>
                 <a:r>
-                  <a:rPr lang="en-US" altLang="zh-CN" dirty="0"/>
-                  <a:t>)</a:t>
+                  <a:rPr lang="zh-CN" altLang="en-US" dirty="0" smtClean="0"/>
+                  <a:t>，</a:t>
                 </a:r>
                 <a:r>
                   <a:rPr lang="zh-CN" altLang="en-US" dirty="0"/>
-                  <a:t>，用</a:t>
+                  <a:t>用</a:t>
                 </a:r>
                 <a:r>
                   <a:rPr lang="en-US" altLang="zh-CN" dirty="0"/>
@@ -43185,8 +46508,30 @@
                   <a:t>)  </a:t>
                 </a:r>
                 <a:r>
+                  <a:rPr lang="zh-CN" altLang="en-US" dirty="0" smtClean="0"/>
+                  <a:t>取</a:t>
+                </a:r>
+                <a:endParaRPr lang="en-US" altLang="zh-CN" dirty="0" smtClean="0"/>
+              </a:p>
+              <a:p>
+                <a:pPr marL="457200" lvl="1" indent="0">
+                  <a:buNone/>
+                </a:pPr>
+                <a:r>
+                  <a:rPr lang="en-US" altLang="zh-CN" dirty="0"/>
+                  <a:t> </a:t>
+                </a:r>
+                <a:r>
+                  <a:rPr lang="en-US" altLang="zh-CN" dirty="0" smtClean="0"/>
+                  <a:t>   </a:t>
+                </a:r>
+                <a:r>
+                  <a:rPr lang="zh-CN" altLang="en-US" dirty="0" smtClean="0"/>
+                  <a:t>最大</a:t>
+                </a:r>
+                <a:r>
                   <a:rPr lang="zh-CN" altLang="en-US" dirty="0"/>
-                  <a:t>取最大的</a:t>
+                  <a:t>的</a:t>
                 </a:r>
                 <a:r>
                   <a:rPr lang="en-US" altLang="zh-CN" dirty="0"/>
@@ -43231,7 +46576,7 @@
             </p:txBody>
           </p:sp>
         </mc:Choice>
-        <mc:Fallback xmlns="">
+        <mc:Fallback>
           <p:sp>
             <p:nvSpPr>
               <p:cNvPr id="3" name="内容占位符 2"/>
@@ -43250,7 +46595,7 @@
               <a:blipFill>
                 <a:blip r:embed="rId2"/>
                 <a:stretch>
-                  <a:fillRect l="-114" t="-870" r="-2162" b="-497"/>
+                  <a:fillRect l="-114" t="-870" r="-2105" b="-124"/>
                 </a:stretch>
               </a:blipFill>
             </p:spPr>
@@ -43304,7 +46649,7 @@
 </p:sld>
 </file>
 
-<file path=ppt/slides/slide17.xml><?xml version="1.0" encoding="utf-8"?>
+<file path=ppt/slides/slide18.xml><?xml version="1.0" encoding="utf-8"?>
 <p:sld xmlns:a="http://schemas.openxmlformats.org/drawingml/2006/main" xmlns:r="http://schemas.openxmlformats.org/officeDocument/2006/relationships" xmlns:p="http://schemas.openxmlformats.org/presentationml/2006/main">
   <p:cSld>
     <p:spTree>
@@ -43394,7 +46739,7 @@
 </p:sld>
 </file>
 
-<file path=ppt/slides/slide18.xml><?xml version="1.0" encoding="utf-8"?>
+<file path=ppt/slides/slide19.xml><?xml version="1.0" encoding="utf-8"?>
 <p:sld xmlns:a="http://schemas.openxmlformats.org/drawingml/2006/main" xmlns:r="http://schemas.openxmlformats.org/officeDocument/2006/relationships" xmlns:p="http://schemas.openxmlformats.org/presentationml/2006/main">
   <p:cSld>
     <p:spTree>
@@ -46005,15 +49350,7 @@
             <a:pPr lvl="1"/>
             <a:r>
               <a:rPr lang="zh-CN" altLang="en-US" dirty="0" smtClean="0"/>
-              <a:t>第</a:t>
-            </a:r>
-            <a:r>
-              <a:rPr lang="zh-CN" altLang="en-US" dirty="0" smtClean="0"/>
-              <a:t>二列</a:t>
-            </a:r>
-            <a:r>
-              <a:rPr lang="zh-CN" altLang="en-US" dirty="0" smtClean="0"/>
-              <a:t>为</a:t>
+              <a:t>第二列为</a:t>
             </a:r>
             <a:r>
               <a:rPr lang="zh-CN" altLang="en-US" dirty="0"/>
@@ -46132,11 +49469,7 @@
             </a:r>
             <a:r>
               <a:rPr lang="zh-CN" altLang="en-US" dirty="0" smtClean="0"/>
-              <a:t>后的矩阵</a:t>
-            </a:r>
-            <a:r>
-              <a:rPr lang="zh-CN" altLang="en-US" dirty="0" smtClean="0"/>
-              <a:t>按</a:t>
+              <a:t>后的矩阵按</a:t>
             </a:r>
             <a:r>
               <a:rPr lang="zh-CN" altLang="en-US" dirty="0"/>
@@ -46220,8 +49553,8 @@
           </a:p>
         </p:txBody>
       </p:sp>
-      <mc:AlternateContent xmlns:mc="http://schemas.openxmlformats.org/markup-compatibility/2006">
-        <mc:Choice xmlns:a14="http://schemas.microsoft.com/office/drawing/2010/main" Requires="a14">
+      <mc:AlternateContent xmlns:mc="http://schemas.openxmlformats.org/markup-compatibility/2006" xmlns:a14="http://schemas.microsoft.com/office/drawing/2010/main">
+        <mc:Choice Requires="a14">
           <p:sp>
             <p:nvSpPr>
               <p:cNvPr id="3" name="内容占位符 2"/>
@@ -46272,11 +49605,15 @@
                       <m:rPr>
                         <m:sty m:val="p"/>
                       </m:rPr>
-                      <a:rPr lang="en-US" altLang="zh-CN"/>
+                      <a:rPr lang="en-US" altLang="zh-CN">
+                        <a:latin typeface="Cambria Math" panose="02040503050406030204" pitchFamily="18" charset="0"/>
+                      </a:rPr>
                       <m:t>G</m:t>
                     </m:r>
                     <m:r>
-                      <a:rPr lang="en-US" altLang="zh-CN"/>
+                      <a:rPr lang="en-US" altLang="zh-CN">
+                        <a:latin typeface="Cambria Math" panose="02040503050406030204" pitchFamily="18" charset="0"/>
+                      </a:rPr>
                       <m:t>=</m:t>
                     </m:r>
                     <m:d>
@@ -46284,7 +49621,9 @@
                         <m:begChr m:val="["/>
                         <m:endChr m:val="]"/>
                         <m:ctrlPr>
-                          <a:rPr lang="zh-CN" altLang="zh-CN" i="1"/>
+                          <a:rPr lang="zh-CN" altLang="zh-CN" i="1">
+                            <a:latin typeface="Cambria Math" panose="02040503050406030204" pitchFamily="18" charset="0"/>
+                          </a:rPr>
                         </m:ctrlPr>
                       </m:dPr>
                       <m:e>
@@ -46299,31 +49638,41 @@
                               </m:mc>
                             </m:mcs>
                             <m:ctrlPr>
-                              <a:rPr lang="zh-CN" altLang="zh-CN" i="1"/>
+                              <a:rPr lang="zh-CN" altLang="zh-CN" i="1">
+                                <a:latin typeface="Cambria Math" panose="02040503050406030204" pitchFamily="18" charset="0"/>
+                              </a:rPr>
                             </m:ctrlPr>
                           </m:mPr>
                           <m:mr>
                             <m:e>
                               <m:r>
-                                <a:rPr lang="en-US" altLang="zh-CN" i="1"/>
+                                <a:rPr lang="en-US" altLang="zh-CN" i="1">
+                                  <a:latin typeface="Cambria Math" panose="02040503050406030204" pitchFamily="18" charset="0"/>
+                                </a:rPr>
                                 <m:t>1</m:t>
                               </m:r>
                             </m:e>
                             <m:e>
                               <m:r>
-                                <a:rPr lang="en-US" altLang="zh-CN" i="1"/>
+                                <a:rPr lang="en-US" altLang="zh-CN" i="1">
+                                  <a:latin typeface="Cambria Math" panose="02040503050406030204" pitchFamily="18" charset="0"/>
+                                </a:rPr>
                                 <m:t>0</m:t>
                               </m:r>
                             </m:e>
                             <m:e>
                               <m:r>
-                                <a:rPr lang="en-US" altLang="zh-CN" i="1"/>
+                                <a:rPr lang="en-US" altLang="zh-CN" i="1">
+                                  <a:latin typeface="Cambria Math" panose="02040503050406030204" pitchFamily="18" charset="0"/>
+                                </a:rPr>
                                 <m:t>1</m:t>
                               </m:r>
                             </m:e>
                             <m:e>
                               <m:r>
-                                <a:rPr lang="en-US" altLang="zh-CN" i="1"/>
+                                <a:rPr lang="en-US" altLang="zh-CN" i="1">
+                                  <a:latin typeface="Cambria Math" panose="02040503050406030204" pitchFamily="18" charset="0"/>
+                                </a:rPr>
                                 <m:t>1</m:t>
                               </m:r>
                             </m:e>
@@ -46331,25 +49680,33 @@
                           <m:mr>
                             <m:e>
                               <m:r>
-                                <a:rPr lang="en-US" altLang="zh-CN" i="1"/>
+                                <a:rPr lang="en-US" altLang="zh-CN" i="1">
+                                  <a:latin typeface="Cambria Math" panose="02040503050406030204" pitchFamily="18" charset="0"/>
+                                </a:rPr>
                                 <m:t>1</m:t>
                               </m:r>
                             </m:e>
                             <m:e>
                               <m:r>
-                                <a:rPr lang="en-US" altLang="zh-CN" i="1"/>
+                                <a:rPr lang="en-US" altLang="zh-CN" i="1">
+                                  <a:latin typeface="Cambria Math" panose="02040503050406030204" pitchFamily="18" charset="0"/>
+                                </a:rPr>
                                 <m:t>1</m:t>
                               </m:r>
                             </m:e>
                             <m:e>
                               <m:r>
-                                <a:rPr lang="en-US" altLang="zh-CN" i="1"/>
+                                <a:rPr lang="en-US" altLang="zh-CN" i="1">
+                                  <a:latin typeface="Cambria Math" panose="02040503050406030204" pitchFamily="18" charset="0"/>
+                                </a:rPr>
                                 <m:t>0</m:t>
                               </m:r>
                             </m:e>
                             <m:e>
                               <m:r>
-                                <a:rPr lang="en-US" altLang="zh-CN" i="1"/>
+                                <a:rPr lang="en-US" altLang="zh-CN" i="1">
+                                  <a:latin typeface="Cambria Math" panose="02040503050406030204" pitchFamily="18" charset="0"/>
+                                </a:rPr>
                                 <m:t>1</m:t>
                               </m:r>
                             </m:e>
@@ -46357,25 +49714,33 @@
                           <m:mr>
                             <m:e>
                               <m:r>
-                                <a:rPr lang="en-US" altLang="zh-CN" i="1"/>
+                                <a:rPr lang="en-US" altLang="zh-CN" i="1">
+                                  <a:latin typeface="Cambria Math" panose="02040503050406030204" pitchFamily="18" charset="0"/>
+                                </a:rPr>
                                 <m:t>1</m:t>
                               </m:r>
                             </m:e>
                             <m:e>
                               <m:r>
-                                <a:rPr lang="en-US" altLang="zh-CN" i="1"/>
+                                <a:rPr lang="en-US" altLang="zh-CN" i="1">
+                                  <a:latin typeface="Cambria Math" panose="02040503050406030204" pitchFamily="18" charset="0"/>
+                                </a:rPr>
                                 <m:t>1</m:t>
                               </m:r>
                             </m:e>
                             <m:e>
                               <m:r>
-                                <a:rPr lang="en-US" altLang="zh-CN" i="1"/>
+                                <a:rPr lang="en-US" altLang="zh-CN" i="1">
+                                  <a:latin typeface="Cambria Math" panose="02040503050406030204" pitchFamily="18" charset="0"/>
+                                </a:rPr>
                                 <m:t>1</m:t>
                               </m:r>
                             </m:e>
                             <m:e>
                               <m:r>
-                                <a:rPr lang="en-US" altLang="zh-CN" i="1"/>
+                                <a:rPr lang="en-US" altLang="zh-CN" i="1">
+                                  <a:latin typeface="Cambria Math" panose="02040503050406030204" pitchFamily="18" charset="0"/>
+                                </a:rPr>
                                 <m:t>1</m:t>
                               </m:r>
                             </m:e>
@@ -46463,7 +49828,9 @@
                         <m:begChr m:val="["/>
                         <m:endChr m:val="]"/>
                         <m:ctrlPr>
-                          <a:rPr lang="zh-CN" altLang="zh-CN" i="1"/>
+                          <a:rPr lang="zh-CN" altLang="zh-CN" i="1">
+                            <a:latin typeface="Cambria Math" panose="02040503050406030204" pitchFamily="18" charset="0"/>
+                          </a:rPr>
                         </m:ctrlPr>
                       </m:dPr>
                       <m:e>
@@ -46478,71 +49845,99 @@
                               </m:mc>
                             </m:mcs>
                             <m:ctrlPr>
-                              <a:rPr lang="zh-CN" altLang="zh-CN" i="1"/>
+                              <a:rPr lang="zh-CN" altLang="zh-CN" i="1">
+                                <a:latin typeface="Cambria Math" panose="02040503050406030204" pitchFamily="18" charset="0"/>
+                              </a:rPr>
                             </m:ctrlPr>
                           </m:mPr>
                           <m:mr>
                             <m:e>
                               <m:r>
-                                <a:rPr lang="en-US" altLang="zh-CN" i="1"/>
+                                <a:rPr lang="en-US" altLang="zh-CN" i="1">
+                                  <a:latin typeface="Cambria Math" panose="02040503050406030204" pitchFamily="18" charset="0"/>
+                                </a:rPr>
                                 <m:t>𝑠</m:t>
                               </m:r>
                               <m:r>
-                                <a:rPr lang="en-US" altLang="zh-CN" i="1"/>
+                                <a:rPr lang="en-US" altLang="zh-CN" i="1">
+                                  <a:latin typeface="Cambria Math" panose="02040503050406030204" pitchFamily="18" charset="0"/>
+                                </a:rPr>
                                 <m:t>[1]</m:t>
                               </m:r>
                             </m:e>
                             <m:e>
                               <m:r>
-                                <a:rPr lang="en-US" altLang="zh-CN" i="1"/>
+                                <a:rPr lang="en-US" altLang="zh-CN" i="1">
+                                  <a:latin typeface="Cambria Math" panose="02040503050406030204" pitchFamily="18" charset="0"/>
+                                </a:rPr>
                                 <m:t>𝑠</m:t>
                               </m:r>
                               <m:r>
-                                <a:rPr lang="en-US" altLang="zh-CN" i="1"/>
+                                <a:rPr lang="en-US" altLang="zh-CN" i="1">
+                                  <a:latin typeface="Cambria Math" panose="02040503050406030204" pitchFamily="18" charset="0"/>
+                                </a:rPr>
                                 <m:t>[2]</m:t>
                               </m:r>
                             </m:e>
                             <m:e>
                               <m:r>
-                                <a:rPr lang="en-US" altLang="zh-CN" i="1"/>
+                                <a:rPr lang="en-US" altLang="zh-CN" i="1">
+                                  <a:latin typeface="Cambria Math" panose="02040503050406030204" pitchFamily="18" charset="0"/>
+                                </a:rPr>
                                 <m:t>𝑠</m:t>
                               </m:r>
                               <m:r>
-                                <a:rPr lang="en-US" altLang="zh-CN" i="1"/>
+                                <a:rPr lang="en-US" altLang="zh-CN" i="1">
+                                  <a:latin typeface="Cambria Math" panose="02040503050406030204" pitchFamily="18" charset="0"/>
+                                </a:rPr>
                                 <m:t>[3]</m:t>
                               </m:r>
                             </m:e>
                             <m:e>
                               <m:r>
-                                <a:rPr lang="en-US" altLang="zh-CN" i="1"/>
+                                <a:rPr lang="en-US" altLang="zh-CN" i="1">
+                                  <a:latin typeface="Cambria Math" panose="02040503050406030204" pitchFamily="18" charset="0"/>
+                                </a:rPr>
                                 <m:t>𝑠</m:t>
                               </m:r>
                               <m:r>
-                                <a:rPr lang="en-US" altLang="zh-CN" i="1"/>
+                                <a:rPr lang="en-US" altLang="zh-CN" i="1">
+                                  <a:latin typeface="Cambria Math" panose="02040503050406030204" pitchFamily="18" charset="0"/>
+                                </a:rPr>
                                 <m:t>[4]</m:t>
                               </m:r>
                             </m:e>
                             <m:e>
                               <m:r>
-                                <a:rPr lang="en-US" altLang="zh-CN" i="1"/>
+                                <a:rPr lang="en-US" altLang="zh-CN" i="1">
+                                  <a:latin typeface="Cambria Math" panose="02040503050406030204" pitchFamily="18" charset="0"/>
+                                </a:rPr>
                                 <m:t>…</m:t>
                               </m:r>
                             </m:e>
                             <m:e>
                               <m:r>
-                                <a:rPr lang="en-US" altLang="zh-CN" i="1"/>
+                                <a:rPr lang="en-US" altLang="zh-CN" i="1">
+                                  <a:latin typeface="Cambria Math" panose="02040503050406030204" pitchFamily="18" charset="0"/>
+                                </a:rPr>
                                 <m:t>𝑠</m:t>
                               </m:r>
                               <m:r>
-                                <a:rPr lang="en-US" altLang="zh-CN" i="1"/>
+                                <a:rPr lang="en-US" altLang="zh-CN" i="1">
+                                  <a:latin typeface="Cambria Math" panose="02040503050406030204" pitchFamily="18" charset="0"/>
+                                </a:rPr>
                                 <m:t>[</m:t>
                               </m:r>
                               <m:r>
-                                <a:rPr lang="en-US" altLang="zh-CN" i="1"/>
+                                <a:rPr lang="en-US" altLang="zh-CN" i="1">
+                                  <a:latin typeface="Cambria Math" panose="02040503050406030204" pitchFamily="18" charset="0"/>
+                                </a:rPr>
                                 <m:t>𝐿</m:t>
                               </m:r>
                               <m:r>
-                                <a:rPr lang="en-US" altLang="zh-CN" i="1"/>
+                                <a:rPr lang="en-US" altLang="zh-CN" i="1">
+                                  <a:latin typeface="Cambria Math" panose="02040503050406030204" pitchFamily="18" charset="0"/>
+                                </a:rPr>
                                 <m:t>]</m:t>
                               </m:r>
                             </m:e>
@@ -46550,61 +49945,85 @@
                           <m:mr>
                             <m:e>
                               <m:r>
-                                <a:rPr lang="en-US" altLang="zh-CN" i="1"/>
+                                <a:rPr lang="en-US" altLang="zh-CN" i="1">
+                                  <a:latin typeface="Cambria Math" panose="02040503050406030204" pitchFamily="18" charset="0"/>
+                                </a:rPr>
                                 <m:t>0</m:t>
                               </m:r>
                             </m:e>
                             <m:e>
                               <m:r>
-                                <a:rPr lang="en-US" altLang="zh-CN" i="1"/>
+                                <a:rPr lang="en-US" altLang="zh-CN" i="1">
+                                  <a:latin typeface="Cambria Math" panose="02040503050406030204" pitchFamily="18" charset="0"/>
+                                </a:rPr>
                                 <m:t>𝑠</m:t>
                               </m:r>
                               <m:r>
-                                <a:rPr lang="en-US" altLang="zh-CN" i="1"/>
+                                <a:rPr lang="en-US" altLang="zh-CN" i="1">
+                                  <a:latin typeface="Cambria Math" panose="02040503050406030204" pitchFamily="18" charset="0"/>
+                                </a:rPr>
                                 <m:t>[1]</m:t>
                               </m:r>
                             </m:e>
                             <m:e>
                               <m:r>
-                                <a:rPr lang="en-US" altLang="zh-CN" i="1"/>
+                                <a:rPr lang="en-US" altLang="zh-CN" i="1">
+                                  <a:latin typeface="Cambria Math" panose="02040503050406030204" pitchFamily="18" charset="0"/>
+                                </a:rPr>
                                 <m:t>𝑠</m:t>
                               </m:r>
                               <m:r>
-                                <a:rPr lang="en-US" altLang="zh-CN" i="1"/>
+                                <a:rPr lang="en-US" altLang="zh-CN" i="1">
+                                  <a:latin typeface="Cambria Math" panose="02040503050406030204" pitchFamily="18" charset="0"/>
+                                </a:rPr>
                                 <m:t>[2]</m:t>
                               </m:r>
                             </m:e>
                             <m:e>
                               <m:r>
-                                <a:rPr lang="en-US" altLang="zh-CN" i="1"/>
+                                <a:rPr lang="en-US" altLang="zh-CN" i="1">
+                                  <a:latin typeface="Cambria Math" panose="02040503050406030204" pitchFamily="18" charset="0"/>
+                                </a:rPr>
                                 <m:t>𝑠</m:t>
                               </m:r>
                               <m:r>
-                                <a:rPr lang="en-US" altLang="zh-CN" i="1"/>
+                                <a:rPr lang="en-US" altLang="zh-CN" i="1">
+                                  <a:latin typeface="Cambria Math" panose="02040503050406030204" pitchFamily="18" charset="0"/>
+                                </a:rPr>
                                 <m:t>[3]</m:t>
                               </m:r>
                             </m:e>
                             <m:e>
                               <m:r>
-                                <a:rPr lang="en-US" altLang="zh-CN" i="1"/>
+                                <a:rPr lang="en-US" altLang="zh-CN" i="1">
+                                  <a:latin typeface="Cambria Math" panose="02040503050406030204" pitchFamily="18" charset="0"/>
+                                </a:rPr>
                                 <m:t>…</m:t>
                               </m:r>
                             </m:e>
                             <m:e>
                               <m:r>
-                                <a:rPr lang="en-US" altLang="zh-CN" i="1"/>
+                                <a:rPr lang="en-US" altLang="zh-CN" i="1">
+                                  <a:latin typeface="Cambria Math" panose="02040503050406030204" pitchFamily="18" charset="0"/>
+                                </a:rPr>
                                 <m:t>𝑠</m:t>
                               </m:r>
                               <m:r>
-                                <a:rPr lang="en-US" altLang="zh-CN" i="1"/>
+                                <a:rPr lang="en-US" altLang="zh-CN" i="1">
+                                  <a:latin typeface="Cambria Math" panose="02040503050406030204" pitchFamily="18" charset="0"/>
+                                </a:rPr>
                                 <m:t>[</m:t>
                               </m:r>
                               <m:r>
-                                <a:rPr lang="en-US" altLang="zh-CN" i="1"/>
+                                <a:rPr lang="en-US" altLang="zh-CN" i="1">
+                                  <a:latin typeface="Cambria Math" panose="02040503050406030204" pitchFamily="18" charset="0"/>
+                                </a:rPr>
                                 <m:t>𝐿</m:t>
                               </m:r>
                               <m:r>
-                                <a:rPr lang="en-US" altLang="zh-CN" i="1"/>
+                                <a:rPr lang="en-US" altLang="zh-CN" i="1">
+                                  <a:latin typeface="Cambria Math" panose="02040503050406030204" pitchFamily="18" charset="0"/>
+                                </a:rPr>
                                 <m:t>−1]</m:t>
                               </m:r>
                             </m:e>
@@ -46612,57 +50031,79 @@
                           <m:mr>
                             <m:e>
                               <m:r>
-                                <a:rPr lang="en-US" altLang="zh-CN" i="1"/>
+                                <a:rPr lang="en-US" altLang="zh-CN" i="1">
+                                  <a:latin typeface="Cambria Math" panose="02040503050406030204" pitchFamily="18" charset="0"/>
+                                </a:rPr>
                                 <m:t>0</m:t>
                               </m:r>
                             </m:e>
                             <m:e>
                               <m:r>
-                                <a:rPr lang="en-US" altLang="zh-CN" i="1"/>
+                                <a:rPr lang="en-US" altLang="zh-CN" i="1">
+                                  <a:latin typeface="Cambria Math" panose="02040503050406030204" pitchFamily="18" charset="0"/>
+                                </a:rPr>
                                 <m:t>0</m:t>
                               </m:r>
                             </m:e>
                             <m:e>
                               <m:r>
-                                <a:rPr lang="en-US" altLang="zh-CN" i="1"/>
+                                <a:rPr lang="en-US" altLang="zh-CN" i="1">
+                                  <a:latin typeface="Cambria Math" panose="02040503050406030204" pitchFamily="18" charset="0"/>
+                                </a:rPr>
                                 <m:t>𝑠</m:t>
                               </m:r>
                               <m:r>
-                                <a:rPr lang="en-US" altLang="zh-CN" i="1"/>
+                                <a:rPr lang="en-US" altLang="zh-CN" i="1">
+                                  <a:latin typeface="Cambria Math" panose="02040503050406030204" pitchFamily="18" charset="0"/>
+                                </a:rPr>
                                 <m:t>[1]</m:t>
                               </m:r>
                             </m:e>
                             <m:e>
                               <m:r>
-                                <a:rPr lang="en-US" altLang="zh-CN" i="1"/>
+                                <a:rPr lang="en-US" altLang="zh-CN" i="1">
+                                  <a:latin typeface="Cambria Math" panose="02040503050406030204" pitchFamily="18" charset="0"/>
+                                </a:rPr>
                                 <m:t>𝑠</m:t>
                               </m:r>
                               <m:r>
-                                <a:rPr lang="en-US" altLang="zh-CN" i="1"/>
+                                <a:rPr lang="en-US" altLang="zh-CN" i="1">
+                                  <a:latin typeface="Cambria Math" panose="02040503050406030204" pitchFamily="18" charset="0"/>
+                                </a:rPr>
                                 <m:t>[2]</m:t>
                               </m:r>
                             </m:e>
                             <m:e>
                               <m:r>
-                                <a:rPr lang="en-US" altLang="zh-CN" i="1"/>
+                                <a:rPr lang="en-US" altLang="zh-CN" i="1">
+                                  <a:latin typeface="Cambria Math" panose="02040503050406030204" pitchFamily="18" charset="0"/>
+                                </a:rPr>
                                 <m:t>…</m:t>
                               </m:r>
                             </m:e>
                             <m:e>
                               <m:r>
-                                <a:rPr lang="en-US" altLang="zh-CN" i="1"/>
+                                <a:rPr lang="en-US" altLang="zh-CN" i="1">
+                                  <a:latin typeface="Cambria Math" panose="02040503050406030204" pitchFamily="18" charset="0"/>
+                                </a:rPr>
                                 <m:t>𝑠</m:t>
                               </m:r>
                               <m:r>
-                                <a:rPr lang="en-US" altLang="zh-CN" i="1"/>
+                                <a:rPr lang="en-US" altLang="zh-CN" i="1">
+                                  <a:latin typeface="Cambria Math" panose="02040503050406030204" pitchFamily="18" charset="0"/>
+                                </a:rPr>
                                 <m:t>[</m:t>
                               </m:r>
                               <m:r>
-                                <a:rPr lang="en-US" altLang="zh-CN" i="1"/>
+                                <a:rPr lang="en-US" altLang="zh-CN" i="1">
+                                  <a:latin typeface="Cambria Math" panose="02040503050406030204" pitchFamily="18" charset="0"/>
+                                </a:rPr>
                                 <m:t>𝐿</m:t>
                               </m:r>
                               <m:r>
-                                <a:rPr lang="en-US" altLang="zh-CN" i="1"/>
+                                <a:rPr lang="en-US" altLang="zh-CN" i="1">
+                                  <a:latin typeface="Cambria Math" panose="02040503050406030204" pitchFamily="18" charset="0"/>
+                                </a:rPr>
                                 <m:t>−2]</m:t>
                               </m:r>
                             </m:e>
@@ -46670,53 +50111,73 @@
                           <m:mr>
                             <m:e>
                               <m:r>
-                                <a:rPr lang="en-US" altLang="zh-CN" i="1"/>
+                                <a:rPr lang="en-US" altLang="zh-CN" i="1">
+                                  <a:latin typeface="Cambria Math" panose="02040503050406030204" pitchFamily="18" charset="0"/>
+                                </a:rPr>
                                 <m:t>0</m:t>
                               </m:r>
                             </m:e>
                             <m:e>
                               <m:r>
-                                <a:rPr lang="en-US" altLang="zh-CN" i="1"/>
+                                <a:rPr lang="en-US" altLang="zh-CN" i="1">
+                                  <a:latin typeface="Cambria Math" panose="02040503050406030204" pitchFamily="18" charset="0"/>
+                                </a:rPr>
                                 <m:t>0</m:t>
                               </m:r>
                             </m:e>
                             <m:e>
                               <m:r>
-                                <a:rPr lang="en-US" altLang="zh-CN" i="1"/>
+                                <a:rPr lang="en-US" altLang="zh-CN" i="1">
+                                  <a:latin typeface="Cambria Math" panose="02040503050406030204" pitchFamily="18" charset="0"/>
+                                </a:rPr>
                                 <m:t>0</m:t>
                               </m:r>
                             </m:e>
                             <m:e>
                               <m:r>
-                                <a:rPr lang="en-US" altLang="zh-CN" i="1"/>
+                                <a:rPr lang="en-US" altLang="zh-CN" i="1">
+                                  <a:latin typeface="Cambria Math" panose="02040503050406030204" pitchFamily="18" charset="0"/>
+                                </a:rPr>
                                 <m:t>𝑠</m:t>
                               </m:r>
                               <m:r>
-                                <a:rPr lang="en-US" altLang="zh-CN" i="1"/>
+                                <a:rPr lang="en-US" altLang="zh-CN" i="1">
+                                  <a:latin typeface="Cambria Math" panose="02040503050406030204" pitchFamily="18" charset="0"/>
+                                </a:rPr>
                                 <m:t>[1]</m:t>
                               </m:r>
                             </m:e>
                             <m:e>
                               <m:r>
-                                <a:rPr lang="en-US" altLang="zh-CN" i="1"/>
+                                <a:rPr lang="en-US" altLang="zh-CN" i="1">
+                                  <a:latin typeface="Cambria Math" panose="02040503050406030204" pitchFamily="18" charset="0"/>
+                                </a:rPr>
                                 <m:t>…</m:t>
                               </m:r>
                             </m:e>
                             <m:e>
                               <m:r>
-                                <a:rPr lang="en-US" altLang="zh-CN" i="1"/>
+                                <a:rPr lang="en-US" altLang="zh-CN" i="1">
+                                  <a:latin typeface="Cambria Math" panose="02040503050406030204" pitchFamily="18" charset="0"/>
+                                </a:rPr>
                                 <m:t>𝑠</m:t>
                               </m:r>
                               <m:r>
-                                <a:rPr lang="en-US" altLang="zh-CN" i="1"/>
+                                <a:rPr lang="en-US" altLang="zh-CN" i="1">
+                                  <a:latin typeface="Cambria Math" panose="02040503050406030204" pitchFamily="18" charset="0"/>
+                                </a:rPr>
                                 <m:t>[</m:t>
                               </m:r>
                               <m:r>
-                                <a:rPr lang="en-US" altLang="zh-CN" i="1"/>
+                                <a:rPr lang="en-US" altLang="zh-CN" i="1">
+                                  <a:latin typeface="Cambria Math" panose="02040503050406030204" pitchFamily="18" charset="0"/>
+                                </a:rPr>
                                 <m:t>𝐿</m:t>
                               </m:r>
                               <m:r>
-                                <a:rPr lang="en-US" altLang="zh-CN" i="1"/>
+                                <a:rPr lang="en-US" altLang="zh-CN" i="1">
+                                  <a:latin typeface="Cambria Math" panose="02040503050406030204" pitchFamily="18" charset="0"/>
+                                </a:rPr>
                                 <m:t>−3]</m:t>
                               </m:r>
                             </m:e>
@@ -46786,7 +50247,7 @@
             </p:txBody>
           </p:sp>
         </mc:Choice>
-        <mc:Fallback>
+        <mc:Fallback xmlns="">
           <p:sp>
             <p:nvSpPr>
               <p:cNvPr id="3" name="内容占位符 2"/>

--- a/v1.pptx
+++ b/v1.pptx
@@ -22,8 +22,10 @@
     <p:sldId id="276" r:id="rId16"/>
     <p:sldId id="262" r:id="rId17"/>
     <p:sldId id="263" r:id="rId18"/>
-    <p:sldId id="273" r:id="rId19"/>
-    <p:sldId id="274" r:id="rId20"/>
+    <p:sldId id="277" r:id="rId19"/>
+    <p:sldId id="273" r:id="rId20"/>
+    <p:sldId id="278" r:id="rId21"/>
+    <p:sldId id="274" r:id="rId22"/>
   </p:sldIdLst>
   <p:sldSz cx="12192000" cy="6858000"/>
   <p:notesSz cx="6858000" cy="9144000"/>
@@ -3119,6 +3121,1500 @@
 </file>
 
 <file path=ppt/diagrams/colors13.xml><?xml version="1.0" encoding="utf-8"?>
+<dgm:colorsDef xmlns:dgm="http://schemas.openxmlformats.org/drawingml/2006/diagram" xmlns:a="http://schemas.openxmlformats.org/drawingml/2006/main" uniqueId="urn:microsoft.com/office/officeart/2005/8/colors/accent1_2">
+  <dgm:title val=""/>
+  <dgm:desc val=""/>
+  <dgm:catLst>
+    <dgm:cat type="accent1" pri="11200"/>
+  </dgm:catLst>
+  <dgm:styleLbl name="node0">
+    <dgm:fillClrLst meth="repeat">
+      <a:schemeClr val="accent1"/>
+    </dgm:fillClrLst>
+    <dgm:linClrLst meth="repeat">
+      <a:schemeClr val="lt1"/>
+    </dgm:linClrLst>
+    <dgm:effectClrLst/>
+    <dgm:txLinClrLst/>
+    <dgm:txFillClrLst/>
+    <dgm:txEffectClrLst/>
+  </dgm:styleLbl>
+  <dgm:styleLbl name="alignNode1">
+    <dgm:fillClrLst meth="repeat">
+      <a:schemeClr val="accent1"/>
+    </dgm:fillClrLst>
+    <dgm:linClrLst meth="repeat">
+      <a:schemeClr val="accent1"/>
+    </dgm:linClrLst>
+    <dgm:effectClrLst/>
+    <dgm:txLinClrLst/>
+    <dgm:txFillClrLst/>
+    <dgm:txEffectClrLst/>
+  </dgm:styleLbl>
+  <dgm:styleLbl name="node1">
+    <dgm:fillClrLst meth="repeat">
+      <a:schemeClr val="accent1"/>
+    </dgm:fillClrLst>
+    <dgm:linClrLst meth="repeat">
+      <a:schemeClr val="lt1"/>
+    </dgm:linClrLst>
+    <dgm:effectClrLst/>
+    <dgm:txLinClrLst/>
+    <dgm:txFillClrLst/>
+    <dgm:txEffectClrLst/>
+  </dgm:styleLbl>
+  <dgm:styleLbl name="lnNode1">
+    <dgm:fillClrLst meth="repeat">
+      <a:schemeClr val="accent1"/>
+    </dgm:fillClrLst>
+    <dgm:linClrLst meth="repeat">
+      <a:schemeClr val="lt1"/>
+    </dgm:linClrLst>
+    <dgm:effectClrLst/>
+    <dgm:txLinClrLst/>
+    <dgm:txFillClrLst/>
+    <dgm:txEffectClrLst/>
+  </dgm:styleLbl>
+  <dgm:styleLbl name="vennNode1">
+    <dgm:fillClrLst meth="repeat">
+      <a:schemeClr val="accent1">
+        <a:alpha val="50000"/>
+      </a:schemeClr>
+    </dgm:fillClrLst>
+    <dgm:linClrLst meth="repeat">
+      <a:schemeClr val="lt1"/>
+    </dgm:linClrLst>
+    <dgm:effectClrLst/>
+    <dgm:txLinClrLst/>
+    <dgm:txFillClrLst/>
+    <dgm:txEffectClrLst/>
+  </dgm:styleLbl>
+  <dgm:styleLbl name="node2">
+    <dgm:fillClrLst meth="repeat">
+      <a:schemeClr val="accent1"/>
+    </dgm:fillClrLst>
+    <dgm:linClrLst meth="repeat">
+      <a:schemeClr val="lt1"/>
+    </dgm:linClrLst>
+    <dgm:effectClrLst/>
+    <dgm:txLinClrLst/>
+    <dgm:txFillClrLst/>
+    <dgm:txEffectClrLst/>
+  </dgm:styleLbl>
+  <dgm:styleLbl name="node3">
+    <dgm:fillClrLst meth="repeat">
+      <a:schemeClr val="accent1"/>
+    </dgm:fillClrLst>
+    <dgm:linClrLst meth="repeat">
+      <a:schemeClr val="lt1"/>
+    </dgm:linClrLst>
+    <dgm:effectClrLst/>
+    <dgm:txLinClrLst/>
+    <dgm:txFillClrLst/>
+    <dgm:txEffectClrLst/>
+  </dgm:styleLbl>
+  <dgm:styleLbl name="node4">
+    <dgm:fillClrLst meth="repeat">
+      <a:schemeClr val="accent1"/>
+    </dgm:fillClrLst>
+    <dgm:linClrLst meth="repeat">
+      <a:schemeClr val="lt1"/>
+    </dgm:linClrLst>
+    <dgm:effectClrLst/>
+    <dgm:txLinClrLst/>
+    <dgm:txFillClrLst/>
+    <dgm:txEffectClrLst/>
+  </dgm:styleLbl>
+  <dgm:styleLbl name="fgImgPlace1">
+    <dgm:fillClrLst meth="repeat">
+      <a:schemeClr val="accent1">
+        <a:tint val="50000"/>
+      </a:schemeClr>
+    </dgm:fillClrLst>
+    <dgm:linClrLst meth="repeat">
+      <a:schemeClr val="lt1"/>
+    </dgm:linClrLst>
+    <dgm:effectClrLst/>
+    <dgm:txLinClrLst/>
+    <dgm:txFillClrLst meth="repeat">
+      <a:schemeClr val="lt1"/>
+    </dgm:txFillClrLst>
+    <dgm:txEffectClrLst/>
+  </dgm:styleLbl>
+  <dgm:styleLbl name="alignImgPlace1">
+    <dgm:fillClrLst meth="repeat">
+      <a:schemeClr val="accent1">
+        <a:tint val="50000"/>
+      </a:schemeClr>
+    </dgm:fillClrLst>
+    <dgm:linClrLst meth="repeat">
+      <a:schemeClr val="lt1"/>
+    </dgm:linClrLst>
+    <dgm:effectClrLst/>
+    <dgm:txLinClrLst/>
+    <dgm:txFillClrLst meth="repeat">
+      <a:schemeClr val="lt1"/>
+    </dgm:txFillClrLst>
+    <dgm:txEffectClrLst/>
+  </dgm:styleLbl>
+  <dgm:styleLbl name="bgImgPlace1">
+    <dgm:fillClrLst meth="repeat">
+      <a:schemeClr val="accent1">
+        <a:tint val="50000"/>
+      </a:schemeClr>
+    </dgm:fillClrLst>
+    <dgm:linClrLst meth="repeat">
+      <a:schemeClr val="lt1"/>
+    </dgm:linClrLst>
+    <dgm:effectClrLst/>
+    <dgm:txLinClrLst/>
+    <dgm:txFillClrLst meth="repeat">
+      <a:schemeClr val="lt1"/>
+    </dgm:txFillClrLst>
+    <dgm:txEffectClrLst/>
+  </dgm:styleLbl>
+  <dgm:styleLbl name="sibTrans2D1">
+    <dgm:fillClrLst meth="repeat">
+      <a:schemeClr val="accent1">
+        <a:tint val="60000"/>
+      </a:schemeClr>
+    </dgm:fillClrLst>
+    <dgm:linClrLst meth="repeat">
+      <a:schemeClr val="accent1">
+        <a:tint val="60000"/>
+      </a:schemeClr>
+    </dgm:linClrLst>
+    <dgm:effectClrLst/>
+    <dgm:txLinClrLst/>
+    <dgm:txFillClrLst/>
+    <dgm:txEffectClrLst/>
+  </dgm:styleLbl>
+  <dgm:styleLbl name="fgSibTrans2D1">
+    <dgm:fillClrLst meth="repeat">
+      <a:schemeClr val="accent1">
+        <a:tint val="60000"/>
+      </a:schemeClr>
+    </dgm:fillClrLst>
+    <dgm:linClrLst meth="repeat">
+      <a:schemeClr val="accent1">
+        <a:tint val="60000"/>
+      </a:schemeClr>
+    </dgm:linClrLst>
+    <dgm:effectClrLst/>
+    <dgm:txLinClrLst/>
+    <dgm:txFillClrLst/>
+    <dgm:txEffectClrLst/>
+  </dgm:styleLbl>
+  <dgm:styleLbl name="bgSibTrans2D1">
+    <dgm:fillClrLst meth="repeat">
+      <a:schemeClr val="accent1">
+        <a:tint val="60000"/>
+      </a:schemeClr>
+    </dgm:fillClrLst>
+    <dgm:linClrLst meth="repeat">
+      <a:schemeClr val="accent1">
+        <a:tint val="60000"/>
+      </a:schemeClr>
+    </dgm:linClrLst>
+    <dgm:effectClrLst/>
+    <dgm:txLinClrLst/>
+    <dgm:txFillClrLst/>
+    <dgm:txEffectClrLst/>
+  </dgm:styleLbl>
+  <dgm:styleLbl name="sibTrans1D1">
+    <dgm:fillClrLst meth="repeat">
+      <a:schemeClr val="accent1"/>
+    </dgm:fillClrLst>
+    <dgm:linClrLst meth="repeat">
+      <a:schemeClr val="accent1"/>
+    </dgm:linClrLst>
+    <dgm:effectClrLst/>
+    <dgm:txLinClrLst/>
+    <dgm:txFillClrLst meth="repeat">
+      <a:schemeClr val="tx1"/>
+    </dgm:txFillClrLst>
+    <dgm:txEffectClrLst/>
+  </dgm:styleLbl>
+  <dgm:styleLbl name="callout">
+    <dgm:fillClrLst meth="repeat">
+      <a:schemeClr val="accent1"/>
+    </dgm:fillClrLst>
+    <dgm:linClrLst meth="repeat">
+      <a:schemeClr val="accent1">
+        <a:tint val="50000"/>
+      </a:schemeClr>
+    </dgm:linClrLst>
+    <dgm:effectClrLst/>
+    <dgm:txLinClrLst/>
+    <dgm:txFillClrLst meth="repeat">
+      <a:schemeClr val="tx1"/>
+    </dgm:txFillClrLst>
+    <dgm:txEffectClrLst/>
+  </dgm:styleLbl>
+  <dgm:styleLbl name="asst0">
+    <dgm:fillClrLst meth="repeat">
+      <a:schemeClr val="accent1"/>
+    </dgm:fillClrLst>
+    <dgm:linClrLst meth="repeat">
+      <a:schemeClr val="lt1"/>
+    </dgm:linClrLst>
+    <dgm:effectClrLst/>
+    <dgm:txLinClrLst/>
+    <dgm:txFillClrLst/>
+    <dgm:txEffectClrLst/>
+  </dgm:styleLbl>
+  <dgm:styleLbl name="asst1">
+    <dgm:fillClrLst meth="repeat">
+      <a:schemeClr val="accent1"/>
+    </dgm:fillClrLst>
+    <dgm:linClrLst meth="repeat">
+      <a:schemeClr val="lt1"/>
+    </dgm:linClrLst>
+    <dgm:effectClrLst/>
+    <dgm:txLinClrLst/>
+    <dgm:txFillClrLst/>
+    <dgm:txEffectClrLst/>
+  </dgm:styleLbl>
+  <dgm:styleLbl name="asst2">
+    <dgm:fillClrLst meth="repeat">
+      <a:schemeClr val="accent1"/>
+    </dgm:fillClrLst>
+    <dgm:linClrLst meth="repeat">
+      <a:schemeClr val="lt1"/>
+    </dgm:linClrLst>
+    <dgm:effectClrLst/>
+    <dgm:txLinClrLst/>
+    <dgm:txFillClrLst/>
+    <dgm:txEffectClrLst/>
+  </dgm:styleLbl>
+  <dgm:styleLbl name="asst3">
+    <dgm:fillClrLst meth="repeat">
+      <a:schemeClr val="accent1"/>
+    </dgm:fillClrLst>
+    <dgm:linClrLst meth="repeat">
+      <a:schemeClr val="lt1"/>
+    </dgm:linClrLst>
+    <dgm:effectClrLst/>
+    <dgm:txLinClrLst/>
+    <dgm:txFillClrLst/>
+    <dgm:txEffectClrLst/>
+  </dgm:styleLbl>
+  <dgm:styleLbl name="asst4">
+    <dgm:fillClrLst meth="repeat">
+      <a:schemeClr val="accent1"/>
+    </dgm:fillClrLst>
+    <dgm:linClrLst meth="repeat">
+      <a:schemeClr val="lt1"/>
+    </dgm:linClrLst>
+    <dgm:effectClrLst/>
+    <dgm:txLinClrLst/>
+    <dgm:txFillClrLst/>
+    <dgm:txEffectClrLst/>
+  </dgm:styleLbl>
+  <dgm:styleLbl name="parChTrans2D1">
+    <dgm:fillClrLst meth="repeat">
+      <a:schemeClr val="accent1">
+        <a:tint val="60000"/>
+      </a:schemeClr>
+    </dgm:fillClrLst>
+    <dgm:linClrLst meth="repeat">
+      <a:schemeClr val="accent1">
+        <a:tint val="60000"/>
+      </a:schemeClr>
+    </dgm:linClrLst>
+    <dgm:effectClrLst/>
+    <dgm:txLinClrLst/>
+    <dgm:txFillClrLst meth="repeat">
+      <a:schemeClr val="lt1"/>
+    </dgm:txFillClrLst>
+    <dgm:txEffectClrLst/>
+  </dgm:styleLbl>
+  <dgm:styleLbl name="parChTrans2D2">
+    <dgm:fillClrLst meth="repeat">
+      <a:schemeClr val="accent1"/>
+    </dgm:fillClrLst>
+    <dgm:linClrLst meth="repeat">
+      <a:schemeClr val="accent1"/>
+    </dgm:linClrLst>
+    <dgm:effectClrLst/>
+    <dgm:txLinClrLst/>
+    <dgm:txFillClrLst meth="repeat">
+      <a:schemeClr val="lt1"/>
+    </dgm:txFillClrLst>
+    <dgm:txEffectClrLst/>
+  </dgm:styleLbl>
+  <dgm:styleLbl name="parChTrans2D3">
+    <dgm:fillClrLst meth="repeat">
+      <a:schemeClr val="accent1"/>
+    </dgm:fillClrLst>
+    <dgm:linClrLst meth="repeat">
+      <a:schemeClr val="accent1"/>
+    </dgm:linClrLst>
+    <dgm:effectClrLst/>
+    <dgm:txLinClrLst/>
+    <dgm:txFillClrLst meth="repeat">
+      <a:schemeClr val="lt1"/>
+    </dgm:txFillClrLst>
+    <dgm:txEffectClrLst/>
+  </dgm:styleLbl>
+  <dgm:styleLbl name="parChTrans2D4">
+    <dgm:fillClrLst meth="repeat">
+      <a:schemeClr val="accent1"/>
+    </dgm:fillClrLst>
+    <dgm:linClrLst meth="repeat">
+      <a:schemeClr val="accent1"/>
+    </dgm:linClrLst>
+    <dgm:effectClrLst/>
+    <dgm:txLinClrLst/>
+    <dgm:txFillClrLst meth="repeat">
+      <a:schemeClr val="lt1"/>
+    </dgm:txFillClrLst>
+    <dgm:txEffectClrLst/>
+  </dgm:styleLbl>
+  <dgm:styleLbl name="parChTrans1D1">
+    <dgm:fillClrLst meth="repeat">
+      <a:schemeClr val="accent1"/>
+    </dgm:fillClrLst>
+    <dgm:linClrLst meth="repeat">
+      <a:schemeClr val="accent1">
+        <a:shade val="60000"/>
+      </a:schemeClr>
+    </dgm:linClrLst>
+    <dgm:effectClrLst/>
+    <dgm:txLinClrLst/>
+    <dgm:txFillClrLst meth="repeat">
+      <a:schemeClr val="tx1"/>
+    </dgm:txFillClrLst>
+    <dgm:txEffectClrLst/>
+  </dgm:styleLbl>
+  <dgm:styleLbl name="parChTrans1D2">
+    <dgm:fillClrLst meth="repeat">
+      <a:schemeClr val="accent1"/>
+    </dgm:fillClrLst>
+    <dgm:linClrLst meth="repeat">
+      <a:schemeClr val="accent1">
+        <a:shade val="60000"/>
+      </a:schemeClr>
+    </dgm:linClrLst>
+    <dgm:effectClrLst/>
+    <dgm:txLinClrLst/>
+    <dgm:txFillClrLst meth="repeat">
+      <a:schemeClr val="tx1"/>
+    </dgm:txFillClrLst>
+    <dgm:txEffectClrLst/>
+  </dgm:styleLbl>
+  <dgm:styleLbl name="parChTrans1D3">
+    <dgm:fillClrLst meth="repeat">
+      <a:schemeClr val="accent1"/>
+    </dgm:fillClrLst>
+    <dgm:linClrLst meth="repeat">
+      <a:schemeClr val="accent1">
+        <a:shade val="80000"/>
+      </a:schemeClr>
+    </dgm:linClrLst>
+    <dgm:effectClrLst/>
+    <dgm:txLinClrLst/>
+    <dgm:txFillClrLst meth="repeat">
+      <a:schemeClr val="tx1"/>
+    </dgm:txFillClrLst>
+    <dgm:txEffectClrLst/>
+  </dgm:styleLbl>
+  <dgm:styleLbl name="parChTrans1D4">
+    <dgm:fillClrLst meth="repeat">
+      <a:schemeClr val="accent1"/>
+    </dgm:fillClrLst>
+    <dgm:linClrLst meth="repeat">
+      <a:schemeClr val="accent1">
+        <a:shade val="80000"/>
+      </a:schemeClr>
+    </dgm:linClrLst>
+    <dgm:effectClrLst/>
+    <dgm:txLinClrLst/>
+    <dgm:txFillClrLst meth="repeat">
+      <a:schemeClr val="tx1"/>
+    </dgm:txFillClrLst>
+    <dgm:txEffectClrLst/>
+  </dgm:styleLbl>
+  <dgm:styleLbl name="fgAcc1">
+    <dgm:fillClrLst meth="repeat">
+      <a:schemeClr val="lt1">
+        <a:alpha val="90000"/>
+      </a:schemeClr>
+    </dgm:fillClrLst>
+    <dgm:linClrLst meth="repeat">
+      <a:schemeClr val="accent1"/>
+    </dgm:linClrLst>
+    <dgm:effectClrLst/>
+    <dgm:txLinClrLst/>
+    <dgm:txFillClrLst meth="repeat">
+      <a:schemeClr val="dk1"/>
+    </dgm:txFillClrLst>
+    <dgm:txEffectClrLst/>
+  </dgm:styleLbl>
+  <dgm:styleLbl name="conFgAcc1">
+    <dgm:fillClrLst meth="repeat">
+      <a:schemeClr val="lt1">
+        <a:alpha val="90000"/>
+      </a:schemeClr>
+    </dgm:fillClrLst>
+    <dgm:linClrLst meth="repeat">
+      <a:schemeClr val="accent1"/>
+    </dgm:linClrLst>
+    <dgm:effectClrLst/>
+    <dgm:txLinClrLst/>
+    <dgm:txFillClrLst meth="repeat">
+      <a:schemeClr val="dk1"/>
+    </dgm:txFillClrLst>
+    <dgm:txEffectClrLst/>
+  </dgm:styleLbl>
+  <dgm:styleLbl name="alignAcc1">
+    <dgm:fillClrLst meth="repeat">
+      <a:schemeClr val="lt1">
+        <a:alpha val="90000"/>
+      </a:schemeClr>
+    </dgm:fillClrLst>
+    <dgm:linClrLst meth="repeat">
+      <a:schemeClr val="accent1"/>
+    </dgm:linClrLst>
+    <dgm:effectClrLst/>
+    <dgm:txLinClrLst/>
+    <dgm:txFillClrLst meth="repeat">
+      <a:schemeClr val="dk1"/>
+    </dgm:txFillClrLst>
+    <dgm:txEffectClrLst/>
+  </dgm:styleLbl>
+  <dgm:styleLbl name="trAlignAcc1">
+    <dgm:fillClrLst meth="repeat">
+      <a:schemeClr val="lt1">
+        <a:alpha val="40000"/>
+      </a:schemeClr>
+    </dgm:fillClrLst>
+    <dgm:linClrLst meth="repeat">
+      <a:schemeClr val="accent1"/>
+    </dgm:linClrLst>
+    <dgm:effectClrLst/>
+    <dgm:txLinClrLst/>
+    <dgm:txFillClrLst meth="repeat">
+      <a:schemeClr val="dk1"/>
+    </dgm:txFillClrLst>
+    <dgm:txEffectClrLst/>
+  </dgm:styleLbl>
+  <dgm:styleLbl name="bgAcc1">
+    <dgm:fillClrLst meth="repeat">
+      <a:schemeClr val="lt1">
+        <a:alpha val="90000"/>
+      </a:schemeClr>
+    </dgm:fillClrLst>
+    <dgm:linClrLst meth="repeat">
+      <a:schemeClr val="accent1"/>
+    </dgm:linClrLst>
+    <dgm:effectClrLst/>
+    <dgm:txLinClrLst/>
+    <dgm:txFillClrLst meth="repeat">
+      <a:schemeClr val="dk1"/>
+    </dgm:txFillClrLst>
+    <dgm:txEffectClrLst/>
+  </dgm:styleLbl>
+  <dgm:styleLbl name="solidFgAcc1">
+    <dgm:fillClrLst meth="repeat">
+      <a:schemeClr val="lt1"/>
+    </dgm:fillClrLst>
+    <dgm:linClrLst meth="repeat">
+      <a:schemeClr val="accent1"/>
+    </dgm:linClrLst>
+    <dgm:effectClrLst/>
+    <dgm:txLinClrLst/>
+    <dgm:txFillClrLst meth="repeat">
+      <a:schemeClr val="dk1"/>
+    </dgm:txFillClrLst>
+    <dgm:txEffectClrLst/>
+  </dgm:styleLbl>
+  <dgm:styleLbl name="solidAlignAcc1">
+    <dgm:fillClrLst meth="repeat">
+      <a:schemeClr val="lt1"/>
+    </dgm:fillClrLst>
+    <dgm:linClrLst meth="repeat">
+      <a:schemeClr val="accent1"/>
+    </dgm:linClrLst>
+    <dgm:effectClrLst/>
+    <dgm:txLinClrLst/>
+    <dgm:txFillClrLst meth="repeat">
+      <a:schemeClr val="dk1"/>
+    </dgm:txFillClrLst>
+    <dgm:txEffectClrLst/>
+  </dgm:styleLbl>
+  <dgm:styleLbl name="solidBgAcc1">
+    <dgm:fillClrLst meth="repeat">
+      <a:schemeClr val="lt1"/>
+    </dgm:fillClrLst>
+    <dgm:linClrLst meth="repeat">
+      <a:schemeClr val="accent1"/>
+    </dgm:linClrLst>
+    <dgm:effectClrLst/>
+    <dgm:txLinClrLst/>
+    <dgm:txFillClrLst meth="repeat">
+      <a:schemeClr val="dk1"/>
+    </dgm:txFillClrLst>
+    <dgm:txEffectClrLst/>
+  </dgm:styleLbl>
+  <dgm:styleLbl name="fgAccFollowNode1">
+    <dgm:fillClrLst meth="repeat">
+      <a:schemeClr val="accent1">
+        <a:alpha val="90000"/>
+        <a:tint val="40000"/>
+      </a:schemeClr>
+    </dgm:fillClrLst>
+    <dgm:linClrLst meth="repeat">
+      <a:schemeClr val="accent1">
+        <a:alpha val="90000"/>
+        <a:tint val="40000"/>
+      </a:schemeClr>
+    </dgm:linClrLst>
+    <dgm:effectClrLst/>
+    <dgm:txLinClrLst/>
+    <dgm:txFillClrLst meth="repeat">
+      <a:schemeClr val="dk1"/>
+    </dgm:txFillClrLst>
+    <dgm:txEffectClrLst/>
+  </dgm:styleLbl>
+  <dgm:styleLbl name="alignAccFollowNode1">
+    <dgm:fillClrLst meth="repeat">
+      <a:schemeClr val="accent1">
+        <a:alpha val="90000"/>
+        <a:tint val="40000"/>
+      </a:schemeClr>
+    </dgm:fillClrLst>
+    <dgm:linClrLst meth="repeat">
+      <a:schemeClr val="accent1">
+        <a:alpha val="90000"/>
+        <a:tint val="40000"/>
+      </a:schemeClr>
+    </dgm:linClrLst>
+    <dgm:effectClrLst/>
+    <dgm:txLinClrLst/>
+    <dgm:txFillClrLst meth="repeat">
+      <a:schemeClr val="dk1"/>
+    </dgm:txFillClrLst>
+    <dgm:txEffectClrLst/>
+  </dgm:styleLbl>
+  <dgm:styleLbl name="bgAccFollowNode1">
+    <dgm:fillClrLst meth="repeat">
+      <a:schemeClr val="accent1">
+        <a:alpha val="90000"/>
+        <a:tint val="40000"/>
+      </a:schemeClr>
+    </dgm:fillClrLst>
+    <dgm:linClrLst meth="repeat">
+      <a:schemeClr val="accent1">
+        <a:alpha val="90000"/>
+        <a:tint val="40000"/>
+      </a:schemeClr>
+    </dgm:linClrLst>
+    <dgm:effectClrLst/>
+    <dgm:txLinClrLst/>
+    <dgm:txFillClrLst meth="repeat">
+      <a:schemeClr val="dk1"/>
+    </dgm:txFillClrLst>
+    <dgm:txEffectClrLst/>
+  </dgm:styleLbl>
+  <dgm:styleLbl name="fgAcc0">
+    <dgm:fillClrLst meth="repeat">
+      <a:schemeClr val="lt1">
+        <a:alpha val="90000"/>
+      </a:schemeClr>
+    </dgm:fillClrLst>
+    <dgm:linClrLst meth="repeat">
+      <a:schemeClr val="accent1"/>
+    </dgm:linClrLst>
+    <dgm:effectClrLst/>
+    <dgm:txLinClrLst/>
+    <dgm:txFillClrLst meth="repeat">
+      <a:schemeClr val="dk1"/>
+    </dgm:txFillClrLst>
+    <dgm:txEffectClrLst/>
+  </dgm:styleLbl>
+  <dgm:styleLbl name="fgAcc2">
+    <dgm:fillClrLst meth="repeat">
+      <a:schemeClr val="lt1">
+        <a:alpha val="90000"/>
+      </a:schemeClr>
+    </dgm:fillClrLst>
+    <dgm:linClrLst meth="repeat">
+      <a:schemeClr val="accent1"/>
+    </dgm:linClrLst>
+    <dgm:effectClrLst/>
+    <dgm:txLinClrLst/>
+    <dgm:txFillClrLst meth="repeat">
+      <a:schemeClr val="dk1"/>
+    </dgm:txFillClrLst>
+    <dgm:txEffectClrLst/>
+  </dgm:styleLbl>
+  <dgm:styleLbl name="fgAcc3">
+    <dgm:fillClrLst meth="repeat">
+      <a:schemeClr val="lt1">
+        <a:alpha val="90000"/>
+      </a:schemeClr>
+    </dgm:fillClrLst>
+    <dgm:linClrLst meth="repeat">
+      <a:schemeClr val="accent1"/>
+    </dgm:linClrLst>
+    <dgm:effectClrLst/>
+    <dgm:txLinClrLst/>
+    <dgm:txFillClrLst meth="repeat">
+      <a:schemeClr val="dk1"/>
+    </dgm:txFillClrLst>
+    <dgm:txEffectClrLst/>
+  </dgm:styleLbl>
+  <dgm:styleLbl name="fgAcc4">
+    <dgm:fillClrLst meth="repeat">
+      <a:schemeClr val="lt1">
+        <a:alpha val="90000"/>
+      </a:schemeClr>
+    </dgm:fillClrLst>
+    <dgm:linClrLst meth="repeat">
+      <a:schemeClr val="accent1"/>
+    </dgm:linClrLst>
+    <dgm:effectClrLst/>
+    <dgm:txLinClrLst/>
+    <dgm:txFillClrLst meth="repeat">
+      <a:schemeClr val="dk1"/>
+    </dgm:txFillClrLst>
+    <dgm:txEffectClrLst/>
+  </dgm:styleLbl>
+  <dgm:styleLbl name="bgShp">
+    <dgm:fillClrLst meth="repeat">
+      <a:schemeClr val="accent1">
+        <a:tint val="40000"/>
+      </a:schemeClr>
+    </dgm:fillClrLst>
+    <dgm:linClrLst meth="repeat">
+      <a:schemeClr val="accent1"/>
+    </dgm:linClrLst>
+    <dgm:effectClrLst/>
+    <dgm:txLinClrLst/>
+    <dgm:txFillClrLst meth="repeat">
+      <a:schemeClr val="dk1"/>
+    </dgm:txFillClrLst>
+    <dgm:txEffectClrLst/>
+  </dgm:styleLbl>
+  <dgm:styleLbl name="dkBgShp">
+    <dgm:fillClrLst meth="repeat">
+      <a:schemeClr val="accent1">
+        <a:shade val="80000"/>
+      </a:schemeClr>
+    </dgm:fillClrLst>
+    <dgm:linClrLst meth="repeat">
+      <a:schemeClr val="accent1"/>
+    </dgm:linClrLst>
+    <dgm:effectClrLst/>
+    <dgm:txLinClrLst/>
+    <dgm:txFillClrLst meth="repeat">
+      <a:schemeClr val="lt1"/>
+    </dgm:txFillClrLst>
+    <dgm:txEffectClrLst/>
+  </dgm:styleLbl>
+  <dgm:styleLbl name="trBgShp">
+    <dgm:fillClrLst meth="repeat">
+      <a:schemeClr val="accent1">
+        <a:tint val="50000"/>
+        <a:alpha val="40000"/>
+      </a:schemeClr>
+    </dgm:fillClrLst>
+    <dgm:linClrLst meth="repeat">
+      <a:schemeClr val="accent1"/>
+    </dgm:linClrLst>
+    <dgm:effectClrLst/>
+    <dgm:txLinClrLst/>
+    <dgm:txFillClrLst meth="repeat">
+      <a:schemeClr val="lt1"/>
+    </dgm:txFillClrLst>
+    <dgm:txEffectClrLst/>
+  </dgm:styleLbl>
+  <dgm:styleLbl name="fgShp">
+    <dgm:fillClrLst meth="repeat">
+      <a:schemeClr val="accent1">
+        <a:tint val="60000"/>
+      </a:schemeClr>
+    </dgm:fillClrLst>
+    <dgm:linClrLst meth="repeat">
+      <a:schemeClr val="lt1"/>
+    </dgm:linClrLst>
+    <dgm:effectClrLst/>
+    <dgm:txLinClrLst/>
+    <dgm:txFillClrLst meth="repeat">
+      <a:schemeClr val="dk1"/>
+    </dgm:txFillClrLst>
+    <dgm:txEffectClrLst/>
+  </dgm:styleLbl>
+  <dgm:styleLbl name="revTx">
+    <dgm:fillClrLst meth="repeat">
+      <a:schemeClr val="lt1">
+        <a:alpha val="0"/>
+      </a:schemeClr>
+    </dgm:fillClrLst>
+    <dgm:linClrLst meth="repeat">
+      <a:schemeClr val="dk1">
+        <a:alpha val="0"/>
+      </a:schemeClr>
+    </dgm:linClrLst>
+    <dgm:effectClrLst/>
+    <dgm:txLinClrLst/>
+    <dgm:txFillClrLst meth="repeat">
+      <a:schemeClr val="tx1"/>
+    </dgm:txFillClrLst>
+    <dgm:txEffectClrLst/>
+  </dgm:styleLbl>
+</dgm:colorsDef>
+</file>
+
+<file path=ppt/diagrams/colors14.xml><?xml version="1.0" encoding="utf-8"?>
+<dgm:colorsDef xmlns:dgm="http://schemas.openxmlformats.org/drawingml/2006/diagram" xmlns:a="http://schemas.openxmlformats.org/drawingml/2006/main" uniqueId="urn:microsoft.com/office/officeart/2005/8/colors/accent1_2">
+  <dgm:title val=""/>
+  <dgm:desc val=""/>
+  <dgm:catLst>
+    <dgm:cat type="accent1" pri="11200"/>
+  </dgm:catLst>
+  <dgm:styleLbl name="node0">
+    <dgm:fillClrLst meth="repeat">
+      <a:schemeClr val="accent1"/>
+    </dgm:fillClrLst>
+    <dgm:linClrLst meth="repeat">
+      <a:schemeClr val="lt1"/>
+    </dgm:linClrLst>
+    <dgm:effectClrLst/>
+    <dgm:txLinClrLst/>
+    <dgm:txFillClrLst/>
+    <dgm:txEffectClrLst/>
+  </dgm:styleLbl>
+  <dgm:styleLbl name="alignNode1">
+    <dgm:fillClrLst meth="repeat">
+      <a:schemeClr val="accent1"/>
+    </dgm:fillClrLst>
+    <dgm:linClrLst meth="repeat">
+      <a:schemeClr val="accent1"/>
+    </dgm:linClrLst>
+    <dgm:effectClrLst/>
+    <dgm:txLinClrLst/>
+    <dgm:txFillClrLst/>
+    <dgm:txEffectClrLst/>
+  </dgm:styleLbl>
+  <dgm:styleLbl name="node1">
+    <dgm:fillClrLst meth="repeat">
+      <a:schemeClr val="accent1"/>
+    </dgm:fillClrLst>
+    <dgm:linClrLst meth="repeat">
+      <a:schemeClr val="lt1"/>
+    </dgm:linClrLst>
+    <dgm:effectClrLst/>
+    <dgm:txLinClrLst/>
+    <dgm:txFillClrLst/>
+    <dgm:txEffectClrLst/>
+  </dgm:styleLbl>
+  <dgm:styleLbl name="lnNode1">
+    <dgm:fillClrLst meth="repeat">
+      <a:schemeClr val="accent1"/>
+    </dgm:fillClrLst>
+    <dgm:linClrLst meth="repeat">
+      <a:schemeClr val="lt1"/>
+    </dgm:linClrLst>
+    <dgm:effectClrLst/>
+    <dgm:txLinClrLst/>
+    <dgm:txFillClrLst/>
+    <dgm:txEffectClrLst/>
+  </dgm:styleLbl>
+  <dgm:styleLbl name="vennNode1">
+    <dgm:fillClrLst meth="repeat">
+      <a:schemeClr val="accent1">
+        <a:alpha val="50000"/>
+      </a:schemeClr>
+    </dgm:fillClrLst>
+    <dgm:linClrLst meth="repeat">
+      <a:schemeClr val="lt1"/>
+    </dgm:linClrLst>
+    <dgm:effectClrLst/>
+    <dgm:txLinClrLst/>
+    <dgm:txFillClrLst/>
+    <dgm:txEffectClrLst/>
+  </dgm:styleLbl>
+  <dgm:styleLbl name="node2">
+    <dgm:fillClrLst meth="repeat">
+      <a:schemeClr val="accent1"/>
+    </dgm:fillClrLst>
+    <dgm:linClrLst meth="repeat">
+      <a:schemeClr val="lt1"/>
+    </dgm:linClrLst>
+    <dgm:effectClrLst/>
+    <dgm:txLinClrLst/>
+    <dgm:txFillClrLst/>
+    <dgm:txEffectClrLst/>
+  </dgm:styleLbl>
+  <dgm:styleLbl name="node3">
+    <dgm:fillClrLst meth="repeat">
+      <a:schemeClr val="accent1"/>
+    </dgm:fillClrLst>
+    <dgm:linClrLst meth="repeat">
+      <a:schemeClr val="lt1"/>
+    </dgm:linClrLst>
+    <dgm:effectClrLst/>
+    <dgm:txLinClrLst/>
+    <dgm:txFillClrLst/>
+    <dgm:txEffectClrLst/>
+  </dgm:styleLbl>
+  <dgm:styleLbl name="node4">
+    <dgm:fillClrLst meth="repeat">
+      <a:schemeClr val="accent1"/>
+    </dgm:fillClrLst>
+    <dgm:linClrLst meth="repeat">
+      <a:schemeClr val="lt1"/>
+    </dgm:linClrLst>
+    <dgm:effectClrLst/>
+    <dgm:txLinClrLst/>
+    <dgm:txFillClrLst/>
+    <dgm:txEffectClrLst/>
+  </dgm:styleLbl>
+  <dgm:styleLbl name="fgImgPlace1">
+    <dgm:fillClrLst meth="repeat">
+      <a:schemeClr val="accent1">
+        <a:tint val="50000"/>
+      </a:schemeClr>
+    </dgm:fillClrLst>
+    <dgm:linClrLst meth="repeat">
+      <a:schemeClr val="lt1"/>
+    </dgm:linClrLst>
+    <dgm:effectClrLst/>
+    <dgm:txLinClrLst/>
+    <dgm:txFillClrLst meth="repeat">
+      <a:schemeClr val="lt1"/>
+    </dgm:txFillClrLst>
+    <dgm:txEffectClrLst/>
+  </dgm:styleLbl>
+  <dgm:styleLbl name="alignImgPlace1">
+    <dgm:fillClrLst meth="repeat">
+      <a:schemeClr val="accent1">
+        <a:tint val="50000"/>
+      </a:schemeClr>
+    </dgm:fillClrLst>
+    <dgm:linClrLst meth="repeat">
+      <a:schemeClr val="lt1"/>
+    </dgm:linClrLst>
+    <dgm:effectClrLst/>
+    <dgm:txLinClrLst/>
+    <dgm:txFillClrLst meth="repeat">
+      <a:schemeClr val="lt1"/>
+    </dgm:txFillClrLst>
+    <dgm:txEffectClrLst/>
+  </dgm:styleLbl>
+  <dgm:styleLbl name="bgImgPlace1">
+    <dgm:fillClrLst meth="repeat">
+      <a:schemeClr val="accent1">
+        <a:tint val="50000"/>
+      </a:schemeClr>
+    </dgm:fillClrLst>
+    <dgm:linClrLst meth="repeat">
+      <a:schemeClr val="lt1"/>
+    </dgm:linClrLst>
+    <dgm:effectClrLst/>
+    <dgm:txLinClrLst/>
+    <dgm:txFillClrLst meth="repeat">
+      <a:schemeClr val="lt1"/>
+    </dgm:txFillClrLst>
+    <dgm:txEffectClrLst/>
+  </dgm:styleLbl>
+  <dgm:styleLbl name="sibTrans2D1">
+    <dgm:fillClrLst meth="repeat">
+      <a:schemeClr val="accent1">
+        <a:tint val="60000"/>
+      </a:schemeClr>
+    </dgm:fillClrLst>
+    <dgm:linClrLst meth="repeat">
+      <a:schemeClr val="accent1">
+        <a:tint val="60000"/>
+      </a:schemeClr>
+    </dgm:linClrLst>
+    <dgm:effectClrLst/>
+    <dgm:txLinClrLst/>
+    <dgm:txFillClrLst/>
+    <dgm:txEffectClrLst/>
+  </dgm:styleLbl>
+  <dgm:styleLbl name="fgSibTrans2D1">
+    <dgm:fillClrLst meth="repeat">
+      <a:schemeClr val="accent1">
+        <a:tint val="60000"/>
+      </a:schemeClr>
+    </dgm:fillClrLst>
+    <dgm:linClrLst meth="repeat">
+      <a:schemeClr val="accent1">
+        <a:tint val="60000"/>
+      </a:schemeClr>
+    </dgm:linClrLst>
+    <dgm:effectClrLst/>
+    <dgm:txLinClrLst/>
+    <dgm:txFillClrLst/>
+    <dgm:txEffectClrLst/>
+  </dgm:styleLbl>
+  <dgm:styleLbl name="bgSibTrans2D1">
+    <dgm:fillClrLst meth="repeat">
+      <a:schemeClr val="accent1">
+        <a:tint val="60000"/>
+      </a:schemeClr>
+    </dgm:fillClrLst>
+    <dgm:linClrLst meth="repeat">
+      <a:schemeClr val="accent1">
+        <a:tint val="60000"/>
+      </a:schemeClr>
+    </dgm:linClrLst>
+    <dgm:effectClrLst/>
+    <dgm:txLinClrLst/>
+    <dgm:txFillClrLst/>
+    <dgm:txEffectClrLst/>
+  </dgm:styleLbl>
+  <dgm:styleLbl name="sibTrans1D1">
+    <dgm:fillClrLst meth="repeat">
+      <a:schemeClr val="accent1"/>
+    </dgm:fillClrLst>
+    <dgm:linClrLst meth="repeat">
+      <a:schemeClr val="accent1"/>
+    </dgm:linClrLst>
+    <dgm:effectClrLst/>
+    <dgm:txLinClrLst/>
+    <dgm:txFillClrLst meth="repeat">
+      <a:schemeClr val="tx1"/>
+    </dgm:txFillClrLst>
+    <dgm:txEffectClrLst/>
+  </dgm:styleLbl>
+  <dgm:styleLbl name="callout">
+    <dgm:fillClrLst meth="repeat">
+      <a:schemeClr val="accent1"/>
+    </dgm:fillClrLst>
+    <dgm:linClrLst meth="repeat">
+      <a:schemeClr val="accent1">
+        <a:tint val="50000"/>
+      </a:schemeClr>
+    </dgm:linClrLst>
+    <dgm:effectClrLst/>
+    <dgm:txLinClrLst/>
+    <dgm:txFillClrLst meth="repeat">
+      <a:schemeClr val="tx1"/>
+    </dgm:txFillClrLst>
+    <dgm:txEffectClrLst/>
+  </dgm:styleLbl>
+  <dgm:styleLbl name="asst0">
+    <dgm:fillClrLst meth="repeat">
+      <a:schemeClr val="accent1"/>
+    </dgm:fillClrLst>
+    <dgm:linClrLst meth="repeat">
+      <a:schemeClr val="lt1"/>
+    </dgm:linClrLst>
+    <dgm:effectClrLst/>
+    <dgm:txLinClrLst/>
+    <dgm:txFillClrLst/>
+    <dgm:txEffectClrLst/>
+  </dgm:styleLbl>
+  <dgm:styleLbl name="asst1">
+    <dgm:fillClrLst meth="repeat">
+      <a:schemeClr val="accent1"/>
+    </dgm:fillClrLst>
+    <dgm:linClrLst meth="repeat">
+      <a:schemeClr val="lt1"/>
+    </dgm:linClrLst>
+    <dgm:effectClrLst/>
+    <dgm:txLinClrLst/>
+    <dgm:txFillClrLst/>
+    <dgm:txEffectClrLst/>
+  </dgm:styleLbl>
+  <dgm:styleLbl name="asst2">
+    <dgm:fillClrLst meth="repeat">
+      <a:schemeClr val="accent1"/>
+    </dgm:fillClrLst>
+    <dgm:linClrLst meth="repeat">
+      <a:schemeClr val="lt1"/>
+    </dgm:linClrLst>
+    <dgm:effectClrLst/>
+    <dgm:txLinClrLst/>
+    <dgm:txFillClrLst/>
+    <dgm:txEffectClrLst/>
+  </dgm:styleLbl>
+  <dgm:styleLbl name="asst3">
+    <dgm:fillClrLst meth="repeat">
+      <a:schemeClr val="accent1"/>
+    </dgm:fillClrLst>
+    <dgm:linClrLst meth="repeat">
+      <a:schemeClr val="lt1"/>
+    </dgm:linClrLst>
+    <dgm:effectClrLst/>
+    <dgm:txLinClrLst/>
+    <dgm:txFillClrLst/>
+    <dgm:txEffectClrLst/>
+  </dgm:styleLbl>
+  <dgm:styleLbl name="asst4">
+    <dgm:fillClrLst meth="repeat">
+      <a:schemeClr val="accent1"/>
+    </dgm:fillClrLst>
+    <dgm:linClrLst meth="repeat">
+      <a:schemeClr val="lt1"/>
+    </dgm:linClrLst>
+    <dgm:effectClrLst/>
+    <dgm:txLinClrLst/>
+    <dgm:txFillClrLst/>
+    <dgm:txEffectClrLst/>
+  </dgm:styleLbl>
+  <dgm:styleLbl name="parChTrans2D1">
+    <dgm:fillClrLst meth="repeat">
+      <a:schemeClr val="accent1">
+        <a:tint val="60000"/>
+      </a:schemeClr>
+    </dgm:fillClrLst>
+    <dgm:linClrLst meth="repeat">
+      <a:schemeClr val="accent1">
+        <a:tint val="60000"/>
+      </a:schemeClr>
+    </dgm:linClrLst>
+    <dgm:effectClrLst/>
+    <dgm:txLinClrLst/>
+    <dgm:txFillClrLst meth="repeat">
+      <a:schemeClr val="lt1"/>
+    </dgm:txFillClrLst>
+    <dgm:txEffectClrLst/>
+  </dgm:styleLbl>
+  <dgm:styleLbl name="parChTrans2D2">
+    <dgm:fillClrLst meth="repeat">
+      <a:schemeClr val="accent1"/>
+    </dgm:fillClrLst>
+    <dgm:linClrLst meth="repeat">
+      <a:schemeClr val="accent1"/>
+    </dgm:linClrLst>
+    <dgm:effectClrLst/>
+    <dgm:txLinClrLst/>
+    <dgm:txFillClrLst meth="repeat">
+      <a:schemeClr val="lt1"/>
+    </dgm:txFillClrLst>
+    <dgm:txEffectClrLst/>
+  </dgm:styleLbl>
+  <dgm:styleLbl name="parChTrans2D3">
+    <dgm:fillClrLst meth="repeat">
+      <a:schemeClr val="accent1"/>
+    </dgm:fillClrLst>
+    <dgm:linClrLst meth="repeat">
+      <a:schemeClr val="accent1"/>
+    </dgm:linClrLst>
+    <dgm:effectClrLst/>
+    <dgm:txLinClrLst/>
+    <dgm:txFillClrLst meth="repeat">
+      <a:schemeClr val="lt1"/>
+    </dgm:txFillClrLst>
+    <dgm:txEffectClrLst/>
+  </dgm:styleLbl>
+  <dgm:styleLbl name="parChTrans2D4">
+    <dgm:fillClrLst meth="repeat">
+      <a:schemeClr val="accent1"/>
+    </dgm:fillClrLst>
+    <dgm:linClrLst meth="repeat">
+      <a:schemeClr val="accent1"/>
+    </dgm:linClrLst>
+    <dgm:effectClrLst/>
+    <dgm:txLinClrLst/>
+    <dgm:txFillClrLst meth="repeat">
+      <a:schemeClr val="lt1"/>
+    </dgm:txFillClrLst>
+    <dgm:txEffectClrLst/>
+  </dgm:styleLbl>
+  <dgm:styleLbl name="parChTrans1D1">
+    <dgm:fillClrLst meth="repeat">
+      <a:schemeClr val="accent1"/>
+    </dgm:fillClrLst>
+    <dgm:linClrLst meth="repeat">
+      <a:schemeClr val="accent1">
+        <a:shade val="60000"/>
+      </a:schemeClr>
+    </dgm:linClrLst>
+    <dgm:effectClrLst/>
+    <dgm:txLinClrLst/>
+    <dgm:txFillClrLst meth="repeat">
+      <a:schemeClr val="tx1"/>
+    </dgm:txFillClrLst>
+    <dgm:txEffectClrLst/>
+  </dgm:styleLbl>
+  <dgm:styleLbl name="parChTrans1D2">
+    <dgm:fillClrLst meth="repeat">
+      <a:schemeClr val="accent1"/>
+    </dgm:fillClrLst>
+    <dgm:linClrLst meth="repeat">
+      <a:schemeClr val="accent1">
+        <a:shade val="60000"/>
+      </a:schemeClr>
+    </dgm:linClrLst>
+    <dgm:effectClrLst/>
+    <dgm:txLinClrLst/>
+    <dgm:txFillClrLst meth="repeat">
+      <a:schemeClr val="tx1"/>
+    </dgm:txFillClrLst>
+    <dgm:txEffectClrLst/>
+  </dgm:styleLbl>
+  <dgm:styleLbl name="parChTrans1D3">
+    <dgm:fillClrLst meth="repeat">
+      <a:schemeClr val="accent1"/>
+    </dgm:fillClrLst>
+    <dgm:linClrLst meth="repeat">
+      <a:schemeClr val="accent1">
+        <a:shade val="80000"/>
+      </a:schemeClr>
+    </dgm:linClrLst>
+    <dgm:effectClrLst/>
+    <dgm:txLinClrLst/>
+    <dgm:txFillClrLst meth="repeat">
+      <a:schemeClr val="tx1"/>
+    </dgm:txFillClrLst>
+    <dgm:txEffectClrLst/>
+  </dgm:styleLbl>
+  <dgm:styleLbl name="parChTrans1D4">
+    <dgm:fillClrLst meth="repeat">
+      <a:schemeClr val="accent1"/>
+    </dgm:fillClrLst>
+    <dgm:linClrLst meth="repeat">
+      <a:schemeClr val="accent1">
+        <a:shade val="80000"/>
+      </a:schemeClr>
+    </dgm:linClrLst>
+    <dgm:effectClrLst/>
+    <dgm:txLinClrLst/>
+    <dgm:txFillClrLst meth="repeat">
+      <a:schemeClr val="tx1"/>
+    </dgm:txFillClrLst>
+    <dgm:txEffectClrLst/>
+  </dgm:styleLbl>
+  <dgm:styleLbl name="fgAcc1">
+    <dgm:fillClrLst meth="repeat">
+      <a:schemeClr val="lt1">
+        <a:alpha val="90000"/>
+      </a:schemeClr>
+    </dgm:fillClrLst>
+    <dgm:linClrLst meth="repeat">
+      <a:schemeClr val="accent1"/>
+    </dgm:linClrLst>
+    <dgm:effectClrLst/>
+    <dgm:txLinClrLst/>
+    <dgm:txFillClrLst meth="repeat">
+      <a:schemeClr val="dk1"/>
+    </dgm:txFillClrLst>
+    <dgm:txEffectClrLst/>
+  </dgm:styleLbl>
+  <dgm:styleLbl name="conFgAcc1">
+    <dgm:fillClrLst meth="repeat">
+      <a:schemeClr val="lt1">
+        <a:alpha val="90000"/>
+      </a:schemeClr>
+    </dgm:fillClrLst>
+    <dgm:linClrLst meth="repeat">
+      <a:schemeClr val="accent1"/>
+    </dgm:linClrLst>
+    <dgm:effectClrLst/>
+    <dgm:txLinClrLst/>
+    <dgm:txFillClrLst meth="repeat">
+      <a:schemeClr val="dk1"/>
+    </dgm:txFillClrLst>
+    <dgm:txEffectClrLst/>
+  </dgm:styleLbl>
+  <dgm:styleLbl name="alignAcc1">
+    <dgm:fillClrLst meth="repeat">
+      <a:schemeClr val="lt1">
+        <a:alpha val="90000"/>
+      </a:schemeClr>
+    </dgm:fillClrLst>
+    <dgm:linClrLst meth="repeat">
+      <a:schemeClr val="accent1"/>
+    </dgm:linClrLst>
+    <dgm:effectClrLst/>
+    <dgm:txLinClrLst/>
+    <dgm:txFillClrLst meth="repeat">
+      <a:schemeClr val="dk1"/>
+    </dgm:txFillClrLst>
+    <dgm:txEffectClrLst/>
+  </dgm:styleLbl>
+  <dgm:styleLbl name="trAlignAcc1">
+    <dgm:fillClrLst meth="repeat">
+      <a:schemeClr val="lt1">
+        <a:alpha val="40000"/>
+      </a:schemeClr>
+    </dgm:fillClrLst>
+    <dgm:linClrLst meth="repeat">
+      <a:schemeClr val="accent1"/>
+    </dgm:linClrLst>
+    <dgm:effectClrLst/>
+    <dgm:txLinClrLst/>
+    <dgm:txFillClrLst meth="repeat">
+      <a:schemeClr val="dk1"/>
+    </dgm:txFillClrLst>
+    <dgm:txEffectClrLst/>
+  </dgm:styleLbl>
+  <dgm:styleLbl name="bgAcc1">
+    <dgm:fillClrLst meth="repeat">
+      <a:schemeClr val="lt1">
+        <a:alpha val="90000"/>
+      </a:schemeClr>
+    </dgm:fillClrLst>
+    <dgm:linClrLst meth="repeat">
+      <a:schemeClr val="accent1"/>
+    </dgm:linClrLst>
+    <dgm:effectClrLst/>
+    <dgm:txLinClrLst/>
+    <dgm:txFillClrLst meth="repeat">
+      <a:schemeClr val="dk1"/>
+    </dgm:txFillClrLst>
+    <dgm:txEffectClrLst/>
+  </dgm:styleLbl>
+  <dgm:styleLbl name="solidFgAcc1">
+    <dgm:fillClrLst meth="repeat">
+      <a:schemeClr val="lt1"/>
+    </dgm:fillClrLst>
+    <dgm:linClrLst meth="repeat">
+      <a:schemeClr val="accent1"/>
+    </dgm:linClrLst>
+    <dgm:effectClrLst/>
+    <dgm:txLinClrLst/>
+    <dgm:txFillClrLst meth="repeat">
+      <a:schemeClr val="dk1"/>
+    </dgm:txFillClrLst>
+    <dgm:txEffectClrLst/>
+  </dgm:styleLbl>
+  <dgm:styleLbl name="solidAlignAcc1">
+    <dgm:fillClrLst meth="repeat">
+      <a:schemeClr val="lt1"/>
+    </dgm:fillClrLst>
+    <dgm:linClrLst meth="repeat">
+      <a:schemeClr val="accent1"/>
+    </dgm:linClrLst>
+    <dgm:effectClrLst/>
+    <dgm:txLinClrLst/>
+    <dgm:txFillClrLst meth="repeat">
+      <a:schemeClr val="dk1"/>
+    </dgm:txFillClrLst>
+    <dgm:txEffectClrLst/>
+  </dgm:styleLbl>
+  <dgm:styleLbl name="solidBgAcc1">
+    <dgm:fillClrLst meth="repeat">
+      <a:schemeClr val="lt1"/>
+    </dgm:fillClrLst>
+    <dgm:linClrLst meth="repeat">
+      <a:schemeClr val="accent1"/>
+    </dgm:linClrLst>
+    <dgm:effectClrLst/>
+    <dgm:txLinClrLst/>
+    <dgm:txFillClrLst meth="repeat">
+      <a:schemeClr val="dk1"/>
+    </dgm:txFillClrLst>
+    <dgm:txEffectClrLst/>
+  </dgm:styleLbl>
+  <dgm:styleLbl name="fgAccFollowNode1">
+    <dgm:fillClrLst meth="repeat">
+      <a:schemeClr val="accent1">
+        <a:alpha val="90000"/>
+        <a:tint val="40000"/>
+      </a:schemeClr>
+    </dgm:fillClrLst>
+    <dgm:linClrLst meth="repeat">
+      <a:schemeClr val="accent1">
+        <a:alpha val="90000"/>
+        <a:tint val="40000"/>
+      </a:schemeClr>
+    </dgm:linClrLst>
+    <dgm:effectClrLst/>
+    <dgm:txLinClrLst/>
+    <dgm:txFillClrLst meth="repeat">
+      <a:schemeClr val="dk1"/>
+    </dgm:txFillClrLst>
+    <dgm:txEffectClrLst/>
+  </dgm:styleLbl>
+  <dgm:styleLbl name="alignAccFollowNode1">
+    <dgm:fillClrLst meth="repeat">
+      <a:schemeClr val="accent1">
+        <a:alpha val="90000"/>
+        <a:tint val="40000"/>
+      </a:schemeClr>
+    </dgm:fillClrLst>
+    <dgm:linClrLst meth="repeat">
+      <a:schemeClr val="accent1">
+        <a:alpha val="90000"/>
+        <a:tint val="40000"/>
+      </a:schemeClr>
+    </dgm:linClrLst>
+    <dgm:effectClrLst/>
+    <dgm:txLinClrLst/>
+    <dgm:txFillClrLst meth="repeat">
+      <a:schemeClr val="dk1"/>
+    </dgm:txFillClrLst>
+    <dgm:txEffectClrLst/>
+  </dgm:styleLbl>
+  <dgm:styleLbl name="bgAccFollowNode1">
+    <dgm:fillClrLst meth="repeat">
+      <a:schemeClr val="accent1">
+        <a:alpha val="90000"/>
+        <a:tint val="40000"/>
+      </a:schemeClr>
+    </dgm:fillClrLst>
+    <dgm:linClrLst meth="repeat">
+      <a:schemeClr val="accent1">
+        <a:alpha val="90000"/>
+        <a:tint val="40000"/>
+      </a:schemeClr>
+    </dgm:linClrLst>
+    <dgm:effectClrLst/>
+    <dgm:txLinClrLst/>
+    <dgm:txFillClrLst meth="repeat">
+      <a:schemeClr val="dk1"/>
+    </dgm:txFillClrLst>
+    <dgm:txEffectClrLst/>
+  </dgm:styleLbl>
+  <dgm:styleLbl name="fgAcc0">
+    <dgm:fillClrLst meth="repeat">
+      <a:schemeClr val="lt1">
+        <a:alpha val="90000"/>
+      </a:schemeClr>
+    </dgm:fillClrLst>
+    <dgm:linClrLst meth="repeat">
+      <a:schemeClr val="accent1"/>
+    </dgm:linClrLst>
+    <dgm:effectClrLst/>
+    <dgm:txLinClrLst/>
+    <dgm:txFillClrLst meth="repeat">
+      <a:schemeClr val="dk1"/>
+    </dgm:txFillClrLst>
+    <dgm:txEffectClrLst/>
+  </dgm:styleLbl>
+  <dgm:styleLbl name="fgAcc2">
+    <dgm:fillClrLst meth="repeat">
+      <a:schemeClr val="lt1">
+        <a:alpha val="90000"/>
+      </a:schemeClr>
+    </dgm:fillClrLst>
+    <dgm:linClrLst meth="repeat">
+      <a:schemeClr val="accent1"/>
+    </dgm:linClrLst>
+    <dgm:effectClrLst/>
+    <dgm:txLinClrLst/>
+    <dgm:txFillClrLst meth="repeat">
+      <a:schemeClr val="dk1"/>
+    </dgm:txFillClrLst>
+    <dgm:txEffectClrLst/>
+  </dgm:styleLbl>
+  <dgm:styleLbl name="fgAcc3">
+    <dgm:fillClrLst meth="repeat">
+      <a:schemeClr val="lt1">
+        <a:alpha val="90000"/>
+      </a:schemeClr>
+    </dgm:fillClrLst>
+    <dgm:linClrLst meth="repeat">
+      <a:schemeClr val="accent1"/>
+    </dgm:linClrLst>
+    <dgm:effectClrLst/>
+    <dgm:txLinClrLst/>
+    <dgm:txFillClrLst meth="repeat">
+      <a:schemeClr val="dk1"/>
+    </dgm:txFillClrLst>
+    <dgm:txEffectClrLst/>
+  </dgm:styleLbl>
+  <dgm:styleLbl name="fgAcc4">
+    <dgm:fillClrLst meth="repeat">
+      <a:schemeClr val="lt1">
+        <a:alpha val="90000"/>
+      </a:schemeClr>
+    </dgm:fillClrLst>
+    <dgm:linClrLst meth="repeat">
+      <a:schemeClr val="accent1"/>
+    </dgm:linClrLst>
+    <dgm:effectClrLst/>
+    <dgm:txLinClrLst/>
+    <dgm:txFillClrLst meth="repeat">
+      <a:schemeClr val="dk1"/>
+    </dgm:txFillClrLst>
+    <dgm:txEffectClrLst/>
+  </dgm:styleLbl>
+  <dgm:styleLbl name="bgShp">
+    <dgm:fillClrLst meth="repeat">
+      <a:schemeClr val="accent1">
+        <a:tint val="40000"/>
+      </a:schemeClr>
+    </dgm:fillClrLst>
+    <dgm:linClrLst meth="repeat">
+      <a:schemeClr val="accent1"/>
+    </dgm:linClrLst>
+    <dgm:effectClrLst/>
+    <dgm:txLinClrLst/>
+    <dgm:txFillClrLst meth="repeat">
+      <a:schemeClr val="dk1"/>
+    </dgm:txFillClrLst>
+    <dgm:txEffectClrLst/>
+  </dgm:styleLbl>
+  <dgm:styleLbl name="dkBgShp">
+    <dgm:fillClrLst meth="repeat">
+      <a:schemeClr val="accent1">
+        <a:shade val="80000"/>
+      </a:schemeClr>
+    </dgm:fillClrLst>
+    <dgm:linClrLst meth="repeat">
+      <a:schemeClr val="accent1"/>
+    </dgm:linClrLst>
+    <dgm:effectClrLst/>
+    <dgm:txLinClrLst/>
+    <dgm:txFillClrLst meth="repeat">
+      <a:schemeClr val="lt1"/>
+    </dgm:txFillClrLst>
+    <dgm:txEffectClrLst/>
+  </dgm:styleLbl>
+  <dgm:styleLbl name="trBgShp">
+    <dgm:fillClrLst meth="repeat">
+      <a:schemeClr val="accent1">
+        <a:tint val="50000"/>
+        <a:alpha val="40000"/>
+      </a:schemeClr>
+    </dgm:fillClrLst>
+    <dgm:linClrLst meth="repeat">
+      <a:schemeClr val="accent1"/>
+    </dgm:linClrLst>
+    <dgm:effectClrLst/>
+    <dgm:txLinClrLst/>
+    <dgm:txFillClrLst meth="repeat">
+      <a:schemeClr val="lt1"/>
+    </dgm:txFillClrLst>
+    <dgm:txEffectClrLst/>
+  </dgm:styleLbl>
+  <dgm:styleLbl name="fgShp">
+    <dgm:fillClrLst meth="repeat">
+      <a:schemeClr val="accent1">
+        <a:tint val="60000"/>
+      </a:schemeClr>
+    </dgm:fillClrLst>
+    <dgm:linClrLst meth="repeat">
+      <a:schemeClr val="lt1"/>
+    </dgm:linClrLst>
+    <dgm:effectClrLst/>
+    <dgm:txLinClrLst/>
+    <dgm:txFillClrLst meth="repeat">
+      <a:schemeClr val="dk1"/>
+    </dgm:txFillClrLst>
+    <dgm:txEffectClrLst/>
+  </dgm:styleLbl>
+  <dgm:styleLbl name="revTx">
+    <dgm:fillClrLst meth="repeat">
+      <a:schemeClr val="lt1">
+        <a:alpha val="0"/>
+      </a:schemeClr>
+    </dgm:fillClrLst>
+    <dgm:linClrLst meth="repeat">
+      <a:schemeClr val="dk1">
+        <a:alpha val="0"/>
+      </a:schemeClr>
+    </dgm:linClrLst>
+    <dgm:effectClrLst/>
+    <dgm:txLinClrLst/>
+    <dgm:txFillClrLst meth="repeat">
+      <a:schemeClr val="tx1"/>
+    </dgm:txFillClrLst>
+    <dgm:txEffectClrLst/>
+  </dgm:styleLbl>
+</dgm:colorsDef>
+</file>
+
+<file path=ppt/diagrams/colors15.xml><?xml version="1.0" encoding="utf-8"?>
 <dgm:colorsDef xmlns:dgm="http://schemas.openxmlformats.org/drawingml/2006/diagram" xmlns:a="http://schemas.openxmlformats.org/drawingml/2006/main" uniqueId="urn:microsoft.com/office/officeart/2005/8/colors/accent1_2">
   <dgm:title val=""/>
   <dgm:desc val=""/>
@@ -10480,9 +11976,9 @@
     <dgm:cxn modelId="{7CA550D1-96ED-47C4-9C45-3FB23B04874C}" type="presOf" srcId="{F06864E0-5BC0-4994-9709-BD7BB32FA894}" destId="{EAE8508B-A6AF-4A00-952A-6833349E5BE0}" srcOrd="1" destOrd="0" presId="urn:microsoft.com/office/officeart/2005/8/layout/process1"/>
     <dgm:cxn modelId="{C67B728A-18DE-4A72-A954-3DF75BA9EF32}" srcId="{4982E7B9-393C-446A-B868-3225692A2B68}" destId="{60B60E23-6E4E-407F-B85E-D9881A475F60}" srcOrd="2" destOrd="0" parTransId="{0AEDCB28-B3FC-43B4-A5E3-14554B946B61}" sibTransId="{4D0F6C77-3E9C-4F2C-A856-C490A75F7D5F}"/>
     <dgm:cxn modelId="{A94C36C6-D98C-4AB3-A73A-416CAD79EAB2}" type="presOf" srcId="{D5F45D29-FBD4-41DD-800B-D6B5495B67A6}" destId="{FBF22977-56B9-4F58-8148-E198416E40AF}" srcOrd="0" destOrd="0" presId="urn:microsoft.com/office/officeart/2005/8/layout/process1"/>
-    <dgm:cxn modelId="{0477910A-A53C-44FD-98FA-0208604D7D48}" type="presOf" srcId="{4D0F6C77-3E9C-4F2C-A856-C490A75F7D5F}" destId="{A29E33CC-5FF5-409D-B4EB-EE9D8211E277}" srcOrd="1" destOrd="0" presId="urn:microsoft.com/office/officeart/2005/8/layout/process1"/>
     <dgm:cxn modelId="{1125D7C3-9845-4855-9057-092C9713CFE1}" type="presOf" srcId="{4EF3A707-A7A8-4808-87F1-0CBF60594F8E}" destId="{02DD83ED-E236-45CF-B2AC-731129148BE9}" srcOrd="1" destOrd="0" presId="urn:microsoft.com/office/officeart/2005/8/layout/process1"/>
     <dgm:cxn modelId="{BDB70258-2F68-4796-AE58-DB750A99681F}" type="presOf" srcId="{4EF3A707-A7A8-4808-87F1-0CBF60594F8E}" destId="{D406A136-222C-4821-96A6-2A348A3C70A2}" srcOrd="0" destOrd="0" presId="urn:microsoft.com/office/officeart/2005/8/layout/process1"/>
+    <dgm:cxn modelId="{0477910A-A53C-44FD-98FA-0208604D7D48}" type="presOf" srcId="{4D0F6C77-3E9C-4F2C-A856-C490A75F7D5F}" destId="{A29E33CC-5FF5-409D-B4EB-EE9D8211E277}" srcOrd="1" destOrd="0" presId="urn:microsoft.com/office/officeart/2005/8/layout/process1"/>
     <dgm:cxn modelId="{82730BFC-73A6-4AAA-859E-D63E7582F5C3}" srcId="{4982E7B9-393C-446A-B868-3225692A2B68}" destId="{D5F45D29-FBD4-41DD-800B-D6B5495B67A6}" srcOrd="3" destOrd="0" parTransId="{594F3A47-DBA2-4B90-88A8-9DB409C7FB1B}" sibTransId="{961A5643-D233-429A-804D-4FFF9E61CA4E}"/>
     <dgm:cxn modelId="{6DB3ADF8-93DF-44AE-9B79-A5D4B9ED548A}" type="presParOf" srcId="{964E703C-4E8C-4F3D-97D1-30A20012739A}" destId="{1CF4523D-0ED1-455D-9399-3194D9EAFC32}" srcOrd="0" destOrd="0" presId="urn:microsoft.com/office/officeart/2005/8/layout/process1"/>
     <dgm:cxn modelId="{C699C764-ED7D-4943-B499-14AE0E9F1628}" type="presParOf" srcId="{964E703C-4E8C-4F3D-97D1-30A20012739A}" destId="{D406A136-222C-4821-96A6-2A348A3C70A2}" srcOrd="1" destOrd="0" presId="urn:microsoft.com/office/officeart/2005/8/layout/process1"/>
@@ -11479,6 +12975,670 @@
     <dgm:cxn modelId="{1125D7C3-9845-4855-9057-092C9713CFE1}" type="presOf" srcId="{4EF3A707-A7A8-4808-87F1-0CBF60594F8E}" destId="{02DD83ED-E236-45CF-B2AC-731129148BE9}" srcOrd="1" destOrd="0" presId="urn:microsoft.com/office/officeart/2005/8/layout/process1"/>
     <dgm:cxn modelId="{BDB70258-2F68-4796-AE58-DB750A99681F}" type="presOf" srcId="{4EF3A707-A7A8-4808-87F1-0CBF60594F8E}" destId="{D406A136-222C-4821-96A6-2A348A3C70A2}" srcOrd="0" destOrd="0" presId="urn:microsoft.com/office/officeart/2005/8/layout/process1"/>
     <dgm:cxn modelId="{0477910A-A53C-44FD-98FA-0208604D7D48}" type="presOf" srcId="{4D0F6C77-3E9C-4F2C-A856-C490A75F7D5F}" destId="{A29E33CC-5FF5-409D-B4EB-EE9D8211E277}" srcOrd="1" destOrd="0" presId="urn:microsoft.com/office/officeart/2005/8/layout/process1"/>
+    <dgm:cxn modelId="{82730BFC-73A6-4AAA-859E-D63E7582F5C3}" srcId="{4982E7B9-393C-446A-B868-3225692A2B68}" destId="{D5F45D29-FBD4-41DD-800B-D6B5495B67A6}" srcOrd="3" destOrd="0" parTransId="{594F3A47-DBA2-4B90-88A8-9DB409C7FB1B}" sibTransId="{961A5643-D233-429A-804D-4FFF9E61CA4E}"/>
+    <dgm:cxn modelId="{6DB3ADF8-93DF-44AE-9B79-A5D4B9ED548A}" type="presParOf" srcId="{964E703C-4E8C-4F3D-97D1-30A20012739A}" destId="{1CF4523D-0ED1-455D-9399-3194D9EAFC32}" srcOrd="0" destOrd="0" presId="urn:microsoft.com/office/officeart/2005/8/layout/process1"/>
+    <dgm:cxn modelId="{C699C764-ED7D-4943-B499-14AE0E9F1628}" type="presParOf" srcId="{964E703C-4E8C-4F3D-97D1-30A20012739A}" destId="{D406A136-222C-4821-96A6-2A348A3C70A2}" srcOrd="1" destOrd="0" presId="urn:microsoft.com/office/officeart/2005/8/layout/process1"/>
+    <dgm:cxn modelId="{0FFC4EEC-9190-49CE-81AD-A06E31165A03}" type="presParOf" srcId="{D406A136-222C-4821-96A6-2A348A3C70A2}" destId="{02DD83ED-E236-45CF-B2AC-731129148BE9}" srcOrd="0" destOrd="0" presId="urn:microsoft.com/office/officeart/2005/8/layout/process1"/>
+    <dgm:cxn modelId="{FBC89B77-8E9D-4980-A305-767865EC4715}" type="presParOf" srcId="{964E703C-4E8C-4F3D-97D1-30A20012739A}" destId="{7BD513CC-2B70-40BE-AB8E-2C53908A813D}" srcOrd="2" destOrd="0" presId="urn:microsoft.com/office/officeart/2005/8/layout/process1"/>
+    <dgm:cxn modelId="{B45D058C-2702-4E87-8F11-A5159572D360}" type="presParOf" srcId="{964E703C-4E8C-4F3D-97D1-30A20012739A}" destId="{F4378041-DC71-4D22-8E4B-125FE8972B50}" srcOrd="3" destOrd="0" presId="urn:microsoft.com/office/officeart/2005/8/layout/process1"/>
+    <dgm:cxn modelId="{8E273422-B1AC-4078-BEE0-3818A9F85207}" type="presParOf" srcId="{F4378041-DC71-4D22-8E4B-125FE8972B50}" destId="{EAE8508B-A6AF-4A00-952A-6833349E5BE0}" srcOrd="0" destOrd="0" presId="urn:microsoft.com/office/officeart/2005/8/layout/process1"/>
+    <dgm:cxn modelId="{E883B382-7E0E-4296-A3C5-22F8156846F5}" type="presParOf" srcId="{964E703C-4E8C-4F3D-97D1-30A20012739A}" destId="{4EDC47AE-0D5E-423F-8022-29390D351195}" srcOrd="4" destOrd="0" presId="urn:microsoft.com/office/officeart/2005/8/layout/process1"/>
+    <dgm:cxn modelId="{53FD092D-4E0E-4CCC-A97E-54F8B9343817}" type="presParOf" srcId="{964E703C-4E8C-4F3D-97D1-30A20012739A}" destId="{6B5D778B-AF11-402D-9C34-0B63FACF9E1B}" srcOrd="5" destOrd="0" presId="urn:microsoft.com/office/officeart/2005/8/layout/process1"/>
+    <dgm:cxn modelId="{5F6114F7-0A18-4AC5-BF70-B6F36E7EE0D4}" type="presParOf" srcId="{6B5D778B-AF11-402D-9C34-0B63FACF9E1B}" destId="{A29E33CC-5FF5-409D-B4EB-EE9D8211E277}" srcOrd="0" destOrd="0" presId="urn:microsoft.com/office/officeart/2005/8/layout/process1"/>
+    <dgm:cxn modelId="{89467CD9-F952-4D05-9467-4CBFF531FB0C}" type="presParOf" srcId="{964E703C-4E8C-4F3D-97D1-30A20012739A}" destId="{FBF22977-56B9-4F58-8148-E198416E40AF}" srcOrd="6" destOrd="0" presId="urn:microsoft.com/office/officeart/2005/8/layout/process1"/>
+  </dgm:cxnLst>
+  <dgm:bg/>
+  <dgm:whole/>
+  <dgm:extLst>
+    <a:ext uri="http://schemas.microsoft.com/office/drawing/2008/diagram">
+      <dsp:dataModelExt xmlns:dsp="http://schemas.microsoft.com/office/drawing/2008/diagram" relId="rId6" minVer="http://schemas.openxmlformats.org/drawingml/2006/diagram"/>
+    </a:ext>
+  </dgm:extLst>
+</dgm:dataModel>
+</file>
+
+<file path=ppt/diagrams/data14.xml><?xml version="1.0" encoding="utf-8"?>
+<dgm:dataModel xmlns:dgm="http://schemas.openxmlformats.org/drawingml/2006/diagram" xmlns:a="http://schemas.openxmlformats.org/drawingml/2006/main">
+  <dgm:ptLst>
+    <dgm:pt modelId="{4982E7B9-393C-446A-B868-3225692A2B68}" type="doc">
+      <dgm:prSet loTypeId="urn:microsoft.com/office/officeart/2005/8/layout/process1" loCatId="process" qsTypeId="urn:microsoft.com/office/officeart/2005/8/quickstyle/simple1" qsCatId="simple" csTypeId="urn:microsoft.com/office/officeart/2005/8/colors/accent1_2" csCatId="accent1" phldr="1"/>
+      <dgm:spPr/>
+    </dgm:pt>
+    <dgm:pt modelId="{EB50046D-788B-4BD6-A2F3-3E91D08D507E}">
+      <dgm:prSet phldrT="[文本]"/>
+      <dgm:spPr/>
+      <dgm:t>
+        <a:bodyPr/>
+        <a:lstStyle/>
+        <a:p>
+          <a:r>
+            <a:rPr lang="zh-CN" altLang="en-US" dirty="0" smtClean="0"/>
+            <a:t>第一部分</a:t>
+          </a:r>
+          <a:endParaRPr lang="zh-CN" altLang="en-US" dirty="0"/>
+        </a:p>
+      </dgm:t>
+    </dgm:pt>
+    <dgm:pt modelId="{C6EC46FF-F766-4DB6-B1CD-E1AAA7C371C4}" type="parTrans" cxnId="{B8D1D8B4-B059-4E42-B42B-6EF6907EA500}">
+      <dgm:prSet/>
+      <dgm:spPr/>
+      <dgm:t>
+        <a:bodyPr/>
+        <a:lstStyle/>
+        <a:p>
+          <a:endParaRPr lang="zh-CN" altLang="en-US"/>
+        </a:p>
+      </dgm:t>
+    </dgm:pt>
+    <dgm:pt modelId="{4EF3A707-A7A8-4808-87F1-0CBF60594F8E}" type="sibTrans" cxnId="{B8D1D8B4-B059-4E42-B42B-6EF6907EA500}">
+      <dgm:prSet/>
+      <dgm:spPr/>
+      <dgm:t>
+        <a:bodyPr/>
+        <a:lstStyle/>
+        <a:p>
+          <a:endParaRPr lang="zh-CN" altLang="en-US"/>
+        </a:p>
+      </dgm:t>
+    </dgm:pt>
+    <dgm:pt modelId="{60B60E23-6E4E-407F-B85E-D9881A475F60}">
+      <dgm:prSet phldrT="[文本]"/>
+      <dgm:spPr/>
+      <dgm:t>
+        <a:bodyPr/>
+        <a:lstStyle/>
+        <a:p>
+          <a:r>
+            <a:rPr lang="zh-CN" altLang="en-US" dirty="0" smtClean="0"/>
+            <a:t>第三部分</a:t>
+          </a:r>
+          <a:endParaRPr lang="zh-CN" altLang="en-US" dirty="0"/>
+        </a:p>
+      </dgm:t>
+    </dgm:pt>
+    <dgm:pt modelId="{0AEDCB28-B3FC-43B4-A5E3-14554B946B61}" type="parTrans" cxnId="{C67B728A-18DE-4A72-A954-3DF75BA9EF32}">
+      <dgm:prSet/>
+      <dgm:spPr/>
+      <dgm:t>
+        <a:bodyPr/>
+        <a:lstStyle/>
+        <a:p>
+          <a:endParaRPr lang="zh-CN" altLang="en-US"/>
+        </a:p>
+      </dgm:t>
+    </dgm:pt>
+    <dgm:pt modelId="{4D0F6C77-3E9C-4F2C-A856-C490A75F7D5F}" type="sibTrans" cxnId="{C67B728A-18DE-4A72-A954-3DF75BA9EF32}">
+      <dgm:prSet/>
+      <dgm:spPr/>
+      <dgm:t>
+        <a:bodyPr/>
+        <a:lstStyle/>
+        <a:p>
+          <a:endParaRPr lang="zh-CN" altLang="en-US"/>
+        </a:p>
+      </dgm:t>
+    </dgm:pt>
+    <dgm:pt modelId="{D5F45D29-FBD4-41DD-800B-D6B5495B67A6}">
+      <dgm:prSet phldrT="[文本]"/>
+      <dgm:spPr>
+        <a:solidFill>
+          <a:srgbClr val="00B0F0"/>
+        </a:solidFill>
+      </dgm:spPr>
+      <dgm:t>
+        <a:bodyPr/>
+        <a:lstStyle/>
+        <a:p>
+          <a:r>
+            <a:rPr lang="zh-CN" altLang="en-US" dirty="0" smtClean="0"/>
+            <a:t>第四部分</a:t>
+          </a:r>
+          <a:endParaRPr lang="zh-CN" altLang="en-US" dirty="0"/>
+        </a:p>
+      </dgm:t>
+    </dgm:pt>
+    <dgm:pt modelId="{594F3A47-DBA2-4B90-88A8-9DB409C7FB1B}" type="parTrans" cxnId="{82730BFC-73A6-4AAA-859E-D63E7582F5C3}">
+      <dgm:prSet/>
+      <dgm:spPr/>
+      <dgm:t>
+        <a:bodyPr/>
+        <a:lstStyle/>
+        <a:p>
+          <a:endParaRPr lang="zh-CN" altLang="en-US"/>
+        </a:p>
+      </dgm:t>
+    </dgm:pt>
+    <dgm:pt modelId="{961A5643-D233-429A-804D-4FFF9E61CA4E}" type="sibTrans" cxnId="{82730BFC-73A6-4AAA-859E-D63E7582F5C3}">
+      <dgm:prSet/>
+      <dgm:spPr/>
+      <dgm:t>
+        <a:bodyPr/>
+        <a:lstStyle/>
+        <a:p>
+          <a:endParaRPr lang="zh-CN" altLang="en-US"/>
+        </a:p>
+      </dgm:t>
+    </dgm:pt>
+    <dgm:pt modelId="{CB4130AF-C34E-41F6-A9D8-857EB96E3FC4}">
+      <dgm:prSet phldrT="[文本]"/>
+      <dgm:spPr/>
+      <dgm:t>
+        <a:bodyPr/>
+        <a:lstStyle/>
+        <a:p>
+          <a:r>
+            <a:rPr lang="zh-CN" altLang="en-US" dirty="0" smtClean="0"/>
+            <a:t>第二部分</a:t>
+          </a:r>
+          <a:endParaRPr lang="zh-CN" altLang="en-US" dirty="0"/>
+        </a:p>
+      </dgm:t>
+    </dgm:pt>
+    <dgm:pt modelId="{712BBC4A-71FD-4C7F-8BD7-5DBECE1E6005}" type="parTrans" cxnId="{AE42133A-0268-4F58-B921-BE6355940847}">
+      <dgm:prSet/>
+      <dgm:spPr/>
+      <dgm:t>
+        <a:bodyPr/>
+        <a:lstStyle/>
+        <a:p>
+          <a:endParaRPr lang="zh-CN" altLang="en-US"/>
+        </a:p>
+      </dgm:t>
+    </dgm:pt>
+    <dgm:pt modelId="{F06864E0-5BC0-4994-9709-BD7BB32FA894}" type="sibTrans" cxnId="{AE42133A-0268-4F58-B921-BE6355940847}">
+      <dgm:prSet/>
+      <dgm:spPr/>
+      <dgm:t>
+        <a:bodyPr/>
+        <a:lstStyle/>
+        <a:p>
+          <a:endParaRPr lang="zh-CN" altLang="en-US"/>
+        </a:p>
+      </dgm:t>
+    </dgm:pt>
+    <dgm:pt modelId="{964E703C-4E8C-4F3D-97D1-30A20012739A}" type="pres">
+      <dgm:prSet presAssocID="{4982E7B9-393C-446A-B868-3225692A2B68}" presName="Name0" presStyleCnt="0">
+        <dgm:presLayoutVars>
+          <dgm:dir/>
+          <dgm:resizeHandles val="exact"/>
+        </dgm:presLayoutVars>
+      </dgm:prSet>
+      <dgm:spPr/>
+    </dgm:pt>
+    <dgm:pt modelId="{1CF4523D-0ED1-455D-9399-3194D9EAFC32}" type="pres">
+      <dgm:prSet presAssocID="{EB50046D-788B-4BD6-A2F3-3E91D08D507E}" presName="node" presStyleLbl="node1" presStyleIdx="0" presStyleCnt="4">
+        <dgm:presLayoutVars>
+          <dgm:bulletEnabled val="1"/>
+        </dgm:presLayoutVars>
+      </dgm:prSet>
+      <dgm:spPr/>
+      <dgm:t>
+        <a:bodyPr/>
+        <a:lstStyle/>
+        <a:p>
+          <a:endParaRPr lang="zh-CN" altLang="en-US"/>
+        </a:p>
+      </dgm:t>
+    </dgm:pt>
+    <dgm:pt modelId="{D406A136-222C-4821-96A6-2A348A3C70A2}" type="pres">
+      <dgm:prSet presAssocID="{4EF3A707-A7A8-4808-87F1-0CBF60594F8E}" presName="sibTrans" presStyleLbl="sibTrans2D1" presStyleIdx="0" presStyleCnt="3"/>
+      <dgm:spPr/>
+      <dgm:t>
+        <a:bodyPr/>
+        <a:lstStyle/>
+        <a:p>
+          <a:endParaRPr lang="zh-CN" altLang="en-US"/>
+        </a:p>
+      </dgm:t>
+    </dgm:pt>
+    <dgm:pt modelId="{02DD83ED-E236-45CF-B2AC-731129148BE9}" type="pres">
+      <dgm:prSet presAssocID="{4EF3A707-A7A8-4808-87F1-0CBF60594F8E}" presName="connectorText" presStyleLbl="sibTrans2D1" presStyleIdx="0" presStyleCnt="3"/>
+      <dgm:spPr/>
+      <dgm:t>
+        <a:bodyPr/>
+        <a:lstStyle/>
+        <a:p>
+          <a:endParaRPr lang="zh-CN" altLang="en-US"/>
+        </a:p>
+      </dgm:t>
+    </dgm:pt>
+    <dgm:pt modelId="{7BD513CC-2B70-40BE-AB8E-2C53908A813D}" type="pres">
+      <dgm:prSet presAssocID="{CB4130AF-C34E-41F6-A9D8-857EB96E3FC4}" presName="node" presStyleLbl="node1" presStyleIdx="1" presStyleCnt="4">
+        <dgm:presLayoutVars>
+          <dgm:bulletEnabled val="1"/>
+        </dgm:presLayoutVars>
+      </dgm:prSet>
+      <dgm:spPr/>
+      <dgm:t>
+        <a:bodyPr/>
+        <a:lstStyle/>
+        <a:p>
+          <a:endParaRPr lang="zh-CN" altLang="en-US"/>
+        </a:p>
+      </dgm:t>
+    </dgm:pt>
+    <dgm:pt modelId="{F4378041-DC71-4D22-8E4B-125FE8972B50}" type="pres">
+      <dgm:prSet presAssocID="{F06864E0-5BC0-4994-9709-BD7BB32FA894}" presName="sibTrans" presStyleLbl="sibTrans2D1" presStyleIdx="1" presStyleCnt="3"/>
+      <dgm:spPr/>
+      <dgm:t>
+        <a:bodyPr/>
+        <a:lstStyle/>
+        <a:p>
+          <a:endParaRPr lang="zh-CN" altLang="en-US"/>
+        </a:p>
+      </dgm:t>
+    </dgm:pt>
+    <dgm:pt modelId="{EAE8508B-A6AF-4A00-952A-6833349E5BE0}" type="pres">
+      <dgm:prSet presAssocID="{F06864E0-5BC0-4994-9709-BD7BB32FA894}" presName="connectorText" presStyleLbl="sibTrans2D1" presStyleIdx="1" presStyleCnt="3"/>
+      <dgm:spPr/>
+      <dgm:t>
+        <a:bodyPr/>
+        <a:lstStyle/>
+        <a:p>
+          <a:endParaRPr lang="zh-CN" altLang="en-US"/>
+        </a:p>
+      </dgm:t>
+    </dgm:pt>
+    <dgm:pt modelId="{4EDC47AE-0D5E-423F-8022-29390D351195}" type="pres">
+      <dgm:prSet presAssocID="{60B60E23-6E4E-407F-B85E-D9881A475F60}" presName="node" presStyleLbl="node1" presStyleIdx="2" presStyleCnt="4">
+        <dgm:presLayoutVars>
+          <dgm:bulletEnabled val="1"/>
+        </dgm:presLayoutVars>
+      </dgm:prSet>
+      <dgm:spPr/>
+      <dgm:t>
+        <a:bodyPr/>
+        <a:lstStyle/>
+        <a:p>
+          <a:endParaRPr lang="zh-CN" altLang="en-US"/>
+        </a:p>
+      </dgm:t>
+    </dgm:pt>
+    <dgm:pt modelId="{6B5D778B-AF11-402D-9C34-0B63FACF9E1B}" type="pres">
+      <dgm:prSet presAssocID="{4D0F6C77-3E9C-4F2C-A856-C490A75F7D5F}" presName="sibTrans" presStyleLbl="sibTrans2D1" presStyleIdx="2" presStyleCnt="3"/>
+      <dgm:spPr/>
+      <dgm:t>
+        <a:bodyPr/>
+        <a:lstStyle/>
+        <a:p>
+          <a:endParaRPr lang="zh-CN" altLang="en-US"/>
+        </a:p>
+      </dgm:t>
+    </dgm:pt>
+    <dgm:pt modelId="{A29E33CC-5FF5-409D-B4EB-EE9D8211E277}" type="pres">
+      <dgm:prSet presAssocID="{4D0F6C77-3E9C-4F2C-A856-C490A75F7D5F}" presName="connectorText" presStyleLbl="sibTrans2D1" presStyleIdx="2" presStyleCnt="3"/>
+      <dgm:spPr/>
+      <dgm:t>
+        <a:bodyPr/>
+        <a:lstStyle/>
+        <a:p>
+          <a:endParaRPr lang="zh-CN" altLang="en-US"/>
+        </a:p>
+      </dgm:t>
+    </dgm:pt>
+    <dgm:pt modelId="{FBF22977-56B9-4F58-8148-E198416E40AF}" type="pres">
+      <dgm:prSet presAssocID="{D5F45D29-FBD4-41DD-800B-D6B5495B67A6}" presName="node" presStyleLbl="node1" presStyleIdx="3" presStyleCnt="4">
+        <dgm:presLayoutVars>
+          <dgm:bulletEnabled val="1"/>
+        </dgm:presLayoutVars>
+      </dgm:prSet>
+      <dgm:spPr/>
+      <dgm:t>
+        <a:bodyPr/>
+        <a:lstStyle/>
+        <a:p>
+          <a:endParaRPr lang="zh-CN" altLang="en-US"/>
+        </a:p>
+      </dgm:t>
+    </dgm:pt>
+  </dgm:ptLst>
+  <dgm:cxnLst>
+    <dgm:cxn modelId="{2B95ACB3-370E-4197-814D-C0945066936B}" type="presOf" srcId="{60B60E23-6E4E-407F-B85E-D9881A475F60}" destId="{4EDC47AE-0D5E-423F-8022-29390D351195}" srcOrd="0" destOrd="0" presId="urn:microsoft.com/office/officeart/2005/8/layout/process1"/>
+    <dgm:cxn modelId="{0300BF6B-F2B6-4A71-AAB0-3E883CFDE1DB}" type="presOf" srcId="{4D0F6C77-3E9C-4F2C-A856-C490A75F7D5F}" destId="{6B5D778B-AF11-402D-9C34-0B63FACF9E1B}" srcOrd="0" destOrd="0" presId="urn:microsoft.com/office/officeart/2005/8/layout/process1"/>
+    <dgm:cxn modelId="{03D7B17B-3F11-4408-A61A-9CA4E9940B2E}" type="presOf" srcId="{EB50046D-788B-4BD6-A2F3-3E91D08D507E}" destId="{1CF4523D-0ED1-455D-9399-3194D9EAFC32}" srcOrd="0" destOrd="0" presId="urn:microsoft.com/office/officeart/2005/8/layout/process1"/>
+    <dgm:cxn modelId="{6C99EC54-DD61-41D5-A61B-44E0E24161BC}" type="presOf" srcId="{CB4130AF-C34E-41F6-A9D8-857EB96E3FC4}" destId="{7BD513CC-2B70-40BE-AB8E-2C53908A813D}" srcOrd="0" destOrd="0" presId="urn:microsoft.com/office/officeart/2005/8/layout/process1"/>
+    <dgm:cxn modelId="{98E22585-0098-4E51-BAD0-29119EA47653}" type="presOf" srcId="{4982E7B9-393C-446A-B868-3225692A2B68}" destId="{964E703C-4E8C-4F3D-97D1-30A20012739A}" srcOrd="0" destOrd="0" presId="urn:microsoft.com/office/officeart/2005/8/layout/process1"/>
+    <dgm:cxn modelId="{510CA856-F15C-4410-A585-6D31285F7600}" type="presOf" srcId="{F06864E0-5BC0-4994-9709-BD7BB32FA894}" destId="{F4378041-DC71-4D22-8E4B-125FE8972B50}" srcOrd="0" destOrd="0" presId="urn:microsoft.com/office/officeart/2005/8/layout/process1"/>
+    <dgm:cxn modelId="{AE42133A-0268-4F58-B921-BE6355940847}" srcId="{4982E7B9-393C-446A-B868-3225692A2B68}" destId="{CB4130AF-C34E-41F6-A9D8-857EB96E3FC4}" srcOrd="1" destOrd="0" parTransId="{712BBC4A-71FD-4C7F-8BD7-5DBECE1E6005}" sibTransId="{F06864E0-5BC0-4994-9709-BD7BB32FA894}"/>
+    <dgm:cxn modelId="{B8D1D8B4-B059-4E42-B42B-6EF6907EA500}" srcId="{4982E7B9-393C-446A-B868-3225692A2B68}" destId="{EB50046D-788B-4BD6-A2F3-3E91D08D507E}" srcOrd="0" destOrd="0" parTransId="{C6EC46FF-F766-4DB6-B1CD-E1AAA7C371C4}" sibTransId="{4EF3A707-A7A8-4808-87F1-0CBF60594F8E}"/>
+    <dgm:cxn modelId="{7CA550D1-96ED-47C4-9C45-3FB23B04874C}" type="presOf" srcId="{F06864E0-5BC0-4994-9709-BD7BB32FA894}" destId="{EAE8508B-A6AF-4A00-952A-6833349E5BE0}" srcOrd="1" destOrd="0" presId="urn:microsoft.com/office/officeart/2005/8/layout/process1"/>
+    <dgm:cxn modelId="{C67B728A-18DE-4A72-A954-3DF75BA9EF32}" srcId="{4982E7B9-393C-446A-B868-3225692A2B68}" destId="{60B60E23-6E4E-407F-B85E-D9881A475F60}" srcOrd="2" destOrd="0" parTransId="{0AEDCB28-B3FC-43B4-A5E3-14554B946B61}" sibTransId="{4D0F6C77-3E9C-4F2C-A856-C490A75F7D5F}"/>
+    <dgm:cxn modelId="{A94C36C6-D98C-4AB3-A73A-416CAD79EAB2}" type="presOf" srcId="{D5F45D29-FBD4-41DD-800B-D6B5495B67A6}" destId="{FBF22977-56B9-4F58-8148-E198416E40AF}" srcOrd="0" destOrd="0" presId="urn:microsoft.com/office/officeart/2005/8/layout/process1"/>
+    <dgm:cxn modelId="{1125D7C3-9845-4855-9057-092C9713CFE1}" type="presOf" srcId="{4EF3A707-A7A8-4808-87F1-0CBF60594F8E}" destId="{02DD83ED-E236-45CF-B2AC-731129148BE9}" srcOrd="1" destOrd="0" presId="urn:microsoft.com/office/officeart/2005/8/layout/process1"/>
+    <dgm:cxn modelId="{BDB70258-2F68-4796-AE58-DB750A99681F}" type="presOf" srcId="{4EF3A707-A7A8-4808-87F1-0CBF60594F8E}" destId="{D406A136-222C-4821-96A6-2A348A3C70A2}" srcOrd="0" destOrd="0" presId="urn:microsoft.com/office/officeart/2005/8/layout/process1"/>
+    <dgm:cxn modelId="{0477910A-A53C-44FD-98FA-0208604D7D48}" type="presOf" srcId="{4D0F6C77-3E9C-4F2C-A856-C490A75F7D5F}" destId="{A29E33CC-5FF5-409D-B4EB-EE9D8211E277}" srcOrd="1" destOrd="0" presId="urn:microsoft.com/office/officeart/2005/8/layout/process1"/>
+    <dgm:cxn modelId="{82730BFC-73A6-4AAA-859E-D63E7582F5C3}" srcId="{4982E7B9-393C-446A-B868-3225692A2B68}" destId="{D5F45D29-FBD4-41DD-800B-D6B5495B67A6}" srcOrd="3" destOrd="0" parTransId="{594F3A47-DBA2-4B90-88A8-9DB409C7FB1B}" sibTransId="{961A5643-D233-429A-804D-4FFF9E61CA4E}"/>
+    <dgm:cxn modelId="{6DB3ADF8-93DF-44AE-9B79-A5D4B9ED548A}" type="presParOf" srcId="{964E703C-4E8C-4F3D-97D1-30A20012739A}" destId="{1CF4523D-0ED1-455D-9399-3194D9EAFC32}" srcOrd="0" destOrd="0" presId="urn:microsoft.com/office/officeart/2005/8/layout/process1"/>
+    <dgm:cxn modelId="{C699C764-ED7D-4943-B499-14AE0E9F1628}" type="presParOf" srcId="{964E703C-4E8C-4F3D-97D1-30A20012739A}" destId="{D406A136-222C-4821-96A6-2A348A3C70A2}" srcOrd="1" destOrd="0" presId="urn:microsoft.com/office/officeart/2005/8/layout/process1"/>
+    <dgm:cxn modelId="{0FFC4EEC-9190-49CE-81AD-A06E31165A03}" type="presParOf" srcId="{D406A136-222C-4821-96A6-2A348A3C70A2}" destId="{02DD83ED-E236-45CF-B2AC-731129148BE9}" srcOrd="0" destOrd="0" presId="urn:microsoft.com/office/officeart/2005/8/layout/process1"/>
+    <dgm:cxn modelId="{FBC89B77-8E9D-4980-A305-767865EC4715}" type="presParOf" srcId="{964E703C-4E8C-4F3D-97D1-30A20012739A}" destId="{7BD513CC-2B70-40BE-AB8E-2C53908A813D}" srcOrd="2" destOrd="0" presId="urn:microsoft.com/office/officeart/2005/8/layout/process1"/>
+    <dgm:cxn modelId="{B45D058C-2702-4E87-8F11-A5159572D360}" type="presParOf" srcId="{964E703C-4E8C-4F3D-97D1-30A20012739A}" destId="{F4378041-DC71-4D22-8E4B-125FE8972B50}" srcOrd="3" destOrd="0" presId="urn:microsoft.com/office/officeart/2005/8/layout/process1"/>
+    <dgm:cxn modelId="{8E273422-B1AC-4078-BEE0-3818A9F85207}" type="presParOf" srcId="{F4378041-DC71-4D22-8E4B-125FE8972B50}" destId="{EAE8508B-A6AF-4A00-952A-6833349E5BE0}" srcOrd="0" destOrd="0" presId="urn:microsoft.com/office/officeart/2005/8/layout/process1"/>
+    <dgm:cxn modelId="{E883B382-7E0E-4296-A3C5-22F8156846F5}" type="presParOf" srcId="{964E703C-4E8C-4F3D-97D1-30A20012739A}" destId="{4EDC47AE-0D5E-423F-8022-29390D351195}" srcOrd="4" destOrd="0" presId="urn:microsoft.com/office/officeart/2005/8/layout/process1"/>
+    <dgm:cxn modelId="{53FD092D-4E0E-4CCC-A97E-54F8B9343817}" type="presParOf" srcId="{964E703C-4E8C-4F3D-97D1-30A20012739A}" destId="{6B5D778B-AF11-402D-9C34-0B63FACF9E1B}" srcOrd="5" destOrd="0" presId="urn:microsoft.com/office/officeart/2005/8/layout/process1"/>
+    <dgm:cxn modelId="{5F6114F7-0A18-4AC5-BF70-B6F36E7EE0D4}" type="presParOf" srcId="{6B5D778B-AF11-402D-9C34-0B63FACF9E1B}" destId="{A29E33CC-5FF5-409D-B4EB-EE9D8211E277}" srcOrd="0" destOrd="0" presId="urn:microsoft.com/office/officeart/2005/8/layout/process1"/>
+    <dgm:cxn modelId="{89467CD9-F952-4D05-9467-4CBFF531FB0C}" type="presParOf" srcId="{964E703C-4E8C-4F3D-97D1-30A20012739A}" destId="{FBF22977-56B9-4F58-8148-E198416E40AF}" srcOrd="6" destOrd="0" presId="urn:microsoft.com/office/officeart/2005/8/layout/process1"/>
+  </dgm:cxnLst>
+  <dgm:bg/>
+  <dgm:whole/>
+  <dgm:extLst>
+    <a:ext uri="http://schemas.microsoft.com/office/drawing/2008/diagram">
+      <dsp:dataModelExt xmlns:dsp="http://schemas.microsoft.com/office/drawing/2008/diagram" relId="rId6" minVer="http://schemas.openxmlformats.org/drawingml/2006/diagram"/>
+    </a:ext>
+  </dgm:extLst>
+</dgm:dataModel>
+</file>
+
+<file path=ppt/diagrams/data15.xml><?xml version="1.0" encoding="utf-8"?>
+<dgm:dataModel xmlns:dgm="http://schemas.openxmlformats.org/drawingml/2006/diagram" xmlns:a="http://schemas.openxmlformats.org/drawingml/2006/main">
+  <dgm:ptLst>
+    <dgm:pt modelId="{4982E7B9-393C-446A-B868-3225692A2B68}" type="doc">
+      <dgm:prSet loTypeId="urn:microsoft.com/office/officeart/2005/8/layout/process1" loCatId="process" qsTypeId="urn:microsoft.com/office/officeart/2005/8/quickstyle/simple1" qsCatId="simple" csTypeId="urn:microsoft.com/office/officeart/2005/8/colors/accent1_2" csCatId="accent1" phldr="1"/>
+      <dgm:spPr/>
+    </dgm:pt>
+    <dgm:pt modelId="{EB50046D-788B-4BD6-A2F3-3E91D08D507E}">
+      <dgm:prSet phldrT="[文本]"/>
+      <dgm:spPr/>
+      <dgm:t>
+        <a:bodyPr/>
+        <a:lstStyle/>
+        <a:p>
+          <a:r>
+            <a:rPr lang="zh-CN" altLang="en-US" dirty="0" smtClean="0"/>
+            <a:t>第一部分</a:t>
+          </a:r>
+          <a:endParaRPr lang="zh-CN" altLang="en-US" dirty="0"/>
+        </a:p>
+      </dgm:t>
+    </dgm:pt>
+    <dgm:pt modelId="{C6EC46FF-F766-4DB6-B1CD-E1AAA7C371C4}" type="parTrans" cxnId="{B8D1D8B4-B059-4E42-B42B-6EF6907EA500}">
+      <dgm:prSet/>
+      <dgm:spPr/>
+      <dgm:t>
+        <a:bodyPr/>
+        <a:lstStyle/>
+        <a:p>
+          <a:endParaRPr lang="zh-CN" altLang="en-US"/>
+        </a:p>
+      </dgm:t>
+    </dgm:pt>
+    <dgm:pt modelId="{4EF3A707-A7A8-4808-87F1-0CBF60594F8E}" type="sibTrans" cxnId="{B8D1D8B4-B059-4E42-B42B-6EF6907EA500}">
+      <dgm:prSet/>
+      <dgm:spPr/>
+      <dgm:t>
+        <a:bodyPr/>
+        <a:lstStyle/>
+        <a:p>
+          <a:endParaRPr lang="zh-CN" altLang="en-US"/>
+        </a:p>
+      </dgm:t>
+    </dgm:pt>
+    <dgm:pt modelId="{60B60E23-6E4E-407F-B85E-D9881A475F60}">
+      <dgm:prSet phldrT="[文本]"/>
+      <dgm:spPr/>
+      <dgm:t>
+        <a:bodyPr/>
+        <a:lstStyle/>
+        <a:p>
+          <a:r>
+            <a:rPr lang="zh-CN" altLang="en-US" dirty="0" smtClean="0"/>
+            <a:t>第三部分</a:t>
+          </a:r>
+          <a:endParaRPr lang="zh-CN" altLang="en-US" dirty="0"/>
+        </a:p>
+      </dgm:t>
+    </dgm:pt>
+    <dgm:pt modelId="{0AEDCB28-B3FC-43B4-A5E3-14554B946B61}" type="parTrans" cxnId="{C67B728A-18DE-4A72-A954-3DF75BA9EF32}">
+      <dgm:prSet/>
+      <dgm:spPr/>
+      <dgm:t>
+        <a:bodyPr/>
+        <a:lstStyle/>
+        <a:p>
+          <a:endParaRPr lang="zh-CN" altLang="en-US"/>
+        </a:p>
+      </dgm:t>
+    </dgm:pt>
+    <dgm:pt modelId="{4D0F6C77-3E9C-4F2C-A856-C490A75F7D5F}" type="sibTrans" cxnId="{C67B728A-18DE-4A72-A954-3DF75BA9EF32}">
+      <dgm:prSet/>
+      <dgm:spPr/>
+      <dgm:t>
+        <a:bodyPr/>
+        <a:lstStyle/>
+        <a:p>
+          <a:endParaRPr lang="zh-CN" altLang="en-US"/>
+        </a:p>
+      </dgm:t>
+    </dgm:pt>
+    <dgm:pt modelId="{D5F45D29-FBD4-41DD-800B-D6B5495B67A6}">
+      <dgm:prSet phldrT="[文本]"/>
+      <dgm:spPr>
+        <a:solidFill>
+          <a:srgbClr val="00B0F0"/>
+        </a:solidFill>
+      </dgm:spPr>
+      <dgm:t>
+        <a:bodyPr/>
+        <a:lstStyle/>
+        <a:p>
+          <a:r>
+            <a:rPr lang="zh-CN" altLang="en-US" dirty="0" smtClean="0"/>
+            <a:t>第四部分</a:t>
+          </a:r>
+          <a:endParaRPr lang="zh-CN" altLang="en-US" dirty="0"/>
+        </a:p>
+      </dgm:t>
+    </dgm:pt>
+    <dgm:pt modelId="{594F3A47-DBA2-4B90-88A8-9DB409C7FB1B}" type="parTrans" cxnId="{82730BFC-73A6-4AAA-859E-D63E7582F5C3}">
+      <dgm:prSet/>
+      <dgm:spPr/>
+      <dgm:t>
+        <a:bodyPr/>
+        <a:lstStyle/>
+        <a:p>
+          <a:endParaRPr lang="zh-CN" altLang="en-US"/>
+        </a:p>
+      </dgm:t>
+    </dgm:pt>
+    <dgm:pt modelId="{961A5643-D233-429A-804D-4FFF9E61CA4E}" type="sibTrans" cxnId="{82730BFC-73A6-4AAA-859E-D63E7582F5C3}">
+      <dgm:prSet/>
+      <dgm:spPr/>
+      <dgm:t>
+        <a:bodyPr/>
+        <a:lstStyle/>
+        <a:p>
+          <a:endParaRPr lang="zh-CN" altLang="en-US"/>
+        </a:p>
+      </dgm:t>
+    </dgm:pt>
+    <dgm:pt modelId="{CB4130AF-C34E-41F6-A9D8-857EB96E3FC4}">
+      <dgm:prSet phldrT="[文本]"/>
+      <dgm:spPr/>
+      <dgm:t>
+        <a:bodyPr/>
+        <a:lstStyle/>
+        <a:p>
+          <a:r>
+            <a:rPr lang="zh-CN" altLang="en-US" dirty="0" smtClean="0"/>
+            <a:t>第二部分</a:t>
+          </a:r>
+          <a:endParaRPr lang="zh-CN" altLang="en-US" dirty="0"/>
+        </a:p>
+      </dgm:t>
+    </dgm:pt>
+    <dgm:pt modelId="{712BBC4A-71FD-4C7F-8BD7-5DBECE1E6005}" type="parTrans" cxnId="{AE42133A-0268-4F58-B921-BE6355940847}">
+      <dgm:prSet/>
+      <dgm:spPr/>
+      <dgm:t>
+        <a:bodyPr/>
+        <a:lstStyle/>
+        <a:p>
+          <a:endParaRPr lang="zh-CN" altLang="en-US"/>
+        </a:p>
+      </dgm:t>
+    </dgm:pt>
+    <dgm:pt modelId="{F06864E0-5BC0-4994-9709-BD7BB32FA894}" type="sibTrans" cxnId="{AE42133A-0268-4F58-B921-BE6355940847}">
+      <dgm:prSet/>
+      <dgm:spPr/>
+      <dgm:t>
+        <a:bodyPr/>
+        <a:lstStyle/>
+        <a:p>
+          <a:endParaRPr lang="zh-CN" altLang="en-US"/>
+        </a:p>
+      </dgm:t>
+    </dgm:pt>
+    <dgm:pt modelId="{964E703C-4E8C-4F3D-97D1-30A20012739A}" type="pres">
+      <dgm:prSet presAssocID="{4982E7B9-393C-446A-B868-3225692A2B68}" presName="Name0" presStyleCnt="0">
+        <dgm:presLayoutVars>
+          <dgm:dir/>
+          <dgm:resizeHandles val="exact"/>
+        </dgm:presLayoutVars>
+      </dgm:prSet>
+      <dgm:spPr/>
+    </dgm:pt>
+    <dgm:pt modelId="{1CF4523D-0ED1-455D-9399-3194D9EAFC32}" type="pres">
+      <dgm:prSet presAssocID="{EB50046D-788B-4BD6-A2F3-3E91D08D507E}" presName="node" presStyleLbl="node1" presStyleIdx="0" presStyleCnt="4">
+        <dgm:presLayoutVars>
+          <dgm:bulletEnabled val="1"/>
+        </dgm:presLayoutVars>
+      </dgm:prSet>
+      <dgm:spPr/>
+      <dgm:t>
+        <a:bodyPr/>
+        <a:lstStyle/>
+        <a:p>
+          <a:endParaRPr lang="zh-CN" altLang="en-US"/>
+        </a:p>
+      </dgm:t>
+    </dgm:pt>
+    <dgm:pt modelId="{D406A136-222C-4821-96A6-2A348A3C70A2}" type="pres">
+      <dgm:prSet presAssocID="{4EF3A707-A7A8-4808-87F1-0CBF60594F8E}" presName="sibTrans" presStyleLbl="sibTrans2D1" presStyleIdx="0" presStyleCnt="3"/>
+      <dgm:spPr/>
+      <dgm:t>
+        <a:bodyPr/>
+        <a:lstStyle/>
+        <a:p>
+          <a:endParaRPr lang="zh-CN" altLang="en-US"/>
+        </a:p>
+      </dgm:t>
+    </dgm:pt>
+    <dgm:pt modelId="{02DD83ED-E236-45CF-B2AC-731129148BE9}" type="pres">
+      <dgm:prSet presAssocID="{4EF3A707-A7A8-4808-87F1-0CBF60594F8E}" presName="connectorText" presStyleLbl="sibTrans2D1" presStyleIdx="0" presStyleCnt="3"/>
+      <dgm:spPr/>
+      <dgm:t>
+        <a:bodyPr/>
+        <a:lstStyle/>
+        <a:p>
+          <a:endParaRPr lang="zh-CN" altLang="en-US"/>
+        </a:p>
+      </dgm:t>
+    </dgm:pt>
+    <dgm:pt modelId="{7BD513CC-2B70-40BE-AB8E-2C53908A813D}" type="pres">
+      <dgm:prSet presAssocID="{CB4130AF-C34E-41F6-A9D8-857EB96E3FC4}" presName="node" presStyleLbl="node1" presStyleIdx="1" presStyleCnt="4">
+        <dgm:presLayoutVars>
+          <dgm:bulletEnabled val="1"/>
+        </dgm:presLayoutVars>
+      </dgm:prSet>
+      <dgm:spPr/>
+      <dgm:t>
+        <a:bodyPr/>
+        <a:lstStyle/>
+        <a:p>
+          <a:endParaRPr lang="zh-CN" altLang="en-US"/>
+        </a:p>
+      </dgm:t>
+    </dgm:pt>
+    <dgm:pt modelId="{F4378041-DC71-4D22-8E4B-125FE8972B50}" type="pres">
+      <dgm:prSet presAssocID="{F06864E0-5BC0-4994-9709-BD7BB32FA894}" presName="sibTrans" presStyleLbl="sibTrans2D1" presStyleIdx="1" presStyleCnt="3"/>
+      <dgm:spPr/>
+      <dgm:t>
+        <a:bodyPr/>
+        <a:lstStyle/>
+        <a:p>
+          <a:endParaRPr lang="zh-CN" altLang="en-US"/>
+        </a:p>
+      </dgm:t>
+    </dgm:pt>
+    <dgm:pt modelId="{EAE8508B-A6AF-4A00-952A-6833349E5BE0}" type="pres">
+      <dgm:prSet presAssocID="{F06864E0-5BC0-4994-9709-BD7BB32FA894}" presName="connectorText" presStyleLbl="sibTrans2D1" presStyleIdx="1" presStyleCnt="3"/>
+      <dgm:spPr/>
+      <dgm:t>
+        <a:bodyPr/>
+        <a:lstStyle/>
+        <a:p>
+          <a:endParaRPr lang="zh-CN" altLang="en-US"/>
+        </a:p>
+      </dgm:t>
+    </dgm:pt>
+    <dgm:pt modelId="{4EDC47AE-0D5E-423F-8022-29390D351195}" type="pres">
+      <dgm:prSet presAssocID="{60B60E23-6E4E-407F-B85E-D9881A475F60}" presName="node" presStyleLbl="node1" presStyleIdx="2" presStyleCnt="4">
+        <dgm:presLayoutVars>
+          <dgm:bulletEnabled val="1"/>
+        </dgm:presLayoutVars>
+      </dgm:prSet>
+      <dgm:spPr/>
+      <dgm:t>
+        <a:bodyPr/>
+        <a:lstStyle/>
+        <a:p>
+          <a:endParaRPr lang="zh-CN" altLang="en-US"/>
+        </a:p>
+      </dgm:t>
+    </dgm:pt>
+    <dgm:pt modelId="{6B5D778B-AF11-402D-9C34-0B63FACF9E1B}" type="pres">
+      <dgm:prSet presAssocID="{4D0F6C77-3E9C-4F2C-A856-C490A75F7D5F}" presName="sibTrans" presStyleLbl="sibTrans2D1" presStyleIdx="2" presStyleCnt="3"/>
+      <dgm:spPr/>
+      <dgm:t>
+        <a:bodyPr/>
+        <a:lstStyle/>
+        <a:p>
+          <a:endParaRPr lang="zh-CN" altLang="en-US"/>
+        </a:p>
+      </dgm:t>
+    </dgm:pt>
+    <dgm:pt modelId="{A29E33CC-5FF5-409D-B4EB-EE9D8211E277}" type="pres">
+      <dgm:prSet presAssocID="{4D0F6C77-3E9C-4F2C-A856-C490A75F7D5F}" presName="connectorText" presStyleLbl="sibTrans2D1" presStyleIdx="2" presStyleCnt="3"/>
+      <dgm:spPr/>
+      <dgm:t>
+        <a:bodyPr/>
+        <a:lstStyle/>
+        <a:p>
+          <a:endParaRPr lang="zh-CN" altLang="en-US"/>
+        </a:p>
+      </dgm:t>
+    </dgm:pt>
+    <dgm:pt modelId="{FBF22977-56B9-4F58-8148-E198416E40AF}" type="pres">
+      <dgm:prSet presAssocID="{D5F45D29-FBD4-41DD-800B-D6B5495B67A6}" presName="node" presStyleLbl="node1" presStyleIdx="3" presStyleCnt="4">
+        <dgm:presLayoutVars>
+          <dgm:bulletEnabled val="1"/>
+        </dgm:presLayoutVars>
+      </dgm:prSet>
+      <dgm:spPr/>
+      <dgm:t>
+        <a:bodyPr/>
+        <a:lstStyle/>
+        <a:p>
+          <a:endParaRPr lang="zh-CN" altLang="en-US"/>
+        </a:p>
+      </dgm:t>
+    </dgm:pt>
+  </dgm:ptLst>
+  <dgm:cxnLst>
+    <dgm:cxn modelId="{2B95ACB3-370E-4197-814D-C0945066936B}" type="presOf" srcId="{60B60E23-6E4E-407F-B85E-D9881A475F60}" destId="{4EDC47AE-0D5E-423F-8022-29390D351195}" srcOrd="0" destOrd="0" presId="urn:microsoft.com/office/officeart/2005/8/layout/process1"/>
+    <dgm:cxn modelId="{0300BF6B-F2B6-4A71-AAB0-3E883CFDE1DB}" type="presOf" srcId="{4D0F6C77-3E9C-4F2C-A856-C490A75F7D5F}" destId="{6B5D778B-AF11-402D-9C34-0B63FACF9E1B}" srcOrd="0" destOrd="0" presId="urn:microsoft.com/office/officeart/2005/8/layout/process1"/>
+    <dgm:cxn modelId="{03D7B17B-3F11-4408-A61A-9CA4E9940B2E}" type="presOf" srcId="{EB50046D-788B-4BD6-A2F3-3E91D08D507E}" destId="{1CF4523D-0ED1-455D-9399-3194D9EAFC32}" srcOrd="0" destOrd="0" presId="urn:microsoft.com/office/officeart/2005/8/layout/process1"/>
+    <dgm:cxn modelId="{6C99EC54-DD61-41D5-A61B-44E0E24161BC}" type="presOf" srcId="{CB4130AF-C34E-41F6-A9D8-857EB96E3FC4}" destId="{7BD513CC-2B70-40BE-AB8E-2C53908A813D}" srcOrd="0" destOrd="0" presId="urn:microsoft.com/office/officeart/2005/8/layout/process1"/>
+    <dgm:cxn modelId="{98E22585-0098-4E51-BAD0-29119EA47653}" type="presOf" srcId="{4982E7B9-393C-446A-B868-3225692A2B68}" destId="{964E703C-4E8C-4F3D-97D1-30A20012739A}" srcOrd="0" destOrd="0" presId="urn:microsoft.com/office/officeart/2005/8/layout/process1"/>
+    <dgm:cxn modelId="{510CA856-F15C-4410-A585-6D31285F7600}" type="presOf" srcId="{F06864E0-5BC0-4994-9709-BD7BB32FA894}" destId="{F4378041-DC71-4D22-8E4B-125FE8972B50}" srcOrd="0" destOrd="0" presId="urn:microsoft.com/office/officeart/2005/8/layout/process1"/>
+    <dgm:cxn modelId="{AE42133A-0268-4F58-B921-BE6355940847}" srcId="{4982E7B9-393C-446A-B868-3225692A2B68}" destId="{CB4130AF-C34E-41F6-A9D8-857EB96E3FC4}" srcOrd="1" destOrd="0" parTransId="{712BBC4A-71FD-4C7F-8BD7-5DBECE1E6005}" sibTransId="{F06864E0-5BC0-4994-9709-BD7BB32FA894}"/>
+    <dgm:cxn modelId="{B8D1D8B4-B059-4E42-B42B-6EF6907EA500}" srcId="{4982E7B9-393C-446A-B868-3225692A2B68}" destId="{EB50046D-788B-4BD6-A2F3-3E91D08D507E}" srcOrd="0" destOrd="0" parTransId="{C6EC46FF-F766-4DB6-B1CD-E1AAA7C371C4}" sibTransId="{4EF3A707-A7A8-4808-87F1-0CBF60594F8E}"/>
+    <dgm:cxn modelId="{7CA550D1-96ED-47C4-9C45-3FB23B04874C}" type="presOf" srcId="{F06864E0-5BC0-4994-9709-BD7BB32FA894}" destId="{EAE8508B-A6AF-4A00-952A-6833349E5BE0}" srcOrd="1" destOrd="0" presId="urn:microsoft.com/office/officeart/2005/8/layout/process1"/>
+    <dgm:cxn modelId="{C67B728A-18DE-4A72-A954-3DF75BA9EF32}" srcId="{4982E7B9-393C-446A-B868-3225692A2B68}" destId="{60B60E23-6E4E-407F-B85E-D9881A475F60}" srcOrd="2" destOrd="0" parTransId="{0AEDCB28-B3FC-43B4-A5E3-14554B946B61}" sibTransId="{4D0F6C77-3E9C-4F2C-A856-C490A75F7D5F}"/>
+    <dgm:cxn modelId="{A94C36C6-D98C-4AB3-A73A-416CAD79EAB2}" type="presOf" srcId="{D5F45D29-FBD4-41DD-800B-D6B5495B67A6}" destId="{FBF22977-56B9-4F58-8148-E198416E40AF}" srcOrd="0" destOrd="0" presId="urn:microsoft.com/office/officeart/2005/8/layout/process1"/>
+    <dgm:cxn modelId="{0477910A-A53C-44FD-98FA-0208604D7D48}" type="presOf" srcId="{4D0F6C77-3E9C-4F2C-A856-C490A75F7D5F}" destId="{A29E33CC-5FF5-409D-B4EB-EE9D8211E277}" srcOrd="1" destOrd="0" presId="urn:microsoft.com/office/officeart/2005/8/layout/process1"/>
+    <dgm:cxn modelId="{1125D7C3-9845-4855-9057-092C9713CFE1}" type="presOf" srcId="{4EF3A707-A7A8-4808-87F1-0CBF60594F8E}" destId="{02DD83ED-E236-45CF-B2AC-731129148BE9}" srcOrd="1" destOrd="0" presId="urn:microsoft.com/office/officeart/2005/8/layout/process1"/>
+    <dgm:cxn modelId="{BDB70258-2F68-4796-AE58-DB750A99681F}" type="presOf" srcId="{4EF3A707-A7A8-4808-87F1-0CBF60594F8E}" destId="{D406A136-222C-4821-96A6-2A348A3C70A2}" srcOrd="0" destOrd="0" presId="urn:microsoft.com/office/officeart/2005/8/layout/process1"/>
     <dgm:cxn modelId="{82730BFC-73A6-4AAA-859E-D63E7582F5C3}" srcId="{4982E7B9-393C-446A-B868-3225692A2B68}" destId="{D5F45D29-FBD4-41DD-800B-D6B5495B67A6}" srcOrd="3" destOrd="0" parTransId="{594F3A47-DBA2-4B90-88A8-9DB409C7FB1B}" sibTransId="{961A5643-D233-429A-804D-4FFF9E61CA4E}"/>
     <dgm:cxn modelId="{6DB3ADF8-93DF-44AE-9B79-A5D4B9ED548A}" type="presParOf" srcId="{964E703C-4E8C-4F3D-97D1-30A20012739A}" destId="{1CF4523D-0ED1-455D-9399-3194D9EAFC32}" srcOrd="0" destOrd="0" presId="urn:microsoft.com/office/officeart/2005/8/layout/process1"/>
     <dgm:cxn modelId="{C699C764-ED7D-4943-B499-14AE0E9F1628}" type="presParOf" srcId="{964E703C-4E8C-4F3D-97D1-30A20012739A}" destId="{D406A136-222C-4821-96A6-2A348A3C70A2}" srcOrd="1" destOrd="0" presId="urn:microsoft.com/office/officeart/2005/8/layout/process1"/>
@@ -14824,7 +16984,7 @@
         </a:bodyPr>
         <a:lstStyle/>
         <a:p>
-          <a:pPr lvl="0" algn="ctr" defTabSz="622300">
+          <a:pPr lvl="0" algn="ctr" defTabSz="488950">
             <a:lnSpc>
               <a:spcPct val="90000"/>
             </a:lnSpc>
@@ -14835,7 +16995,7 @@
               <a:spcPct val="35000"/>
             </a:spcAft>
           </a:pPr>
-          <a:endParaRPr lang="zh-CN" altLang="en-US" sz="1400" kern="1200"/>
+          <a:endParaRPr lang="zh-CN" altLang="en-US" sz="1100" kern="1200"/>
         </a:p>
       </dsp:txBody>
       <dsp:txXfrm>
@@ -14972,7 +17132,7 @@
         </a:bodyPr>
         <a:lstStyle/>
         <a:p>
-          <a:pPr lvl="0" algn="ctr" defTabSz="622300">
+          <a:pPr lvl="0" algn="ctr" defTabSz="488950">
             <a:lnSpc>
               <a:spcPct val="90000"/>
             </a:lnSpc>
@@ -14983,7 +17143,7 @@
               <a:spcPct val="35000"/>
             </a:spcAft>
           </a:pPr>
-          <a:endParaRPr lang="zh-CN" altLang="en-US" sz="1400" kern="1200"/>
+          <a:endParaRPr lang="zh-CN" altLang="en-US" sz="1100" kern="1200"/>
         </a:p>
       </dsp:txBody>
       <dsp:txXfrm>
@@ -15115,7 +17275,7 @@
         </a:bodyPr>
         <a:lstStyle/>
         <a:p>
-          <a:pPr lvl="0" algn="ctr" defTabSz="622300">
+          <a:pPr lvl="0" algn="ctr" defTabSz="488950">
             <a:lnSpc>
               <a:spcPct val="90000"/>
             </a:lnSpc>
@@ -15126,7 +17286,7 @@
               <a:spcPct val="35000"/>
             </a:spcAft>
           </a:pPr>
-          <a:endParaRPr lang="zh-CN" altLang="en-US" sz="1400" kern="1200"/>
+          <a:endParaRPr lang="zh-CN" altLang="en-US" sz="1100" kern="1200"/>
         </a:p>
       </dsp:txBody>
       <dsp:txXfrm>
@@ -16722,6 +18882,1066 @@
             </a:spcAft>
           </a:pPr>
           <a:endParaRPr lang="zh-CN" altLang="en-US" sz="1100" kern="1200"/>
+        </a:p>
+      </dsp:txBody>
+      <dsp:txXfrm>
+        <a:off x="4107677" y="134460"/>
+        <a:ext cx="156211" cy="156631"/>
+      </dsp:txXfrm>
+    </dsp:sp>
+    <dsp:sp modelId="{FBF22977-56B9-4F58-8148-E198416E40AF}">
+      <dsp:nvSpPr>
+        <dsp:cNvPr id="0" name=""/>
+        <dsp:cNvSpPr/>
+      </dsp:nvSpPr>
+      <dsp:spPr>
+        <a:xfrm>
+          <a:off x="4423468" y="0"/>
+          <a:ext cx="1052633" cy="425552"/>
+        </a:xfrm>
+        <a:prstGeom prst="roundRect">
+          <a:avLst>
+            <a:gd name="adj" fmla="val 10000"/>
+          </a:avLst>
+        </a:prstGeom>
+        <a:solidFill>
+          <a:srgbClr val="00B0F0"/>
+        </a:solidFill>
+        <a:ln w="19050" cap="rnd" cmpd="sng" algn="ctr">
+          <a:solidFill>
+            <a:schemeClr val="lt1">
+              <a:hueOff val="0"/>
+              <a:satOff val="0"/>
+              <a:lumOff val="0"/>
+              <a:alphaOff val="0"/>
+            </a:schemeClr>
+          </a:solidFill>
+          <a:prstDash val="solid"/>
+        </a:ln>
+        <a:effectLst/>
+      </dsp:spPr>
+      <dsp:style>
+        <a:lnRef idx="2">
+          <a:scrgbClr r="0" g="0" b="0"/>
+        </a:lnRef>
+        <a:fillRef idx="1">
+          <a:scrgbClr r="0" g="0" b="0"/>
+        </a:fillRef>
+        <a:effectRef idx="0">
+          <a:scrgbClr r="0" g="0" b="0"/>
+        </a:effectRef>
+        <a:fontRef idx="minor">
+          <a:schemeClr val="lt1"/>
+        </a:fontRef>
+      </dsp:style>
+      <dsp:txBody>
+        <a:bodyPr spcFirstLastPara="0" vert="horz" wrap="square" lIns="64770" tIns="64770" rIns="64770" bIns="64770" numCol="1" spcCol="1270" anchor="ctr" anchorCtr="0">
+          <a:noAutofit/>
+        </a:bodyPr>
+        <a:lstStyle/>
+        <a:p>
+          <a:pPr lvl="0" algn="ctr" defTabSz="755650">
+            <a:lnSpc>
+              <a:spcPct val="90000"/>
+            </a:lnSpc>
+            <a:spcBef>
+              <a:spcPct val="0"/>
+            </a:spcBef>
+            <a:spcAft>
+              <a:spcPct val="35000"/>
+            </a:spcAft>
+          </a:pPr>
+          <a:r>
+            <a:rPr lang="zh-CN" altLang="en-US" sz="1700" kern="1200" dirty="0" smtClean="0"/>
+            <a:t>第四部分</a:t>
+          </a:r>
+          <a:endParaRPr lang="zh-CN" altLang="en-US" sz="1700" kern="1200" dirty="0"/>
+        </a:p>
+      </dsp:txBody>
+      <dsp:txXfrm>
+        <a:off x="4435932" y="12464"/>
+        <a:ext cx="1027705" cy="400624"/>
+      </dsp:txXfrm>
+    </dsp:sp>
+  </dsp:spTree>
+</dsp:drawing>
+</file>
+
+<file path=ppt/diagrams/drawing14.xml><?xml version="1.0" encoding="utf-8"?>
+<dsp:drawing xmlns:dgm="http://schemas.openxmlformats.org/drawingml/2006/diagram" xmlns:dsp="http://schemas.microsoft.com/office/drawing/2008/diagram" xmlns:a="http://schemas.openxmlformats.org/drawingml/2006/main">
+  <dsp:spTree>
+    <dsp:nvGrpSpPr>
+      <dsp:cNvPr id="0" name=""/>
+      <dsp:cNvGrpSpPr/>
+    </dsp:nvGrpSpPr>
+    <dsp:grpSpPr/>
+    <dsp:sp modelId="{1CF4523D-0ED1-455D-9399-3194D9EAFC32}">
+      <dsp:nvSpPr>
+        <dsp:cNvPr id="0" name=""/>
+        <dsp:cNvSpPr/>
+      </dsp:nvSpPr>
+      <dsp:spPr>
+        <a:xfrm>
+          <a:off x="2407" y="0"/>
+          <a:ext cx="1052633" cy="425552"/>
+        </a:xfrm>
+        <a:prstGeom prst="roundRect">
+          <a:avLst>
+            <a:gd name="adj" fmla="val 10000"/>
+          </a:avLst>
+        </a:prstGeom>
+        <a:solidFill>
+          <a:schemeClr val="accent1">
+            <a:hueOff val="0"/>
+            <a:satOff val="0"/>
+            <a:lumOff val="0"/>
+            <a:alphaOff val="0"/>
+          </a:schemeClr>
+        </a:solidFill>
+        <a:ln w="19050" cap="rnd" cmpd="sng" algn="ctr">
+          <a:solidFill>
+            <a:schemeClr val="lt1">
+              <a:hueOff val="0"/>
+              <a:satOff val="0"/>
+              <a:lumOff val="0"/>
+              <a:alphaOff val="0"/>
+            </a:schemeClr>
+          </a:solidFill>
+          <a:prstDash val="solid"/>
+        </a:ln>
+        <a:effectLst/>
+      </dsp:spPr>
+      <dsp:style>
+        <a:lnRef idx="2">
+          <a:scrgbClr r="0" g="0" b="0"/>
+        </a:lnRef>
+        <a:fillRef idx="1">
+          <a:scrgbClr r="0" g="0" b="0"/>
+        </a:fillRef>
+        <a:effectRef idx="0">
+          <a:scrgbClr r="0" g="0" b="0"/>
+        </a:effectRef>
+        <a:fontRef idx="minor">
+          <a:schemeClr val="lt1"/>
+        </a:fontRef>
+      </dsp:style>
+      <dsp:txBody>
+        <a:bodyPr spcFirstLastPara="0" vert="horz" wrap="square" lIns="64770" tIns="64770" rIns="64770" bIns="64770" numCol="1" spcCol="1270" anchor="ctr" anchorCtr="0">
+          <a:noAutofit/>
+        </a:bodyPr>
+        <a:lstStyle/>
+        <a:p>
+          <a:pPr lvl="0" algn="ctr" defTabSz="755650">
+            <a:lnSpc>
+              <a:spcPct val="90000"/>
+            </a:lnSpc>
+            <a:spcBef>
+              <a:spcPct val="0"/>
+            </a:spcBef>
+            <a:spcAft>
+              <a:spcPct val="35000"/>
+            </a:spcAft>
+          </a:pPr>
+          <a:r>
+            <a:rPr lang="zh-CN" altLang="en-US" sz="1700" kern="1200" dirty="0" smtClean="0"/>
+            <a:t>第一部分</a:t>
+          </a:r>
+          <a:endParaRPr lang="zh-CN" altLang="en-US" sz="1700" kern="1200" dirty="0"/>
+        </a:p>
+      </dsp:txBody>
+      <dsp:txXfrm>
+        <a:off x="14871" y="12464"/>
+        <a:ext cx="1027705" cy="400624"/>
+      </dsp:txXfrm>
+    </dsp:sp>
+    <dsp:sp modelId="{D406A136-222C-4821-96A6-2A348A3C70A2}">
+      <dsp:nvSpPr>
+        <dsp:cNvPr id="0" name=""/>
+        <dsp:cNvSpPr/>
+      </dsp:nvSpPr>
+      <dsp:spPr>
+        <a:xfrm>
+          <a:off x="1160304" y="82249"/>
+          <a:ext cx="223158" cy="261053"/>
+        </a:xfrm>
+        <a:prstGeom prst="rightArrow">
+          <a:avLst>
+            <a:gd name="adj1" fmla="val 60000"/>
+            <a:gd name="adj2" fmla="val 50000"/>
+          </a:avLst>
+        </a:prstGeom>
+        <a:solidFill>
+          <a:schemeClr val="accent1">
+            <a:tint val="60000"/>
+            <a:hueOff val="0"/>
+            <a:satOff val="0"/>
+            <a:lumOff val="0"/>
+            <a:alphaOff val="0"/>
+          </a:schemeClr>
+        </a:solidFill>
+        <a:ln>
+          <a:noFill/>
+        </a:ln>
+        <a:effectLst/>
+      </dsp:spPr>
+      <dsp:style>
+        <a:lnRef idx="0">
+          <a:scrgbClr r="0" g="0" b="0"/>
+        </a:lnRef>
+        <a:fillRef idx="1">
+          <a:scrgbClr r="0" g="0" b="0"/>
+        </a:fillRef>
+        <a:effectRef idx="0">
+          <a:scrgbClr r="0" g="0" b="0"/>
+        </a:effectRef>
+        <a:fontRef idx="minor">
+          <a:schemeClr val="lt1"/>
+        </a:fontRef>
+      </dsp:style>
+      <dsp:txBody>
+        <a:bodyPr spcFirstLastPara="0" vert="horz" wrap="square" lIns="0" tIns="0" rIns="0" bIns="0" numCol="1" spcCol="1270" anchor="ctr" anchorCtr="0">
+          <a:noAutofit/>
+        </a:bodyPr>
+        <a:lstStyle/>
+        <a:p>
+          <a:pPr lvl="0" algn="ctr" defTabSz="488950">
+            <a:lnSpc>
+              <a:spcPct val="90000"/>
+            </a:lnSpc>
+            <a:spcBef>
+              <a:spcPct val="0"/>
+            </a:spcBef>
+            <a:spcAft>
+              <a:spcPct val="35000"/>
+            </a:spcAft>
+          </a:pPr>
+          <a:endParaRPr lang="zh-CN" altLang="en-US" sz="1100" kern="1200"/>
+        </a:p>
+      </dsp:txBody>
+      <dsp:txXfrm>
+        <a:off x="1160304" y="134460"/>
+        <a:ext cx="156211" cy="156631"/>
+      </dsp:txXfrm>
+    </dsp:sp>
+    <dsp:sp modelId="{7BD513CC-2B70-40BE-AB8E-2C53908A813D}">
+      <dsp:nvSpPr>
+        <dsp:cNvPr id="0" name=""/>
+        <dsp:cNvSpPr/>
+      </dsp:nvSpPr>
+      <dsp:spPr>
+        <a:xfrm>
+          <a:off x="1476094" y="0"/>
+          <a:ext cx="1052633" cy="425552"/>
+        </a:xfrm>
+        <a:prstGeom prst="roundRect">
+          <a:avLst>
+            <a:gd name="adj" fmla="val 10000"/>
+          </a:avLst>
+        </a:prstGeom>
+        <a:solidFill>
+          <a:schemeClr val="accent1">
+            <a:hueOff val="0"/>
+            <a:satOff val="0"/>
+            <a:lumOff val="0"/>
+            <a:alphaOff val="0"/>
+          </a:schemeClr>
+        </a:solidFill>
+        <a:ln w="19050" cap="rnd" cmpd="sng" algn="ctr">
+          <a:solidFill>
+            <a:schemeClr val="lt1">
+              <a:hueOff val="0"/>
+              <a:satOff val="0"/>
+              <a:lumOff val="0"/>
+              <a:alphaOff val="0"/>
+            </a:schemeClr>
+          </a:solidFill>
+          <a:prstDash val="solid"/>
+        </a:ln>
+        <a:effectLst/>
+      </dsp:spPr>
+      <dsp:style>
+        <a:lnRef idx="2">
+          <a:scrgbClr r="0" g="0" b="0"/>
+        </a:lnRef>
+        <a:fillRef idx="1">
+          <a:scrgbClr r="0" g="0" b="0"/>
+        </a:fillRef>
+        <a:effectRef idx="0">
+          <a:scrgbClr r="0" g="0" b="0"/>
+        </a:effectRef>
+        <a:fontRef idx="minor">
+          <a:schemeClr val="lt1"/>
+        </a:fontRef>
+      </dsp:style>
+      <dsp:txBody>
+        <a:bodyPr spcFirstLastPara="0" vert="horz" wrap="square" lIns="64770" tIns="64770" rIns="64770" bIns="64770" numCol="1" spcCol="1270" anchor="ctr" anchorCtr="0">
+          <a:noAutofit/>
+        </a:bodyPr>
+        <a:lstStyle/>
+        <a:p>
+          <a:pPr lvl="0" algn="ctr" defTabSz="755650">
+            <a:lnSpc>
+              <a:spcPct val="90000"/>
+            </a:lnSpc>
+            <a:spcBef>
+              <a:spcPct val="0"/>
+            </a:spcBef>
+            <a:spcAft>
+              <a:spcPct val="35000"/>
+            </a:spcAft>
+          </a:pPr>
+          <a:r>
+            <a:rPr lang="zh-CN" altLang="en-US" sz="1700" kern="1200" dirty="0" smtClean="0"/>
+            <a:t>第二部分</a:t>
+          </a:r>
+          <a:endParaRPr lang="zh-CN" altLang="en-US" sz="1700" kern="1200" dirty="0"/>
+        </a:p>
+      </dsp:txBody>
+      <dsp:txXfrm>
+        <a:off x="1488558" y="12464"/>
+        <a:ext cx="1027705" cy="400624"/>
+      </dsp:txXfrm>
+    </dsp:sp>
+    <dsp:sp modelId="{F4378041-DC71-4D22-8E4B-125FE8972B50}">
+      <dsp:nvSpPr>
+        <dsp:cNvPr id="0" name=""/>
+        <dsp:cNvSpPr/>
+      </dsp:nvSpPr>
+      <dsp:spPr>
+        <a:xfrm>
+          <a:off x="2633991" y="82249"/>
+          <a:ext cx="223158" cy="261053"/>
+        </a:xfrm>
+        <a:prstGeom prst="rightArrow">
+          <a:avLst>
+            <a:gd name="adj1" fmla="val 60000"/>
+            <a:gd name="adj2" fmla="val 50000"/>
+          </a:avLst>
+        </a:prstGeom>
+        <a:solidFill>
+          <a:schemeClr val="accent1">
+            <a:tint val="60000"/>
+            <a:hueOff val="0"/>
+            <a:satOff val="0"/>
+            <a:lumOff val="0"/>
+            <a:alphaOff val="0"/>
+          </a:schemeClr>
+        </a:solidFill>
+        <a:ln>
+          <a:noFill/>
+        </a:ln>
+        <a:effectLst/>
+      </dsp:spPr>
+      <dsp:style>
+        <a:lnRef idx="0">
+          <a:scrgbClr r="0" g="0" b="0"/>
+        </a:lnRef>
+        <a:fillRef idx="1">
+          <a:scrgbClr r="0" g="0" b="0"/>
+        </a:fillRef>
+        <a:effectRef idx="0">
+          <a:scrgbClr r="0" g="0" b="0"/>
+        </a:effectRef>
+        <a:fontRef idx="minor">
+          <a:schemeClr val="lt1"/>
+        </a:fontRef>
+      </dsp:style>
+      <dsp:txBody>
+        <a:bodyPr spcFirstLastPara="0" vert="horz" wrap="square" lIns="0" tIns="0" rIns="0" bIns="0" numCol="1" spcCol="1270" anchor="ctr" anchorCtr="0">
+          <a:noAutofit/>
+        </a:bodyPr>
+        <a:lstStyle/>
+        <a:p>
+          <a:pPr lvl="0" algn="ctr" defTabSz="488950">
+            <a:lnSpc>
+              <a:spcPct val="90000"/>
+            </a:lnSpc>
+            <a:spcBef>
+              <a:spcPct val="0"/>
+            </a:spcBef>
+            <a:spcAft>
+              <a:spcPct val="35000"/>
+            </a:spcAft>
+          </a:pPr>
+          <a:endParaRPr lang="zh-CN" altLang="en-US" sz="1100" kern="1200"/>
+        </a:p>
+      </dsp:txBody>
+      <dsp:txXfrm>
+        <a:off x="2633991" y="134460"/>
+        <a:ext cx="156211" cy="156631"/>
+      </dsp:txXfrm>
+    </dsp:sp>
+    <dsp:sp modelId="{4EDC47AE-0D5E-423F-8022-29390D351195}">
+      <dsp:nvSpPr>
+        <dsp:cNvPr id="0" name=""/>
+        <dsp:cNvSpPr/>
+      </dsp:nvSpPr>
+      <dsp:spPr>
+        <a:xfrm>
+          <a:off x="2949781" y="0"/>
+          <a:ext cx="1052633" cy="425552"/>
+        </a:xfrm>
+        <a:prstGeom prst="roundRect">
+          <a:avLst>
+            <a:gd name="adj" fmla="val 10000"/>
+          </a:avLst>
+        </a:prstGeom>
+        <a:solidFill>
+          <a:schemeClr val="accent1">
+            <a:hueOff val="0"/>
+            <a:satOff val="0"/>
+            <a:lumOff val="0"/>
+            <a:alphaOff val="0"/>
+          </a:schemeClr>
+        </a:solidFill>
+        <a:ln w="19050" cap="rnd" cmpd="sng" algn="ctr">
+          <a:solidFill>
+            <a:schemeClr val="lt1">
+              <a:hueOff val="0"/>
+              <a:satOff val="0"/>
+              <a:lumOff val="0"/>
+              <a:alphaOff val="0"/>
+            </a:schemeClr>
+          </a:solidFill>
+          <a:prstDash val="solid"/>
+        </a:ln>
+        <a:effectLst/>
+      </dsp:spPr>
+      <dsp:style>
+        <a:lnRef idx="2">
+          <a:scrgbClr r="0" g="0" b="0"/>
+        </a:lnRef>
+        <a:fillRef idx="1">
+          <a:scrgbClr r="0" g="0" b="0"/>
+        </a:fillRef>
+        <a:effectRef idx="0">
+          <a:scrgbClr r="0" g="0" b="0"/>
+        </a:effectRef>
+        <a:fontRef idx="minor">
+          <a:schemeClr val="lt1"/>
+        </a:fontRef>
+      </dsp:style>
+      <dsp:txBody>
+        <a:bodyPr spcFirstLastPara="0" vert="horz" wrap="square" lIns="64770" tIns="64770" rIns="64770" bIns="64770" numCol="1" spcCol="1270" anchor="ctr" anchorCtr="0">
+          <a:noAutofit/>
+        </a:bodyPr>
+        <a:lstStyle/>
+        <a:p>
+          <a:pPr lvl="0" algn="ctr" defTabSz="755650">
+            <a:lnSpc>
+              <a:spcPct val="90000"/>
+            </a:lnSpc>
+            <a:spcBef>
+              <a:spcPct val="0"/>
+            </a:spcBef>
+            <a:spcAft>
+              <a:spcPct val="35000"/>
+            </a:spcAft>
+          </a:pPr>
+          <a:r>
+            <a:rPr lang="zh-CN" altLang="en-US" sz="1700" kern="1200" dirty="0" smtClean="0"/>
+            <a:t>第三部分</a:t>
+          </a:r>
+          <a:endParaRPr lang="zh-CN" altLang="en-US" sz="1700" kern="1200" dirty="0"/>
+        </a:p>
+      </dsp:txBody>
+      <dsp:txXfrm>
+        <a:off x="2962245" y="12464"/>
+        <a:ext cx="1027705" cy="400624"/>
+      </dsp:txXfrm>
+    </dsp:sp>
+    <dsp:sp modelId="{6B5D778B-AF11-402D-9C34-0B63FACF9E1B}">
+      <dsp:nvSpPr>
+        <dsp:cNvPr id="0" name=""/>
+        <dsp:cNvSpPr/>
+      </dsp:nvSpPr>
+      <dsp:spPr>
+        <a:xfrm>
+          <a:off x="4107677" y="82249"/>
+          <a:ext cx="223158" cy="261053"/>
+        </a:xfrm>
+        <a:prstGeom prst="rightArrow">
+          <a:avLst>
+            <a:gd name="adj1" fmla="val 60000"/>
+            <a:gd name="adj2" fmla="val 50000"/>
+          </a:avLst>
+        </a:prstGeom>
+        <a:solidFill>
+          <a:schemeClr val="accent1">
+            <a:tint val="60000"/>
+            <a:hueOff val="0"/>
+            <a:satOff val="0"/>
+            <a:lumOff val="0"/>
+            <a:alphaOff val="0"/>
+          </a:schemeClr>
+        </a:solidFill>
+        <a:ln>
+          <a:noFill/>
+        </a:ln>
+        <a:effectLst/>
+      </dsp:spPr>
+      <dsp:style>
+        <a:lnRef idx="0">
+          <a:scrgbClr r="0" g="0" b="0"/>
+        </a:lnRef>
+        <a:fillRef idx="1">
+          <a:scrgbClr r="0" g="0" b="0"/>
+        </a:fillRef>
+        <a:effectRef idx="0">
+          <a:scrgbClr r="0" g="0" b="0"/>
+        </a:effectRef>
+        <a:fontRef idx="minor">
+          <a:schemeClr val="lt1"/>
+        </a:fontRef>
+      </dsp:style>
+      <dsp:txBody>
+        <a:bodyPr spcFirstLastPara="0" vert="horz" wrap="square" lIns="0" tIns="0" rIns="0" bIns="0" numCol="1" spcCol="1270" anchor="ctr" anchorCtr="0">
+          <a:noAutofit/>
+        </a:bodyPr>
+        <a:lstStyle/>
+        <a:p>
+          <a:pPr lvl="0" algn="ctr" defTabSz="488950">
+            <a:lnSpc>
+              <a:spcPct val="90000"/>
+            </a:lnSpc>
+            <a:spcBef>
+              <a:spcPct val="0"/>
+            </a:spcBef>
+            <a:spcAft>
+              <a:spcPct val="35000"/>
+            </a:spcAft>
+          </a:pPr>
+          <a:endParaRPr lang="zh-CN" altLang="en-US" sz="1100" kern="1200"/>
+        </a:p>
+      </dsp:txBody>
+      <dsp:txXfrm>
+        <a:off x="4107677" y="134460"/>
+        <a:ext cx="156211" cy="156631"/>
+      </dsp:txXfrm>
+    </dsp:sp>
+    <dsp:sp modelId="{FBF22977-56B9-4F58-8148-E198416E40AF}">
+      <dsp:nvSpPr>
+        <dsp:cNvPr id="0" name=""/>
+        <dsp:cNvSpPr/>
+      </dsp:nvSpPr>
+      <dsp:spPr>
+        <a:xfrm>
+          <a:off x="4423468" y="0"/>
+          <a:ext cx="1052633" cy="425552"/>
+        </a:xfrm>
+        <a:prstGeom prst="roundRect">
+          <a:avLst>
+            <a:gd name="adj" fmla="val 10000"/>
+          </a:avLst>
+        </a:prstGeom>
+        <a:solidFill>
+          <a:srgbClr val="00B0F0"/>
+        </a:solidFill>
+        <a:ln w="19050" cap="rnd" cmpd="sng" algn="ctr">
+          <a:solidFill>
+            <a:schemeClr val="lt1">
+              <a:hueOff val="0"/>
+              <a:satOff val="0"/>
+              <a:lumOff val="0"/>
+              <a:alphaOff val="0"/>
+            </a:schemeClr>
+          </a:solidFill>
+          <a:prstDash val="solid"/>
+        </a:ln>
+        <a:effectLst/>
+      </dsp:spPr>
+      <dsp:style>
+        <a:lnRef idx="2">
+          <a:scrgbClr r="0" g="0" b="0"/>
+        </a:lnRef>
+        <a:fillRef idx="1">
+          <a:scrgbClr r="0" g="0" b="0"/>
+        </a:fillRef>
+        <a:effectRef idx="0">
+          <a:scrgbClr r="0" g="0" b="0"/>
+        </a:effectRef>
+        <a:fontRef idx="minor">
+          <a:schemeClr val="lt1"/>
+        </a:fontRef>
+      </dsp:style>
+      <dsp:txBody>
+        <a:bodyPr spcFirstLastPara="0" vert="horz" wrap="square" lIns="64770" tIns="64770" rIns="64770" bIns="64770" numCol="1" spcCol="1270" anchor="ctr" anchorCtr="0">
+          <a:noAutofit/>
+        </a:bodyPr>
+        <a:lstStyle/>
+        <a:p>
+          <a:pPr lvl="0" algn="ctr" defTabSz="755650">
+            <a:lnSpc>
+              <a:spcPct val="90000"/>
+            </a:lnSpc>
+            <a:spcBef>
+              <a:spcPct val="0"/>
+            </a:spcBef>
+            <a:spcAft>
+              <a:spcPct val="35000"/>
+            </a:spcAft>
+          </a:pPr>
+          <a:r>
+            <a:rPr lang="zh-CN" altLang="en-US" sz="1700" kern="1200" dirty="0" smtClean="0"/>
+            <a:t>第四部分</a:t>
+          </a:r>
+          <a:endParaRPr lang="zh-CN" altLang="en-US" sz="1700" kern="1200" dirty="0"/>
+        </a:p>
+      </dsp:txBody>
+      <dsp:txXfrm>
+        <a:off x="4435932" y="12464"/>
+        <a:ext cx="1027705" cy="400624"/>
+      </dsp:txXfrm>
+    </dsp:sp>
+  </dsp:spTree>
+</dsp:drawing>
+</file>
+
+<file path=ppt/diagrams/drawing15.xml><?xml version="1.0" encoding="utf-8"?>
+<dsp:drawing xmlns:dgm="http://schemas.openxmlformats.org/drawingml/2006/diagram" xmlns:dsp="http://schemas.microsoft.com/office/drawing/2008/diagram" xmlns:a="http://schemas.openxmlformats.org/drawingml/2006/main">
+  <dsp:spTree>
+    <dsp:nvGrpSpPr>
+      <dsp:cNvPr id="0" name=""/>
+      <dsp:cNvGrpSpPr/>
+    </dsp:nvGrpSpPr>
+    <dsp:grpSpPr/>
+    <dsp:sp modelId="{1CF4523D-0ED1-455D-9399-3194D9EAFC32}">
+      <dsp:nvSpPr>
+        <dsp:cNvPr id="0" name=""/>
+        <dsp:cNvSpPr/>
+      </dsp:nvSpPr>
+      <dsp:spPr>
+        <a:xfrm>
+          <a:off x="2407" y="0"/>
+          <a:ext cx="1052633" cy="425552"/>
+        </a:xfrm>
+        <a:prstGeom prst="roundRect">
+          <a:avLst>
+            <a:gd name="adj" fmla="val 10000"/>
+          </a:avLst>
+        </a:prstGeom>
+        <a:solidFill>
+          <a:schemeClr val="accent1">
+            <a:hueOff val="0"/>
+            <a:satOff val="0"/>
+            <a:lumOff val="0"/>
+            <a:alphaOff val="0"/>
+          </a:schemeClr>
+        </a:solidFill>
+        <a:ln w="19050" cap="rnd" cmpd="sng" algn="ctr">
+          <a:solidFill>
+            <a:schemeClr val="lt1">
+              <a:hueOff val="0"/>
+              <a:satOff val="0"/>
+              <a:lumOff val="0"/>
+              <a:alphaOff val="0"/>
+            </a:schemeClr>
+          </a:solidFill>
+          <a:prstDash val="solid"/>
+        </a:ln>
+        <a:effectLst/>
+      </dsp:spPr>
+      <dsp:style>
+        <a:lnRef idx="2">
+          <a:scrgbClr r="0" g="0" b="0"/>
+        </a:lnRef>
+        <a:fillRef idx="1">
+          <a:scrgbClr r="0" g="0" b="0"/>
+        </a:fillRef>
+        <a:effectRef idx="0">
+          <a:scrgbClr r="0" g="0" b="0"/>
+        </a:effectRef>
+        <a:fontRef idx="minor">
+          <a:schemeClr val="lt1"/>
+        </a:fontRef>
+      </dsp:style>
+      <dsp:txBody>
+        <a:bodyPr spcFirstLastPara="0" vert="horz" wrap="square" lIns="64770" tIns="64770" rIns="64770" bIns="64770" numCol="1" spcCol="1270" anchor="ctr" anchorCtr="0">
+          <a:noAutofit/>
+        </a:bodyPr>
+        <a:lstStyle/>
+        <a:p>
+          <a:pPr lvl="0" algn="ctr" defTabSz="755650">
+            <a:lnSpc>
+              <a:spcPct val="90000"/>
+            </a:lnSpc>
+            <a:spcBef>
+              <a:spcPct val="0"/>
+            </a:spcBef>
+            <a:spcAft>
+              <a:spcPct val="35000"/>
+            </a:spcAft>
+          </a:pPr>
+          <a:r>
+            <a:rPr lang="zh-CN" altLang="en-US" sz="1700" kern="1200" dirty="0" smtClean="0"/>
+            <a:t>第一部分</a:t>
+          </a:r>
+          <a:endParaRPr lang="zh-CN" altLang="en-US" sz="1700" kern="1200" dirty="0"/>
+        </a:p>
+      </dsp:txBody>
+      <dsp:txXfrm>
+        <a:off x="14871" y="12464"/>
+        <a:ext cx="1027705" cy="400624"/>
+      </dsp:txXfrm>
+    </dsp:sp>
+    <dsp:sp modelId="{D406A136-222C-4821-96A6-2A348A3C70A2}">
+      <dsp:nvSpPr>
+        <dsp:cNvPr id="0" name=""/>
+        <dsp:cNvSpPr/>
+      </dsp:nvSpPr>
+      <dsp:spPr>
+        <a:xfrm>
+          <a:off x="1160304" y="82249"/>
+          <a:ext cx="223158" cy="261053"/>
+        </a:xfrm>
+        <a:prstGeom prst="rightArrow">
+          <a:avLst>
+            <a:gd name="adj1" fmla="val 60000"/>
+            <a:gd name="adj2" fmla="val 50000"/>
+          </a:avLst>
+        </a:prstGeom>
+        <a:solidFill>
+          <a:schemeClr val="accent1">
+            <a:tint val="60000"/>
+            <a:hueOff val="0"/>
+            <a:satOff val="0"/>
+            <a:lumOff val="0"/>
+            <a:alphaOff val="0"/>
+          </a:schemeClr>
+        </a:solidFill>
+        <a:ln>
+          <a:noFill/>
+        </a:ln>
+        <a:effectLst/>
+      </dsp:spPr>
+      <dsp:style>
+        <a:lnRef idx="0">
+          <a:scrgbClr r="0" g="0" b="0"/>
+        </a:lnRef>
+        <a:fillRef idx="1">
+          <a:scrgbClr r="0" g="0" b="0"/>
+        </a:fillRef>
+        <a:effectRef idx="0">
+          <a:scrgbClr r="0" g="0" b="0"/>
+        </a:effectRef>
+        <a:fontRef idx="minor">
+          <a:schemeClr val="lt1"/>
+        </a:fontRef>
+      </dsp:style>
+      <dsp:txBody>
+        <a:bodyPr spcFirstLastPara="0" vert="horz" wrap="square" lIns="0" tIns="0" rIns="0" bIns="0" numCol="1" spcCol="1270" anchor="ctr" anchorCtr="0">
+          <a:noAutofit/>
+        </a:bodyPr>
+        <a:lstStyle/>
+        <a:p>
+          <a:pPr lvl="0" algn="ctr" defTabSz="622300">
+            <a:lnSpc>
+              <a:spcPct val="90000"/>
+            </a:lnSpc>
+            <a:spcBef>
+              <a:spcPct val="0"/>
+            </a:spcBef>
+            <a:spcAft>
+              <a:spcPct val="35000"/>
+            </a:spcAft>
+          </a:pPr>
+          <a:endParaRPr lang="zh-CN" altLang="en-US" sz="1400" kern="1200"/>
+        </a:p>
+      </dsp:txBody>
+      <dsp:txXfrm>
+        <a:off x="1160304" y="134460"/>
+        <a:ext cx="156211" cy="156631"/>
+      </dsp:txXfrm>
+    </dsp:sp>
+    <dsp:sp modelId="{7BD513CC-2B70-40BE-AB8E-2C53908A813D}">
+      <dsp:nvSpPr>
+        <dsp:cNvPr id="0" name=""/>
+        <dsp:cNvSpPr/>
+      </dsp:nvSpPr>
+      <dsp:spPr>
+        <a:xfrm>
+          <a:off x="1476094" y="0"/>
+          <a:ext cx="1052633" cy="425552"/>
+        </a:xfrm>
+        <a:prstGeom prst="roundRect">
+          <a:avLst>
+            <a:gd name="adj" fmla="val 10000"/>
+          </a:avLst>
+        </a:prstGeom>
+        <a:solidFill>
+          <a:schemeClr val="accent1">
+            <a:hueOff val="0"/>
+            <a:satOff val="0"/>
+            <a:lumOff val="0"/>
+            <a:alphaOff val="0"/>
+          </a:schemeClr>
+        </a:solidFill>
+        <a:ln w="19050" cap="rnd" cmpd="sng" algn="ctr">
+          <a:solidFill>
+            <a:schemeClr val="lt1">
+              <a:hueOff val="0"/>
+              <a:satOff val="0"/>
+              <a:lumOff val="0"/>
+              <a:alphaOff val="0"/>
+            </a:schemeClr>
+          </a:solidFill>
+          <a:prstDash val="solid"/>
+        </a:ln>
+        <a:effectLst/>
+      </dsp:spPr>
+      <dsp:style>
+        <a:lnRef idx="2">
+          <a:scrgbClr r="0" g="0" b="0"/>
+        </a:lnRef>
+        <a:fillRef idx="1">
+          <a:scrgbClr r="0" g="0" b="0"/>
+        </a:fillRef>
+        <a:effectRef idx="0">
+          <a:scrgbClr r="0" g="0" b="0"/>
+        </a:effectRef>
+        <a:fontRef idx="minor">
+          <a:schemeClr val="lt1"/>
+        </a:fontRef>
+      </dsp:style>
+      <dsp:txBody>
+        <a:bodyPr spcFirstLastPara="0" vert="horz" wrap="square" lIns="64770" tIns="64770" rIns="64770" bIns="64770" numCol="1" spcCol="1270" anchor="ctr" anchorCtr="0">
+          <a:noAutofit/>
+        </a:bodyPr>
+        <a:lstStyle/>
+        <a:p>
+          <a:pPr lvl="0" algn="ctr" defTabSz="755650">
+            <a:lnSpc>
+              <a:spcPct val="90000"/>
+            </a:lnSpc>
+            <a:spcBef>
+              <a:spcPct val="0"/>
+            </a:spcBef>
+            <a:spcAft>
+              <a:spcPct val="35000"/>
+            </a:spcAft>
+          </a:pPr>
+          <a:r>
+            <a:rPr lang="zh-CN" altLang="en-US" sz="1700" kern="1200" dirty="0" smtClean="0"/>
+            <a:t>第二部分</a:t>
+          </a:r>
+          <a:endParaRPr lang="zh-CN" altLang="en-US" sz="1700" kern="1200" dirty="0"/>
+        </a:p>
+      </dsp:txBody>
+      <dsp:txXfrm>
+        <a:off x="1488558" y="12464"/>
+        <a:ext cx="1027705" cy="400624"/>
+      </dsp:txXfrm>
+    </dsp:sp>
+    <dsp:sp modelId="{F4378041-DC71-4D22-8E4B-125FE8972B50}">
+      <dsp:nvSpPr>
+        <dsp:cNvPr id="0" name=""/>
+        <dsp:cNvSpPr/>
+      </dsp:nvSpPr>
+      <dsp:spPr>
+        <a:xfrm>
+          <a:off x="2633991" y="82249"/>
+          <a:ext cx="223158" cy="261053"/>
+        </a:xfrm>
+        <a:prstGeom prst="rightArrow">
+          <a:avLst>
+            <a:gd name="adj1" fmla="val 60000"/>
+            <a:gd name="adj2" fmla="val 50000"/>
+          </a:avLst>
+        </a:prstGeom>
+        <a:solidFill>
+          <a:schemeClr val="accent1">
+            <a:tint val="60000"/>
+            <a:hueOff val="0"/>
+            <a:satOff val="0"/>
+            <a:lumOff val="0"/>
+            <a:alphaOff val="0"/>
+          </a:schemeClr>
+        </a:solidFill>
+        <a:ln>
+          <a:noFill/>
+        </a:ln>
+        <a:effectLst/>
+      </dsp:spPr>
+      <dsp:style>
+        <a:lnRef idx="0">
+          <a:scrgbClr r="0" g="0" b="0"/>
+        </a:lnRef>
+        <a:fillRef idx="1">
+          <a:scrgbClr r="0" g="0" b="0"/>
+        </a:fillRef>
+        <a:effectRef idx="0">
+          <a:scrgbClr r="0" g="0" b="0"/>
+        </a:effectRef>
+        <a:fontRef idx="minor">
+          <a:schemeClr val="lt1"/>
+        </a:fontRef>
+      </dsp:style>
+      <dsp:txBody>
+        <a:bodyPr spcFirstLastPara="0" vert="horz" wrap="square" lIns="0" tIns="0" rIns="0" bIns="0" numCol="1" spcCol="1270" anchor="ctr" anchorCtr="0">
+          <a:noAutofit/>
+        </a:bodyPr>
+        <a:lstStyle/>
+        <a:p>
+          <a:pPr lvl="0" algn="ctr" defTabSz="622300">
+            <a:lnSpc>
+              <a:spcPct val="90000"/>
+            </a:lnSpc>
+            <a:spcBef>
+              <a:spcPct val="0"/>
+            </a:spcBef>
+            <a:spcAft>
+              <a:spcPct val="35000"/>
+            </a:spcAft>
+          </a:pPr>
+          <a:endParaRPr lang="zh-CN" altLang="en-US" sz="1400" kern="1200"/>
+        </a:p>
+      </dsp:txBody>
+      <dsp:txXfrm>
+        <a:off x="2633991" y="134460"/>
+        <a:ext cx="156211" cy="156631"/>
+      </dsp:txXfrm>
+    </dsp:sp>
+    <dsp:sp modelId="{4EDC47AE-0D5E-423F-8022-29390D351195}">
+      <dsp:nvSpPr>
+        <dsp:cNvPr id="0" name=""/>
+        <dsp:cNvSpPr/>
+      </dsp:nvSpPr>
+      <dsp:spPr>
+        <a:xfrm>
+          <a:off x="2949781" y="0"/>
+          <a:ext cx="1052633" cy="425552"/>
+        </a:xfrm>
+        <a:prstGeom prst="roundRect">
+          <a:avLst>
+            <a:gd name="adj" fmla="val 10000"/>
+          </a:avLst>
+        </a:prstGeom>
+        <a:solidFill>
+          <a:schemeClr val="accent1">
+            <a:hueOff val="0"/>
+            <a:satOff val="0"/>
+            <a:lumOff val="0"/>
+            <a:alphaOff val="0"/>
+          </a:schemeClr>
+        </a:solidFill>
+        <a:ln w="19050" cap="rnd" cmpd="sng" algn="ctr">
+          <a:solidFill>
+            <a:schemeClr val="lt1">
+              <a:hueOff val="0"/>
+              <a:satOff val="0"/>
+              <a:lumOff val="0"/>
+              <a:alphaOff val="0"/>
+            </a:schemeClr>
+          </a:solidFill>
+          <a:prstDash val="solid"/>
+        </a:ln>
+        <a:effectLst/>
+      </dsp:spPr>
+      <dsp:style>
+        <a:lnRef idx="2">
+          <a:scrgbClr r="0" g="0" b="0"/>
+        </a:lnRef>
+        <a:fillRef idx="1">
+          <a:scrgbClr r="0" g="0" b="0"/>
+        </a:fillRef>
+        <a:effectRef idx="0">
+          <a:scrgbClr r="0" g="0" b="0"/>
+        </a:effectRef>
+        <a:fontRef idx="minor">
+          <a:schemeClr val="lt1"/>
+        </a:fontRef>
+      </dsp:style>
+      <dsp:txBody>
+        <a:bodyPr spcFirstLastPara="0" vert="horz" wrap="square" lIns="64770" tIns="64770" rIns="64770" bIns="64770" numCol="1" spcCol="1270" anchor="ctr" anchorCtr="0">
+          <a:noAutofit/>
+        </a:bodyPr>
+        <a:lstStyle/>
+        <a:p>
+          <a:pPr lvl="0" algn="ctr" defTabSz="755650">
+            <a:lnSpc>
+              <a:spcPct val="90000"/>
+            </a:lnSpc>
+            <a:spcBef>
+              <a:spcPct val="0"/>
+            </a:spcBef>
+            <a:spcAft>
+              <a:spcPct val="35000"/>
+            </a:spcAft>
+          </a:pPr>
+          <a:r>
+            <a:rPr lang="zh-CN" altLang="en-US" sz="1700" kern="1200" dirty="0" smtClean="0"/>
+            <a:t>第三部分</a:t>
+          </a:r>
+          <a:endParaRPr lang="zh-CN" altLang="en-US" sz="1700" kern="1200" dirty="0"/>
+        </a:p>
+      </dsp:txBody>
+      <dsp:txXfrm>
+        <a:off x="2962245" y="12464"/>
+        <a:ext cx="1027705" cy="400624"/>
+      </dsp:txXfrm>
+    </dsp:sp>
+    <dsp:sp modelId="{6B5D778B-AF11-402D-9C34-0B63FACF9E1B}">
+      <dsp:nvSpPr>
+        <dsp:cNvPr id="0" name=""/>
+        <dsp:cNvSpPr/>
+      </dsp:nvSpPr>
+      <dsp:spPr>
+        <a:xfrm>
+          <a:off x="4107677" y="82249"/>
+          <a:ext cx="223158" cy="261053"/>
+        </a:xfrm>
+        <a:prstGeom prst="rightArrow">
+          <a:avLst>
+            <a:gd name="adj1" fmla="val 60000"/>
+            <a:gd name="adj2" fmla="val 50000"/>
+          </a:avLst>
+        </a:prstGeom>
+        <a:solidFill>
+          <a:schemeClr val="accent1">
+            <a:tint val="60000"/>
+            <a:hueOff val="0"/>
+            <a:satOff val="0"/>
+            <a:lumOff val="0"/>
+            <a:alphaOff val="0"/>
+          </a:schemeClr>
+        </a:solidFill>
+        <a:ln>
+          <a:noFill/>
+        </a:ln>
+        <a:effectLst/>
+      </dsp:spPr>
+      <dsp:style>
+        <a:lnRef idx="0">
+          <a:scrgbClr r="0" g="0" b="0"/>
+        </a:lnRef>
+        <a:fillRef idx="1">
+          <a:scrgbClr r="0" g="0" b="0"/>
+        </a:fillRef>
+        <a:effectRef idx="0">
+          <a:scrgbClr r="0" g="0" b="0"/>
+        </a:effectRef>
+        <a:fontRef idx="minor">
+          <a:schemeClr val="lt1"/>
+        </a:fontRef>
+      </dsp:style>
+      <dsp:txBody>
+        <a:bodyPr spcFirstLastPara="0" vert="horz" wrap="square" lIns="0" tIns="0" rIns="0" bIns="0" numCol="1" spcCol="1270" anchor="ctr" anchorCtr="0">
+          <a:noAutofit/>
+        </a:bodyPr>
+        <a:lstStyle/>
+        <a:p>
+          <a:pPr lvl="0" algn="ctr" defTabSz="622300">
+            <a:lnSpc>
+              <a:spcPct val="90000"/>
+            </a:lnSpc>
+            <a:spcBef>
+              <a:spcPct val="0"/>
+            </a:spcBef>
+            <a:spcAft>
+              <a:spcPct val="35000"/>
+            </a:spcAft>
+          </a:pPr>
+          <a:endParaRPr lang="zh-CN" altLang="en-US" sz="1400" kern="1200"/>
         </a:p>
       </dsp:txBody>
       <dsp:txXfrm>
@@ -21777,6 +24997,298 @@
 </dgm:layoutDef>
 </file>
 
+<file path=ppt/diagrams/layout14.xml><?xml version="1.0" encoding="utf-8"?>
+<dgm:layoutDef xmlns:dgm="http://schemas.openxmlformats.org/drawingml/2006/diagram" xmlns:a="http://schemas.openxmlformats.org/drawingml/2006/main" uniqueId="urn:microsoft.com/office/officeart/2005/8/layout/process1">
+  <dgm:title val=""/>
+  <dgm:desc val=""/>
+  <dgm:catLst>
+    <dgm:cat type="process" pri="1000"/>
+    <dgm:cat type="convert" pri="15000"/>
+  </dgm:catLst>
+  <dgm:sampData useDef="1">
+    <dgm:dataModel>
+      <dgm:ptLst/>
+      <dgm:bg/>
+      <dgm:whole/>
+    </dgm:dataModel>
+  </dgm:sampData>
+  <dgm:styleData>
+    <dgm:dataModel>
+      <dgm:ptLst>
+        <dgm:pt modelId="0" type="doc"/>
+        <dgm:pt modelId="1"/>
+        <dgm:pt modelId="2"/>
+      </dgm:ptLst>
+      <dgm:cxnLst>
+        <dgm:cxn modelId="3" srcId="0" destId="1" srcOrd="0" destOrd="0"/>
+        <dgm:cxn modelId="4" srcId="0" destId="2" srcOrd="1" destOrd="0"/>
+      </dgm:cxnLst>
+      <dgm:bg/>
+      <dgm:whole/>
+    </dgm:dataModel>
+  </dgm:styleData>
+  <dgm:clrData>
+    <dgm:dataModel>
+      <dgm:ptLst>
+        <dgm:pt modelId="0" type="doc"/>
+        <dgm:pt modelId="1"/>
+        <dgm:pt modelId="2"/>
+        <dgm:pt modelId="3"/>
+        <dgm:pt modelId="4"/>
+      </dgm:ptLst>
+      <dgm:cxnLst>
+        <dgm:cxn modelId="5" srcId="0" destId="1" srcOrd="0" destOrd="0"/>
+        <dgm:cxn modelId="6" srcId="0" destId="2" srcOrd="1" destOrd="0"/>
+        <dgm:cxn modelId="7" srcId="0" destId="3" srcOrd="2" destOrd="0"/>
+        <dgm:cxn modelId="8" srcId="0" destId="4" srcOrd="3" destOrd="0"/>
+      </dgm:cxnLst>
+      <dgm:bg/>
+      <dgm:whole/>
+    </dgm:dataModel>
+  </dgm:clrData>
+  <dgm:layoutNode name="Name0">
+    <dgm:varLst>
+      <dgm:dir/>
+      <dgm:resizeHandles val="exact"/>
+    </dgm:varLst>
+    <dgm:choose name="Name1">
+      <dgm:if name="Name2" func="var" arg="dir" op="equ" val="norm">
+        <dgm:alg type="lin"/>
+      </dgm:if>
+      <dgm:else name="Name3">
+        <dgm:alg type="lin">
+          <dgm:param type="linDir" val="fromR"/>
+        </dgm:alg>
+      </dgm:else>
+    </dgm:choose>
+    <dgm:shape xmlns:r="http://schemas.openxmlformats.org/officeDocument/2006/relationships" r:blip="">
+      <dgm:adjLst/>
+    </dgm:shape>
+    <dgm:presOf/>
+    <dgm:constrLst>
+      <dgm:constr type="w" for="ch" ptType="node" refType="w"/>
+      <dgm:constr type="h" for="ch" ptType="node" op="equ"/>
+      <dgm:constr type="primFontSz" for="ch" ptType="node" op="equ" val="65"/>
+      <dgm:constr type="w" for="ch" ptType="sibTrans" refType="w" refFor="ch" refPtType="node" op="equ" fact="0.4"/>
+      <dgm:constr type="h" for="ch" ptType="sibTrans" op="equ"/>
+      <dgm:constr type="primFontSz" for="des" forName="connectorText" op="equ" val="55"/>
+      <dgm:constr type="primFontSz" for="des" forName="connectorText" refType="primFontSz" refFor="ch" refPtType="node" op="lte" fact="0.8"/>
+    </dgm:constrLst>
+    <dgm:ruleLst/>
+    <dgm:forEach name="nodesForEach" axis="ch" ptType="node">
+      <dgm:layoutNode name="node">
+        <dgm:varLst>
+          <dgm:bulletEnabled val="1"/>
+        </dgm:varLst>
+        <dgm:alg type="tx"/>
+        <dgm:shape xmlns:r="http://schemas.openxmlformats.org/officeDocument/2006/relationships" type="roundRect" r:blip="">
+          <dgm:adjLst>
+            <dgm:adj idx="1" val="0.1"/>
+          </dgm:adjLst>
+        </dgm:shape>
+        <dgm:presOf axis="desOrSelf" ptType="node"/>
+        <dgm:constrLst>
+          <dgm:constr type="h" refType="w" fact="0.6"/>
+          <dgm:constr type="tMarg" refType="primFontSz" fact="0.3"/>
+          <dgm:constr type="bMarg" refType="primFontSz" fact="0.3"/>
+          <dgm:constr type="lMarg" refType="primFontSz" fact="0.3"/>
+          <dgm:constr type="rMarg" refType="primFontSz" fact="0.3"/>
+        </dgm:constrLst>
+        <dgm:ruleLst>
+          <dgm:rule type="primFontSz" val="18" fact="NaN" max="NaN"/>
+          <dgm:rule type="h" val="NaN" fact="1.5" max="NaN"/>
+          <dgm:rule type="primFontSz" val="5" fact="NaN" max="NaN"/>
+          <dgm:rule type="h" val="INF" fact="NaN" max="NaN"/>
+        </dgm:ruleLst>
+      </dgm:layoutNode>
+      <dgm:forEach name="sibTransForEach" axis="followSib" ptType="sibTrans" cnt="1">
+        <dgm:layoutNode name="sibTrans">
+          <dgm:alg type="conn">
+            <dgm:param type="begPts" val="auto"/>
+            <dgm:param type="endPts" val="auto"/>
+          </dgm:alg>
+          <dgm:shape xmlns:r="http://schemas.openxmlformats.org/officeDocument/2006/relationships" type="conn" r:blip="">
+            <dgm:adjLst/>
+          </dgm:shape>
+          <dgm:presOf axis="self"/>
+          <dgm:constrLst>
+            <dgm:constr type="h" refType="w" fact="0.62"/>
+            <dgm:constr type="connDist"/>
+            <dgm:constr type="begPad" refType="connDist" fact="0.25"/>
+            <dgm:constr type="endPad" refType="connDist" fact="0.22"/>
+          </dgm:constrLst>
+          <dgm:ruleLst/>
+          <dgm:layoutNode name="connectorText">
+            <dgm:alg type="tx">
+              <dgm:param type="autoTxRot" val="grav"/>
+            </dgm:alg>
+            <dgm:shape xmlns:r="http://schemas.openxmlformats.org/officeDocument/2006/relationships" type="conn" r:blip="" hideGeom="1">
+              <dgm:adjLst/>
+            </dgm:shape>
+            <dgm:presOf axis="self"/>
+            <dgm:constrLst>
+              <dgm:constr type="lMarg"/>
+              <dgm:constr type="rMarg"/>
+              <dgm:constr type="tMarg"/>
+              <dgm:constr type="bMarg"/>
+            </dgm:constrLst>
+            <dgm:ruleLst>
+              <dgm:rule type="primFontSz" val="5" fact="NaN" max="NaN"/>
+            </dgm:ruleLst>
+          </dgm:layoutNode>
+        </dgm:layoutNode>
+      </dgm:forEach>
+    </dgm:forEach>
+  </dgm:layoutNode>
+</dgm:layoutDef>
+</file>
+
+<file path=ppt/diagrams/layout15.xml><?xml version="1.0" encoding="utf-8"?>
+<dgm:layoutDef xmlns:dgm="http://schemas.openxmlformats.org/drawingml/2006/diagram" xmlns:a="http://schemas.openxmlformats.org/drawingml/2006/main" uniqueId="urn:microsoft.com/office/officeart/2005/8/layout/process1">
+  <dgm:title val=""/>
+  <dgm:desc val=""/>
+  <dgm:catLst>
+    <dgm:cat type="process" pri="1000"/>
+    <dgm:cat type="convert" pri="15000"/>
+  </dgm:catLst>
+  <dgm:sampData useDef="1">
+    <dgm:dataModel>
+      <dgm:ptLst/>
+      <dgm:bg/>
+      <dgm:whole/>
+    </dgm:dataModel>
+  </dgm:sampData>
+  <dgm:styleData>
+    <dgm:dataModel>
+      <dgm:ptLst>
+        <dgm:pt modelId="0" type="doc"/>
+        <dgm:pt modelId="1"/>
+        <dgm:pt modelId="2"/>
+      </dgm:ptLst>
+      <dgm:cxnLst>
+        <dgm:cxn modelId="3" srcId="0" destId="1" srcOrd="0" destOrd="0"/>
+        <dgm:cxn modelId="4" srcId="0" destId="2" srcOrd="1" destOrd="0"/>
+      </dgm:cxnLst>
+      <dgm:bg/>
+      <dgm:whole/>
+    </dgm:dataModel>
+  </dgm:styleData>
+  <dgm:clrData>
+    <dgm:dataModel>
+      <dgm:ptLst>
+        <dgm:pt modelId="0" type="doc"/>
+        <dgm:pt modelId="1"/>
+        <dgm:pt modelId="2"/>
+        <dgm:pt modelId="3"/>
+        <dgm:pt modelId="4"/>
+      </dgm:ptLst>
+      <dgm:cxnLst>
+        <dgm:cxn modelId="5" srcId="0" destId="1" srcOrd="0" destOrd="0"/>
+        <dgm:cxn modelId="6" srcId="0" destId="2" srcOrd="1" destOrd="0"/>
+        <dgm:cxn modelId="7" srcId="0" destId="3" srcOrd="2" destOrd="0"/>
+        <dgm:cxn modelId="8" srcId="0" destId="4" srcOrd="3" destOrd="0"/>
+      </dgm:cxnLst>
+      <dgm:bg/>
+      <dgm:whole/>
+    </dgm:dataModel>
+  </dgm:clrData>
+  <dgm:layoutNode name="Name0">
+    <dgm:varLst>
+      <dgm:dir/>
+      <dgm:resizeHandles val="exact"/>
+    </dgm:varLst>
+    <dgm:choose name="Name1">
+      <dgm:if name="Name2" func="var" arg="dir" op="equ" val="norm">
+        <dgm:alg type="lin"/>
+      </dgm:if>
+      <dgm:else name="Name3">
+        <dgm:alg type="lin">
+          <dgm:param type="linDir" val="fromR"/>
+        </dgm:alg>
+      </dgm:else>
+    </dgm:choose>
+    <dgm:shape xmlns:r="http://schemas.openxmlformats.org/officeDocument/2006/relationships" r:blip="">
+      <dgm:adjLst/>
+    </dgm:shape>
+    <dgm:presOf/>
+    <dgm:constrLst>
+      <dgm:constr type="w" for="ch" ptType="node" refType="w"/>
+      <dgm:constr type="h" for="ch" ptType="node" op="equ"/>
+      <dgm:constr type="primFontSz" for="ch" ptType="node" op="equ" val="65"/>
+      <dgm:constr type="w" for="ch" ptType="sibTrans" refType="w" refFor="ch" refPtType="node" op="equ" fact="0.4"/>
+      <dgm:constr type="h" for="ch" ptType="sibTrans" op="equ"/>
+      <dgm:constr type="primFontSz" for="des" forName="connectorText" op="equ" val="55"/>
+      <dgm:constr type="primFontSz" for="des" forName="connectorText" refType="primFontSz" refFor="ch" refPtType="node" op="lte" fact="0.8"/>
+    </dgm:constrLst>
+    <dgm:ruleLst/>
+    <dgm:forEach name="nodesForEach" axis="ch" ptType="node">
+      <dgm:layoutNode name="node">
+        <dgm:varLst>
+          <dgm:bulletEnabled val="1"/>
+        </dgm:varLst>
+        <dgm:alg type="tx"/>
+        <dgm:shape xmlns:r="http://schemas.openxmlformats.org/officeDocument/2006/relationships" type="roundRect" r:blip="">
+          <dgm:adjLst>
+            <dgm:adj idx="1" val="0.1"/>
+          </dgm:adjLst>
+        </dgm:shape>
+        <dgm:presOf axis="desOrSelf" ptType="node"/>
+        <dgm:constrLst>
+          <dgm:constr type="h" refType="w" fact="0.6"/>
+          <dgm:constr type="tMarg" refType="primFontSz" fact="0.3"/>
+          <dgm:constr type="bMarg" refType="primFontSz" fact="0.3"/>
+          <dgm:constr type="lMarg" refType="primFontSz" fact="0.3"/>
+          <dgm:constr type="rMarg" refType="primFontSz" fact="0.3"/>
+        </dgm:constrLst>
+        <dgm:ruleLst>
+          <dgm:rule type="primFontSz" val="18" fact="NaN" max="NaN"/>
+          <dgm:rule type="h" val="NaN" fact="1.5" max="NaN"/>
+          <dgm:rule type="primFontSz" val="5" fact="NaN" max="NaN"/>
+          <dgm:rule type="h" val="INF" fact="NaN" max="NaN"/>
+        </dgm:ruleLst>
+      </dgm:layoutNode>
+      <dgm:forEach name="sibTransForEach" axis="followSib" ptType="sibTrans" cnt="1">
+        <dgm:layoutNode name="sibTrans">
+          <dgm:alg type="conn">
+            <dgm:param type="begPts" val="auto"/>
+            <dgm:param type="endPts" val="auto"/>
+          </dgm:alg>
+          <dgm:shape xmlns:r="http://schemas.openxmlformats.org/officeDocument/2006/relationships" type="conn" r:blip="">
+            <dgm:adjLst/>
+          </dgm:shape>
+          <dgm:presOf axis="self"/>
+          <dgm:constrLst>
+            <dgm:constr type="h" refType="w" fact="0.62"/>
+            <dgm:constr type="connDist"/>
+            <dgm:constr type="begPad" refType="connDist" fact="0.25"/>
+            <dgm:constr type="endPad" refType="connDist" fact="0.22"/>
+          </dgm:constrLst>
+          <dgm:ruleLst/>
+          <dgm:layoutNode name="connectorText">
+            <dgm:alg type="tx">
+              <dgm:param type="autoTxRot" val="grav"/>
+            </dgm:alg>
+            <dgm:shape xmlns:r="http://schemas.openxmlformats.org/officeDocument/2006/relationships" type="conn" r:blip="" hideGeom="1">
+              <dgm:adjLst/>
+            </dgm:shape>
+            <dgm:presOf axis="self"/>
+            <dgm:constrLst>
+              <dgm:constr type="lMarg"/>
+              <dgm:constr type="rMarg"/>
+              <dgm:constr type="tMarg"/>
+              <dgm:constr type="bMarg"/>
+            </dgm:constrLst>
+            <dgm:ruleLst>
+              <dgm:rule type="primFontSz" val="5" fact="NaN" max="NaN"/>
+            </dgm:ruleLst>
+          </dgm:layoutNode>
+        </dgm:layoutNode>
+      </dgm:forEach>
+    </dgm:forEach>
+  </dgm:layoutNode>
+</dgm:layoutDef>
+</file>
+
 <file path=ppt/diagrams/layout2.xml><?xml version="1.0" encoding="utf-8"?>
 <dgm:layoutDef xmlns:dgm="http://schemas.openxmlformats.org/drawingml/2006/diagram" xmlns:a="http://schemas.openxmlformats.org/drawingml/2006/main" uniqueId="urn:microsoft.com/office/officeart/2005/8/layout/process1">
   <dgm:title val=""/>
@@ -28115,6 +31627,2074 @@
 </dgm:styleDef>
 </file>
 
+<file path=ppt/diagrams/quickStyle14.xml><?xml version="1.0" encoding="utf-8"?>
+<dgm:styleDef xmlns:dgm="http://schemas.openxmlformats.org/drawingml/2006/diagram" xmlns:a="http://schemas.openxmlformats.org/drawingml/2006/main" uniqueId="urn:microsoft.com/office/officeart/2005/8/quickstyle/simple1">
+  <dgm:title val=""/>
+  <dgm:desc val=""/>
+  <dgm:catLst>
+    <dgm:cat type="simple" pri="10100"/>
+  </dgm:catLst>
+  <dgm:scene3d>
+    <a:camera prst="orthographicFront"/>
+    <a:lightRig rig="threePt" dir="t"/>
+  </dgm:scene3d>
+  <dgm:styleLbl name="node0">
+    <dgm:scene3d>
+      <a:camera prst="orthographicFront"/>
+      <a:lightRig rig="threePt" dir="t"/>
+    </dgm:scene3d>
+    <dgm:sp3d/>
+    <dgm:txPr/>
+    <dgm:style>
+      <a:lnRef idx="2">
+        <a:scrgbClr r="0" g="0" b="0"/>
+      </a:lnRef>
+      <a:fillRef idx="1">
+        <a:scrgbClr r="0" g="0" b="0"/>
+      </a:fillRef>
+      <a:effectRef idx="0">
+        <a:scrgbClr r="0" g="0" b="0"/>
+      </a:effectRef>
+      <a:fontRef idx="minor">
+        <a:schemeClr val="lt1"/>
+      </a:fontRef>
+    </dgm:style>
+  </dgm:styleLbl>
+  <dgm:styleLbl name="lnNode1">
+    <dgm:scene3d>
+      <a:camera prst="orthographicFront"/>
+      <a:lightRig rig="threePt" dir="t"/>
+    </dgm:scene3d>
+    <dgm:sp3d/>
+    <dgm:txPr/>
+    <dgm:style>
+      <a:lnRef idx="2">
+        <a:scrgbClr r="0" g="0" b="0"/>
+      </a:lnRef>
+      <a:fillRef idx="1">
+        <a:scrgbClr r="0" g="0" b="0"/>
+      </a:fillRef>
+      <a:effectRef idx="0">
+        <a:scrgbClr r="0" g="0" b="0"/>
+      </a:effectRef>
+      <a:fontRef idx="minor">
+        <a:schemeClr val="lt1"/>
+      </a:fontRef>
+    </dgm:style>
+  </dgm:styleLbl>
+  <dgm:styleLbl name="vennNode1">
+    <dgm:scene3d>
+      <a:camera prst="orthographicFront"/>
+      <a:lightRig rig="threePt" dir="t"/>
+    </dgm:scene3d>
+    <dgm:sp3d/>
+    <dgm:txPr/>
+    <dgm:style>
+      <a:lnRef idx="2">
+        <a:scrgbClr r="0" g="0" b="0"/>
+      </a:lnRef>
+      <a:fillRef idx="1">
+        <a:scrgbClr r="0" g="0" b="0"/>
+      </a:fillRef>
+      <a:effectRef idx="0">
+        <a:scrgbClr r="0" g="0" b="0"/>
+      </a:effectRef>
+      <a:fontRef idx="minor">
+        <a:schemeClr val="tx1"/>
+      </a:fontRef>
+    </dgm:style>
+  </dgm:styleLbl>
+  <dgm:styleLbl name="alignNode1">
+    <dgm:scene3d>
+      <a:camera prst="orthographicFront"/>
+      <a:lightRig rig="threePt" dir="t"/>
+    </dgm:scene3d>
+    <dgm:sp3d/>
+    <dgm:txPr/>
+    <dgm:style>
+      <a:lnRef idx="2">
+        <a:scrgbClr r="0" g="0" b="0"/>
+      </a:lnRef>
+      <a:fillRef idx="1">
+        <a:scrgbClr r="0" g="0" b="0"/>
+      </a:fillRef>
+      <a:effectRef idx="0">
+        <a:scrgbClr r="0" g="0" b="0"/>
+      </a:effectRef>
+      <a:fontRef idx="minor">
+        <a:schemeClr val="lt1"/>
+      </a:fontRef>
+    </dgm:style>
+  </dgm:styleLbl>
+  <dgm:styleLbl name="node1">
+    <dgm:scene3d>
+      <a:camera prst="orthographicFront"/>
+      <a:lightRig rig="threePt" dir="t"/>
+    </dgm:scene3d>
+    <dgm:sp3d/>
+    <dgm:txPr/>
+    <dgm:style>
+      <a:lnRef idx="2">
+        <a:scrgbClr r="0" g="0" b="0"/>
+      </a:lnRef>
+      <a:fillRef idx="1">
+        <a:scrgbClr r="0" g="0" b="0"/>
+      </a:fillRef>
+      <a:effectRef idx="0">
+        <a:scrgbClr r="0" g="0" b="0"/>
+      </a:effectRef>
+      <a:fontRef idx="minor">
+        <a:schemeClr val="lt1"/>
+      </a:fontRef>
+    </dgm:style>
+  </dgm:styleLbl>
+  <dgm:styleLbl name="node2">
+    <dgm:scene3d>
+      <a:camera prst="orthographicFront"/>
+      <a:lightRig rig="threePt" dir="t"/>
+    </dgm:scene3d>
+    <dgm:sp3d/>
+    <dgm:txPr/>
+    <dgm:style>
+      <a:lnRef idx="2">
+        <a:scrgbClr r="0" g="0" b="0"/>
+      </a:lnRef>
+      <a:fillRef idx="1">
+        <a:scrgbClr r="0" g="0" b="0"/>
+      </a:fillRef>
+      <a:effectRef idx="0">
+        <a:scrgbClr r="0" g="0" b="0"/>
+      </a:effectRef>
+      <a:fontRef idx="minor">
+        <a:schemeClr val="lt1"/>
+      </a:fontRef>
+    </dgm:style>
+  </dgm:styleLbl>
+  <dgm:styleLbl name="node3">
+    <dgm:scene3d>
+      <a:camera prst="orthographicFront"/>
+      <a:lightRig rig="threePt" dir="t"/>
+    </dgm:scene3d>
+    <dgm:sp3d/>
+    <dgm:txPr/>
+    <dgm:style>
+      <a:lnRef idx="2">
+        <a:scrgbClr r="0" g="0" b="0"/>
+      </a:lnRef>
+      <a:fillRef idx="1">
+        <a:scrgbClr r="0" g="0" b="0"/>
+      </a:fillRef>
+      <a:effectRef idx="0">
+        <a:scrgbClr r="0" g="0" b="0"/>
+      </a:effectRef>
+      <a:fontRef idx="minor">
+        <a:schemeClr val="lt1"/>
+      </a:fontRef>
+    </dgm:style>
+  </dgm:styleLbl>
+  <dgm:styleLbl name="node4">
+    <dgm:scene3d>
+      <a:camera prst="orthographicFront"/>
+      <a:lightRig rig="threePt" dir="t"/>
+    </dgm:scene3d>
+    <dgm:sp3d/>
+    <dgm:txPr/>
+    <dgm:style>
+      <a:lnRef idx="2">
+        <a:scrgbClr r="0" g="0" b="0"/>
+      </a:lnRef>
+      <a:fillRef idx="1">
+        <a:scrgbClr r="0" g="0" b="0"/>
+      </a:fillRef>
+      <a:effectRef idx="0">
+        <a:scrgbClr r="0" g="0" b="0"/>
+      </a:effectRef>
+      <a:fontRef idx="minor">
+        <a:schemeClr val="lt1"/>
+      </a:fontRef>
+    </dgm:style>
+  </dgm:styleLbl>
+  <dgm:styleLbl name="fgImgPlace1">
+    <dgm:scene3d>
+      <a:camera prst="orthographicFront"/>
+      <a:lightRig rig="threePt" dir="t"/>
+    </dgm:scene3d>
+    <dgm:sp3d/>
+    <dgm:txPr/>
+    <dgm:style>
+      <a:lnRef idx="2">
+        <a:scrgbClr r="0" g="0" b="0"/>
+      </a:lnRef>
+      <a:fillRef idx="1">
+        <a:scrgbClr r="0" g="0" b="0"/>
+      </a:fillRef>
+      <a:effectRef idx="0">
+        <a:scrgbClr r="0" g="0" b="0"/>
+      </a:effectRef>
+      <a:fontRef idx="minor"/>
+    </dgm:style>
+  </dgm:styleLbl>
+  <dgm:styleLbl name="alignImgPlace1">
+    <dgm:scene3d>
+      <a:camera prst="orthographicFront"/>
+      <a:lightRig rig="threePt" dir="t"/>
+    </dgm:scene3d>
+    <dgm:sp3d/>
+    <dgm:txPr/>
+    <dgm:style>
+      <a:lnRef idx="2">
+        <a:scrgbClr r="0" g="0" b="0"/>
+      </a:lnRef>
+      <a:fillRef idx="1">
+        <a:scrgbClr r="0" g="0" b="0"/>
+      </a:fillRef>
+      <a:effectRef idx="0">
+        <a:scrgbClr r="0" g="0" b="0"/>
+      </a:effectRef>
+      <a:fontRef idx="minor"/>
+    </dgm:style>
+  </dgm:styleLbl>
+  <dgm:styleLbl name="bgImgPlace1">
+    <dgm:scene3d>
+      <a:camera prst="orthographicFront"/>
+      <a:lightRig rig="threePt" dir="t"/>
+    </dgm:scene3d>
+    <dgm:sp3d/>
+    <dgm:txPr/>
+    <dgm:style>
+      <a:lnRef idx="2">
+        <a:scrgbClr r="0" g="0" b="0"/>
+      </a:lnRef>
+      <a:fillRef idx="1">
+        <a:scrgbClr r="0" g="0" b="0"/>
+      </a:fillRef>
+      <a:effectRef idx="0">
+        <a:scrgbClr r="0" g="0" b="0"/>
+      </a:effectRef>
+      <a:fontRef idx="minor"/>
+    </dgm:style>
+  </dgm:styleLbl>
+  <dgm:styleLbl name="sibTrans2D1">
+    <dgm:scene3d>
+      <a:camera prst="orthographicFront"/>
+      <a:lightRig rig="threePt" dir="t"/>
+    </dgm:scene3d>
+    <dgm:sp3d/>
+    <dgm:txPr/>
+    <dgm:style>
+      <a:lnRef idx="0">
+        <a:scrgbClr r="0" g="0" b="0"/>
+      </a:lnRef>
+      <a:fillRef idx="1">
+        <a:scrgbClr r="0" g="0" b="0"/>
+      </a:fillRef>
+      <a:effectRef idx="0">
+        <a:scrgbClr r="0" g="0" b="0"/>
+      </a:effectRef>
+      <a:fontRef idx="minor">
+        <a:schemeClr val="lt1"/>
+      </a:fontRef>
+    </dgm:style>
+  </dgm:styleLbl>
+  <dgm:styleLbl name="fgSibTrans2D1">
+    <dgm:scene3d>
+      <a:camera prst="orthographicFront"/>
+      <a:lightRig rig="threePt" dir="t"/>
+    </dgm:scene3d>
+    <dgm:sp3d/>
+    <dgm:txPr/>
+    <dgm:style>
+      <a:lnRef idx="0">
+        <a:scrgbClr r="0" g="0" b="0"/>
+      </a:lnRef>
+      <a:fillRef idx="1">
+        <a:scrgbClr r="0" g="0" b="0"/>
+      </a:fillRef>
+      <a:effectRef idx="0">
+        <a:scrgbClr r="0" g="0" b="0"/>
+      </a:effectRef>
+      <a:fontRef idx="minor">
+        <a:schemeClr val="lt1"/>
+      </a:fontRef>
+    </dgm:style>
+  </dgm:styleLbl>
+  <dgm:styleLbl name="bgSibTrans2D1">
+    <dgm:scene3d>
+      <a:camera prst="orthographicFront"/>
+      <a:lightRig rig="threePt" dir="t"/>
+    </dgm:scene3d>
+    <dgm:sp3d/>
+    <dgm:txPr/>
+    <dgm:style>
+      <a:lnRef idx="0">
+        <a:scrgbClr r="0" g="0" b="0"/>
+      </a:lnRef>
+      <a:fillRef idx="1">
+        <a:scrgbClr r="0" g="0" b="0"/>
+      </a:fillRef>
+      <a:effectRef idx="0">
+        <a:scrgbClr r="0" g="0" b="0"/>
+      </a:effectRef>
+      <a:fontRef idx="minor">
+        <a:schemeClr val="lt1"/>
+      </a:fontRef>
+    </dgm:style>
+  </dgm:styleLbl>
+  <dgm:styleLbl name="sibTrans1D1">
+    <dgm:scene3d>
+      <a:camera prst="orthographicFront"/>
+      <a:lightRig rig="threePt" dir="t"/>
+    </dgm:scene3d>
+    <dgm:sp3d/>
+    <dgm:txPr/>
+    <dgm:style>
+      <a:lnRef idx="1">
+        <a:scrgbClr r="0" g="0" b="0"/>
+      </a:lnRef>
+      <a:fillRef idx="0">
+        <a:scrgbClr r="0" g="0" b="0"/>
+      </a:fillRef>
+      <a:effectRef idx="0">
+        <a:scrgbClr r="0" g="0" b="0"/>
+      </a:effectRef>
+      <a:fontRef idx="minor"/>
+    </dgm:style>
+  </dgm:styleLbl>
+  <dgm:styleLbl name="callout">
+    <dgm:scene3d>
+      <a:camera prst="orthographicFront"/>
+      <a:lightRig rig="threePt" dir="t"/>
+    </dgm:scene3d>
+    <dgm:sp3d/>
+    <dgm:txPr/>
+    <dgm:style>
+      <a:lnRef idx="2">
+        <a:scrgbClr r="0" g="0" b="0"/>
+      </a:lnRef>
+      <a:fillRef idx="1">
+        <a:scrgbClr r="0" g="0" b="0"/>
+      </a:fillRef>
+      <a:effectRef idx="0">
+        <a:scrgbClr r="0" g="0" b="0"/>
+      </a:effectRef>
+      <a:fontRef idx="minor"/>
+    </dgm:style>
+  </dgm:styleLbl>
+  <dgm:styleLbl name="asst0">
+    <dgm:scene3d>
+      <a:camera prst="orthographicFront"/>
+      <a:lightRig rig="threePt" dir="t"/>
+    </dgm:scene3d>
+    <dgm:sp3d/>
+    <dgm:txPr/>
+    <dgm:style>
+      <a:lnRef idx="2">
+        <a:scrgbClr r="0" g="0" b="0"/>
+      </a:lnRef>
+      <a:fillRef idx="1">
+        <a:scrgbClr r="0" g="0" b="0"/>
+      </a:fillRef>
+      <a:effectRef idx="0">
+        <a:scrgbClr r="0" g="0" b="0"/>
+      </a:effectRef>
+      <a:fontRef idx="minor">
+        <a:schemeClr val="lt1"/>
+      </a:fontRef>
+    </dgm:style>
+  </dgm:styleLbl>
+  <dgm:styleLbl name="asst1">
+    <dgm:scene3d>
+      <a:camera prst="orthographicFront"/>
+      <a:lightRig rig="threePt" dir="t"/>
+    </dgm:scene3d>
+    <dgm:sp3d/>
+    <dgm:txPr/>
+    <dgm:style>
+      <a:lnRef idx="2">
+        <a:scrgbClr r="0" g="0" b="0"/>
+      </a:lnRef>
+      <a:fillRef idx="1">
+        <a:scrgbClr r="0" g="0" b="0"/>
+      </a:fillRef>
+      <a:effectRef idx="0">
+        <a:scrgbClr r="0" g="0" b="0"/>
+      </a:effectRef>
+      <a:fontRef idx="minor">
+        <a:schemeClr val="lt1"/>
+      </a:fontRef>
+    </dgm:style>
+  </dgm:styleLbl>
+  <dgm:styleLbl name="asst2">
+    <dgm:scene3d>
+      <a:camera prst="orthographicFront"/>
+      <a:lightRig rig="threePt" dir="t"/>
+    </dgm:scene3d>
+    <dgm:sp3d/>
+    <dgm:txPr/>
+    <dgm:style>
+      <a:lnRef idx="2">
+        <a:scrgbClr r="0" g="0" b="0"/>
+      </a:lnRef>
+      <a:fillRef idx="1">
+        <a:scrgbClr r="0" g="0" b="0"/>
+      </a:fillRef>
+      <a:effectRef idx="0">
+        <a:scrgbClr r="0" g="0" b="0"/>
+      </a:effectRef>
+      <a:fontRef idx="minor">
+        <a:schemeClr val="lt1"/>
+      </a:fontRef>
+    </dgm:style>
+  </dgm:styleLbl>
+  <dgm:styleLbl name="asst3">
+    <dgm:scene3d>
+      <a:camera prst="orthographicFront"/>
+      <a:lightRig rig="threePt" dir="t"/>
+    </dgm:scene3d>
+    <dgm:sp3d/>
+    <dgm:txPr/>
+    <dgm:style>
+      <a:lnRef idx="2">
+        <a:scrgbClr r="0" g="0" b="0"/>
+      </a:lnRef>
+      <a:fillRef idx="1">
+        <a:scrgbClr r="0" g="0" b="0"/>
+      </a:fillRef>
+      <a:effectRef idx="0">
+        <a:scrgbClr r="0" g="0" b="0"/>
+      </a:effectRef>
+      <a:fontRef idx="minor">
+        <a:schemeClr val="lt1"/>
+      </a:fontRef>
+    </dgm:style>
+  </dgm:styleLbl>
+  <dgm:styleLbl name="asst4">
+    <dgm:scene3d>
+      <a:camera prst="orthographicFront"/>
+      <a:lightRig rig="threePt" dir="t"/>
+    </dgm:scene3d>
+    <dgm:sp3d/>
+    <dgm:txPr/>
+    <dgm:style>
+      <a:lnRef idx="2">
+        <a:scrgbClr r="0" g="0" b="0"/>
+      </a:lnRef>
+      <a:fillRef idx="1">
+        <a:scrgbClr r="0" g="0" b="0"/>
+      </a:fillRef>
+      <a:effectRef idx="0">
+        <a:scrgbClr r="0" g="0" b="0"/>
+      </a:effectRef>
+      <a:fontRef idx="minor">
+        <a:schemeClr val="lt1"/>
+      </a:fontRef>
+    </dgm:style>
+  </dgm:styleLbl>
+  <dgm:styleLbl name="parChTrans2D1">
+    <dgm:scene3d>
+      <a:camera prst="orthographicFront"/>
+      <a:lightRig rig="threePt" dir="t"/>
+    </dgm:scene3d>
+    <dgm:sp3d/>
+    <dgm:txPr/>
+    <dgm:style>
+      <a:lnRef idx="2">
+        <a:scrgbClr r="0" g="0" b="0"/>
+      </a:lnRef>
+      <a:fillRef idx="1">
+        <a:scrgbClr r="0" g="0" b="0"/>
+      </a:fillRef>
+      <a:effectRef idx="0">
+        <a:scrgbClr r="0" g="0" b="0"/>
+      </a:effectRef>
+      <a:fontRef idx="minor">
+        <a:schemeClr val="lt1"/>
+      </a:fontRef>
+    </dgm:style>
+  </dgm:styleLbl>
+  <dgm:styleLbl name="parChTrans2D2">
+    <dgm:scene3d>
+      <a:camera prst="orthographicFront"/>
+      <a:lightRig rig="threePt" dir="t"/>
+    </dgm:scene3d>
+    <dgm:sp3d/>
+    <dgm:txPr/>
+    <dgm:style>
+      <a:lnRef idx="2">
+        <a:scrgbClr r="0" g="0" b="0"/>
+      </a:lnRef>
+      <a:fillRef idx="1">
+        <a:scrgbClr r="0" g="0" b="0"/>
+      </a:fillRef>
+      <a:effectRef idx="0">
+        <a:scrgbClr r="0" g="0" b="0"/>
+      </a:effectRef>
+      <a:fontRef idx="minor">
+        <a:schemeClr val="lt1"/>
+      </a:fontRef>
+    </dgm:style>
+  </dgm:styleLbl>
+  <dgm:styleLbl name="parChTrans2D3">
+    <dgm:scene3d>
+      <a:camera prst="orthographicFront"/>
+      <a:lightRig rig="threePt" dir="t"/>
+    </dgm:scene3d>
+    <dgm:sp3d/>
+    <dgm:txPr/>
+    <dgm:style>
+      <a:lnRef idx="2">
+        <a:scrgbClr r="0" g="0" b="0"/>
+      </a:lnRef>
+      <a:fillRef idx="1">
+        <a:scrgbClr r="0" g="0" b="0"/>
+      </a:fillRef>
+      <a:effectRef idx="0">
+        <a:scrgbClr r="0" g="0" b="0"/>
+      </a:effectRef>
+      <a:fontRef idx="minor">
+        <a:schemeClr val="lt1"/>
+      </a:fontRef>
+    </dgm:style>
+  </dgm:styleLbl>
+  <dgm:styleLbl name="parChTrans2D4">
+    <dgm:scene3d>
+      <a:camera prst="orthographicFront"/>
+      <a:lightRig rig="threePt" dir="t"/>
+    </dgm:scene3d>
+    <dgm:sp3d/>
+    <dgm:txPr/>
+    <dgm:style>
+      <a:lnRef idx="2">
+        <a:scrgbClr r="0" g="0" b="0"/>
+      </a:lnRef>
+      <a:fillRef idx="1">
+        <a:scrgbClr r="0" g="0" b="0"/>
+      </a:fillRef>
+      <a:effectRef idx="0">
+        <a:scrgbClr r="0" g="0" b="0"/>
+      </a:effectRef>
+      <a:fontRef idx="minor">
+        <a:schemeClr val="lt1"/>
+      </a:fontRef>
+    </dgm:style>
+  </dgm:styleLbl>
+  <dgm:styleLbl name="parChTrans1D1">
+    <dgm:scene3d>
+      <a:camera prst="orthographicFront"/>
+      <a:lightRig rig="threePt" dir="t"/>
+    </dgm:scene3d>
+    <dgm:sp3d/>
+    <dgm:txPr/>
+    <dgm:style>
+      <a:lnRef idx="2">
+        <a:scrgbClr r="0" g="0" b="0"/>
+      </a:lnRef>
+      <a:fillRef idx="0">
+        <a:scrgbClr r="0" g="0" b="0"/>
+      </a:fillRef>
+      <a:effectRef idx="0">
+        <a:scrgbClr r="0" g="0" b="0"/>
+      </a:effectRef>
+      <a:fontRef idx="minor"/>
+    </dgm:style>
+  </dgm:styleLbl>
+  <dgm:styleLbl name="parChTrans1D2">
+    <dgm:scene3d>
+      <a:camera prst="orthographicFront"/>
+      <a:lightRig rig="threePt" dir="t"/>
+    </dgm:scene3d>
+    <dgm:sp3d/>
+    <dgm:txPr/>
+    <dgm:style>
+      <a:lnRef idx="2">
+        <a:scrgbClr r="0" g="0" b="0"/>
+      </a:lnRef>
+      <a:fillRef idx="0">
+        <a:scrgbClr r="0" g="0" b="0"/>
+      </a:fillRef>
+      <a:effectRef idx="0">
+        <a:scrgbClr r="0" g="0" b="0"/>
+      </a:effectRef>
+      <a:fontRef idx="minor"/>
+    </dgm:style>
+  </dgm:styleLbl>
+  <dgm:styleLbl name="parChTrans1D3">
+    <dgm:scene3d>
+      <a:camera prst="orthographicFront"/>
+      <a:lightRig rig="threePt" dir="t"/>
+    </dgm:scene3d>
+    <dgm:sp3d/>
+    <dgm:txPr/>
+    <dgm:style>
+      <a:lnRef idx="2">
+        <a:scrgbClr r="0" g="0" b="0"/>
+      </a:lnRef>
+      <a:fillRef idx="0">
+        <a:scrgbClr r="0" g="0" b="0"/>
+      </a:fillRef>
+      <a:effectRef idx="0">
+        <a:scrgbClr r="0" g="0" b="0"/>
+      </a:effectRef>
+      <a:fontRef idx="minor"/>
+    </dgm:style>
+  </dgm:styleLbl>
+  <dgm:styleLbl name="parChTrans1D4">
+    <dgm:scene3d>
+      <a:camera prst="orthographicFront"/>
+      <a:lightRig rig="threePt" dir="t"/>
+    </dgm:scene3d>
+    <dgm:sp3d/>
+    <dgm:txPr/>
+    <dgm:style>
+      <a:lnRef idx="2">
+        <a:scrgbClr r="0" g="0" b="0"/>
+      </a:lnRef>
+      <a:fillRef idx="0">
+        <a:scrgbClr r="0" g="0" b="0"/>
+      </a:fillRef>
+      <a:effectRef idx="0">
+        <a:scrgbClr r="0" g="0" b="0"/>
+      </a:effectRef>
+      <a:fontRef idx="minor"/>
+    </dgm:style>
+  </dgm:styleLbl>
+  <dgm:styleLbl name="fgAcc1">
+    <dgm:scene3d>
+      <a:camera prst="orthographicFront"/>
+      <a:lightRig rig="threePt" dir="t"/>
+    </dgm:scene3d>
+    <dgm:sp3d/>
+    <dgm:txPr/>
+    <dgm:style>
+      <a:lnRef idx="2">
+        <a:scrgbClr r="0" g="0" b="0"/>
+      </a:lnRef>
+      <a:fillRef idx="1">
+        <a:scrgbClr r="0" g="0" b="0"/>
+      </a:fillRef>
+      <a:effectRef idx="0">
+        <a:scrgbClr r="0" g="0" b="0"/>
+      </a:effectRef>
+      <a:fontRef idx="minor"/>
+    </dgm:style>
+  </dgm:styleLbl>
+  <dgm:styleLbl name="conFgAcc1">
+    <dgm:scene3d>
+      <a:camera prst="orthographicFront"/>
+      <a:lightRig rig="threePt" dir="t"/>
+    </dgm:scene3d>
+    <dgm:sp3d/>
+    <dgm:txPr/>
+    <dgm:style>
+      <a:lnRef idx="2">
+        <a:scrgbClr r="0" g="0" b="0"/>
+      </a:lnRef>
+      <a:fillRef idx="1">
+        <a:scrgbClr r="0" g="0" b="0"/>
+      </a:fillRef>
+      <a:effectRef idx="0">
+        <a:scrgbClr r="0" g="0" b="0"/>
+      </a:effectRef>
+      <a:fontRef idx="minor"/>
+    </dgm:style>
+  </dgm:styleLbl>
+  <dgm:styleLbl name="alignAcc1">
+    <dgm:scene3d>
+      <a:camera prst="orthographicFront"/>
+      <a:lightRig rig="threePt" dir="t"/>
+    </dgm:scene3d>
+    <dgm:sp3d/>
+    <dgm:txPr/>
+    <dgm:style>
+      <a:lnRef idx="2">
+        <a:scrgbClr r="0" g="0" b="0"/>
+      </a:lnRef>
+      <a:fillRef idx="1">
+        <a:scrgbClr r="0" g="0" b="0"/>
+      </a:fillRef>
+      <a:effectRef idx="0">
+        <a:scrgbClr r="0" g="0" b="0"/>
+      </a:effectRef>
+      <a:fontRef idx="minor"/>
+    </dgm:style>
+  </dgm:styleLbl>
+  <dgm:styleLbl name="trAlignAcc1">
+    <dgm:scene3d>
+      <a:camera prst="orthographicFront"/>
+      <a:lightRig rig="threePt" dir="t"/>
+    </dgm:scene3d>
+    <dgm:sp3d/>
+    <dgm:txPr/>
+    <dgm:style>
+      <a:lnRef idx="1">
+        <a:scrgbClr r="0" g="0" b="0"/>
+      </a:lnRef>
+      <a:fillRef idx="1">
+        <a:scrgbClr r="0" g="0" b="0"/>
+      </a:fillRef>
+      <a:effectRef idx="0">
+        <a:scrgbClr r="0" g="0" b="0"/>
+      </a:effectRef>
+      <a:fontRef idx="minor"/>
+    </dgm:style>
+  </dgm:styleLbl>
+  <dgm:styleLbl name="bgAcc1">
+    <dgm:scene3d>
+      <a:camera prst="orthographicFront"/>
+      <a:lightRig rig="threePt" dir="t"/>
+    </dgm:scene3d>
+    <dgm:sp3d/>
+    <dgm:txPr/>
+    <dgm:style>
+      <a:lnRef idx="2">
+        <a:scrgbClr r="0" g="0" b="0"/>
+      </a:lnRef>
+      <a:fillRef idx="1">
+        <a:scrgbClr r="0" g="0" b="0"/>
+      </a:fillRef>
+      <a:effectRef idx="0">
+        <a:scrgbClr r="0" g="0" b="0"/>
+      </a:effectRef>
+      <a:fontRef idx="minor"/>
+    </dgm:style>
+  </dgm:styleLbl>
+  <dgm:styleLbl name="solidFgAcc1">
+    <dgm:scene3d>
+      <a:camera prst="orthographicFront"/>
+      <a:lightRig rig="threePt" dir="t"/>
+    </dgm:scene3d>
+    <dgm:sp3d/>
+    <dgm:txPr/>
+    <dgm:style>
+      <a:lnRef idx="2">
+        <a:scrgbClr r="0" g="0" b="0"/>
+      </a:lnRef>
+      <a:fillRef idx="1">
+        <a:scrgbClr r="0" g="0" b="0"/>
+      </a:fillRef>
+      <a:effectRef idx="0">
+        <a:scrgbClr r="0" g="0" b="0"/>
+      </a:effectRef>
+      <a:fontRef idx="minor"/>
+    </dgm:style>
+  </dgm:styleLbl>
+  <dgm:styleLbl name="solidAlignAcc1">
+    <dgm:scene3d>
+      <a:camera prst="orthographicFront"/>
+      <a:lightRig rig="threePt" dir="t"/>
+    </dgm:scene3d>
+    <dgm:sp3d/>
+    <dgm:txPr/>
+    <dgm:style>
+      <a:lnRef idx="2">
+        <a:scrgbClr r="0" g="0" b="0"/>
+      </a:lnRef>
+      <a:fillRef idx="1">
+        <a:scrgbClr r="0" g="0" b="0"/>
+      </a:fillRef>
+      <a:effectRef idx="0">
+        <a:scrgbClr r="0" g="0" b="0"/>
+      </a:effectRef>
+      <a:fontRef idx="minor"/>
+    </dgm:style>
+  </dgm:styleLbl>
+  <dgm:styleLbl name="solidBgAcc1">
+    <dgm:scene3d>
+      <a:camera prst="orthographicFront"/>
+      <a:lightRig rig="threePt" dir="t"/>
+    </dgm:scene3d>
+    <dgm:sp3d/>
+    <dgm:txPr/>
+    <dgm:style>
+      <a:lnRef idx="2">
+        <a:scrgbClr r="0" g="0" b="0"/>
+      </a:lnRef>
+      <a:fillRef idx="1">
+        <a:scrgbClr r="0" g="0" b="0"/>
+      </a:fillRef>
+      <a:effectRef idx="0">
+        <a:scrgbClr r="0" g="0" b="0"/>
+      </a:effectRef>
+      <a:fontRef idx="minor"/>
+    </dgm:style>
+  </dgm:styleLbl>
+  <dgm:styleLbl name="fgAccFollowNode1">
+    <dgm:scene3d>
+      <a:camera prst="orthographicFront"/>
+      <a:lightRig rig="threePt" dir="t"/>
+    </dgm:scene3d>
+    <dgm:sp3d/>
+    <dgm:txPr/>
+    <dgm:style>
+      <a:lnRef idx="2">
+        <a:scrgbClr r="0" g="0" b="0"/>
+      </a:lnRef>
+      <a:fillRef idx="1">
+        <a:scrgbClr r="0" g="0" b="0"/>
+      </a:fillRef>
+      <a:effectRef idx="0">
+        <a:scrgbClr r="0" g="0" b="0"/>
+      </a:effectRef>
+      <a:fontRef idx="minor"/>
+    </dgm:style>
+  </dgm:styleLbl>
+  <dgm:styleLbl name="alignAccFollowNode1">
+    <dgm:scene3d>
+      <a:camera prst="orthographicFront"/>
+      <a:lightRig rig="threePt" dir="t"/>
+    </dgm:scene3d>
+    <dgm:sp3d/>
+    <dgm:txPr/>
+    <dgm:style>
+      <a:lnRef idx="2">
+        <a:scrgbClr r="0" g="0" b="0"/>
+      </a:lnRef>
+      <a:fillRef idx="1">
+        <a:scrgbClr r="0" g="0" b="0"/>
+      </a:fillRef>
+      <a:effectRef idx="0">
+        <a:scrgbClr r="0" g="0" b="0"/>
+      </a:effectRef>
+      <a:fontRef idx="minor"/>
+    </dgm:style>
+  </dgm:styleLbl>
+  <dgm:styleLbl name="bgAccFollowNode1">
+    <dgm:scene3d>
+      <a:camera prst="orthographicFront"/>
+      <a:lightRig rig="threePt" dir="t"/>
+    </dgm:scene3d>
+    <dgm:sp3d/>
+    <dgm:txPr/>
+    <dgm:style>
+      <a:lnRef idx="2">
+        <a:scrgbClr r="0" g="0" b="0"/>
+      </a:lnRef>
+      <a:fillRef idx="1">
+        <a:scrgbClr r="0" g="0" b="0"/>
+      </a:fillRef>
+      <a:effectRef idx="0">
+        <a:scrgbClr r="0" g="0" b="0"/>
+      </a:effectRef>
+      <a:fontRef idx="minor"/>
+    </dgm:style>
+  </dgm:styleLbl>
+  <dgm:styleLbl name="fgAcc0">
+    <dgm:scene3d>
+      <a:camera prst="orthographicFront"/>
+      <a:lightRig rig="threePt" dir="t"/>
+    </dgm:scene3d>
+    <dgm:sp3d/>
+    <dgm:txPr/>
+    <dgm:style>
+      <a:lnRef idx="2">
+        <a:scrgbClr r="0" g="0" b="0"/>
+      </a:lnRef>
+      <a:fillRef idx="1">
+        <a:scrgbClr r="0" g="0" b="0"/>
+      </a:fillRef>
+      <a:effectRef idx="0">
+        <a:scrgbClr r="0" g="0" b="0"/>
+      </a:effectRef>
+      <a:fontRef idx="minor"/>
+    </dgm:style>
+  </dgm:styleLbl>
+  <dgm:styleLbl name="fgAcc2">
+    <dgm:scene3d>
+      <a:camera prst="orthographicFront"/>
+      <a:lightRig rig="threePt" dir="t"/>
+    </dgm:scene3d>
+    <dgm:sp3d/>
+    <dgm:txPr/>
+    <dgm:style>
+      <a:lnRef idx="2">
+        <a:scrgbClr r="0" g="0" b="0"/>
+      </a:lnRef>
+      <a:fillRef idx="1">
+        <a:scrgbClr r="0" g="0" b="0"/>
+      </a:fillRef>
+      <a:effectRef idx="0">
+        <a:scrgbClr r="0" g="0" b="0"/>
+      </a:effectRef>
+      <a:fontRef idx="minor"/>
+    </dgm:style>
+  </dgm:styleLbl>
+  <dgm:styleLbl name="fgAcc3">
+    <dgm:scene3d>
+      <a:camera prst="orthographicFront"/>
+      <a:lightRig rig="threePt" dir="t"/>
+    </dgm:scene3d>
+    <dgm:sp3d/>
+    <dgm:txPr/>
+    <dgm:style>
+      <a:lnRef idx="2">
+        <a:scrgbClr r="0" g="0" b="0"/>
+      </a:lnRef>
+      <a:fillRef idx="1">
+        <a:scrgbClr r="0" g="0" b="0"/>
+      </a:fillRef>
+      <a:effectRef idx="0">
+        <a:scrgbClr r="0" g="0" b="0"/>
+      </a:effectRef>
+      <a:fontRef idx="minor"/>
+    </dgm:style>
+  </dgm:styleLbl>
+  <dgm:styleLbl name="fgAcc4">
+    <dgm:scene3d>
+      <a:camera prst="orthographicFront"/>
+      <a:lightRig rig="threePt" dir="t"/>
+    </dgm:scene3d>
+    <dgm:sp3d/>
+    <dgm:txPr/>
+    <dgm:style>
+      <a:lnRef idx="2">
+        <a:scrgbClr r="0" g="0" b="0"/>
+      </a:lnRef>
+      <a:fillRef idx="1">
+        <a:scrgbClr r="0" g="0" b="0"/>
+      </a:fillRef>
+      <a:effectRef idx="0">
+        <a:scrgbClr r="0" g="0" b="0"/>
+      </a:effectRef>
+      <a:fontRef idx="minor"/>
+    </dgm:style>
+  </dgm:styleLbl>
+  <dgm:styleLbl name="bgShp">
+    <dgm:scene3d>
+      <a:camera prst="orthographicFront"/>
+      <a:lightRig rig="threePt" dir="t"/>
+    </dgm:scene3d>
+    <dgm:sp3d/>
+    <dgm:txPr/>
+    <dgm:style>
+      <a:lnRef idx="0">
+        <a:scrgbClr r="0" g="0" b="0"/>
+      </a:lnRef>
+      <a:fillRef idx="1">
+        <a:scrgbClr r="0" g="0" b="0"/>
+      </a:fillRef>
+      <a:effectRef idx="0">
+        <a:scrgbClr r="0" g="0" b="0"/>
+      </a:effectRef>
+      <a:fontRef idx="minor"/>
+    </dgm:style>
+  </dgm:styleLbl>
+  <dgm:styleLbl name="dkBgShp">
+    <dgm:scene3d>
+      <a:camera prst="orthographicFront"/>
+      <a:lightRig rig="threePt" dir="t"/>
+    </dgm:scene3d>
+    <dgm:sp3d/>
+    <dgm:txPr/>
+    <dgm:style>
+      <a:lnRef idx="0">
+        <a:scrgbClr r="0" g="0" b="0"/>
+      </a:lnRef>
+      <a:fillRef idx="1">
+        <a:scrgbClr r="0" g="0" b="0"/>
+      </a:fillRef>
+      <a:effectRef idx="0">
+        <a:scrgbClr r="0" g="0" b="0"/>
+      </a:effectRef>
+      <a:fontRef idx="minor"/>
+    </dgm:style>
+  </dgm:styleLbl>
+  <dgm:styleLbl name="trBgShp">
+    <dgm:scene3d>
+      <a:camera prst="orthographicFront"/>
+      <a:lightRig rig="threePt" dir="t"/>
+    </dgm:scene3d>
+    <dgm:sp3d/>
+    <dgm:txPr/>
+    <dgm:style>
+      <a:lnRef idx="0">
+        <a:scrgbClr r="0" g="0" b="0"/>
+      </a:lnRef>
+      <a:fillRef idx="1">
+        <a:scrgbClr r="0" g="0" b="0"/>
+      </a:fillRef>
+      <a:effectRef idx="0">
+        <a:scrgbClr r="0" g="0" b="0"/>
+      </a:effectRef>
+      <a:fontRef idx="minor"/>
+    </dgm:style>
+  </dgm:styleLbl>
+  <dgm:styleLbl name="fgShp">
+    <dgm:scene3d>
+      <a:camera prst="orthographicFront"/>
+      <a:lightRig rig="threePt" dir="t"/>
+    </dgm:scene3d>
+    <dgm:sp3d/>
+    <dgm:txPr/>
+    <dgm:style>
+      <a:lnRef idx="2">
+        <a:scrgbClr r="0" g="0" b="0"/>
+      </a:lnRef>
+      <a:fillRef idx="1">
+        <a:scrgbClr r="0" g="0" b="0"/>
+      </a:fillRef>
+      <a:effectRef idx="0">
+        <a:scrgbClr r="0" g="0" b="0"/>
+      </a:effectRef>
+      <a:fontRef idx="minor"/>
+    </dgm:style>
+  </dgm:styleLbl>
+  <dgm:styleLbl name="revTx">
+    <dgm:scene3d>
+      <a:camera prst="orthographicFront"/>
+      <a:lightRig rig="threePt" dir="t"/>
+    </dgm:scene3d>
+    <dgm:sp3d/>
+    <dgm:txPr/>
+    <dgm:style>
+      <a:lnRef idx="0">
+        <a:scrgbClr r="0" g="0" b="0"/>
+      </a:lnRef>
+      <a:fillRef idx="0">
+        <a:scrgbClr r="0" g="0" b="0"/>
+      </a:fillRef>
+      <a:effectRef idx="0">
+        <a:scrgbClr r="0" g="0" b="0"/>
+      </a:effectRef>
+      <a:fontRef idx="minor"/>
+    </dgm:style>
+  </dgm:styleLbl>
+</dgm:styleDef>
+</file>
+
+<file path=ppt/diagrams/quickStyle15.xml><?xml version="1.0" encoding="utf-8"?>
+<dgm:styleDef xmlns:dgm="http://schemas.openxmlformats.org/drawingml/2006/diagram" xmlns:a="http://schemas.openxmlformats.org/drawingml/2006/main" uniqueId="urn:microsoft.com/office/officeart/2005/8/quickstyle/simple1">
+  <dgm:title val=""/>
+  <dgm:desc val=""/>
+  <dgm:catLst>
+    <dgm:cat type="simple" pri="10100"/>
+  </dgm:catLst>
+  <dgm:scene3d>
+    <a:camera prst="orthographicFront"/>
+    <a:lightRig rig="threePt" dir="t"/>
+  </dgm:scene3d>
+  <dgm:styleLbl name="node0">
+    <dgm:scene3d>
+      <a:camera prst="orthographicFront"/>
+      <a:lightRig rig="threePt" dir="t"/>
+    </dgm:scene3d>
+    <dgm:sp3d/>
+    <dgm:txPr/>
+    <dgm:style>
+      <a:lnRef idx="2">
+        <a:scrgbClr r="0" g="0" b="0"/>
+      </a:lnRef>
+      <a:fillRef idx="1">
+        <a:scrgbClr r="0" g="0" b="0"/>
+      </a:fillRef>
+      <a:effectRef idx="0">
+        <a:scrgbClr r="0" g="0" b="0"/>
+      </a:effectRef>
+      <a:fontRef idx="minor">
+        <a:schemeClr val="lt1"/>
+      </a:fontRef>
+    </dgm:style>
+  </dgm:styleLbl>
+  <dgm:styleLbl name="lnNode1">
+    <dgm:scene3d>
+      <a:camera prst="orthographicFront"/>
+      <a:lightRig rig="threePt" dir="t"/>
+    </dgm:scene3d>
+    <dgm:sp3d/>
+    <dgm:txPr/>
+    <dgm:style>
+      <a:lnRef idx="2">
+        <a:scrgbClr r="0" g="0" b="0"/>
+      </a:lnRef>
+      <a:fillRef idx="1">
+        <a:scrgbClr r="0" g="0" b="0"/>
+      </a:fillRef>
+      <a:effectRef idx="0">
+        <a:scrgbClr r="0" g="0" b="0"/>
+      </a:effectRef>
+      <a:fontRef idx="minor">
+        <a:schemeClr val="lt1"/>
+      </a:fontRef>
+    </dgm:style>
+  </dgm:styleLbl>
+  <dgm:styleLbl name="vennNode1">
+    <dgm:scene3d>
+      <a:camera prst="orthographicFront"/>
+      <a:lightRig rig="threePt" dir="t"/>
+    </dgm:scene3d>
+    <dgm:sp3d/>
+    <dgm:txPr/>
+    <dgm:style>
+      <a:lnRef idx="2">
+        <a:scrgbClr r="0" g="0" b="0"/>
+      </a:lnRef>
+      <a:fillRef idx="1">
+        <a:scrgbClr r="0" g="0" b="0"/>
+      </a:fillRef>
+      <a:effectRef idx="0">
+        <a:scrgbClr r="0" g="0" b="0"/>
+      </a:effectRef>
+      <a:fontRef idx="minor">
+        <a:schemeClr val="tx1"/>
+      </a:fontRef>
+    </dgm:style>
+  </dgm:styleLbl>
+  <dgm:styleLbl name="alignNode1">
+    <dgm:scene3d>
+      <a:camera prst="orthographicFront"/>
+      <a:lightRig rig="threePt" dir="t"/>
+    </dgm:scene3d>
+    <dgm:sp3d/>
+    <dgm:txPr/>
+    <dgm:style>
+      <a:lnRef idx="2">
+        <a:scrgbClr r="0" g="0" b="0"/>
+      </a:lnRef>
+      <a:fillRef idx="1">
+        <a:scrgbClr r="0" g="0" b="0"/>
+      </a:fillRef>
+      <a:effectRef idx="0">
+        <a:scrgbClr r="0" g="0" b="0"/>
+      </a:effectRef>
+      <a:fontRef idx="minor">
+        <a:schemeClr val="lt1"/>
+      </a:fontRef>
+    </dgm:style>
+  </dgm:styleLbl>
+  <dgm:styleLbl name="node1">
+    <dgm:scene3d>
+      <a:camera prst="orthographicFront"/>
+      <a:lightRig rig="threePt" dir="t"/>
+    </dgm:scene3d>
+    <dgm:sp3d/>
+    <dgm:txPr/>
+    <dgm:style>
+      <a:lnRef idx="2">
+        <a:scrgbClr r="0" g="0" b="0"/>
+      </a:lnRef>
+      <a:fillRef idx="1">
+        <a:scrgbClr r="0" g="0" b="0"/>
+      </a:fillRef>
+      <a:effectRef idx="0">
+        <a:scrgbClr r="0" g="0" b="0"/>
+      </a:effectRef>
+      <a:fontRef idx="minor">
+        <a:schemeClr val="lt1"/>
+      </a:fontRef>
+    </dgm:style>
+  </dgm:styleLbl>
+  <dgm:styleLbl name="node2">
+    <dgm:scene3d>
+      <a:camera prst="orthographicFront"/>
+      <a:lightRig rig="threePt" dir="t"/>
+    </dgm:scene3d>
+    <dgm:sp3d/>
+    <dgm:txPr/>
+    <dgm:style>
+      <a:lnRef idx="2">
+        <a:scrgbClr r="0" g="0" b="0"/>
+      </a:lnRef>
+      <a:fillRef idx="1">
+        <a:scrgbClr r="0" g="0" b="0"/>
+      </a:fillRef>
+      <a:effectRef idx="0">
+        <a:scrgbClr r="0" g="0" b="0"/>
+      </a:effectRef>
+      <a:fontRef idx="minor">
+        <a:schemeClr val="lt1"/>
+      </a:fontRef>
+    </dgm:style>
+  </dgm:styleLbl>
+  <dgm:styleLbl name="node3">
+    <dgm:scene3d>
+      <a:camera prst="orthographicFront"/>
+      <a:lightRig rig="threePt" dir="t"/>
+    </dgm:scene3d>
+    <dgm:sp3d/>
+    <dgm:txPr/>
+    <dgm:style>
+      <a:lnRef idx="2">
+        <a:scrgbClr r="0" g="0" b="0"/>
+      </a:lnRef>
+      <a:fillRef idx="1">
+        <a:scrgbClr r="0" g="0" b="0"/>
+      </a:fillRef>
+      <a:effectRef idx="0">
+        <a:scrgbClr r="0" g="0" b="0"/>
+      </a:effectRef>
+      <a:fontRef idx="minor">
+        <a:schemeClr val="lt1"/>
+      </a:fontRef>
+    </dgm:style>
+  </dgm:styleLbl>
+  <dgm:styleLbl name="node4">
+    <dgm:scene3d>
+      <a:camera prst="orthographicFront"/>
+      <a:lightRig rig="threePt" dir="t"/>
+    </dgm:scene3d>
+    <dgm:sp3d/>
+    <dgm:txPr/>
+    <dgm:style>
+      <a:lnRef idx="2">
+        <a:scrgbClr r="0" g="0" b="0"/>
+      </a:lnRef>
+      <a:fillRef idx="1">
+        <a:scrgbClr r="0" g="0" b="0"/>
+      </a:fillRef>
+      <a:effectRef idx="0">
+        <a:scrgbClr r="0" g="0" b="0"/>
+      </a:effectRef>
+      <a:fontRef idx="minor">
+        <a:schemeClr val="lt1"/>
+      </a:fontRef>
+    </dgm:style>
+  </dgm:styleLbl>
+  <dgm:styleLbl name="fgImgPlace1">
+    <dgm:scene3d>
+      <a:camera prst="orthographicFront"/>
+      <a:lightRig rig="threePt" dir="t"/>
+    </dgm:scene3d>
+    <dgm:sp3d/>
+    <dgm:txPr/>
+    <dgm:style>
+      <a:lnRef idx="2">
+        <a:scrgbClr r="0" g="0" b="0"/>
+      </a:lnRef>
+      <a:fillRef idx="1">
+        <a:scrgbClr r="0" g="0" b="0"/>
+      </a:fillRef>
+      <a:effectRef idx="0">
+        <a:scrgbClr r="0" g="0" b="0"/>
+      </a:effectRef>
+      <a:fontRef idx="minor"/>
+    </dgm:style>
+  </dgm:styleLbl>
+  <dgm:styleLbl name="alignImgPlace1">
+    <dgm:scene3d>
+      <a:camera prst="orthographicFront"/>
+      <a:lightRig rig="threePt" dir="t"/>
+    </dgm:scene3d>
+    <dgm:sp3d/>
+    <dgm:txPr/>
+    <dgm:style>
+      <a:lnRef idx="2">
+        <a:scrgbClr r="0" g="0" b="0"/>
+      </a:lnRef>
+      <a:fillRef idx="1">
+        <a:scrgbClr r="0" g="0" b="0"/>
+      </a:fillRef>
+      <a:effectRef idx="0">
+        <a:scrgbClr r="0" g="0" b="0"/>
+      </a:effectRef>
+      <a:fontRef idx="minor"/>
+    </dgm:style>
+  </dgm:styleLbl>
+  <dgm:styleLbl name="bgImgPlace1">
+    <dgm:scene3d>
+      <a:camera prst="orthographicFront"/>
+      <a:lightRig rig="threePt" dir="t"/>
+    </dgm:scene3d>
+    <dgm:sp3d/>
+    <dgm:txPr/>
+    <dgm:style>
+      <a:lnRef idx="2">
+        <a:scrgbClr r="0" g="0" b="0"/>
+      </a:lnRef>
+      <a:fillRef idx="1">
+        <a:scrgbClr r="0" g="0" b="0"/>
+      </a:fillRef>
+      <a:effectRef idx="0">
+        <a:scrgbClr r="0" g="0" b="0"/>
+      </a:effectRef>
+      <a:fontRef idx="minor"/>
+    </dgm:style>
+  </dgm:styleLbl>
+  <dgm:styleLbl name="sibTrans2D1">
+    <dgm:scene3d>
+      <a:camera prst="orthographicFront"/>
+      <a:lightRig rig="threePt" dir="t"/>
+    </dgm:scene3d>
+    <dgm:sp3d/>
+    <dgm:txPr/>
+    <dgm:style>
+      <a:lnRef idx="0">
+        <a:scrgbClr r="0" g="0" b="0"/>
+      </a:lnRef>
+      <a:fillRef idx="1">
+        <a:scrgbClr r="0" g="0" b="0"/>
+      </a:fillRef>
+      <a:effectRef idx="0">
+        <a:scrgbClr r="0" g="0" b="0"/>
+      </a:effectRef>
+      <a:fontRef idx="minor">
+        <a:schemeClr val="lt1"/>
+      </a:fontRef>
+    </dgm:style>
+  </dgm:styleLbl>
+  <dgm:styleLbl name="fgSibTrans2D1">
+    <dgm:scene3d>
+      <a:camera prst="orthographicFront"/>
+      <a:lightRig rig="threePt" dir="t"/>
+    </dgm:scene3d>
+    <dgm:sp3d/>
+    <dgm:txPr/>
+    <dgm:style>
+      <a:lnRef idx="0">
+        <a:scrgbClr r="0" g="0" b="0"/>
+      </a:lnRef>
+      <a:fillRef idx="1">
+        <a:scrgbClr r="0" g="0" b="0"/>
+      </a:fillRef>
+      <a:effectRef idx="0">
+        <a:scrgbClr r="0" g="0" b="0"/>
+      </a:effectRef>
+      <a:fontRef idx="minor">
+        <a:schemeClr val="lt1"/>
+      </a:fontRef>
+    </dgm:style>
+  </dgm:styleLbl>
+  <dgm:styleLbl name="bgSibTrans2D1">
+    <dgm:scene3d>
+      <a:camera prst="orthographicFront"/>
+      <a:lightRig rig="threePt" dir="t"/>
+    </dgm:scene3d>
+    <dgm:sp3d/>
+    <dgm:txPr/>
+    <dgm:style>
+      <a:lnRef idx="0">
+        <a:scrgbClr r="0" g="0" b="0"/>
+      </a:lnRef>
+      <a:fillRef idx="1">
+        <a:scrgbClr r="0" g="0" b="0"/>
+      </a:fillRef>
+      <a:effectRef idx="0">
+        <a:scrgbClr r="0" g="0" b="0"/>
+      </a:effectRef>
+      <a:fontRef idx="minor">
+        <a:schemeClr val="lt1"/>
+      </a:fontRef>
+    </dgm:style>
+  </dgm:styleLbl>
+  <dgm:styleLbl name="sibTrans1D1">
+    <dgm:scene3d>
+      <a:camera prst="orthographicFront"/>
+      <a:lightRig rig="threePt" dir="t"/>
+    </dgm:scene3d>
+    <dgm:sp3d/>
+    <dgm:txPr/>
+    <dgm:style>
+      <a:lnRef idx="1">
+        <a:scrgbClr r="0" g="0" b="0"/>
+      </a:lnRef>
+      <a:fillRef idx="0">
+        <a:scrgbClr r="0" g="0" b="0"/>
+      </a:fillRef>
+      <a:effectRef idx="0">
+        <a:scrgbClr r="0" g="0" b="0"/>
+      </a:effectRef>
+      <a:fontRef idx="minor"/>
+    </dgm:style>
+  </dgm:styleLbl>
+  <dgm:styleLbl name="callout">
+    <dgm:scene3d>
+      <a:camera prst="orthographicFront"/>
+      <a:lightRig rig="threePt" dir="t"/>
+    </dgm:scene3d>
+    <dgm:sp3d/>
+    <dgm:txPr/>
+    <dgm:style>
+      <a:lnRef idx="2">
+        <a:scrgbClr r="0" g="0" b="0"/>
+      </a:lnRef>
+      <a:fillRef idx="1">
+        <a:scrgbClr r="0" g="0" b="0"/>
+      </a:fillRef>
+      <a:effectRef idx="0">
+        <a:scrgbClr r="0" g="0" b="0"/>
+      </a:effectRef>
+      <a:fontRef idx="minor"/>
+    </dgm:style>
+  </dgm:styleLbl>
+  <dgm:styleLbl name="asst0">
+    <dgm:scene3d>
+      <a:camera prst="orthographicFront"/>
+      <a:lightRig rig="threePt" dir="t"/>
+    </dgm:scene3d>
+    <dgm:sp3d/>
+    <dgm:txPr/>
+    <dgm:style>
+      <a:lnRef idx="2">
+        <a:scrgbClr r="0" g="0" b="0"/>
+      </a:lnRef>
+      <a:fillRef idx="1">
+        <a:scrgbClr r="0" g="0" b="0"/>
+      </a:fillRef>
+      <a:effectRef idx="0">
+        <a:scrgbClr r="0" g="0" b="0"/>
+      </a:effectRef>
+      <a:fontRef idx="minor">
+        <a:schemeClr val="lt1"/>
+      </a:fontRef>
+    </dgm:style>
+  </dgm:styleLbl>
+  <dgm:styleLbl name="asst1">
+    <dgm:scene3d>
+      <a:camera prst="orthographicFront"/>
+      <a:lightRig rig="threePt" dir="t"/>
+    </dgm:scene3d>
+    <dgm:sp3d/>
+    <dgm:txPr/>
+    <dgm:style>
+      <a:lnRef idx="2">
+        <a:scrgbClr r="0" g="0" b="0"/>
+      </a:lnRef>
+      <a:fillRef idx="1">
+        <a:scrgbClr r="0" g="0" b="0"/>
+      </a:fillRef>
+      <a:effectRef idx="0">
+        <a:scrgbClr r="0" g="0" b="0"/>
+      </a:effectRef>
+      <a:fontRef idx="minor">
+        <a:schemeClr val="lt1"/>
+      </a:fontRef>
+    </dgm:style>
+  </dgm:styleLbl>
+  <dgm:styleLbl name="asst2">
+    <dgm:scene3d>
+      <a:camera prst="orthographicFront"/>
+      <a:lightRig rig="threePt" dir="t"/>
+    </dgm:scene3d>
+    <dgm:sp3d/>
+    <dgm:txPr/>
+    <dgm:style>
+      <a:lnRef idx="2">
+        <a:scrgbClr r="0" g="0" b="0"/>
+      </a:lnRef>
+      <a:fillRef idx="1">
+        <a:scrgbClr r="0" g="0" b="0"/>
+      </a:fillRef>
+      <a:effectRef idx="0">
+        <a:scrgbClr r="0" g="0" b="0"/>
+      </a:effectRef>
+      <a:fontRef idx="minor">
+        <a:schemeClr val="lt1"/>
+      </a:fontRef>
+    </dgm:style>
+  </dgm:styleLbl>
+  <dgm:styleLbl name="asst3">
+    <dgm:scene3d>
+      <a:camera prst="orthographicFront"/>
+      <a:lightRig rig="threePt" dir="t"/>
+    </dgm:scene3d>
+    <dgm:sp3d/>
+    <dgm:txPr/>
+    <dgm:style>
+      <a:lnRef idx="2">
+        <a:scrgbClr r="0" g="0" b="0"/>
+      </a:lnRef>
+      <a:fillRef idx="1">
+        <a:scrgbClr r="0" g="0" b="0"/>
+      </a:fillRef>
+      <a:effectRef idx="0">
+        <a:scrgbClr r="0" g="0" b="0"/>
+      </a:effectRef>
+      <a:fontRef idx="minor">
+        <a:schemeClr val="lt1"/>
+      </a:fontRef>
+    </dgm:style>
+  </dgm:styleLbl>
+  <dgm:styleLbl name="asst4">
+    <dgm:scene3d>
+      <a:camera prst="orthographicFront"/>
+      <a:lightRig rig="threePt" dir="t"/>
+    </dgm:scene3d>
+    <dgm:sp3d/>
+    <dgm:txPr/>
+    <dgm:style>
+      <a:lnRef idx="2">
+        <a:scrgbClr r="0" g="0" b="0"/>
+      </a:lnRef>
+      <a:fillRef idx="1">
+        <a:scrgbClr r="0" g="0" b="0"/>
+      </a:fillRef>
+      <a:effectRef idx="0">
+        <a:scrgbClr r="0" g="0" b="0"/>
+      </a:effectRef>
+      <a:fontRef idx="minor">
+        <a:schemeClr val="lt1"/>
+      </a:fontRef>
+    </dgm:style>
+  </dgm:styleLbl>
+  <dgm:styleLbl name="parChTrans2D1">
+    <dgm:scene3d>
+      <a:camera prst="orthographicFront"/>
+      <a:lightRig rig="threePt" dir="t"/>
+    </dgm:scene3d>
+    <dgm:sp3d/>
+    <dgm:txPr/>
+    <dgm:style>
+      <a:lnRef idx="2">
+        <a:scrgbClr r="0" g="0" b="0"/>
+      </a:lnRef>
+      <a:fillRef idx="1">
+        <a:scrgbClr r="0" g="0" b="0"/>
+      </a:fillRef>
+      <a:effectRef idx="0">
+        <a:scrgbClr r="0" g="0" b="0"/>
+      </a:effectRef>
+      <a:fontRef idx="minor">
+        <a:schemeClr val="lt1"/>
+      </a:fontRef>
+    </dgm:style>
+  </dgm:styleLbl>
+  <dgm:styleLbl name="parChTrans2D2">
+    <dgm:scene3d>
+      <a:camera prst="orthographicFront"/>
+      <a:lightRig rig="threePt" dir="t"/>
+    </dgm:scene3d>
+    <dgm:sp3d/>
+    <dgm:txPr/>
+    <dgm:style>
+      <a:lnRef idx="2">
+        <a:scrgbClr r="0" g="0" b="0"/>
+      </a:lnRef>
+      <a:fillRef idx="1">
+        <a:scrgbClr r="0" g="0" b="0"/>
+      </a:fillRef>
+      <a:effectRef idx="0">
+        <a:scrgbClr r="0" g="0" b="0"/>
+      </a:effectRef>
+      <a:fontRef idx="minor">
+        <a:schemeClr val="lt1"/>
+      </a:fontRef>
+    </dgm:style>
+  </dgm:styleLbl>
+  <dgm:styleLbl name="parChTrans2D3">
+    <dgm:scene3d>
+      <a:camera prst="orthographicFront"/>
+      <a:lightRig rig="threePt" dir="t"/>
+    </dgm:scene3d>
+    <dgm:sp3d/>
+    <dgm:txPr/>
+    <dgm:style>
+      <a:lnRef idx="2">
+        <a:scrgbClr r="0" g="0" b="0"/>
+      </a:lnRef>
+      <a:fillRef idx="1">
+        <a:scrgbClr r="0" g="0" b="0"/>
+      </a:fillRef>
+      <a:effectRef idx="0">
+        <a:scrgbClr r="0" g="0" b="0"/>
+      </a:effectRef>
+      <a:fontRef idx="minor">
+        <a:schemeClr val="lt1"/>
+      </a:fontRef>
+    </dgm:style>
+  </dgm:styleLbl>
+  <dgm:styleLbl name="parChTrans2D4">
+    <dgm:scene3d>
+      <a:camera prst="orthographicFront"/>
+      <a:lightRig rig="threePt" dir="t"/>
+    </dgm:scene3d>
+    <dgm:sp3d/>
+    <dgm:txPr/>
+    <dgm:style>
+      <a:lnRef idx="2">
+        <a:scrgbClr r="0" g="0" b="0"/>
+      </a:lnRef>
+      <a:fillRef idx="1">
+        <a:scrgbClr r="0" g="0" b="0"/>
+      </a:fillRef>
+      <a:effectRef idx="0">
+        <a:scrgbClr r="0" g="0" b="0"/>
+      </a:effectRef>
+      <a:fontRef idx="minor">
+        <a:schemeClr val="lt1"/>
+      </a:fontRef>
+    </dgm:style>
+  </dgm:styleLbl>
+  <dgm:styleLbl name="parChTrans1D1">
+    <dgm:scene3d>
+      <a:camera prst="orthographicFront"/>
+      <a:lightRig rig="threePt" dir="t"/>
+    </dgm:scene3d>
+    <dgm:sp3d/>
+    <dgm:txPr/>
+    <dgm:style>
+      <a:lnRef idx="2">
+        <a:scrgbClr r="0" g="0" b="0"/>
+      </a:lnRef>
+      <a:fillRef idx="0">
+        <a:scrgbClr r="0" g="0" b="0"/>
+      </a:fillRef>
+      <a:effectRef idx="0">
+        <a:scrgbClr r="0" g="0" b="0"/>
+      </a:effectRef>
+      <a:fontRef idx="minor"/>
+    </dgm:style>
+  </dgm:styleLbl>
+  <dgm:styleLbl name="parChTrans1D2">
+    <dgm:scene3d>
+      <a:camera prst="orthographicFront"/>
+      <a:lightRig rig="threePt" dir="t"/>
+    </dgm:scene3d>
+    <dgm:sp3d/>
+    <dgm:txPr/>
+    <dgm:style>
+      <a:lnRef idx="2">
+        <a:scrgbClr r="0" g="0" b="0"/>
+      </a:lnRef>
+      <a:fillRef idx="0">
+        <a:scrgbClr r="0" g="0" b="0"/>
+      </a:fillRef>
+      <a:effectRef idx="0">
+        <a:scrgbClr r="0" g="0" b="0"/>
+      </a:effectRef>
+      <a:fontRef idx="minor"/>
+    </dgm:style>
+  </dgm:styleLbl>
+  <dgm:styleLbl name="parChTrans1D3">
+    <dgm:scene3d>
+      <a:camera prst="orthographicFront"/>
+      <a:lightRig rig="threePt" dir="t"/>
+    </dgm:scene3d>
+    <dgm:sp3d/>
+    <dgm:txPr/>
+    <dgm:style>
+      <a:lnRef idx="2">
+        <a:scrgbClr r="0" g="0" b="0"/>
+      </a:lnRef>
+      <a:fillRef idx="0">
+        <a:scrgbClr r="0" g="0" b="0"/>
+      </a:fillRef>
+      <a:effectRef idx="0">
+        <a:scrgbClr r="0" g="0" b="0"/>
+      </a:effectRef>
+      <a:fontRef idx="minor"/>
+    </dgm:style>
+  </dgm:styleLbl>
+  <dgm:styleLbl name="parChTrans1D4">
+    <dgm:scene3d>
+      <a:camera prst="orthographicFront"/>
+      <a:lightRig rig="threePt" dir="t"/>
+    </dgm:scene3d>
+    <dgm:sp3d/>
+    <dgm:txPr/>
+    <dgm:style>
+      <a:lnRef idx="2">
+        <a:scrgbClr r="0" g="0" b="0"/>
+      </a:lnRef>
+      <a:fillRef idx="0">
+        <a:scrgbClr r="0" g="0" b="0"/>
+      </a:fillRef>
+      <a:effectRef idx="0">
+        <a:scrgbClr r="0" g="0" b="0"/>
+      </a:effectRef>
+      <a:fontRef idx="minor"/>
+    </dgm:style>
+  </dgm:styleLbl>
+  <dgm:styleLbl name="fgAcc1">
+    <dgm:scene3d>
+      <a:camera prst="orthographicFront"/>
+      <a:lightRig rig="threePt" dir="t"/>
+    </dgm:scene3d>
+    <dgm:sp3d/>
+    <dgm:txPr/>
+    <dgm:style>
+      <a:lnRef idx="2">
+        <a:scrgbClr r="0" g="0" b="0"/>
+      </a:lnRef>
+      <a:fillRef idx="1">
+        <a:scrgbClr r="0" g="0" b="0"/>
+      </a:fillRef>
+      <a:effectRef idx="0">
+        <a:scrgbClr r="0" g="0" b="0"/>
+      </a:effectRef>
+      <a:fontRef idx="minor"/>
+    </dgm:style>
+  </dgm:styleLbl>
+  <dgm:styleLbl name="conFgAcc1">
+    <dgm:scene3d>
+      <a:camera prst="orthographicFront"/>
+      <a:lightRig rig="threePt" dir="t"/>
+    </dgm:scene3d>
+    <dgm:sp3d/>
+    <dgm:txPr/>
+    <dgm:style>
+      <a:lnRef idx="2">
+        <a:scrgbClr r="0" g="0" b="0"/>
+      </a:lnRef>
+      <a:fillRef idx="1">
+        <a:scrgbClr r="0" g="0" b="0"/>
+      </a:fillRef>
+      <a:effectRef idx="0">
+        <a:scrgbClr r="0" g="0" b="0"/>
+      </a:effectRef>
+      <a:fontRef idx="minor"/>
+    </dgm:style>
+  </dgm:styleLbl>
+  <dgm:styleLbl name="alignAcc1">
+    <dgm:scene3d>
+      <a:camera prst="orthographicFront"/>
+      <a:lightRig rig="threePt" dir="t"/>
+    </dgm:scene3d>
+    <dgm:sp3d/>
+    <dgm:txPr/>
+    <dgm:style>
+      <a:lnRef idx="2">
+        <a:scrgbClr r="0" g="0" b="0"/>
+      </a:lnRef>
+      <a:fillRef idx="1">
+        <a:scrgbClr r="0" g="0" b="0"/>
+      </a:fillRef>
+      <a:effectRef idx="0">
+        <a:scrgbClr r="0" g="0" b="0"/>
+      </a:effectRef>
+      <a:fontRef idx="minor"/>
+    </dgm:style>
+  </dgm:styleLbl>
+  <dgm:styleLbl name="trAlignAcc1">
+    <dgm:scene3d>
+      <a:camera prst="orthographicFront"/>
+      <a:lightRig rig="threePt" dir="t"/>
+    </dgm:scene3d>
+    <dgm:sp3d/>
+    <dgm:txPr/>
+    <dgm:style>
+      <a:lnRef idx="1">
+        <a:scrgbClr r="0" g="0" b="0"/>
+      </a:lnRef>
+      <a:fillRef idx="1">
+        <a:scrgbClr r="0" g="0" b="0"/>
+      </a:fillRef>
+      <a:effectRef idx="0">
+        <a:scrgbClr r="0" g="0" b="0"/>
+      </a:effectRef>
+      <a:fontRef idx="minor"/>
+    </dgm:style>
+  </dgm:styleLbl>
+  <dgm:styleLbl name="bgAcc1">
+    <dgm:scene3d>
+      <a:camera prst="orthographicFront"/>
+      <a:lightRig rig="threePt" dir="t"/>
+    </dgm:scene3d>
+    <dgm:sp3d/>
+    <dgm:txPr/>
+    <dgm:style>
+      <a:lnRef idx="2">
+        <a:scrgbClr r="0" g="0" b="0"/>
+      </a:lnRef>
+      <a:fillRef idx="1">
+        <a:scrgbClr r="0" g="0" b="0"/>
+      </a:fillRef>
+      <a:effectRef idx="0">
+        <a:scrgbClr r="0" g="0" b="0"/>
+      </a:effectRef>
+      <a:fontRef idx="minor"/>
+    </dgm:style>
+  </dgm:styleLbl>
+  <dgm:styleLbl name="solidFgAcc1">
+    <dgm:scene3d>
+      <a:camera prst="orthographicFront"/>
+      <a:lightRig rig="threePt" dir="t"/>
+    </dgm:scene3d>
+    <dgm:sp3d/>
+    <dgm:txPr/>
+    <dgm:style>
+      <a:lnRef idx="2">
+        <a:scrgbClr r="0" g="0" b="0"/>
+      </a:lnRef>
+      <a:fillRef idx="1">
+        <a:scrgbClr r="0" g="0" b="0"/>
+      </a:fillRef>
+      <a:effectRef idx="0">
+        <a:scrgbClr r="0" g="0" b="0"/>
+      </a:effectRef>
+      <a:fontRef idx="minor"/>
+    </dgm:style>
+  </dgm:styleLbl>
+  <dgm:styleLbl name="solidAlignAcc1">
+    <dgm:scene3d>
+      <a:camera prst="orthographicFront"/>
+      <a:lightRig rig="threePt" dir="t"/>
+    </dgm:scene3d>
+    <dgm:sp3d/>
+    <dgm:txPr/>
+    <dgm:style>
+      <a:lnRef idx="2">
+        <a:scrgbClr r="0" g="0" b="0"/>
+      </a:lnRef>
+      <a:fillRef idx="1">
+        <a:scrgbClr r="0" g="0" b="0"/>
+      </a:fillRef>
+      <a:effectRef idx="0">
+        <a:scrgbClr r="0" g="0" b="0"/>
+      </a:effectRef>
+      <a:fontRef idx="minor"/>
+    </dgm:style>
+  </dgm:styleLbl>
+  <dgm:styleLbl name="solidBgAcc1">
+    <dgm:scene3d>
+      <a:camera prst="orthographicFront"/>
+      <a:lightRig rig="threePt" dir="t"/>
+    </dgm:scene3d>
+    <dgm:sp3d/>
+    <dgm:txPr/>
+    <dgm:style>
+      <a:lnRef idx="2">
+        <a:scrgbClr r="0" g="0" b="0"/>
+      </a:lnRef>
+      <a:fillRef idx="1">
+        <a:scrgbClr r="0" g="0" b="0"/>
+      </a:fillRef>
+      <a:effectRef idx="0">
+        <a:scrgbClr r="0" g="0" b="0"/>
+      </a:effectRef>
+      <a:fontRef idx="minor"/>
+    </dgm:style>
+  </dgm:styleLbl>
+  <dgm:styleLbl name="fgAccFollowNode1">
+    <dgm:scene3d>
+      <a:camera prst="orthographicFront"/>
+      <a:lightRig rig="threePt" dir="t"/>
+    </dgm:scene3d>
+    <dgm:sp3d/>
+    <dgm:txPr/>
+    <dgm:style>
+      <a:lnRef idx="2">
+        <a:scrgbClr r="0" g="0" b="0"/>
+      </a:lnRef>
+      <a:fillRef idx="1">
+        <a:scrgbClr r="0" g="0" b="0"/>
+      </a:fillRef>
+      <a:effectRef idx="0">
+        <a:scrgbClr r="0" g="0" b="0"/>
+      </a:effectRef>
+      <a:fontRef idx="minor"/>
+    </dgm:style>
+  </dgm:styleLbl>
+  <dgm:styleLbl name="alignAccFollowNode1">
+    <dgm:scene3d>
+      <a:camera prst="orthographicFront"/>
+      <a:lightRig rig="threePt" dir="t"/>
+    </dgm:scene3d>
+    <dgm:sp3d/>
+    <dgm:txPr/>
+    <dgm:style>
+      <a:lnRef idx="2">
+        <a:scrgbClr r="0" g="0" b="0"/>
+      </a:lnRef>
+      <a:fillRef idx="1">
+        <a:scrgbClr r="0" g="0" b="0"/>
+      </a:fillRef>
+      <a:effectRef idx="0">
+        <a:scrgbClr r="0" g="0" b="0"/>
+      </a:effectRef>
+      <a:fontRef idx="minor"/>
+    </dgm:style>
+  </dgm:styleLbl>
+  <dgm:styleLbl name="bgAccFollowNode1">
+    <dgm:scene3d>
+      <a:camera prst="orthographicFront"/>
+      <a:lightRig rig="threePt" dir="t"/>
+    </dgm:scene3d>
+    <dgm:sp3d/>
+    <dgm:txPr/>
+    <dgm:style>
+      <a:lnRef idx="2">
+        <a:scrgbClr r="0" g="0" b="0"/>
+      </a:lnRef>
+      <a:fillRef idx="1">
+        <a:scrgbClr r="0" g="0" b="0"/>
+      </a:fillRef>
+      <a:effectRef idx="0">
+        <a:scrgbClr r="0" g="0" b="0"/>
+      </a:effectRef>
+      <a:fontRef idx="minor"/>
+    </dgm:style>
+  </dgm:styleLbl>
+  <dgm:styleLbl name="fgAcc0">
+    <dgm:scene3d>
+      <a:camera prst="orthographicFront"/>
+      <a:lightRig rig="threePt" dir="t"/>
+    </dgm:scene3d>
+    <dgm:sp3d/>
+    <dgm:txPr/>
+    <dgm:style>
+      <a:lnRef idx="2">
+        <a:scrgbClr r="0" g="0" b="0"/>
+      </a:lnRef>
+      <a:fillRef idx="1">
+        <a:scrgbClr r="0" g="0" b="0"/>
+      </a:fillRef>
+      <a:effectRef idx="0">
+        <a:scrgbClr r="0" g="0" b="0"/>
+      </a:effectRef>
+      <a:fontRef idx="minor"/>
+    </dgm:style>
+  </dgm:styleLbl>
+  <dgm:styleLbl name="fgAcc2">
+    <dgm:scene3d>
+      <a:camera prst="orthographicFront"/>
+      <a:lightRig rig="threePt" dir="t"/>
+    </dgm:scene3d>
+    <dgm:sp3d/>
+    <dgm:txPr/>
+    <dgm:style>
+      <a:lnRef idx="2">
+        <a:scrgbClr r="0" g="0" b="0"/>
+      </a:lnRef>
+      <a:fillRef idx="1">
+        <a:scrgbClr r="0" g="0" b="0"/>
+      </a:fillRef>
+      <a:effectRef idx="0">
+        <a:scrgbClr r="0" g="0" b="0"/>
+      </a:effectRef>
+      <a:fontRef idx="minor"/>
+    </dgm:style>
+  </dgm:styleLbl>
+  <dgm:styleLbl name="fgAcc3">
+    <dgm:scene3d>
+      <a:camera prst="orthographicFront"/>
+      <a:lightRig rig="threePt" dir="t"/>
+    </dgm:scene3d>
+    <dgm:sp3d/>
+    <dgm:txPr/>
+    <dgm:style>
+      <a:lnRef idx="2">
+        <a:scrgbClr r="0" g="0" b="0"/>
+      </a:lnRef>
+      <a:fillRef idx="1">
+        <a:scrgbClr r="0" g="0" b="0"/>
+      </a:fillRef>
+      <a:effectRef idx="0">
+        <a:scrgbClr r="0" g="0" b="0"/>
+      </a:effectRef>
+      <a:fontRef idx="minor"/>
+    </dgm:style>
+  </dgm:styleLbl>
+  <dgm:styleLbl name="fgAcc4">
+    <dgm:scene3d>
+      <a:camera prst="orthographicFront"/>
+      <a:lightRig rig="threePt" dir="t"/>
+    </dgm:scene3d>
+    <dgm:sp3d/>
+    <dgm:txPr/>
+    <dgm:style>
+      <a:lnRef idx="2">
+        <a:scrgbClr r="0" g="0" b="0"/>
+      </a:lnRef>
+      <a:fillRef idx="1">
+        <a:scrgbClr r="0" g="0" b="0"/>
+      </a:fillRef>
+      <a:effectRef idx="0">
+        <a:scrgbClr r="0" g="0" b="0"/>
+      </a:effectRef>
+      <a:fontRef idx="minor"/>
+    </dgm:style>
+  </dgm:styleLbl>
+  <dgm:styleLbl name="bgShp">
+    <dgm:scene3d>
+      <a:camera prst="orthographicFront"/>
+      <a:lightRig rig="threePt" dir="t"/>
+    </dgm:scene3d>
+    <dgm:sp3d/>
+    <dgm:txPr/>
+    <dgm:style>
+      <a:lnRef idx="0">
+        <a:scrgbClr r="0" g="0" b="0"/>
+      </a:lnRef>
+      <a:fillRef idx="1">
+        <a:scrgbClr r="0" g="0" b="0"/>
+      </a:fillRef>
+      <a:effectRef idx="0">
+        <a:scrgbClr r="0" g="0" b="0"/>
+      </a:effectRef>
+      <a:fontRef idx="minor"/>
+    </dgm:style>
+  </dgm:styleLbl>
+  <dgm:styleLbl name="dkBgShp">
+    <dgm:scene3d>
+      <a:camera prst="orthographicFront"/>
+      <a:lightRig rig="threePt" dir="t"/>
+    </dgm:scene3d>
+    <dgm:sp3d/>
+    <dgm:txPr/>
+    <dgm:style>
+      <a:lnRef idx="0">
+        <a:scrgbClr r="0" g="0" b="0"/>
+      </a:lnRef>
+      <a:fillRef idx="1">
+        <a:scrgbClr r="0" g="0" b="0"/>
+      </a:fillRef>
+      <a:effectRef idx="0">
+        <a:scrgbClr r="0" g="0" b="0"/>
+      </a:effectRef>
+      <a:fontRef idx="minor"/>
+    </dgm:style>
+  </dgm:styleLbl>
+  <dgm:styleLbl name="trBgShp">
+    <dgm:scene3d>
+      <a:camera prst="orthographicFront"/>
+      <a:lightRig rig="threePt" dir="t"/>
+    </dgm:scene3d>
+    <dgm:sp3d/>
+    <dgm:txPr/>
+    <dgm:style>
+      <a:lnRef idx="0">
+        <a:scrgbClr r="0" g="0" b="0"/>
+      </a:lnRef>
+      <a:fillRef idx="1">
+        <a:scrgbClr r="0" g="0" b="0"/>
+      </a:fillRef>
+      <a:effectRef idx="0">
+        <a:scrgbClr r="0" g="0" b="0"/>
+      </a:effectRef>
+      <a:fontRef idx="minor"/>
+    </dgm:style>
+  </dgm:styleLbl>
+  <dgm:styleLbl name="fgShp">
+    <dgm:scene3d>
+      <a:camera prst="orthographicFront"/>
+      <a:lightRig rig="threePt" dir="t"/>
+    </dgm:scene3d>
+    <dgm:sp3d/>
+    <dgm:txPr/>
+    <dgm:style>
+      <a:lnRef idx="2">
+        <a:scrgbClr r="0" g="0" b="0"/>
+      </a:lnRef>
+      <a:fillRef idx="1">
+        <a:scrgbClr r="0" g="0" b="0"/>
+      </a:fillRef>
+      <a:effectRef idx="0">
+        <a:scrgbClr r="0" g="0" b="0"/>
+      </a:effectRef>
+      <a:fontRef idx="minor"/>
+    </dgm:style>
+  </dgm:styleLbl>
+  <dgm:styleLbl name="revTx">
+    <dgm:scene3d>
+      <a:camera prst="orthographicFront"/>
+      <a:lightRig rig="threePt" dir="t"/>
+    </dgm:scene3d>
+    <dgm:sp3d/>
+    <dgm:txPr/>
+    <dgm:style>
+      <a:lnRef idx="0">
+        <a:scrgbClr r="0" g="0" b="0"/>
+      </a:lnRef>
+      <a:fillRef idx="0">
+        <a:scrgbClr r="0" g="0" b="0"/>
+      </a:fillRef>
+      <a:effectRef idx="0">
+        <a:scrgbClr r="0" g="0" b="0"/>
+      </a:effectRef>
+      <a:fontRef idx="minor"/>
+    </dgm:style>
+  </dgm:styleLbl>
+</dgm:styleDef>
+</file>
+
 <file path=ppt/diagrams/quickStyle2.xml><?xml version="1.0" encoding="utf-8"?>
 <dgm:styleDef xmlns:dgm="http://schemas.openxmlformats.org/drawingml/2006/diagram" xmlns:a="http://schemas.openxmlformats.org/drawingml/2006/main" uniqueId="urn:microsoft.com/office/officeart/2005/8/quickstyle/simple1">
   <dgm:title val=""/>
@@ -37109,7 +42689,7 @@
           <a:p>
             <a:fld id="{C0F340BC-220D-458C-8A54-D798291E717C}" type="datetimeFigureOut">
               <a:rPr lang="zh-CN" altLang="en-US" smtClean="0"/>
-              <a:t>2019/10/21</a:t>
+              <a:t>2019/10/22</a:t>
             </a:fld>
             <a:endParaRPr lang="zh-CN" altLang="en-US"/>
           </a:p>
@@ -37360,7 +42940,7 @@
           <a:p>
             <a:fld id="{C0F340BC-220D-458C-8A54-D798291E717C}" type="datetimeFigureOut">
               <a:rPr lang="zh-CN" altLang="en-US" smtClean="0"/>
-              <a:t>2019/10/21</a:t>
+              <a:t>2019/10/22</a:t>
             </a:fld>
             <a:endParaRPr lang="zh-CN" altLang="en-US"/>
           </a:p>
@@ -37674,7 +43254,7 @@
           <a:p>
             <a:fld id="{C0F340BC-220D-458C-8A54-D798291E717C}" type="datetimeFigureOut">
               <a:rPr lang="zh-CN" altLang="en-US" smtClean="0"/>
-              <a:t>2019/10/21</a:t>
+              <a:t>2019/10/22</a:t>
             </a:fld>
             <a:endParaRPr lang="zh-CN" altLang="en-US"/>
           </a:p>
@@ -38015,7 +43595,7 @@
           <a:p>
             <a:fld id="{C0F340BC-220D-458C-8A54-D798291E717C}" type="datetimeFigureOut">
               <a:rPr lang="zh-CN" altLang="en-US" smtClean="0"/>
-              <a:t>2019/10/21</a:t>
+              <a:t>2019/10/22</a:t>
             </a:fld>
             <a:endParaRPr lang="zh-CN" altLang="en-US"/>
           </a:p>
@@ -38329,7 +43909,7 @@
           <a:p>
             <a:fld id="{C0F340BC-220D-458C-8A54-D798291E717C}" type="datetimeFigureOut">
               <a:rPr lang="zh-CN" altLang="en-US" smtClean="0"/>
-              <a:t>2019/10/21</a:t>
+              <a:t>2019/10/22</a:t>
             </a:fld>
             <a:endParaRPr lang="zh-CN" altLang="en-US"/>
           </a:p>
@@ -38722,7 +44302,7 @@
           <a:p>
             <a:fld id="{C0F340BC-220D-458C-8A54-D798291E717C}" type="datetimeFigureOut">
               <a:rPr lang="zh-CN" altLang="en-US" smtClean="0"/>
-              <a:t>2019/10/21</a:t>
+              <a:t>2019/10/22</a:t>
             </a:fld>
             <a:endParaRPr lang="zh-CN" altLang="en-US"/>
           </a:p>
@@ -38892,7 +44472,7 @@
           <a:p>
             <a:fld id="{C0F340BC-220D-458C-8A54-D798291E717C}" type="datetimeFigureOut">
               <a:rPr lang="zh-CN" altLang="en-US" smtClean="0"/>
-              <a:t>2019/10/21</a:t>
+              <a:t>2019/10/22</a:t>
             </a:fld>
             <a:endParaRPr lang="zh-CN" altLang="en-US"/>
           </a:p>
@@ -39072,7 +44652,7 @@
           <a:p>
             <a:fld id="{C0F340BC-220D-458C-8A54-D798291E717C}" type="datetimeFigureOut">
               <a:rPr lang="zh-CN" altLang="en-US" smtClean="0"/>
-              <a:t>2019/10/21</a:t>
+              <a:t>2019/10/22</a:t>
             </a:fld>
             <a:endParaRPr lang="zh-CN" altLang="en-US"/>
           </a:p>
@@ -39248,7 +44828,7 @@
           <a:p>
             <a:fld id="{C0F340BC-220D-458C-8A54-D798291E717C}" type="datetimeFigureOut">
               <a:rPr lang="zh-CN" altLang="en-US" smtClean="0"/>
-              <a:t>2019/10/21</a:t>
+              <a:t>2019/10/22</a:t>
             </a:fld>
             <a:endParaRPr lang="zh-CN" altLang="en-US"/>
           </a:p>
@@ -39495,7 +45075,7 @@
           <a:p>
             <a:fld id="{C0F340BC-220D-458C-8A54-D798291E717C}" type="datetimeFigureOut">
               <a:rPr lang="zh-CN" altLang="en-US" smtClean="0"/>
-              <a:t>2019/10/21</a:t>
+              <a:t>2019/10/22</a:t>
             </a:fld>
             <a:endParaRPr lang="zh-CN" altLang="en-US"/>
           </a:p>
@@ -39727,7 +45307,7 @@
           <a:p>
             <a:fld id="{C0F340BC-220D-458C-8A54-D798291E717C}" type="datetimeFigureOut">
               <a:rPr lang="zh-CN" altLang="en-US" smtClean="0"/>
-              <a:t>2019/10/21</a:t>
+              <a:t>2019/10/22</a:t>
             </a:fld>
             <a:endParaRPr lang="zh-CN" altLang="en-US"/>
           </a:p>
@@ -40101,7 +45681,7 @@
           <a:p>
             <a:fld id="{C0F340BC-220D-458C-8A54-D798291E717C}" type="datetimeFigureOut">
               <a:rPr lang="zh-CN" altLang="en-US" smtClean="0"/>
-              <a:t>2019/10/21</a:t>
+              <a:t>2019/10/22</a:t>
             </a:fld>
             <a:endParaRPr lang="zh-CN" altLang="en-US"/>
           </a:p>
@@ -40224,7 +45804,7 @@
           <a:p>
             <a:fld id="{C0F340BC-220D-458C-8A54-D798291E717C}" type="datetimeFigureOut">
               <a:rPr lang="zh-CN" altLang="en-US" smtClean="0"/>
-              <a:t>2019/10/21</a:t>
+              <a:t>2019/10/22</a:t>
             </a:fld>
             <a:endParaRPr lang="zh-CN" altLang="en-US"/>
           </a:p>
@@ -40319,7 +45899,7 @@
           <a:p>
             <a:fld id="{C0F340BC-220D-458C-8A54-D798291E717C}" type="datetimeFigureOut">
               <a:rPr lang="zh-CN" altLang="en-US" smtClean="0"/>
-              <a:t>2019/10/21</a:t>
+              <a:t>2019/10/22</a:t>
             </a:fld>
             <a:endParaRPr lang="zh-CN" altLang="en-US"/>
           </a:p>
@@ -40574,7 +46154,7 @@
           <a:p>
             <a:fld id="{C0F340BC-220D-458C-8A54-D798291E717C}" type="datetimeFigureOut">
               <a:rPr lang="zh-CN" altLang="en-US" smtClean="0"/>
-              <a:t>2019/10/21</a:t>
+              <a:t>2019/10/22</a:t>
             </a:fld>
             <a:endParaRPr lang="zh-CN" altLang="en-US"/>
           </a:p>
@@ -40837,7 +46417,7 @@
           <a:p>
             <a:fld id="{C0F340BC-220D-458C-8A54-D798291E717C}" type="datetimeFigureOut">
               <a:rPr lang="zh-CN" altLang="en-US" smtClean="0"/>
-              <a:t>2019/10/21</a:t>
+              <a:t>2019/10/22</a:t>
             </a:fld>
             <a:endParaRPr lang="zh-CN" altLang="en-US"/>
           </a:p>
@@ -41580,7 +47160,7 @@
           <a:p>
             <a:fld id="{C0F340BC-220D-458C-8A54-D798291E717C}" type="datetimeFigureOut">
               <a:rPr lang="zh-CN" altLang="en-US" smtClean="0"/>
-              <a:t>2019/10/21</a:t>
+              <a:t>2019/10/22</a:t>
             </a:fld>
             <a:endParaRPr lang="zh-CN" altLang="en-US"/>
           </a:p>
@@ -43533,8 +49113,8 @@
           </a:p>
         </p:txBody>
       </p:sp>
-      <mc:AlternateContent xmlns:mc="http://schemas.openxmlformats.org/markup-compatibility/2006">
-        <mc:Choice xmlns:a14="http://schemas.microsoft.com/office/drawing/2010/main" Requires="a14">
+      <mc:AlternateContent xmlns:mc="http://schemas.openxmlformats.org/markup-compatibility/2006" xmlns:a14="http://schemas.microsoft.com/office/drawing/2010/main">
+        <mc:Choice Requires="a14">
           <p:sp>
             <p:nvSpPr>
               <p:cNvPr id="3" name="内容占位符 2"/>
@@ -44077,7 +49657,7 @@
             </p:txBody>
           </p:sp>
         </mc:Choice>
-        <mc:Fallback>
+        <mc:Fallback xmlns="">
           <p:sp>
             <p:nvSpPr>
               <p:cNvPr id="3" name="内容占位符 2"/>
@@ -44186,8 +49766,8 @@
           </a:p>
         </p:txBody>
       </p:sp>
-      <mc:AlternateContent xmlns:mc="http://schemas.openxmlformats.org/markup-compatibility/2006">
-        <mc:Choice xmlns:a14="http://schemas.microsoft.com/office/drawing/2010/main" Requires="a14">
+      <mc:AlternateContent xmlns:mc="http://schemas.openxmlformats.org/markup-compatibility/2006" xmlns:a14="http://schemas.microsoft.com/office/drawing/2010/main">
+        <mc:Choice Requires="a14">
           <p:sp>
             <p:nvSpPr>
               <p:cNvPr id="3" name="内容占位符 2"/>
@@ -45079,7 +50659,7 @@
             </p:txBody>
           </p:sp>
         </mc:Choice>
-        <mc:Fallback>
+        <mc:Fallback xmlns="">
           <p:sp>
             <p:nvSpPr>
               <p:cNvPr id="3" name="内容占位符 2"/>
@@ -45192,8 +50772,8 @@
           </a:p>
         </p:txBody>
       </p:sp>
-      <mc:AlternateContent xmlns:mc="http://schemas.openxmlformats.org/markup-compatibility/2006">
-        <mc:Choice xmlns:a14="http://schemas.microsoft.com/office/drawing/2010/main" Requires="a14">
+      <mc:AlternateContent xmlns:mc="http://schemas.openxmlformats.org/markup-compatibility/2006" xmlns:a14="http://schemas.microsoft.com/office/drawing/2010/main">
+        <mc:Choice Requires="a14">
           <p:sp>
             <p:nvSpPr>
               <p:cNvPr id="3" name="内容占位符 2"/>
@@ -46576,7 +52156,7 @@
             </p:txBody>
           </p:sp>
         </mc:Choice>
-        <mc:Fallback>
+        <mc:Fallback xmlns="">
           <p:sp>
             <p:nvSpPr>
               <p:cNvPr id="3" name="内容占位符 2"/>
@@ -46676,12 +52256,46 @@
             <p:ph type="title"/>
           </p:nvPr>
         </p:nvSpPr>
-        <p:spPr/>
+        <p:spPr>
+          <a:xfrm>
+            <a:off x="677334" y="609600"/>
+            <a:ext cx="8596668" cy="1010653"/>
+          </a:xfrm>
+        </p:spPr>
         <p:txBody>
-          <a:bodyPr/>
+          <a:bodyPr>
+            <a:normAutofit/>
+          </a:bodyPr>
           <a:lstStyle/>
           <a:p>
-            <a:endParaRPr lang="zh-CN" altLang="en-US"/>
+            <a:r>
+              <a:rPr lang="zh-CN" altLang="en-US" dirty="0" smtClean="0"/>
+              <a:t>软硬</a:t>
+            </a:r>
+            <a:r>
+              <a:rPr lang="zh-CN" altLang="en-US" dirty="0" smtClean="0"/>
+              <a:t>判决具体实现</a:t>
+            </a:r>
+            <a:r>
+              <a:rPr lang="en-US" altLang="zh-CN" dirty="0" smtClean="0"/>
+              <a:t/>
+            </a:r>
+            <a:br>
+              <a:rPr lang="en-US" altLang="zh-CN" dirty="0" smtClean="0"/>
+            </a:br>
+            <a:r>
+              <a:rPr lang="en-US" altLang="zh-CN" sz="2000" dirty="0" err="1" smtClean="0"/>
+              <a:t>hard_judge.m</a:t>
+            </a:r>
+            <a:r>
+              <a:rPr lang="en-US" altLang="zh-CN" sz="2000" dirty="0" smtClean="0"/>
+              <a:t>, </a:t>
+            </a:r>
+            <a:r>
+              <a:rPr lang="en-US" altLang="zh-CN" sz="2000" dirty="0" err="1" smtClean="0"/>
+              <a:t>soft_judge.m</a:t>
+            </a:r>
+            <a:endParaRPr lang="zh-CN" altLang="en-US" sz="2000" dirty="0"/>
           </a:p>
         </p:txBody>
       </p:sp>
@@ -46695,10 +52309,264 @@
             <p:ph idx="1"/>
           </p:nvPr>
         </p:nvSpPr>
-        <p:spPr/>
+        <p:spPr>
+          <a:xfrm>
+            <a:off x="677334" y="1737677"/>
+            <a:ext cx="8596668" cy="4955223"/>
+          </a:xfrm>
+        </p:spPr>
         <p:txBody>
-          <a:bodyPr/>
+          <a:bodyPr>
+            <a:normAutofit/>
+          </a:bodyPr>
           <a:lstStyle/>
+          <a:p>
+            <a:r>
+              <a:rPr lang="zh-CN" altLang="en-US" dirty="0" smtClean="0"/>
+              <a:t>硬判决相对简单，只需要先对输入复电平求辐角，然后利用</a:t>
+            </a:r>
+            <a:r>
+              <a:rPr lang="en-US" altLang="zh-CN" dirty="0" smtClean="0"/>
+              <a:t>round</a:t>
+            </a:r>
+            <a:r>
+              <a:rPr lang="zh-CN" altLang="en-US" dirty="0" smtClean="0"/>
+              <a:t>函数取整与</a:t>
+            </a:r>
+            <a:r>
+              <a:rPr lang="en-US" altLang="zh-CN" dirty="0" smtClean="0"/>
+              <a:t>mod</a:t>
+            </a:r>
+            <a:r>
+              <a:rPr lang="zh-CN" altLang="en-US" dirty="0" smtClean="0"/>
+              <a:t>求模即可自然获得其状态，然后利用事先定义好的矩阵访问下标即可获得对应的</a:t>
+            </a:r>
+            <a:r>
+              <a:rPr lang="en-US" altLang="zh-CN" dirty="0" smtClean="0"/>
+              <a:t>bit</a:t>
+            </a:r>
+            <a:r>
+              <a:rPr lang="zh-CN" altLang="en-US" dirty="0" smtClean="0"/>
+              <a:t>；</a:t>
+            </a:r>
+            <a:endParaRPr lang="en-US" altLang="zh-CN" dirty="0" smtClean="0"/>
+          </a:p>
+          <a:p>
+            <a:r>
+              <a:rPr lang="zh-CN" altLang="en-US" dirty="0" smtClean="0"/>
+              <a:t>而且这一过程可以使用矩阵运算进行，提高处理速度；</a:t>
+            </a:r>
+            <a:endParaRPr lang="en-US" altLang="zh-CN" dirty="0" smtClean="0"/>
+          </a:p>
+          <a:p>
+            <a:r>
+              <a:rPr lang="zh-CN" altLang="en-US" dirty="0" smtClean="0"/>
+              <a:t>最后将所得矩阵进行</a:t>
+            </a:r>
+            <a:r>
+              <a:rPr lang="en-US" altLang="zh-CN" dirty="0" smtClean="0"/>
+              <a:t>reshape</a:t>
+            </a:r>
+            <a:r>
+              <a:rPr lang="zh-CN" altLang="en-US" dirty="0" smtClean="0"/>
+              <a:t>操作，将其按照编码效率</a:t>
+            </a:r>
+            <a:r>
+              <a:rPr lang="en-US" altLang="zh-CN" dirty="0" smtClean="0"/>
+              <a:t>eff</a:t>
+            </a:r>
+            <a:r>
+              <a:rPr lang="zh-CN" altLang="en-US" dirty="0" smtClean="0"/>
+              <a:t>分为</a:t>
+            </a:r>
+            <a:r>
+              <a:rPr lang="en-US" altLang="zh-CN" dirty="0" smtClean="0"/>
+              <a:t>eff*n</a:t>
+            </a:r>
+            <a:r>
+              <a:rPr lang="zh-CN" altLang="en-US" dirty="0" smtClean="0"/>
+              <a:t>大小，方便后续处理；</a:t>
+            </a:r>
+            <a:endParaRPr lang="en-US" altLang="zh-CN" dirty="0" smtClean="0"/>
+          </a:p>
+          <a:p>
+            <a:endParaRPr lang="en-US" altLang="zh-CN" dirty="0"/>
+          </a:p>
+          <a:p>
+            <a:r>
+              <a:rPr lang="zh-CN" altLang="en-US" dirty="0" smtClean="0"/>
+              <a:t>软判决则需要利用前面提到过的</a:t>
+            </a:r>
+            <a:r>
+              <a:rPr lang="en-US" altLang="zh-CN" dirty="0" err="1" smtClean="0"/>
+              <a:t>calculateProbability</a:t>
+            </a:r>
+            <a:r>
+              <a:rPr lang="zh-CN" altLang="en-US" dirty="0" smtClean="0"/>
+              <a:t>函数；</a:t>
+            </a:r>
+            <a:endParaRPr lang="en-US" altLang="zh-CN" dirty="0" smtClean="0"/>
+          </a:p>
+          <a:p>
+            <a:r>
+              <a:rPr lang="zh-CN" altLang="en-US" dirty="0" smtClean="0"/>
+              <a:t>然后按照</a:t>
+            </a:r>
+            <a:r>
+              <a:rPr lang="en-US" altLang="zh-CN" dirty="0" smtClean="0"/>
+              <a:t>±1</a:t>
+            </a:r>
+            <a:r>
+              <a:rPr lang="zh-CN" altLang="en-US" dirty="0" smtClean="0"/>
+              <a:t>进行概率加权，得到每一</a:t>
+            </a:r>
+            <a:r>
+              <a:rPr lang="en-US" altLang="zh-CN" dirty="0" smtClean="0"/>
+              <a:t>bit</a:t>
+            </a:r>
+            <a:r>
+              <a:rPr lang="zh-CN" altLang="en-US" dirty="0" smtClean="0"/>
+              <a:t>的取值概率，具体做法就是例如：</a:t>
+            </a:r>
+            <a:endParaRPr lang="en-US" altLang="zh-CN" dirty="0" smtClean="0"/>
+          </a:p>
+          <a:p>
+            <a:pPr marL="0" indent="0">
+              <a:buNone/>
+            </a:pPr>
+            <a:r>
+              <a:rPr lang="en-US" altLang="zh-CN" dirty="0"/>
+              <a:t>	</a:t>
+            </a:r>
+            <a:r>
+              <a:rPr lang="en-US" altLang="zh-CN" dirty="0" err="1" smtClean="0"/>
+              <a:t>bitProb</a:t>
+            </a:r>
+            <a:r>
+              <a:rPr lang="en-US" altLang="zh-CN" dirty="0" smtClean="0"/>
+              <a:t>(1</a:t>
+            </a:r>
+            <a:r>
+              <a:rPr lang="en-US" altLang="zh-CN" dirty="0"/>
+              <a:t>, : ) = (</a:t>
+            </a:r>
+            <a:r>
+              <a:rPr lang="en-US" altLang="zh-CN" dirty="0" err="1"/>
+              <a:t>prob</a:t>
+            </a:r>
+            <a:r>
+              <a:rPr lang="en-US" altLang="zh-CN" dirty="0"/>
+              <a:t> * G1</a:t>
+            </a:r>
+            <a:r>
+              <a:rPr lang="en-US" altLang="zh-CN" dirty="0" smtClean="0"/>
+              <a:t>.‘).’ </a:t>
+            </a:r>
+            <a:r>
+              <a:rPr lang="en-US" altLang="zh-CN" dirty="0"/>
+              <a:t>- (</a:t>
+            </a:r>
+            <a:r>
+              <a:rPr lang="en-US" altLang="zh-CN" dirty="0" err="1"/>
+              <a:t>prob</a:t>
+            </a:r>
+            <a:r>
+              <a:rPr lang="en-US" altLang="zh-CN" dirty="0"/>
+              <a:t> * ~G1</a:t>
+            </a:r>
+            <a:r>
+              <a:rPr lang="en-US" altLang="zh-CN" dirty="0" smtClean="0"/>
+              <a:t>.‘).’;</a:t>
+            </a:r>
+          </a:p>
+          <a:p>
+            <a:pPr marL="0" indent="0">
+              <a:buNone/>
+            </a:pPr>
+            <a:r>
+              <a:rPr lang="en-US" altLang="zh-CN" dirty="0"/>
+              <a:t>	</a:t>
+            </a:r>
+            <a:r>
+              <a:rPr lang="zh-CN" altLang="en-US" dirty="0" smtClean="0"/>
+              <a:t>其中的</a:t>
+            </a:r>
+            <a:r>
+              <a:rPr lang="en-US" altLang="zh-CN" dirty="0" smtClean="0"/>
+              <a:t>G1</a:t>
+            </a:r>
+            <a:r>
+              <a:rPr lang="zh-CN" altLang="en-US" dirty="0" smtClean="0"/>
+              <a:t>和</a:t>
+            </a:r>
+            <a:r>
+              <a:rPr lang="en-US" altLang="zh-CN" dirty="0" smtClean="0"/>
+              <a:t>-~G1</a:t>
+            </a:r>
+            <a:r>
+              <a:rPr lang="zh-CN" altLang="en-US" dirty="0" smtClean="0"/>
+              <a:t>即为</a:t>
+            </a:r>
+            <a:r>
+              <a:rPr lang="en-US" altLang="zh-CN" dirty="0" smtClean="0"/>
+              <a:t>±1</a:t>
+            </a:r>
+            <a:r>
+              <a:rPr lang="zh-CN" altLang="en-US" dirty="0" smtClean="0"/>
+              <a:t>加权，注意使用</a:t>
+            </a:r>
+            <a:r>
+              <a:rPr lang="en-US" altLang="zh-CN" dirty="0" smtClean="0"/>
+              <a:t>.’</a:t>
+            </a:r>
+            <a:r>
+              <a:rPr lang="zh-CN" altLang="en-US" dirty="0" smtClean="0"/>
+              <a:t>转置而非共轭转置；</a:t>
+            </a:r>
+            <a:endParaRPr lang="en-US" altLang="zh-CN" dirty="0" smtClean="0"/>
+          </a:p>
+          <a:p>
+            <a:r>
+              <a:rPr lang="zh-CN" altLang="en-US" dirty="0" smtClean="0"/>
+              <a:t>最后同样将</a:t>
+            </a:r>
+            <a:r>
+              <a:rPr lang="zh-CN" altLang="en-US" dirty="0"/>
+              <a:t>所得矩阵进行</a:t>
+            </a:r>
+            <a:r>
+              <a:rPr lang="en-US" altLang="zh-CN" dirty="0"/>
+              <a:t>reshape</a:t>
+            </a:r>
+            <a:r>
+              <a:rPr lang="zh-CN" altLang="en-US" dirty="0"/>
+              <a:t>操作，将其按照编码效率</a:t>
+            </a:r>
+            <a:r>
+              <a:rPr lang="en-US" altLang="zh-CN" dirty="0"/>
+              <a:t>eff</a:t>
+            </a:r>
+            <a:r>
+              <a:rPr lang="zh-CN" altLang="en-US" dirty="0"/>
+              <a:t>分为</a:t>
+            </a:r>
+            <a:r>
+              <a:rPr lang="en-US" altLang="zh-CN" dirty="0"/>
+              <a:t>eff*n</a:t>
+            </a:r>
+            <a:r>
+              <a:rPr lang="zh-CN" altLang="en-US" dirty="0"/>
+              <a:t>大小，方便后续</a:t>
+            </a:r>
+            <a:r>
+              <a:rPr lang="zh-CN" altLang="en-US" dirty="0" smtClean="0"/>
+              <a:t>处理；</a:t>
+            </a:r>
+            <a:endParaRPr lang="en-US" altLang="zh-CN" dirty="0"/>
+          </a:p>
+          <a:p>
+            <a:endParaRPr lang="en-US" altLang="zh-CN" dirty="0" smtClean="0"/>
+          </a:p>
           <a:p>
             <a:endParaRPr lang="zh-CN" altLang="en-US" dirty="0"/>
           </a:p>
@@ -46709,11 +52577,7 @@
           <p:cNvPr id="5" name="图示 4"/>
           <p:cNvGraphicFramePr/>
           <p:nvPr>
-            <p:extLst>
-              <p:ext uri="{D42A27DB-BD31-4B8C-83A1-F6EECF244321}">
-                <p14:modId xmlns:p14="http://schemas.microsoft.com/office/powerpoint/2010/main" val="1329165513"/>
-              </p:ext>
-            </p:extLst>
+            <p:extLst/>
           </p:nvPr>
         </p:nvGraphicFramePr>
         <p:xfrm>
@@ -46729,7 +52593,7 @@
     </p:spTree>
     <p:extLst>
       <p:ext uri="{BB962C8B-B14F-4D97-AF65-F5344CB8AC3E}">
-        <p14:creationId xmlns:p14="http://schemas.microsoft.com/office/powerpoint/2010/main" val="1032209759"/>
+        <p14:creationId xmlns:p14="http://schemas.microsoft.com/office/powerpoint/2010/main" val="610539140"/>
       </p:ext>
     </p:extLst>
   </p:cSld>
@@ -46758,29 +52622,6 @@
       </p:grpSpPr>
       <p:sp>
         <p:nvSpPr>
-          <p:cNvPr id="2" name="标题 1"/>
-          <p:cNvSpPr>
-            <a:spLocks noGrp="1"/>
-          </p:cNvSpPr>
-          <p:nvPr>
-            <p:ph type="title"/>
-          </p:nvPr>
-        </p:nvSpPr>
-        <p:spPr/>
-        <p:txBody>
-          <a:bodyPr/>
-          <a:lstStyle/>
-          <a:p>
-            <a:r>
-              <a:rPr lang="zh-CN" altLang="en-US" dirty="0" smtClean="0"/>
-              <a:t>分析和结果</a:t>
-            </a:r>
-            <a:endParaRPr lang="zh-CN" altLang="en-US" dirty="0"/>
-          </a:p>
-        </p:txBody>
-      </p:sp>
-      <p:sp>
-        <p:nvSpPr>
           <p:cNvPr id="3" name="内容占位符 2"/>
           <p:cNvSpPr>
             <a:spLocks noGrp="1"/>
@@ -46789,19 +52630,414 @@
             <p:ph idx="1"/>
           </p:nvPr>
         </p:nvSpPr>
-        <p:spPr/>
+        <p:spPr>
+          <a:xfrm>
+            <a:off x="677334" y="1737677"/>
+            <a:ext cx="8596668" cy="4560359"/>
+          </a:xfrm>
+        </p:spPr>
         <p:txBody>
           <a:bodyPr/>
           <a:lstStyle/>
           <a:p>
-            <a:endParaRPr lang="zh-CN" altLang="en-US"/>
+            <a:r>
+              <a:rPr lang="zh-CN" altLang="en-US" dirty="0" smtClean="0"/>
+              <a:t>先利用遍历的方式求得所有状态的转移输出，利用</a:t>
+            </a:r>
+            <a:r>
+              <a:rPr lang="en-US" altLang="zh-CN" dirty="0" err="1" smtClean="0"/>
+              <a:t>num</a:t>
+            </a:r>
+            <a:r>
+              <a:rPr lang="en-US" altLang="zh-CN" dirty="0" smtClean="0"/>
+              <a:t>*2</a:t>
+            </a:r>
+            <a:r>
+              <a:rPr lang="zh-CN" altLang="en-US" dirty="0" smtClean="0"/>
+              <a:t>的</a:t>
+            </a:r>
+            <a:r>
+              <a:rPr lang="en-US" altLang="zh-CN" dirty="0" smtClean="0"/>
+              <a:t>cell</a:t>
+            </a:r>
+            <a:r>
+              <a:rPr lang="zh-CN" altLang="en-US" dirty="0" smtClean="0"/>
+              <a:t>类型数组存储；</a:t>
+            </a:r>
+            <a:endParaRPr lang="en-US" altLang="zh-CN" dirty="0" smtClean="0"/>
+          </a:p>
+          <a:p>
+            <a:r>
+              <a:rPr lang="zh-CN" altLang="en-US" dirty="0" smtClean="0"/>
+              <a:t>随后初始化距离以及路径矩阵，长度为</a:t>
+            </a:r>
+            <a:r>
+              <a:rPr lang="en-US" altLang="zh-CN" dirty="0" err="1" smtClean="0"/>
+              <a:t>num</a:t>
+            </a:r>
+            <a:r>
+              <a:rPr lang="en-US" altLang="zh-CN" dirty="0" smtClean="0"/>
+              <a:t>*(len+1)</a:t>
+            </a:r>
+            <a:r>
+              <a:rPr lang="zh-CN" altLang="en-US" dirty="0" smtClean="0"/>
+              <a:t>，并将其中距离矩阵除</a:t>
+            </a:r>
+            <a:r>
+              <a:rPr lang="en-US" altLang="zh-CN" dirty="0" smtClean="0"/>
+              <a:t>(1,1)</a:t>
+            </a:r>
+            <a:r>
+              <a:rPr lang="zh-CN" altLang="en-US" dirty="0" smtClean="0"/>
+              <a:t>均设置为</a:t>
+            </a:r>
+            <a:r>
+              <a:rPr lang="en-US" altLang="zh-CN" dirty="0" err="1" smtClean="0"/>
+              <a:t>Inf</a:t>
+            </a:r>
+            <a:r>
+              <a:rPr lang="zh-CN" altLang="en-US" dirty="0" smtClean="0"/>
+              <a:t>，然后开始动规部分；</a:t>
+            </a:r>
+            <a:endParaRPr lang="en-US" altLang="zh-CN" dirty="0" smtClean="0"/>
+          </a:p>
+          <a:p>
+            <a:r>
+              <a:rPr lang="zh-CN" altLang="en-US" dirty="0" smtClean="0"/>
+              <a:t>硬判决：如果位于打孔位置，则将其距离视为</a:t>
+            </a:r>
+            <a:r>
+              <a:rPr lang="en-US" altLang="zh-CN" dirty="0" smtClean="0"/>
+              <a:t>0</a:t>
+            </a:r>
+            <a:r>
+              <a:rPr lang="zh-CN" altLang="en-US" dirty="0" smtClean="0"/>
+              <a:t>，否则按照</a:t>
+            </a:r>
+            <a:r>
+              <a:rPr lang="en-US" altLang="zh-CN" dirty="0" smtClean="0"/>
+              <a:t>trans</a:t>
+            </a:r>
+            <a:r>
+              <a:rPr lang="zh-CN" altLang="en-US" dirty="0" smtClean="0"/>
+              <a:t>矩阵中与实际判决的</a:t>
+            </a:r>
+            <a:r>
+              <a:rPr lang="en-US" altLang="zh-CN" dirty="0" smtClean="0"/>
+              <a:t>hamming</a:t>
+            </a:r>
+            <a:r>
+              <a:rPr lang="zh-CN" altLang="en-US" dirty="0" smtClean="0"/>
+              <a:t>距离进行判定，距离小于现有值时更新最小距离</a:t>
+            </a:r>
+            <a:r>
+              <a:rPr lang="en-US" altLang="zh-CN" dirty="0" smtClean="0"/>
+              <a:t>dis</a:t>
+            </a:r>
+            <a:r>
+              <a:rPr lang="zh-CN" altLang="en-US" dirty="0" smtClean="0"/>
+              <a:t>矩阵并修改路径记录</a:t>
+            </a:r>
+            <a:r>
+              <a:rPr lang="en-US" altLang="zh-CN" dirty="0" err="1" smtClean="0"/>
+              <a:t>pos</a:t>
+            </a:r>
+            <a:r>
+              <a:rPr lang="zh-CN" altLang="en-US" dirty="0" smtClean="0"/>
+              <a:t>矩阵；</a:t>
+            </a:r>
+            <a:endParaRPr lang="en-US" altLang="zh-CN" dirty="0" smtClean="0"/>
+          </a:p>
+          <a:p>
+            <a:r>
+              <a:rPr lang="zh-CN" altLang="en-US" dirty="0" smtClean="0"/>
+              <a:t>软判决</a:t>
+            </a:r>
+            <a:r>
+              <a:rPr lang="zh-CN" altLang="en-US" dirty="0"/>
+              <a:t>：如果位于打孔位置，则将其距离视为</a:t>
+            </a:r>
+            <a:r>
+              <a:rPr lang="en-US" altLang="zh-CN" dirty="0"/>
+              <a:t>0</a:t>
+            </a:r>
+            <a:r>
+              <a:rPr lang="zh-CN" altLang="en-US" dirty="0"/>
+              <a:t>，否则按照</a:t>
+            </a:r>
+            <a:r>
+              <a:rPr lang="en-US" altLang="zh-CN" dirty="0"/>
+              <a:t>trans</a:t>
+            </a:r>
+            <a:r>
+              <a:rPr lang="zh-CN" altLang="en-US" dirty="0"/>
+              <a:t>矩阵中与实际判决</a:t>
+            </a:r>
+            <a:r>
+              <a:rPr lang="zh-CN" altLang="en-US" dirty="0" smtClean="0"/>
+              <a:t>的匹配概率进行</a:t>
+            </a:r>
+            <a:r>
+              <a:rPr lang="zh-CN" altLang="en-US" dirty="0"/>
+              <a:t>判定</a:t>
+            </a:r>
+            <a:r>
+              <a:rPr lang="zh-CN" altLang="en-US" dirty="0" smtClean="0"/>
+              <a:t>，匹配概率大于现有</a:t>
+            </a:r>
+            <a:r>
+              <a:rPr lang="zh-CN" altLang="en-US" dirty="0"/>
+              <a:t>值时更新最小距离</a:t>
+            </a:r>
+            <a:r>
+              <a:rPr lang="en-US" altLang="zh-CN" dirty="0"/>
+              <a:t>dis</a:t>
+            </a:r>
+            <a:r>
+              <a:rPr lang="zh-CN" altLang="en-US" dirty="0"/>
+              <a:t>矩阵并修改路径记录</a:t>
+            </a:r>
+            <a:r>
+              <a:rPr lang="en-US" altLang="zh-CN" dirty="0" err="1"/>
+              <a:t>pos</a:t>
+            </a:r>
+            <a:r>
+              <a:rPr lang="zh-CN" altLang="en-US" dirty="0"/>
+              <a:t>矩阵</a:t>
+            </a:r>
+            <a:r>
+              <a:rPr lang="zh-CN" altLang="en-US" dirty="0" smtClean="0"/>
+              <a:t>；</a:t>
+            </a:r>
+            <a:endParaRPr lang="en-US" altLang="zh-CN" dirty="0" smtClean="0"/>
+          </a:p>
+          <a:p>
+            <a:r>
+              <a:rPr lang="zh-CN" altLang="en-US" dirty="0" smtClean="0"/>
+              <a:t>结束之后再根据是否有收尾</a:t>
+            </a:r>
+            <a:r>
+              <a:rPr lang="en-US" altLang="zh-CN" dirty="0" smtClean="0"/>
+              <a:t>bit</a:t>
+            </a:r>
+            <a:r>
+              <a:rPr lang="zh-CN" altLang="en-US" dirty="0" smtClean="0"/>
+              <a:t>确定回溯起始点，随后根据路径</a:t>
+            </a:r>
+            <a:r>
+              <a:rPr lang="en-US" altLang="zh-CN" dirty="0" err="1" smtClean="0"/>
+              <a:t>pos</a:t>
+            </a:r>
+            <a:r>
+              <a:rPr lang="zh-CN" altLang="en-US" dirty="0" smtClean="0"/>
+              <a:t>矩阵回溯即可；</a:t>
+            </a:r>
+            <a:endParaRPr lang="en-US" altLang="zh-CN" dirty="0" smtClean="0"/>
+          </a:p>
+          <a:p>
+            <a:r>
+              <a:rPr lang="zh-CN" altLang="en-US" dirty="0" smtClean="0"/>
+              <a:t>在</a:t>
+            </a:r>
+            <a:r>
+              <a:rPr lang="el-GR" altLang="zh-CN" dirty="0" smtClean="0"/>
+              <a:t>Φ</a:t>
+            </a:r>
+            <a:r>
+              <a:rPr lang="en-US" altLang="zh-CN" dirty="0" smtClean="0"/>
+              <a:t>=π/6</a:t>
+            </a:r>
+            <a:r>
+              <a:rPr lang="zh-CN" altLang="en-US" dirty="0" smtClean="0"/>
+              <a:t>，</a:t>
+            </a:r>
+            <a:r>
+              <a:rPr lang="en-US" altLang="zh-CN" dirty="0" smtClean="0"/>
+              <a:t>σ=0.1</a:t>
+            </a:r>
+            <a:r>
+              <a:rPr lang="zh-CN" altLang="en-US" dirty="0" smtClean="0"/>
+              <a:t>时，</a:t>
+            </a:r>
+            <a:r>
+              <a:rPr lang="en-US" altLang="zh-CN" dirty="0" smtClean="0"/>
+              <a:t>dis</a:t>
+            </a:r>
+            <a:r>
+              <a:rPr lang="zh-CN" altLang="en-US" dirty="0" smtClean="0"/>
+              <a:t>矩阵如下图，左硬右软：</a:t>
+            </a:r>
+            <a:endParaRPr lang="en-US" altLang="zh-CN" dirty="0" smtClean="0"/>
+          </a:p>
+          <a:p>
+            <a:r>
+              <a:rPr lang="zh-CN" altLang="en-US" dirty="0" smtClean="0"/>
+              <a:t>可以看到由于误差较小，能做到全部匹配，</a:t>
+            </a:r>
+          </a:p>
+          <a:p>
+            <a:endParaRPr lang="en-US" altLang="zh-CN" dirty="0" smtClean="0"/>
+          </a:p>
+          <a:p>
+            <a:endParaRPr lang="zh-CN" altLang="en-US" dirty="0"/>
+          </a:p>
+        </p:txBody>
+      </p:sp>
+      <p:graphicFrame>
+        <p:nvGraphicFramePr>
+          <p:cNvPr id="5" name="图示 4"/>
+          <p:cNvGraphicFramePr/>
+          <p:nvPr>
+            <p:extLst>
+              <p:ext uri="{D42A27DB-BD31-4B8C-83A1-F6EECF244321}">
+                <p14:modId xmlns:p14="http://schemas.microsoft.com/office/powerpoint/2010/main" val="1329165513"/>
+              </p:ext>
+            </p:extLst>
+          </p:nvPr>
+        </p:nvGraphicFramePr>
+        <p:xfrm>
+          <a:off x="265343" y="66624"/>
+          <a:ext cx="5478509" cy="425552"/>
+        </p:xfrm>
+        <a:graphic>
+          <a:graphicData uri="http://schemas.openxmlformats.org/drawingml/2006/diagram">
+            <dgm:relIds xmlns:dgm="http://schemas.openxmlformats.org/drawingml/2006/diagram" xmlns:r="http://schemas.openxmlformats.org/officeDocument/2006/relationships" r:dm="rId2" r:lo="rId3" r:qs="rId4" r:cs="rId5"/>
+          </a:graphicData>
+        </a:graphic>
+      </p:graphicFrame>
+      <p:sp>
+        <p:nvSpPr>
+          <p:cNvPr id="7" name="标题 1"/>
+          <p:cNvSpPr txBox="1">
+            <a:spLocks/>
+          </p:cNvSpPr>
+          <p:nvPr/>
+        </p:nvSpPr>
+        <p:spPr>
+          <a:xfrm>
+            <a:off x="677334" y="609600"/>
+            <a:ext cx="8596668" cy="1010653"/>
+          </a:xfrm>
+          <a:prstGeom prst="rect">
+            <a:avLst/>
+          </a:prstGeom>
+        </p:spPr>
+        <p:txBody>
+          <a:bodyPr vert="horz" lIns="91440" tIns="45720" rIns="91440" bIns="45720" rtlCol="0" anchor="t">
+            <a:normAutofit/>
+          </a:bodyPr>
+          <a:lstStyle>
+            <a:lvl1pPr algn="l" defTabSz="457200" rtl="0" eaLnBrk="1" latinLnBrk="0" hangingPunct="1">
+              <a:spcBef>
+                <a:spcPct val="0"/>
+              </a:spcBef>
+              <a:buNone/>
+              <a:defRPr sz="3600" kern="1200">
+                <a:solidFill>
+                  <a:schemeClr val="accent1"/>
+                </a:solidFill>
+                <a:latin typeface="+mj-lt"/>
+                <a:ea typeface="+mj-ea"/>
+                <a:cs typeface="+mj-cs"/>
+              </a:defRPr>
+            </a:lvl1pPr>
+            <a:lvl2pPr eaLnBrk="1" hangingPunct="1">
+              <a:defRPr>
+                <a:solidFill>
+                  <a:schemeClr val="tx2"/>
+                </a:solidFill>
+              </a:defRPr>
+            </a:lvl2pPr>
+            <a:lvl3pPr eaLnBrk="1" hangingPunct="1">
+              <a:defRPr>
+                <a:solidFill>
+                  <a:schemeClr val="tx2"/>
+                </a:solidFill>
+              </a:defRPr>
+            </a:lvl3pPr>
+            <a:lvl4pPr eaLnBrk="1" hangingPunct="1">
+              <a:defRPr>
+                <a:solidFill>
+                  <a:schemeClr val="tx2"/>
+                </a:solidFill>
+              </a:defRPr>
+            </a:lvl4pPr>
+            <a:lvl5pPr eaLnBrk="1" hangingPunct="1">
+              <a:defRPr>
+                <a:solidFill>
+                  <a:schemeClr val="tx2"/>
+                </a:solidFill>
+              </a:defRPr>
+            </a:lvl5pPr>
+            <a:lvl6pPr eaLnBrk="1" hangingPunct="1">
+              <a:defRPr>
+                <a:solidFill>
+                  <a:schemeClr val="tx2"/>
+                </a:solidFill>
+              </a:defRPr>
+            </a:lvl6pPr>
+            <a:lvl7pPr eaLnBrk="1" hangingPunct="1">
+              <a:defRPr>
+                <a:solidFill>
+                  <a:schemeClr val="tx2"/>
+                </a:solidFill>
+              </a:defRPr>
+            </a:lvl7pPr>
+            <a:lvl8pPr eaLnBrk="1" hangingPunct="1">
+              <a:defRPr>
+                <a:solidFill>
+                  <a:schemeClr val="tx2"/>
+                </a:solidFill>
+              </a:defRPr>
+            </a:lvl8pPr>
+            <a:lvl9pPr eaLnBrk="1" hangingPunct="1">
+              <a:defRPr>
+                <a:solidFill>
+                  <a:schemeClr val="tx2"/>
+                </a:solidFill>
+              </a:defRPr>
+            </a:lvl9pPr>
+          </a:lstStyle>
+          <a:p>
+            <a:r>
+              <a:rPr lang="zh-CN" altLang="en-US" dirty="0" smtClean="0"/>
+              <a:t>软硬判决</a:t>
+            </a:r>
+            <a:r>
+              <a:rPr lang="en-US" altLang="zh-CN" dirty="0" smtClean="0"/>
+              <a:t>Viterbi</a:t>
+            </a:r>
+            <a:r>
+              <a:rPr lang="zh-CN" altLang="en-US" dirty="0" smtClean="0"/>
+              <a:t>模块</a:t>
+            </a:r>
+            <a:r>
+              <a:rPr lang="en-US" altLang="zh-CN" dirty="0" smtClean="0"/>
+              <a:t/>
+            </a:r>
+            <a:br>
+              <a:rPr lang="en-US" altLang="zh-CN" dirty="0" smtClean="0"/>
+            </a:br>
+            <a:r>
+              <a:rPr lang="en-US" altLang="zh-CN" sz="2000" dirty="0" err="1" smtClean="0"/>
+              <a:t>hard_viterbi.m</a:t>
+            </a:r>
+            <a:r>
+              <a:rPr lang="en-US" altLang="zh-CN" sz="2000" dirty="0" smtClean="0"/>
+              <a:t>, </a:t>
+            </a:r>
+            <a:r>
+              <a:rPr lang="en-US" altLang="zh-CN" sz="2000" dirty="0" err="1" smtClean="0"/>
+              <a:t>soft_viterbi.m</a:t>
+            </a:r>
+            <a:endParaRPr lang="zh-CN" altLang="en-US" sz="2000" dirty="0"/>
           </a:p>
         </p:txBody>
       </p:sp>
     </p:spTree>
     <p:extLst>
       <p:ext uri="{BB962C8B-B14F-4D97-AF65-F5344CB8AC3E}">
-        <p14:creationId xmlns:p14="http://schemas.microsoft.com/office/powerpoint/2010/main" val="1481006282"/>
+        <p14:creationId xmlns:p14="http://schemas.microsoft.com/office/powerpoint/2010/main" val="1032209759"/>
       </p:ext>
     </p:extLst>
   </p:cSld>
@@ -46987,6 +53223,3111 @@
     <p:extLst>
       <p:ext uri="{BB962C8B-B14F-4D97-AF65-F5344CB8AC3E}">
         <p14:creationId xmlns:p14="http://schemas.microsoft.com/office/powerpoint/2010/main" val="2334999882"/>
+      </p:ext>
+    </p:extLst>
+  </p:cSld>
+  <p:clrMapOvr>
+    <a:masterClrMapping/>
+  </p:clrMapOvr>
+</p:sld>
+</file>
+
+<file path=ppt/slides/slide20.xml><?xml version="1.0" encoding="utf-8"?>
+<p:sld xmlns:a="http://schemas.openxmlformats.org/drawingml/2006/main" xmlns:r="http://schemas.openxmlformats.org/officeDocument/2006/relationships" xmlns:p="http://schemas.openxmlformats.org/presentationml/2006/main">
+  <p:cSld>
+    <p:spTree>
+      <p:nvGrpSpPr>
+        <p:cNvPr id="1" name=""/>
+        <p:cNvGrpSpPr/>
+        <p:nvPr/>
+      </p:nvGrpSpPr>
+      <p:grpSpPr>
+        <a:xfrm>
+          <a:off x="0" y="0"/>
+          <a:ext cx="0" cy="0"/>
+          <a:chOff x="0" y="0"/>
+          <a:chExt cx="0" cy="0"/>
+        </a:xfrm>
+      </p:grpSpPr>
+      <p:sp>
+        <p:nvSpPr>
+          <p:cNvPr id="3" name="内容占位符 2"/>
+          <p:cNvSpPr>
+            <a:spLocks noGrp="1"/>
+          </p:cNvSpPr>
+          <p:nvPr>
+            <p:ph idx="1"/>
+          </p:nvPr>
+        </p:nvSpPr>
+        <p:spPr>
+          <a:xfrm>
+            <a:off x="677334" y="1737677"/>
+            <a:ext cx="8596668" cy="4758373"/>
+          </a:xfrm>
+        </p:spPr>
+        <p:txBody>
+          <a:bodyPr>
+            <a:normAutofit/>
+          </a:bodyPr>
+          <a:lstStyle/>
+          <a:p>
+            <a:r>
+              <a:rPr lang="zh-CN" altLang="en-US" dirty="0" smtClean="0"/>
+              <a:t>在</a:t>
+            </a:r>
+            <a:r>
+              <a:rPr lang="el-GR" altLang="zh-CN" dirty="0" smtClean="0"/>
+              <a:t>Φ</a:t>
+            </a:r>
+            <a:r>
+              <a:rPr lang="en-US" altLang="zh-CN" dirty="0" smtClean="0"/>
+              <a:t>=π/6</a:t>
+            </a:r>
+            <a:r>
+              <a:rPr lang="zh-CN" altLang="en-US" dirty="0" smtClean="0"/>
+              <a:t>，</a:t>
+            </a:r>
+            <a:r>
+              <a:rPr lang="en-US" altLang="zh-CN" dirty="0" smtClean="0"/>
+              <a:t>σ=0.1</a:t>
+            </a:r>
+            <a:r>
+              <a:rPr lang="zh-CN" altLang="en-US" dirty="0" smtClean="0"/>
+              <a:t>，</a:t>
+            </a:r>
+            <a:r>
+              <a:rPr lang="en-US" altLang="zh-CN" dirty="0" err="1" smtClean="0"/>
+              <a:t>holegap</a:t>
+            </a:r>
+            <a:r>
+              <a:rPr lang="en-US" altLang="zh-CN" dirty="0" smtClean="0"/>
+              <a:t>=4</a:t>
+            </a:r>
+            <a:r>
+              <a:rPr lang="zh-CN" altLang="en-US" dirty="0" smtClean="0"/>
+              <a:t>，</a:t>
+            </a:r>
+            <a:r>
+              <a:rPr lang="en-US" altLang="zh-CN" dirty="0" smtClean="0"/>
+              <a:t>tail=1</a:t>
+            </a:r>
+            <a:r>
+              <a:rPr lang="zh-CN" altLang="en-US" dirty="0" smtClean="0"/>
+              <a:t>，</a:t>
+            </a:r>
+            <a:r>
+              <a:rPr lang="en-US" altLang="zh-CN" dirty="0" err="1" smtClean="0"/>
+              <a:t>datalen</a:t>
+            </a:r>
+            <a:r>
+              <a:rPr lang="en-US" altLang="zh-CN" dirty="0" smtClean="0"/>
+              <a:t>=120</a:t>
+            </a:r>
+            <a:r>
+              <a:rPr lang="zh-CN" altLang="en-US" dirty="0" smtClean="0"/>
+              <a:t>时，</a:t>
+            </a:r>
+            <a:r>
+              <a:rPr lang="en-US" altLang="zh-CN" dirty="0" smtClean="0"/>
+              <a:t>dis</a:t>
+            </a:r>
+            <a:r>
+              <a:rPr lang="zh-CN" altLang="en-US" dirty="0" smtClean="0"/>
+              <a:t>矩阵如下图：</a:t>
+            </a:r>
+            <a:endParaRPr lang="en-US" altLang="zh-CN" dirty="0" smtClean="0"/>
+          </a:p>
+          <a:p>
+            <a:pPr marL="0" indent="0">
+              <a:buNone/>
+            </a:pPr>
+            <a:endParaRPr lang="en-US" altLang="zh-CN" dirty="0" smtClean="0"/>
+          </a:p>
+          <a:p>
+            <a:pPr marL="0" indent="0">
+              <a:buNone/>
+            </a:pPr>
+            <a:endParaRPr lang="en-US" altLang="zh-CN" dirty="0" smtClean="0"/>
+          </a:p>
+          <a:p>
+            <a:pPr marL="0" indent="0">
+              <a:buNone/>
+            </a:pPr>
+            <a:endParaRPr lang="en-US" altLang="zh-CN" dirty="0"/>
+          </a:p>
+          <a:p>
+            <a:pPr marL="0" indent="0">
+              <a:buNone/>
+            </a:pPr>
+            <a:endParaRPr lang="en-US" altLang="zh-CN" dirty="0" smtClean="0"/>
+          </a:p>
+          <a:p>
+            <a:r>
+              <a:rPr lang="zh-CN" altLang="en-US" dirty="0" smtClean="0"/>
+              <a:t>可以</a:t>
+            </a:r>
+            <a:r>
+              <a:rPr lang="zh-CN" altLang="en-US" dirty="0"/>
+              <a:t>看到硬</a:t>
+            </a:r>
+            <a:r>
+              <a:rPr lang="zh-CN" altLang="en-US" dirty="0" smtClean="0"/>
+              <a:t>判决中由于</a:t>
+            </a:r>
+            <a:r>
+              <a:rPr lang="zh-CN" altLang="en-US" dirty="0" smtClean="0"/>
+              <a:t>误差较小，能做到全部匹配，最小距离均为</a:t>
+            </a:r>
+            <a:r>
+              <a:rPr lang="en-US" altLang="zh-CN" dirty="0" smtClean="0"/>
+              <a:t>0</a:t>
+            </a:r>
+          </a:p>
+          <a:p>
+            <a:endParaRPr lang="en-US" altLang="zh-CN" dirty="0" smtClean="0"/>
+          </a:p>
+          <a:p>
+            <a:endParaRPr lang="zh-CN" altLang="en-US" dirty="0" smtClean="0"/>
+          </a:p>
+          <a:p>
+            <a:endParaRPr lang="en-US" altLang="zh-CN" dirty="0" smtClean="0"/>
+          </a:p>
+          <a:p>
+            <a:endParaRPr lang="en-US" altLang="zh-CN" dirty="0" smtClean="0"/>
+          </a:p>
+          <a:p>
+            <a:r>
+              <a:rPr lang="zh-CN" altLang="en-US" dirty="0" smtClean="0"/>
+              <a:t>可以看到软判决中最优路径的匹配概率也在与其他路径拉大差距，最终的译码结果误码率也为</a:t>
+            </a:r>
+            <a:r>
+              <a:rPr lang="en-US" altLang="zh-CN" dirty="0" smtClean="0"/>
+              <a:t>0</a:t>
+            </a:r>
+            <a:endParaRPr lang="zh-CN" altLang="en-US" dirty="0"/>
+          </a:p>
+        </p:txBody>
+      </p:sp>
+      <p:graphicFrame>
+        <p:nvGraphicFramePr>
+          <p:cNvPr id="5" name="图示 4"/>
+          <p:cNvGraphicFramePr/>
+          <p:nvPr>
+            <p:extLst/>
+          </p:nvPr>
+        </p:nvGraphicFramePr>
+        <p:xfrm>
+          <a:off x="265343" y="66624"/>
+          <a:ext cx="5478509" cy="425552"/>
+        </p:xfrm>
+        <a:graphic>
+          <a:graphicData uri="http://schemas.openxmlformats.org/drawingml/2006/diagram">
+            <dgm:relIds xmlns:dgm="http://schemas.openxmlformats.org/drawingml/2006/diagram" xmlns:r="http://schemas.openxmlformats.org/officeDocument/2006/relationships" r:dm="rId2" r:lo="rId3" r:qs="rId4" r:cs="rId5"/>
+          </a:graphicData>
+        </a:graphic>
+      </p:graphicFrame>
+      <p:sp>
+        <p:nvSpPr>
+          <p:cNvPr id="7" name="标题 1"/>
+          <p:cNvSpPr txBox="1">
+            <a:spLocks/>
+          </p:cNvSpPr>
+          <p:nvPr/>
+        </p:nvSpPr>
+        <p:spPr>
+          <a:xfrm>
+            <a:off x="677334" y="609600"/>
+            <a:ext cx="8596668" cy="1010653"/>
+          </a:xfrm>
+          <a:prstGeom prst="rect">
+            <a:avLst/>
+          </a:prstGeom>
+        </p:spPr>
+        <p:txBody>
+          <a:bodyPr vert="horz" lIns="91440" tIns="45720" rIns="91440" bIns="45720" rtlCol="0" anchor="t">
+            <a:normAutofit/>
+          </a:bodyPr>
+          <a:lstStyle>
+            <a:lvl1pPr algn="l" defTabSz="457200" rtl="0" eaLnBrk="1" latinLnBrk="0" hangingPunct="1">
+              <a:spcBef>
+                <a:spcPct val="0"/>
+              </a:spcBef>
+              <a:buNone/>
+              <a:defRPr sz="3600" kern="1200">
+                <a:solidFill>
+                  <a:schemeClr val="accent1"/>
+                </a:solidFill>
+                <a:latin typeface="+mj-lt"/>
+                <a:ea typeface="+mj-ea"/>
+                <a:cs typeface="+mj-cs"/>
+              </a:defRPr>
+            </a:lvl1pPr>
+            <a:lvl2pPr eaLnBrk="1" hangingPunct="1">
+              <a:defRPr>
+                <a:solidFill>
+                  <a:schemeClr val="tx2"/>
+                </a:solidFill>
+              </a:defRPr>
+            </a:lvl2pPr>
+            <a:lvl3pPr eaLnBrk="1" hangingPunct="1">
+              <a:defRPr>
+                <a:solidFill>
+                  <a:schemeClr val="tx2"/>
+                </a:solidFill>
+              </a:defRPr>
+            </a:lvl3pPr>
+            <a:lvl4pPr eaLnBrk="1" hangingPunct="1">
+              <a:defRPr>
+                <a:solidFill>
+                  <a:schemeClr val="tx2"/>
+                </a:solidFill>
+              </a:defRPr>
+            </a:lvl4pPr>
+            <a:lvl5pPr eaLnBrk="1" hangingPunct="1">
+              <a:defRPr>
+                <a:solidFill>
+                  <a:schemeClr val="tx2"/>
+                </a:solidFill>
+              </a:defRPr>
+            </a:lvl5pPr>
+            <a:lvl6pPr eaLnBrk="1" hangingPunct="1">
+              <a:defRPr>
+                <a:solidFill>
+                  <a:schemeClr val="tx2"/>
+                </a:solidFill>
+              </a:defRPr>
+            </a:lvl6pPr>
+            <a:lvl7pPr eaLnBrk="1" hangingPunct="1">
+              <a:defRPr>
+                <a:solidFill>
+                  <a:schemeClr val="tx2"/>
+                </a:solidFill>
+              </a:defRPr>
+            </a:lvl7pPr>
+            <a:lvl8pPr eaLnBrk="1" hangingPunct="1">
+              <a:defRPr>
+                <a:solidFill>
+                  <a:schemeClr val="tx2"/>
+                </a:solidFill>
+              </a:defRPr>
+            </a:lvl8pPr>
+            <a:lvl9pPr eaLnBrk="1" hangingPunct="1">
+              <a:defRPr>
+                <a:solidFill>
+                  <a:schemeClr val="tx2"/>
+                </a:solidFill>
+              </a:defRPr>
+            </a:lvl9pPr>
+          </a:lstStyle>
+          <a:p>
+            <a:r>
+              <a:rPr lang="zh-CN" altLang="en-US" dirty="0" smtClean="0"/>
+              <a:t>软硬判决</a:t>
+            </a:r>
+            <a:r>
+              <a:rPr lang="en-US" altLang="zh-CN" dirty="0" smtClean="0"/>
+              <a:t>Viterbi</a:t>
+            </a:r>
+            <a:r>
+              <a:rPr lang="zh-CN" altLang="en-US" dirty="0" smtClean="0"/>
+              <a:t>模块</a:t>
+            </a:r>
+            <a:r>
+              <a:rPr lang="en-US" altLang="zh-CN" dirty="0" smtClean="0"/>
+              <a:t/>
+            </a:r>
+            <a:br>
+              <a:rPr lang="en-US" altLang="zh-CN" dirty="0" smtClean="0"/>
+            </a:br>
+            <a:r>
+              <a:rPr lang="en-US" altLang="zh-CN" sz="2000" dirty="0" err="1" smtClean="0"/>
+              <a:t>hard_viterbi.m</a:t>
+            </a:r>
+            <a:r>
+              <a:rPr lang="en-US" altLang="zh-CN" sz="2000" dirty="0" smtClean="0"/>
+              <a:t>, </a:t>
+            </a:r>
+            <a:r>
+              <a:rPr lang="en-US" altLang="zh-CN" sz="2000" dirty="0" err="1" smtClean="0"/>
+              <a:t>soft_viterbi.m</a:t>
+            </a:r>
+            <a:endParaRPr lang="zh-CN" altLang="en-US" sz="2000" dirty="0"/>
+          </a:p>
+        </p:txBody>
+      </p:sp>
+      <p:pic>
+        <p:nvPicPr>
+          <p:cNvPr id="6" name="图片 5"/>
+          <p:cNvPicPr>
+            <a:picLocks noChangeAspect="1"/>
+          </p:cNvPicPr>
+          <p:nvPr/>
+        </p:nvPicPr>
+        <p:blipFill>
+          <a:blip r:embed="rId7"/>
+          <a:stretch>
+            <a:fillRect/>
+          </a:stretch>
+        </p:blipFill>
+        <p:spPr>
+          <a:xfrm>
+            <a:off x="1028936" y="2121848"/>
+            <a:ext cx="6273328" cy="1572904"/>
+          </a:xfrm>
+          <a:prstGeom prst="rect">
+            <a:avLst/>
+          </a:prstGeom>
+        </p:spPr>
+      </p:pic>
+      <p:graphicFrame>
+        <p:nvGraphicFramePr>
+          <p:cNvPr id="8" name="表格 7"/>
+          <p:cNvGraphicFramePr>
+            <a:graphicFrameLocks noGrp="1"/>
+          </p:cNvGraphicFramePr>
+          <p:nvPr>
+            <p:extLst>
+              <p:ext uri="{D42A27DB-BD31-4B8C-83A1-F6EECF244321}">
+                <p14:modId xmlns:p14="http://schemas.microsoft.com/office/powerpoint/2010/main" val="3832044770"/>
+              </p:ext>
+            </p:extLst>
+          </p:nvPr>
+        </p:nvGraphicFramePr>
+        <p:xfrm>
+          <a:off x="1028936" y="4167823"/>
+          <a:ext cx="6769100" cy="1447800"/>
+        </p:xfrm>
+        <a:graphic>
+          <a:graphicData uri="http://schemas.openxmlformats.org/drawingml/2006/table">
+            <a:tbl>
+              <a:tblPr>
+                <a:tableStyleId>{5C22544A-7EE6-4342-B048-85BDC9FD1C3A}</a:tableStyleId>
+              </a:tblPr>
+              <a:tblGrid>
+                <a:gridCol w="520700">
+                  <a:extLst>
+                    <a:ext uri="{9D8B030D-6E8A-4147-A177-3AD203B41FA5}">
+                      <a16:colId xmlns:a16="http://schemas.microsoft.com/office/drawing/2014/main" val="3308120671"/>
+                    </a:ext>
+                  </a:extLst>
+                </a:gridCol>
+                <a:gridCol w="520700">
+                  <a:extLst>
+                    <a:ext uri="{9D8B030D-6E8A-4147-A177-3AD203B41FA5}">
+                      <a16:colId xmlns:a16="http://schemas.microsoft.com/office/drawing/2014/main" val="3098071602"/>
+                    </a:ext>
+                  </a:extLst>
+                </a:gridCol>
+                <a:gridCol w="520700">
+                  <a:extLst>
+                    <a:ext uri="{9D8B030D-6E8A-4147-A177-3AD203B41FA5}">
+                      <a16:colId xmlns:a16="http://schemas.microsoft.com/office/drawing/2014/main" val="926242612"/>
+                    </a:ext>
+                  </a:extLst>
+                </a:gridCol>
+                <a:gridCol w="520700">
+                  <a:extLst>
+                    <a:ext uri="{9D8B030D-6E8A-4147-A177-3AD203B41FA5}">
+                      <a16:colId xmlns:a16="http://schemas.microsoft.com/office/drawing/2014/main" val="3991874718"/>
+                    </a:ext>
+                  </a:extLst>
+                </a:gridCol>
+                <a:gridCol w="520700">
+                  <a:extLst>
+                    <a:ext uri="{9D8B030D-6E8A-4147-A177-3AD203B41FA5}">
+                      <a16:colId xmlns:a16="http://schemas.microsoft.com/office/drawing/2014/main" val="4100523200"/>
+                    </a:ext>
+                  </a:extLst>
+                </a:gridCol>
+                <a:gridCol w="520700">
+                  <a:extLst>
+                    <a:ext uri="{9D8B030D-6E8A-4147-A177-3AD203B41FA5}">
+                      <a16:colId xmlns:a16="http://schemas.microsoft.com/office/drawing/2014/main" val="2933925763"/>
+                    </a:ext>
+                  </a:extLst>
+                </a:gridCol>
+                <a:gridCol w="520700">
+                  <a:extLst>
+                    <a:ext uri="{9D8B030D-6E8A-4147-A177-3AD203B41FA5}">
+                      <a16:colId xmlns:a16="http://schemas.microsoft.com/office/drawing/2014/main" val="2146744115"/>
+                    </a:ext>
+                  </a:extLst>
+                </a:gridCol>
+                <a:gridCol w="520700">
+                  <a:extLst>
+                    <a:ext uri="{9D8B030D-6E8A-4147-A177-3AD203B41FA5}">
+                      <a16:colId xmlns:a16="http://schemas.microsoft.com/office/drawing/2014/main" val="3057376076"/>
+                    </a:ext>
+                  </a:extLst>
+                </a:gridCol>
+                <a:gridCol w="520700">
+                  <a:extLst>
+                    <a:ext uri="{9D8B030D-6E8A-4147-A177-3AD203B41FA5}">
+                      <a16:colId xmlns:a16="http://schemas.microsoft.com/office/drawing/2014/main" val="1582694280"/>
+                    </a:ext>
+                  </a:extLst>
+                </a:gridCol>
+                <a:gridCol w="520700">
+                  <a:extLst>
+                    <a:ext uri="{9D8B030D-6E8A-4147-A177-3AD203B41FA5}">
+                      <a16:colId xmlns:a16="http://schemas.microsoft.com/office/drawing/2014/main" val="622281882"/>
+                    </a:ext>
+                  </a:extLst>
+                </a:gridCol>
+                <a:gridCol w="520700">
+                  <a:extLst>
+                    <a:ext uri="{9D8B030D-6E8A-4147-A177-3AD203B41FA5}">
+                      <a16:colId xmlns:a16="http://schemas.microsoft.com/office/drawing/2014/main" val="100370322"/>
+                    </a:ext>
+                  </a:extLst>
+                </a:gridCol>
+                <a:gridCol w="520700">
+                  <a:extLst>
+                    <a:ext uri="{9D8B030D-6E8A-4147-A177-3AD203B41FA5}">
+                      <a16:colId xmlns:a16="http://schemas.microsoft.com/office/drawing/2014/main" val="2135981590"/>
+                    </a:ext>
+                  </a:extLst>
+                </a:gridCol>
+                <a:gridCol w="520700">
+                  <a:extLst>
+                    <a:ext uri="{9D8B030D-6E8A-4147-A177-3AD203B41FA5}">
+                      <a16:colId xmlns:a16="http://schemas.microsoft.com/office/drawing/2014/main" val="1562627978"/>
+                    </a:ext>
+                  </a:extLst>
+                </a:gridCol>
+              </a:tblGrid>
+              <a:tr h="180975">
+                <a:tc>
+                  <a:txBody>
+                    <a:bodyPr/>
+                    <a:lstStyle/>
+                    <a:p>
+                      <a:pPr algn="ctr" fontAlgn="ctr"/>
+                      <a:r>
+                        <a:rPr lang="en-US" altLang="zh-CN" sz="1100" u="none" strike="noStrike">
+                          <a:effectLst/>
+                        </a:rPr>
+                        <a:t>0</a:t>
+                      </a:r>
+                      <a:endParaRPr lang="en-US" altLang="zh-CN" sz="1100" b="1" i="0" u="none" strike="noStrike">
+                        <a:solidFill>
+                          <a:srgbClr val="000000"/>
+                        </a:solidFill>
+                        <a:effectLst/>
+                        <a:latin typeface="等线" panose="02010600030101010101" pitchFamily="2" charset="-122"/>
+                        <a:ea typeface="等线" panose="02010600030101010101" pitchFamily="2" charset="-122"/>
+                      </a:endParaRPr>
+                    </a:p>
+                  </a:txBody>
+                  <a:tcPr marL="9525" marR="9525" marT="9525" marB="0" anchor="ctr"/>
+                </a:tc>
+                <a:tc>
+                  <a:txBody>
+                    <a:bodyPr/>
+                    <a:lstStyle/>
+                    <a:p>
+                      <a:pPr algn="ctr" fontAlgn="ctr"/>
+                      <a:r>
+                        <a:rPr lang="en-US" altLang="zh-CN" sz="1100" u="none" strike="noStrike">
+                          <a:effectLst/>
+                        </a:rPr>
+                        <a:t>1.8318</a:t>
+                      </a:r>
+                      <a:endParaRPr lang="en-US" altLang="zh-CN" sz="1100" b="1" i="0" u="none" strike="noStrike">
+                        <a:solidFill>
+                          <a:srgbClr val="000000"/>
+                        </a:solidFill>
+                        <a:effectLst/>
+                        <a:latin typeface="等线" panose="02010600030101010101" pitchFamily="2" charset="-122"/>
+                        <a:ea typeface="等线" panose="02010600030101010101" pitchFamily="2" charset="-122"/>
+                      </a:endParaRPr>
+                    </a:p>
+                  </a:txBody>
+                  <a:tcPr marL="9525" marR="9525" marT="9525" marB="0" anchor="ctr"/>
+                </a:tc>
+                <a:tc>
+                  <a:txBody>
+                    <a:bodyPr/>
+                    <a:lstStyle/>
+                    <a:p>
+                      <a:pPr algn="ctr" fontAlgn="ctr"/>
+                      <a:r>
+                        <a:rPr lang="en-US" altLang="zh-CN" sz="1100" u="none" strike="noStrike">
+                          <a:effectLst/>
+                        </a:rPr>
+                        <a:t>1.8318</a:t>
+                      </a:r>
+                      <a:endParaRPr lang="en-US" altLang="zh-CN" sz="1100" b="1" i="0" u="none" strike="noStrike">
+                        <a:solidFill>
+                          <a:srgbClr val="000000"/>
+                        </a:solidFill>
+                        <a:effectLst/>
+                        <a:latin typeface="等线" panose="02010600030101010101" pitchFamily="2" charset="-122"/>
+                        <a:ea typeface="等线" panose="02010600030101010101" pitchFamily="2" charset="-122"/>
+                      </a:endParaRPr>
+                    </a:p>
+                  </a:txBody>
+                  <a:tcPr marL="9525" marR="9525" marT="9525" marB="0" anchor="ctr"/>
+                </a:tc>
+                <a:tc>
+                  <a:txBody>
+                    <a:bodyPr/>
+                    <a:lstStyle/>
+                    <a:p>
+                      <a:pPr algn="ctr" fontAlgn="ctr"/>
+                      <a:r>
+                        <a:rPr lang="en-US" altLang="zh-CN" sz="1100" u="none" strike="noStrike">
+                          <a:effectLst/>
+                        </a:rPr>
+                        <a:t>3.7434</a:t>
+                      </a:r>
+                      <a:endParaRPr lang="en-US" altLang="zh-CN" sz="1100" b="1" i="0" u="none" strike="noStrike">
+                        <a:solidFill>
+                          <a:srgbClr val="000000"/>
+                        </a:solidFill>
+                        <a:effectLst/>
+                        <a:latin typeface="等线" panose="02010600030101010101" pitchFamily="2" charset="-122"/>
+                        <a:ea typeface="等线" panose="02010600030101010101" pitchFamily="2" charset="-122"/>
+                      </a:endParaRPr>
+                    </a:p>
+                  </a:txBody>
+                  <a:tcPr marL="9525" marR="9525" marT="9525" marB="0" anchor="ctr"/>
+                </a:tc>
+                <a:tc>
+                  <a:txBody>
+                    <a:bodyPr/>
+                    <a:lstStyle/>
+                    <a:p>
+                      <a:pPr algn="ctr" fontAlgn="ctr"/>
+                      <a:r>
+                        <a:rPr lang="en-US" altLang="zh-CN" sz="1100" u="none" strike="noStrike">
+                          <a:effectLst/>
+                        </a:rPr>
+                        <a:t>5.6006</a:t>
+                      </a:r>
+                      <a:endParaRPr lang="en-US" altLang="zh-CN" sz="1100" b="1" i="0" u="none" strike="noStrike">
+                        <a:solidFill>
+                          <a:srgbClr val="000000"/>
+                        </a:solidFill>
+                        <a:effectLst/>
+                        <a:latin typeface="等线" panose="02010600030101010101" pitchFamily="2" charset="-122"/>
+                        <a:ea typeface="等线" panose="02010600030101010101" pitchFamily="2" charset="-122"/>
+                      </a:endParaRPr>
+                    </a:p>
+                  </a:txBody>
+                  <a:tcPr marL="9525" marR="9525" marT="9525" marB="0" anchor="ctr"/>
+                </a:tc>
+                <a:tc>
+                  <a:txBody>
+                    <a:bodyPr/>
+                    <a:lstStyle/>
+                    <a:p>
+                      <a:pPr algn="ctr" fontAlgn="ctr"/>
+                      <a:r>
+                        <a:rPr lang="en-US" altLang="zh-CN" sz="1100" u="none" strike="noStrike">
+                          <a:effectLst/>
+                        </a:rPr>
+                        <a:t>7.4547</a:t>
+                      </a:r>
+                      <a:endParaRPr lang="en-US" altLang="zh-CN" sz="1100" b="1" i="0" u="none" strike="noStrike">
+                        <a:solidFill>
+                          <a:srgbClr val="000000"/>
+                        </a:solidFill>
+                        <a:effectLst/>
+                        <a:latin typeface="等线" panose="02010600030101010101" pitchFamily="2" charset="-122"/>
+                        <a:ea typeface="等线" panose="02010600030101010101" pitchFamily="2" charset="-122"/>
+                      </a:endParaRPr>
+                    </a:p>
+                  </a:txBody>
+                  <a:tcPr marL="9525" marR="9525" marT="9525" marB="0" anchor="ctr"/>
+                </a:tc>
+                <a:tc>
+                  <a:txBody>
+                    <a:bodyPr/>
+                    <a:lstStyle/>
+                    <a:p>
+                      <a:pPr algn="ctr" fontAlgn="ctr"/>
+                      <a:r>
+                        <a:rPr lang="en-US" altLang="zh-CN" sz="1100" u="none" strike="noStrike">
+                          <a:effectLst/>
+                        </a:rPr>
+                        <a:t>7.4547</a:t>
+                      </a:r>
+                      <a:endParaRPr lang="en-US" altLang="zh-CN" sz="1100" b="1" i="0" u="none" strike="noStrike">
+                        <a:solidFill>
+                          <a:srgbClr val="000000"/>
+                        </a:solidFill>
+                        <a:effectLst/>
+                        <a:latin typeface="等线" panose="02010600030101010101" pitchFamily="2" charset="-122"/>
+                        <a:ea typeface="等线" panose="02010600030101010101" pitchFamily="2" charset="-122"/>
+                      </a:endParaRPr>
+                    </a:p>
+                  </a:txBody>
+                  <a:tcPr marL="9525" marR="9525" marT="9525" marB="0" anchor="ctr"/>
+                </a:tc>
+                <a:tc>
+                  <a:txBody>
+                    <a:bodyPr/>
+                    <a:lstStyle/>
+                    <a:p>
+                      <a:pPr algn="ctr" fontAlgn="ctr"/>
+                      <a:r>
+                        <a:rPr lang="en-US" altLang="zh-CN" sz="1100" u="none" strike="noStrike">
+                          <a:effectLst/>
+                        </a:rPr>
+                        <a:t>5.6893</a:t>
+                      </a:r>
+                      <a:endParaRPr lang="en-US" altLang="zh-CN" sz="1100" b="1" i="0" u="none" strike="noStrike">
+                        <a:solidFill>
+                          <a:srgbClr val="000000"/>
+                        </a:solidFill>
+                        <a:effectLst/>
+                        <a:latin typeface="等线" panose="02010600030101010101" pitchFamily="2" charset="-122"/>
+                        <a:ea typeface="等线" panose="02010600030101010101" pitchFamily="2" charset="-122"/>
+                      </a:endParaRPr>
+                    </a:p>
+                  </a:txBody>
+                  <a:tcPr marL="9525" marR="9525" marT="9525" marB="0" anchor="ctr"/>
+                </a:tc>
+                <a:tc>
+                  <a:txBody>
+                    <a:bodyPr/>
+                    <a:lstStyle/>
+                    <a:p>
+                      <a:pPr algn="ctr" fontAlgn="ctr"/>
+                      <a:r>
+                        <a:rPr lang="en-US" altLang="zh-CN" sz="1100" u="none" strike="noStrike">
+                          <a:effectLst/>
+                        </a:rPr>
+                        <a:t>5.618</a:t>
+                      </a:r>
+                      <a:endParaRPr lang="en-US" altLang="zh-CN" sz="1100" b="1" i="0" u="none" strike="noStrike">
+                        <a:solidFill>
+                          <a:srgbClr val="000000"/>
+                        </a:solidFill>
+                        <a:effectLst/>
+                        <a:latin typeface="等线" panose="02010600030101010101" pitchFamily="2" charset="-122"/>
+                        <a:ea typeface="等线" panose="02010600030101010101" pitchFamily="2" charset="-122"/>
+                      </a:endParaRPr>
+                    </a:p>
+                  </a:txBody>
+                  <a:tcPr marL="9525" marR="9525" marT="9525" marB="0" anchor="ctr"/>
+                </a:tc>
+                <a:tc>
+                  <a:txBody>
+                    <a:bodyPr/>
+                    <a:lstStyle/>
+                    <a:p>
+                      <a:pPr algn="ctr" fontAlgn="ctr"/>
+                      <a:r>
+                        <a:rPr lang="en-US" altLang="zh-CN" sz="1100" u="none" strike="noStrike">
+                          <a:effectLst/>
+                        </a:rPr>
+                        <a:t>9.3253</a:t>
+                      </a:r>
+                      <a:endParaRPr lang="en-US" altLang="zh-CN" sz="1100" b="1" i="0" u="none" strike="noStrike">
+                        <a:solidFill>
+                          <a:srgbClr val="000000"/>
+                        </a:solidFill>
+                        <a:effectLst/>
+                        <a:latin typeface="等线" panose="02010600030101010101" pitchFamily="2" charset="-122"/>
+                        <a:ea typeface="等线" panose="02010600030101010101" pitchFamily="2" charset="-122"/>
+                      </a:endParaRPr>
+                    </a:p>
+                  </a:txBody>
+                  <a:tcPr marL="9525" marR="9525" marT="9525" marB="0" anchor="ctr"/>
+                </a:tc>
+                <a:tc>
+                  <a:txBody>
+                    <a:bodyPr/>
+                    <a:lstStyle/>
+                    <a:p>
+                      <a:pPr algn="ctr" fontAlgn="ctr"/>
+                      <a:r>
+                        <a:rPr lang="en-US" altLang="zh-CN" sz="1100" u="none" strike="noStrike">
+                          <a:effectLst/>
+                        </a:rPr>
+                        <a:t>9.393</a:t>
+                      </a:r>
+                      <a:endParaRPr lang="en-US" altLang="zh-CN" sz="1100" b="1" i="0" u="none" strike="noStrike">
+                        <a:solidFill>
+                          <a:srgbClr val="000000"/>
+                        </a:solidFill>
+                        <a:effectLst/>
+                        <a:latin typeface="等线" panose="02010600030101010101" pitchFamily="2" charset="-122"/>
+                        <a:ea typeface="等线" panose="02010600030101010101" pitchFamily="2" charset="-122"/>
+                      </a:endParaRPr>
+                    </a:p>
+                  </a:txBody>
+                  <a:tcPr marL="9525" marR="9525" marT="9525" marB="0" anchor="ctr"/>
+                </a:tc>
+                <a:tc>
+                  <a:txBody>
+                    <a:bodyPr/>
+                    <a:lstStyle/>
+                    <a:p>
+                      <a:pPr algn="ctr" fontAlgn="ctr"/>
+                      <a:r>
+                        <a:rPr lang="en-US" altLang="zh-CN" sz="1100" u="none" strike="noStrike">
+                          <a:effectLst/>
+                        </a:rPr>
+                        <a:t>9.4024</a:t>
+                      </a:r>
+                      <a:endParaRPr lang="en-US" altLang="zh-CN" sz="1100" b="1" i="0" u="none" strike="noStrike">
+                        <a:solidFill>
+                          <a:srgbClr val="000000"/>
+                        </a:solidFill>
+                        <a:effectLst/>
+                        <a:latin typeface="等线" panose="02010600030101010101" pitchFamily="2" charset="-122"/>
+                        <a:ea typeface="等线" panose="02010600030101010101" pitchFamily="2" charset="-122"/>
+                      </a:endParaRPr>
+                    </a:p>
+                  </a:txBody>
+                  <a:tcPr marL="9525" marR="9525" marT="9525" marB="0" anchor="ctr"/>
+                </a:tc>
+                <a:tc>
+                  <a:txBody>
+                    <a:bodyPr/>
+                    <a:lstStyle/>
+                    <a:p>
+                      <a:pPr algn="l" fontAlgn="b"/>
+                      <a:r>
+                        <a:rPr lang="en-US" altLang="zh-CN" sz="1100" u="none" strike="noStrike">
+                          <a:effectLst/>
+                        </a:rPr>
+                        <a:t>11.086</a:t>
+                      </a:r>
+                      <a:endParaRPr lang="en-US" altLang="zh-CN" sz="1100" b="1" i="0" u="none" strike="noStrike">
+                        <a:solidFill>
+                          <a:srgbClr val="000000"/>
+                        </a:solidFill>
+                        <a:effectLst/>
+                        <a:latin typeface="等线" panose="02010600030101010101" pitchFamily="2" charset="-122"/>
+                        <a:ea typeface="等线" panose="02010600030101010101" pitchFamily="2" charset="-122"/>
+                      </a:endParaRPr>
+                    </a:p>
+                  </a:txBody>
+                  <a:tcPr marL="9525" marR="9525" marT="9525" marB="0" anchor="b"/>
+                </a:tc>
+                <a:extLst>
+                  <a:ext uri="{0D108BD9-81ED-4DB2-BD59-A6C34878D82A}">
+                    <a16:rowId xmlns:a16="http://schemas.microsoft.com/office/drawing/2014/main" val="1552489655"/>
+                  </a:ext>
+                </a:extLst>
+              </a:tr>
+              <a:tr h="180975">
+                <a:tc>
+                  <a:txBody>
+                    <a:bodyPr/>
+                    <a:lstStyle/>
+                    <a:p>
+                      <a:pPr algn="ctr" fontAlgn="ctr"/>
+                      <a:r>
+                        <a:rPr lang="en-US" sz="1100" u="none" strike="noStrike">
+                          <a:effectLst/>
+                        </a:rPr>
+                        <a:t>-Inf</a:t>
+                      </a:r>
+                      <a:endParaRPr lang="en-US" sz="1100" b="1" i="0" u="none" strike="noStrike">
+                        <a:solidFill>
+                          <a:srgbClr val="000000"/>
+                        </a:solidFill>
+                        <a:effectLst/>
+                        <a:latin typeface="等线" panose="02010600030101010101" pitchFamily="2" charset="-122"/>
+                        <a:ea typeface="等线" panose="02010600030101010101" pitchFamily="2" charset="-122"/>
+                      </a:endParaRPr>
+                    </a:p>
+                  </a:txBody>
+                  <a:tcPr marL="9525" marR="9525" marT="9525" marB="0" anchor="ctr"/>
+                </a:tc>
+                <a:tc>
+                  <a:txBody>
+                    <a:bodyPr/>
+                    <a:lstStyle/>
+                    <a:p>
+                      <a:pPr algn="ctr" fontAlgn="ctr"/>
+                      <a:r>
+                        <a:rPr lang="en-US" altLang="zh-CN" sz="1100" u="none" strike="noStrike">
+                          <a:effectLst/>
+                        </a:rPr>
+                        <a:t>-1.832</a:t>
+                      </a:r>
+                      <a:endParaRPr lang="en-US" altLang="zh-CN" sz="1100" b="1" i="0" u="none" strike="noStrike">
+                        <a:solidFill>
+                          <a:srgbClr val="000000"/>
+                        </a:solidFill>
+                        <a:effectLst/>
+                        <a:latin typeface="等线" panose="02010600030101010101" pitchFamily="2" charset="-122"/>
+                        <a:ea typeface="等线" panose="02010600030101010101" pitchFamily="2" charset="-122"/>
+                      </a:endParaRPr>
+                    </a:p>
+                  </a:txBody>
+                  <a:tcPr marL="9525" marR="9525" marT="9525" marB="0" anchor="ctr"/>
+                </a:tc>
+                <a:tc>
+                  <a:txBody>
+                    <a:bodyPr/>
+                    <a:lstStyle/>
+                    <a:p>
+                      <a:pPr algn="ctr" fontAlgn="ctr"/>
+                      <a:r>
+                        <a:rPr lang="en-US" altLang="zh-CN" sz="1100" u="none" strike="noStrike">
+                          <a:effectLst/>
+                        </a:rPr>
+                        <a:t>1.8318</a:t>
+                      </a:r>
+                      <a:endParaRPr lang="en-US" altLang="zh-CN" sz="1100" b="1" i="0" u="none" strike="noStrike">
+                        <a:solidFill>
+                          <a:srgbClr val="000000"/>
+                        </a:solidFill>
+                        <a:effectLst/>
+                        <a:latin typeface="等线" panose="02010600030101010101" pitchFamily="2" charset="-122"/>
+                        <a:ea typeface="等线" panose="02010600030101010101" pitchFamily="2" charset="-122"/>
+                      </a:endParaRPr>
+                    </a:p>
+                  </a:txBody>
+                  <a:tcPr marL="9525" marR="9525" marT="9525" marB="0" anchor="ctr"/>
+                </a:tc>
+                <a:tc>
+                  <a:txBody>
+                    <a:bodyPr/>
+                    <a:lstStyle/>
+                    <a:p>
+                      <a:pPr algn="ctr" fontAlgn="ctr"/>
+                      <a:r>
+                        <a:rPr lang="en-US" altLang="zh-CN" sz="1100" u="none" strike="noStrike">
+                          <a:effectLst/>
+                        </a:rPr>
+                        <a:t>-0.08</a:t>
+                      </a:r>
+                      <a:endParaRPr lang="en-US" altLang="zh-CN" sz="1100" b="1" i="0" u="none" strike="noStrike">
+                        <a:solidFill>
+                          <a:srgbClr val="000000"/>
+                        </a:solidFill>
+                        <a:effectLst/>
+                        <a:latin typeface="等线" panose="02010600030101010101" pitchFamily="2" charset="-122"/>
+                        <a:ea typeface="等线" panose="02010600030101010101" pitchFamily="2" charset="-122"/>
+                      </a:endParaRPr>
+                    </a:p>
+                  </a:txBody>
+                  <a:tcPr marL="9525" marR="9525" marT="9525" marB="0" anchor="ctr"/>
+                </a:tc>
+                <a:tc>
+                  <a:txBody>
+                    <a:bodyPr/>
+                    <a:lstStyle/>
+                    <a:p>
+                      <a:pPr algn="ctr" fontAlgn="ctr"/>
+                      <a:r>
+                        <a:rPr lang="en-US" altLang="zh-CN" sz="1100" u="none" strike="noStrike" dirty="0">
+                          <a:effectLst/>
+                        </a:rPr>
+                        <a:t>1.8861</a:t>
+                      </a:r>
+                      <a:endParaRPr lang="en-US" altLang="zh-CN" sz="1100" b="1" i="0" u="none" strike="noStrike" dirty="0">
+                        <a:solidFill>
+                          <a:srgbClr val="000000"/>
+                        </a:solidFill>
+                        <a:effectLst/>
+                        <a:latin typeface="等线" panose="02010600030101010101" pitchFamily="2" charset="-122"/>
+                        <a:ea typeface="等线" panose="02010600030101010101" pitchFamily="2" charset="-122"/>
+                      </a:endParaRPr>
+                    </a:p>
+                  </a:txBody>
+                  <a:tcPr marL="9525" marR="9525" marT="9525" marB="0" anchor="ctr"/>
+                </a:tc>
+                <a:tc>
+                  <a:txBody>
+                    <a:bodyPr/>
+                    <a:lstStyle/>
+                    <a:p>
+                      <a:pPr algn="ctr" fontAlgn="ctr"/>
+                      <a:r>
+                        <a:rPr lang="en-US" altLang="zh-CN" sz="1100" u="none" strike="noStrike">
+                          <a:effectLst/>
+                        </a:rPr>
+                        <a:t>3.7466</a:t>
+                      </a:r>
+                      <a:endParaRPr lang="en-US" altLang="zh-CN" sz="1100" b="1" i="0" u="none" strike="noStrike">
+                        <a:solidFill>
+                          <a:srgbClr val="000000"/>
+                        </a:solidFill>
+                        <a:effectLst/>
+                        <a:latin typeface="等线" panose="02010600030101010101" pitchFamily="2" charset="-122"/>
+                        <a:ea typeface="等线" panose="02010600030101010101" pitchFamily="2" charset="-122"/>
+                      </a:endParaRPr>
+                    </a:p>
+                  </a:txBody>
+                  <a:tcPr marL="9525" marR="9525" marT="9525" marB="0" anchor="ctr"/>
+                </a:tc>
+                <a:tc>
+                  <a:txBody>
+                    <a:bodyPr/>
+                    <a:lstStyle/>
+                    <a:p>
+                      <a:pPr algn="ctr" fontAlgn="ctr"/>
+                      <a:r>
+                        <a:rPr lang="en-US" altLang="zh-CN" sz="1100" u="none" strike="noStrike">
+                          <a:effectLst/>
+                        </a:rPr>
+                        <a:t>7.4547</a:t>
+                      </a:r>
+                      <a:endParaRPr lang="en-US" altLang="zh-CN" sz="1100" b="1" i="0" u="none" strike="noStrike">
+                        <a:solidFill>
+                          <a:srgbClr val="000000"/>
+                        </a:solidFill>
+                        <a:effectLst/>
+                        <a:latin typeface="等线" panose="02010600030101010101" pitchFamily="2" charset="-122"/>
+                        <a:ea typeface="等线" panose="02010600030101010101" pitchFamily="2" charset="-122"/>
+                      </a:endParaRPr>
+                    </a:p>
+                  </a:txBody>
+                  <a:tcPr marL="9525" marR="9525" marT="9525" marB="0" anchor="ctr"/>
+                </a:tc>
+                <a:tc>
+                  <a:txBody>
+                    <a:bodyPr/>
+                    <a:lstStyle/>
+                    <a:p>
+                      <a:pPr algn="ctr" fontAlgn="ctr"/>
+                      <a:r>
+                        <a:rPr lang="en-US" altLang="zh-CN" sz="1100" u="none" strike="noStrike">
+                          <a:effectLst/>
+                        </a:rPr>
+                        <a:t>9.3454</a:t>
+                      </a:r>
+                      <a:endParaRPr lang="en-US" altLang="zh-CN" sz="1100" b="1" i="0" u="none" strike="noStrike">
+                        <a:solidFill>
+                          <a:srgbClr val="000000"/>
+                        </a:solidFill>
+                        <a:effectLst/>
+                        <a:latin typeface="等线" panose="02010600030101010101" pitchFamily="2" charset="-122"/>
+                        <a:ea typeface="等线" panose="02010600030101010101" pitchFamily="2" charset="-122"/>
+                      </a:endParaRPr>
+                    </a:p>
+                  </a:txBody>
+                  <a:tcPr marL="9525" marR="9525" marT="9525" marB="0" anchor="ctr"/>
+                </a:tc>
+                <a:tc>
+                  <a:txBody>
+                    <a:bodyPr/>
+                    <a:lstStyle/>
+                    <a:p>
+                      <a:pPr algn="ctr" fontAlgn="ctr"/>
+                      <a:r>
+                        <a:rPr lang="en-US" altLang="zh-CN" sz="1100" u="none" strike="noStrike">
+                          <a:effectLst/>
+                        </a:rPr>
+                        <a:t>5.7605</a:t>
+                      </a:r>
+                      <a:endParaRPr lang="en-US" altLang="zh-CN" sz="1100" b="1" i="0" u="none" strike="noStrike">
+                        <a:solidFill>
+                          <a:srgbClr val="000000"/>
+                        </a:solidFill>
+                        <a:effectLst/>
+                        <a:latin typeface="等线" panose="02010600030101010101" pitchFamily="2" charset="-122"/>
+                        <a:ea typeface="等线" panose="02010600030101010101" pitchFamily="2" charset="-122"/>
+                      </a:endParaRPr>
+                    </a:p>
+                  </a:txBody>
+                  <a:tcPr marL="9525" marR="9525" marT="9525" marB="0" anchor="ctr"/>
+                </a:tc>
+                <a:tc>
+                  <a:txBody>
+                    <a:bodyPr/>
+                    <a:lstStyle/>
+                    <a:p>
+                      <a:pPr algn="ctr" fontAlgn="ctr"/>
+                      <a:r>
+                        <a:rPr lang="en-US" altLang="zh-CN" sz="1100" u="none" strike="noStrike">
+                          <a:effectLst/>
+                        </a:rPr>
+                        <a:t>13.054</a:t>
+                      </a:r>
+                      <a:endParaRPr lang="en-US" altLang="zh-CN" sz="1100" b="1" i="0" u="none" strike="noStrike">
+                        <a:solidFill>
+                          <a:srgbClr val="000000"/>
+                        </a:solidFill>
+                        <a:effectLst/>
+                        <a:latin typeface="等线" panose="02010600030101010101" pitchFamily="2" charset="-122"/>
+                        <a:ea typeface="等线" panose="02010600030101010101" pitchFamily="2" charset="-122"/>
+                      </a:endParaRPr>
+                    </a:p>
+                  </a:txBody>
+                  <a:tcPr marL="9525" marR="9525" marT="9525" marB="0" anchor="ctr"/>
+                </a:tc>
+                <a:tc>
+                  <a:txBody>
+                    <a:bodyPr/>
+                    <a:lstStyle/>
+                    <a:p>
+                      <a:pPr algn="ctr" fontAlgn="ctr"/>
+                      <a:r>
+                        <a:rPr lang="en-US" altLang="zh-CN" sz="1100" u="none" strike="noStrike">
+                          <a:effectLst/>
+                        </a:rPr>
+                        <a:t>9.393</a:t>
+                      </a:r>
+                      <a:endParaRPr lang="en-US" altLang="zh-CN" sz="1100" b="1" i="0" u="none" strike="noStrike">
+                        <a:solidFill>
+                          <a:srgbClr val="000000"/>
+                        </a:solidFill>
+                        <a:effectLst/>
+                        <a:latin typeface="等线" panose="02010600030101010101" pitchFamily="2" charset="-122"/>
+                        <a:ea typeface="等线" panose="02010600030101010101" pitchFamily="2" charset="-122"/>
+                      </a:endParaRPr>
+                    </a:p>
+                  </a:txBody>
+                  <a:tcPr marL="9525" marR="9525" marT="9525" marB="0" anchor="ctr"/>
+                </a:tc>
+                <a:tc>
+                  <a:txBody>
+                    <a:bodyPr/>
+                    <a:lstStyle/>
+                    <a:p>
+                      <a:pPr algn="ctr" fontAlgn="ctr"/>
+                      <a:r>
+                        <a:rPr lang="en-US" altLang="zh-CN" sz="1100" u="none" strike="noStrike">
+                          <a:effectLst/>
+                        </a:rPr>
+                        <a:t>9.3837</a:t>
+                      </a:r>
+                      <a:endParaRPr lang="en-US" altLang="zh-CN" sz="1100" b="1" i="0" u="none" strike="noStrike">
+                        <a:solidFill>
+                          <a:srgbClr val="000000"/>
+                        </a:solidFill>
+                        <a:effectLst/>
+                        <a:latin typeface="等线" panose="02010600030101010101" pitchFamily="2" charset="-122"/>
+                        <a:ea typeface="等线" panose="02010600030101010101" pitchFamily="2" charset="-122"/>
+                      </a:endParaRPr>
+                    </a:p>
+                  </a:txBody>
+                  <a:tcPr marL="9525" marR="9525" marT="9525" marB="0" anchor="ctr"/>
+                </a:tc>
+                <a:tc>
+                  <a:txBody>
+                    <a:bodyPr/>
+                    <a:lstStyle/>
+                    <a:p>
+                      <a:pPr algn="l" fontAlgn="b"/>
+                      <a:r>
+                        <a:rPr lang="en-US" altLang="zh-CN" sz="1100" u="none" strike="noStrike">
+                          <a:effectLst/>
+                        </a:rPr>
+                        <a:t>11.22</a:t>
+                      </a:r>
+                      <a:endParaRPr lang="en-US" altLang="zh-CN" sz="1100" b="1" i="0" u="none" strike="noStrike">
+                        <a:solidFill>
+                          <a:srgbClr val="000000"/>
+                        </a:solidFill>
+                        <a:effectLst/>
+                        <a:latin typeface="等线" panose="02010600030101010101" pitchFamily="2" charset="-122"/>
+                        <a:ea typeface="等线" panose="02010600030101010101" pitchFamily="2" charset="-122"/>
+                      </a:endParaRPr>
+                    </a:p>
+                  </a:txBody>
+                  <a:tcPr marL="9525" marR="9525" marT="9525" marB="0" anchor="b"/>
+                </a:tc>
+                <a:extLst>
+                  <a:ext uri="{0D108BD9-81ED-4DB2-BD59-A6C34878D82A}">
+                    <a16:rowId xmlns:a16="http://schemas.microsoft.com/office/drawing/2014/main" val="4169488487"/>
+                  </a:ext>
+                </a:extLst>
+              </a:tr>
+              <a:tr h="180975">
+                <a:tc>
+                  <a:txBody>
+                    <a:bodyPr/>
+                    <a:lstStyle/>
+                    <a:p>
+                      <a:pPr algn="ctr" fontAlgn="ctr"/>
+                      <a:r>
+                        <a:rPr lang="en-US" sz="1100" u="none" strike="noStrike">
+                          <a:effectLst/>
+                        </a:rPr>
+                        <a:t>-Inf</a:t>
+                      </a:r>
+                      <a:endParaRPr lang="en-US" sz="1100" b="1" i="0" u="none" strike="noStrike">
+                        <a:solidFill>
+                          <a:srgbClr val="000000"/>
+                        </a:solidFill>
+                        <a:effectLst/>
+                        <a:latin typeface="等线" panose="02010600030101010101" pitchFamily="2" charset="-122"/>
+                        <a:ea typeface="等线" panose="02010600030101010101" pitchFamily="2" charset="-122"/>
+                      </a:endParaRPr>
+                    </a:p>
+                  </a:txBody>
+                  <a:tcPr marL="9525" marR="9525" marT="9525" marB="0" anchor="ctr"/>
+                </a:tc>
+                <a:tc>
+                  <a:txBody>
+                    <a:bodyPr/>
+                    <a:lstStyle/>
+                    <a:p>
+                      <a:pPr algn="ctr" fontAlgn="ctr"/>
+                      <a:r>
+                        <a:rPr lang="en-US" sz="1100" u="none" strike="noStrike">
+                          <a:effectLst/>
+                        </a:rPr>
+                        <a:t>-Inf</a:t>
+                      </a:r>
+                      <a:endParaRPr lang="en-US" sz="1100" b="1" i="0" u="none" strike="noStrike">
+                        <a:solidFill>
+                          <a:srgbClr val="000000"/>
+                        </a:solidFill>
+                        <a:effectLst/>
+                        <a:latin typeface="等线" panose="02010600030101010101" pitchFamily="2" charset="-122"/>
+                        <a:ea typeface="等线" panose="02010600030101010101" pitchFamily="2" charset="-122"/>
+                      </a:endParaRPr>
+                    </a:p>
+                  </a:txBody>
+                  <a:tcPr marL="9525" marR="9525" marT="9525" marB="0" anchor="ctr"/>
+                </a:tc>
+                <a:tc>
+                  <a:txBody>
+                    <a:bodyPr/>
+                    <a:lstStyle/>
+                    <a:p>
+                      <a:pPr algn="ctr" fontAlgn="ctr"/>
+                      <a:r>
+                        <a:rPr lang="en-US" altLang="zh-CN" sz="1100" u="none" strike="noStrike">
+                          <a:effectLst/>
+                        </a:rPr>
+                        <a:t>-1.832</a:t>
+                      </a:r>
+                      <a:endParaRPr lang="en-US" altLang="zh-CN" sz="1100" b="1" i="0" u="none" strike="noStrike">
+                        <a:solidFill>
+                          <a:srgbClr val="000000"/>
+                        </a:solidFill>
+                        <a:effectLst/>
+                        <a:latin typeface="等线" panose="02010600030101010101" pitchFamily="2" charset="-122"/>
+                        <a:ea typeface="等线" panose="02010600030101010101" pitchFamily="2" charset="-122"/>
+                      </a:endParaRPr>
+                    </a:p>
+                  </a:txBody>
+                  <a:tcPr marL="9525" marR="9525" marT="9525" marB="0" anchor="ctr"/>
+                </a:tc>
+                <a:tc>
+                  <a:txBody>
+                    <a:bodyPr/>
+                    <a:lstStyle/>
+                    <a:p>
+                      <a:pPr algn="ctr" fontAlgn="ctr"/>
+                      <a:r>
+                        <a:rPr lang="en-US" altLang="zh-CN" sz="1100" u="none" strike="noStrike">
+                          <a:effectLst/>
+                        </a:rPr>
+                        <a:t>-0.08</a:t>
+                      </a:r>
+                      <a:endParaRPr lang="en-US" altLang="zh-CN" sz="1100" b="1" i="0" u="none" strike="noStrike">
+                        <a:solidFill>
+                          <a:srgbClr val="000000"/>
+                        </a:solidFill>
+                        <a:effectLst/>
+                        <a:latin typeface="等线" panose="02010600030101010101" pitchFamily="2" charset="-122"/>
+                        <a:ea typeface="等线" panose="02010600030101010101" pitchFamily="2" charset="-122"/>
+                      </a:endParaRPr>
+                    </a:p>
+                  </a:txBody>
+                  <a:tcPr marL="9525" marR="9525" marT="9525" marB="0" anchor="ctr"/>
+                </a:tc>
+                <a:tc>
+                  <a:txBody>
+                    <a:bodyPr/>
+                    <a:lstStyle/>
+                    <a:p>
+                      <a:pPr algn="ctr" fontAlgn="ctr"/>
+                      <a:r>
+                        <a:rPr lang="en-US" altLang="zh-CN" sz="1100" u="none" strike="noStrike">
+                          <a:effectLst/>
+                        </a:rPr>
+                        <a:t>0.0065</a:t>
+                      </a:r>
+                      <a:endParaRPr lang="en-US" altLang="zh-CN" sz="1100" b="1" i="0" u="none" strike="noStrike">
+                        <a:solidFill>
+                          <a:srgbClr val="000000"/>
+                        </a:solidFill>
+                        <a:effectLst/>
+                        <a:latin typeface="等线" panose="02010600030101010101" pitchFamily="2" charset="-122"/>
+                        <a:ea typeface="等线" panose="02010600030101010101" pitchFamily="2" charset="-122"/>
+                      </a:endParaRPr>
+                    </a:p>
+                  </a:txBody>
+                  <a:tcPr marL="9525" marR="9525" marT="9525" marB="0" anchor="ctr"/>
+                </a:tc>
+                <a:tc>
+                  <a:txBody>
+                    <a:bodyPr/>
+                    <a:lstStyle/>
+                    <a:p>
+                      <a:pPr algn="ctr" fontAlgn="ctr"/>
+                      <a:r>
+                        <a:rPr lang="en-US" altLang="zh-CN" sz="1100" u="none" strike="noStrike">
+                          <a:effectLst/>
+                        </a:rPr>
+                        <a:t>1.7823</a:t>
+                      </a:r>
+                      <a:endParaRPr lang="en-US" altLang="zh-CN" sz="1100" b="1" i="0" u="none" strike="noStrike">
+                        <a:solidFill>
+                          <a:srgbClr val="000000"/>
+                        </a:solidFill>
+                        <a:effectLst/>
+                        <a:latin typeface="等线" panose="02010600030101010101" pitchFamily="2" charset="-122"/>
+                        <a:ea typeface="等线" panose="02010600030101010101" pitchFamily="2" charset="-122"/>
+                      </a:endParaRPr>
+                    </a:p>
+                  </a:txBody>
+                  <a:tcPr marL="9525" marR="9525" marT="9525" marB="0" anchor="ctr"/>
+                </a:tc>
+                <a:tc>
+                  <a:txBody>
+                    <a:bodyPr/>
+                    <a:lstStyle/>
+                    <a:p>
+                      <a:pPr algn="ctr" fontAlgn="ctr"/>
+                      <a:r>
+                        <a:rPr lang="en-US" altLang="zh-CN" sz="1100" u="none" strike="noStrike">
+                          <a:effectLst/>
+                        </a:rPr>
+                        <a:t>3.8145</a:t>
+                      </a:r>
+                      <a:endParaRPr lang="en-US" altLang="zh-CN" sz="1100" b="1" i="0" u="none" strike="noStrike">
+                        <a:solidFill>
+                          <a:srgbClr val="000000"/>
+                        </a:solidFill>
+                        <a:effectLst/>
+                        <a:latin typeface="等线" panose="02010600030101010101" pitchFamily="2" charset="-122"/>
+                        <a:ea typeface="等线" panose="02010600030101010101" pitchFamily="2" charset="-122"/>
+                      </a:endParaRPr>
+                    </a:p>
+                  </a:txBody>
+                  <a:tcPr marL="9525" marR="9525" marT="9525" marB="0" anchor="ctr"/>
+                </a:tc>
+                <a:tc>
+                  <a:txBody>
+                    <a:bodyPr/>
+                    <a:lstStyle/>
+                    <a:p>
+                      <a:pPr algn="ctr" fontAlgn="ctr"/>
+                      <a:r>
+                        <a:rPr lang="en-US" altLang="zh-CN" sz="1100" u="none" strike="noStrike" dirty="0">
+                          <a:effectLst/>
+                        </a:rPr>
+                        <a:t>9.3454</a:t>
+                      </a:r>
+                      <a:endParaRPr lang="en-US" altLang="zh-CN" sz="1100" b="1" i="0" u="none" strike="noStrike" dirty="0">
+                        <a:solidFill>
+                          <a:srgbClr val="000000"/>
+                        </a:solidFill>
+                        <a:effectLst/>
+                        <a:latin typeface="等线" panose="02010600030101010101" pitchFamily="2" charset="-122"/>
+                        <a:ea typeface="等线" panose="02010600030101010101" pitchFamily="2" charset="-122"/>
+                      </a:endParaRPr>
+                    </a:p>
+                  </a:txBody>
+                  <a:tcPr marL="9525" marR="9525" marT="9525" marB="0" anchor="ctr"/>
+                </a:tc>
+                <a:tc>
+                  <a:txBody>
+                    <a:bodyPr/>
+                    <a:lstStyle/>
+                    <a:p>
+                      <a:pPr algn="ctr" fontAlgn="ctr"/>
+                      <a:r>
+                        <a:rPr lang="en-US" altLang="zh-CN" sz="1100" u="none" strike="noStrike">
+                          <a:effectLst/>
+                        </a:rPr>
+                        <a:t>9.4167</a:t>
+                      </a:r>
+                      <a:endParaRPr lang="en-US" altLang="zh-CN" sz="1100" b="1" i="0" u="none" strike="noStrike">
+                        <a:solidFill>
+                          <a:srgbClr val="000000"/>
+                        </a:solidFill>
+                        <a:effectLst/>
+                        <a:latin typeface="等线" panose="02010600030101010101" pitchFamily="2" charset="-122"/>
+                        <a:ea typeface="等线" panose="02010600030101010101" pitchFamily="2" charset="-122"/>
+                      </a:endParaRPr>
+                    </a:p>
+                  </a:txBody>
+                  <a:tcPr marL="9525" marR="9525" marT="9525" marB="0" anchor="ctr"/>
+                </a:tc>
+                <a:tc>
+                  <a:txBody>
+                    <a:bodyPr/>
+                    <a:lstStyle/>
+                    <a:p>
+                      <a:pPr algn="ctr" fontAlgn="ctr"/>
+                      <a:r>
+                        <a:rPr lang="en-US" altLang="zh-CN" sz="1100" u="none" strike="noStrike">
+                          <a:effectLst/>
+                        </a:rPr>
+                        <a:t>9.3656</a:t>
+                      </a:r>
+                      <a:endParaRPr lang="en-US" altLang="zh-CN" sz="1100" b="1" i="0" u="none" strike="noStrike">
+                        <a:solidFill>
+                          <a:srgbClr val="000000"/>
+                        </a:solidFill>
+                        <a:effectLst/>
+                        <a:latin typeface="等线" panose="02010600030101010101" pitchFamily="2" charset="-122"/>
+                        <a:ea typeface="等线" panose="02010600030101010101" pitchFamily="2" charset="-122"/>
+                      </a:endParaRPr>
+                    </a:p>
+                  </a:txBody>
+                  <a:tcPr marL="9525" marR="9525" marT="9525" marB="0" anchor="ctr"/>
+                </a:tc>
+                <a:tc>
+                  <a:txBody>
+                    <a:bodyPr/>
+                    <a:lstStyle/>
+                    <a:p>
+                      <a:pPr algn="ctr" fontAlgn="ctr"/>
+                      <a:r>
+                        <a:rPr lang="en-US" altLang="zh-CN" sz="1100" u="none" strike="noStrike">
+                          <a:effectLst/>
+                        </a:rPr>
+                        <a:t>13.054</a:t>
+                      </a:r>
+                      <a:endParaRPr lang="en-US" altLang="zh-CN" sz="1100" b="1" i="0" u="none" strike="noStrike">
+                        <a:solidFill>
+                          <a:srgbClr val="000000"/>
+                        </a:solidFill>
+                        <a:effectLst/>
+                        <a:latin typeface="等线" panose="02010600030101010101" pitchFamily="2" charset="-122"/>
+                        <a:ea typeface="等线" panose="02010600030101010101" pitchFamily="2" charset="-122"/>
+                      </a:endParaRPr>
+                    </a:p>
+                  </a:txBody>
+                  <a:tcPr marL="9525" marR="9525" marT="9525" marB="0" anchor="ctr"/>
+                </a:tc>
+                <a:tc>
+                  <a:txBody>
+                    <a:bodyPr/>
+                    <a:lstStyle/>
+                    <a:p>
+                      <a:pPr algn="ctr" fontAlgn="ctr"/>
+                      <a:r>
+                        <a:rPr lang="en-US" altLang="zh-CN" sz="1100" u="none" strike="noStrike">
+                          <a:effectLst/>
+                        </a:rPr>
+                        <a:t>9.3837</a:t>
+                      </a:r>
+                      <a:endParaRPr lang="en-US" altLang="zh-CN" sz="1100" b="1" i="0" u="none" strike="noStrike">
+                        <a:solidFill>
+                          <a:srgbClr val="000000"/>
+                        </a:solidFill>
+                        <a:effectLst/>
+                        <a:latin typeface="等线" panose="02010600030101010101" pitchFamily="2" charset="-122"/>
+                        <a:ea typeface="等线" panose="02010600030101010101" pitchFamily="2" charset="-122"/>
+                      </a:endParaRPr>
+                    </a:p>
+                  </a:txBody>
+                  <a:tcPr marL="9525" marR="9525" marT="9525" marB="0" anchor="ctr"/>
+                </a:tc>
+                <a:tc>
+                  <a:txBody>
+                    <a:bodyPr/>
+                    <a:lstStyle/>
+                    <a:p>
+                      <a:pPr algn="l" fontAlgn="b"/>
+                      <a:r>
+                        <a:rPr lang="en-US" altLang="zh-CN" sz="1100" u="none" strike="noStrike">
+                          <a:effectLst/>
+                        </a:rPr>
+                        <a:t>15.023</a:t>
+                      </a:r>
+                      <a:endParaRPr lang="en-US" altLang="zh-CN" sz="1100" b="1" i="0" u="none" strike="noStrike">
+                        <a:solidFill>
+                          <a:srgbClr val="000000"/>
+                        </a:solidFill>
+                        <a:effectLst/>
+                        <a:latin typeface="等线" panose="02010600030101010101" pitchFamily="2" charset="-122"/>
+                        <a:ea typeface="等线" panose="02010600030101010101" pitchFamily="2" charset="-122"/>
+                      </a:endParaRPr>
+                    </a:p>
+                  </a:txBody>
+                  <a:tcPr marL="9525" marR="9525" marT="9525" marB="0" anchor="b"/>
+                </a:tc>
+                <a:extLst>
+                  <a:ext uri="{0D108BD9-81ED-4DB2-BD59-A6C34878D82A}">
+                    <a16:rowId xmlns:a16="http://schemas.microsoft.com/office/drawing/2014/main" val="870958739"/>
+                  </a:ext>
+                </a:extLst>
+              </a:tr>
+              <a:tr h="180975">
+                <a:tc>
+                  <a:txBody>
+                    <a:bodyPr/>
+                    <a:lstStyle/>
+                    <a:p>
+                      <a:pPr algn="ctr" fontAlgn="ctr"/>
+                      <a:r>
+                        <a:rPr lang="en-US" sz="1100" u="none" strike="noStrike">
+                          <a:effectLst/>
+                        </a:rPr>
+                        <a:t>-Inf</a:t>
+                      </a:r>
+                      <a:endParaRPr lang="en-US" sz="1100" b="1" i="0" u="none" strike="noStrike">
+                        <a:solidFill>
+                          <a:srgbClr val="000000"/>
+                        </a:solidFill>
+                        <a:effectLst/>
+                        <a:latin typeface="等线" panose="02010600030101010101" pitchFamily="2" charset="-122"/>
+                        <a:ea typeface="等线" panose="02010600030101010101" pitchFamily="2" charset="-122"/>
+                      </a:endParaRPr>
+                    </a:p>
+                  </a:txBody>
+                  <a:tcPr marL="9525" marR="9525" marT="9525" marB="0" anchor="ctr"/>
+                </a:tc>
+                <a:tc>
+                  <a:txBody>
+                    <a:bodyPr/>
+                    <a:lstStyle/>
+                    <a:p>
+                      <a:pPr algn="ctr" fontAlgn="ctr"/>
+                      <a:r>
+                        <a:rPr lang="en-US" sz="1100" u="none" strike="noStrike">
+                          <a:effectLst/>
+                        </a:rPr>
+                        <a:t>-Inf</a:t>
+                      </a:r>
+                      <a:endParaRPr lang="en-US" sz="1100" b="1" i="0" u="none" strike="noStrike">
+                        <a:solidFill>
+                          <a:srgbClr val="000000"/>
+                        </a:solidFill>
+                        <a:effectLst/>
+                        <a:latin typeface="等线" panose="02010600030101010101" pitchFamily="2" charset="-122"/>
+                        <a:ea typeface="等线" panose="02010600030101010101" pitchFamily="2" charset="-122"/>
+                      </a:endParaRPr>
+                    </a:p>
+                  </a:txBody>
+                  <a:tcPr marL="9525" marR="9525" marT="9525" marB="0" anchor="ctr"/>
+                </a:tc>
+                <a:tc>
+                  <a:txBody>
+                    <a:bodyPr/>
+                    <a:lstStyle/>
+                    <a:p>
+                      <a:pPr algn="ctr" fontAlgn="ctr"/>
+                      <a:r>
+                        <a:rPr lang="en-US" altLang="zh-CN" sz="1100" u="none" strike="noStrike">
+                          <a:effectLst/>
+                        </a:rPr>
+                        <a:t>-1.832</a:t>
+                      </a:r>
+                      <a:endParaRPr lang="en-US" altLang="zh-CN" sz="1100" b="1" i="0" u="none" strike="noStrike">
+                        <a:solidFill>
+                          <a:srgbClr val="000000"/>
+                        </a:solidFill>
+                        <a:effectLst/>
+                        <a:latin typeface="等线" panose="02010600030101010101" pitchFamily="2" charset="-122"/>
+                        <a:ea typeface="等线" panose="02010600030101010101" pitchFamily="2" charset="-122"/>
+                      </a:endParaRPr>
+                    </a:p>
+                  </a:txBody>
+                  <a:tcPr marL="9525" marR="9525" marT="9525" marB="0" anchor="ctr"/>
+                </a:tc>
+                <a:tc>
+                  <a:txBody>
+                    <a:bodyPr/>
+                    <a:lstStyle/>
+                    <a:p>
+                      <a:pPr algn="ctr" fontAlgn="ctr"/>
+                      <a:r>
+                        <a:rPr lang="en-US" altLang="zh-CN" sz="1100" u="none" strike="noStrike">
+                          <a:effectLst/>
+                        </a:rPr>
+                        <a:t>3.7434</a:t>
+                      </a:r>
+                      <a:endParaRPr lang="en-US" altLang="zh-CN" sz="1100" b="1" i="0" u="none" strike="noStrike">
+                        <a:solidFill>
+                          <a:srgbClr val="000000"/>
+                        </a:solidFill>
+                        <a:effectLst/>
+                        <a:latin typeface="等线" panose="02010600030101010101" pitchFamily="2" charset="-122"/>
+                        <a:ea typeface="等线" panose="02010600030101010101" pitchFamily="2" charset="-122"/>
+                      </a:endParaRPr>
+                    </a:p>
+                  </a:txBody>
+                  <a:tcPr marL="9525" marR="9525" marT="9525" marB="0" anchor="ctr"/>
+                </a:tc>
+                <a:tc>
+                  <a:txBody>
+                    <a:bodyPr/>
+                    <a:lstStyle/>
+                    <a:p>
+                      <a:pPr algn="ctr" fontAlgn="ctr"/>
+                      <a:r>
+                        <a:rPr lang="en-US" altLang="zh-CN" sz="1100" u="none" strike="noStrike">
+                          <a:effectLst/>
+                        </a:rPr>
+                        <a:t>1.7775</a:t>
+                      </a:r>
+                      <a:endParaRPr lang="en-US" altLang="zh-CN" sz="1100" b="1" i="0" u="none" strike="noStrike">
+                        <a:solidFill>
+                          <a:srgbClr val="000000"/>
+                        </a:solidFill>
+                        <a:effectLst/>
+                        <a:latin typeface="等线" panose="02010600030101010101" pitchFamily="2" charset="-122"/>
+                        <a:ea typeface="等线" panose="02010600030101010101" pitchFamily="2" charset="-122"/>
+                      </a:endParaRPr>
+                    </a:p>
+                  </a:txBody>
+                  <a:tcPr marL="9525" marR="9525" marT="9525" marB="0" anchor="ctr"/>
+                </a:tc>
+                <a:tc>
+                  <a:txBody>
+                    <a:bodyPr/>
+                    <a:lstStyle/>
+                    <a:p>
+                      <a:pPr algn="ctr" fontAlgn="ctr"/>
+                      <a:r>
+                        <a:rPr lang="en-US" altLang="zh-CN" sz="1100" u="none" strike="noStrike">
+                          <a:effectLst/>
+                        </a:rPr>
+                        <a:t>3.7402</a:t>
+                      </a:r>
+                      <a:endParaRPr lang="en-US" altLang="zh-CN" sz="1100" b="1" i="0" u="none" strike="noStrike">
+                        <a:solidFill>
+                          <a:srgbClr val="000000"/>
+                        </a:solidFill>
+                        <a:effectLst/>
+                        <a:latin typeface="等线" panose="02010600030101010101" pitchFamily="2" charset="-122"/>
+                        <a:ea typeface="等线" panose="02010600030101010101" pitchFamily="2" charset="-122"/>
+                      </a:endParaRPr>
+                    </a:p>
+                  </a:txBody>
+                  <a:tcPr marL="9525" marR="9525" marT="9525" marB="0" anchor="ctr"/>
+                </a:tc>
+                <a:tc>
+                  <a:txBody>
+                    <a:bodyPr/>
+                    <a:lstStyle/>
+                    <a:p>
+                      <a:pPr algn="ctr" fontAlgn="ctr"/>
+                      <a:r>
+                        <a:rPr lang="en-US" altLang="zh-CN" sz="1100" u="none" strike="noStrike">
+                          <a:effectLst/>
+                        </a:rPr>
+                        <a:t>3.8145</a:t>
+                      </a:r>
+                      <a:endParaRPr lang="en-US" altLang="zh-CN" sz="1100" b="1" i="0" u="none" strike="noStrike">
+                        <a:solidFill>
+                          <a:srgbClr val="000000"/>
+                        </a:solidFill>
+                        <a:effectLst/>
+                        <a:latin typeface="等线" panose="02010600030101010101" pitchFamily="2" charset="-122"/>
+                        <a:ea typeface="等线" panose="02010600030101010101" pitchFamily="2" charset="-122"/>
+                      </a:endParaRPr>
+                    </a:p>
+                  </a:txBody>
+                  <a:tcPr marL="9525" marR="9525" marT="9525" marB="0" anchor="ctr"/>
+                </a:tc>
+                <a:tc>
+                  <a:txBody>
+                    <a:bodyPr/>
+                    <a:lstStyle/>
+                    <a:p>
+                      <a:pPr algn="ctr" fontAlgn="ctr"/>
+                      <a:r>
+                        <a:rPr lang="en-US" altLang="zh-CN" sz="1100" u="none" strike="noStrike">
+                          <a:effectLst/>
+                        </a:rPr>
+                        <a:t>5.6893</a:t>
+                      </a:r>
+                      <a:endParaRPr lang="en-US" altLang="zh-CN" sz="1100" b="1" i="0" u="none" strike="noStrike">
+                        <a:solidFill>
+                          <a:srgbClr val="000000"/>
+                        </a:solidFill>
+                        <a:effectLst/>
+                        <a:latin typeface="等线" panose="02010600030101010101" pitchFamily="2" charset="-122"/>
+                        <a:ea typeface="等线" panose="02010600030101010101" pitchFamily="2" charset="-122"/>
+                      </a:endParaRPr>
+                    </a:p>
+                  </a:txBody>
+                  <a:tcPr marL="9525" marR="9525" marT="9525" marB="0" anchor="ctr"/>
+                </a:tc>
+                <a:tc>
+                  <a:txBody>
+                    <a:bodyPr/>
+                    <a:lstStyle/>
+                    <a:p>
+                      <a:pPr algn="ctr" fontAlgn="ctr"/>
+                      <a:r>
+                        <a:rPr lang="en-US" altLang="zh-CN" sz="1100" u="none" strike="noStrike">
+                          <a:effectLst/>
+                        </a:rPr>
+                        <a:t>9.2742</a:t>
+                      </a:r>
+                      <a:endParaRPr lang="en-US" altLang="zh-CN" sz="1100" b="1" i="0" u="none" strike="noStrike">
+                        <a:solidFill>
+                          <a:srgbClr val="000000"/>
+                        </a:solidFill>
+                        <a:effectLst/>
+                        <a:latin typeface="等线" panose="02010600030101010101" pitchFamily="2" charset="-122"/>
+                        <a:ea typeface="等线" panose="02010600030101010101" pitchFamily="2" charset="-122"/>
+                      </a:endParaRPr>
+                    </a:p>
+                  </a:txBody>
+                  <a:tcPr marL="9525" marR="9525" marT="9525" marB="0" anchor="ctr"/>
+                </a:tc>
+                <a:tc>
+                  <a:txBody>
+                    <a:bodyPr/>
+                    <a:lstStyle/>
+                    <a:p>
+                      <a:pPr algn="ctr" fontAlgn="ctr"/>
+                      <a:r>
+                        <a:rPr lang="en-US" altLang="zh-CN" sz="1100" u="none" strike="noStrike">
+                          <a:effectLst/>
+                        </a:rPr>
+                        <a:t>7.625</a:t>
+                      </a:r>
+                      <a:endParaRPr lang="en-US" altLang="zh-CN" sz="1100" b="1" i="0" u="none" strike="noStrike">
+                        <a:solidFill>
+                          <a:srgbClr val="000000"/>
+                        </a:solidFill>
+                        <a:effectLst/>
+                        <a:latin typeface="等线" panose="02010600030101010101" pitchFamily="2" charset="-122"/>
+                        <a:ea typeface="等线" panose="02010600030101010101" pitchFamily="2" charset="-122"/>
+                      </a:endParaRPr>
+                    </a:p>
+                  </a:txBody>
+                  <a:tcPr marL="9525" marR="9525" marT="9525" marB="0" anchor="ctr"/>
+                </a:tc>
+                <a:tc>
+                  <a:txBody>
+                    <a:bodyPr/>
+                    <a:lstStyle/>
+                    <a:p>
+                      <a:pPr algn="ctr" fontAlgn="ctr"/>
+                      <a:r>
+                        <a:rPr lang="en-US" altLang="zh-CN" sz="1100" u="none" strike="noStrike">
+                          <a:effectLst/>
+                        </a:rPr>
+                        <a:t>13.054</a:t>
+                      </a:r>
+                      <a:endParaRPr lang="en-US" altLang="zh-CN" sz="1100" b="1" i="0" u="none" strike="noStrike">
+                        <a:solidFill>
+                          <a:srgbClr val="000000"/>
+                        </a:solidFill>
+                        <a:effectLst/>
+                        <a:latin typeface="等线" panose="02010600030101010101" pitchFamily="2" charset="-122"/>
+                        <a:ea typeface="等线" panose="02010600030101010101" pitchFamily="2" charset="-122"/>
+                      </a:endParaRPr>
+                    </a:p>
+                  </a:txBody>
+                  <a:tcPr marL="9525" marR="9525" marT="9525" marB="0" anchor="ctr"/>
+                </a:tc>
+                <a:tc>
+                  <a:txBody>
+                    <a:bodyPr/>
+                    <a:lstStyle/>
+                    <a:p>
+                      <a:pPr algn="ctr" fontAlgn="ctr"/>
+                      <a:r>
+                        <a:rPr lang="en-US" altLang="zh-CN" sz="1100" u="none" strike="noStrike">
+                          <a:effectLst/>
+                        </a:rPr>
+                        <a:t>9.4024</a:t>
+                      </a:r>
+                      <a:endParaRPr lang="en-US" altLang="zh-CN" sz="1100" b="1" i="0" u="none" strike="noStrike">
+                        <a:solidFill>
+                          <a:srgbClr val="000000"/>
+                        </a:solidFill>
+                        <a:effectLst/>
+                        <a:latin typeface="等线" panose="02010600030101010101" pitchFamily="2" charset="-122"/>
+                        <a:ea typeface="等线" panose="02010600030101010101" pitchFamily="2" charset="-122"/>
+                      </a:endParaRPr>
+                    </a:p>
+                  </a:txBody>
+                  <a:tcPr marL="9525" marR="9525" marT="9525" marB="0" anchor="ctr"/>
+                </a:tc>
+                <a:tc>
+                  <a:txBody>
+                    <a:bodyPr/>
+                    <a:lstStyle/>
+                    <a:p>
+                      <a:pPr algn="l" fontAlgn="b"/>
+                      <a:r>
+                        <a:rPr lang="en-US" altLang="zh-CN" sz="1100" u="none" strike="noStrike">
+                          <a:effectLst/>
+                        </a:rPr>
+                        <a:t>14.888</a:t>
+                      </a:r>
+                      <a:endParaRPr lang="en-US" altLang="zh-CN" sz="1100" b="1" i="0" u="none" strike="noStrike">
+                        <a:solidFill>
+                          <a:srgbClr val="000000"/>
+                        </a:solidFill>
+                        <a:effectLst/>
+                        <a:latin typeface="等线" panose="02010600030101010101" pitchFamily="2" charset="-122"/>
+                        <a:ea typeface="等线" panose="02010600030101010101" pitchFamily="2" charset="-122"/>
+                      </a:endParaRPr>
+                    </a:p>
+                  </a:txBody>
+                  <a:tcPr marL="9525" marR="9525" marT="9525" marB="0" anchor="b"/>
+                </a:tc>
+                <a:extLst>
+                  <a:ext uri="{0D108BD9-81ED-4DB2-BD59-A6C34878D82A}">
+                    <a16:rowId xmlns:a16="http://schemas.microsoft.com/office/drawing/2014/main" val="1299210201"/>
+                  </a:ext>
+                </a:extLst>
+              </a:tr>
+              <a:tr h="180975">
+                <a:tc>
+                  <a:txBody>
+                    <a:bodyPr/>
+                    <a:lstStyle/>
+                    <a:p>
+                      <a:pPr algn="ctr" fontAlgn="ctr"/>
+                      <a:r>
+                        <a:rPr lang="en-US" sz="1100" u="none" strike="noStrike">
+                          <a:effectLst/>
+                        </a:rPr>
+                        <a:t>-Inf</a:t>
+                      </a:r>
+                      <a:endParaRPr lang="en-US" sz="1100" b="1" i="0" u="none" strike="noStrike">
+                        <a:solidFill>
+                          <a:srgbClr val="000000"/>
+                        </a:solidFill>
+                        <a:effectLst/>
+                        <a:latin typeface="等线" panose="02010600030101010101" pitchFamily="2" charset="-122"/>
+                        <a:ea typeface="等线" panose="02010600030101010101" pitchFamily="2" charset="-122"/>
+                      </a:endParaRPr>
+                    </a:p>
+                  </a:txBody>
+                  <a:tcPr marL="9525" marR="9525" marT="9525" marB="0" anchor="ctr"/>
+                </a:tc>
+                <a:tc>
+                  <a:txBody>
+                    <a:bodyPr/>
+                    <a:lstStyle/>
+                    <a:p>
+                      <a:pPr algn="ctr" fontAlgn="ctr"/>
+                      <a:r>
+                        <a:rPr lang="en-US" sz="1100" u="none" strike="noStrike">
+                          <a:effectLst/>
+                        </a:rPr>
+                        <a:t>-Inf</a:t>
+                      </a:r>
+                      <a:endParaRPr lang="en-US" sz="1100" b="1" i="0" u="none" strike="noStrike">
+                        <a:solidFill>
+                          <a:srgbClr val="000000"/>
+                        </a:solidFill>
+                        <a:effectLst/>
+                        <a:latin typeface="等线" panose="02010600030101010101" pitchFamily="2" charset="-122"/>
+                        <a:ea typeface="等线" panose="02010600030101010101" pitchFamily="2" charset="-122"/>
+                      </a:endParaRPr>
+                    </a:p>
+                  </a:txBody>
+                  <a:tcPr marL="9525" marR="9525" marT="9525" marB="0" anchor="ctr"/>
+                </a:tc>
+                <a:tc>
+                  <a:txBody>
+                    <a:bodyPr/>
+                    <a:lstStyle/>
+                    <a:p>
+                      <a:pPr algn="ctr" fontAlgn="ctr"/>
+                      <a:r>
+                        <a:rPr lang="en-US" sz="1100" u="none" strike="noStrike">
+                          <a:effectLst/>
+                        </a:rPr>
+                        <a:t>-Inf</a:t>
+                      </a:r>
+                      <a:endParaRPr lang="en-US" sz="1100" b="1" i="0" u="none" strike="noStrike">
+                        <a:solidFill>
+                          <a:srgbClr val="000000"/>
+                        </a:solidFill>
+                        <a:effectLst/>
+                        <a:latin typeface="等线" panose="02010600030101010101" pitchFamily="2" charset="-122"/>
+                        <a:ea typeface="等线" panose="02010600030101010101" pitchFamily="2" charset="-122"/>
+                      </a:endParaRPr>
+                    </a:p>
+                  </a:txBody>
+                  <a:tcPr marL="9525" marR="9525" marT="9525" marB="0" anchor="ctr"/>
+                </a:tc>
+                <a:tc>
+                  <a:txBody>
+                    <a:bodyPr/>
+                    <a:lstStyle/>
+                    <a:p>
+                      <a:pPr algn="ctr" fontAlgn="ctr"/>
+                      <a:r>
+                        <a:rPr lang="en-US" altLang="zh-CN" sz="1100" u="none" strike="noStrike">
+                          <a:effectLst/>
+                        </a:rPr>
+                        <a:t>-1.813</a:t>
+                      </a:r>
+                      <a:endParaRPr lang="en-US" altLang="zh-CN" sz="1100" b="1" i="0" u="none" strike="noStrike">
+                        <a:solidFill>
+                          <a:srgbClr val="000000"/>
+                        </a:solidFill>
+                        <a:effectLst/>
+                        <a:latin typeface="等线" panose="02010600030101010101" pitchFamily="2" charset="-122"/>
+                        <a:ea typeface="等线" panose="02010600030101010101" pitchFamily="2" charset="-122"/>
+                      </a:endParaRPr>
+                    </a:p>
+                  </a:txBody>
+                  <a:tcPr marL="9525" marR="9525" marT="9525" marB="0" anchor="ctr"/>
+                </a:tc>
+                <a:tc>
+                  <a:txBody>
+                    <a:bodyPr/>
+                    <a:lstStyle/>
+                    <a:p>
+                      <a:pPr algn="ctr" fontAlgn="ctr"/>
+                      <a:r>
+                        <a:rPr lang="en-US" altLang="zh-CN" sz="1100" u="none" strike="noStrike">
+                          <a:effectLst/>
+                        </a:rPr>
+                        <a:t>-0.088</a:t>
+                      </a:r>
+                      <a:endParaRPr lang="en-US" altLang="zh-CN" sz="1100" b="1" i="0" u="none" strike="noStrike">
+                        <a:solidFill>
+                          <a:srgbClr val="000000"/>
+                        </a:solidFill>
+                        <a:effectLst/>
+                        <a:latin typeface="等线" panose="02010600030101010101" pitchFamily="2" charset="-122"/>
+                        <a:ea typeface="等线" panose="02010600030101010101" pitchFamily="2" charset="-122"/>
+                      </a:endParaRPr>
+                    </a:p>
+                  </a:txBody>
+                  <a:tcPr marL="9525" marR="9525" marT="9525" marB="0" anchor="ctr"/>
+                </a:tc>
+                <a:tc>
+                  <a:txBody>
+                    <a:bodyPr/>
+                    <a:lstStyle/>
+                    <a:p>
+                      <a:pPr algn="ctr" fontAlgn="ctr"/>
+                      <a:r>
+                        <a:rPr lang="en-US" altLang="zh-CN" sz="1100" u="none" strike="noStrike">
+                          <a:effectLst/>
+                        </a:rPr>
+                        <a:t>3.6882</a:t>
+                      </a:r>
+                      <a:endParaRPr lang="en-US" altLang="zh-CN" sz="1100" b="1" i="0" u="none" strike="noStrike">
+                        <a:solidFill>
+                          <a:srgbClr val="000000"/>
+                        </a:solidFill>
+                        <a:effectLst/>
+                        <a:latin typeface="等线" panose="02010600030101010101" pitchFamily="2" charset="-122"/>
+                        <a:ea typeface="等线" panose="02010600030101010101" pitchFamily="2" charset="-122"/>
+                      </a:endParaRPr>
+                    </a:p>
+                  </a:txBody>
+                  <a:tcPr marL="9525" marR="9525" marT="9525" marB="0" anchor="ctr"/>
+                </a:tc>
+                <a:tc>
+                  <a:txBody>
+                    <a:bodyPr/>
+                    <a:lstStyle/>
+                    <a:p>
+                      <a:pPr algn="ctr" fontAlgn="ctr"/>
+                      <a:r>
+                        <a:rPr lang="en-US" altLang="zh-CN" sz="1100" u="none" strike="noStrike">
+                          <a:effectLst/>
+                        </a:rPr>
+                        <a:t>3.7985</a:t>
+                      </a:r>
+                      <a:endParaRPr lang="en-US" altLang="zh-CN" sz="1100" b="1" i="0" u="none" strike="noStrike">
+                        <a:solidFill>
+                          <a:srgbClr val="000000"/>
+                        </a:solidFill>
+                        <a:effectLst/>
+                        <a:latin typeface="等线" panose="02010600030101010101" pitchFamily="2" charset="-122"/>
+                        <a:ea typeface="等线" panose="02010600030101010101" pitchFamily="2" charset="-122"/>
+                      </a:endParaRPr>
+                    </a:p>
+                  </a:txBody>
+                  <a:tcPr marL="9525" marR="9525" marT="9525" marB="0" anchor="ctr"/>
+                </a:tc>
+                <a:tc>
+                  <a:txBody>
+                    <a:bodyPr/>
+                    <a:lstStyle/>
+                    <a:p>
+                      <a:pPr algn="ctr" fontAlgn="ctr"/>
+                      <a:r>
+                        <a:rPr lang="en-US" altLang="zh-CN" sz="1100" u="none" strike="noStrike">
+                          <a:effectLst/>
+                        </a:rPr>
+                        <a:t>3.8063</a:t>
+                      </a:r>
+                      <a:endParaRPr lang="en-US" altLang="zh-CN" sz="1100" b="1" i="0" u="none" strike="noStrike">
+                        <a:solidFill>
+                          <a:srgbClr val="000000"/>
+                        </a:solidFill>
+                        <a:effectLst/>
+                        <a:latin typeface="等线" panose="02010600030101010101" pitchFamily="2" charset="-122"/>
+                        <a:ea typeface="等线" panose="02010600030101010101" pitchFamily="2" charset="-122"/>
+                      </a:endParaRPr>
+                    </a:p>
+                  </a:txBody>
+                  <a:tcPr marL="9525" marR="9525" marT="9525" marB="0" anchor="ctr"/>
+                </a:tc>
+                <a:tc>
+                  <a:txBody>
+                    <a:bodyPr/>
+                    <a:lstStyle/>
+                    <a:p>
+                      <a:pPr algn="ctr" fontAlgn="ctr"/>
+                      <a:r>
+                        <a:rPr lang="en-US" altLang="zh-CN" sz="1100" u="none" strike="noStrike">
+                          <a:effectLst/>
+                        </a:rPr>
+                        <a:t>11.19</a:t>
+                      </a:r>
+                      <a:endParaRPr lang="en-US" altLang="zh-CN" sz="1100" b="1" i="0" u="none" strike="noStrike">
+                        <a:solidFill>
+                          <a:srgbClr val="000000"/>
+                        </a:solidFill>
+                        <a:effectLst/>
+                        <a:latin typeface="等线" panose="02010600030101010101" pitchFamily="2" charset="-122"/>
+                        <a:ea typeface="等线" panose="02010600030101010101" pitchFamily="2" charset="-122"/>
+                      </a:endParaRPr>
+                    </a:p>
+                  </a:txBody>
+                  <a:tcPr marL="9525" marR="9525" marT="9525" marB="0" anchor="ctr"/>
+                </a:tc>
+                <a:tc>
+                  <a:txBody>
+                    <a:bodyPr/>
+                    <a:lstStyle/>
+                    <a:p>
+                      <a:pPr algn="ctr" fontAlgn="ctr"/>
+                      <a:r>
+                        <a:rPr lang="en-US" altLang="zh-CN" sz="1100" u="none" strike="noStrike">
+                          <a:effectLst/>
+                        </a:rPr>
+                        <a:t>9.393</a:t>
+                      </a:r>
+                      <a:endParaRPr lang="en-US" altLang="zh-CN" sz="1100" b="1" i="0" u="none" strike="noStrike">
+                        <a:solidFill>
+                          <a:srgbClr val="000000"/>
+                        </a:solidFill>
+                        <a:effectLst/>
+                        <a:latin typeface="等线" panose="02010600030101010101" pitchFamily="2" charset="-122"/>
+                        <a:ea typeface="等线" panose="02010600030101010101" pitchFamily="2" charset="-122"/>
+                      </a:endParaRPr>
+                    </a:p>
+                  </a:txBody>
+                  <a:tcPr marL="9525" marR="9525" marT="9525" marB="0" anchor="ctr"/>
+                </a:tc>
+                <a:tc>
+                  <a:txBody>
+                    <a:bodyPr/>
+                    <a:lstStyle/>
+                    <a:p>
+                      <a:pPr algn="ctr" fontAlgn="ctr"/>
+                      <a:r>
+                        <a:rPr lang="en-US" altLang="zh-CN" sz="1100" u="none" strike="noStrike">
+                          <a:effectLst/>
+                        </a:rPr>
+                        <a:t>9.3656</a:t>
+                      </a:r>
+                      <a:endParaRPr lang="en-US" altLang="zh-CN" sz="1100" b="1" i="0" u="none" strike="noStrike">
+                        <a:solidFill>
+                          <a:srgbClr val="000000"/>
+                        </a:solidFill>
+                        <a:effectLst/>
+                        <a:latin typeface="等线" panose="02010600030101010101" pitchFamily="2" charset="-122"/>
+                        <a:ea typeface="等线" panose="02010600030101010101" pitchFamily="2" charset="-122"/>
+                      </a:endParaRPr>
+                    </a:p>
+                  </a:txBody>
+                  <a:tcPr marL="9525" marR="9525" marT="9525" marB="0" anchor="ctr"/>
+                </a:tc>
+                <a:tc>
+                  <a:txBody>
+                    <a:bodyPr/>
+                    <a:lstStyle/>
+                    <a:p>
+                      <a:pPr algn="ctr" fontAlgn="ctr"/>
+                      <a:r>
+                        <a:rPr lang="en-US" altLang="zh-CN" sz="1100" u="none" strike="noStrike">
+                          <a:effectLst/>
+                        </a:rPr>
+                        <a:t>11.153</a:t>
+                      </a:r>
+                      <a:endParaRPr lang="en-US" altLang="zh-CN" sz="1100" b="1" i="0" u="none" strike="noStrike">
+                        <a:solidFill>
+                          <a:srgbClr val="000000"/>
+                        </a:solidFill>
+                        <a:effectLst/>
+                        <a:latin typeface="等线" panose="02010600030101010101" pitchFamily="2" charset="-122"/>
+                        <a:ea typeface="等线" panose="02010600030101010101" pitchFamily="2" charset="-122"/>
+                      </a:endParaRPr>
+                    </a:p>
+                  </a:txBody>
+                  <a:tcPr marL="9525" marR="9525" marT="9525" marB="0" anchor="ctr"/>
+                </a:tc>
+                <a:tc>
+                  <a:txBody>
+                    <a:bodyPr/>
+                    <a:lstStyle/>
+                    <a:p>
+                      <a:pPr algn="l" fontAlgn="b"/>
+                      <a:r>
+                        <a:rPr lang="en-US" altLang="zh-CN" sz="1100" u="none" strike="noStrike">
+                          <a:effectLst/>
+                        </a:rPr>
+                        <a:t>16.805</a:t>
+                      </a:r>
+                      <a:endParaRPr lang="en-US" altLang="zh-CN" sz="1100" b="1" i="0" u="none" strike="noStrike">
+                        <a:solidFill>
+                          <a:srgbClr val="000000"/>
+                        </a:solidFill>
+                        <a:effectLst/>
+                        <a:latin typeface="等线" panose="02010600030101010101" pitchFamily="2" charset="-122"/>
+                        <a:ea typeface="等线" panose="02010600030101010101" pitchFamily="2" charset="-122"/>
+                      </a:endParaRPr>
+                    </a:p>
+                  </a:txBody>
+                  <a:tcPr marL="9525" marR="9525" marT="9525" marB="0" anchor="b"/>
+                </a:tc>
+                <a:extLst>
+                  <a:ext uri="{0D108BD9-81ED-4DB2-BD59-A6C34878D82A}">
+                    <a16:rowId xmlns:a16="http://schemas.microsoft.com/office/drawing/2014/main" val="218208803"/>
+                  </a:ext>
+                </a:extLst>
+              </a:tr>
+              <a:tr h="180975">
+                <a:tc>
+                  <a:txBody>
+                    <a:bodyPr/>
+                    <a:lstStyle/>
+                    <a:p>
+                      <a:pPr algn="ctr" fontAlgn="ctr"/>
+                      <a:r>
+                        <a:rPr lang="en-US" sz="1100" u="none" strike="noStrike">
+                          <a:effectLst/>
+                        </a:rPr>
+                        <a:t>-Inf</a:t>
+                      </a:r>
+                      <a:endParaRPr lang="en-US" sz="1100" b="1" i="0" u="none" strike="noStrike">
+                        <a:solidFill>
+                          <a:srgbClr val="000000"/>
+                        </a:solidFill>
+                        <a:effectLst/>
+                        <a:latin typeface="等线" panose="02010600030101010101" pitchFamily="2" charset="-122"/>
+                        <a:ea typeface="等线" panose="02010600030101010101" pitchFamily="2" charset="-122"/>
+                      </a:endParaRPr>
+                    </a:p>
+                  </a:txBody>
+                  <a:tcPr marL="9525" marR="9525" marT="9525" marB="0" anchor="ctr"/>
+                </a:tc>
+                <a:tc>
+                  <a:txBody>
+                    <a:bodyPr/>
+                    <a:lstStyle/>
+                    <a:p>
+                      <a:pPr algn="ctr" fontAlgn="ctr"/>
+                      <a:r>
+                        <a:rPr lang="en-US" sz="1100" u="none" strike="noStrike">
+                          <a:effectLst/>
+                        </a:rPr>
+                        <a:t>-Inf</a:t>
+                      </a:r>
+                      <a:endParaRPr lang="en-US" sz="1100" b="1" i="0" u="none" strike="noStrike">
+                        <a:solidFill>
+                          <a:srgbClr val="000000"/>
+                        </a:solidFill>
+                        <a:effectLst/>
+                        <a:latin typeface="等线" panose="02010600030101010101" pitchFamily="2" charset="-122"/>
+                        <a:ea typeface="等线" panose="02010600030101010101" pitchFamily="2" charset="-122"/>
+                      </a:endParaRPr>
+                    </a:p>
+                  </a:txBody>
+                  <a:tcPr marL="9525" marR="9525" marT="9525" marB="0" anchor="ctr"/>
+                </a:tc>
+                <a:tc>
+                  <a:txBody>
+                    <a:bodyPr/>
+                    <a:lstStyle/>
+                    <a:p>
+                      <a:pPr algn="ctr" fontAlgn="ctr"/>
+                      <a:r>
+                        <a:rPr lang="en-US" sz="1100" u="none" strike="noStrike">
+                          <a:effectLst/>
+                        </a:rPr>
+                        <a:t>-Inf</a:t>
+                      </a:r>
+                      <a:endParaRPr lang="en-US" sz="1100" b="1" i="0" u="none" strike="noStrike">
+                        <a:solidFill>
+                          <a:srgbClr val="000000"/>
+                        </a:solidFill>
+                        <a:effectLst/>
+                        <a:latin typeface="等线" panose="02010600030101010101" pitchFamily="2" charset="-122"/>
+                        <a:ea typeface="等线" panose="02010600030101010101" pitchFamily="2" charset="-122"/>
+                      </a:endParaRPr>
+                    </a:p>
+                  </a:txBody>
+                  <a:tcPr marL="9525" marR="9525" marT="9525" marB="0" anchor="ctr"/>
+                </a:tc>
+                <a:tc>
+                  <a:txBody>
+                    <a:bodyPr/>
+                    <a:lstStyle/>
+                    <a:p>
+                      <a:pPr algn="ctr" fontAlgn="ctr"/>
+                      <a:r>
+                        <a:rPr lang="en-US" altLang="zh-CN" sz="1100" u="none" strike="noStrike">
+                          <a:effectLst/>
+                        </a:rPr>
+                        <a:t>-1.851</a:t>
+                      </a:r>
+                      <a:endParaRPr lang="en-US" altLang="zh-CN" sz="1100" b="1" i="0" u="none" strike="noStrike">
+                        <a:solidFill>
+                          <a:srgbClr val="000000"/>
+                        </a:solidFill>
+                        <a:effectLst/>
+                        <a:latin typeface="等线" panose="02010600030101010101" pitchFamily="2" charset="-122"/>
+                        <a:ea typeface="等线" panose="02010600030101010101" pitchFamily="2" charset="-122"/>
+                      </a:endParaRPr>
+                    </a:p>
+                  </a:txBody>
+                  <a:tcPr marL="9525" marR="9525" marT="9525" marB="0" anchor="ctr"/>
+                </a:tc>
+                <a:tc>
+                  <a:txBody>
+                    <a:bodyPr/>
+                    <a:lstStyle/>
+                    <a:p>
+                      <a:pPr algn="ctr" fontAlgn="ctr"/>
+                      <a:r>
+                        <a:rPr lang="en-US" altLang="zh-CN" sz="1100" u="none" strike="noStrike">
+                          <a:effectLst/>
+                        </a:rPr>
+                        <a:t>-0.072</a:t>
+                      </a:r>
+                      <a:endParaRPr lang="en-US" altLang="zh-CN" sz="1100" b="1" i="0" u="none" strike="noStrike">
+                        <a:solidFill>
+                          <a:srgbClr val="000000"/>
+                        </a:solidFill>
+                        <a:effectLst/>
+                        <a:latin typeface="等线" panose="02010600030101010101" pitchFamily="2" charset="-122"/>
+                        <a:ea typeface="等线" panose="02010600030101010101" pitchFamily="2" charset="-122"/>
+                      </a:endParaRPr>
+                    </a:p>
+                  </a:txBody>
+                  <a:tcPr marL="9525" marR="9525" marT="9525" marB="0" anchor="ctr"/>
+                </a:tc>
+                <a:tc>
+                  <a:txBody>
+                    <a:bodyPr/>
+                    <a:lstStyle/>
+                    <a:p>
+                      <a:pPr algn="ctr" fontAlgn="ctr"/>
+                      <a:r>
+                        <a:rPr lang="en-US" altLang="zh-CN" sz="1100" u="none" strike="noStrike">
+                          <a:effectLst/>
+                        </a:rPr>
+                        <a:t>3.8145</a:t>
+                      </a:r>
+                      <a:endParaRPr lang="en-US" altLang="zh-CN" sz="1100" b="1" i="0" u="none" strike="noStrike">
+                        <a:solidFill>
+                          <a:srgbClr val="000000"/>
+                        </a:solidFill>
+                        <a:effectLst/>
+                        <a:latin typeface="等线" panose="02010600030101010101" pitchFamily="2" charset="-122"/>
+                        <a:ea typeface="等线" panose="02010600030101010101" pitchFamily="2" charset="-122"/>
+                      </a:endParaRPr>
+                    </a:p>
+                  </a:txBody>
+                  <a:tcPr marL="9525" marR="9525" marT="9525" marB="0" anchor="ctr"/>
+                </a:tc>
+                <a:tc>
+                  <a:txBody>
+                    <a:bodyPr/>
+                    <a:lstStyle/>
+                    <a:p>
+                      <a:pPr algn="ctr" fontAlgn="ctr"/>
+                      <a:r>
+                        <a:rPr lang="en-US" altLang="zh-CN" sz="1100" u="none" strike="noStrike">
+                          <a:effectLst/>
+                        </a:rPr>
+                        <a:t>3.7985</a:t>
+                      </a:r>
+                      <a:endParaRPr lang="en-US" altLang="zh-CN" sz="1100" b="1" i="0" u="none" strike="noStrike">
+                        <a:solidFill>
+                          <a:srgbClr val="000000"/>
+                        </a:solidFill>
+                        <a:effectLst/>
+                        <a:latin typeface="等线" panose="02010600030101010101" pitchFamily="2" charset="-122"/>
+                        <a:ea typeface="等线" panose="02010600030101010101" pitchFamily="2" charset="-122"/>
+                      </a:endParaRPr>
+                    </a:p>
+                  </a:txBody>
+                  <a:tcPr marL="9525" marR="9525" marT="9525" marB="0" anchor="ctr"/>
+                </a:tc>
+                <a:tc>
+                  <a:txBody>
+                    <a:bodyPr/>
+                    <a:lstStyle/>
+                    <a:p>
+                      <a:pPr algn="ctr" fontAlgn="ctr"/>
+                      <a:r>
+                        <a:rPr lang="en-US" altLang="zh-CN" sz="1100" u="none" strike="noStrike">
+                          <a:effectLst/>
+                        </a:rPr>
+                        <a:t>3.8226</a:t>
+                      </a:r>
+                      <a:endParaRPr lang="en-US" altLang="zh-CN" sz="1100" b="1" i="0" u="none" strike="noStrike">
+                        <a:solidFill>
+                          <a:srgbClr val="000000"/>
+                        </a:solidFill>
+                        <a:effectLst/>
+                        <a:latin typeface="等线" panose="02010600030101010101" pitchFamily="2" charset="-122"/>
+                        <a:ea typeface="等线" panose="02010600030101010101" pitchFamily="2" charset="-122"/>
+                      </a:endParaRPr>
+                    </a:p>
+                  </a:txBody>
+                  <a:tcPr marL="9525" marR="9525" marT="9525" marB="0" anchor="ctr"/>
+                </a:tc>
+                <a:tc>
+                  <a:txBody>
+                    <a:bodyPr/>
+                    <a:lstStyle/>
+                    <a:p>
+                      <a:pPr algn="ctr" fontAlgn="ctr"/>
+                      <a:r>
+                        <a:rPr lang="en-US" altLang="zh-CN" sz="1100" u="none" strike="noStrike">
+                          <a:effectLst/>
+                        </a:rPr>
+                        <a:t>7.5011</a:t>
+                      </a:r>
+                      <a:endParaRPr lang="en-US" altLang="zh-CN" sz="1100" b="1" i="0" u="none" strike="noStrike">
+                        <a:solidFill>
+                          <a:srgbClr val="000000"/>
+                        </a:solidFill>
+                        <a:effectLst/>
+                        <a:latin typeface="等线" panose="02010600030101010101" pitchFamily="2" charset="-122"/>
+                        <a:ea typeface="等线" panose="02010600030101010101" pitchFamily="2" charset="-122"/>
+                      </a:endParaRPr>
+                    </a:p>
+                  </a:txBody>
+                  <a:tcPr marL="9525" marR="9525" marT="9525" marB="0" anchor="ctr"/>
+                </a:tc>
+                <a:tc>
+                  <a:txBody>
+                    <a:bodyPr/>
+                    <a:lstStyle/>
+                    <a:p>
+                      <a:pPr algn="ctr" fontAlgn="ctr"/>
+                      <a:r>
+                        <a:rPr lang="en-US" altLang="zh-CN" sz="1100" u="none" strike="noStrike">
+                          <a:effectLst/>
+                        </a:rPr>
+                        <a:t>9.4403</a:t>
+                      </a:r>
+                      <a:endParaRPr lang="en-US" altLang="zh-CN" sz="1100" b="1" i="0" u="none" strike="noStrike">
+                        <a:solidFill>
+                          <a:srgbClr val="000000"/>
+                        </a:solidFill>
+                        <a:effectLst/>
+                        <a:latin typeface="等线" panose="02010600030101010101" pitchFamily="2" charset="-122"/>
+                        <a:ea typeface="等线" panose="02010600030101010101" pitchFamily="2" charset="-122"/>
+                      </a:endParaRPr>
+                    </a:p>
+                  </a:txBody>
+                  <a:tcPr marL="9525" marR="9525" marT="9525" marB="0" anchor="ctr"/>
+                </a:tc>
+                <a:tc>
+                  <a:txBody>
+                    <a:bodyPr/>
+                    <a:lstStyle/>
+                    <a:p>
+                      <a:pPr algn="ctr" fontAlgn="ctr"/>
+                      <a:r>
+                        <a:rPr lang="en-US" altLang="zh-CN" sz="1100" u="none" strike="noStrike">
+                          <a:effectLst/>
+                        </a:rPr>
+                        <a:t>9.3656</a:t>
+                      </a:r>
+                      <a:endParaRPr lang="en-US" altLang="zh-CN" sz="1100" b="1" i="0" u="none" strike="noStrike">
+                        <a:solidFill>
+                          <a:srgbClr val="000000"/>
+                        </a:solidFill>
+                        <a:effectLst/>
+                        <a:latin typeface="等线" panose="02010600030101010101" pitchFamily="2" charset="-122"/>
+                        <a:ea typeface="等线" panose="02010600030101010101" pitchFamily="2" charset="-122"/>
+                      </a:endParaRPr>
+                    </a:p>
+                  </a:txBody>
+                  <a:tcPr marL="9525" marR="9525" marT="9525" marB="0" anchor="ctr"/>
+                </a:tc>
+                <a:tc>
+                  <a:txBody>
+                    <a:bodyPr/>
+                    <a:lstStyle/>
+                    <a:p>
+                      <a:pPr algn="ctr" fontAlgn="ctr"/>
+                      <a:r>
+                        <a:rPr lang="en-US" altLang="zh-CN" sz="1100" u="none" strike="noStrike">
+                          <a:effectLst/>
+                        </a:rPr>
+                        <a:t>14.955</a:t>
+                      </a:r>
+                      <a:endParaRPr lang="en-US" altLang="zh-CN" sz="1100" b="1" i="0" u="none" strike="noStrike">
+                        <a:solidFill>
+                          <a:srgbClr val="000000"/>
+                        </a:solidFill>
+                        <a:effectLst/>
+                        <a:latin typeface="等线" panose="02010600030101010101" pitchFamily="2" charset="-122"/>
+                        <a:ea typeface="等线" panose="02010600030101010101" pitchFamily="2" charset="-122"/>
+                      </a:endParaRPr>
+                    </a:p>
+                  </a:txBody>
+                  <a:tcPr marL="9525" marR="9525" marT="9525" marB="0" anchor="ctr"/>
+                </a:tc>
+                <a:tc>
+                  <a:txBody>
+                    <a:bodyPr/>
+                    <a:lstStyle/>
+                    <a:p>
+                      <a:pPr algn="l" fontAlgn="b"/>
+                      <a:r>
+                        <a:rPr lang="en-US" altLang="zh-CN" sz="1100" u="none" strike="noStrike">
+                          <a:effectLst/>
+                        </a:rPr>
+                        <a:t>13.106</a:t>
+                      </a:r>
+                      <a:endParaRPr lang="en-US" altLang="zh-CN" sz="1100" b="1" i="0" u="none" strike="noStrike">
+                        <a:solidFill>
+                          <a:srgbClr val="000000"/>
+                        </a:solidFill>
+                        <a:effectLst/>
+                        <a:latin typeface="等线" panose="02010600030101010101" pitchFamily="2" charset="-122"/>
+                        <a:ea typeface="等线" panose="02010600030101010101" pitchFamily="2" charset="-122"/>
+                      </a:endParaRPr>
+                    </a:p>
+                  </a:txBody>
+                  <a:tcPr marL="9525" marR="9525" marT="9525" marB="0" anchor="b"/>
+                </a:tc>
+                <a:extLst>
+                  <a:ext uri="{0D108BD9-81ED-4DB2-BD59-A6C34878D82A}">
+                    <a16:rowId xmlns:a16="http://schemas.microsoft.com/office/drawing/2014/main" val="313679912"/>
+                  </a:ext>
+                </a:extLst>
+              </a:tr>
+              <a:tr h="180975">
+                <a:tc>
+                  <a:txBody>
+                    <a:bodyPr/>
+                    <a:lstStyle/>
+                    <a:p>
+                      <a:pPr algn="ctr" fontAlgn="ctr"/>
+                      <a:r>
+                        <a:rPr lang="en-US" sz="1100" u="none" strike="noStrike">
+                          <a:effectLst/>
+                        </a:rPr>
+                        <a:t>-Inf</a:t>
+                      </a:r>
+                      <a:endParaRPr lang="en-US" sz="1100" b="1" i="0" u="none" strike="noStrike">
+                        <a:solidFill>
+                          <a:srgbClr val="000000"/>
+                        </a:solidFill>
+                        <a:effectLst/>
+                        <a:latin typeface="等线" panose="02010600030101010101" pitchFamily="2" charset="-122"/>
+                        <a:ea typeface="等线" panose="02010600030101010101" pitchFamily="2" charset="-122"/>
+                      </a:endParaRPr>
+                    </a:p>
+                  </a:txBody>
+                  <a:tcPr marL="9525" marR="9525" marT="9525" marB="0" anchor="ctr"/>
+                </a:tc>
+                <a:tc>
+                  <a:txBody>
+                    <a:bodyPr/>
+                    <a:lstStyle/>
+                    <a:p>
+                      <a:pPr algn="ctr" fontAlgn="ctr"/>
+                      <a:r>
+                        <a:rPr lang="en-US" sz="1100" u="none" strike="noStrike">
+                          <a:effectLst/>
+                        </a:rPr>
+                        <a:t>-Inf</a:t>
+                      </a:r>
+                      <a:endParaRPr lang="en-US" sz="1100" b="1" i="0" u="none" strike="noStrike">
+                        <a:solidFill>
+                          <a:srgbClr val="000000"/>
+                        </a:solidFill>
+                        <a:effectLst/>
+                        <a:latin typeface="等线" panose="02010600030101010101" pitchFamily="2" charset="-122"/>
+                        <a:ea typeface="等线" panose="02010600030101010101" pitchFamily="2" charset="-122"/>
+                      </a:endParaRPr>
+                    </a:p>
+                  </a:txBody>
+                  <a:tcPr marL="9525" marR="9525" marT="9525" marB="0" anchor="ctr"/>
+                </a:tc>
+                <a:tc>
+                  <a:txBody>
+                    <a:bodyPr/>
+                    <a:lstStyle/>
+                    <a:p>
+                      <a:pPr algn="ctr" fontAlgn="ctr"/>
+                      <a:r>
+                        <a:rPr lang="en-US" sz="1100" u="none" strike="noStrike">
+                          <a:effectLst/>
+                        </a:rPr>
+                        <a:t>-Inf</a:t>
+                      </a:r>
+                      <a:endParaRPr lang="en-US" sz="1100" b="1" i="0" u="none" strike="noStrike">
+                        <a:solidFill>
+                          <a:srgbClr val="000000"/>
+                        </a:solidFill>
+                        <a:effectLst/>
+                        <a:latin typeface="等线" panose="02010600030101010101" pitchFamily="2" charset="-122"/>
+                        <a:ea typeface="等线" panose="02010600030101010101" pitchFamily="2" charset="-122"/>
+                      </a:endParaRPr>
+                    </a:p>
+                  </a:txBody>
+                  <a:tcPr marL="9525" marR="9525" marT="9525" marB="0" anchor="ctr"/>
+                </a:tc>
+                <a:tc>
+                  <a:txBody>
+                    <a:bodyPr/>
+                    <a:lstStyle/>
+                    <a:p>
+                      <a:pPr algn="ctr" fontAlgn="ctr"/>
+                      <a:r>
+                        <a:rPr lang="en-US" altLang="zh-CN" sz="1100" u="none" strike="noStrike">
+                          <a:effectLst/>
+                        </a:rPr>
+                        <a:t>-1.851</a:t>
+                      </a:r>
+                      <a:endParaRPr lang="en-US" altLang="zh-CN" sz="1100" b="1" i="0" u="none" strike="noStrike">
+                        <a:solidFill>
+                          <a:srgbClr val="000000"/>
+                        </a:solidFill>
+                        <a:effectLst/>
+                        <a:latin typeface="等线" panose="02010600030101010101" pitchFamily="2" charset="-122"/>
+                        <a:ea typeface="等线" panose="02010600030101010101" pitchFamily="2" charset="-122"/>
+                      </a:endParaRPr>
+                    </a:p>
+                  </a:txBody>
+                  <a:tcPr marL="9525" marR="9525" marT="9525" marB="0" anchor="ctr"/>
+                </a:tc>
+                <a:tc>
+                  <a:txBody>
+                    <a:bodyPr/>
+                    <a:lstStyle/>
+                    <a:p>
+                      <a:pPr algn="ctr" fontAlgn="ctr"/>
+                      <a:r>
+                        <a:rPr lang="en-US" altLang="zh-CN" sz="1100" u="none" strike="noStrike">
+                          <a:effectLst/>
+                        </a:rPr>
+                        <a:t>3.7513</a:t>
+                      </a:r>
+                      <a:endParaRPr lang="en-US" altLang="zh-CN" sz="1100" b="1" i="0" u="none" strike="noStrike">
+                        <a:solidFill>
+                          <a:srgbClr val="000000"/>
+                        </a:solidFill>
+                        <a:effectLst/>
+                        <a:latin typeface="等线" panose="02010600030101010101" pitchFamily="2" charset="-122"/>
+                        <a:ea typeface="等线" panose="02010600030101010101" pitchFamily="2" charset="-122"/>
+                      </a:endParaRPr>
+                    </a:p>
+                  </a:txBody>
+                  <a:tcPr marL="9525" marR="9525" marT="9525" marB="0" anchor="ctr"/>
+                </a:tc>
+                <a:tc>
+                  <a:txBody>
+                    <a:bodyPr/>
+                    <a:lstStyle/>
+                    <a:p>
+                      <a:pPr algn="ctr" fontAlgn="ctr"/>
+                      <a:r>
+                        <a:rPr lang="en-US" altLang="zh-CN" sz="1100" u="none" strike="noStrike">
+                          <a:effectLst/>
+                        </a:rPr>
+                        <a:t>3.7985</a:t>
+                      </a:r>
+                      <a:endParaRPr lang="en-US" altLang="zh-CN" sz="1100" b="1" i="0" u="none" strike="noStrike">
+                        <a:solidFill>
+                          <a:srgbClr val="000000"/>
+                        </a:solidFill>
+                        <a:effectLst/>
+                        <a:latin typeface="等线" panose="02010600030101010101" pitchFamily="2" charset="-122"/>
+                        <a:ea typeface="等线" panose="02010600030101010101" pitchFamily="2" charset="-122"/>
+                      </a:endParaRPr>
+                    </a:p>
+                  </a:txBody>
+                  <a:tcPr marL="9525" marR="9525" marT="9525" marB="0" anchor="ctr"/>
+                </a:tc>
+                <a:tc>
+                  <a:txBody>
+                    <a:bodyPr/>
+                    <a:lstStyle/>
+                    <a:p>
+                      <a:pPr algn="ctr" fontAlgn="ctr"/>
+                      <a:r>
+                        <a:rPr lang="en-US" altLang="zh-CN" sz="1100" u="none" strike="noStrike">
+                          <a:effectLst/>
+                        </a:rPr>
+                        <a:t>3.7402</a:t>
+                      </a:r>
+                      <a:endParaRPr lang="en-US" altLang="zh-CN" sz="1100" b="1" i="0" u="none" strike="noStrike">
+                        <a:solidFill>
+                          <a:srgbClr val="000000"/>
+                        </a:solidFill>
+                        <a:effectLst/>
+                        <a:latin typeface="等线" panose="02010600030101010101" pitchFamily="2" charset="-122"/>
+                        <a:ea typeface="等线" panose="02010600030101010101" pitchFamily="2" charset="-122"/>
+                      </a:endParaRPr>
+                    </a:p>
+                  </a:txBody>
+                  <a:tcPr marL="9525" marR="9525" marT="9525" marB="0" anchor="ctr"/>
+                </a:tc>
+                <a:tc>
+                  <a:txBody>
+                    <a:bodyPr/>
+                    <a:lstStyle/>
+                    <a:p>
+                      <a:pPr algn="ctr" fontAlgn="ctr"/>
+                      <a:r>
+                        <a:rPr lang="en-US" altLang="zh-CN" sz="1100" u="none" strike="noStrike">
+                          <a:effectLst/>
+                        </a:rPr>
+                        <a:t>3.8226</a:t>
+                      </a:r>
+                      <a:endParaRPr lang="en-US" altLang="zh-CN" sz="1100" b="1" i="0" u="none" strike="noStrike">
+                        <a:solidFill>
+                          <a:srgbClr val="000000"/>
+                        </a:solidFill>
+                        <a:effectLst/>
+                        <a:latin typeface="等线" panose="02010600030101010101" pitchFamily="2" charset="-122"/>
+                        <a:ea typeface="等线" panose="02010600030101010101" pitchFamily="2" charset="-122"/>
+                      </a:endParaRPr>
+                    </a:p>
+                  </a:txBody>
+                  <a:tcPr marL="9525" marR="9525" marT="9525" marB="0" anchor="ctr"/>
+                </a:tc>
+                <a:tc>
+                  <a:txBody>
+                    <a:bodyPr/>
+                    <a:lstStyle/>
+                    <a:p>
+                      <a:pPr algn="ctr" fontAlgn="ctr"/>
+                      <a:r>
+                        <a:rPr lang="en-US" altLang="zh-CN" sz="1100" u="none" strike="noStrike">
+                          <a:effectLst/>
+                        </a:rPr>
+                        <a:t>5.6506</a:t>
+                      </a:r>
+                      <a:endParaRPr lang="en-US" altLang="zh-CN" sz="1100" b="1" i="0" u="none" strike="noStrike">
+                        <a:solidFill>
+                          <a:srgbClr val="000000"/>
+                        </a:solidFill>
+                        <a:effectLst/>
+                        <a:latin typeface="等线" panose="02010600030101010101" pitchFamily="2" charset="-122"/>
+                        <a:ea typeface="等线" panose="02010600030101010101" pitchFamily="2" charset="-122"/>
+                      </a:endParaRPr>
+                    </a:p>
+                  </a:txBody>
+                  <a:tcPr marL="9525" marR="9525" marT="9525" marB="0" anchor="ctr"/>
+                </a:tc>
+                <a:tc>
+                  <a:txBody>
+                    <a:bodyPr/>
+                    <a:lstStyle/>
+                    <a:p>
+                      <a:pPr algn="ctr" fontAlgn="ctr"/>
+                      <a:r>
+                        <a:rPr lang="en-US" altLang="zh-CN" sz="1100" u="none" strike="noStrike">
+                          <a:effectLst/>
+                        </a:rPr>
+                        <a:t>9.2978</a:t>
+                      </a:r>
+                      <a:endParaRPr lang="en-US" altLang="zh-CN" sz="1100" b="1" i="0" u="none" strike="noStrike">
+                        <a:solidFill>
+                          <a:srgbClr val="000000"/>
+                        </a:solidFill>
+                        <a:effectLst/>
+                        <a:latin typeface="等线" panose="02010600030101010101" pitchFamily="2" charset="-122"/>
+                        <a:ea typeface="等线" panose="02010600030101010101" pitchFamily="2" charset="-122"/>
+                      </a:endParaRPr>
+                    </a:p>
+                  </a:txBody>
+                  <a:tcPr marL="9525" marR="9525" marT="9525" marB="0" anchor="ctr"/>
+                </a:tc>
+                <a:tc>
+                  <a:txBody>
+                    <a:bodyPr/>
+                    <a:lstStyle/>
+                    <a:p>
+                      <a:pPr algn="ctr" fontAlgn="ctr"/>
+                      <a:r>
+                        <a:rPr lang="en-US" altLang="zh-CN" sz="1100" u="none" strike="noStrike">
+                          <a:effectLst/>
+                        </a:rPr>
+                        <a:t>9.2505</a:t>
+                      </a:r>
+                      <a:endParaRPr lang="en-US" altLang="zh-CN" sz="1100" b="1" i="0" u="none" strike="noStrike">
+                        <a:solidFill>
+                          <a:srgbClr val="000000"/>
+                        </a:solidFill>
+                        <a:effectLst/>
+                        <a:latin typeface="等线" panose="02010600030101010101" pitchFamily="2" charset="-122"/>
+                        <a:ea typeface="等线" panose="02010600030101010101" pitchFamily="2" charset="-122"/>
+                      </a:endParaRPr>
+                    </a:p>
+                  </a:txBody>
+                  <a:tcPr marL="9525" marR="9525" marT="9525" marB="0" anchor="ctr"/>
+                </a:tc>
+                <a:tc>
+                  <a:txBody>
+                    <a:bodyPr/>
+                    <a:lstStyle/>
+                    <a:p>
+                      <a:pPr algn="ctr" fontAlgn="ctr"/>
+                      <a:r>
+                        <a:rPr lang="en-US" altLang="zh-CN" sz="1100" u="none" strike="noStrike">
+                          <a:effectLst/>
+                        </a:rPr>
+                        <a:t>14.955</a:t>
+                      </a:r>
+                      <a:endParaRPr lang="en-US" altLang="zh-CN" sz="1100" b="1" i="0" u="none" strike="noStrike">
+                        <a:solidFill>
+                          <a:srgbClr val="000000"/>
+                        </a:solidFill>
+                        <a:effectLst/>
+                        <a:latin typeface="等线" panose="02010600030101010101" pitchFamily="2" charset="-122"/>
+                        <a:ea typeface="等线" panose="02010600030101010101" pitchFamily="2" charset="-122"/>
+                      </a:endParaRPr>
+                    </a:p>
+                  </a:txBody>
+                  <a:tcPr marL="9525" marR="9525" marT="9525" marB="0" anchor="ctr"/>
+                </a:tc>
+                <a:tc>
+                  <a:txBody>
+                    <a:bodyPr/>
+                    <a:lstStyle/>
+                    <a:p>
+                      <a:pPr algn="l" fontAlgn="b"/>
+                      <a:r>
+                        <a:rPr lang="en-US" altLang="zh-CN" sz="1100" u="none" strike="noStrike">
+                          <a:effectLst/>
+                        </a:rPr>
+                        <a:t>11.252</a:t>
+                      </a:r>
+                      <a:endParaRPr lang="en-US" altLang="zh-CN" sz="1100" b="1" i="0" u="none" strike="noStrike">
+                        <a:solidFill>
+                          <a:srgbClr val="000000"/>
+                        </a:solidFill>
+                        <a:effectLst/>
+                        <a:latin typeface="等线" panose="02010600030101010101" pitchFamily="2" charset="-122"/>
+                        <a:ea typeface="等线" panose="02010600030101010101" pitchFamily="2" charset="-122"/>
+                      </a:endParaRPr>
+                    </a:p>
+                  </a:txBody>
+                  <a:tcPr marL="9525" marR="9525" marT="9525" marB="0" anchor="b"/>
+                </a:tc>
+                <a:extLst>
+                  <a:ext uri="{0D108BD9-81ED-4DB2-BD59-A6C34878D82A}">
+                    <a16:rowId xmlns:a16="http://schemas.microsoft.com/office/drawing/2014/main" val="3939303925"/>
+                  </a:ext>
+                </a:extLst>
+              </a:tr>
+              <a:tr h="180975">
+                <a:tc>
+                  <a:txBody>
+                    <a:bodyPr/>
+                    <a:lstStyle/>
+                    <a:p>
+                      <a:pPr algn="ctr" fontAlgn="ctr"/>
+                      <a:r>
+                        <a:rPr lang="en-US" sz="1100" u="none" strike="noStrike">
+                          <a:effectLst/>
+                        </a:rPr>
+                        <a:t>-Inf</a:t>
+                      </a:r>
+                      <a:endParaRPr lang="en-US" sz="1100" b="1" i="0" u="none" strike="noStrike">
+                        <a:solidFill>
+                          <a:srgbClr val="000000"/>
+                        </a:solidFill>
+                        <a:effectLst/>
+                        <a:latin typeface="等线" panose="02010600030101010101" pitchFamily="2" charset="-122"/>
+                        <a:ea typeface="等线" panose="02010600030101010101" pitchFamily="2" charset="-122"/>
+                      </a:endParaRPr>
+                    </a:p>
+                  </a:txBody>
+                  <a:tcPr marL="9525" marR="9525" marT="9525" marB="0" anchor="ctr"/>
+                </a:tc>
+                <a:tc>
+                  <a:txBody>
+                    <a:bodyPr/>
+                    <a:lstStyle/>
+                    <a:p>
+                      <a:pPr algn="ctr" fontAlgn="ctr"/>
+                      <a:r>
+                        <a:rPr lang="en-US" sz="1100" u="none" strike="noStrike">
+                          <a:effectLst/>
+                        </a:rPr>
+                        <a:t>-Inf</a:t>
+                      </a:r>
+                      <a:endParaRPr lang="en-US" sz="1100" b="1" i="0" u="none" strike="noStrike">
+                        <a:solidFill>
+                          <a:srgbClr val="000000"/>
+                        </a:solidFill>
+                        <a:effectLst/>
+                        <a:latin typeface="等线" panose="02010600030101010101" pitchFamily="2" charset="-122"/>
+                        <a:ea typeface="等线" panose="02010600030101010101" pitchFamily="2" charset="-122"/>
+                      </a:endParaRPr>
+                    </a:p>
+                  </a:txBody>
+                  <a:tcPr marL="9525" marR="9525" marT="9525" marB="0" anchor="ctr"/>
+                </a:tc>
+                <a:tc>
+                  <a:txBody>
+                    <a:bodyPr/>
+                    <a:lstStyle/>
+                    <a:p>
+                      <a:pPr algn="ctr" fontAlgn="ctr"/>
+                      <a:r>
+                        <a:rPr lang="en-US" sz="1100" u="none" strike="noStrike">
+                          <a:effectLst/>
+                        </a:rPr>
+                        <a:t>-Inf</a:t>
+                      </a:r>
+                      <a:endParaRPr lang="en-US" sz="1100" b="1" i="0" u="none" strike="noStrike">
+                        <a:solidFill>
+                          <a:srgbClr val="000000"/>
+                        </a:solidFill>
+                        <a:effectLst/>
+                        <a:latin typeface="等线" panose="02010600030101010101" pitchFamily="2" charset="-122"/>
+                        <a:ea typeface="等线" panose="02010600030101010101" pitchFamily="2" charset="-122"/>
+                      </a:endParaRPr>
+                    </a:p>
+                  </a:txBody>
+                  <a:tcPr marL="9525" marR="9525" marT="9525" marB="0" anchor="ctr"/>
+                </a:tc>
+                <a:tc>
+                  <a:txBody>
+                    <a:bodyPr/>
+                    <a:lstStyle/>
+                    <a:p>
+                      <a:pPr algn="ctr" fontAlgn="ctr"/>
+                      <a:r>
+                        <a:rPr lang="en-US" altLang="zh-CN" sz="1100" u="none" strike="noStrike">
+                          <a:effectLst/>
+                        </a:rPr>
+                        <a:t>-1.813</a:t>
+                      </a:r>
+                      <a:endParaRPr lang="en-US" altLang="zh-CN" sz="1100" b="1" i="0" u="none" strike="noStrike">
+                        <a:solidFill>
+                          <a:srgbClr val="000000"/>
+                        </a:solidFill>
+                        <a:effectLst/>
+                        <a:latin typeface="等线" panose="02010600030101010101" pitchFamily="2" charset="-122"/>
+                        <a:ea typeface="等线" panose="02010600030101010101" pitchFamily="2" charset="-122"/>
+                      </a:endParaRPr>
+                    </a:p>
+                  </a:txBody>
+                  <a:tcPr marL="9525" marR="9525" marT="9525" marB="0" anchor="ctr"/>
+                </a:tc>
+                <a:tc>
+                  <a:txBody>
+                    <a:bodyPr/>
+                    <a:lstStyle/>
+                    <a:p>
+                      <a:pPr algn="ctr" fontAlgn="ctr"/>
+                      <a:r>
+                        <a:rPr lang="en-US" altLang="zh-CN" sz="1100" u="none" strike="noStrike">
+                          <a:effectLst/>
+                        </a:rPr>
+                        <a:t>3.7354</a:t>
+                      </a:r>
+                      <a:endParaRPr lang="en-US" altLang="zh-CN" sz="1100" b="1" i="0" u="none" strike="noStrike">
+                        <a:solidFill>
+                          <a:srgbClr val="000000"/>
+                        </a:solidFill>
+                        <a:effectLst/>
+                        <a:latin typeface="等线" panose="02010600030101010101" pitchFamily="2" charset="-122"/>
+                        <a:ea typeface="等线" panose="02010600030101010101" pitchFamily="2" charset="-122"/>
+                      </a:endParaRPr>
+                    </a:p>
+                  </a:txBody>
+                  <a:tcPr marL="9525" marR="9525" marT="9525" marB="0" anchor="ctr"/>
+                </a:tc>
+                <a:tc>
+                  <a:txBody>
+                    <a:bodyPr/>
+                    <a:lstStyle/>
+                    <a:p>
+                      <a:pPr algn="ctr" fontAlgn="ctr"/>
+                      <a:r>
+                        <a:rPr lang="en-US" altLang="zh-CN" sz="1100" u="none" strike="noStrike">
+                          <a:effectLst/>
+                        </a:rPr>
+                        <a:t>3.6723</a:t>
+                      </a:r>
+                      <a:endParaRPr lang="en-US" altLang="zh-CN" sz="1100" b="1" i="0" u="none" strike="noStrike">
+                        <a:solidFill>
+                          <a:srgbClr val="000000"/>
+                        </a:solidFill>
+                        <a:effectLst/>
+                        <a:latin typeface="等线" panose="02010600030101010101" pitchFamily="2" charset="-122"/>
+                        <a:ea typeface="等线" panose="02010600030101010101" pitchFamily="2" charset="-122"/>
+                      </a:endParaRPr>
+                    </a:p>
+                  </a:txBody>
+                  <a:tcPr marL="9525" marR="9525" marT="9525" marB="0" anchor="ctr"/>
+                </a:tc>
+                <a:tc>
+                  <a:txBody>
+                    <a:bodyPr/>
+                    <a:lstStyle/>
+                    <a:p>
+                      <a:pPr algn="ctr" fontAlgn="ctr"/>
+                      <a:r>
+                        <a:rPr lang="en-US" altLang="zh-CN" sz="1100" u="none" strike="noStrike" dirty="0">
+                          <a:effectLst/>
+                        </a:rPr>
+                        <a:t>3.7402</a:t>
+                      </a:r>
+                      <a:endParaRPr lang="en-US" altLang="zh-CN" sz="1100" b="1" i="0" u="none" strike="noStrike" dirty="0">
+                        <a:solidFill>
+                          <a:srgbClr val="000000"/>
+                        </a:solidFill>
+                        <a:effectLst/>
+                        <a:latin typeface="等线" panose="02010600030101010101" pitchFamily="2" charset="-122"/>
+                        <a:ea typeface="等线" panose="02010600030101010101" pitchFamily="2" charset="-122"/>
+                      </a:endParaRPr>
+                    </a:p>
+                  </a:txBody>
+                  <a:tcPr marL="9525" marR="9525" marT="9525" marB="0" anchor="ctr"/>
+                </a:tc>
+                <a:tc>
+                  <a:txBody>
+                    <a:bodyPr/>
+                    <a:lstStyle/>
+                    <a:p>
+                      <a:pPr algn="ctr" fontAlgn="ctr"/>
+                      <a:r>
+                        <a:rPr lang="en-US" altLang="zh-CN" sz="1100" u="none" strike="noStrike">
+                          <a:effectLst/>
+                        </a:rPr>
+                        <a:t>3.8063</a:t>
+                      </a:r>
+                      <a:endParaRPr lang="en-US" altLang="zh-CN" sz="1100" b="1" i="0" u="none" strike="noStrike">
+                        <a:solidFill>
+                          <a:srgbClr val="000000"/>
+                        </a:solidFill>
+                        <a:effectLst/>
+                        <a:latin typeface="等线" panose="02010600030101010101" pitchFamily="2" charset="-122"/>
+                        <a:ea typeface="等线" panose="02010600030101010101" pitchFamily="2" charset="-122"/>
+                      </a:endParaRPr>
+                    </a:p>
+                  </a:txBody>
+                  <a:tcPr marL="9525" marR="9525" marT="9525" marB="0" anchor="ctr"/>
+                </a:tc>
+                <a:tc>
+                  <a:txBody>
+                    <a:bodyPr/>
+                    <a:lstStyle/>
+                    <a:p>
+                      <a:pPr algn="ctr" fontAlgn="ctr"/>
+                      <a:r>
+                        <a:rPr lang="en-US" altLang="zh-CN" sz="1100" u="none" strike="noStrike">
+                          <a:effectLst/>
+                        </a:rPr>
+                        <a:t>7.5336</a:t>
+                      </a:r>
+                      <a:endParaRPr lang="en-US" altLang="zh-CN" sz="1100" b="1" i="0" u="none" strike="noStrike">
+                        <a:solidFill>
+                          <a:srgbClr val="000000"/>
+                        </a:solidFill>
+                        <a:effectLst/>
+                        <a:latin typeface="等线" panose="02010600030101010101" pitchFamily="2" charset="-122"/>
+                        <a:ea typeface="等线" panose="02010600030101010101" pitchFamily="2" charset="-122"/>
+                      </a:endParaRPr>
+                    </a:p>
+                  </a:txBody>
+                  <a:tcPr marL="9525" marR="9525" marT="9525" marB="0" anchor="ctr"/>
+                </a:tc>
+                <a:tc>
+                  <a:txBody>
+                    <a:bodyPr/>
+                    <a:lstStyle/>
+                    <a:p>
+                      <a:pPr algn="ctr" fontAlgn="ctr"/>
+                      <a:r>
+                        <a:rPr lang="en-US" altLang="zh-CN" sz="1100" u="none" strike="noStrike">
+                          <a:effectLst/>
+                        </a:rPr>
+                        <a:t>9.2505</a:t>
+                      </a:r>
+                      <a:endParaRPr lang="en-US" altLang="zh-CN" sz="1100" b="1" i="0" u="none" strike="noStrike">
+                        <a:solidFill>
+                          <a:srgbClr val="000000"/>
+                        </a:solidFill>
+                        <a:effectLst/>
+                        <a:latin typeface="等线" panose="02010600030101010101" pitchFamily="2" charset="-122"/>
+                        <a:ea typeface="等线" panose="02010600030101010101" pitchFamily="2" charset="-122"/>
+                      </a:endParaRPr>
+                    </a:p>
+                  </a:txBody>
+                  <a:tcPr marL="9525" marR="9525" marT="9525" marB="0" anchor="ctr"/>
+                </a:tc>
+                <a:tc>
+                  <a:txBody>
+                    <a:bodyPr/>
+                    <a:lstStyle/>
+                    <a:p>
+                      <a:pPr algn="ctr" fontAlgn="ctr"/>
+                      <a:r>
+                        <a:rPr lang="en-US" altLang="zh-CN" sz="1100" u="none" strike="noStrike">
+                          <a:effectLst/>
+                        </a:rPr>
+                        <a:t>9.2505</a:t>
+                      </a:r>
+                      <a:endParaRPr lang="en-US" altLang="zh-CN" sz="1100" b="1" i="0" u="none" strike="noStrike">
+                        <a:solidFill>
+                          <a:srgbClr val="000000"/>
+                        </a:solidFill>
+                        <a:effectLst/>
+                        <a:latin typeface="等线" panose="02010600030101010101" pitchFamily="2" charset="-122"/>
+                        <a:ea typeface="等线" panose="02010600030101010101" pitchFamily="2" charset="-122"/>
+                      </a:endParaRPr>
+                    </a:p>
+                  </a:txBody>
+                  <a:tcPr marL="9525" marR="9525" marT="9525" marB="0" anchor="ctr"/>
+                </a:tc>
+                <a:tc>
+                  <a:txBody>
+                    <a:bodyPr/>
+                    <a:lstStyle/>
+                    <a:p>
+                      <a:pPr algn="ctr" fontAlgn="ctr"/>
+                      <a:r>
+                        <a:rPr lang="en-US" altLang="zh-CN" sz="1100" u="none" strike="noStrike">
+                          <a:effectLst/>
+                        </a:rPr>
+                        <a:t>11.153</a:t>
+                      </a:r>
+                      <a:endParaRPr lang="en-US" altLang="zh-CN" sz="1100" b="1" i="0" u="none" strike="noStrike">
+                        <a:solidFill>
+                          <a:srgbClr val="000000"/>
+                        </a:solidFill>
+                        <a:effectLst/>
+                        <a:latin typeface="等线" panose="02010600030101010101" pitchFamily="2" charset="-122"/>
+                        <a:ea typeface="等线" panose="02010600030101010101" pitchFamily="2" charset="-122"/>
+                      </a:endParaRPr>
+                    </a:p>
+                  </a:txBody>
+                  <a:tcPr marL="9525" marR="9525" marT="9525" marB="0" anchor="ctr"/>
+                </a:tc>
+                <a:tc>
+                  <a:txBody>
+                    <a:bodyPr/>
+                    <a:lstStyle/>
+                    <a:p>
+                      <a:pPr algn="l" fontAlgn="b"/>
+                      <a:r>
+                        <a:rPr lang="en-US" altLang="zh-CN" sz="1100" u="none" strike="noStrike" dirty="0">
+                          <a:effectLst/>
+                        </a:rPr>
+                        <a:t>13.003</a:t>
+                      </a:r>
+                      <a:endParaRPr lang="en-US" altLang="zh-CN" sz="1100" b="1" i="0" u="none" strike="noStrike" dirty="0">
+                        <a:solidFill>
+                          <a:srgbClr val="000000"/>
+                        </a:solidFill>
+                        <a:effectLst/>
+                        <a:latin typeface="等线" panose="02010600030101010101" pitchFamily="2" charset="-122"/>
+                        <a:ea typeface="等线" panose="02010600030101010101" pitchFamily="2" charset="-122"/>
+                      </a:endParaRPr>
+                    </a:p>
+                  </a:txBody>
+                  <a:tcPr marL="9525" marR="9525" marT="9525" marB="0" anchor="b"/>
+                </a:tc>
+                <a:extLst>
+                  <a:ext uri="{0D108BD9-81ED-4DB2-BD59-A6C34878D82A}">
+                    <a16:rowId xmlns:a16="http://schemas.microsoft.com/office/drawing/2014/main" val="303160055"/>
+                  </a:ext>
+                </a:extLst>
+              </a:tr>
+            </a:tbl>
+          </a:graphicData>
+        </a:graphic>
+      </p:graphicFrame>
+    </p:spTree>
+    <p:extLst>
+      <p:ext uri="{BB962C8B-B14F-4D97-AF65-F5344CB8AC3E}">
+        <p14:creationId xmlns:p14="http://schemas.microsoft.com/office/powerpoint/2010/main" val="383563596"/>
+      </p:ext>
+    </p:extLst>
+  </p:cSld>
+  <p:clrMapOvr>
+    <a:masterClrMapping/>
+  </p:clrMapOvr>
+</p:sld>
+</file>
+
+<file path=ppt/slides/slide21.xml><?xml version="1.0" encoding="utf-8"?>
+<p:sld xmlns:a="http://schemas.openxmlformats.org/drawingml/2006/main" xmlns:r="http://schemas.openxmlformats.org/officeDocument/2006/relationships" xmlns:p="http://schemas.openxmlformats.org/presentationml/2006/main">
+  <p:cSld>
+    <p:spTree>
+      <p:nvGrpSpPr>
+        <p:cNvPr id="1" name=""/>
+        <p:cNvGrpSpPr/>
+        <p:nvPr/>
+      </p:nvGrpSpPr>
+      <p:grpSpPr>
+        <a:xfrm>
+          <a:off x="0" y="0"/>
+          <a:ext cx="0" cy="0"/>
+          <a:chOff x="0" y="0"/>
+          <a:chExt cx="0" cy="0"/>
+        </a:xfrm>
+      </p:grpSpPr>
+      <p:sp>
+        <p:nvSpPr>
+          <p:cNvPr id="2" name="标题 1"/>
+          <p:cNvSpPr>
+            <a:spLocks noGrp="1"/>
+          </p:cNvSpPr>
+          <p:nvPr>
+            <p:ph type="title"/>
+          </p:nvPr>
+        </p:nvSpPr>
+        <p:spPr/>
+        <p:txBody>
+          <a:bodyPr/>
+          <a:lstStyle/>
+          <a:p>
+            <a:r>
+              <a:rPr lang="zh-CN" altLang="en-US" dirty="0" smtClean="0"/>
+              <a:t>分析和结果</a:t>
+            </a:r>
+            <a:endParaRPr lang="zh-CN" altLang="en-US" dirty="0"/>
+          </a:p>
+        </p:txBody>
+      </p:sp>
+      <p:sp>
+        <p:nvSpPr>
+          <p:cNvPr id="3" name="内容占位符 2"/>
+          <p:cNvSpPr>
+            <a:spLocks noGrp="1"/>
+          </p:cNvSpPr>
+          <p:nvPr>
+            <p:ph idx="1"/>
+          </p:nvPr>
+        </p:nvSpPr>
+        <p:spPr/>
+        <p:txBody>
+          <a:bodyPr/>
+          <a:lstStyle/>
+          <a:p>
+            <a:endParaRPr lang="zh-CN" altLang="en-US" dirty="0"/>
+          </a:p>
+        </p:txBody>
+      </p:sp>
+    </p:spTree>
+    <p:extLst>
+      <p:ext uri="{BB962C8B-B14F-4D97-AF65-F5344CB8AC3E}">
+        <p14:creationId xmlns:p14="http://schemas.microsoft.com/office/powerpoint/2010/main" val="1481006282"/>
       </p:ext>
     </p:extLst>
   </p:cSld>
